--- a/documents/Clothes Detection 모델 결과 보고서.pptx
+++ b/documents/Clothes Detection 모델 결과 보고서.pptx
@@ -20,8 +20,8 @@
     <p:sldId id="281" r:id="rId14"/>
     <p:sldId id="270" r:id="rId15"/>
     <p:sldId id="284" r:id="rId16"/>
-    <p:sldId id="271" r:id="rId17"/>
-    <p:sldId id="286" r:id="rId18"/>
+    <p:sldId id="290" r:id="rId17"/>
+    <p:sldId id="271" r:id="rId18"/>
     <p:sldId id="287" r:id="rId19"/>
     <p:sldId id="273" r:id="rId20"/>
     <p:sldId id="274" r:id="rId21"/>
@@ -3921,7 +3921,7 @@
     <mc:Choice Requires="p14">
       <p:transition/>
     </mc:Choice>
-    <mc:Fallback xmlns="" xmlns:c="http://schemas.openxmlformats.org/drawingml/2006/chart" xmlns:dgm="http://schemas.openxmlformats.org/drawingml/2006/diagram" xmlns:dsp="http://schemas.microsoft.com/office/drawing/2008/diagram">
+    <mc:Fallback xmlns:dsp="http://schemas.microsoft.com/office/drawing/2008/diagram" xmlns:dgm="http://schemas.openxmlformats.org/drawingml/2006/diagram" xmlns:c="http://schemas.openxmlformats.org/drawingml/2006/chart" xmlns="">
       <p:transition/>
     </mc:Fallback>
   </mc:AlternateContent>
@@ -4785,7 +4785,7 @@
     <mc:Choice Requires="p14">
       <p:transition/>
     </mc:Choice>
-    <mc:Fallback xmlns="" xmlns:c="http://schemas.openxmlformats.org/drawingml/2006/chart" xmlns:dgm="http://schemas.openxmlformats.org/drawingml/2006/diagram" xmlns:dsp="http://schemas.microsoft.com/office/drawing/2008/diagram">
+    <mc:Fallback xmlns:dsp="http://schemas.microsoft.com/office/drawing/2008/diagram" xmlns:dgm="http://schemas.openxmlformats.org/drawingml/2006/diagram" xmlns:c="http://schemas.openxmlformats.org/drawingml/2006/chart" xmlns="">
       <p:transition/>
     </mc:Fallback>
   </mc:AlternateContent>
@@ -5334,7 +5334,7 @@
     <mc:Choice Requires="p14">
       <p:transition/>
     </mc:Choice>
-    <mc:Fallback xmlns="" xmlns:c="http://schemas.openxmlformats.org/drawingml/2006/chart" xmlns:dgm="http://schemas.openxmlformats.org/drawingml/2006/diagram" xmlns:dsp="http://schemas.microsoft.com/office/drawing/2008/diagram">
+    <mc:Fallback xmlns:dsp="http://schemas.microsoft.com/office/drawing/2008/diagram" xmlns:dgm="http://schemas.openxmlformats.org/drawingml/2006/diagram" xmlns:c="http://schemas.openxmlformats.org/drawingml/2006/chart" xmlns="">
       <p:transition/>
     </mc:Fallback>
   </mc:AlternateContent>
@@ -5853,7 +5853,7 @@
     <mc:Choice Requires="p14">
       <p:transition/>
     </mc:Choice>
-    <mc:Fallback xmlns="" xmlns:c="http://schemas.openxmlformats.org/drawingml/2006/chart" xmlns:dgm="http://schemas.openxmlformats.org/drawingml/2006/diagram" xmlns:dsp="http://schemas.microsoft.com/office/drawing/2008/diagram">
+    <mc:Fallback xmlns:dsp="http://schemas.microsoft.com/office/drawing/2008/diagram" xmlns:dgm="http://schemas.openxmlformats.org/drawingml/2006/diagram" xmlns:c="http://schemas.openxmlformats.org/drawingml/2006/chart" xmlns="">
       <p:transition/>
     </mc:Fallback>
   </mc:AlternateContent>
@@ -6851,94 +6851,6 @@
           </p:spPr>
         </p:pic>
       </p:grpSp>
-      <p:cxnSp>
-        <p:nvCxnSpPr>
-          <p:cNvPr id="23" name="직선 연결선 22">
-            <a:extLst>
-              <a:ext uri="{FF2B5EF4-FFF2-40B4-BE49-F238E27FC236}">
-                <a16:creationId xmlns:a16="http://schemas.microsoft.com/office/drawing/2014/main" id="{42A9C8DE-662D-13D1-9EC2-960C27FBE676}"/>
-              </a:ext>
-            </a:extLst>
-          </p:cNvPr>
-          <p:cNvCxnSpPr>
-            <a:cxnSpLocks/>
-          </p:cNvCxnSpPr>
-          <p:nvPr/>
-        </p:nvCxnSpPr>
-        <p:spPr>
-          <a:xfrm flipV="1">
-            <a:off x="3276600" y="3238500"/>
-            <a:ext cx="0" cy="4495800"/>
-          </a:xfrm>
-          <a:prstGeom prst="line">
-            <a:avLst/>
-          </a:prstGeom>
-          <a:ln w="63500">
-            <a:solidFill>
-              <a:srgbClr val="FF0000"/>
-            </a:solidFill>
-            <a:prstDash val="sysDash"/>
-          </a:ln>
-        </p:spPr>
-        <p:style>
-          <a:lnRef idx="1">
-            <a:schemeClr val="accent2"/>
-          </a:lnRef>
-          <a:fillRef idx="0">
-            <a:schemeClr val="accent2"/>
-          </a:fillRef>
-          <a:effectRef idx="0">
-            <a:schemeClr val="accent2"/>
-          </a:effectRef>
-          <a:fontRef idx="minor">
-            <a:schemeClr val="tx1"/>
-          </a:fontRef>
-        </p:style>
-      </p:cxnSp>
-      <p:cxnSp>
-        <p:nvCxnSpPr>
-          <p:cNvPr id="24" name="직선 연결선 23">
-            <a:extLst>
-              <a:ext uri="{FF2B5EF4-FFF2-40B4-BE49-F238E27FC236}">
-                <a16:creationId xmlns:a16="http://schemas.microsoft.com/office/drawing/2014/main" id="{06CB8B6C-CEDD-2A97-CE67-9D5C18A04FBA}"/>
-              </a:ext>
-            </a:extLst>
-          </p:cNvPr>
-          <p:cNvCxnSpPr>
-            <a:cxnSpLocks/>
-          </p:cNvCxnSpPr>
-          <p:nvPr/>
-        </p:nvCxnSpPr>
-        <p:spPr>
-          <a:xfrm flipV="1">
-            <a:off x="11887200" y="3238500"/>
-            <a:ext cx="0" cy="4495800"/>
-          </a:xfrm>
-          <a:prstGeom prst="line">
-            <a:avLst/>
-          </a:prstGeom>
-          <a:ln w="63500">
-            <a:solidFill>
-              <a:srgbClr val="FF0000"/>
-            </a:solidFill>
-            <a:prstDash val="sysDash"/>
-          </a:ln>
-        </p:spPr>
-        <p:style>
-          <a:lnRef idx="1">
-            <a:schemeClr val="accent2"/>
-          </a:lnRef>
-          <a:fillRef idx="0">
-            <a:schemeClr val="accent2"/>
-          </a:fillRef>
-          <a:effectRef idx="0">
-            <a:schemeClr val="accent2"/>
-          </a:effectRef>
-          <a:fontRef idx="minor">
-            <a:schemeClr val="tx1"/>
-          </a:fontRef>
-        </p:style>
-      </p:cxnSp>
     </p:spTree>
   </p:cSld>
   <p:clrMapOvr>
@@ -6948,7 +6860,7 @@
     <mc:Choice Requires="p14">
       <p:transition/>
     </mc:Choice>
-    <mc:Fallback xmlns="" xmlns:c="http://schemas.openxmlformats.org/drawingml/2006/chart" xmlns:dgm="http://schemas.openxmlformats.org/drawingml/2006/diagram" xmlns:dsp="http://schemas.microsoft.com/office/drawing/2008/diagram">
+    <mc:Fallback xmlns:dsp="http://schemas.microsoft.com/office/drawing/2008/diagram" xmlns:dgm="http://schemas.openxmlformats.org/drawingml/2006/diagram" xmlns:c="http://schemas.openxmlformats.org/drawingml/2006/chart" xmlns="">
       <p:transition/>
     </mc:Fallback>
   </mc:AlternateContent>
@@ -7526,6 +7438,576 @@
 </file>
 
 <file path=ppt/slides/slide16.xml><?xml version="1.0" encoding="utf-8"?>
+<p:sld xmlns:a="http://schemas.openxmlformats.org/drawingml/2006/main" xmlns:r="http://schemas.openxmlformats.org/officeDocument/2006/relationships" xmlns:p="http://schemas.openxmlformats.org/presentationml/2006/main">
+  <p:cSld>
+    <p:bg>
+      <p:bgPr>
+        <a:solidFill>
+          <a:srgbClr val="F7F2EB"/>
+        </a:solidFill>
+        <a:effectLst/>
+      </p:bgPr>
+    </p:bg>
+    <p:spTree>
+      <p:nvGrpSpPr>
+        <p:cNvPr id="1" name=""/>
+        <p:cNvGrpSpPr/>
+        <p:nvPr/>
+      </p:nvGrpSpPr>
+      <p:grpSpPr>
+        <a:xfrm>
+          <a:off x="0" y="0"/>
+          <a:ext cx="0" cy="0"/>
+          <a:chOff x="0" y="0"/>
+          <a:chExt cx="0" cy="0"/>
+        </a:xfrm>
+      </p:grpSpPr>
+      <p:pic>
+        <p:nvPicPr>
+          <p:cNvPr id="2" name="Picture 2"/>
+          <p:cNvPicPr>
+            <a:picLocks noChangeAspect="1"/>
+          </p:cNvPicPr>
+          <p:nvPr/>
+        </p:nvPicPr>
+        <p:blipFill rotWithShape="1">
+          <a:blip r:embed="rId2"/>
+          <a:stretch>
+            <a:fillRect/>
+          </a:stretch>
+        </p:blipFill>
+        <p:spPr>
+          <a:xfrm>
+            <a:off x="1384300" y="1054100"/>
+            <a:ext cx="292100" cy="292100"/>
+          </a:xfrm>
+          <a:prstGeom prst="rect">
+            <a:avLst/>
+          </a:prstGeom>
+        </p:spPr>
+      </p:pic>
+      <p:pic>
+        <p:nvPicPr>
+          <p:cNvPr id="3" name="Picture 3"/>
+          <p:cNvPicPr>
+            <a:picLocks noChangeAspect="1"/>
+          </p:cNvPicPr>
+          <p:nvPr/>
+        </p:nvPicPr>
+        <p:blipFill rotWithShape="1">
+          <a:blip r:embed="rId3"/>
+          <a:stretch>
+            <a:fillRect/>
+          </a:stretch>
+        </p:blipFill>
+        <p:spPr>
+          <a:xfrm>
+            <a:off x="0" y="1181100"/>
+            <a:ext cx="1663700" cy="25400"/>
+          </a:xfrm>
+          <a:prstGeom prst="rect">
+            <a:avLst/>
+          </a:prstGeom>
+        </p:spPr>
+      </p:pic>
+      <p:pic>
+        <p:nvPicPr>
+          <p:cNvPr id="4" name="Picture 4"/>
+          <p:cNvPicPr>
+            <a:picLocks noChangeAspect="1"/>
+          </p:cNvPicPr>
+          <p:nvPr/>
+        </p:nvPicPr>
+        <p:blipFill rotWithShape="1">
+          <a:blip r:embed="rId4"/>
+          <a:stretch>
+            <a:fillRect/>
+          </a:stretch>
+        </p:blipFill>
+        <p:spPr>
+          <a:xfrm>
+            <a:off x="16459200" y="914400"/>
+            <a:ext cx="571500" cy="571500"/>
+          </a:xfrm>
+          <a:prstGeom prst="rect">
+            <a:avLst/>
+          </a:prstGeom>
+        </p:spPr>
+      </p:pic>
+      <p:pic>
+        <p:nvPicPr>
+          <p:cNvPr id="5" name="Picture 5"/>
+          <p:cNvPicPr>
+            <a:picLocks noChangeAspect="1"/>
+          </p:cNvPicPr>
+          <p:nvPr/>
+        </p:nvPicPr>
+        <p:blipFill rotWithShape="1">
+          <a:blip r:embed="rId5"/>
+          <a:stretch>
+            <a:fillRect/>
+          </a:stretch>
+        </p:blipFill>
+        <p:spPr>
+          <a:xfrm rot="5400000">
+            <a:off x="14744700" y="1663700"/>
+            <a:ext cx="4000500" cy="25400"/>
+          </a:xfrm>
+          <a:prstGeom prst="rect">
+            <a:avLst/>
+          </a:prstGeom>
+        </p:spPr>
+      </p:pic>
+      <p:pic>
+        <p:nvPicPr>
+          <p:cNvPr id="6" name="Picture 6"/>
+          <p:cNvPicPr>
+            <a:picLocks noChangeAspect="1"/>
+          </p:cNvPicPr>
+          <p:nvPr/>
+        </p:nvPicPr>
+        <p:blipFill rotWithShape="1">
+          <a:blip r:embed="rId6"/>
+          <a:stretch>
+            <a:fillRect/>
+          </a:stretch>
+        </p:blipFill>
+        <p:spPr>
+          <a:xfrm>
+            <a:off x="16002000" y="1181100"/>
+            <a:ext cx="2286000" cy="25400"/>
+          </a:xfrm>
+          <a:prstGeom prst="rect">
+            <a:avLst/>
+          </a:prstGeom>
+        </p:spPr>
+      </p:pic>
+      <p:sp>
+        <p:nvSpPr>
+          <p:cNvPr id="7" name="TextBox 7"/>
+          <p:cNvSpPr txBox="1"/>
+          <p:nvPr/>
+        </p:nvSpPr>
+        <p:spPr>
+          <a:xfrm>
+            <a:off x="2209800" y="736600"/>
+            <a:ext cx="10401300" cy="889000"/>
+          </a:xfrm>
+          <a:prstGeom prst="rect">
+            <a:avLst/>
+          </a:prstGeom>
+        </p:spPr>
+        <p:txBody>
+          <a:bodyPr lIns="0" tIns="0" rIns="0" bIns="0" anchor="ctr"/>
+          <a:lstStyle/>
+          <a:p>
+            <a:pPr lvl="0" algn="l">
+              <a:lnSpc>
+                <a:spcPct val="107899"/>
+              </a:lnSpc>
+              <a:defRPr/>
+            </a:pPr>
+            <a:r>
+              <a:rPr lang="en-US" sz="5000" b="0" i="0" u="none" strike="noStrike">
+                <a:solidFill>
+                  <a:srgbClr val="006BB1"/>
+                </a:solidFill>
+                <a:latin typeface="나눔바른고딕OTF"/>
+                <a:ea typeface="나눔바른고딕OTF"/>
+              </a:rPr>
+              <a:t>Confidence Threshold</a:t>
+            </a:r>
+          </a:p>
+        </p:txBody>
+      </p:sp>
+      <p:pic>
+        <p:nvPicPr>
+          <p:cNvPr id="8" name="Picture 8"/>
+          <p:cNvPicPr>
+            <a:picLocks noChangeAspect="1"/>
+          </p:cNvPicPr>
+          <p:nvPr/>
+        </p:nvPicPr>
+        <p:blipFill rotWithShape="1">
+          <a:blip r:embed="rId7"/>
+          <a:stretch>
+            <a:fillRect/>
+          </a:stretch>
+        </p:blipFill>
+        <p:spPr>
+          <a:xfrm>
+            <a:off x="16306800" y="8750300"/>
+            <a:ext cx="863600" cy="25400"/>
+          </a:xfrm>
+          <a:prstGeom prst="rect">
+            <a:avLst/>
+          </a:prstGeom>
+        </p:spPr>
+      </p:pic>
+      <p:pic>
+        <p:nvPicPr>
+          <p:cNvPr id="9" name="Picture 9"/>
+          <p:cNvPicPr>
+            <a:picLocks noChangeAspect="1"/>
+          </p:cNvPicPr>
+          <p:nvPr/>
+        </p:nvPicPr>
+        <p:blipFill rotWithShape="1">
+          <a:blip r:embed="rId7"/>
+          <a:stretch>
+            <a:fillRect/>
+          </a:stretch>
+        </p:blipFill>
+        <p:spPr>
+          <a:xfrm rot="16200000">
+            <a:off x="16306800" y="8750300"/>
+            <a:ext cx="863600" cy="25400"/>
+          </a:xfrm>
+          <a:prstGeom prst="rect">
+            <a:avLst/>
+          </a:prstGeom>
+        </p:spPr>
+      </p:pic>
+      <p:pic>
+        <p:nvPicPr>
+          <p:cNvPr id="10" name="Picture 10"/>
+          <p:cNvPicPr>
+            <a:picLocks noChangeAspect="1"/>
+          </p:cNvPicPr>
+          <p:nvPr/>
+        </p:nvPicPr>
+        <p:blipFill rotWithShape="1">
+          <a:blip r:embed="rId4"/>
+          <a:stretch>
+            <a:fillRect/>
+          </a:stretch>
+        </p:blipFill>
+        <p:spPr>
+          <a:xfrm rot="10800000">
+            <a:off x="1257300" y="8483600"/>
+            <a:ext cx="571500" cy="571500"/>
+          </a:xfrm>
+          <a:prstGeom prst="rect">
+            <a:avLst/>
+          </a:prstGeom>
+        </p:spPr>
+      </p:pic>
+      <p:pic>
+        <p:nvPicPr>
+          <p:cNvPr id="11" name="Picture 11"/>
+          <p:cNvPicPr>
+            <a:picLocks noChangeAspect="1"/>
+          </p:cNvPicPr>
+          <p:nvPr/>
+        </p:nvPicPr>
+        <p:blipFill rotWithShape="1">
+          <a:blip r:embed="rId5"/>
+          <a:stretch>
+            <a:fillRect/>
+          </a:stretch>
+        </p:blipFill>
+        <p:spPr>
+          <a:xfrm rot="16200000">
+            <a:off x="-457200" y="8267700"/>
+            <a:ext cx="4000500" cy="25400"/>
+          </a:xfrm>
+          <a:prstGeom prst="rect">
+            <a:avLst/>
+          </a:prstGeom>
+        </p:spPr>
+      </p:pic>
+      <p:pic>
+        <p:nvPicPr>
+          <p:cNvPr id="12" name="Picture 12"/>
+          <p:cNvPicPr>
+            <a:picLocks noChangeAspect="1"/>
+          </p:cNvPicPr>
+          <p:nvPr/>
+        </p:nvPicPr>
+        <p:blipFill rotWithShape="1">
+          <a:blip r:embed="rId8"/>
+          <a:stretch>
+            <a:fillRect/>
+          </a:stretch>
+        </p:blipFill>
+        <p:spPr>
+          <a:xfrm rot="10800000">
+            <a:off x="0" y="8750300"/>
+            <a:ext cx="2387600" cy="25400"/>
+          </a:xfrm>
+          <a:prstGeom prst="rect">
+            <a:avLst/>
+          </a:prstGeom>
+        </p:spPr>
+      </p:pic>
+      <p:grpSp>
+        <p:nvGrpSpPr>
+          <p:cNvPr id="14" name="그룹 13">
+            <a:extLst>
+              <a:ext uri="{FF2B5EF4-FFF2-40B4-BE49-F238E27FC236}">
+                <a16:creationId xmlns:a16="http://schemas.microsoft.com/office/drawing/2014/main" id="{CCF25219-1DD7-7B6C-1A39-FEFF33C72362}"/>
+              </a:ext>
+            </a:extLst>
+          </p:cNvPr>
+          <p:cNvGrpSpPr>
+            <a:grpSpLocks noChangeAspect="1"/>
+          </p:cNvGrpSpPr>
+          <p:nvPr/>
+        </p:nvGrpSpPr>
+        <p:grpSpPr>
+          <a:xfrm>
+            <a:off x="3744000" y="2571200"/>
+            <a:ext cx="10800000" cy="7200000"/>
+            <a:chOff x="5105400" y="2571200"/>
+            <a:chExt cx="8640000" cy="5760000"/>
+          </a:xfrm>
+        </p:grpSpPr>
+        <p:pic>
+          <p:nvPicPr>
+            <p:cNvPr id="18" name="그림 17">
+              <a:extLst>
+                <a:ext uri="{FF2B5EF4-FFF2-40B4-BE49-F238E27FC236}">
+                  <a16:creationId xmlns:a16="http://schemas.microsoft.com/office/drawing/2014/main" id="{276F965D-3849-EF81-0EB0-7A35FD097648}"/>
+                </a:ext>
+              </a:extLst>
+            </p:cNvPr>
+            <p:cNvPicPr>
+              <a:picLocks noChangeAspect="1"/>
+            </p:cNvPicPr>
+            <p:nvPr/>
+          </p:nvPicPr>
+          <p:blipFill>
+            <a:blip r:embed="rId9">
+              <a:extLst>
+                <a:ext uri="{28A0092B-C50C-407E-A947-70E740481C1C}">
+                  <a14:useLocalDpi xmlns:a14="http://schemas.microsoft.com/office/drawing/2010/main" val="0"/>
+                </a:ext>
+              </a:extLst>
+            </a:blip>
+            <a:stretch>
+              <a:fillRect/>
+            </a:stretch>
+          </p:blipFill>
+          <p:spPr>
+            <a:xfrm>
+              <a:off x="5105400" y="2571200"/>
+              <a:ext cx="8640000" cy="5760000"/>
+            </a:xfrm>
+            <a:prstGeom prst="rect">
+              <a:avLst/>
+            </a:prstGeom>
+            <a:noFill/>
+          </p:spPr>
+        </p:pic>
+        <p:sp>
+          <p:nvSpPr>
+            <p:cNvPr id="13" name="직사각형 12">
+              <a:extLst>
+                <a:ext uri="{FF2B5EF4-FFF2-40B4-BE49-F238E27FC236}">
+                  <a16:creationId xmlns:a16="http://schemas.microsoft.com/office/drawing/2014/main" id="{67C7A976-CFFA-B9B2-EC6E-0EA0B521E7C5}"/>
+                </a:ext>
+              </a:extLst>
+            </p:cNvPr>
+            <p:cNvSpPr/>
+            <p:nvPr/>
+          </p:nvSpPr>
+          <p:spPr>
+            <a:xfrm>
+              <a:off x="5105400" y="2571200"/>
+              <a:ext cx="8640000" cy="5760000"/>
+            </a:xfrm>
+            <a:prstGeom prst="rect">
+              <a:avLst/>
+            </a:prstGeom>
+            <a:blipFill dpi="0" rotWithShape="1">
+              <a:blip r:embed="rId10">
+                <a:alphaModFix amt="50000"/>
+              </a:blip>
+              <a:srcRect/>
+              <a:stretch>
+                <a:fillRect/>
+              </a:stretch>
+            </a:blipFill>
+            <a:ln>
+              <a:noFill/>
+            </a:ln>
+          </p:spPr>
+          <p:style>
+            <a:lnRef idx="2">
+              <a:schemeClr val="accent1">
+                <a:shade val="15000"/>
+              </a:schemeClr>
+            </a:lnRef>
+            <a:fillRef idx="1">
+              <a:schemeClr val="accent1"/>
+            </a:fillRef>
+            <a:effectRef idx="0">
+              <a:schemeClr val="accent1"/>
+            </a:effectRef>
+            <a:fontRef idx="minor">
+              <a:schemeClr val="lt1"/>
+            </a:fontRef>
+          </p:style>
+          <p:txBody>
+            <a:bodyPr rtlCol="0" anchor="ctr"/>
+            <a:lstStyle/>
+            <a:p>
+              <a:pPr algn="ctr"/>
+              <a:endParaRPr lang="ko-KR" altLang="en-US" dirty="0"/>
+            </a:p>
+          </p:txBody>
+        </p:sp>
+      </p:grpSp>
+      <p:cxnSp>
+        <p:nvCxnSpPr>
+          <p:cNvPr id="15" name="직선 연결선 14">
+            <a:extLst>
+              <a:ext uri="{FF2B5EF4-FFF2-40B4-BE49-F238E27FC236}">
+                <a16:creationId xmlns:a16="http://schemas.microsoft.com/office/drawing/2014/main" id="{D751D96E-7AC4-1166-DD81-F002B43B6E2F}"/>
+              </a:ext>
+            </a:extLst>
+          </p:cNvPr>
+          <p:cNvCxnSpPr>
+            <a:cxnSpLocks/>
+          </p:cNvCxnSpPr>
+          <p:nvPr/>
+        </p:nvCxnSpPr>
+        <p:spPr>
+          <a:xfrm flipV="1">
+            <a:off x="7162800" y="3543300"/>
+            <a:ext cx="0" cy="5511800"/>
+          </a:xfrm>
+          <a:prstGeom prst="line">
+            <a:avLst/>
+          </a:prstGeom>
+          <a:ln w="63500">
+            <a:solidFill>
+              <a:srgbClr val="FF0000"/>
+            </a:solidFill>
+            <a:prstDash val="sysDash"/>
+          </a:ln>
+        </p:spPr>
+        <p:style>
+          <a:lnRef idx="1">
+            <a:schemeClr val="accent2"/>
+          </a:lnRef>
+          <a:fillRef idx="0">
+            <a:schemeClr val="accent2"/>
+          </a:fillRef>
+          <a:effectRef idx="0">
+            <a:schemeClr val="accent2"/>
+          </a:effectRef>
+          <a:fontRef idx="minor">
+            <a:schemeClr val="tx1"/>
+          </a:fontRef>
+        </p:style>
+      </p:cxnSp>
+      <p:sp>
+        <p:nvSpPr>
+          <p:cNvPr id="16" name="TextBox 18">
+            <a:extLst>
+              <a:ext uri="{FF2B5EF4-FFF2-40B4-BE49-F238E27FC236}">
+                <a16:creationId xmlns:a16="http://schemas.microsoft.com/office/drawing/2014/main" id="{AA23F38D-726B-7C6B-7013-02EF555E666E}"/>
+              </a:ext>
+            </a:extLst>
+          </p:cNvPr>
+          <p:cNvSpPr txBox="1"/>
+          <p:nvPr/>
+        </p:nvSpPr>
+        <p:spPr>
+          <a:xfrm>
+            <a:off x="2209800" y="1866900"/>
+            <a:ext cx="10668000" cy="495300"/>
+          </a:xfrm>
+          <a:prstGeom prst="rect">
+            <a:avLst/>
+          </a:prstGeom>
+        </p:spPr>
+        <p:txBody>
+          <a:bodyPr lIns="0" tIns="0" rIns="0" bIns="0" anchor="ctr"/>
+          <a:lstStyle/>
+          <a:p>
+            <a:pPr lvl="0" algn="l">
+              <a:lnSpc>
+                <a:spcPct val="149400"/>
+              </a:lnSpc>
+              <a:defRPr/>
+            </a:pPr>
+            <a:r>
+              <a:rPr lang="ko-KR" altLang="en-US" sz="2800" b="0" i="0" u="none" strike="noStrike" spc="-100" dirty="0">
+                <a:solidFill>
+                  <a:srgbClr val="006BB1"/>
+                </a:solidFill>
+                <a:latin typeface="나눔바른고딕OTF"/>
+                <a:ea typeface="나눔바른고딕OTF"/>
+              </a:rPr>
+              <a:t>실 사용에서는 </a:t>
+            </a:r>
+            <a:r>
+              <a:rPr lang="en-US" altLang="ko-KR" sz="2800" b="0" i="0" u="none" strike="noStrike" spc="-100" dirty="0">
+                <a:solidFill>
+                  <a:srgbClr val="006BB1"/>
+                </a:solidFill>
+                <a:latin typeface="나눔바른고딕OTF"/>
+                <a:ea typeface="나눔바른고딕OTF"/>
+              </a:rPr>
+              <a:t>recall</a:t>
+            </a:r>
+            <a:r>
+              <a:rPr lang="ko-KR" altLang="en-US" sz="2800" b="0" i="0" u="none" strike="noStrike" spc="-100" dirty="0">
+                <a:solidFill>
+                  <a:srgbClr val="006BB1"/>
+                </a:solidFill>
+                <a:latin typeface="나눔바른고딕OTF"/>
+                <a:ea typeface="나눔바른고딕OTF"/>
+              </a:rPr>
+              <a:t>이 높은 것이 유리하다고 판단하여 </a:t>
+            </a:r>
+            <a:r>
+              <a:rPr lang="en-US" altLang="ko-KR" sz="2800" b="0" i="0" u="none" strike="noStrike" spc="-100" dirty="0">
+                <a:solidFill>
+                  <a:srgbClr val="006BB1"/>
+                </a:solidFill>
+                <a:latin typeface="나눔바른고딕OTF"/>
+                <a:ea typeface="나눔바른고딕OTF"/>
+              </a:rPr>
+              <a:t>0.3</a:t>
+            </a:r>
+            <a:r>
+              <a:rPr lang="ko-KR" altLang="en-US" sz="2800" b="0" i="0" u="none" strike="noStrike" spc="-100" dirty="0">
+                <a:solidFill>
+                  <a:srgbClr val="006BB1"/>
+                </a:solidFill>
+                <a:latin typeface="나눔바른고딕OTF"/>
+                <a:ea typeface="나눔바른고딕OTF"/>
+              </a:rPr>
+              <a:t>을 선택</a:t>
+            </a:r>
+            <a:endParaRPr lang="ko-KR" sz="2800" b="0" i="0" u="none" strike="noStrike" spc="-100" dirty="0">
+              <a:solidFill>
+                <a:srgbClr val="006BB1"/>
+              </a:solidFill>
+              <a:latin typeface="나눔바른고딕OTF"/>
+              <a:ea typeface="나눔바른고딕OTF"/>
+            </a:endParaRPr>
+          </a:p>
+        </p:txBody>
+      </p:sp>
+    </p:spTree>
+    <p:extLst>
+      <p:ext uri="{BB962C8B-B14F-4D97-AF65-F5344CB8AC3E}">
+        <p14:creationId xmlns:p14="http://schemas.microsoft.com/office/powerpoint/2010/main" val="318488461"/>
+      </p:ext>
+    </p:extLst>
+  </p:cSld>
+  <p:clrMapOvr>
+    <a:masterClrMapping/>
+  </p:clrMapOvr>
+  <p:transition/>
+</p:sld>
+</file>
+
+<file path=ppt/slides/slide17.xml><?xml version="1.0" encoding="utf-8"?>
 <p:sld xmlns:a="http://schemas.openxmlformats.org/drawingml/2006/main" xmlns:r="http://schemas.openxmlformats.org/officeDocument/2006/relationships" xmlns:p="http://schemas.openxmlformats.org/presentationml/2006/main">
   <p:cSld>
     <p:bg>
@@ -8943,7 +9425,27 @@
                 <a:latin typeface="나눔바른고딕OTF"/>
                 <a:ea typeface="나눔바른고딕OTF"/>
               </a:rPr>
-              <a:t> 데이터 중에서 착용 사진과 제품 사진을 카테고리 별로 적절히 골라 총 </a:t>
+              <a:t> 데이터 중에서 착용 사진과 제품 사진을 카테고리 별로 </a:t>
+            </a:r>
+            <a:r>
+              <a:rPr lang="ko-KR" altLang="en-US" sz="2800" spc="-100" dirty="0" err="1">
+                <a:solidFill>
+                  <a:srgbClr val="006BB1"/>
+                </a:solidFill>
+                <a:latin typeface="나눔바른고딕OTF"/>
+                <a:ea typeface="나눔바른고딕OTF"/>
+              </a:rPr>
+              <a:t>샘플링하여</a:t>
+            </a:r>
+            <a:r>
+              <a:rPr lang="ko-KR" altLang="en-US" sz="2800" b="0" i="0" u="none" strike="noStrike" spc="-100" dirty="0">
+                <a:solidFill>
+                  <a:srgbClr val="006BB1"/>
+                </a:solidFill>
+                <a:latin typeface="나눔바른고딕OTF"/>
+                <a:ea typeface="나눔바른고딕OTF"/>
+              </a:rPr>
+              <a:t> 총 </a:t>
             </a:r>
             <a:r>
               <a:rPr lang="en-US" altLang="ko-KR" sz="2800" b="0" i="0" u="none" strike="noStrike" spc="-100" dirty="0">
@@ -8984,3423 +9486,10 @@
     <mc:Choice Requires="p14">
       <p:transition/>
     </mc:Choice>
-    <mc:Fallback xmlns="" xmlns:c="http://schemas.openxmlformats.org/drawingml/2006/chart" xmlns:dgm="http://schemas.openxmlformats.org/drawingml/2006/diagram" xmlns:dsp="http://schemas.microsoft.com/office/drawing/2008/diagram">
+    <mc:Fallback xmlns:dsp="http://schemas.microsoft.com/office/drawing/2008/diagram" xmlns:dgm="http://schemas.openxmlformats.org/drawingml/2006/diagram" xmlns:c="http://schemas.openxmlformats.org/drawingml/2006/chart" xmlns="">
       <p:transition/>
     </mc:Fallback>
   </mc:AlternateContent>
-</p:sld>
-</file>
-
-<file path=ppt/slides/slide17.xml><?xml version="1.0" encoding="utf-8"?>
-<p:sld xmlns:a="http://schemas.openxmlformats.org/drawingml/2006/main" xmlns:r="http://schemas.openxmlformats.org/officeDocument/2006/relationships" xmlns:p="http://schemas.openxmlformats.org/presentationml/2006/main">
-  <p:cSld>
-    <p:bg>
-      <p:bgPr>
-        <a:solidFill>
-          <a:srgbClr val="F7F2EB"/>
-        </a:solidFill>
-        <a:effectLst/>
-      </p:bgPr>
-    </p:bg>
-    <p:spTree>
-      <p:nvGrpSpPr>
-        <p:cNvPr id="1" name=""/>
-        <p:cNvGrpSpPr/>
-        <p:nvPr/>
-      </p:nvGrpSpPr>
-      <p:grpSpPr>
-        <a:xfrm>
-          <a:off x="0" y="0"/>
-          <a:ext cx="0" cy="0"/>
-          <a:chOff x="0" y="0"/>
-          <a:chExt cx="0" cy="0"/>
-        </a:xfrm>
-      </p:grpSpPr>
-      <p:pic>
-        <p:nvPicPr>
-          <p:cNvPr id="2" name="Picture 2"/>
-          <p:cNvPicPr>
-            <a:picLocks noChangeAspect="1"/>
-          </p:cNvPicPr>
-          <p:nvPr/>
-        </p:nvPicPr>
-        <p:blipFill rotWithShape="1">
-          <a:blip r:embed="rId2"/>
-          <a:stretch>
-            <a:fillRect/>
-          </a:stretch>
-        </p:blipFill>
-        <p:spPr>
-          <a:xfrm>
-            <a:off x="1384300" y="1054100"/>
-            <a:ext cx="292100" cy="292100"/>
-          </a:xfrm>
-          <a:prstGeom prst="rect">
-            <a:avLst/>
-          </a:prstGeom>
-        </p:spPr>
-      </p:pic>
-      <p:pic>
-        <p:nvPicPr>
-          <p:cNvPr id="3" name="Picture 3"/>
-          <p:cNvPicPr>
-            <a:picLocks noChangeAspect="1"/>
-          </p:cNvPicPr>
-          <p:nvPr/>
-        </p:nvPicPr>
-        <p:blipFill rotWithShape="1">
-          <a:blip r:embed="rId3"/>
-          <a:stretch>
-            <a:fillRect/>
-          </a:stretch>
-        </p:blipFill>
-        <p:spPr>
-          <a:xfrm>
-            <a:off x="0" y="1181100"/>
-            <a:ext cx="1663700" cy="25400"/>
-          </a:xfrm>
-          <a:prstGeom prst="rect">
-            <a:avLst/>
-          </a:prstGeom>
-        </p:spPr>
-      </p:pic>
-      <p:pic>
-        <p:nvPicPr>
-          <p:cNvPr id="4" name="Picture 4"/>
-          <p:cNvPicPr>
-            <a:picLocks noChangeAspect="1"/>
-          </p:cNvPicPr>
-          <p:nvPr/>
-        </p:nvPicPr>
-        <p:blipFill rotWithShape="1">
-          <a:blip r:embed="rId4"/>
-          <a:stretch>
-            <a:fillRect/>
-          </a:stretch>
-        </p:blipFill>
-        <p:spPr>
-          <a:xfrm>
-            <a:off x="16459200" y="914400"/>
-            <a:ext cx="571500" cy="571500"/>
-          </a:xfrm>
-          <a:prstGeom prst="rect">
-            <a:avLst/>
-          </a:prstGeom>
-        </p:spPr>
-      </p:pic>
-      <p:pic>
-        <p:nvPicPr>
-          <p:cNvPr id="5" name="Picture 5"/>
-          <p:cNvPicPr>
-            <a:picLocks noChangeAspect="1"/>
-          </p:cNvPicPr>
-          <p:nvPr/>
-        </p:nvPicPr>
-        <p:blipFill rotWithShape="1">
-          <a:blip r:embed="rId5"/>
-          <a:stretch>
-            <a:fillRect/>
-          </a:stretch>
-        </p:blipFill>
-        <p:spPr>
-          <a:xfrm rot="5400000">
-            <a:off x="14744700" y="1663700"/>
-            <a:ext cx="4000500" cy="25400"/>
-          </a:xfrm>
-          <a:prstGeom prst="rect">
-            <a:avLst/>
-          </a:prstGeom>
-        </p:spPr>
-      </p:pic>
-      <p:pic>
-        <p:nvPicPr>
-          <p:cNvPr id="6" name="Picture 6"/>
-          <p:cNvPicPr>
-            <a:picLocks noChangeAspect="1"/>
-          </p:cNvPicPr>
-          <p:nvPr/>
-        </p:nvPicPr>
-        <p:blipFill rotWithShape="1">
-          <a:blip r:embed="rId6"/>
-          <a:stretch>
-            <a:fillRect/>
-          </a:stretch>
-        </p:blipFill>
-        <p:spPr>
-          <a:xfrm>
-            <a:off x="16002000" y="1181100"/>
-            <a:ext cx="2286000" cy="25400"/>
-          </a:xfrm>
-          <a:prstGeom prst="rect">
-            <a:avLst/>
-          </a:prstGeom>
-        </p:spPr>
-      </p:pic>
-      <p:sp>
-        <p:nvSpPr>
-          <p:cNvPr id="7" name="TextBox 7"/>
-          <p:cNvSpPr txBox="1"/>
-          <p:nvPr/>
-        </p:nvSpPr>
-        <p:spPr>
-          <a:xfrm>
-            <a:off x="2209800" y="736600"/>
-            <a:ext cx="6794500" cy="889000"/>
-          </a:xfrm>
-          <a:prstGeom prst="rect">
-            <a:avLst/>
-          </a:prstGeom>
-        </p:spPr>
-        <p:txBody>
-          <a:bodyPr lIns="0" tIns="0" rIns="0" bIns="0" anchor="ctr"/>
-          <a:lstStyle/>
-          <a:p>
-            <a:pPr lvl="0" algn="l">
-              <a:lnSpc>
-                <a:spcPct val="107899"/>
-              </a:lnSpc>
-              <a:defRPr/>
-            </a:pPr>
-            <a:r>
-              <a:rPr lang="ko-KR" altLang="en-US" sz="5000" b="0" i="0" u="none" strike="noStrike">
-                <a:solidFill>
-                  <a:srgbClr val="006BB1"/>
-                </a:solidFill>
-                <a:latin typeface="나눔바른고딕OTF"/>
-                <a:ea typeface="나눔바른고딕OTF"/>
-              </a:rPr>
-              <a:t>성능 비교</a:t>
-            </a:r>
-          </a:p>
-        </p:txBody>
-      </p:sp>
-      <p:pic>
-        <p:nvPicPr>
-          <p:cNvPr id="8" name="Picture 8"/>
-          <p:cNvPicPr>
-            <a:picLocks noChangeAspect="1"/>
-          </p:cNvPicPr>
-          <p:nvPr/>
-        </p:nvPicPr>
-        <p:blipFill rotWithShape="1">
-          <a:blip r:embed="rId7"/>
-          <a:stretch>
-            <a:fillRect/>
-          </a:stretch>
-        </p:blipFill>
-        <p:spPr>
-          <a:xfrm>
-            <a:off x="16306800" y="8750300"/>
-            <a:ext cx="863600" cy="25400"/>
-          </a:xfrm>
-          <a:prstGeom prst="rect">
-            <a:avLst/>
-          </a:prstGeom>
-        </p:spPr>
-      </p:pic>
-      <p:pic>
-        <p:nvPicPr>
-          <p:cNvPr id="9" name="Picture 9"/>
-          <p:cNvPicPr>
-            <a:picLocks noChangeAspect="1"/>
-          </p:cNvPicPr>
-          <p:nvPr/>
-        </p:nvPicPr>
-        <p:blipFill rotWithShape="1">
-          <a:blip r:embed="rId7"/>
-          <a:stretch>
-            <a:fillRect/>
-          </a:stretch>
-        </p:blipFill>
-        <p:spPr>
-          <a:xfrm rot="16200000">
-            <a:off x="16306800" y="8750300"/>
-            <a:ext cx="863600" cy="25400"/>
-          </a:xfrm>
-          <a:prstGeom prst="rect">
-            <a:avLst/>
-          </a:prstGeom>
-        </p:spPr>
-      </p:pic>
-      <p:pic>
-        <p:nvPicPr>
-          <p:cNvPr id="10" name="Picture 10"/>
-          <p:cNvPicPr>
-            <a:picLocks noChangeAspect="1"/>
-          </p:cNvPicPr>
-          <p:nvPr/>
-        </p:nvPicPr>
-        <p:blipFill rotWithShape="1">
-          <a:blip r:embed="rId4"/>
-          <a:stretch>
-            <a:fillRect/>
-          </a:stretch>
-        </p:blipFill>
-        <p:spPr>
-          <a:xfrm rot="10800000">
-            <a:off x="1257300" y="8483600"/>
-            <a:ext cx="571500" cy="571500"/>
-          </a:xfrm>
-          <a:prstGeom prst="rect">
-            <a:avLst/>
-          </a:prstGeom>
-        </p:spPr>
-      </p:pic>
-      <p:pic>
-        <p:nvPicPr>
-          <p:cNvPr id="11" name="Picture 11"/>
-          <p:cNvPicPr>
-            <a:picLocks noChangeAspect="1"/>
-          </p:cNvPicPr>
-          <p:nvPr/>
-        </p:nvPicPr>
-        <p:blipFill rotWithShape="1">
-          <a:blip r:embed="rId5"/>
-          <a:stretch>
-            <a:fillRect/>
-          </a:stretch>
-        </p:blipFill>
-        <p:spPr>
-          <a:xfrm rot="16200000">
-            <a:off x="-457200" y="8267700"/>
-            <a:ext cx="4000500" cy="25400"/>
-          </a:xfrm>
-          <a:prstGeom prst="rect">
-            <a:avLst/>
-          </a:prstGeom>
-        </p:spPr>
-      </p:pic>
-      <p:pic>
-        <p:nvPicPr>
-          <p:cNvPr id="12" name="Picture 12"/>
-          <p:cNvPicPr>
-            <a:picLocks noChangeAspect="1"/>
-          </p:cNvPicPr>
-          <p:nvPr/>
-        </p:nvPicPr>
-        <p:blipFill rotWithShape="1">
-          <a:blip r:embed="rId8"/>
-          <a:stretch>
-            <a:fillRect/>
-          </a:stretch>
-        </p:blipFill>
-        <p:spPr>
-          <a:xfrm rot="10800000">
-            <a:off x="0" y="8750300"/>
-            <a:ext cx="2387600" cy="25400"/>
-          </a:xfrm>
-          <a:prstGeom prst="rect">
-            <a:avLst/>
-          </a:prstGeom>
-        </p:spPr>
-      </p:pic>
-      <p:graphicFrame>
-        <p:nvGraphicFramePr>
-          <p:cNvPr id="36" name="내용 개체 틀 3"/>
-          <p:cNvGraphicFramePr/>
-          <p:nvPr/>
-        </p:nvGraphicFramePr>
-        <p:xfrm>
-          <a:off x="11869580" y="2750258"/>
-          <a:ext cx="4054790" cy="4786484"/>
-        </p:xfrm>
-        <a:graphic>
-          <a:graphicData uri="http://schemas.openxmlformats.org/drawingml/2006/table">
-            <a:tbl>
-              <a:tblPr firstRow="1" bandRow="1">
-                <a:tableStyleId>{5C22544A-7EE6-4342-B048-85BDC9FD1C3A}</a:tableStyleId>
-              </a:tblPr>
-              <a:tblGrid>
-                <a:gridCol w="1238250">
-                  <a:extLst>
-                    <a:ext uri="{9D8B030D-6E8A-4147-A177-3AD203B41FA5}">
-                      <a16:colId xmlns:a16="http://schemas.microsoft.com/office/drawing/2014/main" val="20000"/>
-                    </a:ext>
-                  </a:extLst>
-                </a:gridCol>
-                <a:gridCol w="914400">
-                  <a:extLst>
-                    <a:ext uri="{9D8B030D-6E8A-4147-A177-3AD203B41FA5}">
-                      <a16:colId xmlns:a16="http://schemas.microsoft.com/office/drawing/2014/main" val="20001"/>
-                    </a:ext>
-                  </a:extLst>
-                </a:gridCol>
-                <a:gridCol w="990600">
-                  <a:extLst>
-                    <a:ext uri="{9D8B030D-6E8A-4147-A177-3AD203B41FA5}">
-                      <a16:colId xmlns:a16="http://schemas.microsoft.com/office/drawing/2014/main" val="20002"/>
-                    </a:ext>
-                  </a:extLst>
-                </a:gridCol>
-                <a:gridCol w="911540">
-                  <a:extLst>
-                    <a:ext uri="{9D8B030D-6E8A-4147-A177-3AD203B41FA5}">
-                      <a16:colId xmlns:a16="http://schemas.microsoft.com/office/drawing/2014/main" val="20003"/>
-                    </a:ext>
-                  </a:extLst>
-                </a:gridCol>
-              </a:tblGrid>
-              <a:tr h="1186815">
-                <a:tc>
-                  <a:txBody>
-                    <a:bodyPr/>
-                    <a:lstStyle/>
-                    <a:p>
-                      <a:pPr algn="ctr" latinLnBrk="1">
-                        <a:defRPr/>
-                      </a:pPr>
-                      <a:r>
-                        <a:rPr lang="en-US" altLang="ko-KR" sz="1500">
-                          <a:latin typeface="나눔바른고딕OTF"/>
-                          <a:ea typeface="나눔바른고딕OTF"/>
-                        </a:rPr>
-                        <a:t>Confidence</a:t>
-                      </a:r>
-                      <a:br>
-                        <a:rPr lang="en-US" altLang="ko-KR" sz="1500">
-                          <a:latin typeface="나눔바른고딕OTF"/>
-                          <a:ea typeface="나눔바른고딕OTF"/>
-                        </a:rPr>
-                      </a:br>
-                      <a:r>
-                        <a:rPr lang="en-US" altLang="ko-KR" sz="1500">
-                          <a:latin typeface="나눔바른고딕OTF"/>
-                          <a:ea typeface="나눔바른고딕OTF"/>
-                        </a:rPr>
-                        <a:t>threshhold</a:t>
-                      </a:r>
-                      <a:endParaRPr lang="ko-KR" altLang="en-US" sz="1500">
-                        <a:latin typeface="나눔바른고딕OTF"/>
-                        <a:ea typeface="나눔바른고딕OTF"/>
-                      </a:endParaRPr>
-                    </a:p>
-                  </a:txBody>
-                  <a:tcPr anchor="ctr"/>
-                </a:tc>
-                <a:tc>
-                  <a:txBody>
-                    <a:bodyPr/>
-                    <a:lstStyle/>
-                    <a:p>
-                      <a:pPr algn="ctr" latinLnBrk="1">
-                        <a:defRPr/>
-                      </a:pPr>
-                      <a:r>
-                        <a:rPr lang="ko-KR" altLang="en-US" sz="1500">
-                          <a:latin typeface="나눔바른고딕OTF"/>
-                          <a:ea typeface="나눔바른고딕OTF"/>
-                        </a:rPr>
-                        <a:t>전체 </a:t>
-                      </a:r>
-                    </a:p>
-                    <a:p>
-                      <a:pPr algn="ctr" latinLnBrk="1">
-                        <a:defRPr/>
-                      </a:pPr>
-                      <a:r>
-                        <a:rPr lang="ko-KR" altLang="en-US" sz="1500">
-                          <a:latin typeface="나눔바른고딕OTF"/>
-                          <a:ea typeface="나눔바른고딕OTF"/>
-                        </a:rPr>
-                        <a:t>검출율</a:t>
-                      </a:r>
-                    </a:p>
-                  </a:txBody>
-                  <a:tcPr anchor="ctr"/>
-                </a:tc>
-                <a:tc>
-                  <a:txBody>
-                    <a:bodyPr/>
-                    <a:lstStyle/>
-                    <a:p>
-                      <a:pPr algn="ctr" latinLnBrk="1">
-                        <a:defRPr/>
-                      </a:pPr>
-                      <a:r>
-                        <a:rPr lang="ko-KR" altLang="en-US" sz="1500">
-                          <a:latin typeface="나눔바른고딕OTF"/>
-                          <a:ea typeface="나눔바른고딕OTF"/>
-                        </a:rPr>
-                        <a:t>착용 </a:t>
-                      </a:r>
-                    </a:p>
-                    <a:p>
-                      <a:pPr algn="ctr" latinLnBrk="1">
-                        <a:defRPr/>
-                      </a:pPr>
-                      <a:r>
-                        <a:rPr lang="ko-KR" altLang="en-US" sz="1500">
-                          <a:latin typeface="나눔바른고딕OTF"/>
-                          <a:ea typeface="나눔바른고딕OTF"/>
-                        </a:rPr>
-                        <a:t>사진</a:t>
-                      </a:r>
-                      <a:br>
-                        <a:rPr lang="en-US" altLang="ko-KR" sz="1500">
-                          <a:latin typeface="나눔바른고딕OTF"/>
-                          <a:ea typeface="나눔바른고딕OTF"/>
-                        </a:rPr>
-                      </a:br>
-                      <a:r>
-                        <a:rPr lang="ko-KR" altLang="en-US" sz="1500">
-                          <a:latin typeface="나눔바른고딕OTF"/>
-                          <a:ea typeface="나눔바른고딕OTF"/>
-                        </a:rPr>
-                        <a:t>검출율</a:t>
-                      </a:r>
-                    </a:p>
-                  </a:txBody>
-                  <a:tcPr anchor="ctr"/>
-                </a:tc>
-                <a:tc>
-                  <a:txBody>
-                    <a:bodyPr/>
-                    <a:lstStyle/>
-                    <a:p>
-                      <a:pPr algn="ctr" latinLnBrk="1">
-                        <a:defRPr/>
-                      </a:pPr>
-                      <a:r>
-                        <a:rPr lang="ko-KR" altLang="en-US" sz="1500">
-                          <a:latin typeface="나눔바른고딕OTF"/>
-                          <a:ea typeface="나눔바른고딕OTF"/>
-                        </a:rPr>
-                        <a:t>제품 사진</a:t>
-                      </a:r>
-                      <a:br>
-                        <a:rPr lang="en-US" altLang="ko-KR" sz="1500">
-                          <a:latin typeface="나눔바른고딕OTF"/>
-                          <a:ea typeface="나눔바른고딕OTF"/>
-                        </a:rPr>
-                      </a:br>
-                      <a:r>
-                        <a:rPr lang="ko-KR" altLang="en-US" sz="1500">
-                          <a:latin typeface="나눔바른고딕OTF"/>
-                          <a:ea typeface="나눔바른고딕OTF"/>
-                        </a:rPr>
-                        <a:t>검출율</a:t>
-                      </a:r>
-                    </a:p>
-                  </a:txBody>
-                  <a:tcPr anchor="ctr"/>
-                </a:tc>
-                <a:extLst>
-                  <a:ext uri="{0D108BD9-81ED-4DB2-BD59-A6C34878D82A}">
-                    <a16:rowId xmlns:a16="http://schemas.microsoft.com/office/drawing/2014/main" val="10000"/>
-                  </a:ext>
-                </a:extLst>
-              </a:tr>
-              <a:tr h="536215">
-                <a:tc>
-                  <a:txBody>
-                    <a:bodyPr/>
-                    <a:lstStyle/>
-                    <a:p>
-                      <a:pPr algn="ctr" latinLnBrk="1">
-                        <a:defRPr/>
-                      </a:pPr>
-                      <a:r>
-                        <a:rPr lang="en-US" altLang="ko-KR" sz="1500">
-                          <a:latin typeface="나눔바른고딕OTF"/>
-                          <a:ea typeface="나눔바른고딕OTF"/>
-                        </a:rPr>
-                        <a:t>0.1</a:t>
-                      </a:r>
-                      <a:endParaRPr lang="ko-KR" altLang="en-US" sz="1500">
-                        <a:latin typeface="나눔바른고딕OTF"/>
-                        <a:ea typeface="나눔바른고딕OTF"/>
-                      </a:endParaRPr>
-                    </a:p>
-                  </a:txBody>
-                  <a:tcPr anchor="ctr"/>
-                </a:tc>
-                <a:tc>
-                  <a:txBody>
-                    <a:bodyPr/>
-                    <a:lstStyle/>
-                    <a:p>
-                      <a:pPr algn="ctr">
-                        <a:defRPr/>
-                      </a:pPr>
-                      <a:r>
-                        <a:rPr lang="en-US" altLang="ko-KR" sz="1500" b="0" i="0" u="none" strike="noStrike">
-                          <a:solidFill>
-                            <a:srgbClr val="000000"/>
-                          </a:solidFill>
-                          <a:effectLst/>
-                          <a:latin typeface="나눔바른고딕OTF"/>
-                          <a:ea typeface="나눔바른고딕OTF"/>
-                        </a:rPr>
-                        <a:t>93.5</a:t>
-                      </a:r>
-                      <a:endParaRPr lang="en-US" altLang="ko-KR" sz="1500" b="0" i="0" u="none" strike="noStrike">
-                        <a:solidFill>
-                          <a:srgbClr val="000000"/>
-                        </a:solidFill>
-                        <a:latin typeface="나눔바른고딕OTF"/>
-                        <a:ea typeface="나눔바른고딕OTF"/>
-                      </a:endParaRPr>
-                    </a:p>
-                  </a:txBody>
-                  <a:tcPr marL="7620" marR="7620" marT="7620" marB="0" anchor="ctr"/>
-                </a:tc>
-                <a:tc>
-                  <a:txBody>
-                    <a:bodyPr/>
-                    <a:lstStyle/>
-                    <a:p>
-                      <a:pPr algn="ctr">
-                        <a:defRPr/>
-                      </a:pPr>
-                      <a:r>
-                        <a:rPr lang="en-US" altLang="ko-KR" sz="1500" b="0" i="0" u="none" strike="noStrike">
-                          <a:solidFill>
-                            <a:srgbClr val="000000"/>
-                          </a:solidFill>
-                          <a:effectLst/>
-                          <a:latin typeface="나눔바른고딕OTF"/>
-                          <a:ea typeface="나눔바른고딕OTF"/>
-                        </a:rPr>
-                        <a:t>100.0</a:t>
-                      </a:r>
-                      <a:endParaRPr lang="en-US" altLang="ko-KR" sz="1500" b="0" i="0" u="none" strike="noStrike">
-                        <a:solidFill>
-                          <a:srgbClr val="000000"/>
-                        </a:solidFill>
-                        <a:latin typeface="나눔바른고딕OTF"/>
-                        <a:ea typeface="나눔바른고딕OTF"/>
-                      </a:endParaRPr>
-                    </a:p>
-                  </a:txBody>
-                  <a:tcPr marL="7620" marR="7620" marT="7620" marB="0" anchor="ctr"/>
-                </a:tc>
-                <a:tc>
-                  <a:txBody>
-                    <a:bodyPr/>
-                    <a:lstStyle/>
-                    <a:p>
-                      <a:pPr algn="ctr">
-                        <a:defRPr/>
-                      </a:pPr>
-                      <a:r>
-                        <a:rPr lang="en-US" altLang="ko-KR" sz="1500" b="0" i="0" u="none" strike="noStrike">
-                          <a:solidFill>
-                            <a:srgbClr val="000000"/>
-                          </a:solidFill>
-                          <a:effectLst/>
-                          <a:latin typeface="나눔바른고딕OTF"/>
-                          <a:ea typeface="나눔바른고딕OTF"/>
-                        </a:rPr>
-                        <a:t>86.8</a:t>
-                      </a:r>
-                      <a:endParaRPr lang="en-US" altLang="ko-KR" sz="1500" b="0" i="0" u="none" strike="noStrike">
-                        <a:solidFill>
-                          <a:srgbClr val="000000"/>
-                        </a:solidFill>
-                        <a:latin typeface="나눔바른고딕OTF"/>
-                        <a:ea typeface="나눔바른고딕OTF"/>
-                      </a:endParaRPr>
-                    </a:p>
-                  </a:txBody>
-                  <a:tcPr marL="7620" marR="7620" marT="7620" marB="0" anchor="ctr"/>
-                </a:tc>
-                <a:extLst>
-                  <a:ext uri="{0D108BD9-81ED-4DB2-BD59-A6C34878D82A}">
-                    <a16:rowId xmlns:a16="http://schemas.microsoft.com/office/drawing/2014/main" val="10001"/>
-                  </a:ext>
-                </a:extLst>
-              </a:tr>
-              <a:tr h="497756">
-                <a:tc>
-                  <a:txBody>
-                    <a:bodyPr/>
-                    <a:lstStyle/>
-                    <a:p>
-                      <a:pPr algn="ctr" latinLnBrk="1">
-                        <a:defRPr/>
-                      </a:pPr>
-                      <a:r>
-                        <a:rPr lang="en-US" altLang="ko-KR" sz="1500">
-                          <a:latin typeface="나눔바른고딕OTF"/>
-                          <a:ea typeface="나눔바른고딕OTF"/>
-                        </a:rPr>
-                        <a:t>0.2</a:t>
-                      </a:r>
-                      <a:endParaRPr lang="ko-KR" altLang="en-US" sz="1500">
-                        <a:latin typeface="나눔바른고딕OTF"/>
-                        <a:ea typeface="나눔바른고딕OTF"/>
-                      </a:endParaRPr>
-                    </a:p>
-                  </a:txBody>
-                  <a:tcPr anchor="ctr"/>
-                </a:tc>
-                <a:tc>
-                  <a:txBody>
-                    <a:bodyPr/>
-                    <a:lstStyle/>
-                    <a:p>
-                      <a:pPr algn="ctr">
-                        <a:defRPr/>
-                      </a:pPr>
-                      <a:r>
-                        <a:rPr lang="en-US" altLang="ko-KR" sz="1500" b="0" i="0" u="none" strike="noStrike">
-                          <a:solidFill>
-                            <a:srgbClr val="000000"/>
-                          </a:solidFill>
-                          <a:effectLst/>
-                          <a:latin typeface="나눔바른고딕OTF"/>
-                          <a:ea typeface="나눔바른고딕OTF"/>
-                        </a:rPr>
-                        <a:t>89.3</a:t>
-                      </a:r>
-                      <a:endParaRPr lang="en-US" altLang="ko-KR" sz="1500" b="0" i="0" u="none" strike="noStrike">
-                        <a:solidFill>
-                          <a:srgbClr val="000000"/>
-                        </a:solidFill>
-                        <a:latin typeface="나눔바른고딕OTF"/>
-                        <a:ea typeface="나눔바른고딕OTF"/>
-                      </a:endParaRPr>
-                    </a:p>
-                  </a:txBody>
-                  <a:tcPr marL="7620" marR="7620" marT="7620" marB="0" anchor="ctr"/>
-                </a:tc>
-                <a:tc>
-                  <a:txBody>
-                    <a:bodyPr/>
-                    <a:lstStyle/>
-                    <a:p>
-                      <a:pPr algn="ctr">
-                        <a:defRPr/>
-                      </a:pPr>
-                      <a:r>
-                        <a:rPr lang="en-US" altLang="ko-KR" sz="1500" b="0" i="0" u="none" strike="noStrike">
-                          <a:solidFill>
-                            <a:srgbClr val="000000"/>
-                          </a:solidFill>
-                          <a:effectLst/>
-                          <a:latin typeface="나눔바른고딕OTF"/>
-                          <a:ea typeface="나눔바른고딕OTF"/>
-                        </a:rPr>
-                        <a:t>95.8</a:t>
-                      </a:r>
-                      <a:endParaRPr lang="en-US" altLang="ko-KR" sz="1500" b="0" i="0" u="none" strike="noStrike">
-                        <a:solidFill>
-                          <a:srgbClr val="000000"/>
-                        </a:solidFill>
-                        <a:latin typeface="나눔바른고딕OTF"/>
-                        <a:ea typeface="나눔바른고딕OTF"/>
-                      </a:endParaRPr>
-                    </a:p>
-                  </a:txBody>
-                  <a:tcPr marL="7620" marR="7620" marT="7620" marB="0" anchor="ctr"/>
-                </a:tc>
-                <a:tc>
-                  <a:txBody>
-                    <a:bodyPr/>
-                    <a:lstStyle/>
-                    <a:p>
-                      <a:pPr algn="ctr">
-                        <a:defRPr/>
-                      </a:pPr>
-                      <a:r>
-                        <a:rPr lang="en-US" altLang="ko-KR" sz="1500" b="0" i="0" u="none" strike="noStrike">
-                          <a:solidFill>
-                            <a:srgbClr val="000000"/>
-                          </a:solidFill>
-                          <a:effectLst/>
-                          <a:latin typeface="나눔바른고딕OTF"/>
-                          <a:ea typeface="나눔바른고딕OTF"/>
-                        </a:rPr>
-                        <a:t>82.8</a:t>
-                      </a:r>
-                      <a:endParaRPr lang="en-US" altLang="ko-KR" sz="1500" b="0" i="0" u="none" strike="noStrike">
-                        <a:solidFill>
-                          <a:srgbClr val="000000"/>
-                        </a:solidFill>
-                        <a:latin typeface="나눔바른고딕OTF"/>
-                        <a:ea typeface="나눔바른고딕OTF"/>
-                      </a:endParaRPr>
-                    </a:p>
-                  </a:txBody>
-                  <a:tcPr marL="7620" marR="7620" marT="7620" marB="0" anchor="ctr"/>
-                </a:tc>
-                <a:extLst>
-                  <a:ext uri="{0D108BD9-81ED-4DB2-BD59-A6C34878D82A}">
-                    <a16:rowId xmlns:a16="http://schemas.microsoft.com/office/drawing/2014/main" val="10002"/>
-                  </a:ext>
-                </a:extLst>
-              </a:tr>
-              <a:tr h="497756">
-                <a:tc>
-                  <a:txBody>
-                    <a:bodyPr/>
-                    <a:lstStyle/>
-                    <a:p>
-                      <a:pPr algn="ctr" latinLnBrk="1">
-                        <a:defRPr/>
-                      </a:pPr>
-                      <a:r>
-                        <a:rPr lang="en-US" altLang="ko-KR" sz="1500">
-                          <a:latin typeface="나눔바른고딕OTF"/>
-                          <a:ea typeface="나눔바른고딕OTF"/>
-                        </a:rPr>
-                        <a:t>0.3</a:t>
-                      </a:r>
-                      <a:endParaRPr lang="ko-KR" altLang="en-US" sz="1500">
-                        <a:latin typeface="나눔바른고딕OTF"/>
-                        <a:ea typeface="나눔바른고딕OTF"/>
-                      </a:endParaRPr>
-                    </a:p>
-                  </a:txBody>
-                  <a:tcPr anchor="ctr"/>
-                </a:tc>
-                <a:tc>
-                  <a:txBody>
-                    <a:bodyPr/>
-                    <a:lstStyle/>
-                    <a:p>
-                      <a:pPr algn="ctr">
-                        <a:defRPr/>
-                      </a:pPr>
-                      <a:r>
-                        <a:rPr lang="en-US" altLang="ko-KR" sz="1500" b="0" i="0" u="none" strike="noStrike">
-                          <a:solidFill>
-                            <a:srgbClr val="000000"/>
-                          </a:solidFill>
-                          <a:effectLst/>
-                          <a:latin typeface="나눔바른고딕OTF"/>
-                          <a:ea typeface="나눔바른고딕OTF"/>
-                        </a:rPr>
-                        <a:t>86.1</a:t>
-                      </a:r>
-                      <a:endParaRPr lang="en-US" altLang="ko-KR" sz="1500" b="0" i="0" u="none" strike="noStrike">
-                        <a:solidFill>
-                          <a:srgbClr val="000000"/>
-                        </a:solidFill>
-                        <a:latin typeface="나눔바른고딕OTF"/>
-                        <a:ea typeface="나눔바른고딕OTF"/>
-                      </a:endParaRPr>
-                    </a:p>
-                  </a:txBody>
-                  <a:tcPr marL="7620" marR="7620" marT="7620" marB="0" anchor="ctr"/>
-                </a:tc>
-                <a:tc>
-                  <a:txBody>
-                    <a:bodyPr/>
-                    <a:lstStyle/>
-                    <a:p>
-                      <a:pPr algn="ctr">
-                        <a:defRPr/>
-                      </a:pPr>
-                      <a:r>
-                        <a:rPr lang="en-US" altLang="ko-KR" sz="1500" b="0" i="0" u="none" strike="noStrike">
-                          <a:solidFill>
-                            <a:srgbClr val="000000"/>
-                          </a:solidFill>
-                          <a:effectLst/>
-                          <a:latin typeface="나눔바른고딕OTF"/>
-                          <a:ea typeface="나눔바른고딕OTF"/>
-                        </a:rPr>
-                        <a:t>94.0</a:t>
-                      </a:r>
-                      <a:endParaRPr lang="en-US" altLang="ko-KR" sz="1500" b="0" i="0" u="none" strike="noStrike">
-                        <a:solidFill>
-                          <a:srgbClr val="000000"/>
-                        </a:solidFill>
-                        <a:latin typeface="나눔바른고딕OTF"/>
-                        <a:ea typeface="나눔바른고딕OTF"/>
-                      </a:endParaRPr>
-                    </a:p>
-                  </a:txBody>
-                  <a:tcPr marL="7620" marR="7620" marT="7620" marB="0" anchor="ctr"/>
-                </a:tc>
-                <a:tc>
-                  <a:txBody>
-                    <a:bodyPr/>
-                    <a:lstStyle/>
-                    <a:p>
-                      <a:pPr algn="ctr">
-                        <a:defRPr/>
-                      </a:pPr>
-                      <a:r>
-                        <a:rPr lang="en-US" altLang="ko-KR" sz="1500" b="0" i="0" u="none" strike="noStrike">
-                          <a:solidFill>
-                            <a:srgbClr val="000000"/>
-                          </a:solidFill>
-                          <a:effectLst/>
-                          <a:latin typeface="나눔바른고딕OTF"/>
-                          <a:ea typeface="나눔바른고딕OTF"/>
-                        </a:rPr>
-                        <a:t>78.2</a:t>
-                      </a:r>
-                      <a:endParaRPr lang="en-US" altLang="ko-KR" sz="1500" b="0" i="0" u="none" strike="noStrike">
-                        <a:solidFill>
-                          <a:srgbClr val="000000"/>
-                        </a:solidFill>
-                        <a:latin typeface="나눔바른고딕OTF"/>
-                        <a:ea typeface="나눔바른고딕OTF"/>
-                      </a:endParaRPr>
-                    </a:p>
-                  </a:txBody>
-                  <a:tcPr marL="7620" marR="7620" marT="7620" marB="0" anchor="ctr"/>
-                </a:tc>
-                <a:extLst>
-                  <a:ext uri="{0D108BD9-81ED-4DB2-BD59-A6C34878D82A}">
-                    <a16:rowId xmlns:a16="http://schemas.microsoft.com/office/drawing/2014/main" val="10003"/>
-                  </a:ext>
-                </a:extLst>
-              </a:tr>
-              <a:tr h="497756">
-                <a:tc>
-                  <a:txBody>
-                    <a:bodyPr/>
-                    <a:lstStyle/>
-                    <a:p>
-                      <a:pPr algn="ctr" latinLnBrk="1">
-                        <a:defRPr/>
-                      </a:pPr>
-                      <a:r>
-                        <a:rPr lang="en-US" altLang="ko-KR" sz="1500">
-                          <a:latin typeface="나눔바른고딕OTF"/>
-                          <a:ea typeface="나눔바른고딕OTF"/>
-                        </a:rPr>
-                        <a:t>0.4</a:t>
-                      </a:r>
-                      <a:endParaRPr lang="ko-KR" altLang="en-US" sz="1500">
-                        <a:latin typeface="나눔바른고딕OTF"/>
-                        <a:ea typeface="나눔바른고딕OTF"/>
-                      </a:endParaRPr>
-                    </a:p>
-                  </a:txBody>
-                  <a:tcPr anchor="ctr"/>
-                </a:tc>
-                <a:tc>
-                  <a:txBody>
-                    <a:bodyPr/>
-                    <a:lstStyle/>
-                    <a:p>
-                      <a:pPr algn="ctr">
-                        <a:defRPr/>
-                      </a:pPr>
-                      <a:r>
-                        <a:rPr lang="en-US" altLang="ko-KR" sz="1500" b="0" i="0" u="none" strike="noStrike">
-                          <a:solidFill>
-                            <a:srgbClr val="000000"/>
-                          </a:solidFill>
-                          <a:effectLst/>
-                          <a:latin typeface="나눔바른고딕OTF"/>
-                          <a:ea typeface="나눔바른고딕OTF"/>
-                        </a:rPr>
-                        <a:t>82.6</a:t>
-                      </a:r>
-                      <a:endParaRPr lang="en-US" altLang="ko-KR" sz="1500" b="0" i="0" u="none" strike="noStrike">
-                        <a:solidFill>
-                          <a:srgbClr val="000000"/>
-                        </a:solidFill>
-                        <a:latin typeface="나눔바른고딕OTF"/>
-                        <a:ea typeface="나눔바른고딕OTF"/>
-                      </a:endParaRPr>
-                    </a:p>
-                  </a:txBody>
-                  <a:tcPr marL="7620" marR="7620" marT="7620" marB="0" anchor="ctr"/>
-                </a:tc>
-                <a:tc>
-                  <a:txBody>
-                    <a:bodyPr/>
-                    <a:lstStyle/>
-                    <a:p>
-                      <a:pPr algn="ctr">
-                        <a:defRPr/>
-                      </a:pPr>
-                      <a:r>
-                        <a:rPr lang="en-US" altLang="ko-KR" sz="1500" b="0" i="0" u="none" strike="noStrike">
-                          <a:solidFill>
-                            <a:srgbClr val="000000"/>
-                          </a:solidFill>
-                          <a:effectLst/>
-                          <a:latin typeface="나눔바른고딕OTF"/>
-                          <a:ea typeface="나눔바른고딕OTF"/>
-                        </a:rPr>
-                        <a:t>92.8</a:t>
-                      </a:r>
-                      <a:endParaRPr lang="en-US" altLang="ko-KR" sz="1500" b="0" i="0" u="none" strike="noStrike">
-                        <a:solidFill>
-                          <a:srgbClr val="000000"/>
-                        </a:solidFill>
-                        <a:latin typeface="나눔바른고딕OTF"/>
-                        <a:ea typeface="나눔바른고딕OTF"/>
-                      </a:endParaRPr>
-                    </a:p>
-                  </a:txBody>
-                  <a:tcPr marL="7620" marR="7620" marT="7620" marB="0" anchor="ctr"/>
-                </a:tc>
-                <a:tc>
-                  <a:txBody>
-                    <a:bodyPr/>
-                    <a:lstStyle/>
-                    <a:p>
-                      <a:pPr algn="ctr">
-                        <a:defRPr/>
-                      </a:pPr>
-                      <a:r>
-                        <a:rPr lang="en-US" altLang="ko-KR" sz="1500" b="0" i="0" u="none" strike="noStrike">
-                          <a:solidFill>
-                            <a:srgbClr val="000000"/>
-                          </a:solidFill>
-                          <a:effectLst/>
-                          <a:latin typeface="나눔바른고딕OTF"/>
-                          <a:ea typeface="나눔바른고딕OTF"/>
-                        </a:rPr>
-                        <a:t>72.4</a:t>
-                      </a:r>
-                      <a:endParaRPr lang="en-US" altLang="ko-KR" sz="1500" b="0" i="0" u="none" strike="noStrike">
-                        <a:solidFill>
-                          <a:srgbClr val="000000"/>
-                        </a:solidFill>
-                        <a:latin typeface="나눔바른고딕OTF"/>
-                        <a:ea typeface="나눔바른고딕OTF"/>
-                      </a:endParaRPr>
-                    </a:p>
-                  </a:txBody>
-                  <a:tcPr marL="7620" marR="7620" marT="7620" marB="0" anchor="ctr"/>
-                </a:tc>
-                <a:extLst>
-                  <a:ext uri="{0D108BD9-81ED-4DB2-BD59-A6C34878D82A}">
-                    <a16:rowId xmlns:a16="http://schemas.microsoft.com/office/drawing/2014/main" val="10004"/>
-                  </a:ext>
-                </a:extLst>
-              </a:tr>
-              <a:tr h="497756">
-                <a:tc>
-                  <a:txBody>
-                    <a:bodyPr/>
-                    <a:lstStyle/>
-                    <a:p>
-                      <a:pPr algn="ctr" latinLnBrk="1">
-                        <a:defRPr/>
-                      </a:pPr>
-                      <a:r>
-                        <a:rPr lang="en-US" altLang="ko-KR" sz="1500">
-                          <a:latin typeface="나눔바른고딕OTF"/>
-                          <a:ea typeface="나눔바른고딕OTF"/>
-                        </a:rPr>
-                        <a:t>0.5</a:t>
-                      </a:r>
-                      <a:endParaRPr lang="ko-KR" altLang="en-US" sz="1500">
-                        <a:latin typeface="나눔바른고딕OTF"/>
-                        <a:ea typeface="나눔바른고딕OTF"/>
-                      </a:endParaRPr>
-                    </a:p>
-                  </a:txBody>
-                  <a:tcPr anchor="ctr"/>
-                </a:tc>
-                <a:tc>
-                  <a:txBody>
-                    <a:bodyPr/>
-                    <a:lstStyle/>
-                    <a:p>
-                      <a:pPr algn="ctr">
-                        <a:defRPr/>
-                      </a:pPr>
-                      <a:r>
-                        <a:rPr lang="en-US" altLang="ko-KR" sz="1500" b="0" i="0" u="none" strike="noStrike">
-                          <a:solidFill>
-                            <a:srgbClr val="000000"/>
-                          </a:solidFill>
-                          <a:effectLst/>
-                          <a:latin typeface="나눔바른고딕OTF"/>
-                          <a:ea typeface="나눔바른고딕OTF"/>
-                        </a:rPr>
-                        <a:t>78.6</a:t>
-                      </a:r>
-                      <a:endParaRPr lang="en-US" altLang="ko-KR" sz="1500" b="0" i="0" u="none" strike="noStrike">
-                        <a:solidFill>
-                          <a:srgbClr val="000000"/>
-                        </a:solidFill>
-                        <a:latin typeface="나눔바른고딕OTF"/>
-                        <a:ea typeface="나눔바른고딕OTF"/>
-                      </a:endParaRPr>
-                    </a:p>
-                  </a:txBody>
-                  <a:tcPr marL="7620" marR="7620" marT="7620" marB="0" anchor="ctr"/>
-                </a:tc>
-                <a:tc>
-                  <a:txBody>
-                    <a:bodyPr/>
-                    <a:lstStyle/>
-                    <a:p>
-                      <a:pPr algn="ctr">
-                        <a:defRPr/>
-                      </a:pPr>
-                      <a:r>
-                        <a:rPr lang="en-US" altLang="ko-KR" sz="1500" b="0" i="0" u="none" strike="noStrike">
-                          <a:solidFill>
-                            <a:srgbClr val="000000"/>
-                          </a:solidFill>
-                          <a:effectLst/>
-                          <a:latin typeface="나눔바른고딕OTF"/>
-                          <a:ea typeface="나눔바른고딕OTF"/>
-                        </a:rPr>
-                        <a:t>90.6</a:t>
-                      </a:r>
-                      <a:endParaRPr lang="en-US" altLang="ko-KR" sz="1500" b="0" i="0" u="none" strike="noStrike">
-                        <a:solidFill>
-                          <a:srgbClr val="000000"/>
-                        </a:solidFill>
-                        <a:latin typeface="나눔바른고딕OTF"/>
-                        <a:ea typeface="나눔바른고딕OTF"/>
-                      </a:endParaRPr>
-                    </a:p>
-                  </a:txBody>
-                  <a:tcPr marL="7620" marR="7620" marT="7620" marB="0" anchor="ctr"/>
-                </a:tc>
-                <a:tc>
-                  <a:txBody>
-                    <a:bodyPr/>
-                    <a:lstStyle/>
-                    <a:p>
-                      <a:pPr algn="ctr">
-                        <a:defRPr/>
-                      </a:pPr>
-                      <a:r>
-                        <a:rPr lang="en-US" altLang="ko-KR" sz="1500" b="0" i="0" u="none" strike="noStrike">
-                          <a:solidFill>
-                            <a:srgbClr val="000000"/>
-                          </a:solidFill>
-                          <a:effectLst/>
-                          <a:latin typeface="나눔바른고딕OTF"/>
-                          <a:ea typeface="나눔바른고딕OTF"/>
-                        </a:rPr>
-                        <a:t>66.6</a:t>
-                      </a:r>
-                      <a:endParaRPr lang="en-US" altLang="ko-KR" sz="1500" b="0" i="0" u="none" strike="noStrike">
-                        <a:solidFill>
-                          <a:srgbClr val="000000"/>
-                        </a:solidFill>
-                        <a:latin typeface="나눔바른고딕OTF"/>
-                        <a:ea typeface="나눔바른고딕OTF"/>
-                      </a:endParaRPr>
-                    </a:p>
-                  </a:txBody>
-                  <a:tcPr marL="7620" marR="7620" marT="7620" marB="0" anchor="ctr"/>
-                </a:tc>
-                <a:extLst>
-                  <a:ext uri="{0D108BD9-81ED-4DB2-BD59-A6C34878D82A}">
-                    <a16:rowId xmlns:a16="http://schemas.microsoft.com/office/drawing/2014/main" val="10005"/>
-                  </a:ext>
-                </a:extLst>
-              </a:tr>
-              <a:tr h="536215">
-                <a:tc>
-                  <a:txBody>
-                    <a:bodyPr/>
-                    <a:lstStyle/>
-                    <a:p>
-                      <a:pPr algn="ctr" latinLnBrk="1">
-                        <a:defRPr/>
-                      </a:pPr>
-                      <a:r>
-                        <a:rPr lang="en-US" altLang="ko-KR" sz="1500">
-                          <a:latin typeface="나눔바른고딕OTF"/>
-                          <a:ea typeface="나눔바른고딕OTF"/>
-                        </a:rPr>
-                        <a:t>0.6</a:t>
-                      </a:r>
-                      <a:endParaRPr lang="ko-KR" altLang="en-US" sz="1500">
-                        <a:latin typeface="나눔바른고딕OTF"/>
-                        <a:ea typeface="나눔바른고딕OTF"/>
-                      </a:endParaRPr>
-                    </a:p>
-                  </a:txBody>
-                  <a:tcPr anchor="ctr"/>
-                </a:tc>
-                <a:tc>
-                  <a:txBody>
-                    <a:bodyPr/>
-                    <a:lstStyle/>
-                    <a:p>
-                      <a:pPr algn="ctr">
-                        <a:defRPr/>
-                      </a:pPr>
-                      <a:r>
-                        <a:rPr lang="en-US" altLang="ko-KR" sz="1500" b="0" i="0" u="none" strike="noStrike">
-                          <a:solidFill>
-                            <a:srgbClr val="000000"/>
-                          </a:solidFill>
-                          <a:effectLst/>
-                          <a:latin typeface="나눔바른고딕OTF"/>
-                          <a:ea typeface="나눔바른고딕OTF"/>
-                        </a:rPr>
-                        <a:t>73.1</a:t>
-                      </a:r>
-                      <a:endParaRPr lang="en-US" altLang="ko-KR" sz="1500" b="0" i="0" u="none" strike="noStrike">
-                        <a:solidFill>
-                          <a:srgbClr val="000000"/>
-                        </a:solidFill>
-                        <a:latin typeface="나눔바른고딕OTF"/>
-                        <a:ea typeface="나눔바른고딕OTF"/>
-                      </a:endParaRPr>
-                    </a:p>
-                  </a:txBody>
-                  <a:tcPr marL="7620" marR="7620" marT="7620" marB="0" anchor="ctr"/>
-                </a:tc>
-                <a:tc>
-                  <a:txBody>
-                    <a:bodyPr/>
-                    <a:lstStyle/>
-                    <a:p>
-                      <a:pPr algn="ctr">
-                        <a:defRPr/>
-                      </a:pPr>
-                      <a:r>
-                        <a:rPr lang="en-US" altLang="ko-KR" sz="1500" b="0" i="0" u="none" strike="noStrike">
-                          <a:solidFill>
-                            <a:srgbClr val="000000"/>
-                          </a:solidFill>
-                          <a:effectLst/>
-                          <a:latin typeface="나눔바른고딕OTF"/>
-                          <a:ea typeface="나눔바른고딕OTF"/>
-                        </a:rPr>
-                        <a:t>86.4</a:t>
-                      </a:r>
-                      <a:endParaRPr lang="en-US" altLang="ko-KR" sz="1500" b="0" i="0" u="none" strike="noStrike">
-                        <a:solidFill>
-                          <a:srgbClr val="000000"/>
-                        </a:solidFill>
-                        <a:latin typeface="나눔바른고딕OTF"/>
-                        <a:ea typeface="나눔바른고딕OTF"/>
-                      </a:endParaRPr>
-                    </a:p>
-                  </a:txBody>
-                  <a:tcPr marL="7620" marR="7620" marT="7620" marB="0" anchor="ctr"/>
-                </a:tc>
-                <a:tc>
-                  <a:txBody>
-                    <a:bodyPr/>
-                    <a:lstStyle/>
-                    <a:p>
-                      <a:pPr algn="ctr">
-                        <a:defRPr/>
-                      </a:pPr>
-                      <a:r>
-                        <a:rPr lang="en-US" altLang="ko-KR" sz="1500" b="0" i="0" u="none" strike="noStrike">
-                          <a:solidFill>
-                            <a:srgbClr val="000000"/>
-                          </a:solidFill>
-                          <a:effectLst/>
-                          <a:latin typeface="나눔바른고딕OTF"/>
-                          <a:ea typeface="나눔바른고딕OTF"/>
-                        </a:rPr>
-                        <a:t>59.8</a:t>
-                      </a:r>
-                      <a:endParaRPr lang="en-US" altLang="ko-KR" sz="1500" b="0" i="0" u="none" strike="noStrike">
-                        <a:solidFill>
-                          <a:srgbClr val="000000"/>
-                        </a:solidFill>
-                        <a:latin typeface="나눔바른고딕OTF"/>
-                        <a:ea typeface="나눔바른고딕OTF"/>
-                      </a:endParaRPr>
-                    </a:p>
-                  </a:txBody>
-                  <a:tcPr marL="7620" marR="7620" marT="7620" marB="0" anchor="ctr"/>
-                </a:tc>
-                <a:extLst>
-                  <a:ext uri="{0D108BD9-81ED-4DB2-BD59-A6C34878D82A}">
-                    <a16:rowId xmlns:a16="http://schemas.microsoft.com/office/drawing/2014/main" val="10006"/>
-                  </a:ext>
-                </a:extLst>
-              </a:tr>
-              <a:tr h="536215">
-                <a:tc>
-                  <a:txBody>
-                    <a:bodyPr/>
-                    <a:lstStyle/>
-                    <a:p>
-                      <a:pPr algn="ctr" latinLnBrk="1">
-                        <a:defRPr/>
-                      </a:pPr>
-                      <a:r>
-                        <a:rPr lang="en-US" altLang="ko-KR" sz="1500">
-                          <a:latin typeface="나눔바른고딕OTF"/>
-                          <a:ea typeface="나눔바른고딕OTF"/>
-                        </a:rPr>
-                        <a:t>0.7</a:t>
-                      </a:r>
-                      <a:endParaRPr lang="ko-KR" altLang="en-US" sz="1500">
-                        <a:latin typeface="나눔바른고딕OTF"/>
-                        <a:ea typeface="나눔바른고딕OTF"/>
-                      </a:endParaRPr>
-                    </a:p>
-                  </a:txBody>
-                  <a:tcPr anchor="ctr"/>
-                </a:tc>
-                <a:tc>
-                  <a:txBody>
-                    <a:bodyPr/>
-                    <a:lstStyle/>
-                    <a:p>
-                      <a:pPr algn="ctr">
-                        <a:defRPr/>
-                      </a:pPr>
-                      <a:r>
-                        <a:rPr lang="en-US" altLang="ko-KR" sz="1500" b="0" i="0" u="none" strike="noStrike">
-                          <a:solidFill>
-                            <a:srgbClr val="000000"/>
-                          </a:solidFill>
-                          <a:effectLst/>
-                          <a:latin typeface="나눔바른고딕OTF"/>
-                          <a:ea typeface="나눔바른고딕OTF"/>
-                        </a:rPr>
-                        <a:t>64.4</a:t>
-                      </a:r>
-                      <a:endParaRPr lang="en-US" altLang="ko-KR" sz="1500" b="0" i="0" u="none" strike="noStrike">
-                        <a:solidFill>
-                          <a:srgbClr val="000000"/>
-                        </a:solidFill>
-                        <a:latin typeface="나눔바른고딕OTF"/>
-                        <a:ea typeface="나눔바른고딕OTF"/>
-                      </a:endParaRPr>
-                    </a:p>
-                  </a:txBody>
-                  <a:tcPr marL="7620" marR="7620" marT="7620" marB="0" anchor="ctr"/>
-                </a:tc>
-                <a:tc>
-                  <a:txBody>
-                    <a:bodyPr/>
-                    <a:lstStyle/>
-                    <a:p>
-                      <a:pPr algn="ctr">
-                        <a:defRPr/>
-                      </a:pPr>
-                      <a:r>
-                        <a:rPr lang="en-US" altLang="ko-KR" sz="1500" b="0" i="0" u="none" strike="noStrike">
-                          <a:solidFill>
-                            <a:srgbClr val="000000"/>
-                          </a:solidFill>
-                          <a:effectLst/>
-                          <a:latin typeface="나눔바른고딕OTF"/>
-                          <a:ea typeface="나눔바른고딕OTF"/>
-                        </a:rPr>
-                        <a:t>78.8</a:t>
-                      </a:r>
-                      <a:endParaRPr lang="en-US" altLang="ko-KR" sz="1500" b="0" i="0" u="none" strike="noStrike">
-                        <a:solidFill>
-                          <a:srgbClr val="000000"/>
-                        </a:solidFill>
-                        <a:latin typeface="나눔바른고딕OTF"/>
-                        <a:ea typeface="나눔바른고딕OTF"/>
-                      </a:endParaRPr>
-                    </a:p>
-                  </a:txBody>
-                  <a:tcPr marL="7620" marR="7620" marT="7620" marB="0" anchor="ctr"/>
-                </a:tc>
-                <a:tc>
-                  <a:txBody>
-                    <a:bodyPr/>
-                    <a:lstStyle/>
-                    <a:p>
-                      <a:pPr algn="ctr">
-                        <a:defRPr/>
-                      </a:pPr>
-                      <a:r>
-                        <a:rPr lang="en-US" altLang="ko-KR" sz="1500" b="0" i="0" u="none" strike="noStrike">
-                          <a:solidFill>
-                            <a:srgbClr val="000000"/>
-                          </a:solidFill>
-                          <a:effectLst/>
-                          <a:latin typeface="나눔바른고딕OTF"/>
-                          <a:ea typeface="나눔바른고딕OTF"/>
-                        </a:rPr>
-                        <a:t>50.0</a:t>
-                      </a:r>
-                      <a:endParaRPr lang="en-US" altLang="ko-KR" sz="1500" b="0" i="0" u="none" strike="noStrike">
-                        <a:solidFill>
-                          <a:srgbClr val="000000"/>
-                        </a:solidFill>
-                        <a:latin typeface="나눔바른고딕OTF"/>
-                        <a:ea typeface="나눔바른고딕OTF"/>
-                      </a:endParaRPr>
-                    </a:p>
-                  </a:txBody>
-                  <a:tcPr marL="7620" marR="7620" marT="7620" marB="0" anchor="ctr"/>
-                </a:tc>
-                <a:extLst>
-                  <a:ext uri="{0D108BD9-81ED-4DB2-BD59-A6C34878D82A}">
-                    <a16:rowId xmlns:a16="http://schemas.microsoft.com/office/drawing/2014/main" val="10007"/>
-                  </a:ext>
-                </a:extLst>
-              </a:tr>
-            </a:tbl>
-          </a:graphicData>
-        </a:graphic>
-      </p:graphicFrame>
-      <p:graphicFrame>
-        <p:nvGraphicFramePr>
-          <p:cNvPr id="37" name="내용 개체 틀 3"/>
-          <p:cNvGraphicFramePr/>
-          <p:nvPr/>
-        </p:nvGraphicFramePr>
-        <p:xfrm>
-          <a:off x="7116605" y="2750258"/>
-          <a:ext cx="4054790" cy="4786484"/>
-        </p:xfrm>
-        <a:graphic>
-          <a:graphicData uri="http://schemas.openxmlformats.org/drawingml/2006/table">
-            <a:tbl>
-              <a:tblPr firstRow="1" bandRow="1">
-                <a:tableStyleId>{5C22544A-7EE6-4342-B048-85BDC9FD1C3A}</a:tableStyleId>
-              </a:tblPr>
-              <a:tblGrid>
-                <a:gridCol w="1190625">
-                  <a:extLst>
-                    <a:ext uri="{9D8B030D-6E8A-4147-A177-3AD203B41FA5}">
-                      <a16:colId xmlns:a16="http://schemas.microsoft.com/office/drawing/2014/main" val="20000"/>
-                    </a:ext>
-                  </a:extLst>
-                </a:gridCol>
-                <a:gridCol w="838200">
-                  <a:extLst>
-                    <a:ext uri="{9D8B030D-6E8A-4147-A177-3AD203B41FA5}">
-                      <a16:colId xmlns:a16="http://schemas.microsoft.com/office/drawing/2014/main" val="20001"/>
-                    </a:ext>
-                  </a:extLst>
-                </a:gridCol>
-                <a:gridCol w="1066800">
-                  <a:extLst>
-                    <a:ext uri="{9D8B030D-6E8A-4147-A177-3AD203B41FA5}">
-                      <a16:colId xmlns:a16="http://schemas.microsoft.com/office/drawing/2014/main" val="20002"/>
-                    </a:ext>
-                  </a:extLst>
-                </a:gridCol>
-                <a:gridCol w="959165">
-                  <a:extLst>
-                    <a:ext uri="{9D8B030D-6E8A-4147-A177-3AD203B41FA5}">
-                      <a16:colId xmlns:a16="http://schemas.microsoft.com/office/drawing/2014/main" val="20003"/>
-                    </a:ext>
-                  </a:extLst>
-                </a:gridCol>
-              </a:tblGrid>
-              <a:tr h="1186815">
-                <a:tc>
-                  <a:txBody>
-                    <a:bodyPr/>
-                    <a:lstStyle/>
-                    <a:p>
-                      <a:pPr algn="ctr" latinLnBrk="1">
-                        <a:defRPr/>
-                      </a:pPr>
-                      <a:r>
-                        <a:rPr lang="en-US" altLang="ko-KR" sz="1500">
-                          <a:latin typeface="나눔바른고딕OTF"/>
-                          <a:ea typeface="나눔바른고딕OTF"/>
-                        </a:rPr>
-                        <a:t>Confidence</a:t>
-                      </a:r>
-                      <a:br>
-                        <a:rPr lang="en-US" altLang="ko-KR" sz="1500">
-                          <a:latin typeface="나눔바른고딕OTF"/>
-                          <a:ea typeface="나눔바른고딕OTF"/>
-                        </a:rPr>
-                      </a:br>
-                      <a:r>
-                        <a:rPr lang="en-US" altLang="ko-KR" sz="1500">
-                          <a:latin typeface="나눔바른고딕OTF"/>
-                          <a:ea typeface="나눔바른고딕OTF"/>
-                        </a:rPr>
-                        <a:t>threshhold</a:t>
-                      </a:r>
-                      <a:endParaRPr lang="ko-KR" altLang="en-US" sz="1500">
-                        <a:latin typeface="나눔바른고딕OTF"/>
-                        <a:ea typeface="나눔바른고딕OTF"/>
-                      </a:endParaRPr>
-                    </a:p>
-                  </a:txBody>
-                  <a:tcPr anchor="ctr"/>
-                </a:tc>
-                <a:tc>
-                  <a:txBody>
-                    <a:bodyPr/>
-                    <a:lstStyle/>
-                    <a:p>
-                      <a:pPr algn="ctr" latinLnBrk="1">
-                        <a:defRPr/>
-                      </a:pPr>
-                      <a:r>
-                        <a:rPr lang="ko-KR" altLang="en-US" sz="1500">
-                          <a:latin typeface="나눔바른고딕OTF"/>
-                          <a:ea typeface="나눔바른고딕OTF"/>
-                        </a:rPr>
-                        <a:t>전체 </a:t>
-                      </a:r>
-                    </a:p>
-                    <a:p>
-                      <a:pPr algn="ctr" latinLnBrk="1">
-                        <a:defRPr/>
-                      </a:pPr>
-                      <a:r>
-                        <a:rPr lang="ko-KR" altLang="en-US" sz="1500">
-                          <a:latin typeface="나눔바른고딕OTF"/>
-                          <a:ea typeface="나눔바른고딕OTF"/>
-                        </a:rPr>
-                        <a:t>검출율</a:t>
-                      </a:r>
-                    </a:p>
-                  </a:txBody>
-                  <a:tcPr anchor="ctr"/>
-                </a:tc>
-                <a:tc>
-                  <a:txBody>
-                    <a:bodyPr/>
-                    <a:lstStyle/>
-                    <a:p>
-                      <a:pPr algn="ctr" latinLnBrk="1">
-                        <a:defRPr/>
-                      </a:pPr>
-                      <a:r>
-                        <a:rPr lang="ko-KR" altLang="en-US" sz="1500">
-                          <a:latin typeface="나눔바른고딕OTF"/>
-                          <a:ea typeface="나눔바른고딕OTF"/>
-                        </a:rPr>
-                        <a:t>착용 사진</a:t>
-                      </a:r>
-                      <a:br>
-                        <a:rPr lang="en-US" altLang="ko-KR" sz="1500">
-                          <a:latin typeface="나눔바른고딕OTF"/>
-                          <a:ea typeface="나눔바른고딕OTF"/>
-                        </a:rPr>
-                      </a:br>
-                      <a:r>
-                        <a:rPr lang="ko-KR" altLang="en-US" sz="1500">
-                          <a:latin typeface="나눔바른고딕OTF"/>
-                          <a:ea typeface="나눔바른고딕OTF"/>
-                        </a:rPr>
-                        <a:t>검출율</a:t>
-                      </a:r>
-                    </a:p>
-                  </a:txBody>
-                  <a:tcPr anchor="ctr"/>
-                </a:tc>
-                <a:tc>
-                  <a:txBody>
-                    <a:bodyPr/>
-                    <a:lstStyle/>
-                    <a:p>
-                      <a:pPr algn="ctr" latinLnBrk="1">
-                        <a:defRPr/>
-                      </a:pPr>
-                      <a:r>
-                        <a:rPr lang="ko-KR" altLang="en-US" sz="1500">
-                          <a:latin typeface="나눔바른고딕OTF"/>
-                          <a:ea typeface="나눔바른고딕OTF"/>
-                        </a:rPr>
-                        <a:t>제품 사진</a:t>
-                      </a:r>
-                      <a:br>
-                        <a:rPr lang="en-US" altLang="ko-KR" sz="1500">
-                          <a:latin typeface="나눔바른고딕OTF"/>
-                          <a:ea typeface="나눔바른고딕OTF"/>
-                        </a:rPr>
-                      </a:br>
-                      <a:r>
-                        <a:rPr lang="ko-KR" altLang="en-US" sz="1500">
-                          <a:latin typeface="나눔바른고딕OTF"/>
-                          <a:ea typeface="나눔바른고딕OTF"/>
-                        </a:rPr>
-                        <a:t>검출율</a:t>
-                      </a:r>
-                    </a:p>
-                  </a:txBody>
-                  <a:tcPr anchor="ctr"/>
-                </a:tc>
-                <a:extLst>
-                  <a:ext uri="{0D108BD9-81ED-4DB2-BD59-A6C34878D82A}">
-                    <a16:rowId xmlns:a16="http://schemas.microsoft.com/office/drawing/2014/main" val="10000"/>
-                  </a:ext>
-                </a:extLst>
-              </a:tr>
-              <a:tr h="536215">
-                <a:tc>
-                  <a:txBody>
-                    <a:bodyPr/>
-                    <a:lstStyle/>
-                    <a:p>
-                      <a:pPr algn="ctr" latinLnBrk="1">
-                        <a:defRPr/>
-                      </a:pPr>
-                      <a:r>
-                        <a:rPr lang="en-US" altLang="ko-KR" sz="1500">
-                          <a:latin typeface="나눔바른고딕OTF"/>
-                          <a:ea typeface="나눔바른고딕OTF"/>
-                        </a:rPr>
-                        <a:t>0.1</a:t>
-                      </a:r>
-                      <a:endParaRPr lang="ko-KR" altLang="en-US" sz="1500">
-                        <a:latin typeface="나눔바른고딕OTF"/>
-                        <a:ea typeface="나눔바른고딕OTF"/>
-                      </a:endParaRPr>
-                    </a:p>
-                  </a:txBody>
-                  <a:tcPr anchor="ctr"/>
-                </a:tc>
-                <a:tc>
-                  <a:txBody>
-                    <a:bodyPr/>
-                    <a:lstStyle/>
-                    <a:p>
-                      <a:pPr algn="ctr">
-                        <a:defRPr/>
-                      </a:pPr>
-                      <a:r>
-                        <a:rPr lang="en-US" altLang="ko-KR" sz="1500" b="0" i="0" u="none" strike="noStrike">
-                          <a:solidFill>
-                            <a:srgbClr val="000000"/>
-                          </a:solidFill>
-                          <a:effectLst/>
-                          <a:latin typeface="나눔바른고딕OTF"/>
-                          <a:ea typeface="나눔바른고딕OTF"/>
-                        </a:rPr>
-                        <a:t>92.7</a:t>
-                      </a:r>
-                      <a:endParaRPr lang="en-US" altLang="ko-KR" sz="1500" b="0" i="0" u="none" strike="noStrike">
-                        <a:solidFill>
-                          <a:srgbClr val="000000"/>
-                        </a:solidFill>
-                        <a:latin typeface="나눔바른고딕OTF"/>
-                        <a:ea typeface="나눔바른고딕OTF"/>
-                      </a:endParaRPr>
-                    </a:p>
-                  </a:txBody>
-                  <a:tcPr marL="7620" marR="7620" marT="7620" marB="0" anchor="ctr"/>
-                </a:tc>
-                <a:tc>
-                  <a:txBody>
-                    <a:bodyPr/>
-                    <a:lstStyle/>
-                    <a:p>
-                      <a:pPr algn="ctr">
-                        <a:defRPr/>
-                      </a:pPr>
-                      <a:r>
-                        <a:rPr lang="en-US" altLang="ko-KR" sz="1500" b="0" i="0" u="none" strike="noStrike">
-                          <a:solidFill>
-                            <a:srgbClr val="000000"/>
-                          </a:solidFill>
-                          <a:effectLst/>
-                          <a:latin typeface="나눔바른고딕OTF"/>
-                          <a:ea typeface="나눔바른고딕OTF"/>
-                        </a:rPr>
-                        <a:t>99.2</a:t>
-                      </a:r>
-                      <a:endParaRPr lang="en-US" altLang="ko-KR" sz="1500" b="0" i="0" u="none" strike="noStrike">
-                        <a:solidFill>
-                          <a:srgbClr val="000000"/>
-                        </a:solidFill>
-                        <a:latin typeface="나눔바른고딕OTF"/>
-                        <a:ea typeface="나눔바른고딕OTF"/>
-                      </a:endParaRPr>
-                    </a:p>
-                  </a:txBody>
-                  <a:tcPr marL="7620" marR="7620" marT="7620" marB="0" anchor="ctr"/>
-                </a:tc>
-                <a:tc>
-                  <a:txBody>
-                    <a:bodyPr/>
-                    <a:lstStyle/>
-                    <a:p>
-                      <a:pPr algn="ctr">
-                        <a:defRPr/>
-                      </a:pPr>
-                      <a:r>
-                        <a:rPr lang="en-US" altLang="ko-KR" sz="1500" b="0" i="0" u="none" strike="noStrike">
-                          <a:solidFill>
-                            <a:srgbClr val="000000"/>
-                          </a:solidFill>
-                          <a:effectLst/>
-                          <a:latin typeface="나눔바른고딕OTF"/>
-                          <a:ea typeface="나눔바른고딕OTF"/>
-                        </a:rPr>
-                        <a:t>86.2</a:t>
-                      </a:r>
-                      <a:endParaRPr lang="en-US" altLang="ko-KR" sz="1500" b="0" i="0" u="none" strike="noStrike">
-                        <a:solidFill>
-                          <a:srgbClr val="000000"/>
-                        </a:solidFill>
-                        <a:latin typeface="나눔바른고딕OTF"/>
-                        <a:ea typeface="나눔바른고딕OTF"/>
-                      </a:endParaRPr>
-                    </a:p>
-                  </a:txBody>
-                  <a:tcPr marL="7620" marR="7620" marT="7620" marB="0" anchor="ctr"/>
-                </a:tc>
-                <a:extLst>
-                  <a:ext uri="{0D108BD9-81ED-4DB2-BD59-A6C34878D82A}">
-                    <a16:rowId xmlns:a16="http://schemas.microsoft.com/office/drawing/2014/main" val="10001"/>
-                  </a:ext>
-                </a:extLst>
-              </a:tr>
-              <a:tr h="497756">
-                <a:tc>
-                  <a:txBody>
-                    <a:bodyPr/>
-                    <a:lstStyle/>
-                    <a:p>
-                      <a:pPr algn="ctr" latinLnBrk="1">
-                        <a:defRPr/>
-                      </a:pPr>
-                      <a:r>
-                        <a:rPr lang="en-US" altLang="ko-KR" sz="1500">
-                          <a:latin typeface="나눔바른고딕OTF"/>
-                          <a:ea typeface="나눔바른고딕OTF"/>
-                        </a:rPr>
-                        <a:t>0.2</a:t>
-                      </a:r>
-                      <a:endParaRPr lang="ko-KR" altLang="en-US" sz="1500">
-                        <a:latin typeface="나눔바른고딕OTF"/>
-                        <a:ea typeface="나눔바른고딕OTF"/>
-                      </a:endParaRPr>
-                    </a:p>
-                  </a:txBody>
-                  <a:tcPr anchor="ctr"/>
-                </a:tc>
-                <a:tc>
-                  <a:txBody>
-                    <a:bodyPr/>
-                    <a:lstStyle/>
-                    <a:p>
-                      <a:pPr algn="ctr">
-                        <a:defRPr/>
-                      </a:pPr>
-                      <a:r>
-                        <a:rPr lang="en-US" altLang="ko-KR" sz="1500" b="0" i="0" u="none" strike="noStrike">
-                          <a:solidFill>
-                            <a:srgbClr val="000000"/>
-                          </a:solidFill>
-                          <a:effectLst/>
-                          <a:latin typeface="나눔바른고딕OTF"/>
-                          <a:ea typeface="나눔바른고딕OTF"/>
-                        </a:rPr>
-                        <a:t>89.1</a:t>
-                      </a:r>
-                      <a:endParaRPr lang="en-US" altLang="ko-KR" sz="1500" b="0" i="0" u="none" strike="noStrike">
-                        <a:solidFill>
-                          <a:srgbClr val="000000"/>
-                        </a:solidFill>
-                        <a:latin typeface="나눔바른고딕OTF"/>
-                        <a:ea typeface="나눔바른고딕OTF"/>
-                      </a:endParaRPr>
-                    </a:p>
-                  </a:txBody>
-                  <a:tcPr marL="7620" marR="7620" marT="7620" marB="0" anchor="ctr"/>
-                </a:tc>
-                <a:tc>
-                  <a:txBody>
-                    <a:bodyPr/>
-                    <a:lstStyle/>
-                    <a:p>
-                      <a:pPr algn="ctr">
-                        <a:defRPr/>
-                      </a:pPr>
-                      <a:r>
-                        <a:rPr lang="en-US" altLang="ko-KR" sz="1500" b="0" i="0" u="none" strike="noStrike">
-                          <a:solidFill>
-                            <a:srgbClr val="000000"/>
-                          </a:solidFill>
-                          <a:effectLst/>
-                          <a:latin typeface="나눔바른고딕OTF"/>
-                          <a:ea typeface="나눔바른고딕OTF"/>
-                        </a:rPr>
-                        <a:t>96.8</a:t>
-                      </a:r>
-                      <a:endParaRPr lang="en-US" altLang="ko-KR" sz="1500" b="0" i="0" u="none" strike="noStrike">
-                        <a:solidFill>
-                          <a:srgbClr val="000000"/>
-                        </a:solidFill>
-                        <a:latin typeface="나눔바른고딕OTF"/>
-                        <a:ea typeface="나눔바른고딕OTF"/>
-                      </a:endParaRPr>
-                    </a:p>
-                  </a:txBody>
-                  <a:tcPr marL="7620" marR="7620" marT="7620" marB="0" anchor="ctr"/>
-                </a:tc>
-                <a:tc>
-                  <a:txBody>
-                    <a:bodyPr/>
-                    <a:lstStyle/>
-                    <a:p>
-                      <a:pPr algn="ctr">
-                        <a:defRPr/>
-                      </a:pPr>
-                      <a:r>
-                        <a:rPr lang="en-US" altLang="ko-KR" sz="1500" b="0" i="0" u="none" strike="noStrike">
-                          <a:solidFill>
-                            <a:srgbClr val="000000"/>
-                          </a:solidFill>
-                          <a:effectLst/>
-                          <a:latin typeface="나눔바른고딕OTF"/>
-                          <a:ea typeface="나눔바른고딕OTF"/>
-                        </a:rPr>
-                        <a:t>81.4</a:t>
-                      </a:r>
-                      <a:endParaRPr lang="en-US" altLang="ko-KR" sz="1500" b="0" i="0" u="none" strike="noStrike">
-                        <a:solidFill>
-                          <a:srgbClr val="000000"/>
-                        </a:solidFill>
-                        <a:latin typeface="나눔바른고딕OTF"/>
-                        <a:ea typeface="나눔바른고딕OTF"/>
-                      </a:endParaRPr>
-                    </a:p>
-                  </a:txBody>
-                  <a:tcPr marL="7620" marR="7620" marT="7620" marB="0" anchor="ctr"/>
-                </a:tc>
-                <a:extLst>
-                  <a:ext uri="{0D108BD9-81ED-4DB2-BD59-A6C34878D82A}">
-                    <a16:rowId xmlns:a16="http://schemas.microsoft.com/office/drawing/2014/main" val="10002"/>
-                  </a:ext>
-                </a:extLst>
-              </a:tr>
-              <a:tr h="497756">
-                <a:tc>
-                  <a:txBody>
-                    <a:bodyPr/>
-                    <a:lstStyle/>
-                    <a:p>
-                      <a:pPr algn="ctr" latinLnBrk="1">
-                        <a:defRPr/>
-                      </a:pPr>
-                      <a:r>
-                        <a:rPr lang="en-US" altLang="ko-KR" sz="1500">
-                          <a:latin typeface="나눔바른고딕OTF"/>
-                          <a:ea typeface="나눔바른고딕OTF"/>
-                        </a:rPr>
-                        <a:t>0.3</a:t>
-                      </a:r>
-                      <a:endParaRPr lang="ko-KR" altLang="en-US" sz="1500">
-                        <a:latin typeface="나눔바른고딕OTF"/>
-                        <a:ea typeface="나눔바른고딕OTF"/>
-                      </a:endParaRPr>
-                    </a:p>
-                  </a:txBody>
-                  <a:tcPr anchor="ctr"/>
-                </a:tc>
-                <a:tc>
-                  <a:txBody>
-                    <a:bodyPr/>
-                    <a:lstStyle/>
-                    <a:p>
-                      <a:pPr algn="ctr">
-                        <a:defRPr/>
-                      </a:pPr>
-                      <a:r>
-                        <a:rPr lang="en-US" altLang="ko-KR" sz="1500" b="0" i="0" u="none" strike="noStrike">
-                          <a:solidFill>
-                            <a:srgbClr val="000000"/>
-                          </a:solidFill>
-                          <a:effectLst/>
-                          <a:latin typeface="나눔바른고딕OTF"/>
-                          <a:ea typeface="나눔바른고딕OTF"/>
-                        </a:rPr>
-                        <a:t>85.5</a:t>
-                      </a:r>
-                      <a:endParaRPr lang="en-US" altLang="ko-KR" sz="1500" b="0" i="0" u="none" strike="noStrike">
-                        <a:solidFill>
-                          <a:srgbClr val="000000"/>
-                        </a:solidFill>
-                        <a:latin typeface="나눔바른고딕OTF"/>
-                        <a:ea typeface="나눔바른고딕OTF"/>
-                      </a:endParaRPr>
-                    </a:p>
-                  </a:txBody>
-                  <a:tcPr marL="7620" marR="7620" marT="7620" marB="0" anchor="ctr"/>
-                </a:tc>
-                <a:tc>
-                  <a:txBody>
-                    <a:bodyPr/>
-                    <a:lstStyle/>
-                    <a:p>
-                      <a:pPr algn="ctr">
-                        <a:defRPr/>
-                      </a:pPr>
-                      <a:r>
-                        <a:rPr lang="en-US" altLang="ko-KR" sz="1500" b="0" i="0" u="none" strike="noStrike">
-                          <a:solidFill>
-                            <a:srgbClr val="000000"/>
-                          </a:solidFill>
-                          <a:effectLst/>
-                          <a:latin typeface="나눔바른고딕OTF"/>
-                          <a:ea typeface="나눔바른고딕OTF"/>
-                        </a:rPr>
-                        <a:t>94.8</a:t>
-                      </a:r>
-                      <a:endParaRPr lang="en-US" altLang="ko-KR" sz="1500" b="0" i="0" u="none" strike="noStrike">
-                        <a:solidFill>
-                          <a:srgbClr val="000000"/>
-                        </a:solidFill>
-                        <a:latin typeface="나눔바른고딕OTF"/>
-                        <a:ea typeface="나눔바른고딕OTF"/>
-                      </a:endParaRPr>
-                    </a:p>
-                  </a:txBody>
-                  <a:tcPr marL="7620" marR="7620" marT="7620" marB="0" anchor="ctr"/>
-                </a:tc>
-                <a:tc>
-                  <a:txBody>
-                    <a:bodyPr/>
-                    <a:lstStyle/>
-                    <a:p>
-                      <a:pPr algn="ctr">
-                        <a:defRPr/>
-                      </a:pPr>
-                      <a:r>
-                        <a:rPr lang="en-US" altLang="ko-KR" sz="1500" b="0" i="0" u="none" strike="noStrike">
-                          <a:solidFill>
-                            <a:srgbClr val="000000"/>
-                          </a:solidFill>
-                          <a:effectLst/>
-                          <a:latin typeface="나눔바른고딕OTF"/>
-                          <a:ea typeface="나눔바른고딕OTF"/>
-                        </a:rPr>
-                        <a:t>76.2</a:t>
-                      </a:r>
-                      <a:endParaRPr lang="en-US" altLang="ko-KR" sz="1500" b="0" i="0" u="none" strike="noStrike">
-                        <a:solidFill>
-                          <a:srgbClr val="000000"/>
-                        </a:solidFill>
-                        <a:latin typeface="나눔바른고딕OTF"/>
-                        <a:ea typeface="나눔바른고딕OTF"/>
-                      </a:endParaRPr>
-                    </a:p>
-                  </a:txBody>
-                  <a:tcPr marL="7620" marR="7620" marT="7620" marB="0" anchor="ctr"/>
-                </a:tc>
-                <a:extLst>
-                  <a:ext uri="{0D108BD9-81ED-4DB2-BD59-A6C34878D82A}">
-                    <a16:rowId xmlns:a16="http://schemas.microsoft.com/office/drawing/2014/main" val="10003"/>
-                  </a:ext>
-                </a:extLst>
-              </a:tr>
-              <a:tr h="497756">
-                <a:tc>
-                  <a:txBody>
-                    <a:bodyPr/>
-                    <a:lstStyle/>
-                    <a:p>
-                      <a:pPr algn="ctr" latinLnBrk="1">
-                        <a:defRPr/>
-                      </a:pPr>
-                      <a:r>
-                        <a:rPr lang="en-US" altLang="ko-KR" sz="1500">
-                          <a:latin typeface="나눔바른고딕OTF"/>
-                          <a:ea typeface="나눔바른고딕OTF"/>
-                        </a:rPr>
-                        <a:t>0.4</a:t>
-                      </a:r>
-                      <a:endParaRPr lang="ko-KR" altLang="en-US" sz="1500">
-                        <a:latin typeface="나눔바른고딕OTF"/>
-                        <a:ea typeface="나눔바른고딕OTF"/>
-                      </a:endParaRPr>
-                    </a:p>
-                  </a:txBody>
-                  <a:tcPr anchor="ctr"/>
-                </a:tc>
-                <a:tc>
-                  <a:txBody>
-                    <a:bodyPr/>
-                    <a:lstStyle/>
-                    <a:p>
-                      <a:pPr algn="ctr">
-                        <a:defRPr/>
-                      </a:pPr>
-                      <a:r>
-                        <a:rPr lang="en-US" altLang="ko-KR" sz="1500" b="0" i="0" u="none" strike="noStrike">
-                          <a:solidFill>
-                            <a:srgbClr val="000000"/>
-                          </a:solidFill>
-                          <a:effectLst/>
-                          <a:latin typeface="나눔바른고딕OTF"/>
-                          <a:ea typeface="나눔바른고딕OTF"/>
-                        </a:rPr>
-                        <a:t>82.3</a:t>
-                      </a:r>
-                      <a:endParaRPr lang="en-US" altLang="ko-KR" sz="1500" b="0" i="0" u="none" strike="noStrike">
-                        <a:solidFill>
-                          <a:srgbClr val="000000"/>
-                        </a:solidFill>
-                        <a:latin typeface="나눔바른고딕OTF"/>
-                        <a:ea typeface="나눔바른고딕OTF"/>
-                      </a:endParaRPr>
-                    </a:p>
-                  </a:txBody>
-                  <a:tcPr marL="7620" marR="7620" marT="7620" marB="0" anchor="ctr"/>
-                </a:tc>
-                <a:tc>
-                  <a:txBody>
-                    <a:bodyPr/>
-                    <a:lstStyle/>
-                    <a:p>
-                      <a:pPr algn="ctr">
-                        <a:defRPr/>
-                      </a:pPr>
-                      <a:r>
-                        <a:rPr lang="en-US" altLang="ko-KR" sz="1500" b="0" i="0" u="none" strike="noStrike">
-                          <a:solidFill>
-                            <a:srgbClr val="000000"/>
-                          </a:solidFill>
-                          <a:effectLst/>
-                          <a:latin typeface="나눔바른고딕OTF"/>
-                          <a:ea typeface="나눔바른고딕OTF"/>
-                        </a:rPr>
-                        <a:t>92.8</a:t>
-                      </a:r>
-                      <a:endParaRPr lang="en-US" altLang="ko-KR" sz="1500" b="0" i="0" u="none" strike="noStrike">
-                        <a:solidFill>
-                          <a:srgbClr val="000000"/>
-                        </a:solidFill>
-                        <a:latin typeface="나눔바른고딕OTF"/>
-                        <a:ea typeface="나눔바른고딕OTF"/>
-                      </a:endParaRPr>
-                    </a:p>
-                  </a:txBody>
-                  <a:tcPr marL="7620" marR="7620" marT="7620" marB="0" anchor="ctr"/>
-                </a:tc>
-                <a:tc>
-                  <a:txBody>
-                    <a:bodyPr/>
-                    <a:lstStyle/>
-                    <a:p>
-                      <a:pPr algn="ctr">
-                        <a:defRPr/>
-                      </a:pPr>
-                      <a:r>
-                        <a:rPr lang="en-US" altLang="ko-KR" sz="1500" b="0" i="0" u="none" strike="noStrike">
-                          <a:solidFill>
-                            <a:srgbClr val="000000"/>
-                          </a:solidFill>
-                          <a:effectLst/>
-                          <a:latin typeface="나눔바른고딕OTF"/>
-                          <a:ea typeface="나눔바른고딕OTF"/>
-                        </a:rPr>
-                        <a:t>71.8</a:t>
-                      </a:r>
-                      <a:endParaRPr lang="en-US" altLang="ko-KR" sz="1500" b="0" i="0" u="none" strike="noStrike">
-                        <a:solidFill>
-                          <a:srgbClr val="000000"/>
-                        </a:solidFill>
-                        <a:latin typeface="나눔바른고딕OTF"/>
-                        <a:ea typeface="나눔바른고딕OTF"/>
-                      </a:endParaRPr>
-                    </a:p>
-                  </a:txBody>
-                  <a:tcPr marL="7620" marR="7620" marT="7620" marB="0" anchor="ctr"/>
-                </a:tc>
-                <a:extLst>
-                  <a:ext uri="{0D108BD9-81ED-4DB2-BD59-A6C34878D82A}">
-                    <a16:rowId xmlns:a16="http://schemas.microsoft.com/office/drawing/2014/main" val="10004"/>
-                  </a:ext>
-                </a:extLst>
-              </a:tr>
-              <a:tr h="497756">
-                <a:tc>
-                  <a:txBody>
-                    <a:bodyPr/>
-                    <a:lstStyle/>
-                    <a:p>
-                      <a:pPr algn="ctr" latinLnBrk="1">
-                        <a:defRPr/>
-                      </a:pPr>
-                      <a:r>
-                        <a:rPr lang="en-US" altLang="ko-KR" sz="1500">
-                          <a:latin typeface="나눔바른고딕OTF"/>
-                          <a:ea typeface="나눔바른고딕OTF"/>
-                        </a:rPr>
-                        <a:t>0.5</a:t>
-                      </a:r>
-                      <a:endParaRPr lang="ko-KR" altLang="en-US" sz="1500">
-                        <a:latin typeface="나눔바른고딕OTF"/>
-                        <a:ea typeface="나눔바른고딕OTF"/>
-                      </a:endParaRPr>
-                    </a:p>
-                  </a:txBody>
-                  <a:tcPr anchor="ctr"/>
-                </a:tc>
-                <a:tc>
-                  <a:txBody>
-                    <a:bodyPr/>
-                    <a:lstStyle/>
-                    <a:p>
-                      <a:pPr algn="ctr">
-                        <a:defRPr/>
-                      </a:pPr>
-                      <a:r>
-                        <a:rPr lang="en-US" altLang="ko-KR" sz="1500" b="0" i="0" u="none" strike="noStrike">
-                          <a:solidFill>
-                            <a:srgbClr val="000000"/>
-                          </a:solidFill>
-                          <a:effectLst/>
-                          <a:latin typeface="나눔바른고딕OTF"/>
-                          <a:ea typeface="나눔바른고딕OTF"/>
-                        </a:rPr>
-                        <a:t>78.2</a:t>
-                      </a:r>
-                      <a:endParaRPr lang="en-US" altLang="ko-KR" sz="1500" b="0" i="0" u="none" strike="noStrike">
-                        <a:solidFill>
-                          <a:srgbClr val="000000"/>
-                        </a:solidFill>
-                        <a:latin typeface="나눔바른고딕OTF"/>
-                        <a:ea typeface="나눔바른고딕OTF"/>
-                      </a:endParaRPr>
-                    </a:p>
-                  </a:txBody>
-                  <a:tcPr marL="7620" marR="7620" marT="7620" marB="0" anchor="ctr"/>
-                </a:tc>
-                <a:tc>
-                  <a:txBody>
-                    <a:bodyPr/>
-                    <a:lstStyle/>
-                    <a:p>
-                      <a:pPr algn="ctr">
-                        <a:defRPr/>
-                      </a:pPr>
-                      <a:r>
-                        <a:rPr lang="en-US" altLang="ko-KR" sz="1500" b="0" i="0" u="none" strike="noStrike">
-                          <a:solidFill>
-                            <a:srgbClr val="000000"/>
-                          </a:solidFill>
-                          <a:effectLst/>
-                          <a:latin typeface="나눔바른고딕OTF"/>
-                          <a:ea typeface="나눔바른고딕OTF"/>
-                        </a:rPr>
-                        <a:t>89.4</a:t>
-                      </a:r>
-                      <a:endParaRPr lang="en-US" altLang="ko-KR" sz="1500" b="0" i="0" u="none" strike="noStrike">
-                        <a:solidFill>
-                          <a:srgbClr val="000000"/>
-                        </a:solidFill>
-                        <a:latin typeface="나눔바른고딕OTF"/>
-                        <a:ea typeface="나눔바른고딕OTF"/>
-                      </a:endParaRPr>
-                    </a:p>
-                  </a:txBody>
-                  <a:tcPr marL="7620" marR="7620" marT="7620" marB="0" anchor="ctr"/>
-                </a:tc>
-                <a:tc>
-                  <a:txBody>
-                    <a:bodyPr/>
-                    <a:lstStyle/>
-                    <a:p>
-                      <a:pPr algn="ctr">
-                        <a:defRPr/>
-                      </a:pPr>
-                      <a:r>
-                        <a:rPr lang="en-US" altLang="ko-KR" sz="1500" b="0" i="0" u="none" strike="noStrike">
-                          <a:solidFill>
-                            <a:srgbClr val="000000"/>
-                          </a:solidFill>
-                          <a:effectLst/>
-                          <a:latin typeface="나눔바른고딕OTF"/>
-                          <a:ea typeface="나눔바른고딕OTF"/>
-                        </a:rPr>
-                        <a:t>67.0</a:t>
-                      </a:r>
-                      <a:endParaRPr lang="en-US" altLang="ko-KR" sz="1500" b="0" i="0" u="none" strike="noStrike">
-                        <a:solidFill>
-                          <a:srgbClr val="000000"/>
-                        </a:solidFill>
-                        <a:latin typeface="나눔바른고딕OTF"/>
-                        <a:ea typeface="나눔바른고딕OTF"/>
-                      </a:endParaRPr>
-                    </a:p>
-                  </a:txBody>
-                  <a:tcPr marL="7620" marR="7620" marT="7620" marB="0" anchor="ctr"/>
-                </a:tc>
-                <a:extLst>
-                  <a:ext uri="{0D108BD9-81ED-4DB2-BD59-A6C34878D82A}">
-                    <a16:rowId xmlns:a16="http://schemas.microsoft.com/office/drawing/2014/main" val="10005"/>
-                  </a:ext>
-                </a:extLst>
-              </a:tr>
-              <a:tr h="536215">
-                <a:tc>
-                  <a:txBody>
-                    <a:bodyPr/>
-                    <a:lstStyle/>
-                    <a:p>
-                      <a:pPr algn="ctr" latinLnBrk="1">
-                        <a:defRPr/>
-                      </a:pPr>
-                      <a:r>
-                        <a:rPr lang="en-US" altLang="ko-KR" sz="1500">
-                          <a:latin typeface="나눔바른고딕OTF"/>
-                          <a:ea typeface="나눔바른고딕OTF"/>
-                        </a:rPr>
-                        <a:t>0.6</a:t>
-                      </a:r>
-                      <a:endParaRPr lang="ko-KR" altLang="en-US" sz="1500">
-                        <a:latin typeface="나눔바른고딕OTF"/>
-                        <a:ea typeface="나눔바른고딕OTF"/>
-                      </a:endParaRPr>
-                    </a:p>
-                  </a:txBody>
-                  <a:tcPr anchor="ctr"/>
-                </a:tc>
-                <a:tc>
-                  <a:txBody>
-                    <a:bodyPr/>
-                    <a:lstStyle/>
-                    <a:p>
-                      <a:pPr algn="ctr">
-                        <a:defRPr/>
-                      </a:pPr>
-                      <a:r>
-                        <a:rPr lang="en-US" altLang="ko-KR" sz="1500" b="0" i="0" u="none" strike="noStrike">
-                          <a:solidFill>
-                            <a:srgbClr val="000000"/>
-                          </a:solidFill>
-                          <a:effectLst/>
-                          <a:latin typeface="나눔바른고딕OTF"/>
-                          <a:ea typeface="나눔바른고딕OTF"/>
-                        </a:rPr>
-                        <a:t>72.9</a:t>
-                      </a:r>
-                      <a:endParaRPr lang="en-US" altLang="ko-KR" sz="1500" b="0" i="0" u="none" strike="noStrike">
-                        <a:solidFill>
-                          <a:srgbClr val="000000"/>
-                        </a:solidFill>
-                        <a:latin typeface="나눔바른고딕OTF"/>
-                        <a:ea typeface="나눔바른고딕OTF"/>
-                      </a:endParaRPr>
-                    </a:p>
-                  </a:txBody>
-                  <a:tcPr marL="7620" marR="7620" marT="7620" marB="0" anchor="ctr"/>
-                </a:tc>
-                <a:tc>
-                  <a:txBody>
-                    <a:bodyPr/>
-                    <a:lstStyle/>
-                    <a:p>
-                      <a:pPr algn="ctr">
-                        <a:defRPr/>
-                      </a:pPr>
-                      <a:r>
-                        <a:rPr lang="en-US" altLang="ko-KR" sz="1500" b="0" i="0" u="none" strike="noStrike">
-                          <a:solidFill>
-                            <a:srgbClr val="000000"/>
-                          </a:solidFill>
-                          <a:effectLst/>
-                          <a:latin typeface="나눔바른고딕OTF"/>
-                          <a:ea typeface="나눔바른고딕OTF"/>
-                        </a:rPr>
-                        <a:t>85.8</a:t>
-                      </a:r>
-                      <a:endParaRPr lang="en-US" altLang="ko-KR" sz="1500" b="0" i="0" u="none" strike="noStrike">
-                        <a:solidFill>
-                          <a:srgbClr val="000000"/>
-                        </a:solidFill>
-                        <a:latin typeface="나눔바른고딕OTF"/>
-                        <a:ea typeface="나눔바른고딕OTF"/>
-                      </a:endParaRPr>
-                    </a:p>
-                  </a:txBody>
-                  <a:tcPr marL="7620" marR="7620" marT="7620" marB="0" anchor="ctr"/>
-                </a:tc>
-                <a:tc>
-                  <a:txBody>
-                    <a:bodyPr/>
-                    <a:lstStyle/>
-                    <a:p>
-                      <a:pPr algn="ctr">
-                        <a:defRPr/>
-                      </a:pPr>
-                      <a:r>
-                        <a:rPr lang="en-US" altLang="ko-KR" sz="1500" b="0" i="0" u="none" strike="noStrike">
-                          <a:solidFill>
-                            <a:srgbClr val="000000"/>
-                          </a:solidFill>
-                          <a:effectLst/>
-                          <a:latin typeface="나눔바른고딕OTF"/>
-                          <a:ea typeface="나눔바른고딕OTF"/>
-                        </a:rPr>
-                        <a:t>60.0</a:t>
-                      </a:r>
-                      <a:endParaRPr lang="en-US" altLang="ko-KR" sz="1500" b="0" i="0" u="none" strike="noStrike">
-                        <a:solidFill>
-                          <a:srgbClr val="000000"/>
-                        </a:solidFill>
-                        <a:latin typeface="나눔바른고딕OTF"/>
-                        <a:ea typeface="나눔바른고딕OTF"/>
-                      </a:endParaRPr>
-                    </a:p>
-                  </a:txBody>
-                  <a:tcPr marL="7620" marR="7620" marT="7620" marB="0" anchor="ctr"/>
-                </a:tc>
-                <a:extLst>
-                  <a:ext uri="{0D108BD9-81ED-4DB2-BD59-A6C34878D82A}">
-                    <a16:rowId xmlns:a16="http://schemas.microsoft.com/office/drawing/2014/main" val="10006"/>
-                  </a:ext>
-                </a:extLst>
-              </a:tr>
-              <a:tr h="536215">
-                <a:tc>
-                  <a:txBody>
-                    <a:bodyPr/>
-                    <a:lstStyle/>
-                    <a:p>
-                      <a:pPr algn="ctr" latinLnBrk="1">
-                        <a:defRPr/>
-                      </a:pPr>
-                      <a:r>
-                        <a:rPr lang="en-US" altLang="ko-KR" sz="1500">
-                          <a:latin typeface="나눔바른고딕OTF"/>
-                          <a:ea typeface="나눔바른고딕OTF"/>
-                        </a:rPr>
-                        <a:t>0.7</a:t>
-                      </a:r>
-                      <a:endParaRPr lang="ko-KR" altLang="en-US" sz="1500">
-                        <a:latin typeface="나눔바른고딕OTF"/>
-                        <a:ea typeface="나눔바른고딕OTF"/>
-                      </a:endParaRPr>
-                    </a:p>
-                  </a:txBody>
-                  <a:tcPr anchor="ctr"/>
-                </a:tc>
-                <a:tc>
-                  <a:txBody>
-                    <a:bodyPr/>
-                    <a:lstStyle/>
-                    <a:p>
-                      <a:pPr algn="ctr">
-                        <a:defRPr/>
-                      </a:pPr>
-                      <a:r>
-                        <a:rPr lang="en-US" altLang="ko-KR" sz="1500" b="0" i="0" u="none" strike="noStrike">
-                          <a:solidFill>
-                            <a:srgbClr val="000000"/>
-                          </a:solidFill>
-                          <a:effectLst/>
-                          <a:latin typeface="나눔바른고딕OTF"/>
-                          <a:ea typeface="나눔바른고딕OTF"/>
-                        </a:rPr>
-                        <a:t>65.6</a:t>
-                      </a:r>
-                      <a:endParaRPr lang="en-US" altLang="ko-KR" sz="1500" b="0" i="0" u="none" strike="noStrike">
-                        <a:solidFill>
-                          <a:srgbClr val="000000"/>
-                        </a:solidFill>
-                        <a:latin typeface="나눔바른고딕OTF"/>
-                        <a:ea typeface="나눔바른고딕OTF"/>
-                      </a:endParaRPr>
-                    </a:p>
-                  </a:txBody>
-                  <a:tcPr marL="7620" marR="7620" marT="7620" marB="0" anchor="ctr"/>
-                </a:tc>
-                <a:tc>
-                  <a:txBody>
-                    <a:bodyPr/>
-                    <a:lstStyle/>
-                    <a:p>
-                      <a:pPr algn="ctr">
-                        <a:defRPr/>
-                      </a:pPr>
-                      <a:r>
-                        <a:rPr lang="en-US" altLang="ko-KR" sz="1500" b="0" i="0" u="none" strike="noStrike">
-                          <a:solidFill>
-                            <a:srgbClr val="000000"/>
-                          </a:solidFill>
-                          <a:effectLst/>
-                          <a:latin typeface="나눔바른고딕OTF"/>
-                          <a:ea typeface="나눔바른고딕OTF"/>
-                        </a:rPr>
-                        <a:t>80.6</a:t>
-                      </a:r>
-                      <a:endParaRPr lang="en-US" altLang="ko-KR" sz="1500" b="0" i="0" u="none" strike="noStrike">
-                        <a:solidFill>
-                          <a:srgbClr val="000000"/>
-                        </a:solidFill>
-                        <a:latin typeface="나눔바른고딕OTF"/>
-                        <a:ea typeface="나눔바른고딕OTF"/>
-                      </a:endParaRPr>
-                    </a:p>
-                  </a:txBody>
-                  <a:tcPr marL="7620" marR="7620" marT="7620" marB="0" anchor="ctr"/>
-                </a:tc>
-                <a:tc>
-                  <a:txBody>
-                    <a:bodyPr/>
-                    <a:lstStyle/>
-                    <a:p>
-                      <a:pPr algn="ctr">
-                        <a:defRPr/>
-                      </a:pPr>
-                      <a:r>
-                        <a:rPr lang="en-US" altLang="ko-KR" sz="1500" b="0" i="0" u="none" strike="noStrike">
-                          <a:solidFill>
-                            <a:srgbClr val="000000"/>
-                          </a:solidFill>
-                          <a:effectLst/>
-                          <a:latin typeface="나눔바른고딕OTF"/>
-                          <a:ea typeface="나눔바른고딕OTF"/>
-                        </a:rPr>
-                        <a:t>50.6</a:t>
-                      </a:r>
-                      <a:endParaRPr lang="en-US" altLang="ko-KR" sz="1500" b="0" i="0" u="none" strike="noStrike">
-                        <a:solidFill>
-                          <a:srgbClr val="000000"/>
-                        </a:solidFill>
-                        <a:latin typeface="나눔바른고딕OTF"/>
-                        <a:ea typeface="나눔바른고딕OTF"/>
-                      </a:endParaRPr>
-                    </a:p>
-                  </a:txBody>
-                  <a:tcPr marL="7620" marR="7620" marT="7620" marB="0" anchor="ctr"/>
-                </a:tc>
-                <a:extLst>
-                  <a:ext uri="{0D108BD9-81ED-4DB2-BD59-A6C34878D82A}">
-                    <a16:rowId xmlns:a16="http://schemas.microsoft.com/office/drawing/2014/main" val="10007"/>
-                  </a:ext>
-                </a:extLst>
-              </a:tr>
-            </a:tbl>
-          </a:graphicData>
-        </a:graphic>
-      </p:graphicFrame>
-      <p:graphicFrame>
-        <p:nvGraphicFramePr>
-          <p:cNvPr id="38" name="내용 개체 틀 3"/>
-          <p:cNvGraphicFramePr/>
-          <p:nvPr/>
-        </p:nvGraphicFramePr>
-        <p:xfrm>
-          <a:off x="2363630" y="2750257"/>
-          <a:ext cx="4054791" cy="4786484"/>
-        </p:xfrm>
-        <a:graphic>
-          <a:graphicData uri="http://schemas.openxmlformats.org/drawingml/2006/table">
-            <a:tbl>
-              <a:tblPr firstRow="1" bandRow="1">
-                <a:tableStyleId>{5C22544A-7EE6-4342-B048-85BDC9FD1C3A}</a:tableStyleId>
-              </a:tblPr>
-              <a:tblGrid>
-                <a:gridCol w="1219200">
-                  <a:extLst>
-                    <a:ext uri="{9D8B030D-6E8A-4147-A177-3AD203B41FA5}">
-                      <a16:colId xmlns:a16="http://schemas.microsoft.com/office/drawing/2014/main" val="20000"/>
-                    </a:ext>
-                  </a:extLst>
-                </a:gridCol>
-                <a:gridCol w="806767">
-                  <a:extLst>
-                    <a:ext uri="{9D8B030D-6E8A-4147-A177-3AD203B41FA5}">
-                      <a16:colId xmlns:a16="http://schemas.microsoft.com/office/drawing/2014/main" val="20001"/>
-                    </a:ext>
-                  </a:extLst>
-                </a:gridCol>
-                <a:gridCol w="1014412">
-                  <a:extLst>
-                    <a:ext uri="{9D8B030D-6E8A-4147-A177-3AD203B41FA5}">
-                      <a16:colId xmlns:a16="http://schemas.microsoft.com/office/drawing/2014/main" val="20002"/>
-                    </a:ext>
-                  </a:extLst>
-                </a:gridCol>
-                <a:gridCol w="1014412">
-                  <a:extLst>
-                    <a:ext uri="{9D8B030D-6E8A-4147-A177-3AD203B41FA5}">
-                      <a16:colId xmlns:a16="http://schemas.microsoft.com/office/drawing/2014/main" val="20003"/>
-                    </a:ext>
-                  </a:extLst>
-                </a:gridCol>
-              </a:tblGrid>
-              <a:tr h="1186815">
-                <a:tc>
-                  <a:txBody>
-                    <a:bodyPr/>
-                    <a:lstStyle/>
-                    <a:p>
-                      <a:pPr algn="ctr" latinLnBrk="1">
-                        <a:defRPr/>
-                      </a:pPr>
-                      <a:r>
-                        <a:rPr lang="en-US" altLang="ko-KR" sz="1500">
-                          <a:latin typeface="나눔바른고딕OTF"/>
-                          <a:ea typeface="나눔바른고딕OTF"/>
-                        </a:rPr>
-                        <a:t>Confidence</a:t>
-                      </a:r>
-                      <a:br>
-                        <a:rPr lang="en-US" altLang="ko-KR" sz="1500">
-                          <a:latin typeface="나눔바른고딕OTF"/>
-                          <a:ea typeface="나눔바른고딕OTF"/>
-                        </a:rPr>
-                      </a:br>
-                      <a:r>
-                        <a:rPr lang="en-US" altLang="ko-KR" sz="1500">
-                          <a:latin typeface="나눔바른고딕OTF"/>
-                          <a:ea typeface="나눔바른고딕OTF"/>
-                        </a:rPr>
-                        <a:t>threshhold</a:t>
-                      </a:r>
-                      <a:endParaRPr lang="ko-KR" altLang="en-US" sz="1500">
-                        <a:latin typeface="나눔바른고딕OTF"/>
-                        <a:ea typeface="나눔바른고딕OTF"/>
-                      </a:endParaRPr>
-                    </a:p>
-                  </a:txBody>
-                  <a:tcPr anchor="ctr"/>
-                </a:tc>
-                <a:tc>
-                  <a:txBody>
-                    <a:bodyPr/>
-                    <a:lstStyle/>
-                    <a:p>
-                      <a:pPr algn="ctr" latinLnBrk="1">
-                        <a:defRPr/>
-                      </a:pPr>
-                      <a:r>
-                        <a:rPr lang="ko-KR" altLang="en-US" sz="1500">
-                          <a:latin typeface="나눔바른고딕OTF"/>
-                          <a:ea typeface="나눔바른고딕OTF"/>
-                        </a:rPr>
-                        <a:t>전체</a:t>
-                      </a:r>
-                    </a:p>
-                    <a:p>
-                      <a:pPr algn="ctr" latinLnBrk="1">
-                        <a:defRPr/>
-                      </a:pPr>
-                      <a:r>
-                        <a:rPr lang="ko-KR" altLang="en-US" sz="1500">
-                          <a:latin typeface="나눔바른고딕OTF"/>
-                          <a:ea typeface="나눔바른고딕OTF"/>
-                        </a:rPr>
-                        <a:t> 검출율</a:t>
-                      </a:r>
-                    </a:p>
-                  </a:txBody>
-                  <a:tcPr anchor="ctr"/>
-                </a:tc>
-                <a:tc>
-                  <a:txBody>
-                    <a:bodyPr/>
-                    <a:lstStyle/>
-                    <a:p>
-                      <a:pPr algn="ctr" latinLnBrk="1">
-                        <a:defRPr/>
-                      </a:pPr>
-                      <a:r>
-                        <a:rPr lang="ko-KR" altLang="en-US" sz="1500">
-                          <a:latin typeface="나눔바른고딕OTF"/>
-                          <a:ea typeface="나눔바른고딕OTF"/>
-                        </a:rPr>
-                        <a:t>착용 사진</a:t>
-                      </a:r>
-                      <a:br>
-                        <a:rPr lang="en-US" altLang="ko-KR" sz="1500">
-                          <a:latin typeface="나눔바른고딕OTF"/>
-                          <a:ea typeface="나눔바른고딕OTF"/>
-                        </a:rPr>
-                      </a:br>
-                      <a:r>
-                        <a:rPr lang="ko-KR" altLang="en-US" sz="1500">
-                          <a:latin typeface="나눔바른고딕OTF"/>
-                          <a:ea typeface="나눔바른고딕OTF"/>
-                        </a:rPr>
-                        <a:t>검출율</a:t>
-                      </a:r>
-                    </a:p>
-                  </a:txBody>
-                  <a:tcPr anchor="ctr"/>
-                </a:tc>
-                <a:tc>
-                  <a:txBody>
-                    <a:bodyPr/>
-                    <a:lstStyle/>
-                    <a:p>
-                      <a:pPr algn="ctr" latinLnBrk="1">
-                        <a:defRPr/>
-                      </a:pPr>
-                      <a:r>
-                        <a:rPr lang="ko-KR" altLang="en-US" sz="1500">
-                          <a:latin typeface="나눔바른고딕OTF"/>
-                          <a:ea typeface="나눔바른고딕OTF"/>
-                        </a:rPr>
-                        <a:t>제품 사진</a:t>
-                      </a:r>
-                      <a:br>
-                        <a:rPr lang="en-US" altLang="ko-KR" sz="1500">
-                          <a:latin typeface="나눔바른고딕OTF"/>
-                          <a:ea typeface="나눔바른고딕OTF"/>
-                        </a:rPr>
-                      </a:br>
-                      <a:r>
-                        <a:rPr lang="ko-KR" altLang="en-US" sz="1500">
-                          <a:latin typeface="나눔바른고딕OTF"/>
-                          <a:ea typeface="나눔바른고딕OTF"/>
-                        </a:rPr>
-                        <a:t>검출율</a:t>
-                      </a:r>
-                    </a:p>
-                  </a:txBody>
-                  <a:tcPr anchor="ctr"/>
-                </a:tc>
-                <a:extLst>
-                  <a:ext uri="{0D108BD9-81ED-4DB2-BD59-A6C34878D82A}">
-                    <a16:rowId xmlns:a16="http://schemas.microsoft.com/office/drawing/2014/main" val="10000"/>
-                  </a:ext>
-                </a:extLst>
-              </a:tr>
-              <a:tr h="536215">
-                <a:tc>
-                  <a:txBody>
-                    <a:bodyPr/>
-                    <a:lstStyle/>
-                    <a:p>
-                      <a:pPr algn="ctr" latinLnBrk="1">
-                        <a:defRPr/>
-                      </a:pPr>
-                      <a:r>
-                        <a:rPr lang="en-US" altLang="ko-KR" sz="1500">
-                          <a:latin typeface="나눔바른고딕OTF"/>
-                          <a:ea typeface="나눔바른고딕OTF"/>
-                        </a:rPr>
-                        <a:t>0.1</a:t>
-                      </a:r>
-                      <a:endParaRPr lang="ko-KR" altLang="en-US" sz="1500">
-                        <a:latin typeface="나눔바른고딕OTF"/>
-                        <a:ea typeface="나눔바른고딕OTF"/>
-                      </a:endParaRPr>
-                    </a:p>
-                  </a:txBody>
-                  <a:tcPr anchor="ctr"/>
-                </a:tc>
-                <a:tc>
-                  <a:txBody>
-                    <a:bodyPr/>
-                    <a:lstStyle/>
-                    <a:p>
-                      <a:pPr algn="ctr">
-                        <a:defRPr/>
-                      </a:pPr>
-                      <a:r>
-                        <a:rPr lang="en-US" altLang="ko-KR" sz="1500" b="0" i="0" u="none" strike="noStrike">
-                          <a:solidFill>
-                            <a:srgbClr val="000000"/>
-                          </a:solidFill>
-                          <a:effectLst/>
-                          <a:latin typeface="나눔바른고딕OTF"/>
-                          <a:ea typeface="나눔바른고딕OTF"/>
-                        </a:rPr>
-                        <a:t>91.3</a:t>
-                      </a:r>
-                      <a:endParaRPr lang="en-US" altLang="ko-KR" sz="1500" b="0" i="0" u="none" strike="noStrike">
-                        <a:solidFill>
-                          <a:srgbClr val="000000"/>
-                        </a:solidFill>
-                        <a:latin typeface="나눔바른고딕OTF"/>
-                        <a:ea typeface="나눔바른고딕OTF"/>
-                      </a:endParaRPr>
-                    </a:p>
-                  </a:txBody>
-                  <a:tcPr marL="7620" marR="7620" marT="7620" marB="0" anchor="ctr"/>
-                </a:tc>
-                <a:tc>
-                  <a:txBody>
-                    <a:bodyPr/>
-                    <a:lstStyle/>
-                    <a:p>
-                      <a:pPr algn="ctr">
-                        <a:defRPr/>
-                      </a:pPr>
-                      <a:r>
-                        <a:rPr lang="en-US" altLang="ko-KR" sz="1500" b="0" i="0" u="none" strike="noStrike">
-                          <a:solidFill>
-                            <a:srgbClr val="000000"/>
-                          </a:solidFill>
-                          <a:effectLst/>
-                          <a:latin typeface="나눔바른고딕OTF"/>
-                          <a:ea typeface="나눔바른고딕OTF"/>
-                        </a:rPr>
-                        <a:t>99</a:t>
-                      </a:r>
-                      <a:endParaRPr lang="en-US" altLang="ko-KR" sz="1500" b="0" i="0" u="none" strike="noStrike">
-                        <a:solidFill>
-                          <a:srgbClr val="000000"/>
-                        </a:solidFill>
-                        <a:latin typeface="나눔바른고딕OTF"/>
-                        <a:ea typeface="나눔바른고딕OTF"/>
-                      </a:endParaRPr>
-                    </a:p>
-                  </a:txBody>
-                  <a:tcPr marL="7620" marR="7620" marT="7620" marB="0" anchor="ctr"/>
-                </a:tc>
-                <a:tc>
-                  <a:txBody>
-                    <a:bodyPr/>
-                    <a:lstStyle/>
-                    <a:p>
-                      <a:pPr algn="ctr">
-                        <a:defRPr/>
-                      </a:pPr>
-                      <a:r>
-                        <a:rPr lang="en-US" altLang="ko-KR" sz="1500" b="0" i="0" u="none" strike="noStrike">
-                          <a:solidFill>
-                            <a:srgbClr val="000000"/>
-                          </a:solidFill>
-                          <a:effectLst/>
-                          <a:latin typeface="나눔바른고딕OTF"/>
-                          <a:ea typeface="나눔바른고딕OTF"/>
-                        </a:rPr>
-                        <a:t>83.6</a:t>
-                      </a:r>
-                      <a:endParaRPr lang="en-US" altLang="ko-KR" sz="1500" b="0" i="0" u="none" strike="noStrike">
-                        <a:solidFill>
-                          <a:srgbClr val="000000"/>
-                        </a:solidFill>
-                        <a:latin typeface="나눔바른고딕OTF"/>
-                        <a:ea typeface="나눔바른고딕OTF"/>
-                      </a:endParaRPr>
-                    </a:p>
-                  </a:txBody>
-                  <a:tcPr marL="7620" marR="7620" marT="7620" marB="0" anchor="ctr"/>
-                </a:tc>
-                <a:extLst>
-                  <a:ext uri="{0D108BD9-81ED-4DB2-BD59-A6C34878D82A}">
-                    <a16:rowId xmlns:a16="http://schemas.microsoft.com/office/drawing/2014/main" val="10001"/>
-                  </a:ext>
-                </a:extLst>
-              </a:tr>
-              <a:tr h="497756">
-                <a:tc>
-                  <a:txBody>
-                    <a:bodyPr/>
-                    <a:lstStyle/>
-                    <a:p>
-                      <a:pPr algn="ctr" latinLnBrk="1">
-                        <a:defRPr/>
-                      </a:pPr>
-                      <a:r>
-                        <a:rPr lang="en-US" altLang="ko-KR" sz="1500">
-                          <a:latin typeface="나눔바른고딕OTF"/>
-                          <a:ea typeface="나눔바른고딕OTF"/>
-                        </a:rPr>
-                        <a:t>0.2</a:t>
-                      </a:r>
-                      <a:endParaRPr lang="ko-KR" altLang="en-US" sz="1500">
-                        <a:latin typeface="나눔바른고딕OTF"/>
-                        <a:ea typeface="나눔바른고딕OTF"/>
-                      </a:endParaRPr>
-                    </a:p>
-                  </a:txBody>
-                  <a:tcPr anchor="ctr"/>
-                </a:tc>
-                <a:tc>
-                  <a:txBody>
-                    <a:bodyPr/>
-                    <a:lstStyle/>
-                    <a:p>
-                      <a:pPr algn="ctr">
-                        <a:defRPr/>
-                      </a:pPr>
-                      <a:r>
-                        <a:rPr lang="en-US" altLang="ko-KR" sz="1500" b="0" i="0" u="none" strike="noStrike">
-                          <a:solidFill>
-                            <a:srgbClr val="000000"/>
-                          </a:solidFill>
-                          <a:effectLst/>
-                          <a:latin typeface="나눔바른고딕OTF"/>
-                          <a:ea typeface="나눔바른고딕OTF"/>
-                        </a:rPr>
-                        <a:t>87.8</a:t>
-                      </a:r>
-                      <a:endParaRPr lang="en-US" altLang="ko-KR" sz="1500" b="0" i="0" u="none" strike="noStrike">
-                        <a:solidFill>
-                          <a:srgbClr val="000000"/>
-                        </a:solidFill>
-                        <a:latin typeface="나눔바른고딕OTF"/>
-                        <a:ea typeface="나눔바른고딕OTF"/>
-                      </a:endParaRPr>
-                    </a:p>
-                  </a:txBody>
-                  <a:tcPr marL="7620" marR="7620" marT="7620" marB="0" anchor="ctr"/>
-                </a:tc>
-                <a:tc>
-                  <a:txBody>
-                    <a:bodyPr/>
-                    <a:lstStyle/>
-                    <a:p>
-                      <a:pPr algn="ctr">
-                        <a:defRPr/>
-                      </a:pPr>
-                      <a:r>
-                        <a:rPr lang="en-US" altLang="ko-KR" sz="1500" b="0" i="0" u="none" strike="noStrike">
-                          <a:solidFill>
-                            <a:srgbClr val="000000"/>
-                          </a:solidFill>
-                          <a:effectLst/>
-                          <a:latin typeface="나눔바른고딕OTF"/>
-                          <a:ea typeface="나눔바른고딕OTF"/>
-                        </a:rPr>
-                        <a:t>95.9</a:t>
-                      </a:r>
-                      <a:endParaRPr lang="en-US" altLang="ko-KR" sz="1500" b="0" i="0" u="none" strike="noStrike">
-                        <a:solidFill>
-                          <a:srgbClr val="000000"/>
-                        </a:solidFill>
-                        <a:latin typeface="나눔바른고딕OTF"/>
-                        <a:ea typeface="나눔바른고딕OTF"/>
-                      </a:endParaRPr>
-                    </a:p>
-                  </a:txBody>
-                  <a:tcPr marL="7620" marR="7620" marT="7620" marB="0" anchor="ctr"/>
-                </a:tc>
-                <a:tc>
-                  <a:txBody>
-                    <a:bodyPr/>
-                    <a:lstStyle/>
-                    <a:p>
-                      <a:pPr algn="ctr">
-                        <a:defRPr/>
-                      </a:pPr>
-                      <a:r>
-                        <a:rPr lang="en-US" altLang="ko-KR" sz="1500" b="0" i="0" u="none" strike="noStrike">
-                          <a:solidFill>
-                            <a:srgbClr val="000000"/>
-                          </a:solidFill>
-                          <a:effectLst/>
-                          <a:latin typeface="나눔바른고딕OTF"/>
-                          <a:ea typeface="나눔바른고딕OTF"/>
-                        </a:rPr>
-                        <a:t>79.8</a:t>
-                      </a:r>
-                      <a:endParaRPr lang="en-US" altLang="ko-KR" sz="1500" b="0" i="0" u="none" strike="noStrike">
-                        <a:solidFill>
-                          <a:srgbClr val="000000"/>
-                        </a:solidFill>
-                        <a:latin typeface="나눔바른고딕OTF"/>
-                        <a:ea typeface="나눔바른고딕OTF"/>
-                      </a:endParaRPr>
-                    </a:p>
-                  </a:txBody>
-                  <a:tcPr marL="7620" marR="7620" marT="7620" marB="0" anchor="ctr"/>
-                </a:tc>
-                <a:extLst>
-                  <a:ext uri="{0D108BD9-81ED-4DB2-BD59-A6C34878D82A}">
-                    <a16:rowId xmlns:a16="http://schemas.microsoft.com/office/drawing/2014/main" val="10002"/>
-                  </a:ext>
-                </a:extLst>
-              </a:tr>
-              <a:tr h="497756">
-                <a:tc>
-                  <a:txBody>
-                    <a:bodyPr/>
-                    <a:lstStyle/>
-                    <a:p>
-                      <a:pPr algn="ctr" latinLnBrk="1">
-                        <a:defRPr/>
-                      </a:pPr>
-                      <a:r>
-                        <a:rPr lang="en-US" altLang="ko-KR" sz="1500">
-                          <a:latin typeface="나눔바른고딕OTF"/>
-                          <a:ea typeface="나눔바른고딕OTF"/>
-                        </a:rPr>
-                        <a:t>0.3</a:t>
-                      </a:r>
-                      <a:endParaRPr lang="ko-KR" altLang="en-US" sz="1500">
-                        <a:latin typeface="나눔바른고딕OTF"/>
-                        <a:ea typeface="나눔바른고딕OTF"/>
-                      </a:endParaRPr>
-                    </a:p>
-                  </a:txBody>
-                  <a:tcPr anchor="ctr"/>
-                </a:tc>
-                <a:tc>
-                  <a:txBody>
-                    <a:bodyPr/>
-                    <a:lstStyle/>
-                    <a:p>
-                      <a:pPr algn="ctr">
-                        <a:defRPr/>
-                      </a:pPr>
-                      <a:r>
-                        <a:rPr lang="en-US" altLang="ko-KR" sz="1500" b="0" i="0" u="none" strike="noStrike">
-                          <a:solidFill>
-                            <a:srgbClr val="000000"/>
-                          </a:solidFill>
-                          <a:effectLst/>
-                          <a:latin typeface="나눔바른고딕OTF"/>
-                          <a:ea typeface="나눔바른고딕OTF"/>
-                        </a:rPr>
-                        <a:t>83.7</a:t>
-                      </a:r>
-                      <a:endParaRPr lang="en-US" altLang="ko-KR" sz="1500" b="0" i="0" u="none" strike="noStrike">
-                        <a:solidFill>
-                          <a:srgbClr val="000000"/>
-                        </a:solidFill>
-                        <a:latin typeface="나눔바른고딕OTF"/>
-                        <a:ea typeface="나눔바른고딕OTF"/>
-                      </a:endParaRPr>
-                    </a:p>
-                  </a:txBody>
-                  <a:tcPr marL="7620" marR="7620" marT="7620" marB="0" anchor="ctr"/>
-                </a:tc>
-                <a:tc>
-                  <a:txBody>
-                    <a:bodyPr/>
-                    <a:lstStyle/>
-                    <a:p>
-                      <a:pPr algn="ctr">
-                        <a:defRPr/>
-                      </a:pPr>
-                      <a:r>
-                        <a:rPr lang="en-US" altLang="ko-KR" sz="1500" b="0" i="0" u="none" strike="noStrike">
-                          <a:solidFill>
-                            <a:srgbClr val="000000"/>
-                          </a:solidFill>
-                          <a:effectLst/>
-                          <a:latin typeface="나눔바른고딕OTF"/>
-                          <a:ea typeface="나눔바른고딕OTF"/>
-                        </a:rPr>
-                        <a:t>92.8</a:t>
-                      </a:r>
-                      <a:endParaRPr lang="en-US" altLang="ko-KR" sz="1500" b="0" i="0" u="none" strike="noStrike">
-                        <a:solidFill>
-                          <a:srgbClr val="000000"/>
-                        </a:solidFill>
-                        <a:latin typeface="나눔바른고딕OTF"/>
-                        <a:ea typeface="나눔바른고딕OTF"/>
-                      </a:endParaRPr>
-                    </a:p>
-                  </a:txBody>
-                  <a:tcPr marL="7620" marR="7620" marT="7620" marB="0" anchor="ctr"/>
-                </a:tc>
-                <a:tc>
-                  <a:txBody>
-                    <a:bodyPr/>
-                    <a:lstStyle/>
-                    <a:p>
-                      <a:pPr algn="ctr">
-                        <a:defRPr/>
-                      </a:pPr>
-                      <a:r>
-                        <a:rPr lang="en-US" altLang="ko-KR" sz="1500" b="0" i="0" u="none" strike="noStrike">
-                          <a:solidFill>
-                            <a:srgbClr val="000000"/>
-                          </a:solidFill>
-                          <a:effectLst/>
-                          <a:latin typeface="나눔바른고딕OTF"/>
-                          <a:ea typeface="나눔바른고딕OTF"/>
-                        </a:rPr>
-                        <a:t>74.6</a:t>
-                      </a:r>
-                      <a:endParaRPr lang="en-US" altLang="ko-KR" sz="1500" b="0" i="0" u="none" strike="noStrike">
-                        <a:solidFill>
-                          <a:srgbClr val="000000"/>
-                        </a:solidFill>
-                        <a:latin typeface="나눔바른고딕OTF"/>
-                        <a:ea typeface="나눔바른고딕OTF"/>
-                      </a:endParaRPr>
-                    </a:p>
-                  </a:txBody>
-                  <a:tcPr marL="7620" marR="7620" marT="7620" marB="0" anchor="ctr"/>
-                </a:tc>
-                <a:extLst>
-                  <a:ext uri="{0D108BD9-81ED-4DB2-BD59-A6C34878D82A}">
-                    <a16:rowId xmlns:a16="http://schemas.microsoft.com/office/drawing/2014/main" val="10003"/>
-                  </a:ext>
-                </a:extLst>
-              </a:tr>
-              <a:tr h="497756">
-                <a:tc>
-                  <a:txBody>
-                    <a:bodyPr/>
-                    <a:lstStyle/>
-                    <a:p>
-                      <a:pPr algn="ctr" latinLnBrk="1">
-                        <a:defRPr/>
-                      </a:pPr>
-                      <a:r>
-                        <a:rPr lang="en-US" altLang="ko-KR" sz="1500">
-                          <a:latin typeface="나눔바른고딕OTF"/>
-                          <a:ea typeface="나눔바른고딕OTF"/>
-                        </a:rPr>
-                        <a:t>0.4</a:t>
-                      </a:r>
-                      <a:endParaRPr lang="ko-KR" altLang="en-US" sz="1500">
-                        <a:latin typeface="나눔바른고딕OTF"/>
-                        <a:ea typeface="나눔바른고딕OTF"/>
-                      </a:endParaRPr>
-                    </a:p>
-                  </a:txBody>
-                  <a:tcPr anchor="ctr"/>
-                </a:tc>
-                <a:tc>
-                  <a:txBody>
-                    <a:bodyPr/>
-                    <a:lstStyle/>
-                    <a:p>
-                      <a:pPr algn="ctr">
-                        <a:defRPr/>
-                      </a:pPr>
-                      <a:r>
-                        <a:rPr lang="en-US" altLang="ko-KR" sz="1500" b="0" i="0" u="none" strike="noStrike">
-                          <a:solidFill>
-                            <a:srgbClr val="000000"/>
-                          </a:solidFill>
-                          <a:effectLst/>
-                          <a:latin typeface="나눔바른고딕OTF"/>
-                          <a:ea typeface="나눔바른고딕OTF"/>
-                        </a:rPr>
-                        <a:t>80.7</a:t>
-                      </a:r>
-                      <a:endParaRPr lang="en-US" altLang="ko-KR" sz="1500" b="0" i="0" u="none" strike="noStrike">
-                        <a:solidFill>
-                          <a:srgbClr val="000000"/>
-                        </a:solidFill>
-                        <a:latin typeface="나눔바른고딕OTF"/>
-                        <a:ea typeface="나눔바른고딕OTF"/>
-                      </a:endParaRPr>
-                    </a:p>
-                  </a:txBody>
-                  <a:tcPr marL="7620" marR="7620" marT="7620" marB="0" anchor="ctr"/>
-                </a:tc>
-                <a:tc>
-                  <a:txBody>
-                    <a:bodyPr/>
-                    <a:lstStyle/>
-                    <a:p>
-                      <a:pPr algn="ctr">
-                        <a:defRPr/>
-                      </a:pPr>
-                      <a:r>
-                        <a:rPr lang="en-US" altLang="ko-KR" sz="1500" b="0" i="0" u="none" strike="noStrike">
-                          <a:solidFill>
-                            <a:srgbClr val="000000"/>
-                          </a:solidFill>
-                          <a:effectLst/>
-                          <a:latin typeface="나눔바른고딕OTF"/>
-                          <a:ea typeface="나눔바른고딕OTF"/>
-                        </a:rPr>
-                        <a:t>90.2</a:t>
-                      </a:r>
-                      <a:endParaRPr lang="en-US" altLang="ko-KR" sz="1500" b="0" i="0" u="none" strike="noStrike">
-                        <a:solidFill>
-                          <a:srgbClr val="000000"/>
-                        </a:solidFill>
-                        <a:latin typeface="나눔바른고딕OTF"/>
-                        <a:ea typeface="나눔바른고딕OTF"/>
-                      </a:endParaRPr>
-                    </a:p>
-                  </a:txBody>
-                  <a:tcPr marL="7620" marR="7620" marT="7620" marB="0" anchor="ctr"/>
-                </a:tc>
-                <a:tc>
-                  <a:txBody>
-                    <a:bodyPr/>
-                    <a:lstStyle/>
-                    <a:p>
-                      <a:pPr algn="ctr">
-                        <a:defRPr/>
-                      </a:pPr>
-                      <a:r>
-                        <a:rPr lang="en-US" altLang="ko-KR" sz="1500" b="0" i="0" u="none" strike="noStrike">
-                          <a:solidFill>
-                            <a:srgbClr val="000000"/>
-                          </a:solidFill>
-                          <a:effectLst/>
-                          <a:latin typeface="나눔바른고딕OTF"/>
-                          <a:ea typeface="나눔바른고딕OTF"/>
-                        </a:rPr>
-                        <a:t>71.2</a:t>
-                      </a:r>
-                      <a:endParaRPr lang="en-US" altLang="ko-KR" sz="1500" b="0" i="0" u="none" strike="noStrike">
-                        <a:solidFill>
-                          <a:srgbClr val="000000"/>
-                        </a:solidFill>
-                        <a:latin typeface="나눔바른고딕OTF"/>
-                        <a:ea typeface="나눔바른고딕OTF"/>
-                      </a:endParaRPr>
-                    </a:p>
-                  </a:txBody>
-                  <a:tcPr marL="7620" marR="7620" marT="7620" marB="0" anchor="ctr"/>
-                </a:tc>
-                <a:extLst>
-                  <a:ext uri="{0D108BD9-81ED-4DB2-BD59-A6C34878D82A}">
-                    <a16:rowId xmlns:a16="http://schemas.microsoft.com/office/drawing/2014/main" val="10004"/>
-                  </a:ext>
-                </a:extLst>
-              </a:tr>
-              <a:tr h="497756">
-                <a:tc>
-                  <a:txBody>
-                    <a:bodyPr/>
-                    <a:lstStyle/>
-                    <a:p>
-                      <a:pPr algn="ctr" latinLnBrk="1">
-                        <a:defRPr/>
-                      </a:pPr>
-                      <a:r>
-                        <a:rPr lang="en-US" altLang="ko-KR" sz="1500">
-                          <a:latin typeface="나눔바른고딕OTF"/>
-                          <a:ea typeface="나눔바른고딕OTF"/>
-                        </a:rPr>
-                        <a:t>0.5</a:t>
-                      </a:r>
-                      <a:endParaRPr lang="ko-KR" altLang="en-US" sz="1500">
-                        <a:latin typeface="나눔바른고딕OTF"/>
-                        <a:ea typeface="나눔바른고딕OTF"/>
-                      </a:endParaRPr>
-                    </a:p>
-                  </a:txBody>
-                  <a:tcPr anchor="ctr"/>
-                </a:tc>
-                <a:tc>
-                  <a:txBody>
-                    <a:bodyPr/>
-                    <a:lstStyle/>
-                    <a:p>
-                      <a:pPr algn="ctr">
-                        <a:defRPr/>
-                      </a:pPr>
-                      <a:r>
-                        <a:rPr lang="en-US" altLang="ko-KR" sz="1500" b="0" i="0" u="none" strike="noStrike">
-                          <a:solidFill>
-                            <a:srgbClr val="000000"/>
-                          </a:solidFill>
-                          <a:effectLst/>
-                          <a:latin typeface="나눔바른고딕OTF"/>
-                          <a:ea typeface="나눔바른고딕OTF"/>
-                        </a:rPr>
-                        <a:t>76</a:t>
-                      </a:r>
-                      <a:endParaRPr lang="en-US" altLang="ko-KR" sz="1500" b="0" i="0" u="none" strike="noStrike">
-                        <a:solidFill>
-                          <a:srgbClr val="000000"/>
-                        </a:solidFill>
-                        <a:latin typeface="나눔바른고딕OTF"/>
-                        <a:ea typeface="나눔바른고딕OTF"/>
-                      </a:endParaRPr>
-                    </a:p>
-                  </a:txBody>
-                  <a:tcPr marL="7620" marR="7620" marT="7620" marB="0" anchor="ctr"/>
-                </a:tc>
-                <a:tc>
-                  <a:txBody>
-                    <a:bodyPr/>
-                    <a:lstStyle/>
-                    <a:p>
-                      <a:pPr algn="ctr">
-                        <a:defRPr/>
-                      </a:pPr>
-                      <a:r>
-                        <a:rPr lang="en-US" altLang="ko-KR" sz="1500" b="0" i="0" u="none" strike="noStrike">
-                          <a:solidFill>
-                            <a:srgbClr val="000000"/>
-                          </a:solidFill>
-                          <a:effectLst/>
-                          <a:latin typeface="나눔바른고딕OTF"/>
-                          <a:ea typeface="나눔바른고딕OTF"/>
-                        </a:rPr>
-                        <a:t>87.0</a:t>
-                      </a:r>
-                      <a:endParaRPr lang="en-US" altLang="ko-KR" sz="1500" b="0" i="0" u="none" strike="noStrike">
-                        <a:solidFill>
-                          <a:srgbClr val="000000"/>
-                        </a:solidFill>
-                        <a:latin typeface="나눔바른고딕OTF"/>
-                        <a:ea typeface="나눔바른고딕OTF"/>
-                      </a:endParaRPr>
-                    </a:p>
-                  </a:txBody>
-                  <a:tcPr marL="7620" marR="7620" marT="7620" marB="0" anchor="ctr"/>
-                </a:tc>
-                <a:tc>
-                  <a:txBody>
-                    <a:bodyPr/>
-                    <a:lstStyle/>
-                    <a:p>
-                      <a:pPr algn="ctr">
-                        <a:defRPr/>
-                      </a:pPr>
-                      <a:r>
-                        <a:rPr lang="en-US" altLang="ko-KR" sz="1500" b="0" i="0" u="none" strike="noStrike">
-                          <a:solidFill>
-                            <a:srgbClr val="000000"/>
-                          </a:solidFill>
-                          <a:effectLst/>
-                          <a:latin typeface="나눔바른고딕OTF"/>
-                          <a:ea typeface="나눔바른고딕OTF"/>
-                        </a:rPr>
-                        <a:t>65.0</a:t>
-                      </a:r>
-                      <a:endParaRPr lang="en-US" altLang="ko-KR" sz="1500" b="0" i="0" u="none" strike="noStrike">
-                        <a:solidFill>
-                          <a:srgbClr val="000000"/>
-                        </a:solidFill>
-                        <a:latin typeface="나눔바른고딕OTF"/>
-                        <a:ea typeface="나눔바른고딕OTF"/>
-                      </a:endParaRPr>
-                    </a:p>
-                  </a:txBody>
-                  <a:tcPr marL="7620" marR="7620" marT="7620" marB="0" anchor="ctr"/>
-                </a:tc>
-                <a:extLst>
-                  <a:ext uri="{0D108BD9-81ED-4DB2-BD59-A6C34878D82A}">
-                    <a16:rowId xmlns:a16="http://schemas.microsoft.com/office/drawing/2014/main" val="10005"/>
-                  </a:ext>
-                </a:extLst>
-              </a:tr>
-              <a:tr h="536215">
-                <a:tc>
-                  <a:txBody>
-                    <a:bodyPr/>
-                    <a:lstStyle/>
-                    <a:p>
-                      <a:pPr algn="ctr" latinLnBrk="1">
-                        <a:defRPr/>
-                      </a:pPr>
-                      <a:r>
-                        <a:rPr lang="en-US" altLang="ko-KR" sz="1500">
-                          <a:latin typeface="나눔바른고딕OTF"/>
-                          <a:ea typeface="나눔바른고딕OTF"/>
-                        </a:rPr>
-                        <a:t>0.6</a:t>
-                      </a:r>
-                      <a:endParaRPr lang="ko-KR" altLang="en-US" sz="1500">
-                        <a:latin typeface="나눔바른고딕OTF"/>
-                        <a:ea typeface="나눔바른고딕OTF"/>
-                      </a:endParaRPr>
-                    </a:p>
-                  </a:txBody>
-                  <a:tcPr anchor="ctr"/>
-                </a:tc>
-                <a:tc>
-                  <a:txBody>
-                    <a:bodyPr/>
-                    <a:lstStyle/>
-                    <a:p>
-                      <a:pPr algn="ctr">
-                        <a:defRPr/>
-                      </a:pPr>
-                      <a:r>
-                        <a:rPr lang="en-US" altLang="ko-KR" sz="1500" b="0" i="0" u="none" strike="noStrike">
-                          <a:solidFill>
-                            <a:srgbClr val="000000"/>
-                          </a:solidFill>
-                          <a:effectLst/>
-                          <a:latin typeface="나눔바른고딕OTF"/>
-                          <a:ea typeface="나눔바른고딕OTF"/>
-                        </a:rPr>
-                        <a:t>69.9</a:t>
-                      </a:r>
-                      <a:endParaRPr lang="en-US" altLang="ko-KR" sz="1500" b="0" i="0" u="none" strike="noStrike">
-                        <a:solidFill>
-                          <a:srgbClr val="000000"/>
-                        </a:solidFill>
-                        <a:latin typeface="나눔바른고딕OTF"/>
-                        <a:ea typeface="나눔바른고딕OTF"/>
-                      </a:endParaRPr>
-                    </a:p>
-                  </a:txBody>
-                  <a:tcPr marL="7620" marR="7620" marT="7620" marB="0" anchor="ctr"/>
-                </a:tc>
-                <a:tc>
-                  <a:txBody>
-                    <a:bodyPr/>
-                    <a:lstStyle/>
-                    <a:p>
-                      <a:pPr algn="ctr">
-                        <a:defRPr/>
-                      </a:pPr>
-                      <a:r>
-                        <a:rPr lang="en-US" altLang="ko-KR" sz="1500" b="0" i="0" u="none" strike="noStrike">
-                          <a:solidFill>
-                            <a:srgbClr val="000000"/>
-                          </a:solidFill>
-                          <a:effectLst/>
-                          <a:latin typeface="나눔바른고딕OTF"/>
-                          <a:ea typeface="나눔바른고딕OTF"/>
-                        </a:rPr>
-                        <a:t>82.0</a:t>
-                      </a:r>
-                      <a:endParaRPr lang="en-US" altLang="ko-KR" sz="1500" b="0" i="0" u="none" strike="noStrike">
-                        <a:solidFill>
-                          <a:srgbClr val="000000"/>
-                        </a:solidFill>
-                        <a:latin typeface="나눔바른고딕OTF"/>
-                        <a:ea typeface="나눔바른고딕OTF"/>
-                      </a:endParaRPr>
-                    </a:p>
-                  </a:txBody>
-                  <a:tcPr marL="7620" marR="7620" marT="7620" marB="0" anchor="ctr"/>
-                </a:tc>
-                <a:tc>
-                  <a:txBody>
-                    <a:bodyPr/>
-                    <a:lstStyle/>
-                    <a:p>
-                      <a:pPr algn="ctr">
-                        <a:defRPr/>
-                      </a:pPr>
-                      <a:r>
-                        <a:rPr lang="en-US" altLang="ko-KR" sz="1500" b="0" i="0" u="none" strike="noStrike">
-                          <a:solidFill>
-                            <a:srgbClr val="000000"/>
-                          </a:solidFill>
-                          <a:effectLst/>
-                          <a:latin typeface="나눔바른고딕OTF"/>
-                          <a:ea typeface="나눔바른고딕OTF"/>
-                        </a:rPr>
-                        <a:t>57.8</a:t>
-                      </a:r>
-                      <a:endParaRPr lang="en-US" altLang="ko-KR" sz="1500" b="0" i="0" u="none" strike="noStrike">
-                        <a:solidFill>
-                          <a:srgbClr val="000000"/>
-                        </a:solidFill>
-                        <a:latin typeface="나눔바른고딕OTF"/>
-                        <a:ea typeface="나눔바른고딕OTF"/>
-                      </a:endParaRPr>
-                    </a:p>
-                  </a:txBody>
-                  <a:tcPr marL="7620" marR="7620" marT="7620" marB="0" anchor="ctr"/>
-                </a:tc>
-                <a:extLst>
-                  <a:ext uri="{0D108BD9-81ED-4DB2-BD59-A6C34878D82A}">
-                    <a16:rowId xmlns:a16="http://schemas.microsoft.com/office/drawing/2014/main" val="10006"/>
-                  </a:ext>
-                </a:extLst>
-              </a:tr>
-              <a:tr h="536215">
-                <a:tc>
-                  <a:txBody>
-                    <a:bodyPr/>
-                    <a:lstStyle/>
-                    <a:p>
-                      <a:pPr algn="ctr" latinLnBrk="1">
-                        <a:defRPr/>
-                      </a:pPr>
-                      <a:r>
-                        <a:rPr lang="en-US" altLang="ko-KR" sz="1500">
-                          <a:latin typeface="나눔바른고딕OTF"/>
-                          <a:ea typeface="나눔바른고딕OTF"/>
-                        </a:rPr>
-                        <a:t>0.7</a:t>
-                      </a:r>
-                      <a:endParaRPr lang="ko-KR" altLang="en-US" sz="1500">
-                        <a:latin typeface="나눔바른고딕OTF"/>
-                        <a:ea typeface="나눔바른고딕OTF"/>
-                      </a:endParaRPr>
-                    </a:p>
-                  </a:txBody>
-                  <a:tcPr anchor="ctr"/>
-                </a:tc>
-                <a:tc>
-                  <a:txBody>
-                    <a:bodyPr/>
-                    <a:lstStyle/>
-                    <a:p>
-                      <a:pPr algn="ctr">
-                        <a:defRPr/>
-                      </a:pPr>
-                      <a:r>
-                        <a:rPr lang="en-US" altLang="ko-KR" sz="1500" b="0" i="0" u="none" strike="noStrike">
-                          <a:solidFill>
-                            <a:srgbClr val="000000"/>
-                          </a:solidFill>
-                          <a:effectLst/>
-                          <a:latin typeface="나눔바른고딕OTF"/>
-                          <a:ea typeface="나눔바른고딕OTF"/>
-                        </a:rPr>
-                        <a:t>63.8</a:t>
-                      </a:r>
-                      <a:endParaRPr lang="en-US" altLang="ko-KR" sz="1500" b="0" i="0" u="none" strike="noStrike">
-                        <a:solidFill>
-                          <a:srgbClr val="000000"/>
-                        </a:solidFill>
-                        <a:latin typeface="나눔바른고딕OTF"/>
-                        <a:ea typeface="나눔바른고딕OTF"/>
-                      </a:endParaRPr>
-                    </a:p>
-                  </a:txBody>
-                  <a:tcPr marL="7620" marR="7620" marT="7620" marB="0" anchor="ctr"/>
-                </a:tc>
-                <a:tc>
-                  <a:txBody>
-                    <a:bodyPr/>
-                    <a:lstStyle/>
-                    <a:p>
-                      <a:pPr algn="ctr">
-                        <a:defRPr/>
-                      </a:pPr>
-                      <a:r>
-                        <a:rPr lang="en-US" altLang="ko-KR" sz="1500" b="0" i="0" u="none" strike="noStrike">
-                          <a:solidFill>
-                            <a:srgbClr val="000000"/>
-                          </a:solidFill>
-                          <a:effectLst/>
-                          <a:latin typeface="나눔바른고딕OTF"/>
-                          <a:ea typeface="나눔바른고딕OTF"/>
-                        </a:rPr>
-                        <a:t>77.6</a:t>
-                      </a:r>
-                      <a:endParaRPr lang="en-US" altLang="ko-KR" sz="1500" b="0" i="0" u="none" strike="noStrike">
-                        <a:solidFill>
-                          <a:srgbClr val="000000"/>
-                        </a:solidFill>
-                        <a:latin typeface="나눔바른고딕OTF"/>
-                        <a:ea typeface="나눔바른고딕OTF"/>
-                      </a:endParaRPr>
-                    </a:p>
-                  </a:txBody>
-                  <a:tcPr marL="7620" marR="7620" marT="7620" marB="0" anchor="ctr"/>
-                </a:tc>
-                <a:tc>
-                  <a:txBody>
-                    <a:bodyPr/>
-                    <a:lstStyle/>
-                    <a:p>
-                      <a:pPr algn="ctr">
-                        <a:defRPr/>
-                      </a:pPr>
-                      <a:r>
-                        <a:rPr lang="en-US" altLang="ko-KR" sz="1500" b="0" i="0" u="none" strike="noStrike">
-                          <a:solidFill>
-                            <a:srgbClr val="000000"/>
-                          </a:solidFill>
-                          <a:effectLst/>
-                          <a:latin typeface="나눔바른고딕OTF"/>
-                          <a:ea typeface="나눔바른고딕OTF"/>
-                        </a:rPr>
-                        <a:t>49.9</a:t>
-                      </a:r>
-                      <a:endParaRPr lang="en-US" altLang="ko-KR" sz="1500" b="0" i="0" u="none" strike="noStrike">
-                        <a:solidFill>
-                          <a:srgbClr val="000000"/>
-                        </a:solidFill>
-                        <a:latin typeface="나눔바른고딕OTF"/>
-                        <a:ea typeface="나눔바른고딕OTF"/>
-                      </a:endParaRPr>
-                    </a:p>
-                  </a:txBody>
-                  <a:tcPr marL="7620" marR="7620" marT="7620" marB="0" anchor="ctr"/>
-                </a:tc>
-                <a:extLst>
-                  <a:ext uri="{0D108BD9-81ED-4DB2-BD59-A6C34878D82A}">
-                    <a16:rowId xmlns:a16="http://schemas.microsoft.com/office/drawing/2014/main" val="10007"/>
-                  </a:ext>
-                </a:extLst>
-              </a:tr>
-            </a:tbl>
-          </a:graphicData>
-        </a:graphic>
-      </p:graphicFrame>
-    </p:spTree>
-    <p:extLst>
-      <p:ext uri="{BB962C8B-B14F-4D97-AF65-F5344CB8AC3E}">
-        <p14:creationId xmlns:p14="http://schemas.microsoft.com/office/powerpoint/2010/main" val="3225642819"/>
-      </p:ext>
-    </p:extLst>
-  </p:cSld>
-  <p:clrMapOvr>
-    <a:masterClrMapping/>
-  </p:clrMapOvr>
-  <p:transition/>
 </p:sld>
 </file>
 
@@ -12736,7 +9825,7 @@
           <p:nvPr>
             <p:extLst>
               <p:ext uri="{D42A27DB-BD31-4B8C-83A1-F6EECF244321}">
-                <p14:modId xmlns:p14="http://schemas.microsoft.com/office/powerpoint/2010/main" val="4072358127"/>
+                <p14:modId xmlns:p14="http://schemas.microsoft.com/office/powerpoint/2010/main" val="4169497610"/>
               </p:ext>
             </p:extLst>
           </p:nvPr>
@@ -12824,30 +9913,42 @@
                 </a:gridCol>
               </a:tblGrid>
               <a:tr h="601133">
-                <a:tc>
+                <a:tc rowSpan="2">
                   <a:txBody>
                     <a:bodyPr/>
                     <a:lstStyle/>
                     <a:p>
-                      <a:pPr algn="ctr" latinLnBrk="1">
+                      <a:pPr marL="0" marR="0" lvl="0" indent="0" algn="ctr" defTabSz="914400" rtl="0" eaLnBrk="1" fontAlgn="auto" latinLnBrk="1" hangingPunct="1">
+                        <a:lnSpc>
+                          <a:spcPct val="100000"/>
+                        </a:lnSpc>
+                        <a:spcBef>
+                          <a:spcPts val="0"/>
+                        </a:spcBef>
+                        <a:spcAft>
+                          <a:spcPts val="0"/>
+                        </a:spcAft>
+                        <a:buClrTx/>
+                        <a:buSzTx/>
+                        <a:buFontTx/>
+                        <a:buNone/>
+                        <a:tabLst/>
                         <a:defRPr/>
                       </a:pPr>
                       <a:r>
-                        <a:rPr lang="en-US" altLang="ko-KR" sz="2400" dirty="0">
+                        <a:rPr lang="en-US" altLang="ko-KR" sz="2000" dirty="0">
                           <a:solidFill>
                             <a:schemeClr val="tx1"/>
                           </a:solidFill>
                           <a:latin typeface="나눔바른고딕OTF"/>
-                          <a:ea typeface="나눔바른고딕OTF"/>
                         </a:rPr>
                         <a:t>Confidence</a:t>
                       </a:r>
-                      <a:endParaRPr lang="ko-KR" altLang="en-US" sz="2400" dirty="0">
+                      <a:endParaRPr lang="ko-KR" altLang="en-US" sz="2000" dirty="0">
                         <a:solidFill>
                           <a:schemeClr val="tx1"/>
                         </a:solidFill>
                         <a:latin typeface="나눔바른고딕OTF"/>
-                        <a:ea typeface="나눔바른고딕OTF"/>
                       </a:endParaRPr>
                     </a:p>
                   </a:txBody>
@@ -13110,31 +10211,13 @@
                 </a:extLst>
               </a:tr>
               <a:tr h="601133">
-                <a:tc>
+                <a:tc vMerge="1">
                   <a:txBody>
                     <a:bodyPr/>
                     <a:lstStyle/>
                     <a:p>
-                      <a:pPr algn="ctr" latinLnBrk="1">
-                        <a:defRPr/>
-                      </a:pPr>
-                      <a:r>
-                        <a:rPr lang="ko-KR" altLang="en-US" sz="2200" dirty="0" err="1">
-                          <a:solidFill>
-                            <a:schemeClr val="tx1"/>
-                          </a:solidFill>
-                          <a:latin typeface="나눔바른고딕OTF"/>
-                          <a:ea typeface="나눔바른고딕OTF"/>
-                        </a:rPr>
-                        <a:t>검출율</a:t>
-                      </a:r>
-                      <a:endParaRPr lang="ko-KR" altLang="en-US" sz="2200" dirty="0">
-                        <a:solidFill>
-                          <a:schemeClr val="tx1"/>
-                        </a:solidFill>
-                        <a:latin typeface="나눔바른고딕OTF"/>
-                        <a:ea typeface="나눔바른고딕OTF"/>
-                      </a:endParaRPr>
+                      <a:pPr/>
+                      <a:endParaRPr dirty="0"/>
                     </a:p>
                   </a:txBody>
                   <a:tcPr anchor="ctr">
@@ -16569,10 +13652,10 @@
       </p:graphicFrame>
       <p:sp>
         <p:nvSpPr>
-          <p:cNvPr id="13" name="TextBox 18">
+          <p:cNvPr id="14" name="TextBox 18">
             <a:extLst>
               <a:ext uri="{FF2B5EF4-FFF2-40B4-BE49-F238E27FC236}">
-                <a16:creationId xmlns:a16="http://schemas.microsoft.com/office/drawing/2014/main" id="{0755C933-95F0-732B-9711-AD88E5841323}"/>
+                <a16:creationId xmlns:a16="http://schemas.microsoft.com/office/drawing/2014/main" id="{4F572D56-3CF5-CACD-D057-A69706D152D6}"/>
               </a:ext>
             </a:extLst>
           </p:cNvPr>
@@ -16582,7 +13665,7 @@
         <p:spPr>
           <a:xfrm>
             <a:off x="2209800" y="1866900"/>
-            <a:ext cx="8102600" cy="495300"/>
+            <a:ext cx="10668000" cy="495300"/>
           </a:xfrm>
           <a:prstGeom prst="rect">
             <a:avLst/>
@@ -16606,27 +13689,17 @@
                 <a:latin typeface="나눔바른고딕OTF"/>
                 <a:ea typeface="나눔바른고딕OTF"/>
               </a:rPr>
-              <a:t>검출율</a:t>
-            </a:r>
-            <a:r>
-              <a:rPr lang="en-US" sz="2800" b="0" i="0" u="none" strike="noStrike" spc="-100" dirty="0">
-                <a:solidFill>
-                  <a:srgbClr val="006BB1"/>
-                </a:solidFill>
-                <a:latin typeface="나눔바른고딕OTF"/>
-                <a:ea typeface="나눔바른고딕OTF"/>
-              </a:rPr>
-              <a:t> </a:t>
-            </a:r>
-            <a:r>
-              <a:rPr lang="en-US" sz="2800" b="0" i="0" u="none" strike="noStrike" spc="-100">
-                <a:solidFill>
-                  <a:srgbClr val="006BB1"/>
-                </a:solidFill>
-                <a:latin typeface="나눔바른고딕OTF"/>
-                <a:ea typeface="나눔바른고딕OTF"/>
-              </a:rPr>
-              <a:t>: </a:t>
+              <a:t>모델별</a:t>
+            </a:r>
+            <a:r>
+              <a:rPr lang="ko-KR" altLang="en-US" sz="2800" b="0" i="0" u="none" strike="noStrike" spc="-100" dirty="0">
+                <a:solidFill>
+                  <a:srgbClr val="006BB1"/>
+                </a:solidFill>
+                <a:latin typeface="나눔바른고딕OTF"/>
+                <a:ea typeface="나눔바른고딕OTF"/>
+              </a:rPr>
+              <a:t> 정확도 비교</a:t>
             </a:r>
             <a:endParaRPr lang="ko-KR" sz="2800" b="0" i="0" u="none" strike="noStrike" spc="-100" dirty="0">
               <a:solidFill>
@@ -17276,7 +14349,7 @@
     <mc:Choice Requires="p14">
       <p:transition/>
     </mc:Choice>
-    <mc:Fallback xmlns="" xmlns:c="http://schemas.openxmlformats.org/drawingml/2006/chart" xmlns:dgm="http://schemas.openxmlformats.org/drawingml/2006/diagram" xmlns:dsp="http://schemas.microsoft.com/office/drawing/2008/diagram">
+    <mc:Fallback xmlns:dsp="http://schemas.microsoft.com/office/drawing/2008/diagram" xmlns:dgm="http://schemas.openxmlformats.org/drawingml/2006/diagram" xmlns:c="http://schemas.openxmlformats.org/drawingml/2006/chart" xmlns="">
       <p:transition/>
     </mc:Fallback>
   </mc:AlternateContent>
@@ -17523,7 +14596,7 @@
     <mc:Choice Requires="p14">
       <p:transition/>
     </mc:Choice>
-    <mc:Fallback xmlns="" xmlns:c="http://schemas.openxmlformats.org/drawingml/2006/chart" xmlns:dgm="http://schemas.openxmlformats.org/drawingml/2006/diagram" xmlns:dsp="http://schemas.microsoft.com/office/drawing/2008/diagram">
+    <mc:Fallback xmlns:dsp="http://schemas.microsoft.com/office/drawing/2008/diagram" xmlns:dgm="http://schemas.openxmlformats.org/drawingml/2006/diagram" xmlns:c="http://schemas.openxmlformats.org/drawingml/2006/chart" xmlns="">
       <p:transition/>
     </mc:Fallback>
   </mc:AlternateContent>
@@ -18336,7 +15409,7 @@
     <mc:Choice Requires="p14">
       <p:transition/>
     </mc:Choice>
-    <mc:Fallback xmlns="" xmlns:c="http://schemas.openxmlformats.org/drawingml/2006/chart" xmlns:dgm="http://schemas.openxmlformats.org/drawingml/2006/diagram" xmlns:dsp="http://schemas.microsoft.com/office/drawing/2008/diagram">
+    <mc:Fallback xmlns:dsp="http://schemas.microsoft.com/office/drawing/2008/diagram" xmlns:dgm="http://schemas.openxmlformats.org/drawingml/2006/diagram" xmlns:c="http://schemas.openxmlformats.org/drawingml/2006/chart" xmlns="">
       <p:transition/>
     </mc:Fallback>
   </mc:AlternateContent>
@@ -20492,7 +17565,7 @@
           <p:nvPr>
             <p:extLst>
               <p:ext uri="{D42A27DB-BD31-4B8C-83A1-F6EECF244321}">
-                <p14:modId xmlns:p14="http://schemas.microsoft.com/office/powerpoint/2010/main" val="2285159220"/>
+                <p14:modId xmlns:p14="http://schemas.microsoft.com/office/powerpoint/2010/main" val="14669095"/>
               </p:ext>
             </p:extLst>
           </p:nvPr>
@@ -20538,7 +17611,7 @@
                 </a:gridCol>
               </a:tblGrid>
               <a:tr h="601133">
-                <a:tc>
+                <a:tc rowSpan="2">
                   <a:txBody>
                     <a:bodyPr/>
                     <a:lstStyle/>
@@ -20691,7 +17764,7 @@
                 </a:extLst>
               </a:tr>
               <a:tr h="601133">
-                <a:tc>
+                <a:tc vMerge="1">
                   <a:txBody>
                     <a:bodyPr/>
                     <a:lstStyle/>
@@ -20699,16 +17772,6 @@
                       <a:pPr algn="ctr" latinLnBrk="1">
                         <a:defRPr/>
                       </a:pPr>
-                      <a:r>
-                        <a:rPr lang="ko-KR" altLang="en-US" sz="2200" dirty="0" err="1">
-                          <a:solidFill>
-                            <a:schemeClr val="tx1"/>
-                          </a:solidFill>
-                          <a:latin typeface="나눔바른고딕OTF"/>
-                          <a:ea typeface="나눔바른고딕OTF"/>
-                        </a:rPr>
-                        <a:t>검출율</a:t>
-                      </a:r>
                       <a:endParaRPr lang="ko-KR" altLang="en-US" sz="2200" dirty="0">
                         <a:solidFill>
                           <a:schemeClr val="tx1"/>
@@ -21237,7 +18300,7 @@
                       <a:tailEnd type="none" w="med" len="med"/>
                     </a:lnR>
                     <a:solidFill>
-                      <a:srgbClr val="4F81BD"/>
+                      <a:srgbClr val="FFC000"/>
                     </a:solidFill>
                   </a:tcPr>
                 </a:tc>
@@ -21271,7 +18334,7 @@
                       <a:tailEnd type="none" w="med" len="med"/>
                     </a:lnL>
                     <a:solidFill>
-                      <a:srgbClr val="E9EDF4"/>
+                      <a:srgbClr val="FFC000"/>
                     </a:solidFill>
                   </a:tcPr>
                 </a:tc>
@@ -21296,7 +18359,7 @@
                   </a:txBody>
                   <a:tcPr marL="7620" marR="7620" marT="7620" marB="0" anchor="ctr">
                     <a:solidFill>
-                      <a:srgbClr val="E9EDF4"/>
+                      <a:srgbClr val="FFC000"/>
                     </a:solidFill>
                   </a:tcPr>
                 </a:tc>
@@ -22312,7 +19375,7 @@
           <p:nvPr>
             <p:extLst>
               <p:ext uri="{D42A27DB-BD31-4B8C-83A1-F6EECF244321}">
-                <p14:modId xmlns:p14="http://schemas.microsoft.com/office/powerpoint/2010/main" val="32376409"/>
+                <p14:modId xmlns:p14="http://schemas.microsoft.com/office/powerpoint/2010/main" val="1800474209"/>
               </p:ext>
             </p:extLst>
           </p:nvPr>
@@ -22358,7 +19421,7 @@
                 </a:gridCol>
               </a:tblGrid>
               <a:tr h="601133">
-                <a:tc>
+                <a:tc rowSpan="2">
                   <a:txBody>
                     <a:bodyPr/>
                     <a:lstStyle/>
@@ -22511,7 +19574,7 @@
                 </a:extLst>
               </a:tr>
               <a:tr h="601133">
-                <a:tc>
+                <a:tc vMerge="1">
                   <a:txBody>
                     <a:bodyPr/>
                     <a:lstStyle/>
@@ -22519,16 +19582,6 @@
                       <a:pPr algn="ctr" latinLnBrk="1">
                         <a:defRPr/>
                       </a:pPr>
-                      <a:r>
-                        <a:rPr lang="ko-KR" altLang="en-US" sz="2200" dirty="0" err="1">
-                          <a:solidFill>
-                            <a:schemeClr val="tx1"/>
-                          </a:solidFill>
-                          <a:latin typeface="나눔바른고딕OTF"/>
-                          <a:ea typeface="나눔바른고딕OTF"/>
-                        </a:rPr>
-                        <a:t>검출율</a:t>
-                      </a:r>
                       <a:endParaRPr lang="ko-KR" altLang="en-US" sz="2200" dirty="0">
                         <a:solidFill>
                           <a:schemeClr val="tx1"/>
@@ -23057,7 +20110,7 @@
                       <a:tailEnd type="none" w="med" len="med"/>
                     </a:lnR>
                     <a:solidFill>
-                      <a:srgbClr val="4F81BD"/>
+                      <a:srgbClr val="FFC000"/>
                     </a:solidFill>
                   </a:tcPr>
                 </a:tc>
@@ -23091,7 +20144,7 @@
                       <a:tailEnd type="none" w="med" len="med"/>
                     </a:lnL>
                     <a:solidFill>
-                      <a:srgbClr val="E9EDF4"/>
+                      <a:srgbClr val="FFC000"/>
                     </a:solidFill>
                   </a:tcPr>
                 </a:tc>
@@ -23116,7 +20169,7 @@
                   </a:txBody>
                   <a:tcPr marL="7620" marR="7620" marT="7620" marB="0" anchor="ctr">
                     <a:solidFill>
-                      <a:srgbClr val="E9EDF4"/>
+                      <a:srgbClr val="FFC000"/>
                     </a:solidFill>
                   </a:tcPr>
                 </a:tc>
@@ -23127,7 +20180,7 @@
                     <a:p>
                       <a:pPr algn="ctr" fontAlgn="ctr"/>
                       <a:r>
-                        <a:rPr lang="en-US" altLang="ko-KR" sz="2000" b="0" i="0" u="none" strike="noStrike">
+                        <a:rPr lang="en-US" altLang="ko-KR" sz="2000" b="0" i="0" u="none" strike="noStrike" dirty="0">
                           <a:solidFill>
                             <a:srgbClr val="000000"/>
                           </a:solidFill>
@@ -24126,7 +21179,7 @@
     <mc:Choice Requires="p14">
       <p:transition/>
     </mc:Choice>
-    <mc:Fallback xmlns="" xmlns:c="http://schemas.openxmlformats.org/drawingml/2006/chart" xmlns:dgm="http://schemas.openxmlformats.org/drawingml/2006/diagram" xmlns:dsp="http://schemas.microsoft.com/office/drawing/2008/diagram">
+    <mc:Fallback xmlns:dsp="http://schemas.microsoft.com/office/drawing/2008/diagram" xmlns:dgm="http://schemas.openxmlformats.org/drawingml/2006/diagram" xmlns:c="http://schemas.openxmlformats.org/drawingml/2006/chart" xmlns="">
       <p:transition/>
     </mc:Fallback>
   </mc:AlternateContent>
@@ -24311,7 +21364,7 @@
                 <a:latin typeface="나눔바른고딕OTF"/>
                 <a:ea typeface="나눔바른고딕OTF"/>
               </a:rPr>
-              <a:t>개선점</a:t>
+              <a:t>차후 개선점</a:t>
             </a:r>
             <a:endParaRPr lang="ko-KR" altLang="en-US" sz="5000" b="0" i="0" u="none" strike="noStrike" dirty="0">
               <a:solidFill>
@@ -24443,6 +21496,127 @@
           </a:prstGeom>
         </p:spPr>
       </p:pic>
+      <p:sp>
+        <p:nvSpPr>
+          <p:cNvPr id="13" name="TextBox 18">
+            <a:extLst>
+              <a:ext uri="{FF2B5EF4-FFF2-40B4-BE49-F238E27FC236}">
+                <a16:creationId xmlns:a16="http://schemas.microsoft.com/office/drawing/2014/main" id="{A60133F4-CF00-A82F-6ACE-317A3FB5CA3C}"/>
+              </a:ext>
+            </a:extLst>
+          </p:cNvPr>
+          <p:cNvSpPr txBox="1"/>
+          <p:nvPr/>
+        </p:nvSpPr>
+        <p:spPr>
+          <a:xfrm>
+            <a:off x="1955800" y="1676400"/>
+            <a:ext cx="12750800" cy="5905500"/>
+          </a:xfrm>
+          <a:prstGeom prst="rect">
+            <a:avLst/>
+          </a:prstGeom>
+        </p:spPr>
+        <p:txBody>
+          <a:bodyPr lIns="0" tIns="0" rIns="0" bIns="0" anchor="ctr"/>
+          <a:lstStyle/>
+          <a:p>
+            <a:pPr lvl="0" algn="l">
+              <a:lnSpc>
+                <a:spcPct val="149400"/>
+              </a:lnSpc>
+              <a:defRPr/>
+            </a:pPr>
+            <a:r>
+              <a:rPr lang="ko-KR" altLang="en-US" sz="2800" spc="-100" dirty="0">
+                <a:solidFill>
+                  <a:srgbClr val="006BB1"/>
+                </a:solidFill>
+                <a:latin typeface="나눔바른고딕OTF"/>
+                <a:ea typeface="나눔바른고딕OTF"/>
+              </a:rPr>
+              <a:t>데이터셋 질 개선 </a:t>
+            </a:r>
+            <a:r>
+              <a:rPr lang="en-US" altLang="ko-KR" sz="2800" spc="-100" dirty="0">
+                <a:solidFill>
+                  <a:srgbClr val="006BB1"/>
+                </a:solidFill>
+                <a:latin typeface="나눔바른고딕OTF"/>
+                <a:ea typeface="나눔바른고딕OTF"/>
+              </a:rPr>
+              <a:t>: </a:t>
+            </a:r>
+            <a:r>
+              <a:rPr lang="ko-KR" altLang="en-US" sz="2800" spc="-100">
+                <a:solidFill>
+                  <a:srgbClr val="006BB1"/>
+                </a:solidFill>
+                <a:latin typeface="나눔바른고딕OTF"/>
+                <a:ea typeface="나눔바른고딕OTF"/>
+              </a:rPr>
+              <a:t>데이터 편향</a:t>
+            </a:r>
+            <a:endParaRPr lang="en-US" altLang="ko-KR" sz="2800" spc="-100" dirty="0">
+              <a:solidFill>
+                <a:srgbClr val="006BB1"/>
+              </a:solidFill>
+              <a:latin typeface="나눔바른고딕OTF"/>
+              <a:ea typeface="나눔바른고딕OTF"/>
+            </a:endParaRPr>
+          </a:p>
+          <a:p>
+            <a:pPr lvl="0" algn="l">
+              <a:lnSpc>
+                <a:spcPct val="149400"/>
+              </a:lnSpc>
+              <a:defRPr/>
+            </a:pPr>
+            <a:r>
+              <a:rPr lang="ko-KR" altLang="en-US" sz="2800" b="0" i="0" u="none" strike="noStrike" spc="-100" dirty="0">
+                <a:solidFill>
+                  <a:srgbClr val="006BB1"/>
+                </a:solidFill>
+                <a:latin typeface="나눔바른고딕OTF"/>
+                <a:ea typeface="나눔바른고딕OTF"/>
+              </a:rPr>
+              <a:t>다른 알고리즘 활용</a:t>
+            </a:r>
+            <a:endParaRPr lang="en-US" altLang="ko-KR" sz="2800" b="0" i="0" u="none" strike="noStrike" spc="-100" dirty="0">
+              <a:solidFill>
+                <a:srgbClr val="006BB1"/>
+              </a:solidFill>
+              <a:latin typeface="나눔바른고딕OTF"/>
+              <a:ea typeface="나눔바른고딕OTF"/>
+            </a:endParaRPr>
+          </a:p>
+          <a:p>
+            <a:pPr lvl="0" algn="l">
+              <a:lnSpc>
+                <a:spcPct val="149400"/>
+              </a:lnSpc>
+              <a:defRPr/>
+            </a:pPr>
+            <a:r>
+              <a:rPr lang="ko-KR" altLang="en-US" sz="2800" spc="-100" dirty="0">
+                <a:solidFill>
+                  <a:srgbClr val="006BB1"/>
+                </a:solidFill>
+                <a:latin typeface="나눔바른고딕OTF"/>
+                <a:ea typeface="나눔바른고딕OTF"/>
+              </a:rPr>
+              <a:t>실제 데이터와 최대한 유사한 테스트셋을 구성했지만 실제 데이터로는 테스트를 해보지 않은 점</a:t>
+            </a:r>
+            <a:endParaRPr lang="en-US" altLang="ko-KR" sz="2800" b="0" i="0" u="none" strike="noStrike" spc="-100" dirty="0">
+              <a:solidFill>
+                <a:srgbClr val="006BB1"/>
+              </a:solidFill>
+              <a:latin typeface="나눔바른고딕OTF"/>
+              <a:ea typeface="나눔바른고딕OTF"/>
+            </a:endParaRPr>
+          </a:p>
+        </p:txBody>
+      </p:sp>
     </p:spTree>
     <p:extLst>
       <p:ext uri="{BB962C8B-B14F-4D97-AF65-F5344CB8AC3E}">
@@ -25024,7 +22198,7 @@
     <mc:Choice Requires="p14">
       <p:transition/>
     </mc:Choice>
-    <mc:Fallback xmlns="" xmlns:c="http://schemas.openxmlformats.org/drawingml/2006/chart" xmlns:dgm="http://schemas.openxmlformats.org/drawingml/2006/diagram" xmlns:dsp="http://schemas.microsoft.com/office/drawing/2008/diagram">
+    <mc:Fallback xmlns:dsp="http://schemas.microsoft.com/office/drawing/2008/diagram" xmlns:dgm="http://schemas.openxmlformats.org/drawingml/2006/diagram" xmlns:c="http://schemas.openxmlformats.org/drawingml/2006/chart" xmlns="">
       <p:transition/>
     </mc:Fallback>
   </mc:AlternateContent>
@@ -25391,7 +22565,7 @@
               <a:defRPr/>
             </a:pPr>
             <a:r>
-              <a:rPr lang="en-US" sz="2800" b="0" i="0" u="none" strike="noStrike" spc="-100">
+              <a:rPr lang="en-US" sz="2800" b="0" i="0" u="none" strike="noStrike" spc="-100" dirty="0">
                 <a:solidFill>
                   <a:srgbClr val="006BB1"/>
                 </a:solidFill>
@@ -25401,7 +22575,7 @@
               <a:t>object detection </a:t>
             </a:r>
             <a:r>
-              <a:rPr lang="ko-KR" sz="2800" b="0" i="0" u="none" strike="noStrike" spc="-100">
+              <a:rPr lang="ko-KR" sz="2800" b="0" i="0" u="none" strike="noStrike" spc="-100" dirty="0">
                 <a:solidFill>
                   <a:srgbClr val="006BB1"/>
                 </a:solidFill>
@@ -25411,7 +22585,7 @@
               <a:t>모델들</a:t>
             </a:r>
             <a:r>
-              <a:rPr lang="en-US" sz="2800" b="0" i="0" u="none" strike="noStrike" spc="-100">
+              <a:rPr lang="en-US" sz="2800" b="0" i="0" u="none" strike="noStrike" spc="-100" dirty="0">
                 <a:solidFill>
                   <a:srgbClr val="006BB1"/>
                 </a:solidFill>
@@ -25421,7 +22595,7 @@
               <a:t> </a:t>
             </a:r>
             <a:r>
-              <a:rPr lang="ko-KR" sz="2800" b="0" i="0" u="none" strike="noStrike" spc="-100">
+              <a:rPr lang="ko-KR" sz="2800" b="0" i="0" u="none" strike="noStrike" spc="-100" dirty="0">
                 <a:solidFill>
                   <a:srgbClr val="006BB1"/>
                 </a:solidFill>
@@ -25431,7 +22605,7 @@
               <a:t>중</a:t>
             </a:r>
             <a:r>
-              <a:rPr lang="en-US" sz="2800" b="0" i="0" u="none" strike="noStrike" spc="-100">
+              <a:rPr lang="en-US" sz="2800" b="0" i="0" u="none" strike="noStrike" spc="-100" dirty="0">
                 <a:solidFill>
                   <a:srgbClr val="006BB1"/>
                 </a:solidFill>
@@ -25441,7 +22615,7 @@
               <a:t> </a:t>
             </a:r>
             <a:r>
-              <a:rPr lang="ko-KR" sz="2800" b="0" i="0" u="none" strike="noStrike" spc="-100">
+              <a:rPr lang="ko-KR" sz="2800" b="0" i="0" u="none" strike="noStrike" spc="-100" dirty="0">
                 <a:solidFill>
                   <a:srgbClr val="006BB1"/>
                 </a:solidFill>
@@ -25451,7 +22625,7 @@
               <a:t>속도와</a:t>
             </a:r>
             <a:r>
-              <a:rPr lang="en-US" sz="2800" b="0" i="0" u="none" strike="noStrike" spc="-100">
+              <a:rPr lang="en-US" sz="2800" b="0" i="0" u="none" strike="noStrike" spc="-100" dirty="0">
                 <a:solidFill>
                   <a:srgbClr val="006BB1"/>
                 </a:solidFill>
@@ -25461,7 +22635,7 @@
               <a:t> </a:t>
             </a:r>
             <a:r>
-              <a:rPr lang="ko-KR" sz="2800" b="0" i="0" u="none" strike="noStrike" spc="-100">
+              <a:rPr lang="ko-KR" sz="2800" b="0" i="0" u="none" strike="noStrike" spc="-100" dirty="0">
                 <a:solidFill>
                   <a:srgbClr val="006BB1"/>
                 </a:solidFill>
@@ -25471,7 +22645,7 @@
               <a:t>성능이</a:t>
             </a:r>
             <a:r>
-              <a:rPr lang="en-US" sz="2800" b="0" i="0" u="none" strike="noStrike" spc="-100">
+              <a:rPr lang="en-US" sz="2800" b="0" i="0" u="none" strike="noStrike" spc="-100" dirty="0">
                 <a:solidFill>
                   <a:srgbClr val="006BB1"/>
                 </a:solidFill>
@@ -25481,7 +22655,7 @@
               <a:t> </a:t>
             </a:r>
             <a:r>
-              <a:rPr lang="ko-KR" sz="2800" b="0" i="0" u="none" strike="noStrike" spc="-100">
+              <a:rPr lang="ko-KR" sz="2800" b="0" i="0" u="none" strike="noStrike" spc="-100" dirty="0">
                 <a:solidFill>
                   <a:srgbClr val="006BB1"/>
                 </a:solidFill>
@@ -25491,7 +22665,7 @@
               <a:t>모두</a:t>
             </a:r>
             <a:r>
-              <a:rPr lang="en-US" sz="2800" b="0" i="0" u="none" strike="noStrike" spc="-100">
+              <a:rPr lang="en-US" sz="2800" b="0" i="0" u="none" strike="noStrike" spc="-100" dirty="0">
                 <a:solidFill>
                   <a:srgbClr val="006BB1"/>
                 </a:solidFill>
@@ -25501,7 +22675,7 @@
               <a:t> </a:t>
             </a:r>
             <a:r>
-              <a:rPr lang="ko-KR" sz="2800" b="0" i="0" u="none" strike="noStrike" spc="-100">
+              <a:rPr lang="ko-KR" sz="2800" b="0" i="0" u="none" strike="noStrike" spc="-100" dirty="0">
                 <a:solidFill>
                   <a:srgbClr val="006BB1"/>
                 </a:solidFill>
@@ -25511,7 +22685,7 @@
               <a:t>우수한</a:t>
             </a:r>
             <a:r>
-              <a:rPr lang="en-US" sz="2800" b="0" i="0" u="none" strike="noStrike" spc="-100">
+              <a:rPr lang="en-US" sz="2800" b="0" i="0" u="none" strike="noStrike" spc="-100" dirty="0">
                 <a:solidFill>
                   <a:srgbClr val="006BB1"/>
                 </a:solidFill>
@@ -25521,7 +22695,7 @@
               <a:t> yolo</a:t>
             </a:r>
             <a:r>
-              <a:rPr lang="ko-KR" sz="2800" b="0" i="0" u="none" strike="noStrike" spc="-100">
+              <a:rPr lang="ko-KR" sz="2800" b="0" i="0" u="none" strike="noStrike" spc="-100" dirty="0">
                 <a:solidFill>
                   <a:srgbClr val="006BB1"/>
                 </a:solidFill>
@@ -25531,7 +22705,7 @@
               <a:t>를</a:t>
             </a:r>
             <a:r>
-              <a:rPr lang="en-US" sz="2800" b="0" i="0" u="none" strike="noStrike" spc="-100">
+              <a:rPr lang="en-US" sz="2800" b="0" i="0" u="none" strike="noStrike" spc="-100" dirty="0">
                 <a:solidFill>
                   <a:srgbClr val="006BB1"/>
                 </a:solidFill>
@@ -25541,7 +22715,7 @@
               <a:t> </a:t>
             </a:r>
             <a:r>
-              <a:rPr lang="ko-KR" sz="2800" b="0" i="0" u="none" strike="noStrike" spc="-100">
+              <a:rPr lang="ko-KR" sz="2800" b="0" i="0" u="none" strike="noStrike" spc="-100" dirty="0">
                 <a:solidFill>
                   <a:srgbClr val="006BB1"/>
                 </a:solidFill>
@@ -25551,7 +22725,7 @@
               <a:t>선택</a:t>
             </a:r>
             <a:r>
-              <a:rPr lang="en-US" sz="2800" b="0" i="0" u="none" strike="noStrike" spc="-100">
+              <a:rPr lang="en-US" sz="2800" b="0" i="0" u="none" strike="noStrike" spc="-100" dirty="0">
                 <a:solidFill>
                   <a:srgbClr val="006BB1"/>
                 </a:solidFill>
@@ -25569,7 +22743,7 @@
               <a:defRPr/>
             </a:pPr>
             <a:r>
-              <a:rPr lang="ko-KR" sz="2800" b="0" i="0" u="none" strike="noStrike" spc="-100">
+              <a:rPr lang="ko-KR" sz="2800" b="0" i="0" u="none" strike="noStrike" spc="-100" dirty="0">
                 <a:solidFill>
                   <a:srgbClr val="006BB1"/>
                 </a:solidFill>
@@ -25579,7 +22753,7 @@
               <a:t>그</a:t>
             </a:r>
             <a:r>
-              <a:rPr lang="en-US" sz="2800" b="0" i="0" u="none" strike="noStrike" spc="-100">
+              <a:rPr lang="en-US" sz="2800" b="0" i="0" u="none" strike="noStrike" spc="-100" dirty="0">
                 <a:solidFill>
                   <a:srgbClr val="006BB1"/>
                 </a:solidFill>
@@ -25589,7 +22763,7 @@
               <a:t> </a:t>
             </a:r>
             <a:r>
-              <a:rPr lang="ko-KR" sz="2800" b="0" i="0" u="none" strike="noStrike" spc="-100">
+              <a:rPr lang="ko-KR" sz="2800" b="0" i="0" u="none" strike="noStrike" spc="-100" dirty="0">
                 <a:solidFill>
                   <a:srgbClr val="006BB1"/>
                 </a:solidFill>
@@ -25599,7 +22773,7 @@
               <a:t>중</a:t>
             </a:r>
             <a:r>
-              <a:rPr lang="en-US" sz="2800" b="0" i="0" u="none" strike="noStrike" spc="-100">
+              <a:rPr lang="en-US" sz="2800" b="0" i="0" u="none" strike="noStrike" spc="-100" dirty="0">
                 <a:solidFill>
                   <a:srgbClr val="006BB1"/>
                 </a:solidFill>
@@ -25609,7 +22783,7 @@
               <a:t> </a:t>
             </a:r>
             <a:r>
-              <a:rPr lang="ko-KR" sz="2800" b="0" i="0" u="none" strike="noStrike" spc="-100">
+              <a:rPr lang="ko-KR" sz="2800" b="0" i="0" u="none" strike="noStrike" spc="-100" dirty="0">
                 <a:solidFill>
                   <a:srgbClr val="006BB1"/>
                 </a:solidFill>
@@ -25619,7 +22793,7 @@
               <a:t>실행시간의</a:t>
             </a:r>
             <a:r>
-              <a:rPr lang="en-US" sz="2800" b="0" i="0" u="none" strike="noStrike" spc="-100">
+              <a:rPr lang="en-US" sz="2800" b="0" i="0" u="none" strike="noStrike" spc="-100" dirty="0">
                 <a:solidFill>
                   <a:srgbClr val="006BB1"/>
                 </a:solidFill>
@@ -25629,7 +22803,7 @@
               <a:t> </a:t>
             </a:r>
             <a:r>
-              <a:rPr lang="ko-KR" sz="2800" b="0" i="0" u="none" strike="noStrike" spc="-100">
+              <a:rPr lang="ko-KR" sz="2800" b="0" i="0" u="none" strike="noStrike" spc="-100" dirty="0">
                 <a:solidFill>
                   <a:srgbClr val="006BB1"/>
                 </a:solidFill>
@@ -25639,7 +22813,7 @@
               <a:t>이점과</a:t>
             </a:r>
             <a:r>
-              <a:rPr lang="en-US" sz="2800" b="0" i="0" u="none" strike="noStrike" spc="-100">
+              <a:rPr lang="en-US" sz="2800" b="0" i="0" u="none" strike="noStrike" spc="-100" dirty="0">
                 <a:solidFill>
                   <a:srgbClr val="006BB1"/>
                 </a:solidFill>
@@ -25649,7 +22823,7 @@
               <a:t> </a:t>
             </a:r>
             <a:r>
-              <a:rPr lang="ko-KR" sz="2800" b="0" i="0" u="none" strike="noStrike" spc="-100">
+              <a:rPr lang="ko-KR" sz="2800" b="0" i="0" u="none" strike="noStrike" spc="-100" dirty="0">
                 <a:solidFill>
                   <a:srgbClr val="006BB1"/>
                 </a:solidFill>
@@ -25659,7 +22833,7 @@
               <a:t>학습의</a:t>
             </a:r>
             <a:r>
-              <a:rPr lang="en-US" sz="2800" b="0" i="0" u="none" strike="noStrike" spc="-100">
+              <a:rPr lang="en-US" sz="2800" b="0" i="0" u="none" strike="noStrike" spc="-100" dirty="0">
                 <a:solidFill>
                   <a:srgbClr val="006BB1"/>
                 </a:solidFill>
@@ -25669,7 +22843,7 @@
               <a:t> </a:t>
             </a:r>
             <a:r>
-              <a:rPr lang="ko-KR" sz="2800" b="0" i="0" u="none" strike="noStrike" spc="-100">
+              <a:rPr lang="ko-KR" sz="2800" b="0" i="0" u="none" strike="noStrike" spc="-100" dirty="0">
                 <a:solidFill>
                   <a:srgbClr val="006BB1"/>
                 </a:solidFill>
@@ -25679,7 +22853,7 @@
               <a:t>용이성을</a:t>
             </a:r>
             <a:r>
-              <a:rPr lang="en-US" sz="2800" b="0" i="0" u="none" strike="noStrike" spc="-100">
+              <a:rPr lang="en-US" sz="2800" b="0" i="0" u="none" strike="noStrike" spc="-100" dirty="0">
                 <a:solidFill>
                   <a:srgbClr val="006BB1"/>
                 </a:solidFill>
@@ -25689,7 +22863,7 @@
               <a:t> </a:t>
             </a:r>
             <a:r>
-              <a:rPr lang="ko-KR" sz="2800" b="0" i="0" u="none" strike="noStrike" spc="-100">
+              <a:rPr lang="ko-KR" sz="2800" b="0" i="0" u="none" strike="noStrike" spc="-100" dirty="0">
                 <a:solidFill>
                   <a:srgbClr val="006BB1"/>
                 </a:solidFill>
@@ -25699,7 +22873,7 @@
               <a:t>위해</a:t>
             </a:r>
             <a:r>
-              <a:rPr lang="en-US" sz="2800" b="0" i="0" u="none" strike="noStrike" spc="-100">
+              <a:rPr lang="en-US" sz="2800" b="0" i="0" u="none" strike="noStrike" spc="-100" dirty="0">
                 <a:solidFill>
                   <a:srgbClr val="006BB1"/>
                 </a:solidFill>
@@ -25709,7 +22883,7 @@
               <a:t> </a:t>
             </a:r>
             <a:r>
-              <a:rPr lang="ko-KR" sz="2800" b="0" i="0" u="none" strike="noStrike" spc="-100">
+              <a:rPr lang="ko-KR" sz="2800" b="0" i="0" u="none" strike="noStrike" spc="-100" dirty="0">
                 <a:solidFill>
                   <a:srgbClr val="006BB1"/>
                 </a:solidFill>
@@ -25719,7 +22893,7 @@
               <a:t>가장</a:t>
             </a:r>
             <a:r>
-              <a:rPr lang="en-US" sz="2800" b="0" i="0" u="none" strike="noStrike" spc="-100">
+              <a:rPr lang="en-US" sz="2800" b="0" i="0" u="none" strike="noStrike" spc="-100" dirty="0">
                 <a:solidFill>
                   <a:srgbClr val="006BB1"/>
                 </a:solidFill>
@@ -25729,7 +22903,7 @@
               <a:t> </a:t>
             </a:r>
             <a:r>
-              <a:rPr lang="ko-KR" sz="2800" b="0" i="0" u="none" strike="noStrike" spc="-100">
+              <a:rPr lang="ko-KR" sz="2800" b="0" i="0" u="none" strike="noStrike" spc="-100" dirty="0">
                 <a:solidFill>
                   <a:srgbClr val="006BB1"/>
                 </a:solidFill>
@@ -25739,7 +22913,7 @@
               <a:t>가벼운</a:t>
             </a:r>
             <a:r>
-              <a:rPr lang="en-US" sz="2800" b="0" i="0" u="none" strike="noStrike" spc="-100">
+              <a:rPr lang="en-US" sz="2800" b="0" i="0" u="none" strike="noStrike" spc="-100" dirty="0">
                 <a:solidFill>
                   <a:srgbClr val="006BB1"/>
                 </a:solidFill>
@@ -25749,7 +22923,7 @@
               <a:t> yolov5s </a:t>
             </a:r>
             <a:r>
-              <a:rPr lang="ko-KR" sz="2800" b="0" i="0" u="none" strike="noStrike" spc="-100">
+              <a:rPr lang="ko-KR" sz="2800" b="0" i="0" u="none" strike="noStrike" spc="-100" dirty="0">
                 <a:solidFill>
                   <a:srgbClr val="006BB1"/>
                 </a:solidFill>
@@ -25759,7 +22933,7 @@
               <a:t>모델을</a:t>
             </a:r>
             <a:r>
-              <a:rPr lang="en-US" sz="2800" b="0" i="0" u="none" strike="noStrike" spc="-100">
+              <a:rPr lang="en-US" sz="2800" b="0" i="0" u="none" strike="noStrike" spc="-100" dirty="0">
                 <a:solidFill>
                   <a:srgbClr val="006BB1"/>
                 </a:solidFill>
@@ -25769,7 +22943,7 @@
               <a:t> </a:t>
             </a:r>
             <a:r>
-              <a:rPr lang="ko-KR" sz="2800" b="0" i="0" u="none" strike="noStrike" spc="-100">
+              <a:rPr lang="ko-KR" sz="2800" b="0" i="0" u="none" strike="noStrike" spc="-100" dirty="0">
                 <a:solidFill>
                   <a:srgbClr val="006BB1"/>
                 </a:solidFill>
@@ -25779,7 +22953,7 @@
               <a:t>학습하기로</a:t>
             </a:r>
             <a:r>
-              <a:rPr lang="en-US" sz="2800" b="0" i="0" u="none" strike="noStrike" spc="-100">
+              <a:rPr lang="en-US" sz="2800" b="0" i="0" u="none" strike="noStrike" spc="-100" dirty="0">
                 <a:solidFill>
                   <a:srgbClr val="006BB1"/>
                 </a:solidFill>
@@ -25789,7 +22963,7 @@
               <a:t> </a:t>
             </a:r>
             <a:r>
-              <a:rPr lang="ko-KR" sz="2800" b="0" i="0" u="none" strike="noStrike" spc="-100">
+              <a:rPr lang="ko-KR" sz="2800" b="0" i="0" u="none" strike="noStrike" spc="-100" dirty="0">
                 <a:solidFill>
                   <a:srgbClr val="006BB1"/>
                 </a:solidFill>
@@ -25797,164 +22971,6 @@
                 <a:ea typeface="나눔바른고딕OTF"/>
               </a:rPr>
               <a:t>결정</a:t>
-            </a:r>
-          </a:p>
-        </p:txBody>
-      </p:sp>
-      <p:sp>
-        <p:nvSpPr>
-          <p:cNvPr id="15" name="TextBox 15"/>
-          <p:cNvSpPr txBox="1"/>
-          <p:nvPr/>
-        </p:nvSpPr>
-        <p:spPr>
-          <a:xfrm>
-            <a:off x="-2476500" y="5549900"/>
-            <a:ext cx="2895600" cy="203200"/>
-          </a:xfrm>
-          <a:prstGeom prst="rect">
-            <a:avLst/>
-          </a:prstGeom>
-        </p:spPr>
-        <p:txBody>
-          <a:bodyPr lIns="0" tIns="0" rIns="0" bIns="0" anchor="ctr"/>
-          <a:lstStyle/>
-          <a:p>
-            <a:pPr lvl="0" algn="ctr">
-              <a:lnSpc>
-                <a:spcPct val="166000"/>
-              </a:lnSpc>
-              <a:defRPr/>
-            </a:pPr>
-            <a:r>
-              <a:rPr lang="en-US" sz="1100" b="0" i="0" u="none" strike="noStrike">
-                <a:solidFill>
-                  <a:srgbClr val="FFFFFF"/>
-                </a:solidFill>
-                <a:latin typeface="Gmarket Sans Medium"/>
-                <a:ea typeface="나눔바른고딕OTF"/>
-              </a:rPr>
-              <a:t>*</a:t>
-            </a:r>
-            <a:r>
-              <a:rPr lang="ko-KR" sz="1100" b="0" i="0" u="none" strike="noStrike">
-                <a:solidFill>
-                  <a:srgbClr val="FFFFFF"/>
-                </a:solidFill>
-                <a:latin typeface="나눔바른고딕OTF"/>
-                <a:ea typeface="Gmarket Sans Medium"/>
-              </a:rPr>
-              <a:t>페이지</a:t>
-            </a:r>
-            <a:r>
-              <a:rPr lang="en-US" sz="1100" b="0" i="0" u="none" strike="noStrike">
-                <a:solidFill>
-                  <a:srgbClr val="FFFFFF"/>
-                </a:solidFill>
-                <a:latin typeface="Gmarket Sans Medium"/>
-                <a:ea typeface="나눔바른고딕OTF"/>
-              </a:rPr>
-              <a:t> </a:t>
-            </a:r>
-            <a:r>
-              <a:rPr lang="ko-KR" sz="1100" b="0" i="0" u="none" strike="noStrike">
-                <a:solidFill>
-                  <a:srgbClr val="FFFFFF"/>
-                </a:solidFill>
-                <a:latin typeface="나눔바른고딕OTF"/>
-                <a:ea typeface="Gmarket Sans Medium"/>
-              </a:rPr>
-              <a:t>내</a:t>
-            </a:r>
-            <a:r>
-              <a:rPr lang="en-US" sz="1100" b="0" i="0" u="none" strike="noStrike">
-                <a:solidFill>
-                  <a:srgbClr val="FFFFFF"/>
-                </a:solidFill>
-                <a:latin typeface="Gmarket Sans Medium"/>
-                <a:ea typeface="나눔바른고딕OTF"/>
-              </a:rPr>
-              <a:t> </a:t>
-            </a:r>
-            <a:r>
-              <a:rPr lang="ko-KR" sz="1100" b="0" i="0" u="none" strike="noStrike">
-                <a:solidFill>
-                  <a:srgbClr val="FFFFFF"/>
-                </a:solidFill>
-                <a:latin typeface="나눔바른고딕OTF"/>
-                <a:ea typeface="Gmarket Sans Medium"/>
-              </a:rPr>
-              <a:t>인물</a:t>
-            </a:r>
-            <a:r>
-              <a:rPr lang="en-US" sz="1100" b="0" i="0" u="none" strike="noStrike">
-                <a:solidFill>
-                  <a:srgbClr val="FFFFFF"/>
-                </a:solidFill>
-                <a:latin typeface="Gmarket Sans Medium"/>
-                <a:ea typeface="나눔바른고딕OTF"/>
-              </a:rPr>
-              <a:t> </a:t>
-            </a:r>
-            <a:r>
-              <a:rPr lang="ko-KR" sz="1100" b="0" i="0" u="none" strike="noStrike">
-                <a:solidFill>
-                  <a:srgbClr val="FFFFFF"/>
-                </a:solidFill>
-                <a:latin typeface="나눔바른고딕OTF"/>
-                <a:ea typeface="Gmarket Sans Medium"/>
-              </a:rPr>
-              <a:t>사진은</a:t>
-            </a:r>
-            <a:r>
-              <a:rPr lang="en-US" sz="1100" b="0" i="0" u="none" strike="noStrike">
-                <a:solidFill>
-                  <a:srgbClr val="FFFFFF"/>
-                </a:solidFill>
-                <a:latin typeface="Gmarket Sans Medium"/>
-                <a:ea typeface="나눔바른고딕OTF"/>
-              </a:rPr>
-              <a:t> </a:t>
-            </a:r>
-            <a:r>
-              <a:rPr lang="ko-KR" sz="1100" b="0" i="0" u="none" strike="noStrike">
-                <a:solidFill>
-                  <a:srgbClr val="FFFFFF"/>
-                </a:solidFill>
-                <a:latin typeface="나눔바른고딕OTF"/>
-                <a:ea typeface="Gmarket Sans Medium"/>
-              </a:rPr>
-              <a:t>샘플이미지</a:t>
-            </a:r>
-            <a:r>
-              <a:rPr lang="en-US" sz="1100" b="0" i="0" u="none" strike="noStrike">
-                <a:solidFill>
-                  <a:srgbClr val="FFFFFF"/>
-                </a:solidFill>
-                <a:latin typeface="Gmarket Sans Medium"/>
-                <a:ea typeface="나눔바른고딕OTF"/>
-              </a:rPr>
-              <a:t> </a:t>
-            </a:r>
-            <a:r>
-              <a:rPr lang="ko-KR" sz="1100" b="0" i="0" u="none" strike="noStrike">
-                <a:solidFill>
-                  <a:srgbClr val="FFFFFF"/>
-                </a:solidFill>
-                <a:latin typeface="나눔바른고딕OTF"/>
-                <a:ea typeface="Gmarket Sans Medium"/>
-              </a:rPr>
-              <a:t>입니다</a:t>
-            </a:r>
-            <a:r>
-              <a:rPr lang="en-US" sz="1100" b="0" i="0" u="none" strike="noStrike">
-                <a:solidFill>
-                  <a:srgbClr val="FFFFFF"/>
-                </a:solidFill>
-                <a:latin typeface="Gmarket Sans Medium"/>
-                <a:ea typeface="나눔바른고딕OTF"/>
-              </a:rPr>
-              <a:t>. </a:t>
             </a:r>
           </a:p>
         </p:txBody>
@@ -25968,7 +22984,7 @@
     <mc:Choice Requires="p14">
       <p:transition/>
     </mc:Choice>
-    <mc:Fallback xmlns="" xmlns:c="http://schemas.openxmlformats.org/drawingml/2006/chart" xmlns:dgm="http://schemas.openxmlformats.org/drawingml/2006/diagram" xmlns:dsp="http://schemas.microsoft.com/office/drawing/2008/diagram">
+    <mc:Fallback xmlns:dsp="http://schemas.microsoft.com/office/drawing/2008/diagram" xmlns:dgm="http://schemas.openxmlformats.org/drawingml/2006/diagram" xmlns:c="http://schemas.openxmlformats.org/drawingml/2006/chart" xmlns="">
       <p:transition/>
     </mc:Fallback>
   </mc:AlternateContent>
@@ -27314,7 +24330,7 @@
     <mc:Choice Requires="p14">
       <p:transition/>
     </mc:Choice>
-    <mc:Fallback xmlns="" xmlns:c="http://schemas.openxmlformats.org/drawingml/2006/chart" xmlns:dgm="http://schemas.openxmlformats.org/drawingml/2006/diagram" xmlns:dsp="http://schemas.microsoft.com/office/drawing/2008/diagram">
+    <mc:Fallback xmlns:dsp="http://schemas.microsoft.com/office/drawing/2008/diagram" xmlns:dgm="http://schemas.openxmlformats.org/drawingml/2006/diagram" xmlns:c="http://schemas.openxmlformats.org/drawingml/2006/chart" xmlns="">
       <p:transition/>
     </mc:Fallback>
   </mc:AlternateContent>
@@ -27561,7 +24577,7 @@
     <mc:Choice Requires="p14">
       <p:transition/>
     </mc:Choice>
-    <mc:Fallback xmlns="" xmlns:c="http://schemas.openxmlformats.org/drawingml/2006/chart" xmlns:dgm="http://schemas.openxmlformats.org/drawingml/2006/diagram" xmlns:dsp="http://schemas.microsoft.com/office/drawing/2008/diagram">
+    <mc:Fallback xmlns:dsp="http://schemas.microsoft.com/office/drawing/2008/diagram" xmlns:dgm="http://schemas.openxmlformats.org/drawingml/2006/diagram" xmlns:c="http://schemas.openxmlformats.org/drawingml/2006/chart" xmlns="">
       <p:transition/>
     </mc:Fallback>
   </mc:AlternateContent>
@@ -28082,7 +25098,7 @@
     <mc:Choice Requires="p14">
       <p:transition/>
     </mc:Choice>
-    <mc:Fallback xmlns="" xmlns:c="http://schemas.openxmlformats.org/drawingml/2006/chart" xmlns:dgm="http://schemas.openxmlformats.org/drawingml/2006/diagram" xmlns:dsp="http://schemas.microsoft.com/office/drawing/2008/diagram">
+    <mc:Fallback xmlns:dsp="http://schemas.microsoft.com/office/drawing/2008/diagram" xmlns:dgm="http://schemas.openxmlformats.org/drawingml/2006/diagram" xmlns:c="http://schemas.openxmlformats.org/drawingml/2006/chart" xmlns="">
       <p:transition/>
     </mc:Fallback>
   </mc:AlternateContent>
@@ -29641,7 +26657,7 @@
     <mc:Choice Requires="p14">
       <p:transition/>
     </mc:Choice>
-    <mc:Fallback xmlns="" xmlns:c="http://schemas.openxmlformats.org/drawingml/2006/chart" xmlns:dgm="http://schemas.openxmlformats.org/drawingml/2006/diagram" xmlns:dsp="http://schemas.microsoft.com/office/drawing/2008/diagram">
+    <mc:Fallback xmlns:dsp="http://schemas.microsoft.com/office/drawing/2008/diagram" xmlns:dgm="http://schemas.openxmlformats.org/drawingml/2006/diagram" xmlns:c="http://schemas.openxmlformats.org/drawingml/2006/chart" xmlns="">
       <p:transition/>
     </mc:Fallback>
   </mc:AlternateContent>
@@ -32934,7 +29950,7 @@
     <mc:Choice Requires="p14">
       <p:transition/>
     </mc:Choice>
-    <mc:Fallback xmlns="" xmlns:c="http://schemas.openxmlformats.org/drawingml/2006/chart" xmlns:dgm="http://schemas.openxmlformats.org/drawingml/2006/diagram" xmlns:dsp="http://schemas.microsoft.com/office/drawing/2008/diagram">
+    <mc:Fallback xmlns:dsp="http://schemas.microsoft.com/office/drawing/2008/diagram" xmlns:dgm="http://schemas.openxmlformats.org/drawingml/2006/diagram" xmlns:c="http://schemas.openxmlformats.org/drawingml/2006/chart" xmlns="">
       <p:transition/>
     </mc:Fallback>
   </mc:AlternateContent>
@@ -33201,7 +30217,7 @@
     <mc:Choice Requires="p14">
       <p:transition/>
     </mc:Choice>
-    <mc:Fallback xmlns="" xmlns:c="http://schemas.openxmlformats.org/drawingml/2006/chart" xmlns:dgm="http://schemas.openxmlformats.org/drawingml/2006/diagram" xmlns:dsp="http://schemas.microsoft.com/office/drawing/2008/diagram">
+    <mc:Fallback xmlns:dsp="http://schemas.microsoft.com/office/drawing/2008/diagram" xmlns:dgm="http://schemas.openxmlformats.org/drawingml/2006/diagram" xmlns:c="http://schemas.openxmlformats.org/drawingml/2006/chart" xmlns="">
       <p:transition/>
     </mc:Fallback>
   </mc:AlternateContent>

--- a/documents/Clothes Detection 모델 결과 보고서.pptx
+++ b/documents/Clothes Detection 모델 결과 보고서.pptx
@@ -4,6 +4,9 @@
   <p:sldMasterIdLst>
     <p:sldMasterId id="2147483732" r:id="rId1"/>
   </p:sldMasterIdLst>
+  <p:notesMasterIdLst>
+    <p:notesMasterId r:id="rId28"/>
+  </p:notesMasterIdLst>
   <p:sldIdLst>
     <p:sldId id="256" r:id="rId2"/>
     <p:sldId id="258" r:id="rId3"/>
@@ -15,7 +18,7 @@
     <p:sldId id="264" r:id="rId9"/>
     <p:sldId id="265" r:id="rId10"/>
     <p:sldId id="266" r:id="rId11"/>
-    <p:sldId id="267" r:id="rId12"/>
+    <p:sldId id="291" r:id="rId12"/>
     <p:sldId id="268" r:id="rId13"/>
     <p:sldId id="281" r:id="rId14"/>
     <p:sldId id="270" r:id="rId15"/>
@@ -148,6 +151,439 @@
 </p:presentation>
 </file>
 
+<file path=ppt/notesMasters/notesMaster1.xml><?xml version="1.0" encoding="utf-8"?>
+<p:notesMaster xmlns:a="http://schemas.openxmlformats.org/drawingml/2006/main" xmlns:r="http://schemas.openxmlformats.org/officeDocument/2006/relationships" xmlns:p="http://schemas.openxmlformats.org/presentationml/2006/main">
+  <p:cSld>
+    <p:bg>
+      <p:bgRef idx="1001">
+        <a:schemeClr val="bg1"/>
+      </p:bgRef>
+    </p:bg>
+    <p:spTree>
+      <p:nvGrpSpPr>
+        <p:cNvPr id="1" name=""/>
+        <p:cNvGrpSpPr/>
+        <p:nvPr/>
+      </p:nvGrpSpPr>
+      <p:grpSpPr>
+        <a:xfrm>
+          <a:off x="0" y="0"/>
+          <a:ext cx="0" cy="0"/>
+          <a:chOff x="0" y="0"/>
+          <a:chExt cx="0" cy="0"/>
+        </a:xfrm>
+      </p:grpSpPr>
+      <p:sp>
+        <p:nvSpPr>
+          <p:cNvPr id="2" name="머리글 개체 틀 1"/>
+          <p:cNvSpPr>
+            <a:spLocks noGrp="1"/>
+          </p:cNvSpPr>
+          <p:nvPr>
+            <p:ph type="hdr" sz="quarter"/>
+          </p:nvPr>
+        </p:nvSpPr>
+        <p:spPr>
+          <a:xfrm>
+            <a:off x="0" y="0"/>
+            <a:ext cx="2971800" cy="458788"/>
+          </a:xfrm>
+          <a:prstGeom prst="rect">
+            <a:avLst/>
+          </a:prstGeom>
+        </p:spPr>
+        <p:txBody>
+          <a:bodyPr vert="horz" lIns="91440" tIns="45720" rIns="91440" bIns="45720" rtlCol="0"/>
+          <a:lstStyle>
+            <a:lvl1pPr algn="l">
+              <a:defRPr sz="1200"/>
+            </a:lvl1pPr>
+          </a:lstStyle>
+          <a:p>
+            <a:endParaRPr lang="ko-KR" altLang="en-US"/>
+          </a:p>
+        </p:txBody>
+      </p:sp>
+      <p:sp>
+        <p:nvSpPr>
+          <p:cNvPr id="3" name="날짜 개체 틀 2"/>
+          <p:cNvSpPr>
+            <a:spLocks noGrp="1"/>
+          </p:cNvSpPr>
+          <p:nvPr>
+            <p:ph type="dt" idx="1"/>
+          </p:nvPr>
+        </p:nvSpPr>
+        <p:spPr>
+          <a:xfrm>
+            <a:off x="3884613" y="0"/>
+            <a:ext cx="2971800" cy="458788"/>
+          </a:xfrm>
+          <a:prstGeom prst="rect">
+            <a:avLst/>
+          </a:prstGeom>
+        </p:spPr>
+        <p:txBody>
+          <a:bodyPr vert="horz" lIns="91440" tIns="45720" rIns="91440" bIns="45720" rtlCol="0"/>
+          <a:lstStyle>
+            <a:lvl1pPr algn="r">
+              <a:defRPr sz="1200"/>
+            </a:lvl1pPr>
+          </a:lstStyle>
+          <a:p>
+            <a:fld id="{3580F5B5-DA07-4F32-9C5D-8F7586CA722F}" type="datetimeFigureOut">
+              <a:rPr lang="ko-KR" altLang="en-US" smtClean="0"/>
+              <a:t>2024-08-28</a:t>
+            </a:fld>
+            <a:endParaRPr lang="ko-KR" altLang="en-US"/>
+          </a:p>
+        </p:txBody>
+      </p:sp>
+      <p:sp>
+        <p:nvSpPr>
+          <p:cNvPr id="4" name="슬라이드 이미지 개체 틀 3"/>
+          <p:cNvSpPr>
+            <a:spLocks noGrp="1" noRot="1" noChangeAspect="1"/>
+          </p:cNvSpPr>
+          <p:nvPr>
+            <p:ph type="sldImg" idx="2"/>
+          </p:nvPr>
+        </p:nvSpPr>
+        <p:spPr>
+          <a:xfrm>
+            <a:off x="685800" y="1143000"/>
+            <a:ext cx="5486400" cy="3086100"/>
+          </a:xfrm>
+          <a:prstGeom prst="rect">
+            <a:avLst/>
+          </a:prstGeom>
+          <a:noFill/>
+          <a:ln w="12700">
+            <a:solidFill>
+              <a:prstClr val="black"/>
+            </a:solidFill>
+          </a:ln>
+        </p:spPr>
+        <p:txBody>
+          <a:bodyPr vert="horz" lIns="91440" tIns="45720" rIns="91440" bIns="45720" rtlCol="0" anchor="ctr"/>
+          <a:lstStyle/>
+          <a:p>
+            <a:endParaRPr lang="ko-KR" altLang="en-US"/>
+          </a:p>
+        </p:txBody>
+      </p:sp>
+      <p:sp>
+        <p:nvSpPr>
+          <p:cNvPr id="5" name="슬라이드 노트 개체 틀 4"/>
+          <p:cNvSpPr>
+            <a:spLocks noGrp="1"/>
+          </p:cNvSpPr>
+          <p:nvPr>
+            <p:ph type="body" sz="quarter" idx="3"/>
+          </p:nvPr>
+        </p:nvSpPr>
+        <p:spPr>
+          <a:xfrm>
+            <a:off x="685800" y="4400550"/>
+            <a:ext cx="5486400" cy="3600450"/>
+          </a:xfrm>
+          <a:prstGeom prst="rect">
+            <a:avLst/>
+          </a:prstGeom>
+        </p:spPr>
+        <p:txBody>
+          <a:bodyPr vert="horz" lIns="91440" tIns="45720" rIns="91440" bIns="45720" rtlCol="0"/>
+          <a:lstStyle/>
+          <a:p>
+            <a:pPr lvl="0"/>
+            <a:r>
+              <a:rPr lang="ko-KR" altLang="en-US"/>
+              <a:t>마스터 텍스트 스타일을 편집하려면 클릭</a:t>
+            </a:r>
+          </a:p>
+          <a:p>
+            <a:pPr lvl="1"/>
+            <a:r>
+              <a:rPr lang="ko-KR" altLang="en-US"/>
+              <a:t>두 번째 수준</a:t>
+            </a:r>
+          </a:p>
+          <a:p>
+            <a:pPr lvl="2"/>
+            <a:r>
+              <a:rPr lang="ko-KR" altLang="en-US"/>
+              <a:t>세 번째 수준</a:t>
+            </a:r>
+          </a:p>
+          <a:p>
+            <a:pPr lvl="3"/>
+            <a:r>
+              <a:rPr lang="ko-KR" altLang="en-US"/>
+              <a:t>네 번째 수준</a:t>
+            </a:r>
+          </a:p>
+          <a:p>
+            <a:pPr lvl="4"/>
+            <a:r>
+              <a:rPr lang="ko-KR" altLang="en-US"/>
+              <a:t>다섯 번째 수준</a:t>
+            </a:r>
+          </a:p>
+        </p:txBody>
+      </p:sp>
+      <p:sp>
+        <p:nvSpPr>
+          <p:cNvPr id="6" name="바닥글 개체 틀 5"/>
+          <p:cNvSpPr>
+            <a:spLocks noGrp="1"/>
+          </p:cNvSpPr>
+          <p:nvPr>
+            <p:ph type="ftr" sz="quarter" idx="4"/>
+          </p:nvPr>
+        </p:nvSpPr>
+        <p:spPr>
+          <a:xfrm>
+            <a:off x="0" y="8685213"/>
+            <a:ext cx="2971800" cy="458787"/>
+          </a:xfrm>
+          <a:prstGeom prst="rect">
+            <a:avLst/>
+          </a:prstGeom>
+        </p:spPr>
+        <p:txBody>
+          <a:bodyPr vert="horz" lIns="91440" tIns="45720" rIns="91440" bIns="45720" rtlCol="0" anchor="b"/>
+          <a:lstStyle>
+            <a:lvl1pPr algn="l">
+              <a:defRPr sz="1200"/>
+            </a:lvl1pPr>
+          </a:lstStyle>
+          <a:p>
+            <a:endParaRPr lang="ko-KR" altLang="en-US"/>
+          </a:p>
+        </p:txBody>
+      </p:sp>
+      <p:sp>
+        <p:nvSpPr>
+          <p:cNvPr id="7" name="슬라이드 번호 개체 틀 6"/>
+          <p:cNvSpPr>
+            <a:spLocks noGrp="1"/>
+          </p:cNvSpPr>
+          <p:nvPr>
+            <p:ph type="sldNum" sz="quarter" idx="5"/>
+          </p:nvPr>
+        </p:nvSpPr>
+        <p:spPr>
+          <a:xfrm>
+            <a:off x="3884613" y="8685213"/>
+            <a:ext cx="2971800" cy="458787"/>
+          </a:xfrm>
+          <a:prstGeom prst="rect">
+            <a:avLst/>
+          </a:prstGeom>
+        </p:spPr>
+        <p:txBody>
+          <a:bodyPr vert="horz" lIns="91440" tIns="45720" rIns="91440" bIns="45720" rtlCol="0" anchor="b"/>
+          <a:lstStyle>
+            <a:lvl1pPr algn="r">
+              <a:defRPr sz="1200"/>
+            </a:lvl1pPr>
+          </a:lstStyle>
+          <a:p>
+            <a:fld id="{99F602B7-2836-4C6C-92F2-1290531DB370}" type="slidenum">
+              <a:rPr lang="ko-KR" altLang="en-US" smtClean="0"/>
+              <a:t>‹#›</a:t>
+            </a:fld>
+            <a:endParaRPr lang="ko-KR" altLang="en-US"/>
+          </a:p>
+        </p:txBody>
+      </p:sp>
+    </p:spTree>
+    <p:extLst>
+      <p:ext uri="{BB962C8B-B14F-4D97-AF65-F5344CB8AC3E}">
+        <p14:creationId xmlns:p14="http://schemas.microsoft.com/office/powerpoint/2010/main" val="993006588"/>
+      </p:ext>
+    </p:extLst>
+  </p:cSld>
+  <p:clrMap bg1="lt1" tx1="dk1" bg2="lt2" tx2="dk2" accent1="accent1" accent2="accent2" accent3="accent3" accent4="accent4" accent5="accent5" accent6="accent6" hlink="hlink" folHlink="folHlink"/>
+  <p:notesStyle>
+    <a:lvl1pPr marL="0" algn="l" defTabSz="914400" rtl="0" eaLnBrk="1" latinLnBrk="1" hangingPunct="1">
+      <a:defRPr sz="1200" kern="1200">
+        <a:solidFill>
+          <a:schemeClr val="tx1"/>
+        </a:solidFill>
+        <a:latin typeface="+mn-lt"/>
+        <a:ea typeface="+mn-ea"/>
+        <a:cs typeface="+mn-cs"/>
+      </a:defRPr>
+    </a:lvl1pPr>
+    <a:lvl2pPr marL="457200" algn="l" defTabSz="914400" rtl="0" eaLnBrk="1" latinLnBrk="1" hangingPunct="1">
+      <a:defRPr sz="1200" kern="1200">
+        <a:solidFill>
+          <a:schemeClr val="tx1"/>
+        </a:solidFill>
+        <a:latin typeface="+mn-lt"/>
+        <a:ea typeface="+mn-ea"/>
+        <a:cs typeface="+mn-cs"/>
+      </a:defRPr>
+    </a:lvl2pPr>
+    <a:lvl3pPr marL="914400" algn="l" defTabSz="914400" rtl="0" eaLnBrk="1" latinLnBrk="1" hangingPunct="1">
+      <a:defRPr sz="1200" kern="1200">
+        <a:solidFill>
+          <a:schemeClr val="tx1"/>
+        </a:solidFill>
+        <a:latin typeface="+mn-lt"/>
+        <a:ea typeface="+mn-ea"/>
+        <a:cs typeface="+mn-cs"/>
+      </a:defRPr>
+    </a:lvl3pPr>
+    <a:lvl4pPr marL="1371600" algn="l" defTabSz="914400" rtl="0" eaLnBrk="1" latinLnBrk="1" hangingPunct="1">
+      <a:defRPr sz="1200" kern="1200">
+        <a:solidFill>
+          <a:schemeClr val="tx1"/>
+        </a:solidFill>
+        <a:latin typeface="+mn-lt"/>
+        <a:ea typeface="+mn-ea"/>
+        <a:cs typeface="+mn-cs"/>
+      </a:defRPr>
+    </a:lvl4pPr>
+    <a:lvl5pPr marL="1828800" algn="l" defTabSz="914400" rtl="0" eaLnBrk="1" latinLnBrk="1" hangingPunct="1">
+      <a:defRPr sz="1200" kern="1200">
+        <a:solidFill>
+          <a:schemeClr val="tx1"/>
+        </a:solidFill>
+        <a:latin typeface="+mn-lt"/>
+        <a:ea typeface="+mn-ea"/>
+        <a:cs typeface="+mn-cs"/>
+      </a:defRPr>
+    </a:lvl5pPr>
+    <a:lvl6pPr marL="2286000" algn="l" defTabSz="914400" rtl="0" eaLnBrk="1" latinLnBrk="1" hangingPunct="1">
+      <a:defRPr sz="1200" kern="1200">
+        <a:solidFill>
+          <a:schemeClr val="tx1"/>
+        </a:solidFill>
+        <a:latin typeface="+mn-lt"/>
+        <a:ea typeface="+mn-ea"/>
+        <a:cs typeface="+mn-cs"/>
+      </a:defRPr>
+    </a:lvl6pPr>
+    <a:lvl7pPr marL="2743200" algn="l" defTabSz="914400" rtl="0" eaLnBrk="1" latinLnBrk="1" hangingPunct="1">
+      <a:defRPr sz="1200" kern="1200">
+        <a:solidFill>
+          <a:schemeClr val="tx1"/>
+        </a:solidFill>
+        <a:latin typeface="+mn-lt"/>
+        <a:ea typeface="+mn-ea"/>
+        <a:cs typeface="+mn-cs"/>
+      </a:defRPr>
+    </a:lvl7pPr>
+    <a:lvl8pPr marL="3200400" algn="l" defTabSz="914400" rtl="0" eaLnBrk="1" latinLnBrk="1" hangingPunct="1">
+      <a:defRPr sz="1200" kern="1200">
+        <a:solidFill>
+          <a:schemeClr val="tx1"/>
+        </a:solidFill>
+        <a:latin typeface="+mn-lt"/>
+        <a:ea typeface="+mn-ea"/>
+        <a:cs typeface="+mn-cs"/>
+      </a:defRPr>
+    </a:lvl8pPr>
+    <a:lvl9pPr marL="3657600" algn="l" defTabSz="914400" rtl="0" eaLnBrk="1" latinLnBrk="1" hangingPunct="1">
+      <a:defRPr sz="1200" kern="1200">
+        <a:solidFill>
+          <a:schemeClr val="tx1"/>
+        </a:solidFill>
+        <a:latin typeface="+mn-lt"/>
+        <a:ea typeface="+mn-ea"/>
+        <a:cs typeface="+mn-cs"/>
+      </a:defRPr>
+    </a:lvl9pPr>
+  </p:notesStyle>
+</p:notesMaster>
+</file>
+
+<file path=ppt/notesSlides/notesSlide1.xml><?xml version="1.0" encoding="utf-8"?>
+<p:notes xmlns:a="http://schemas.openxmlformats.org/drawingml/2006/main" xmlns:r="http://schemas.openxmlformats.org/officeDocument/2006/relationships" xmlns:p="http://schemas.openxmlformats.org/presentationml/2006/main">
+  <p:cSld>
+    <p:spTree>
+      <p:nvGrpSpPr>
+        <p:cNvPr id="1" name=""/>
+        <p:cNvGrpSpPr/>
+        <p:nvPr/>
+      </p:nvGrpSpPr>
+      <p:grpSpPr>
+        <a:xfrm>
+          <a:off x="0" y="0"/>
+          <a:ext cx="0" cy="0"/>
+          <a:chOff x="0" y="0"/>
+          <a:chExt cx="0" cy="0"/>
+        </a:xfrm>
+      </p:grpSpPr>
+      <p:sp>
+        <p:nvSpPr>
+          <p:cNvPr id="2" name="슬라이드 이미지 개체 틀 1"/>
+          <p:cNvSpPr>
+            <a:spLocks noGrp="1" noRot="1" noChangeAspect="1"/>
+          </p:cNvSpPr>
+          <p:nvPr>
+            <p:ph type="sldImg"/>
+          </p:nvPr>
+        </p:nvSpPr>
+        <p:spPr/>
+      </p:sp>
+      <p:sp>
+        <p:nvSpPr>
+          <p:cNvPr id="3" name="슬라이드 노트 개체 틀 2"/>
+          <p:cNvSpPr>
+            <a:spLocks noGrp="1"/>
+          </p:cNvSpPr>
+          <p:nvPr>
+            <p:ph type="body" idx="1"/>
+          </p:nvPr>
+        </p:nvSpPr>
+        <p:spPr/>
+        <p:txBody>
+          <a:bodyPr/>
+          <a:lstStyle/>
+          <a:p>
+            <a:endParaRPr lang="ko-KR" altLang="en-US"/>
+          </a:p>
+        </p:txBody>
+      </p:sp>
+      <p:sp>
+        <p:nvSpPr>
+          <p:cNvPr id="4" name="슬라이드 번호 개체 틀 3"/>
+          <p:cNvSpPr>
+            <a:spLocks noGrp="1"/>
+          </p:cNvSpPr>
+          <p:nvPr>
+            <p:ph type="sldNum" sz="quarter" idx="5"/>
+          </p:nvPr>
+        </p:nvSpPr>
+        <p:spPr/>
+        <p:txBody>
+          <a:bodyPr/>
+          <a:lstStyle/>
+          <a:p>
+            <a:fld id="{99F602B7-2836-4C6C-92F2-1290531DB370}" type="slidenum">
+              <a:rPr lang="ko-KR" altLang="en-US" smtClean="0"/>
+              <a:t>1</a:t>
+            </a:fld>
+            <a:endParaRPr lang="ko-KR" altLang="en-US"/>
+          </a:p>
+        </p:txBody>
+      </p:sp>
+    </p:spTree>
+    <p:extLst>
+      <p:ext uri="{BB962C8B-B14F-4D97-AF65-F5344CB8AC3E}">
+        <p14:creationId xmlns:p14="http://schemas.microsoft.com/office/powerpoint/2010/main" val="2507777157"/>
+      </p:ext>
+    </p:extLst>
+  </p:cSld>
+  <p:clrMapOvr>
+    <a:masterClrMapping/>
+  </p:clrMapOvr>
+</p:notes>
+</file>
+
 <file path=ppt/slideLayouts/slideLayout1.xml><?xml version="1.0" encoding="utf-8"?>
 <p:sldLayout xmlns:a="http://schemas.openxmlformats.org/drawingml/2006/main" xmlns:r="http://schemas.openxmlformats.org/officeDocument/2006/relationships" xmlns:p="http://schemas.openxmlformats.org/presentationml/2006/main" matchingName="Title Slide" type="title" preserve="1">
   <p:cSld name="Title Slide">
@@ -339,7 +775,7 @@
               <a:pPr lvl="0">
                 <a:defRPr/>
               </a:pPr>
-              <a:t>8/27/2024</a:t>
+              <a:t>8/28/2024</a:t>
             </a:fld>
             <a:endParaRPr lang="en-US"/>
           </a:p>
@@ -531,7 +967,7 @@
               <a:pPr lvl="0">
                 <a:defRPr/>
               </a:pPr>
-              <a:t>8/27/2024</a:t>
+              <a:t>8/28/2024</a:t>
             </a:fld>
             <a:endParaRPr lang="en-US"/>
           </a:p>
@@ -733,7 +1169,7 @@
               <a:pPr lvl="0">
                 <a:defRPr/>
               </a:pPr>
-              <a:t>8/27/2024</a:t>
+              <a:t>8/28/2024</a:t>
             </a:fld>
             <a:endParaRPr lang="en-US"/>
           </a:p>
@@ -925,7 +1361,7 @@
               <a:pPr lvl="0">
                 <a:defRPr/>
               </a:pPr>
-              <a:t>8/27/2024</a:t>
+              <a:t>8/28/2024</a:t>
             </a:fld>
             <a:endParaRPr lang="en-US"/>
           </a:p>
@@ -1186,7 +1622,7 @@
               <a:pPr lvl="0">
                 <a:defRPr/>
               </a:pPr>
-              <a:t>8/27/2024</a:t>
+              <a:t>8/28/2024</a:t>
             </a:fld>
             <a:endParaRPr lang="en-US"/>
           </a:p>
@@ -1505,7 +1941,7 @@
               <a:pPr lvl="0">
                 <a:defRPr/>
               </a:pPr>
-              <a:t>8/27/2024</a:t>
+              <a:t>8/28/2024</a:t>
             </a:fld>
             <a:endParaRPr lang="en-US"/>
           </a:p>
@@ -1962,7 +2398,7 @@
               <a:pPr lvl="0">
                 <a:defRPr/>
               </a:pPr>
-              <a:t>8/27/2024</a:t>
+              <a:t>8/28/2024</a:t>
             </a:fld>
             <a:endParaRPr lang="en-US"/>
           </a:p>
@@ -2093,7 +2529,7 @@
               <a:pPr lvl="0">
                 <a:defRPr/>
               </a:pPr>
-              <a:t>8/27/2024</a:t>
+              <a:t>8/28/2024</a:t>
             </a:fld>
             <a:endParaRPr lang="en-US"/>
           </a:p>
@@ -2194,7 +2630,7 @@
             <a:fld id="{1D8BD707-D9CF-40AE-B4C6-C98DA3205C09}" type="datetimeFigureOut">
               <a:rPr lang="en-US" smtClean="0"/>
               <a:pPr/>
-              <a:t>8/27/2024</a:t>
+              <a:t>8/28/2024</a:t>
             </a:fld>
             <a:endParaRPr lang="en-US"/>
           </a:p>
@@ -2486,7 +2922,7 @@
               <a:pPr lvl="0">
                 <a:defRPr/>
               </a:pPr>
-              <a:t>8/27/2024</a:t>
+              <a:t>8/28/2024</a:t>
             </a:fld>
             <a:endParaRPr lang="en-US"/>
           </a:p>
@@ -2757,7 +3193,7 @@
               <a:pPr lvl="0">
                 <a:defRPr/>
               </a:pPr>
-              <a:t>8/27/2024</a:t>
+              <a:t>8/28/2024</a:t>
             </a:fld>
             <a:endParaRPr lang="en-US"/>
           </a:p>
@@ -2994,7 +3430,7 @@
               <a:pPr lvl="0">
                 <a:defRPr/>
               </a:pPr>
-              <a:t>8/27/2024</a:t>
+              <a:t>8/28/2024</a:t>
             </a:fld>
             <a:endParaRPr lang="en-US"/>
           </a:p>
@@ -3412,35 +3848,22 @@
               <a:defRPr/>
             </a:pPr>
             <a:r>
-              <a:rPr lang="ko-KR" sz="2800" b="0" i="0" u="none" strike="noStrike">
-                <a:solidFill>
-                  <a:srgbClr val="006BB1"/>
-                </a:solidFill>
-                <a:latin typeface="나눔바른고딕OTF"/>
-                <a:ea typeface="나눔바른고딕OTF"/>
-              </a:rPr>
-              <a:t>조</a:t>
-            </a:r>
-            <a:r>
-              <a:rPr lang="en-US" sz="2800" b="0" i="0" u="none" strike="noStrike">
-                <a:solidFill>
-                  <a:srgbClr val="006BB1"/>
-                </a:solidFill>
-                <a:latin typeface="나눔바른고딕OTF"/>
-                <a:ea typeface="나눔바른고딕OTF"/>
-              </a:rPr>
-              <a:t> </a:t>
-            </a:r>
-            <a:r>
-              <a:rPr lang="ko-KR" sz="2800" b="0" i="0" u="none" strike="noStrike">
-                <a:solidFill>
-                  <a:srgbClr val="006BB1"/>
-                </a:solidFill>
-                <a:latin typeface="나눔바른고딕OTF"/>
-                <a:ea typeface="나눔바른고딕OTF"/>
-              </a:rPr>
-              <a:t>이름</a:t>
-            </a:r>
+              <a:rPr lang="ko-KR" altLang="en-US" sz="2800" dirty="0">
+                <a:solidFill>
+                  <a:srgbClr val="006BB1"/>
+                </a:solidFill>
+                <a:latin typeface="나눔바른고딕OTF"/>
+                <a:ea typeface="나눔바른고딕OTF"/>
+              </a:rPr>
+              <a:t>가성비</a:t>
+            </a:r>
+            <a:endParaRPr lang="ko-KR" sz="2800" b="0" i="0" u="none" strike="noStrike" dirty="0">
+              <a:solidFill>
+                <a:srgbClr val="006BB1"/>
+              </a:solidFill>
+              <a:latin typeface="나눔바른고딕OTF"/>
+              <a:ea typeface="나눔바른고딕OTF"/>
+            </a:endParaRPr>
           </a:p>
         </p:txBody>
       </p:sp>
@@ -3453,7 +3876,7 @@
           <p:nvPr/>
         </p:nvPicPr>
         <p:blipFill rotWithShape="1">
-          <a:blip r:embed="rId2"/>
+          <a:blip r:embed="rId3"/>
           <a:stretch>
             <a:fillRect/>
           </a:stretch>
@@ -3551,7 +3974,7 @@
           <p:nvPr/>
         </p:nvPicPr>
         <p:blipFill rotWithShape="1">
-          <a:blip r:embed="rId3"/>
+          <a:blip r:embed="rId4"/>
           <a:stretch>
             <a:fillRect/>
           </a:stretch>
@@ -3575,7 +3998,7 @@
           <p:nvPr/>
         </p:nvPicPr>
         <p:blipFill rotWithShape="1">
-          <a:blip r:embed="rId4"/>
+          <a:blip r:embed="rId5"/>
           <a:stretch>
             <a:fillRect/>
           </a:stretch>
@@ -3599,7 +4022,7 @@
           <p:nvPr/>
         </p:nvPicPr>
         <p:blipFill rotWithShape="1">
-          <a:blip r:embed="rId5"/>
+          <a:blip r:embed="rId6"/>
           <a:stretch>
             <a:fillRect/>
           </a:stretch>
@@ -3623,7 +4046,7 @@
           <p:nvPr/>
         </p:nvPicPr>
         <p:blipFill rotWithShape="1">
-          <a:blip r:embed="rId6"/>
+          <a:blip r:embed="rId7"/>
           <a:stretch>
             <a:fillRect/>
           </a:stretch>
@@ -3647,7 +4070,7 @@
           <p:nvPr/>
         </p:nvPicPr>
         <p:blipFill rotWithShape="1">
-          <a:blip r:embed="rId6"/>
+          <a:blip r:embed="rId7"/>
           <a:stretch>
             <a:fillRect/>
           </a:stretch>
@@ -3671,7 +4094,7 @@
           <p:nvPr/>
         </p:nvPicPr>
         <p:blipFill rotWithShape="1">
-          <a:blip r:embed="rId7"/>
+          <a:blip r:embed="rId8"/>
           <a:stretch>
             <a:fillRect/>
           </a:stretch>
@@ -3695,7 +4118,7 @@
           <p:nvPr/>
         </p:nvPicPr>
         <p:blipFill rotWithShape="1">
-          <a:blip r:embed="rId8"/>
+          <a:blip r:embed="rId9"/>
           <a:stretch>
             <a:fillRect/>
           </a:stretch>
@@ -3719,7 +4142,7 @@
           <p:nvPr/>
         </p:nvPicPr>
         <p:blipFill rotWithShape="1">
-          <a:blip r:embed="rId8"/>
+          <a:blip r:embed="rId9"/>
           <a:stretch>
             <a:fillRect/>
           </a:stretch>
@@ -3743,7 +4166,7 @@
           <p:nvPr/>
         </p:nvPicPr>
         <p:blipFill rotWithShape="1">
-          <a:blip r:embed="rId7"/>
+          <a:blip r:embed="rId8"/>
           <a:stretch>
             <a:fillRect/>
           </a:stretch>
@@ -3767,7 +4190,7 @@
           <p:nvPr/>
         </p:nvPicPr>
         <p:blipFill rotWithShape="1">
-          <a:blip r:embed="rId9"/>
+          <a:blip r:embed="rId10"/>
           <a:stretch>
             <a:fillRect/>
           </a:stretch>
@@ -3791,7 +4214,7 @@
           <p:nvPr/>
         </p:nvPicPr>
         <p:blipFill rotWithShape="1">
-          <a:blip r:embed="rId10"/>
+          <a:blip r:embed="rId11"/>
           <a:stretch>
             <a:fillRect/>
           </a:stretch>
@@ -3815,7 +4238,7 @@
           <p:nvPr/>
         </p:nvPicPr>
         <p:blipFill rotWithShape="1">
-          <a:blip r:embed="rId11"/>
+          <a:blip r:embed="rId12"/>
           <a:stretch>
             <a:fillRect/>
           </a:stretch>
@@ -3839,7 +4262,7 @@
           <p:nvPr/>
         </p:nvPicPr>
         <p:blipFill rotWithShape="1">
-          <a:blip r:embed="rId12"/>
+          <a:blip r:embed="rId13"/>
           <a:stretch>
             <a:fillRect/>
           </a:stretch>
@@ -3880,7 +4303,7 @@
               <a:defRPr/>
             </a:pPr>
             <a:r>
-              <a:rPr lang="ko-KR" sz="2100" b="0" i="0" u="none" strike="noStrike">
+              <a:rPr lang="ko-KR" sz="2100" b="0" i="0" u="none" strike="noStrike" dirty="0">
                 <a:solidFill>
                   <a:srgbClr val="006BB1"/>
                 </a:solidFill>
@@ -3890,7 +4313,7 @@
               <a:t>플레이데이터</a:t>
             </a:r>
             <a:r>
-              <a:rPr lang="en-US" sz="2100" b="0" i="0" u="none" strike="noStrike">
+              <a:rPr lang="en-US" sz="2100" b="0" i="0" u="none" strike="noStrike" dirty="0">
                 <a:solidFill>
                   <a:srgbClr val="006BB1"/>
                 </a:solidFill>
@@ -3900,7 +4323,7 @@
               <a:t> </a:t>
             </a:r>
             <a:r>
-              <a:rPr lang="ko-KR" sz="2100" b="0" i="0" u="none" strike="noStrike">
+              <a:rPr lang="ko-KR" sz="2100" b="0" i="0" u="none" strike="noStrike" dirty="0">
                 <a:solidFill>
                   <a:srgbClr val="006BB1"/>
                 </a:solidFill>
@@ -3921,7 +4344,7 @@
     <mc:Choice Requires="p14">
       <p:transition/>
     </mc:Choice>
-    <mc:Fallback xmlns:dsp="http://schemas.microsoft.com/office/drawing/2008/diagram" xmlns:dgm="http://schemas.openxmlformats.org/drawingml/2006/diagram" xmlns:c="http://schemas.openxmlformats.org/drawingml/2006/chart" xmlns="">
+    <mc:Fallback xmlns="" xmlns:c="http://schemas.openxmlformats.org/drawingml/2006/chart" xmlns:dgm="http://schemas.openxmlformats.org/drawingml/2006/diagram" xmlns:dsp="http://schemas.microsoft.com/office/drawing/2008/diagram">
       <p:transition/>
     </mc:Fallback>
   </mc:AlternateContent>
@@ -4785,7 +5208,7 @@
     <mc:Choice Requires="p14">
       <p:transition/>
     </mc:Choice>
-    <mc:Fallback xmlns:dsp="http://schemas.microsoft.com/office/drawing/2008/diagram" xmlns:dgm="http://schemas.openxmlformats.org/drawingml/2006/diagram" xmlns:c="http://schemas.openxmlformats.org/drawingml/2006/chart" xmlns="">
+    <mc:Fallback xmlns="" xmlns:c="http://schemas.openxmlformats.org/drawingml/2006/chart" xmlns:dgm="http://schemas.openxmlformats.org/drawingml/2006/diagram" xmlns:dsp="http://schemas.microsoft.com/office/drawing/2008/diagram">
       <p:transition/>
     </mc:Fallback>
   </mc:AlternateContent>
@@ -5123,8 +5546,8 @@
         </p:nvSpPr>
         <p:spPr>
           <a:xfrm>
-            <a:off x="2209800" y="1866900"/>
-            <a:ext cx="8102600" cy="495300"/>
+            <a:off x="2209799" y="1866900"/>
+            <a:ext cx="9880599" cy="495300"/>
           </a:xfrm>
           <a:prstGeom prst="rect">
             <a:avLst/>
@@ -5151,6 +5574,16 @@
               <a:t>Box loss : </a:t>
             </a:r>
             <a:r>
+              <a:rPr lang="ko-KR" altLang="en-US" sz="2800" spc="-100" dirty="0">
+                <a:solidFill>
+                  <a:srgbClr val="006BB1"/>
+                </a:solidFill>
+                <a:latin typeface="나눔바른고딕OTF"/>
+                <a:ea typeface="나눔바른고딕OTF"/>
+              </a:rPr>
+              <a:t>예측</a:t>
+            </a:r>
+            <a:r>
               <a:rPr lang="ko-KR" sz="2800" b="0" i="0" u="none" strike="noStrike" spc="-100" dirty="0">
                 <a:solidFill>
                   <a:srgbClr val="006BB1"/>
@@ -5158,7 +5591,7 @@
                 <a:latin typeface="나눔바른고딕OTF"/>
                 <a:ea typeface="나눔바른고딕OTF"/>
               </a:rPr>
-              <a:t>검출된</a:t>
+              <a:t>된</a:t>
             </a:r>
             <a:r>
               <a:rPr lang="en-US" sz="2800" b="0" i="0" u="none" strike="noStrike" spc="-100" dirty="0">
@@ -5171,17 +5604,37 @@
               <a:t> Bounding Box</a:t>
             </a:r>
             <a:r>
-              <a:rPr lang="ko-KR" sz="2800" b="0" i="0" u="none" strike="noStrike" spc="-100" dirty="0">
-                <a:solidFill>
-                  <a:srgbClr val="006BB1"/>
-                </a:solidFill>
-                <a:latin typeface="나눔바른고딕OTF"/>
-                <a:ea typeface="나눔바른고딕OTF"/>
-              </a:rPr>
-              <a:t>의</a:t>
-            </a:r>
-            <a:r>
-              <a:rPr lang="en-US" sz="2800" b="0" i="0" u="none" strike="noStrike" spc="-100" dirty="0">
+              <a:rPr lang="ko-KR" altLang="en-US" sz="2800" spc="-100" dirty="0">
+                <a:solidFill>
+                  <a:srgbClr val="006BB1"/>
+                </a:solidFill>
+                <a:latin typeface="나눔바른고딕OTF"/>
+                <a:ea typeface="나눔바른고딕OTF"/>
+              </a:rPr>
+              <a:t>와 </a:t>
+            </a:r>
+            <a:r>
+              <a:rPr lang="en-US" altLang="ko-KR" sz="2800" spc="-100" dirty="0">
+                <a:solidFill>
+                  <a:srgbClr val="006BB1"/>
+                </a:solidFill>
+                <a:latin typeface="나눔바른고딕OTF"/>
+                <a:ea typeface="나눔바른고딕OTF"/>
+              </a:rPr>
+              <a:t>Ground true box</a:t>
+            </a:r>
+            <a:r>
+              <a:rPr lang="ko-KR" altLang="en-US" sz="2800" spc="-100" dirty="0">
+                <a:solidFill>
+                  <a:srgbClr val="006BB1"/>
+                </a:solidFill>
+                <a:latin typeface="나눔바른고딕OTF"/>
+                <a:ea typeface="나눔바른고딕OTF"/>
+              </a:rPr>
+              <a:t>와의</a:t>
+            </a:r>
+            <a:r>
+              <a:rPr lang="en-US" altLang="ko-KR" sz="2800" spc="-100" dirty="0">
                 <a:solidFill>
                   <a:srgbClr val="006BB1"/>
                 </a:solidFill>
@@ -5191,47 +5644,7 @@
               <a:t> </a:t>
             </a:r>
             <a:r>
-              <a:rPr lang="ko-KR" sz="2800" b="0" i="0" u="none" strike="noStrike" spc="-100" dirty="0">
-                <a:solidFill>
-                  <a:srgbClr val="006BB1"/>
-                </a:solidFill>
-                <a:latin typeface="나눔바른고딕OTF"/>
-                <a:ea typeface="나눔바른고딕OTF"/>
-              </a:rPr>
-              <a:t>좌표에</a:t>
-            </a:r>
-            <a:r>
-              <a:rPr lang="en-US" sz="2800" b="0" i="0" u="none" strike="noStrike" spc="-100" dirty="0">
-                <a:solidFill>
-                  <a:srgbClr val="006BB1"/>
-                </a:solidFill>
-                <a:latin typeface="나눔바른고딕OTF"/>
-                <a:ea typeface="나눔바른고딕OTF"/>
-              </a:rPr>
-              <a:t> </a:t>
-            </a:r>
-            <a:r>
-              <a:rPr lang="ko-KR" sz="2800" b="0" i="0" u="none" strike="noStrike" spc="-100" dirty="0">
-                <a:solidFill>
-                  <a:srgbClr val="006BB1"/>
-                </a:solidFill>
-                <a:latin typeface="나눔바른고딕OTF"/>
-                <a:ea typeface="나눔바른고딕OTF"/>
-              </a:rPr>
-              <a:t>대한</a:t>
-            </a:r>
-            <a:r>
-              <a:rPr lang="en-US" sz="2800" b="0" i="0" u="none" strike="noStrike" spc="-100" dirty="0">
-                <a:solidFill>
-                  <a:srgbClr val="006BB1"/>
-                </a:solidFill>
-                <a:latin typeface="나눔바른고딕OTF"/>
-                <a:ea typeface="나눔바른고딕OTF"/>
-              </a:rPr>
-              <a:t> </a:t>
-            </a:r>
-            <a:r>
-              <a:rPr lang="ko-KR" sz="2800" b="0" i="0" u="none" strike="noStrike" spc="-100" dirty="0">
+              <a:rPr lang="ko-KR" altLang="en-US" sz="2800" spc="-100" dirty="0">
                 <a:solidFill>
                   <a:srgbClr val="006BB1"/>
                 </a:solidFill>
@@ -5240,16 +5653,13 @@
               </a:rPr>
               <a:t>오차</a:t>
             </a:r>
-            <a:r>
-              <a:rPr lang="en-US" sz="2800" b="0" i="0" u="none" strike="noStrike" spc="-100" dirty="0">
-                <a:solidFill>
-                  <a:srgbClr val="006BB1"/>
-                </a:solidFill>
-                <a:latin typeface="나눔바른고딕OTF"/>
-                <a:ea typeface="나눔바른고딕OTF"/>
-              </a:rPr>
-              <a:t> </a:t>
-            </a:r>
+            <a:endParaRPr lang="en-US" sz="2800" b="0" i="0" u="none" strike="noStrike" spc="-100" dirty="0">
+              <a:solidFill>
+                <a:srgbClr val="006BB1"/>
+              </a:solidFill>
+              <a:latin typeface="나눔바른고딕OTF"/>
+              <a:ea typeface="나눔바른고딕OTF"/>
+            </a:endParaRPr>
           </a:p>
         </p:txBody>
       </p:sp>
@@ -5326,18 +5736,16 @@
         </p:spPr>
       </p:pic>
     </p:spTree>
+    <p:extLst>
+      <p:ext uri="{BB962C8B-B14F-4D97-AF65-F5344CB8AC3E}">
+        <p14:creationId xmlns:p14="http://schemas.microsoft.com/office/powerpoint/2010/main" val="178919271"/>
+      </p:ext>
+    </p:extLst>
   </p:cSld>
   <p:clrMapOvr>
     <a:masterClrMapping/>
   </p:clrMapOvr>
-  <mc:AlternateContent xmlns:mc="http://schemas.openxmlformats.org/markup-compatibility/2006" xmlns:p14="http://schemas.microsoft.com/office/powerpoint/2010/main">
-    <mc:Choice Requires="p14">
-      <p:transition/>
-    </mc:Choice>
-    <mc:Fallback xmlns:dsp="http://schemas.microsoft.com/office/drawing/2008/diagram" xmlns:dgm="http://schemas.openxmlformats.org/drawingml/2006/diagram" xmlns:c="http://schemas.openxmlformats.org/drawingml/2006/chart" xmlns="">
-      <p:transition/>
-    </mc:Fallback>
-  </mc:AlternateContent>
+  <p:transition/>
 </p:sld>
 </file>
 
@@ -5700,34 +6108,34 @@
               <a:t>Class loss : </a:t>
             </a:r>
             <a:r>
-              <a:rPr lang="ko-KR" sz="2800" b="0" i="0" u="none" strike="noStrike" spc="-100" dirty="0">
-                <a:solidFill>
-                  <a:srgbClr val="006BB1"/>
-                </a:solidFill>
-                <a:latin typeface="나눔바른고딕OTF"/>
-                <a:ea typeface="나눔바른고딕OTF"/>
-              </a:rPr>
-              <a:t>예측한</a:t>
-            </a:r>
-            <a:r>
-              <a:rPr lang="en-US" sz="2800" b="0" i="0" u="none" strike="noStrike" spc="-100" dirty="0">
-                <a:solidFill>
-                  <a:srgbClr val="006BB1"/>
-                </a:solidFill>
-                <a:latin typeface="나눔바른고딕OTF"/>
-                <a:ea typeface="나눔바른고딕OTF"/>
-              </a:rPr>
-              <a:t> Class</a:t>
-            </a:r>
-            <a:r>
-              <a:rPr lang="ko-KR" sz="2800" b="0" i="0" u="none" strike="noStrike" spc="-100" dirty="0">
-                <a:solidFill>
-                  <a:srgbClr val="006BB1"/>
-                </a:solidFill>
-                <a:latin typeface="나눔바른고딕OTF"/>
-                <a:ea typeface="나눔바른고딕OTF"/>
-              </a:rPr>
-              <a:t>에</a:t>
+              <a:rPr lang="ko-KR" altLang="en-US" sz="2800" b="0" i="0" u="none" strike="noStrike" spc="-100" dirty="0">
+                <a:solidFill>
+                  <a:srgbClr val="006BB1"/>
+                </a:solidFill>
+                <a:latin typeface="나눔바른고딕OTF"/>
+                <a:ea typeface="나눔바른고딕OTF"/>
+              </a:rPr>
+              <a:t>정답 </a:t>
+            </a:r>
+            <a:r>
+              <a:rPr lang="en-US" altLang="ko-KR" sz="2800" spc="-100" dirty="0">
+                <a:solidFill>
+                  <a:srgbClr val="006BB1"/>
+                </a:solidFill>
+                <a:latin typeface="나눔바른고딕OTF"/>
+                <a:ea typeface="나눔바른고딕OTF"/>
+              </a:rPr>
+              <a:t>Class</a:t>
+            </a:r>
+            <a:r>
+              <a:rPr lang="ko-KR" altLang="en-US" sz="2800" spc="-100" dirty="0">
+                <a:solidFill>
+                  <a:srgbClr val="006BB1"/>
+                </a:solidFill>
+                <a:latin typeface="나눔바른고딕OTF"/>
+                <a:ea typeface="나눔바른고딕OTF"/>
+              </a:rPr>
+              <a:t>로 예측한 확률에</a:t>
             </a:r>
             <a:r>
               <a:rPr lang="en-US" sz="2800" b="0" i="0" u="none" strike="noStrike" spc="-100" dirty="0">
@@ -5853,7 +6261,7 @@
     <mc:Choice Requires="p14">
       <p:transition/>
     </mc:Choice>
-    <mc:Fallback xmlns:dsp="http://schemas.microsoft.com/office/drawing/2008/diagram" xmlns:dgm="http://schemas.openxmlformats.org/drawingml/2006/diagram" xmlns:c="http://schemas.openxmlformats.org/drawingml/2006/chart" xmlns="">
+    <mc:Fallback xmlns="" xmlns:c="http://schemas.openxmlformats.org/drawingml/2006/chart" xmlns:dgm="http://schemas.openxmlformats.org/drawingml/2006/diagram" xmlns:dsp="http://schemas.microsoft.com/office/drawing/2008/diagram">
       <p:transition/>
     </mc:Fallback>
   </mc:AlternateContent>
@@ -6031,6 +6439,26 @@
               <a:defRPr/>
             </a:pPr>
             <a:r>
+              <a:rPr lang="en-US" sz="5000" dirty="0">
+                <a:solidFill>
+                  <a:srgbClr val="006BB1"/>
+                </a:solidFill>
+                <a:latin typeface="나눔바른고딕OTF"/>
+                <a:ea typeface="나눔바른고딕OTF"/>
+              </a:rPr>
+              <a:t>Model3</a:t>
+            </a:r>
+            <a:r>
+              <a:rPr lang="ko-KR" altLang="en-US" sz="5000" dirty="0">
+                <a:solidFill>
+                  <a:srgbClr val="006BB1"/>
+                </a:solidFill>
+                <a:latin typeface="나눔바른고딕OTF"/>
+                <a:ea typeface="나눔바른고딕OTF"/>
+              </a:rPr>
+              <a:t> </a:t>
+            </a:r>
+            <a:r>
               <a:rPr lang="en-US" sz="5000" b="0" i="0" u="none" strike="noStrike" dirty="0">
                 <a:solidFill>
                   <a:srgbClr val="006BB1"/>
@@ -6206,77 +6634,6 @@
           </a:prstGeom>
         </p:spPr>
       </p:pic>
-      <p:sp>
-        <p:nvSpPr>
-          <p:cNvPr id="13" name="TextBox 18">
-            <a:extLst>
-              <a:ext uri="{FF2B5EF4-FFF2-40B4-BE49-F238E27FC236}">
-                <a16:creationId xmlns:a16="http://schemas.microsoft.com/office/drawing/2014/main" id="{C8EBF270-4355-DC8A-C8D1-C673B2D0B3FE}"/>
-              </a:ext>
-            </a:extLst>
-          </p:cNvPr>
-          <p:cNvSpPr txBox="1"/>
-          <p:nvPr/>
-        </p:nvSpPr>
-        <p:spPr>
-          <a:xfrm>
-            <a:off x="1955800" y="1676400"/>
-            <a:ext cx="8102600" cy="495300"/>
-          </a:xfrm>
-          <a:prstGeom prst="rect">
-            <a:avLst/>
-          </a:prstGeom>
-        </p:spPr>
-        <p:txBody>
-          <a:bodyPr lIns="0" tIns="0" rIns="0" bIns="0" anchor="ctr"/>
-          <a:lstStyle/>
-          <a:p>
-            <a:pPr lvl="0" algn="l">
-              <a:lnSpc>
-                <a:spcPct val="149400"/>
-              </a:lnSpc>
-              <a:defRPr/>
-            </a:pPr>
-            <a:r>
-              <a:rPr lang="en-US" altLang="ko-KR" sz="2800" spc="-100" dirty="0">
-                <a:solidFill>
-                  <a:srgbClr val="006BB1"/>
-                </a:solidFill>
-                <a:latin typeface="나눔바른고딕OTF"/>
-                <a:ea typeface="나눔바른고딕OTF"/>
-              </a:rPr>
-              <a:t>Model</a:t>
-            </a:r>
-            <a:r>
-              <a:rPr lang="ko-KR" altLang="en-US" sz="2800" spc="-100" dirty="0">
-                <a:solidFill>
-                  <a:srgbClr val="006BB1"/>
-                </a:solidFill>
-                <a:latin typeface="나눔바른고딕OTF"/>
-                <a:ea typeface="나눔바른고딕OTF"/>
-              </a:rPr>
-              <a:t> </a:t>
-            </a:r>
-            <a:r>
-              <a:rPr lang="en-US" altLang="ko-KR" sz="2800" spc="-100" dirty="0">
-                <a:solidFill>
-                  <a:srgbClr val="006BB1"/>
-                </a:solidFill>
-                <a:latin typeface="나눔바른고딕OTF"/>
-                <a:ea typeface="나눔바른고딕OTF"/>
-              </a:rPr>
-              <a:t>3</a:t>
-            </a:r>
-            <a:endParaRPr lang="ko-KR" sz="2800" b="0" i="0" u="none" strike="noStrike" spc="-100" dirty="0">
-              <a:solidFill>
-                <a:srgbClr val="006BB1"/>
-              </a:solidFill>
-              <a:latin typeface="나눔바른고딕OTF"/>
-              <a:ea typeface="나눔바른고딕OTF"/>
-            </a:endParaRPr>
-          </a:p>
-        </p:txBody>
-      </p:sp>
       <p:sp>
         <p:nvSpPr>
           <p:cNvPr id="14" name="직사각형 13">
@@ -6436,6 +6793,210 @@
           <a:p>
             <a:pPr algn="ctr"/>
             <a:endParaRPr lang="ko-KR" altLang="en-US"/>
+          </a:p>
+        </p:txBody>
+      </p:sp>
+      <p:sp>
+        <p:nvSpPr>
+          <p:cNvPr id="17" name="직사각형 16">
+            <a:extLst>
+              <a:ext uri="{FF2B5EF4-FFF2-40B4-BE49-F238E27FC236}">
+                <a16:creationId xmlns:a16="http://schemas.microsoft.com/office/drawing/2014/main" id="{4CD73876-8350-0E13-94F4-A73AD33FEFA4}"/>
+              </a:ext>
+            </a:extLst>
+          </p:cNvPr>
+          <p:cNvSpPr/>
+          <p:nvPr/>
+        </p:nvSpPr>
+        <p:spPr>
+          <a:xfrm>
+            <a:off x="5354610" y="2642580"/>
+            <a:ext cx="875260" cy="651280"/>
+          </a:xfrm>
+          <a:prstGeom prst="rect">
+            <a:avLst/>
+          </a:prstGeom>
+          <a:solidFill>
+            <a:srgbClr val="08306B"/>
+          </a:solidFill>
+          <a:ln>
+            <a:noFill/>
+          </a:ln>
+        </p:spPr>
+        <p:style>
+          <a:lnRef idx="2">
+            <a:schemeClr val="accent1">
+              <a:shade val="15000"/>
+            </a:schemeClr>
+          </a:lnRef>
+          <a:fillRef idx="1">
+            <a:schemeClr val="accent1"/>
+          </a:fillRef>
+          <a:effectRef idx="0">
+            <a:schemeClr val="accent1"/>
+          </a:effectRef>
+          <a:fontRef idx="minor">
+            <a:schemeClr val="lt1"/>
+          </a:fontRef>
+        </p:style>
+        <p:txBody>
+          <a:bodyPr rtlCol="0" anchor="ctr"/>
+          <a:lstStyle/>
+          <a:p>
+            <a:pPr algn="ctr"/>
+            <a:r>
+              <a:rPr lang="en-US" altLang="ko-KR" sz="2000" dirty="0">
+                <a:solidFill>
+                  <a:schemeClr val="bg1"/>
+                </a:solidFill>
+                <a:latin typeface="나눔바른고딕OTF" panose="02020603020101020101" pitchFamily="18" charset="-127"/>
+                <a:ea typeface="나눔바른고딕OTF" panose="02020603020101020101" pitchFamily="18" charset="-127"/>
+              </a:rPr>
+              <a:t>0.94</a:t>
+            </a:r>
+            <a:endParaRPr lang="ko-KR" altLang="en-US" sz="2000" dirty="0">
+              <a:solidFill>
+                <a:schemeClr val="bg1"/>
+              </a:solidFill>
+              <a:latin typeface="나눔바른고딕OTF" panose="02020603020101020101" pitchFamily="18" charset="-127"/>
+              <a:ea typeface="나눔바른고딕OTF" panose="02020603020101020101" pitchFamily="18" charset="-127"/>
+            </a:endParaRPr>
+          </a:p>
+        </p:txBody>
+      </p:sp>
+      <p:sp>
+        <p:nvSpPr>
+          <p:cNvPr id="18" name="직사각형 17">
+            <a:extLst>
+              <a:ext uri="{FF2B5EF4-FFF2-40B4-BE49-F238E27FC236}">
+                <a16:creationId xmlns:a16="http://schemas.microsoft.com/office/drawing/2014/main" id="{37067490-53F3-D466-73AC-C6D09D1B16C1}"/>
+              </a:ext>
+            </a:extLst>
+          </p:cNvPr>
+          <p:cNvSpPr/>
+          <p:nvPr/>
+        </p:nvSpPr>
+        <p:spPr>
+          <a:xfrm>
+            <a:off x="7262610" y="4589260"/>
+            <a:ext cx="875260" cy="651280"/>
+          </a:xfrm>
+          <a:prstGeom prst="rect">
+            <a:avLst/>
+          </a:prstGeom>
+          <a:solidFill>
+            <a:srgbClr val="08306B"/>
+          </a:solidFill>
+          <a:ln>
+            <a:noFill/>
+          </a:ln>
+        </p:spPr>
+        <p:style>
+          <a:lnRef idx="2">
+            <a:schemeClr val="accent1">
+              <a:shade val="15000"/>
+            </a:schemeClr>
+          </a:lnRef>
+          <a:fillRef idx="1">
+            <a:schemeClr val="accent1"/>
+          </a:fillRef>
+          <a:effectRef idx="0">
+            <a:schemeClr val="accent1"/>
+          </a:effectRef>
+          <a:fontRef idx="minor">
+            <a:schemeClr val="lt1"/>
+          </a:fontRef>
+        </p:style>
+        <p:txBody>
+          <a:bodyPr rtlCol="0" anchor="ctr"/>
+          <a:lstStyle/>
+          <a:p>
+            <a:pPr algn="ctr"/>
+            <a:r>
+              <a:rPr lang="en-US" altLang="ko-KR" sz="2000" dirty="0">
+                <a:solidFill>
+                  <a:schemeClr val="bg1"/>
+                </a:solidFill>
+                <a:latin typeface="나눔바른고딕OTF" panose="02020603020101020101" pitchFamily="18" charset="-127"/>
+                <a:ea typeface="나눔바른고딕OTF" panose="02020603020101020101" pitchFamily="18" charset="-127"/>
+              </a:rPr>
+              <a:t>0.94</a:t>
+            </a:r>
+            <a:endParaRPr lang="ko-KR" altLang="en-US" sz="2000" dirty="0">
+              <a:solidFill>
+                <a:schemeClr val="bg1"/>
+              </a:solidFill>
+              <a:latin typeface="나눔바른고딕OTF" panose="02020603020101020101" pitchFamily="18" charset="-127"/>
+              <a:ea typeface="나눔바른고딕OTF" panose="02020603020101020101" pitchFamily="18" charset="-127"/>
+            </a:endParaRPr>
+          </a:p>
+        </p:txBody>
+      </p:sp>
+      <p:sp>
+        <p:nvSpPr>
+          <p:cNvPr id="19" name="직사각형 18">
+            <a:extLst>
+              <a:ext uri="{FF2B5EF4-FFF2-40B4-BE49-F238E27FC236}">
+                <a16:creationId xmlns:a16="http://schemas.microsoft.com/office/drawing/2014/main" id="{2EBB95FC-33B5-390E-80CA-C465081ADF1D}"/>
+              </a:ext>
+            </a:extLst>
+          </p:cNvPr>
+          <p:cNvSpPr/>
+          <p:nvPr/>
+        </p:nvSpPr>
+        <p:spPr>
+          <a:xfrm>
+            <a:off x="9170610" y="6497260"/>
+            <a:ext cx="875260" cy="651280"/>
+          </a:xfrm>
+          <a:prstGeom prst="rect">
+            <a:avLst/>
+          </a:prstGeom>
+          <a:solidFill>
+            <a:srgbClr val="083370"/>
+          </a:solidFill>
+          <a:ln>
+            <a:noFill/>
+          </a:ln>
+        </p:spPr>
+        <p:style>
+          <a:lnRef idx="2">
+            <a:schemeClr val="accent1">
+              <a:shade val="15000"/>
+            </a:schemeClr>
+          </a:lnRef>
+          <a:fillRef idx="1">
+            <a:schemeClr val="accent1"/>
+          </a:fillRef>
+          <a:effectRef idx="0">
+            <a:schemeClr val="accent1"/>
+          </a:effectRef>
+          <a:fontRef idx="minor">
+            <a:schemeClr val="lt1"/>
+          </a:fontRef>
+        </p:style>
+        <p:txBody>
+          <a:bodyPr rtlCol="0" anchor="ctr"/>
+          <a:lstStyle/>
+          <a:p>
+            <a:pPr algn="ctr"/>
+            <a:r>
+              <a:rPr lang="en-US" altLang="ko-KR" sz="2000" dirty="0">
+                <a:solidFill>
+                  <a:schemeClr val="bg1"/>
+                </a:solidFill>
+                <a:latin typeface="나눔바른고딕OTF" panose="02020603020101020101" pitchFamily="18" charset="-127"/>
+                <a:ea typeface="나눔바른고딕OTF" panose="02020603020101020101" pitchFamily="18" charset="-127"/>
+              </a:rPr>
+              <a:t>0.93</a:t>
+            </a:r>
+            <a:endParaRPr lang="ko-KR" altLang="en-US" sz="2000" dirty="0">
+              <a:solidFill>
+                <a:schemeClr val="bg1"/>
+              </a:solidFill>
+              <a:latin typeface="나눔바른고딕OTF" panose="02020603020101020101" pitchFamily="18" charset="-127"/>
+              <a:ea typeface="나눔바른고딕OTF" panose="02020603020101020101" pitchFamily="18" charset="-127"/>
+            </a:endParaRPr>
           </a:p>
         </p:txBody>
       </p:sp>
@@ -6772,7 +7333,7 @@
         </p:nvGrpSpPr>
         <p:grpSpPr>
           <a:xfrm>
-            <a:off x="504000" y="2552700"/>
+            <a:off x="504000" y="3345900"/>
             <a:ext cx="17280000" cy="5760000"/>
             <a:chOff x="712004" y="2718068"/>
             <a:chExt cx="16458396" cy="5486132"/>
@@ -6851,6 +7412,226 @@
           </p:spPr>
         </p:pic>
       </p:grpSp>
+      <p:sp>
+        <p:nvSpPr>
+          <p:cNvPr id="13" name="TextBox 16">
+            <a:extLst>
+              <a:ext uri="{FF2B5EF4-FFF2-40B4-BE49-F238E27FC236}">
+                <a16:creationId xmlns:a16="http://schemas.microsoft.com/office/drawing/2014/main" id="{74BADADD-84DD-E600-0E6C-A306EDA81F7E}"/>
+              </a:ext>
+            </a:extLst>
+          </p:cNvPr>
+          <p:cNvSpPr txBox="1"/>
+          <p:nvPr/>
+        </p:nvSpPr>
+        <p:spPr>
+          <a:xfrm>
+            <a:off x="2209799" y="1866900"/>
+            <a:ext cx="10515601" cy="1549400"/>
+          </a:xfrm>
+          <a:prstGeom prst="rect">
+            <a:avLst/>
+          </a:prstGeom>
+        </p:spPr>
+        <p:txBody>
+          <a:bodyPr lIns="0" tIns="0" rIns="0" bIns="0" anchor="t"/>
+          <a:lstStyle/>
+          <a:p>
+            <a:pPr lvl="0" algn="l">
+              <a:lnSpc>
+                <a:spcPct val="149400"/>
+              </a:lnSpc>
+              <a:defRPr/>
+            </a:pPr>
+            <a:r>
+              <a:rPr lang="en-US" sz="2800" b="0" i="0" u="none" strike="noStrike" spc="-100" dirty="0">
+                <a:solidFill>
+                  <a:srgbClr val="006BB1"/>
+                </a:solidFill>
+                <a:latin typeface="나눔바른고딕OTF"/>
+                <a:ea typeface="나눔바른고딕OTF"/>
+              </a:rPr>
+              <a:t>Precision(</a:t>
+            </a:r>
+            <a:r>
+              <a:rPr lang="ko-KR" altLang="en-US" sz="2800" b="0" i="0" u="none" strike="noStrike" spc="-100" dirty="0">
+                <a:solidFill>
+                  <a:srgbClr val="006BB1"/>
+                </a:solidFill>
+                <a:latin typeface="나눔바른고딕OTF"/>
+                <a:ea typeface="나눔바른고딕OTF"/>
+              </a:rPr>
+              <a:t>정밀도</a:t>
+            </a:r>
+            <a:r>
+              <a:rPr lang="en-US" altLang="ko-KR" sz="2800" b="0" i="0" u="none" strike="noStrike" spc="-100" dirty="0">
+                <a:solidFill>
+                  <a:srgbClr val="006BB1"/>
+                </a:solidFill>
+                <a:latin typeface="나눔바른고딕OTF"/>
+                <a:ea typeface="나눔바른고딕OTF"/>
+              </a:rPr>
+              <a:t>)</a:t>
+            </a:r>
+            <a:r>
+              <a:rPr lang="en-US" sz="2800" b="0" i="0" u="none" strike="noStrike" spc="-100" dirty="0">
+                <a:solidFill>
+                  <a:srgbClr val="006BB1"/>
+                </a:solidFill>
+                <a:latin typeface="나눔바른고딕OTF"/>
+                <a:ea typeface="나눔바른고딕OTF"/>
+              </a:rPr>
+              <a:t> : </a:t>
+            </a:r>
+            <a:r>
+              <a:rPr lang="ko-KR" altLang="en-US" sz="2800" b="0" i="0" u="none" strike="noStrike" spc="-100" dirty="0">
+                <a:solidFill>
+                  <a:srgbClr val="006BB1"/>
+                </a:solidFill>
+                <a:latin typeface="나눔바른고딕OTF"/>
+                <a:ea typeface="나눔바른고딕OTF"/>
+              </a:rPr>
+              <a:t>모델이 </a:t>
+            </a:r>
+            <a:r>
+              <a:rPr lang="en-US" altLang="ko-KR" sz="2800" b="0" i="0" u="none" strike="noStrike" spc="-100" dirty="0">
+                <a:solidFill>
+                  <a:srgbClr val="006BB1"/>
+                </a:solidFill>
+                <a:latin typeface="나눔바른고딕OTF"/>
+                <a:ea typeface="나눔바른고딕OTF"/>
+              </a:rPr>
+              <a:t>True</a:t>
+            </a:r>
+            <a:r>
+              <a:rPr lang="ko-KR" altLang="en-US" sz="2800" b="0" i="0" u="none" strike="noStrike" spc="-100" dirty="0">
+                <a:solidFill>
+                  <a:srgbClr val="006BB1"/>
+                </a:solidFill>
+                <a:latin typeface="나눔바른고딕OTF"/>
+                <a:ea typeface="나눔바른고딕OTF"/>
+              </a:rPr>
+              <a:t>라고 예측한 것 중 실제 </a:t>
+            </a:r>
+            <a:r>
+              <a:rPr lang="en-US" altLang="ko-KR" sz="2800" b="0" i="0" u="none" strike="noStrike" spc="-100" dirty="0">
+                <a:solidFill>
+                  <a:srgbClr val="006BB1"/>
+                </a:solidFill>
+                <a:latin typeface="나눔바른고딕OTF"/>
+                <a:ea typeface="나눔바른고딕OTF"/>
+              </a:rPr>
+              <a:t>True</a:t>
+            </a:r>
+            <a:r>
+              <a:rPr lang="ko-KR" altLang="en-US" sz="2800" b="0" i="0" u="none" strike="noStrike" spc="-100" dirty="0">
+                <a:solidFill>
+                  <a:srgbClr val="006BB1"/>
+                </a:solidFill>
+                <a:latin typeface="나눔바른고딕OTF"/>
+                <a:ea typeface="나눔바른고딕OTF"/>
+              </a:rPr>
+              <a:t>인 비율</a:t>
+            </a:r>
+            <a:br>
+              <a:rPr lang="en-US" altLang="ko-KR" sz="2800" spc="-100" dirty="0">
+                <a:solidFill>
+                  <a:srgbClr val="006BB1"/>
+                </a:solidFill>
+                <a:latin typeface="나눔바른고딕OTF"/>
+                <a:ea typeface="나눔바른고딕OTF"/>
+              </a:rPr>
+            </a:br>
+            <a:r>
+              <a:rPr lang="en-US" altLang="ko-KR" sz="2800" spc="-100" dirty="0">
+                <a:solidFill>
+                  <a:srgbClr val="006BB1"/>
+                </a:solidFill>
+                <a:latin typeface="나눔바른고딕OTF"/>
+                <a:ea typeface="나눔바른고딕OTF"/>
+              </a:rPr>
+              <a:t>Recall(</a:t>
+            </a:r>
+            <a:r>
+              <a:rPr lang="ko-KR" altLang="en-US" sz="2800" spc="-100" dirty="0" err="1">
+                <a:solidFill>
+                  <a:srgbClr val="006BB1"/>
+                </a:solidFill>
+                <a:latin typeface="나눔바른고딕OTF"/>
+                <a:ea typeface="나눔바른고딕OTF"/>
+              </a:rPr>
+              <a:t>재현율</a:t>
+            </a:r>
+            <a:r>
+              <a:rPr lang="en-US" altLang="ko-KR" sz="2800" spc="-100" dirty="0">
+                <a:solidFill>
+                  <a:srgbClr val="006BB1"/>
+                </a:solidFill>
+                <a:latin typeface="나눔바른고딕OTF"/>
+                <a:ea typeface="나눔바른고딕OTF"/>
+              </a:rPr>
+              <a:t>) : </a:t>
+            </a:r>
+            <a:r>
+              <a:rPr lang="ko-KR" altLang="en-US" sz="2800" spc="-100" dirty="0">
+                <a:solidFill>
+                  <a:srgbClr val="006BB1"/>
+                </a:solidFill>
+                <a:latin typeface="나눔바른고딕OTF"/>
+                <a:ea typeface="나눔바른고딕OTF"/>
+              </a:rPr>
+              <a:t>실제 </a:t>
+            </a:r>
+            <a:r>
+              <a:rPr lang="en-US" altLang="ko-KR" sz="2800" spc="-100" dirty="0">
+                <a:solidFill>
+                  <a:srgbClr val="006BB1"/>
+                </a:solidFill>
+                <a:latin typeface="나눔바른고딕OTF"/>
+                <a:ea typeface="나눔바른고딕OTF"/>
+              </a:rPr>
+              <a:t>True</a:t>
+            </a:r>
+            <a:r>
+              <a:rPr lang="ko-KR" altLang="en-US" sz="2800" spc="-100" dirty="0">
+                <a:solidFill>
+                  <a:srgbClr val="006BB1"/>
+                </a:solidFill>
+                <a:latin typeface="나눔바른고딕OTF"/>
+                <a:ea typeface="나눔바른고딕OTF"/>
+              </a:rPr>
+              <a:t>값 중 모델이 </a:t>
+            </a:r>
+            <a:r>
+              <a:rPr lang="en-US" altLang="ko-KR" sz="2800" spc="-100" dirty="0">
+                <a:solidFill>
+                  <a:srgbClr val="006BB1"/>
+                </a:solidFill>
+                <a:latin typeface="나눔바른고딕OTF"/>
+                <a:ea typeface="나눔바른고딕OTF"/>
+              </a:rPr>
+              <a:t>True</a:t>
+            </a:r>
+            <a:r>
+              <a:rPr lang="ko-KR" altLang="en-US" sz="2800" spc="-100" dirty="0">
+                <a:solidFill>
+                  <a:srgbClr val="006BB1"/>
+                </a:solidFill>
+                <a:latin typeface="나눔바른고딕OTF"/>
+                <a:ea typeface="나눔바른고딕OTF"/>
+              </a:rPr>
+              <a:t>로 예측한 비율</a:t>
+            </a:r>
+            <a:endParaRPr lang="en-US" sz="2800" b="0" i="0" u="none" strike="noStrike" spc="-100" dirty="0">
+              <a:solidFill>
+                <a:srgbClr val="006BB1"/>
+              </a:solidFill>
+              <a:latin typeface="나눔바른고딕OTF"/>
+              <a:ea typeface="나눔바른고딕OTF"/>
+            </a:endParaRPr>
+          </a:p>
+        </p:txBody>
+      </p:sp>
     </p:spTree>
   </p:cSld>
   <p:clrMapOvr>
@@ -6860,7 +7641,7 @@
     <mc:Choice Requires="p14">
       <p:transition/>
     </mc:Choice>
-    <mc:Fallback xmlns:dsp="http://schemas.microsoft.com/office/drawing/2008/diagram" xmlns:dgm="http://schemas.openxmlformats.org/drawingml/2006/diagram" xmlns:c="http://schemas.openxmlformats.org/drawingml/2006/chart" xmlns="">
+    <mc:Fallback xmlns="" xmlns:c="http://schemas.openxmlformats.org/drawingml/2006/chart" xmlns:dgm="http://schemas.openxmlformats.org/drawingml/2006/diagram" xmlns:dsp="http://schemas.microsoft.com/office/drawing/2008/diagram">
       <p:transition/>
     </mc:Fallback>
   </mc:AlternateContent>
@@ -7346,8 +8127,8 @@
         </p:nvSpPr>
         <p:spPr>
           <a:xfrm>
-            <a:off x="2209800" y="1866900"/>
-            <a:ext cx="10668000" cy="495300"/>
+            <a:off x="2209799" y="1866900"/>
+            <a:ext cx="13360397" cy="495300"/>
           </a:xfrm>
           <a:prstGeom prst="rect">
             <a:avLst/>
@@ -7364,17 +8145,57 @@
               <a:defRPr/>
             </a:pPr>
             <a:r>
-              <a:rPr lang="ko-KR" altLang="en-US" sz="2800" b="0" i="0" u="none" strike="noStrike" spc="-100" dirty="0">
-                <a:solidFill>
-                  <a:srgbClr val="006BB1"/>
-                </a:solidFill>
-                <a:latin typeface="나눔바른고딕OTF"/>
-                <a:ea typeface="나눔바른고딕OTF"/>
-              </a:rPr>
-              <a:t>실 사용에서는 </a:t>
-            </a:r>
-            <a:r>
-              <a:rPr lang="en-US" altLang="ko-KR" sz="2800" b="0" i="0" u="none" strike="noStrike" spc="-100" dirty="0">
+              <a:rPr lang="en-US" altLang="ko-KR" sz="2800" spc="-100" dirty="0">
+                <a:solidFill>
+                  <a:srgbClr val="006BB1"/>
+                </a:solidFill>
+                <a:latin typeface="나눔바른고딕OTF"/>
+                <a:ea typeface="나눔바른고딕OTF"/>
+              </a:rPr>
+              <a:t>0.4</a:t>
+            </a:r>
+            <a:r>
+              <a:rPr lang="ko-KR" altLang="en-US" sz="2800" spc="-100" dirty="0">
+                <a:solidFill>
+                  <a:srgbClr val="006BB1"/>
+                </a:solidFill>
+                <a:latin typeface="나눔바른고딕OTF"/>
+                <a:ea typeface="나눔바른고딕OTF"/>
+              </a:rPr>
+              <a:t>가 </a:t>
+            </a:r>
+            <a:r>
+              <a:rPr lang="ko-KR" altLang="en-US" sz="2800" spc="-100" dirty="0" err="1">
+                <a:solidFill>
+                  <a:srgbClr val="006BB1"/>
+                </a:solidFill>
+                <a:latin typeface="나눔바른고딕OTF"/>
+                <a:ea typeface="나눔바른고딕OTF"/>
+              </a:rPr>
+              <a:t>최적값</a:t>
+            </a:r>
+            <a:r>
+              <a:rPr lang="en-US" altLang="ko-KR" sz="2800" spc="-100" dirty="0">
+                <a:solidFill>
+                  <a:srgbClr val="006BB1"/>
+                </a:solidFill>
+                <a:latin typeface="나눔바른고딕OTF"/>
+                <a:ea typeface="나눔바른고딕OTF"/>
+              </a:rPr>
+              <a:t>, </a:t>
+            </a:r>
+            <a:r>
+              <a:rPr lang="ko-KR" altLang="en-US" sz="2800" spc="-100" dirty="0">
+                <a:solidFill>
+                  <a:srgbClr val="006BB1"/>
+                </a:solidFill>
+                <a:latin typeface="나눔바른고딕OTF"/>
+                <a:ea typeface="나눔바른고딕OTF"/>
+              </a:rPr>
+              <a:t>하지만 실사용에서는 </a:t>
+            </a:r>
+            <a:r>
+              <a:rPr lang="en-US" altLang="ko-KR" sz="2800" spc="-100" dirty="0">
                 <a:solidFill>
                   <a:srgbClr val="006BB1"/>
                 </a:solidFill>
@@ -7384,7 +8205,7 @@
               <a:t>recall</a:t>
             </a:r>
             <a:r>
-              <a:rPr lang="ko-KR" altLang="en-US" sz="2800" b="0" i="0" u="none" strike="noStrike" spc="-100" dirty="0">
+              <a:rPr lang="ko-KR" altLang="en-US" sz="2800" spc="-100" dirty="0">
                 <a:solidFill>
                   <a:srgbClr val="006BB1"/>
                 </a:solidFill>
@@ -7394,7 +8215,7 @@
               <a:t>이 높은 것이 유리하다고 판단하여 </a:t>
             </a:r>
             <a:r>
-              <a:rPr lang="en-US" altLang="ko-KR" sz="2800" b="0" i="0" u="none" strike="noStrike" spc="-100" dirty="0">
+              <a:rPr lang="en-US" altLang="ko-KR" sz="2800" spc="-100" dirty="0">
                 <a:solidFill>
                   <a:srgbClr val="006BB1"/>
                 </a:solidFill>
@@ -7404,14 +8225,14 @@
               <a:t>0.3</a:t>
             </a:r>
             <a:r>
-              <a:rPr lang="ko-KR" altLang="en-US" sz="2800" b="0" i="0" u="none" strike="noStrike" spc="-100" dirty="0">
-                <a:solidFill>
-                  <a:srgbClr val="006BB1"/>
-                </a:solidFill>
-                <a:latin typeface="나눔바른고딕OTF"/>
-                <a:ea typeface="나눔바른고딕OTF"/>
-              </a:rPr>
-              <a:t>을 선택</a:t>
+              <a:rPr lang="ko-KR" altLang="en-US" sz="2800" spc="-100" dirty="0">
+                <a:solidFill>
+                  <a:srgbClr val="006BB1"/>
+                </a:solidFill>
+                <a:latin typeface="나눔바른고딕OTF"/>
+                <a:ea typeface="나눔바른고딕OTF"/>
+              </a:rPr>
+              <a:t>으로 선택</a:t>
             </a:r>
             <a:endParaRPr lang="ko-KR" sz="2800" b="0" i="0" u="none" strike="noStrike" spc="-100" dirty="0">
               <a:solidFill>
@@ -7740,168 +8561,6 @@
           </a:prstGeom>
         </p:spPr>
       </p:pic>
-      <p:grpSp>
-        <p:nvGrpSpPr>
-          <p:cNvPr id="14" name="그룹 13">
-            <a:extLst>
-              <a:ext uri="{FF2B5EF4-FFF2-40B4-BE49-F238E27FC236}">
-                <a16:creationId xmlns:a16="http://schemas.microsoft.com/office/drawing/2014/main" id="{CCF25219-1DD7-7B6C-1A39-FEFF33C72362}"/>
-              </a:ext>
-            </a:extLst>
-          </p:cNvPr>
-          <p:cNvGrpSpPr>
-            <a:grpSpLocks noChangeAspect="1"/>
-          </p:cNvGrpSpPr>
-          <p:nvPr/>
-        </p:nvGrpSpPr>
-        <p:grpSpPr>
-          <a:xfrm>
-            <a:off x="3744000" y="2571200"/>
-            <a:ext cx="10800000" cy="7200000"/>
-            <a:chOff x="5105400" y="2571200"/>
-            <a:chExt cx="8640000" cy="5760000"/>
-          </a:xfrm>
-        </p:grpSpPr>
-        <p:pic>
-          <p:nvPicPr>
-            <p:cNvPr id="18" name="그림 17">
-              <a:extLst>
-                <a:ext uri="{FF2B5EF4-FFF2-40B4-BE49-F238E27FC236}">
-                  <a16:creationId xmlns:a16="http://schemas.microsoft.com/office/drawing/2014/main" id="{276F965D-3849-EF81-0EB0-7A35FD097648}"/>
-                </a:ext>
-              </a:extLst>
-            </p:cNvPr>
-            <p:cNvPicPr>
-              <a:picLocks noChangeAspect="1"/>
-            </p:cNvPicPr>
-            <p:nvPr/>
-          </p:nvPicPr>
-          <p:blipFill>
-            <a:blip r:embed="rId9">
-              <a:extLst>
-                <a:ext uri="{28A0092B-C50C-407E-A947-70E740481C1C}">
-                  <a14:useLocalDpi xmlns:a14="http://schemas.microsoft.com/office/drawing/2010/main" val="0"/>
-                </a:ext>
-              </a:extLst>
-            </a:blip>
-            <a:stretch>
-              <a:fillRect/>
-            </a:stretch>
-          </p:blipFill>
-          <p:spPr>
-            <a:xfrm>
-              <a:off x="5105400" y="2571200"/>
-              <a:ext cx="8640000" cy="5760000"/>
-            </a:xfrm>
-            <a:prstGeom prst="rect">
-              <a:avLst/>
-            </a:prstGeom>
-            <a:noFill/>
-          </p:spPr>
-        </p:pic>
-        <p:sp>
-          <p:nvSpPr>
-            <p:cNvPr id="13" name="직사각형 12">
-              <a:extLst>
-                <a:ext uri="{FF2B5EF4-FFF2-40B4-BE49-F238E27FC236}">
-                  <a16:creationId xmlns:a16="http://schemas.microsoft.com/office/drawing/2014/main" id="{67C7A976-CFFA-B9B2-EC6E-0EA0B521E7C5}"/>
-                </a:ext>
-              </a:extLst>
-            </p:cNvPr>
-            <p:cNvSpPr/>
-            <p:nvPr/>
-          </p:nvSpPr>
-          <p:spPr>
-            <a:xfrm>
-              <a:off x="5105400" y="2571200"/>
-              <a:ext cx="8640000" cy="5760000"/>
-            </a:xfrm>
-            <a:prstGeom prst="rect">
-              <a:avLst/>
-            </a:prstGeom>
-            <a:blipFill dpi="0" rotWithShape="1">
-              <a:blip r:embed="rId10">
-                <a:alphaModFix amt="50000"/>
-              </a:blip>
-              <a:srcRect/>
-              <a:stretch>
-                <a:fillRect/>
-              </a:stretch>
-            </a:blipFill>
-            <a:ln>
-              <a:noFill/>
-            </a:ln>
-          </p:spPr>
-          <p:style>
-            <a:lnRef idx="2">
-              <a:schemeClr val="accent1">
-                <a:shade val="15000"/>
-              </a:schemeClr>
-            </a:lnRef>
-            <a:fillRef idx="1">
-              <a:schemeClr val="accent1"/>
-            </a:fillRef>
-            <a:effectRef idx="0">
-              <a:schemeClr val="accent1"/>
-            </a:effectRef>
-            <a:fontRef idx="minor">
-              <a:schemeClr val="lt1"/>
-            </a:fontRef>
-          </p:style>
-          <p:txBody>
-            <a:bodyPr rtlCol="0" anchor="ctr"/>
-            <a:lstStyle/>
-            <a:p>
-              <a:pPr algn="ctr"/>
-              <a:endParaRPr lang="ko-KR" altLang="en-US" dirty="0"/>
-            </a:p>
-          </p:txBody>
-        </p:sp>
-      </p:grpSp>
-      <p:cxnSp>
-        <p:nvCxnSpPr>
-          <p:cNvPr id="15" name="직선 연결선 14">
-            <a:extLst>
-              <a:ext uri="{FF2B5EF4-FFF2-40B4-BE49-F238E27FC236}">
-                <a16:creationId xmlns:a16="http://schemas.microsoft.com/office/drawing/2014/main" id="{D751D96E-7AC4-1166-DD81-F002B43B6E2F}"/>
-              </a:ext>
-            </a:extLst>
-          </p:cNvPr>
-          <p:cNvCxnSpPr>
-            <a:cxnSpLocks/>
-          </p:cNvCxnSpPr>
-          <p:nvPr/>
-        </p:nvCxnSpPr>
-        <p:spPr>
-          <a:xfrm flipV="1">
-            <a:off x="7162800" y="3543300"/>
-            <a:ext cx="0" cy="5511800"/>
-          </a:xfrm>
-          <a:prstGeom prst="line">
-            <a:avLst/>
-          </a:prstGeom>
-          <a:ln w="63500">
-            <a:solidFill>
-              <a:srgbClr val="FF0000"/>
-            </a:solidFill>
-            <a:prstDash val="sysDash"/>
-          </a:ln>
-        </p:spPr>
-        <p:style>
-          <a:lnRef idx="1">
-            <a:schemeClr val="accent2"/>
-          </a:lnRef>
-          <a:fillRef idx="0">
-            <a:schemeClr val="accent2"/>
-          </a:fillRef>
-          <a:effectRef idx="0">
-            <a:schemeClr val="accent2"/>
-          </a:effectRef>
-          <a:fontRef idx="minor">
-            <a:schemeClr val="tx1"/>
-          </a:fontRef>
-        </p:style>
-      </p:cxnSp>
       <p:sp>
         <p:nvSpPr>
           <p:cNvPr id="16" name="TextBox 18">
@@ -7934,54 +8593,34 @@
               <a:defRPr/>
             </a:pPr>
             <a:r>
-              <a:rPr lang="ko-KR" altLang="en-US" sz="2800" b="0" i="0" u="none" strike="noStrike" spc="-100" dirty="0">
-                <a:solidFill>
-                  <a:srgbClr val="006BB1"/>
-                </a:solidFill>
-                <a:latin typeface="나눔바른고딕OTF"/>
-                <a:ea typeface="나눔바른고딕OTF"/>
-              </a:rPr>
-              <a:t>실 사용에서는 </a:t>
-            </a:r>
-            <a:r>
-              <a:rPr lang="en-US" altLang="ko-KR" sz="2800" b="0" i="0" u="none" strike="noStrike" spc="-100" dirty="0">
-                <a:solidFill>
-                  <a:srgbClr val="006BB1"/>
-                </a:solidFill>
-                <a:latin typeface="나눔바른고딕OTF"/>
-                <a:ea typeface="나눔바른고딕OTF"/>
-              </a:rPr>
-              <a:t>recall</a:t>
-            </a:r>
-            <a:r>
-              <a:rPr lang="ko-KR" altLang="en-US" sz="2800" b="0" i="0" u="none" strike="noStrike" spc="-100" dirty="0">
-                <a:solidFill>
-                  <a:srgbClr val="006BB1"/>
-                </a:solidFill>
-                <a:latin typeface="나눔바른고딕OTF"/>
-                <a:ea typeface="나눔바른고딕OTF"/>
-              </a:rPr>
-              <a:t>이 높은 것이 유리하다고 판단하여 </a:t>
-            </a:r>
-            <a:r>
-              <a:rPr lang="en-US" altLang="ko-KR" sz="2800" b="0" i="0" u="none" strike="noStrike" spc="-100" dirty="0">
-                <a:solidFill>
-                  <a:srgbClr val="006BB1"/>
-                </a:solidFill>
-                <a:latin typeface="나눔바른고딕OTF"/>
-                <a:ea typeface="나눔바른고딕OTF"/>
-              </a:rPr>
-              <a:t>0.3</a:t>
-            </a:r>
-            <a:r>
-              <a:rPr lang="ko-KR" altLang="en-US" sz="2800" b="0" i="0" u="none" strike="noStrike" spc="-100" dirty="0">
-                <a:solidFill>
-                  <a:srgbClr val="006BB1"/>
-                </a:solidFill>
-                <a:latin typeface="나눔바른고딕OTF"/>
-                <a:ea typeface="나눔바른고딕OTF"/>
-              </a:rPr>
-              <a:t>을 선택</a:t>
+              <a:rPr lang="ko-KR" altLang="en-US" sz="2800" spc="-100" dirty="0">
+                <a:solidFill>
+                  <a:srgbClr val="006BB1"/>
+                </a:solidFill>
+                <a:latin typeface="나눔바른고딕OTF"/>
+                <a:ea typeface="나눔바른고딕OTF"/>
+              </a:rPr>
+              <a:t>선택된 영역은 사용자에게 제시되고</a:t>
+            </a:r>
+            <a:r>
+              <a:rPr lang="en-US" altLang="ko-KR" sz="2800" spc="-100" dirty="0">
+                <a:solidFill>
+                  <a:srgbClr val="006BB1"/>
+                </a:solidFill>
+                <a:latin typeface="나눔바른고딕OTF"/>
+                <a:ea typeface="나눔바른고딕OTF"/>
+              </a:rPr>
+              <a:t>, </a:t>
+            </a:r>
+            <a:r>
+              <a:rPr lang="ko-KR" altLang="en-US" sz="2800" spc="-100" dirty="0">
+                <a:solidFill>
+                  <a:srgbClr val="006BB1"/>
+                </a:solidFill>
+                <a:latin typeface="나눔바른고딕OTF"/>
+                <a:ea typeface="나눔바른고딕OTF"/>
+              </a:rPr>
+              <a:t>사용자가 선택할 수 있기 때문</a:t>
             </a:r>
             <a:endParaRPr lang="ko-KR" sz="2800" b="0" i="0" u="none" strike="noStrike" spc="-100" dirty="0">
               <a:solidFill>
@@ -7990,6 +8629,314 @@
               <a:latin typeface="나눔바른고딕OTF"/>
               <a:ea typeface="나눔바른고딕OTF"/>
             </a:endParaRPr>
+          </a:p>
+        </p:txBody>
+      </p:sp>
+      <p:pic>
+        <p:nvPicPr>
+          <p:cNvPr id="19" name="그림 18">
+            <a:extLst>
+              <a:ext uri="{FF2B5EF4-FFF2-40B4-BE49-F238E27FC236}">
+                <a16:creationId xmlns:a16="http://schemas.microsoft.com/office/drawing/2014/main" id="{150D1192-1948-6DB9-90E5-C2CE1FDF88D2}"/>
+              </a:ext>
+            </a:extLst>
+          </p:cNvPr>
+          <p:cNvPicPr>
+            <a:picLocks noChangeAspect="1"/>
+          </p:cNvPicPr>
+          <p:nvPr/>
+        </p:nvPicPr>
+        <p:blipFill>
+          <a:blip r:embed="rId9">
+            <a:extLst>
+              <a:ext uri="{28A0092B-C50C-407E-A947-70E740481C1C}">
+                <a14:useLocalDpi xmlns:a14="http://schemas.microsoft.com/office/drawing/2010/main" val="0"/>
+              </a:ext>
+            </a:extLst>
+          </a:blip>
+          <a:stretch>
+            <a:fillRect/>
+          </a:stretch>
+        </p:blipFill>
+        <p:spPr>
+          <a:xfrm>
+            <a:off x="3750001" y="3086100"/>
+            <a:ext cx="4799999" cy="5760000"/>
+          </a:xfrm>
+          <a:prstGeom prst="rect">
+            <a:avLst/>
+          </a:prstGeom>
+        </p:spPr>
+      </p:pic>
+      <p:pic>
+        <p:nvPicPr>
+          <p:cNvPr id="21" name="그림 20">
+            <a:extLst>
+              <a:ext uri="{FF2B5EF4-FFF2-40B4-BE49-F238E27FC236}">
+                <a16:creationId xmlns:a16="http://schemas.microsoft.com/office/drawing/2014/main" id="{780A0731-BAFE-0484-B15B-E947AC08FD07}"/>
+              </a:ext>
+            </a:extLst>
+          </p:cNvPr>
+          <p:cNvPicPr>
+            <a:picLocks noChangeAspect="1"/>
+          </p:cNvPicPr>
+          <p:nvPr/>
+        </p:nvPicPr>
+        <p:blipFill>
+          <a:blip r:embed="rId10">
+            <a:extLst>
+              <a:ext uri="{28A0092B-C50C-407E-A947-70E740481C1C}">
+                <a14:useLocalDpi xmlns:a14="http://schemas.microsoft.com/office/drawing/2010/main" val="0"/>
+              </a:ext>
+            </a:extLst>
+          </a:blip>
+          <a:stretch>
+            <a:fillRect/>
+          </a:stretch>
+        </p:blipFill>
+        <p:spPr>
+          <a:xfrm>
+            <a:off x="10358766" y="8123600"/>
+            <a:ext cx="2880000" cy="720000"/>
+          </a:xfrm>
+          <a:prstGeom prst="rect">
+            <a:avLst/>
+          </a:prstGeom>
+        </p:spPr>
+      </p:pic>
+      <p:pic>
+        <p:nvPicPr>
+          <p:cNvPr id="23" name="그림 22">
+            <a:extLst>
+              <a:ext uri="{FF2B5EF4-FFF2-40B4-BE49-F238E27FC236}">
+                <a16:creationId xmlns:a16="http://schemas.microsoft.com/office/drawing/2014/main" id="{EEB28858-F43F-5934-C6D4-169CA1D812C7}"/>
+              </a:ext>
+            </a:extLst>
+          </p:cNvPr>
+          <p:cNvPicPr>
+            <a:picLocks noChangeAspect="1"/>
+          </p:cNvPicPr>
+          <p:nvPr/>
+        </p:nvPicPr>
+        <p:blipFill>
+          <a:blip r:embed="rId11">
+            <a:extLst>
+              <a:ext uri="{28A0092B-C50C-407E-A947-70E740481C1C}">
+                <a14:useLocalDpi xmlns:a14="http://schemas.microsoft.com/office/drawing/2010/main" val="0"/>
+              </a:ext>
+            </a:extLst>
+          </a:blip>
+          <a:stretch>
+            <a:fillRect/>
+          </a:stretch>
+        </p:blipFill>
+        <p:spPr>
+          <a:xfrm>
+            <a:off x="10358766" y="3086100"/>
+            <a:ext cx="2880000" cy="4450909"/>
+          </a:xfrm>
+          <a:prstGeom prst="rect">
+            <a:avLst/>
+          </a:prstGeom>
+        </p:spPr>
+      </p:pic>
+      <p:cxnSp>
+        <p:nvCxnSpPr>
+          <p:cNvPr id="27" name="직선 화살표 연결선 26">
+            <a:extLst>
+              <a:ext uri="{FF2B5EF4-FFF2-40B4-BE49-F238E27FC236}">
+                <a16:creationId xmlns:a16="http://schemas.microsoft.com/office/drawing/2014/main" id="{A11B2FA0-F426-5F66-4B97-A3D8A33A6F16}"/>
+              </a:ext>
+            </a:extLst>
+          </p:cNvPr>
+          <p:cNvCxnSpPr>
+            <a:cxnSpLocks/>
+            <a:endCxn id="23" idx="1"/>
+          </p:cNvCxnSpPr>
+          <p:nvPr/>
+        </p:nvCxnSpPr>
+        <p:spPr>
+          <a:xfrm>
+            <a:off x="6084925" y="4583222"/>
+            <a:ext cx="4273841" cy="728333"/>
+          </a:xfrm>
+          <a:prstGeom prst="straightConnector1">
+            <a:avLst/>
+          </a:prstGeom>
+          <a:ln w="50800">
+            <a:solidFill>
+              <a:srgbClr val="FF0000"/>
+            </a:solidFill>
+            <a:tailEnd type="triangle"/>
+          </a:ln>
+        </p:spPr>
+        <p:style>
+          <a:lnRef idx="1">
+            <a:schemeClr val="accent1"/>
+          </a:lnRef>
+          <a:fillRef idx="0">
+            <a:schemeClr val="accent1"/>
+          </a:fillRef>
+          <a:effectRef idx="0">
+            <a:schemeClr val="accent1"/>
+          </a:effectRef>
+          <a:fontRef idx="minor">
+            <a:schemeClr val="tx1"/>
+          </a:fontRef>
+        </p:style>
+      </p:cxnSp>
+      <p:cxnSp>
+        <p:nvCxnSpPr>
+          <p:cNvPr id="28" name="직선 화살표 연결선 27">
+            <a:extLst>
+              <a:ext uri="{FF2B5EF4-FFF2-40B4-BE49-F238E27FC236}">
+                <a16:creationId xmlns:a16="http://schemas.microsoft.com/office/drawing/2014/main" id="{BDE19BE8-D62B-8F64-17A1-55FFD8E9A851}"/>
+              </a:ext>
+            </a:extLst>
+          </p:cNvPr>
+          <p:cNvCxnSpPr>
+            <a:cxnSpLocks/>
+            <a:endCxn id="21" idx="1"/>
+          </p:cNvCxnSpPr>
+          <p:nvPr/>
+        </p:nvCxnSpPr>
+        <p:spPr>
+          <a:xfrm>
+            <a:off x="6172200" y="6035455"/>
+            <a:ext cx="4186566" cy="2448145"/>
+          </a:xfrm>
+          <a:prstGeom prst="straightConnector1">
+            <a:avLst/>
+          </a:prstGeom>
+          <a:ln w="50800">
+            <a:solidFill>
+              <a:srgbClr val="00B050"/>
+            </a:solidFill>
+            <a:tailEnd type="triangle"/>
+          </a:ln>
+        </p:spPr>
+        <p:style>
+          <a:lnRef idx="1">
+            <a:schemeClr val="accent1"/>
+          </a:lnRef>
+          <a:fillRef idx="0">
+            <a:schemeClr val="accent1"/>
+          </a:fillRef>
+          <a:effectRef idx="0">
+            <a:schemeClr val="accent1"/>
+          </a:effectRef>
+          <a:fontRef idx="minor">
+            <a:schemeClr val="tx1"/>
+          </a:fontRef>
+        </p:style>
+      </p:cxnSp>
+      <p:sp>
+        <p:nvSpPr>
+          <p:cNvPr id="32" name="TextBox 18">
+            <a:extLst>
+              <a:ext uri="{FF2B5EF4-FFF2-40B4-BE49-F238E27FC236}">
+                <a16:creationId xmlns:a16="http://schemas.microsoft.com/office/drawing/2014/main" id="{A3BFEC4F-F106-85E3-5F8F-24929EB1EF1D}"/>
+              </a:ext>
+            </a:extLst>
+          </p:cNvPr>
+          <p:cNvSpPr txBox="1"/>
+          <p:nvPr/>
+        </p:nvSpPr>
+        <p:spPr>
+          <a:xfrm>
+            <a:off x="4930800" y="8892391"/>
+            <a:ext cx="2438400" cy="355600"/>
+          </a:xfrm>
+          <a:prstGeom prst="rect">
+            <a:avLst/>
+          </a:prstGeom>
+        </p:spPr>
+        <p:txBody>
+          <a:bodyPr lIns="0" tIns="0" rIns="0" bIns="0" anchor="ctr"/>
+          <a:lstStyle/>
+          <a:p>
+            <a:pPr lvl="0" algn="ctr">
+              <a:lnSpc>
+                <a:spcPct val="149400"/>
+              </a:lnSpc>
+              <a:defRPr/>
+            </a:pPr>
+            <a:r>
+              <a:rPr lang="en-US" altLang="ko-KR" sz="2000" b="0" i="0" u="none" strike="noStrike" spc="-100" dirty="0">
+                <a:latin typeface="나눔바른고딕OTF"/>
+                <a:ea typeface="나눔바른고딕OTF"/>
+              </a:rPr>
+              <a:t>[ </a:t>
+            </a:r>
+            <a:r>
+              <a:rPr lang="ko-KR" altLang="en-US" sz="2000" spc="-100" dirty="0">
+                <a:latin typeface="나눔바른고딕OTF"/>
+                <a:ea typeface="나눔바른고딕OTF"/>
+              </a:rPr>
+              <a:t>입력 이미지 </a:t>
+            </a:r>
+            <a:r>
+              <a:rPr lang="en-US" altLang="ko-KR" sz="2000" b="0" i="0" u="none" strike="noStrike" spc="-100" dirty="0">
+                <a:latin typeface="나눔바른고딕OTF"/>
+                <a:ea typeface="나눔바른고딕OTF"/>
+              </a:rPr>
+              <a:t>]</a:t>
+            </a:r>
+          </a:p>
+        </p:txBody>
+      </p:sp>
+      <p:sp>
+        <p:nvSpPr>
+          <p:cNvPr id="33" name="TextBox 18">
+            <a:extLst>
+              <a:ext uri="{FF2B5EF4-FFF2-40B4-BE49-F238E27FC236}">
+                <a16:creationId xmlns:a16="http://schemas.microsoft.com/office/drawing/2014/main" id="{98430DFA-51A6-A2C4-D535-CE0C90E1B65C}"/>
+              </a:ext>
+            </a:extLst>
+          </p:cNvPr>
+          <p:cNvSpPr txBox="1"/>
+          <p:nvPr/>
+        </p:nvSpPr>
+        <p:spPr>
+          <a:xfrm>
+            <a:off x="10268649" y="8892391"/>
+            <a:ext cx="3060234" cy="355600"/>
+          </a:xfrm>
+          <a:prstGeom prst="rect">
+            <a:avLst/>
+          </a:prstGeom>
+        </p:spPr>
+        <p:txBody>
+          <a:bodyPr lIns="0" tIns="0" rIns="0" bIns="0" anchor="ctr"/>
+          <a:lstStyle/>
+          <a:p>
+            <a:pPr lvl="0" algn="ctr">
+              <a:lnSpc>
+                <a:spcPct val="149400"/>
+              </a:lnSpc>
+              <a:defRPr/>
+            </a:pPr>
+            <a:r>
+              <a:rPr lang="en-US" altLang="ko-KR" sz="2000" b="0" i="0" u="none" strike="noStrike" spc="-100" dirty="0">
+                <a:latin typeface="나눔바른고딕OTF"/>
+                <a:ea typeface="나눔바른고딕OTF"/>
+              </a:rPr>
+              <a:t>[ </a:t>
+            </a:r>
+            <a:r>
+              <a:rPr lang="ko-KR" altLang="en-US" sz="2000" b="0" i="0" u="none" strike="noStrike" spc="-100" dirty="0">
+                <a:latin typeface="나눔바른고딕OTF"/>
+                <a:ea typeface="나눔바른고딕OTF"/>
+              </a:rPr>
+              <a:t>사용자에게 제시되는 이미지 </a:t>
+            </a:r>
+            <a:r>
+              <a:rPr lang="en-US" altLang="ko-KR" sz="2000" b="0" i="0" u="none" strike="noStrike" spc="-100" dirty="0">
+                <a:latin typeface="나눔바른고딕OTF"/>
+                <a:ea typeface="나눔바른고딕OTF"/>
+              </a:rPr>
+              <a:t>]</a:t>
+            </a:r>
           </a:p>
         </p:txBody>
       </p:sp>
@@ -8352,7 +9299,7 @@
           <p:nvPr>
             <p:extLst>
               <p:ext uri="{D42A27DB-BD31-4B8C-83A1-F6EECF244321}">
-                <p14:modId xmlns:p14="http://schemas.microsoft.com/office/powerpoint/2010/main" val="4066679695"/>
+                <p14:modId xmlns:p14="http://schemas.microsoft.com/office/powerpoint/2010/main" val="110028858"/>
               </p:ext>
             </p:extLst>
           </p:nvPr>
@@ -8409,6 +9356,8 @@
                           <a:solidFill>
                             <a:schemeClr val="tx1"/>
                           </a:solidFill>
+                          <a:latin typeface="나눔바른고딕OTF" panose="02020603020101020101" pitchFamily="18" charset="-127"/>
+                          <a:ea typeface="나눔바른고딕OTF" panose="02020603020101020101" pitchFamily="18" charset="-127"/>
                         </a:rPr>
                         <a:t>카테고리</a:t>
                       </a:r>
@@ -8427,6 +9376,8 @@
                           <a:solidFill>
                             <a:schemeClr val="tx1"/>
                           </a:solidFill>
+                          <a:latin typeface="나눔바른고딕OTF" panose="02020603020101020101" pitchFamily="18" charset="-127"/>
+                          <a:ea typeface="나눔바른고딕OTF" panose="02020603020101020101" pitchFamily="18" charset="-127"/>
                         </a:rPr>
                         <a:t>품목</a:t>
                       </a:r>
@@ -8445,6 +9396,8 @@
                           <a:solidFill>
                             <a:schemeClr val="tx1"/>
                           </a:solidFill>
+                          <a:latin typeface="나눔바른고딕OTF" panose="02020603020101020101" pitchFamily="18" charset="-127"/>
+                          <a:ea typeface="나눔바른고딕OTF" panose="02020603020101020101" pitchFamily="18" charset="-127"/>
                         </a:rPr>
                         <a:t>착용 사진</a:t>
                       </a:r>
@@ -8463,6 +9416,8 @@
                           <a:solidFill>
                             <a:schemeClr val="tx1"/>
                           </a:solidFill>
+                          <a:latin typeface="나눔바른고딕OTF" panose="02020603020101020101" pitchFamily="18" charset="-127"/>
+                          <a:ea typeface="나눔바른고딕OTF" panose="02020603020101020101" pitchFamily="18" charset="-127"/>
                         </a:rPr>
                         <a:t>제품 사진</a:t>
                       </a:r>
@@ -8484,7 +9439,10 @@
                     <a:p>
                       <a:pPr algn="ctr" latinLnBrk="1"/>
                       <a:r>
-                        <a:rPr lang="ko-KR" altLang="en-US" dirty="0"/>
+                        <a:rPr lang="ko-KR" altLang="en-US" dirty="0">
+                          <a:latin typeface="나눔바른고딕OTF" panose="02020603020101020101" pitchFamily="18" charset="-127"/>
+                          <a:ea typeface="나눔바른고딕OTF" panose="02020603020101020101" pitchFamily="18" charset="-127"/>
+                        </a:rPr>
                         <a:t>상의</a:t>
                       </a:r>
                     </a:p>
@@ -8502,6 +9460,8 @@
                           <a:solidFill>
                             <a:schemeClr val="tx1"/>
                           </a:solidFill>
+                          <a:latin typeface="나눔바른고딕OTF" panose="02020603020101020101" pitchFamily="18" charset="-127"/>
+                          <a:ea typeface="나눔바른고딕OTF" panose="02020603020101020101" pitchFamily="18" charset="-127"/>
                         </a:rPr>
                         <a:t>긴소매</a:t>
                       </a:r>
@@ -8509,6 +9469,8 @@
                         <a:solidFill>
                           <a:schemeClr val="tx1"/>
                         </a:solidFill>
+                        <a:latin typeface="나눔바른고딕OTF" panose="02020603020101020101" pitchFamily="18" charset="-127"/>
+                        <a:ea typeface="나눔바른고딕OTF" panose="02020603020101020101" pitchFamily="18" charset="-127"/>
                       </a:endParaRPr>
                     </a:p>
                   </a:txBody>
@@ -8525,6 +9487,8 @@
                           <a:solidFill>
                             <a:schemeClr val="tx1"/>
                           </a:solidFill>
+                          <a:latin typeface="나눔바른고딕OTF" panose="02020603020101020101" pitchFamily="18" charset="-127"/>
+                          <a:ea typeface="나눔바른고딕OTF" panose="02020603020101020101" pitchFamily="18" charset="-127"/>
                         </a:rPr>
                         <a:t>90</a:t>
                       </a:r>
@@ -8532,6 +9496,8 @@
                         <a:solidFill>
                           <a:schemeClr val="tx1"/>
                         </a:solidFill>
+                        <a:latin typeface="나눔바른고딕OTF" panose="02020603020101020101" pitchFamily="18" charset="-127"/>
+                        <a:ea typeface="나눔바른고딕OTF" panose="02020603020101020101" pitchFamily="18" charset="-127"/>
                       </a:endParaRPr>
                     </a:p>
                   </a:txBody>
@@ -8548,6 +9514,8 @@
                           <a:solidFill>
                             <a:schemeClr val="tx1"/>
                           </a:solidFill>
+                          <a:latin typeface="나눔바른고딕OTF" panose="02020603020101020101" pitchFamily="18" charset="-127"/>
+                          <a:ea typeface="나눔바른고딕OTF" panose="02020603020101020101" pitchFamily="18" charset="-127"/>
                         </a:rPr>
                         <a:t>90</a:t>
                       </a:r>
@@ -8555,6 +9523,8 @@
                         <a:solidFill>
                           <a:schemeClr val="tx1"/>
                         </a:solidFill>
+                        <a:latin typeface="나눔바른고딕OTF" panose="02020603020101020101" pitchFamily="18" charset="-127"/>
+                        <a:ea typeface="나눔바른고딕OTF" panose="02020603020101020101" pitchFamily="18" charset="-127"/>
                       </a:endParaRPr>
                     </a:p>
                   </a:txBody>
@@ -8589,6 +9559,8 @@
                           <a:solidFill>
                             <a:schemeClr val="tx1"/>
                           </a:solidFill>
+                          <a:latin typeface="나눔바른고딕OTF" panose="02020603020101020101" pitchFamily="18" charset="-127"/>
+                          <a:ea typeface="나눔바른고딕OTF" panose="02020603020101020101" pitchFamily="18" charset="-127"/>
                         </a:rPr>
                         <a:t>셔츠</a:t>
                       </a:r>
@@ -8597,6 +9569,8 @@
                           <a:solidFill>
                             <a:schemeClr val="tx1"/>
                           </a:solidFill>
+                          <a:latin typeface="나눔바른고딕OTF" panose="02020603020101020101" pitchFamily="18" charset="-127"/>
+                          <a:ea typeface="나눔바른고딕OTF" panose="02020603020101020101" pitchFamily="18" charset="-127"/>
                         </a:rPr>
                         <a:t>&amp;</a:t>
                       </a:r>
@@ -8605,6 +9579,8 @@
                           <a:solidFill>
                             <a:schemeClr val="tx1"/>
                           </a:solidFill>
+                          <a:latin typeface="나눔바른고딕OTF" panose="02020603020101020101" pitchFamily="18" charset="-127"/>
+                          <a:ea typeface="나눔바른고딕OTF" panose="02020603020101020101" pitchFamily="18" charset="-127"/>
                         </a:rPr>
                         <a:t>블라우스</a:t>
                       </a:r>
@@ -8623,6 +9599,8 @@
                           <a:solidFill>
                             <a:schemeClr val="tx1"/>
                           </a:solidFill>
+                          <a:latin typeface="나눔바른고딕OTF" panose="02020603020101020101" pitchFamily="18" charset="-127"/>
+                          <a:ea typeface="나눔바른고딕OTF" panose="02020603020101020101" pitchFamily="18" charset="-127"/>
                         </a:rPr>
                         <a:t>30</a:t>
                       </a:r>
@@ -8630,6 +9608,8 @@
                         <a:solidFill>
                           <a:schemeClr val="tx1"/>
                         </a:solidFill>
+                        <a:latin typeface="나눔바른고딕OTF" panose="02020603020101020101" pitchFamily="18" charset="-127"/>
+                        <a:ea typeface="나눔바른고딕OTF" panose="02020603020101020101" pitchFamily="18" charset="-127"/>
                       </a:endParaRPr>
                     </a:p>
                   </a:txBody>
@@ -8646,6 +9626,8 @@
                           <a:solidFill>
                             <a:schemeClr val="tx1"/>
                           </a:solidFill>
+                          <a:latin typeface="나눔바른고딕OTF" panose="02020603020101020101" pitchFamily="18" charset="-127"/>
+                          <a:ea typeface="나눔바른고딕OTF" panose="02020603020101020101" pitchFamily="18" charset="-127"/>
                         </a:rPr>
                         <a:t>30</a:t>
                       </a:r>
@@ -8653,6 +9635,8 @@
                         <a:solidFill>
                           <a:schemeClr val="tx1"/>
                         </a:solidFill>
+                        <a:latin typeface="나눔바른고딕OTF" panose="02020603020101020101" pitchFamily="18" charset="-127"/>
+                        <a:ea typeface="나눔바른고딕OTF" panose="02020603020101020101" pitchFamily="18" charset="-127"/>
                       </a:endParaRPr>
                     </a:p>
                   </a:txBody>
@@ -8687,6 +9671,8 @@
                           <a:solidFill>
                             <a:schemeClr val="tx1"/>
                           </a:solidFill>
+                          <a:latin typeface="나눔바른고딕OTF" panose="02020603020101020101" pitchFamily="18" charset="-127"/>
+                          <a:ea typeface="나눔바른고딕OTF" panose="02020603020101020101" pitchFamily="18" charset="-127"/>
                         </a:rPr>
                         <a:t>반소매</a:t>
                       </a:r>
@@ -8705,6 +9691,8 @@
                           <a:solidFill>
                             <a:schemeClr val="tx1"/>
                           </a:solidFill>
+                          <a:latin typeface="나눔바른고딕OTF" panose="02020603020101020101" pitchFamily="18" charset="-127"/>
+                          <a:ea typeface="나눔바른고딕OTF" panose="02020603020101020101" pitchFamily="18" charset="-127"/>
                         </a:rPr>
                         <a:t>30</a:t>
                       </a:r>
@@ -8712,6 +9700,8 @@
                         <a:solidFill>
                           <a:schemeClr val="tx1"/>
                         </a:solidFill>
+                        <a:latin typeface="나눔바른고딕OTF" panose="02020603020101020101" pitchFamily="18" charset="-127"/>
+                        <a:ea typeface="나눔바른고딕OTF" panose="02020603020101020101" pitchFamily="18" charset="-127"/>
                       </a:endParaRPr>
                     </a:p>
                   </a:txBody>
@@ -8728,6 +9718,8 @@
                           <a:solidFill>
                             <a:schemeClr val="tx1"/>
                           </a:solidFill>
+                          <a:latin typeface="나눔바른고딕OTF" panose="02020603020101020101" pitchFamily="18" charset="-127"/>
+                          <a:ea typeface="나눔바른고딕OTF" panose="02020603020101020101" pitchFamily="18" charset="-127"/>
                         </a:rPr>
                         <a:t>30</a:t>
                       </a:r>
@@ -8735,6 +9727,8 @@
                         <a:solidFill>
                           <a:schemeClr val="tx1"/>
                         </a:solidFill>
+                        <a:latin typeface="나눔바른고딕OTF" panose="02020603020101020101" pitchFamily="18" charset="-127"/>
+                        <a:ea typeface="나눔바른고딕OTF" panose="02020603020101020101" pitchFamily="18" charset="-127"/>
                       </a:endParaRPr>
                     </a:p>
                   </a:txBody>
@@ -8769,6 +9763,8 @@
                           <a:solidFill>
                             <a:schemeClr val="tx1"/>
                           </a:solidFill>
+                          <a:latin typeface="나눔바른고딕OTF" panose="02020603020101020101" pitchFamily="18" charset="-127"/>
+                          <a:ea typeface="나눔바른고딕OTF" panose="02020603020101020101" pitchFamily="18" charset="-127"/>
                         </a:rPr>
                         <a:t>민소매</a:t>
                       </a:r>
@@ -8787,6 +9783,8 @@
                           <a:solidFill>
                             <a:schemeClr val="tx1"/>
                           </a:solidFill>
+                          <a:latin typeface="나눔바른고딕OTF" panose="02020603020101020101" pitchFamily="18" charset="-127"/>
+                          <a:ea typeface="나눔바른고딕OTF" panose="02020603020101020101" pitchFamily="18" charset="-127"/>
                         </a:rPr>
                         <a:t>30</a:t>
                       </a:r>
@@ -8794,6 +9792,8 @@
                         <a:solidFill>
                           <a:schemeClr val="tx1"/>
                         </a:solidFill>
+                        <a:latin typeface="나눔바른고딕OTF" panose="02020603020101020101" pitchFamily="18" charset="-127"/>
+                        <a:ea typeface="나눔바른고딕OTF" panose="02020603020101020101" pitchFamily="18" charset="-127"/>
                       </a:endParaRPr>
                     </a:p>
                   </a:txBody>
@@ -8810,6 +9810,8 @@
                           <a:solidFill>
                             <a:schemeClr val="tx1"/>
                           </a:solidFill>
+                          <a:latin typeface="나눔바른고딕OTF" panose="02020603020101020101" pitchFamily="18" charset="-127"/>
+                          <a:ea typeface="나눔바른고딕OTF" panose="02020603020101020101" pitchFamily="18" charset="-127"/>
                         </a:rPr>
                         <a:t>30</a:t>
                       </a:r>
@@ -8817,6 +9819,8 @@
                         <a:solidFill>
                           <a:schemeClr val="tx1"/>
                         </a:solidFill>
+                        <a:latin typeface="나눔바른고딕OTF" panose="02020603020101020101" pitchFamily="18" charset="-127"/>
+                        <a:ea typeface="나눔바른고딕OTF" panose="02020603020101020101" pitchFamily="18" charset="-127"/>
                       </a:endParaRPr>
                     </a:p>
                   </a:txBody>
@@ -8851,6 +9855,8 @@
                           <a:solidFill>
                             <a:schemeClr val="tx1"/>
                           </a:solidFill>
+                          <a:latin typeface="나눔바른고딕OTF" panose="02020603020101020101" pitchFamily="18" charset="-127"/>
+                          <a:ea typeface="나눔바른고딕OTF" panose="02020603020101020101" pitchFamily="18" charset="-127"/>
                         </a:rPr>
                         <a:t>니트</a:t>
                       </a:r>
@@ -8859,6 +9865,8 @@
                           <a:solidFill>
                             <a:schemeClr val="tx1"/>
                           </a:solidFill>
+                          <a:latin typeface="나눔바른고딕OTF" panose="02020603020101020101" pitchFamily="18" charset="-127"/>
+                          <a:ea typeface="나눔바른고딕OTF" panose="02020603020101020101" pitchFamily="18" charset="-127"/>
                         </a:rPr>
                         <a:t>&amp;</a:t>
                       </a:r>
@@ -8867,6 +9875,8 @@
                           <a:solidFill>
                             <a:schemeClr val="tx1"/>
                           </a:solidFill>
+                          <a:latin typeface="나눔바른고딕OTF" panose="02020603020101020101" pitchFamily="18" charset="-127"/>
+                          <a:ea typeface="나눔바른고딕OTF" panose="02020603020101020101" pitchFamily="18" charset="-127"/>
                         </a:rPr>
                         <a:t>스웨터</a:t>
                       </a:r>
@@ -8885,6 +9895,8 @@
                           <a:solidFill>
                             <a:schemeClr val="tx1"/>
                           </a:solidFill>
+                          <a:latin typeface="나눔바른고딕OTF" panose="02020603020101020101" pitchFamily="18" charset="-127"/>
+                          <a:ea typeface="나눔바른고딕OTF" panose="02020603020101020101" pitchFamily="18" charset="-127"/>
                         </a:rPr>
                         <a:t>30</a:t>
                       </a:r>
@@ -8892,6 +9904,8 @@
                         <a:solidFill>
                           <a:schemeClr val="tx1"/>
                         </a:solidFill>
+                        <a:latin typeface="나눔바른고딕OTF" panose="02020603020101020101" pitchFamily="18" charset="-127"/>
+                        <a:ea typeface="나눔바른고딕OTF" panose="02020603020101020101" pitchFamily="18" charset="-127"/>
                       </a:endParaRPr>
                     </a:p>
                   </a:txBody>
@@ -8908,6 +9922,8 @@
                           <a:solidFill>
                             <a:schemeClr val="tx1"/>
                           </a:solidFill>
+                          <a:latin typeface="나눔바른고딕OTF" panose="02020603020101020101" pitchFamily="18" charset="-127"/>
+                          <a:ea typeface="나눔바른고딕OTF" panose="02020603020101020101" pitchFamily="18" charset="-127"/>
                         </a:rPr>
                         <a:t>30</a:t>
                       </a:r>
@@ -8915,6 +9931,8 @@
                         <a:solidFill>
                           <a:schemeClr val="tx1"/>
                         </a:solidFill>
+                        <a:latin typeface="나눔바른고딕OTF" panose="02020603020101020101" pitchFamily="18" charset="-127"/>
+                        <a:ea typeface="나눔바른고딕OTF" panose="02020603020101020101" pitchFamily="18" charset="-127"/>
                       </a:endParaRPr>
                     </a:p>
                   </a:txBody>
@@ -8934,7 +9952,10 @@
                     <a:p>
                       <a:pPr algn="ctr" latinLnBrk="1"/>
                       <a:r>
-                        <a:rPr lang="ko-KR" altLang="en-US" dirty="0"/>
+                        <a:rPr lang="ko-KR" altLang="en-US" dirty="0">
+                          <a:latin typeface="나눔바른고딕OTF" panose="02020603020101020101" pitchFamily="18" charset="-127"/>
+                          <a:ea typeface="나눔바른고딕OTF" panose="02020603020101020101" pitchFamily="18" charset="-127"/>
+                        </a:rPr>
                         <a:t>하의</a:t>
                       </a:r>
                     </a:p>
@@ -8952,6 +9973,8 @@
                           <a:solidFill>
                             <a:schemeClr val="tx1"/>
                           </a:solidFill>
+                          <a:latin typeface="나눔바른고딕OTF" panose="02020603020101020101" pitchFamily="18" charset="-127"/>
+                          <a:ea typeface="나눔바른고딕OTF" panose="02020603020101020101" pitchFamily="18" charset="-127"/>
                         </a:rPr>
                         <a:t>긴바지</a:t>
                       </a:r>
@@ -8959,6 +9982,8 @@
                         <a:solidFill>
                           <a:schemeClr val="tx1"/>
                         </a:solidFill>
+                        <a:latin typeface="나눔바른고딕OTF" panose="02020603020101020101" pitchFamily="18" charset="-127"/>
+                        <a:ea typeface="나눔바른고딕OTF" panose="02020603020101020101" pitchFamily="18" charset="-127"/>
                       </a:endParaRPr>
                     </a:p>
                   </a:txBody>
@@ -8975,6 +10000,8 @@
                           <a:solidFill>
                             <a:schemeClr val="tx1"/>
                           </a:solidFill>
+                          <a:latin typeface="나눔바른고딕OTF" panose="02020603020101020101" pitchFamily="18" charset="-127"/>
+                          <a:ea typeface="나눔바른고딕OTF" panose="02020603020101020101" pitchFamily="18" charset="-127"/>
                         </a:rPr>
                         <a:t>90</a:t>
                       </a:r>
@@ -8982,6 +10009,8 @@
                         <a:solidFill>
                           <a:schemeClr val="tx1"/>
                         </a:solidFill>
+                        <a:latin typeface="나눔바른고딕OTF" panose="02020603020101020101" pitchFamily="18" charset="-127"/>
+                        <a:ea typeface="나눔바른고딕OTF" panose="02020603020101020101" pitchFamily="18" charset="-127"/>
                       </a:endParaRPr>
                     </a:p>
                   </a:txBody>
@@ -8998,6 +10027,8 @@
                           <a:solidFill>
                             <a:schemeClr val="tx1"/>
                           </a:solidFill>
+                          <a:latin typeface="나눔바른고딕OTF" panose="02020603020101020101" pitchFamily="18" charset="-127"/>
+                          <a:ea typeface="나눔바른고딕OTF" panose="02020603020101020101" pitchFamily="18" charset="-127"/>
                         </a:rPr>
                         <a:t>90</a:t>
                       </a:r>
@@ -9005,6 +10036,8 @@
                         <a:solidFill>
                           <a:schemeClr val="tx1"/>
                         </a:solidFill>
+                        <a:latin typeface="나눔바른고딕OTF" panose="02020603020101020101" pitchFamily="18" charset="-127"/>
+                        <a:ea typeface="나눔바른고딕OTF" panose="02020603020101020101" pitchFamily="18" charset="-127"/>
                       </a:endParaRPr>
                     </a:p>
                   </a:txBody>
@@ -9039,6 +10072,8 @@
                           <a:solidFill>
                             <a:schemeClr val="tx1"/>
                           </a:solidFill>
+                          <a:latin typeface="나눔바른고딕OTF" panose="02020603020101020101" pitchFamily="18" charset="-127"/>
+                          <a:ea typeface="나눔바른고딕OTF" panose="02020603020101020101" pitchFamily="18" charset="-127"/>
                         </a:rPr>
                         <a:t>반바지</a:t>
                       </a:r>
@@ -9057,6 +10092,8 @@
                           <a:solidFill>
                             <a:schemeClr val="tx1"/>
                           </a:solidFill>
+                          <a:latin typeface="나눔바른고딕OTF" panose="02020603020101020101" pitchFamily="18" charset="-127"/>
+                          <a:ea typeface="나눔바른고딕OTF" panose="02020603020101020101" pitchFamily="18" charset="-127"/>
                         </a:rPr>
                         <a:t>30</a:t>
                       </a:r>
@@ -9064,6 +10101,8 @@
                         <a:solidFill>
                           <a:schemeClr val="tx1"/>
                         </a:solidFill>
+                        <a:latin typeface="나눔바른고딕OTF" panose="02020603020101020101" pitchFamily="18" charset="-127"/>
+                        <a:ea typeface="나눔바른고딕OTF" panose="02020603020101020101" pitchFamily="18" charset="-127"/>
                       </a:endParaRPr>
                     </a:p>
                   </a:txBody>
@@ -9080,6 +10119,8 @@
                           <a:solidFill>
                             <a:schemeClr val="tx1"/>
                           </a:solidFill>
+                          <a:latin typeface="나눔바른고딕OTF" panose="02020603020101020101" pitchFamily="18" charset="-127"/>
+                          <a:ea typeface="나눔바른고딕OTF" panose="02020603020101020101" pitchFamily="18" charset="-127"/>
                         </a:rPr>
                         <a:t>30</a:t>
                       </a:r>
@@ -9087,6 +10128,8 @@
                         <a:solidFill>
                           <a:schemeClr val="tx1"/>
                         </a:solidFill>
+                        <a:latin typeface="나눔바른고딕OTF" panose="02020603020101020101" pitchFamily="18" charset="-127"/>
+                        <a:ea typeface="나눔바른고딕OTF" panose="02020603020101020101" pitchFamily="18" charset="-127"/>
                       </a:endParaRPr>
                     </a:p>
                   </a:txBody>
@@ -9121,6 +10164,8 @@
                           <a:solidFill>
                             <a:schemeClr val="tx1"/>
                           </a:solidFill>
+                          <a:latin typeface="나눔바른고딕OTF" panose="02020603020101020101" pitchFamily="18" charset="-127"/>
+                          <a:ea typeface="나눔바른고딕OTF" panose="02020603020101020101" pitchFamily="18" charset="-127"/>
                         </a:rPr>
                         <a:t>스커트</a:t>
                       </a:r>
@@ -9139,6 +10184,8 @@
                           <a:solidFill>
                             <a:schemeClr val="tx1"/>
                           </a:solidFill>
+                          <a:latin typeface="나눔바른고딕OTF" panose="02020603020101020101" pitchFamily="18" charset="-127"/>
+                          <a:ea typeface="나눔바른고딕OTF" panose="02020603020101020101" pitchFamily="18" charset="-127"/>
                         </a:rPr>
                         <a:t>90</a:t>
                       </a:r>
@@ -9146,6 +10193,8 @@
                         <a:solidFill>
                           <a:schemeClr val="tx1"/>
                         </a:solidFill>
+                        <a:latin typeface="나눔바른고딕OTF" panose="02020603020101020101" pitchFamily="18" charset="-127"/>
+                        <a:ea typeface="나눔바른고딕OTF" panose="02020603020101020101" pitchFamily="18" charset="-127"/>
                       </a:endParaRPr>
                     </a:p>
                   </a:txBody>
@@ -9162,6 +10211,8 @@
                           <a:solidFill>
                             <a:schemeClr val="tx1"/>
                           </a:solidFill>
+                          <a:latin typeface="나눔바른고딕OTF" panose="02020603020101020101" pitchFamily="18" charset="-127"/>
+                          <a:ea typeface="나눔바른고딕OTF" panose="02020603020101020101" pitchFamily="18" charset="-127"/>
                         </a:rPr>
                         <a:t>90</a:t>
                       </a:r>
@@ -9169,6 +10220,8 @@
                         <a:solidFill>
                           <a:schemeClr val="tx1"/>
                         </a:solidFill>
+                        <a:latin typeface="나눔바른고딕OTF" panose="02020603020101020101" pitchFamily="18" charset="-127"/>
+                        <a:ea typeface="나눔바른고딕OTF" panose="02020603020101020101" pitchFamily="18" charset="-127"/>
                       </a:endParaRPr>
                     </a:p>
                   </a:txBody>
@@ -9188,7 +10241,10 @@
                     <a:p>
                       <a:pPr algn="ctr" latinLnBrk="1"/>
                       <a:r>
-                        <a:rPr lang="ko-KR" altLang="en-US" dirty="0"/>
+                        <a:rPr lang="ko-KR" altLang="en-US" dirty="0">
+                          <a:latin typeface="나눔바른고딕OTF" panose="02020603020101020101" pitchFamily="18" charset="-127"/>
+                          <a:ea typeface="나눔바른고딕OTF" panose="02020603020101020101" pitchFamily="18" charset="-127"/>
+                        </a:rPr>
                         <a:t>기타</a:t>
                       </a:r>
                     </a:p>
@@ -9206,6 +10262,8 @@
                           <a:solidFill>
                             <a:schemeClr val="tx1"/>
                           </a:solidFill>
+                          <a:latin typeface="나눔바른고딕OTF" panose="02020603020101020101" pitchFamily="18" charset="-127"/>
+                          <a:ea typeface="나눔바른고딕OTF" panose="02020603020101020101" pitchFamily="18" charset="-127"/>
                         </a:rPr>
                         <a:t>원피스</a:t>
                       </a:r>
@@ -9224,6 +10282,8 @@
                           <a:solidFill>
                             <a:schemeClr val="tx1"/>
                           </a:solidFill>
+                          <a:latin typeface="나눔바른고딕OTF" panose="02020603020101020101" pitchFamily="18" charset="-127"/>
+                          <a:ea typeface="나눔바른고딕OTF" panose="02020603020101020101" pitchFamily="18" charset="-127"/>
                         </a:rPr>
                         <a:t>60</a:t>
                       </a:r>
@@ -9231,6 +10291,8 @@
                         <a:solidFill>
                           <a:schemeClr val="tx1"/>
                         </a:solidFill>
+                        <a:latin typeface="나눔바른고딕OTF" panose="02020603020101020101" pitchFamily="18" charset="-127"/>
+                        <a:ea typeface="나눔바른고딕OTF" panose="02020603020101020101" pitchFamily="18" charset="-127"/>
                       </a:endParaRPr>
                     </a:p>
                   </a:txBody>
@@ -9247,6 +10309,8 @@
                           <a:solidFill>
                             <a:schemeClr val="tx1"/>
                           </a:solidFill>
+                          <a:latin typeface="나눔바른고딕OTF" panose="02020603020101020101" pitchFamily="18" charset="-127"/>
+                          <a:ea typeface="나눔바른고딕OTF" panose="02020603020101020101" pitchFamily="18" charset="-127"/>
                         </a:rPr>
                         <a:t>60</a:t>
                       </a:r>
@@ -9254,6 +10318,8 @@
                         <a:solidFill>
                           <a:schemeClr val="tx1"/>
                         </a:solidFill>
+                        <a:latin typeface="나눔바른고딕OTF" panose="02020603020101020101" pitchFamily="18" charset="-127"/>
+                        <a:ea typeface="나눔바른고딕OTF" panose="02020603020101020101" pitchFamily="18" charset="-127"/>
                       </a:endParaRPr>
                     </a:p>
                   </a:txBody>
@@ -9288,6 +10354,8 @@
                           <a:solidFill>
                             <a:schemeClr val="tx1"/>
                           </a:solidFill>
+                          <a:latin typeface="나눔바른고딕OTF" panose="02020603020101020101" pitchFamily="18" charset="-127"/>
+                          <a:ea typeface="나눔바른고딕OTF" panose="02020603020101020101" pitchFamily="18" charset="-127"/>
                         </a:rPr>
                         <a:t>점프슈트</a:t>
                       </a:r>
@@ -9295,6 +10363,8 @@
                         <a:solidFill>
                           <a:schemeClr val="tx1"/>
                         </a:solidFill>
+                        <a:latin typeface="나눔바른고딕OTF" panose="02020603020101020101" pitchFamily="18" charset="-127"/>
+                        <a:ea typeface="나눔바른고딕OTF" panose="02020603020101020101" pitchFamily="18" charset="-127"/>
                       </a:endParaRPr>
                     </a:p>
                   </a:txBody>
@@ -9311,6 +10381,8 @@
                           <a:solidFill>
                             <a:schemeClr val="tx1"/>
                           </a:solidFill>
+                          <a:latin typeface="나눔바른고딕OTF" panose="02020603020101020101" pitchFamily="18" charset="-127"/>
+                          <a:ea typeface="나눔바른고딕OTF" panose="02020603020101020101" pitchFamily="18" charset="-127"/>
                         </a:rPr>
                         <a:t>20</a:t>
                       </a:r>
@@ -9318,6 +10390,8 @@
                         <a:solidFill>
                           <a:schemeClr val="tx1"/>
                         </a:solidFill>
+                        <a:latin typeface="나눔바른고딕OTF" panose="02020603020101020101" pitchFamily="18" charset="-127"/>
+                        <a:ea typeface="나눔바른고딕OTF" panose="02020603020101020101" pitchFamily="18" charset="-127"/>
                       </a:endParaRPr>
                     </a:p>
                   </a:txBody>
@@ -9334,6 +10408,8 @@
                           <a:solidFill>
                             <a:schemeClr val="tx1"/>
                           </a:solidFill>
+                          <a:latin typeface="나눔바른고딕OTF" panose="02020603020101020101" pitchFamily="18" charset="-127"/>
+                          <a:ea typeface="나눔바른고딕OTF" panose="02020603020101020101" pitchFamily="18" charset="-127"/>
                         </a:rPr>
                         <a:t>20</a:t>
                       </a:r>
@@ -9341,6 +10417,8 @@
                         <a:solidFill>
                           <a:schemeClr val="tx1"/>
                         </a:solidFill>
+                        <a:latin typeface="나눔바른고딕OTF" panose="02020603020101020101" pitchFamily="18" charset="-127"/>
+                        <a:ea typeface="나눔바른고딕OTF" panose="02020603020101020101" pitchFamily="18" charset="-127"/>
                       </a:endParaRPr>
                     </a:p>
                   </a:txBody>
@@ -9371,7 +10449,7 @@
         <p:spPr>
           <a:xfrm>
             <a:off x="2209800" y="1866900"/>
-            <a:ext cx="6066849" cy="3276600"/>
+            <a:ext cx="6066849" cy="2387600"/>
           </a:xfrm>
           <a:prstGeom prst="rect">
             <a:avLst/>
@@ -9425,17 +10503,17 @@
                 <a:latin typeface="나눔바른고딕OTF"/>
                 <a:ea typeface="나눔바른고딕OTF"/>
               </a:rPr>
-              <a:t> 데이터 중에서 착용 사진과 제품 사진을 카테고리 별로 </a:t>
-            </a:r>
-            <a:r>
-              <a:rPr lang="ko-KR" altLang="en-US" sz="2800" spc="-100" dirty="0" err="1">
-                <a:solidFill>
-                  <a:srgbClr val="006BB1"/>
-                </a:solidFill>
-                <a:latin typeface="나눔바른고딕OTF"/>
-                <a:ea typeface="나눔바른고딕OTF"/>
-              </a:rPr>
-              <a:t>샘플링하여</a:t>
+              <a:t> 데이터</a:t>
+            </a:r>
+            <a:r>
+              <a:rPr lang="ko-KR" altLang="en-US" sz="2800" spc="-100" dirty="0">
+                <a:solidFill>
+                  <a:srgbClr val="006BB1"/>
+                </a:solidFill>
+                <a:latin typeface="나눔바른고딕OTF"/>
+                <a:ea typeface="나눔바른고딕OTF"/>
+              </a:rPr>
+              <a:t>에서</a:t>
             </a:r>
             <a:r>
               <a:rPr lang="ko-KR" altLang="en-US" sz="2800" b="0" i="0" u="none" strike="noStrike" spc="-100" dirty="0">
@@ -9445,7 +10523,36 @@
                 <a:latin typeface="나눔바른고딕OTF"/>
                 <a:ea typeface="나눔바른고딕OTF"/>
               </a:rPr>
-              <a:t> 총 </a:t>
+              <a:t> 착용 사진과 제품 사진을 카테고리 별로 </a:t>
+            </a:r>
+            <a:r>
+              <a:rPr lang="ko-KR" altLang="en-US" sz="2800" spc="-100" dirty="0">
+                <a:solidFill>
+                  <a:srgbClr val="006BB1"/>
+                </a:solidFill>
+                <a:latin typeface="나눔바른고딕OTF"/>
+                <a:ea typeface="나눔바른고딕OTF"/>
+              </a:rPr>
+              <a:t>샘플링</a:t>
+            </a:r>
+            <a:br>
+              <a:rPr lang="en-US" altLang="ko-KR" sz="2800" spc="-100" dirty="0">
+                <a:solidFill>
+                  <a:srgbClr val="006BB1"/>
+                </a:solidFill>
+                <a:latin typeface="나눔바른고딕OTF"/>
+                <a:ea typeface="나눔바른고딕OTF"/>
+              </a:rPr>
+            </a:br>
+            <a:r>
+              <a:rPr lang="ko-KR" altLang="en-US" sz="2800" b="0" i="0" u="none" strike="noStrike" spc="-100" dirty="0">
+                <a:solidFill>
+                  <a:srgbClr val="006BB1"/>
+                </a:solidFill>
+                <a:latin typeface="나눔바른고딕OTF"/>
+                <a:ea typeface="나눔바른고딕OTF"/>
+              </a:rPr>
+              <a:t>총 </a:t>
             </a:r>
             <a:r>
               <a:rPr lang="en-US" altLang="ko-KR" sz="2800" b="0" i="0" u="none" strike="noStrike" spc="-100" dirty="0">
@@ -9465,7 +10572,7 @@
                 <a:latin typeface="나눔바른고딕OTF"/>
                 <a:ea typeface="나눔바른고딕OTF"/>
               </a:rPr>
-              <a:t>장 으로 구성</a:t>
+              <a:t>장으로 구성</a:t>
             </a:r>
             <a:endParaRPr lang="en-US" sz="2800" b="0" i="0" u="none" strike="noStrike" spc="-100" dirty="0">
               <a:solidFill>
@@ -9486,7 +10593,7 @@
     <mc:Choice Requires="p14">
       <p:transition/>
     </mc:Choice>
-    <mc:Fallback xmlns:dsp="http://schemas.microsoft.com/office/drawing/2008/diagram" xmlns:dgm="http://schemas.openxmlformats.org/drawingml/2006/diagram" xmlns:c="http://schemas.openxmlformats.org/drawingml/2006/chart" xmlns="">
+    <mc:Fallback xmlns="" xmlns:c="http://schemas.openxmlformats.org/drawingml/2006/chart" xmlns:dgm="http://schemas.openxmlformats.org/drawingml/2006/diagram" xmlns:dsp="http://schemas.microsoft.com/office/drawing/2008/diagram">
       <p:transition/>
     </mc:Fallback>
   </mc:AlternateContent>
@@ -10216,7 +11323,6 @@
                     <a:bodyPr/>
                     <a:lstStyle/>
                     <a:p>
-                      <a:pPr/>
                       <a:endParaRPr dirty="0"/>
                     </a:p>
                   </a:txBody>
@@ -11373,7 +12479,7 @@
                     <a:p>
                       <a:pPr algn="ctr" fontAlgn="ctr"/>
                       <a:r>
-                        <a:rPr lang="en-US" altLang="ko-KR" sz="2000" b="0" i="0" u="none" strike="noStrike">
+                        <a:rPr lang="en-US" altLang="ko-KR" sz="2000" b="0" i="0" u="none" strike="noStrike" dirty="0">
                           <a:solidFill>
                             <a:srgbClr val="000000"/>
                           </a:solidFill>
@@ -13682,16 +14788,6 @@
               <a:defRPr/>
             </a:pPr>
             <a:r>
-              <a:rPr lang="ko-KR" altLang="en-US" sz="2800" b="0" i="0" u="none" strike="noStrike" spc="-100" dirty="0" err="1">
-                <a:solidFill>
-                  <a:srgbClr val="006BB1"/>
-                </a:solidFill>
-                <a:latin typeface="나눔바른고딕OTF"/>
-                <a:ea typeface="나눔바른고딕OTF"/>
-              </a:rPr>
-              <a:t>모델별</a:t>
-            </a:r>
-            <a:r>
               <a:rPr lang="ko-KR" altLang="en-US" sz="2800" b="0" i="0" u="none" strike="noStrike" spc="-100" dirty="0">
                 <a:solidFill>
                   <a:srgbClr val="006BB1"/>
@@ -13699,7 +14795,7 @@
                 <a:latin typeface="나눔바른고딕OTF"/>
                 <a:ea typeface="나눔바른고딕OTF"/>
               </a:rPr>
-              <a:t> 정확도 비교</a:t>
+              <a:t>모델 별 정확도 비교</a:t>
             </a:r>
             <a:endParaRPr lang="ko-KR" sz="2800" b="0" i="0" u="none" strike="noStrike" spc="-100" dirty="0">
               <a:solidFill>
@@ -14056,7 +15152,7 @@
               <a:defRPr/>
             </a:pPr>
             <a:r>
-              <a:rPr lang="ko-KR" altLang="en-US" sz="2800">
+              <a:rPr lang="ko-KR" altLang="en-US" sz="2800" dirty="0">
                 <a:solidFill>
                   <a:srgbClr val="006BB1"/>
                 </a:solidFill>
@@ -14066,7 +15162,7 @@
               <a:t>기존에 사용한 데이터셋에 착용 사진만 있으며</a:t>
             </a:r>
             <a:r>
-              <a:rPr lang="en-US" altLang="ko-KR" sz="2800">
+              <a:rPr lang="en-US" altLang="ko-KR" sz="2800" dirty="0">
                 <a:solidFill>
                   <a:srgbClr val="006BB1"/>
                 </a:solidFill>
@@ -14076,7 +15172,7 @@
               <a:t>, </a:t>
             </a:r>
             <a:r>
-              <a:rPr lang="ko-KR" altLang="en-US" sz="2800">
+              <a:rPr lang="ko-KR" altLang="en-US" sz="2800" dirty="0">
                 <a:solidFill>
                   <a:srgbClr val="006BB1"/>
                 </a:solidFill>
@@ -14096,7 +15192,7 @@
               <a:defRPr/>
             </a:pPr>
             <a:r>
-              <a:rPr lang="ko-KR" altLang="en-US" sz="2800">
+              <a:rPr lang="ko-KR" altLang="en-US" sz="2800" dirty="0">
                 <a:solidFill>
                   <a:srgbClr val="006BB1"/>
                 </a:solidFill>
@@ -14116,8 +15212,8 @@
         </p:nvSpPr>
         <p:spPr>
           <a:xfrm>
-            <a:off x="4318000" y="8293099"/>
-            <a:ext cx="1701800" cy="1117600"/>
+            <a:off x="3523662" y="8496300"/>
+            <a:ext cx="3119026" cy="533399"/>
           </a:xfrm>
           <a:prstGeom prst="rect">
             <a:avLst/>
@@ -14134,30 +15230,35 @@
               <a:defRPr/>
             </a:pPr>
             <a:r>
-              <a:rPr lang="en-US" altLang="ko-KR" sz="2000" b="0" i="0" u="none" strike="noStrike" spc="-100">
-                <a:solidFill>
-                  <a:srgbClr val="006BB1"/>
-                </a:solidFill>
+              <a:rPr lang="en-US" altLang="ko-KR" sz="2000" b="0" i="0" u="none" strike="noStrike" spc="-100" dirty="0">
                 <a:latin typeface="나눔바른고딕OTF"/>
                 <a:ea typeface="나눔바른고딕OTF"/>
               </a:rPr>
               <a:t>[</a:t>
             </a:r>
             <a:r>
-              <a:rPr lang="ko-KR" altLang="en-US" sz="2000" b="0" i="0" u="none" strike="noStrike" spc="-100">
-                <a:solidFill>
-                  <a:srgbClr val="006BB1"/>
-                </a:solidFill>
-                <a:latin typeface="나눔바른고딕OTF"/>
-                <a:ea typeface="나눔바른고딕OTF"/>
-              </a:rPr>
-              <a:t>대충 특정 부분 성능 안 좋은 그래프</a:t>
-            </a:r>
-            <a:r>
-              <a:rPr lang="en-US" sz="2000" b="0" i="0" u="none" strike="noStrike" spc="-100">
-                <a:solidFill>
-                  <a:srgbClr val="006BB1"/>
-                </a:solidFill>
+              <a:rPr lang="en-US" altLang="ko-KR" sz="2000" spc="-100" dirty="0">
+                <a:latin typeface="나눔바른고딕OTF"/>
+                <a:ea typeface="나눔바른고딕OTF"/>
+              </a:rPr>
+              <a:t> </a:t>
+            </a:r>
+            <a:r>
+              <a:rPr lang="ko-KR" altLang="en-US" sz="2000" spc="-100" dirty="0">
+                <a:latin typeface="나눔바른고딕OTF"/>
+                <a:ea typeface="나눔바른고딕OTF"/>
+              </a:rPr>
+              <a:t>정확도 취약부분 그래프</a:t>
+            </a:r>
+            <a:r>
+              <a:rPr lang="ko-KR" altLang="en-US" sz="2000" b="0" i="0" u="none" strike="noStrike" spc="-100" dirty="0">
+                <a:latin typeface="나눔바른고딕OTF"/>
+                <a:ea typeface="나눔바른고딕OTF"/>
+              </a:rPr>
+              <a:t> </a:t>
+            </a:r>
+            <a:r>
+              <a:rPr lang="en-US" sz="2000" b="0" i="0" u="none" strike="noStrike" spc="-100" dirty="0">
                 <a:latin typeface="나눔바른고딕OTF"/>
                 <a:ea typeface="나눔바른고딕OTF"/>
               </a:rPr>
@@ -14174,7 +15275,7 @@
         </p:nvSpPr>
         <p:spPr>
           <a:xfrm>
-            <a:off x="9372600" y="8521700"/>
+            <a:off x="9230717" y="8572500"/>
             <a:ext cx="2438400" cy="355600"/>
           </a:xfrm>
           <a:prstGeom prst="rect">
@@ -14192,30 +15293,21 @@
               <a:defRPr/>
             </a:pPr>
             <a:r>
-              <a:rPr lang="en-US" altLang="ko-KR" sz="2000" b="0" i="0" u="none" strike="noStrike" spc="-100">
-                <a:solidFill>
-                  <a:srgbClr val="006BB1"/>
-                </a:solidFill>
-                <a:latin typeface="나눔바른고딕OTF"/>
-                <a:ea typeface="나눔바른고딕OTF"/>
-              </a:rPr>
-              <a:t>[</a:t>
-            </a:r>
-            <a:r>
-              <a:rPr lang="ko-KR" altLang="en-US" sz="2000" b="0" i="0" u="none" strike="noStrike" spc="-100">
-                <a:solidFill>
-                  <a:srgbClr val="006BB1"/>
-                </a:solidFill>
-                <a:latin typeface="나눔바른고딕OTF"/>
-                <a:ea typeface="나눔바른고딕OTF"/>
-              </a:rPr>
-              <a:t>착용 사진 예시</a:t>
-            </a:r>
-            <a:r>
-              <a:rPr lang="en-US" altLang="ko-KR" sz="2000" b="0" i="0" u="none" strike="noStrike" spc="-100">
-                <a:solidFill>
-                  <a:srgbClr val="006BB1"/>
-                </a:solidFill>
+              <a:rPr lang="en-US" altLang="ko-KR" sz="2000" b="0" i="0" u="none" strike="noStrike" spc="-100" dirty="0">
+                <a:latin typeface="나눔바른고딕OTF"/>
+                <a:ea typeface="나눔바른고딕OTF"/>
+              </a:rPr>
+              <a:t>[ </a:t>
+            </a:r>
+            <a:r>
+              <a:rPr lang="ko-KR" altLang="en-US" sz="2000" b="0" i="0" u="none" strike="noStrike" spc="-100" dirty="0">
+                <a:latin typeface="나눔바른고딕OTF"/>
+                <a:ea typeface="나눔바른고딕OTF"/>
+              </a:rPr>
+              <a:t>착용 사진 예시 </a:t>
+            </a:r>
+            <a:r>
+              <a:rPr lang="en-US" altLang="ko-KR" sz="2000" b="0" i="0" u="none" strike="noStrike" spc="-100" dirty="0">
                 <a:latin typeface="나눔바른고딕OTF"/>
                 <a:ea typeface="나눔바른고딕OTF"/>
               </a:rPr>
@@ -14240,8 +15332,8 @@
         </p:blipFill>
         <p:spPr>
           <a:xfrm>
-            <a:off x="8610600" y="3771900"/>
-            <a:ext cx="3873499" cy="4648200"/>
+            <a:off x="8499918" y="3806800"/>
+            <a:ext cx="3899999" cy="4680000"/>
           </a:xfrm>
           <a:prstGeom prst="rect">
             <a:avLst/>
@@ -14264,8 +15356,8 @@
         </p:blipFill>
         <p:spPr>
           <a:xfrm>
-            <a:off x="12661900" y="3771900"/>
-            <a:ext cx="3873499" cy="4648200"/>
+            <a:off x="12678591" y="3806553"/>
+            <a:ext cx="3899999" cy="4680000"/>
           </a:xfrm>
           <a:prstGeom prst="rect">
             <a:avLst/>
@@ -14280,7 +15372,7 @@
         </p:nvSpPr>
         <p:spPr>
           <a:xfrm>
-            <a:off x="13335000" y="8521700"/>
+            <a:off x="13414201" y="8572006"/>
             <a:ext cx="2438400" cy="355600"/>
           </a:xfrm>
           <a:prstGeom prst="rect">
@@ -14308,30 +15400,21 @@
               </a:defRPr>
             </a:pPr>
             <a:r>
-              <a:rPr kumimoji="0" lang="en-US" altLang="ko-KR" sz="2000" b="0" i="0" u="none" strike="noStrike" kern="1200" cap="none" spc="-100" normalizeH="0" baseline="0">
-                <a:solidFill>
-                  <a:srgbClr val="006BB1"/>
-                </a:solidFill>
-                <a:latin typeface="나눔바른고딕OTF"/>
-                <a:ea typeface="나눔바른고딕OTF"/>
-              </a:rPr>
-              <a:t>[</a:t>
-            </a:r>
-            <a:r>
-              <a:rPr kumimoji="0" lang="ko-KR" altLang="en-US" sz="2000" b="0" i="0" u="none" strike="noStrike" kern="1200" cap="none" spc="-100" normalizeH="0" baseline="0">
-                <a:solidFill>
-                  <a:srgbClr val="006BB1"/>
-                </a:solidFill>
-                <a:latin typeface="나눔바른고딕OTF"/>
-                <a:ea typeface="나눔바른고딕OTF"/>
-              </a:rPr>
-              <a:t>제품 사진 예시</a:t>
-            </a:r>
-            <a:r>
-              <a:rPr kumimoji="0" lang="en-US" altLang="ko-KR" sz="2000" b="0" i="0" u="none" strike="noStrike" kern="1200" cap="none" spc="-100" normalizeH="0" baseline="0">
-                <a:solidFill>
-                  <a:srgbClr val="006BB1"/>
-                </a:solidFill>
+              <a:rPr kumimoji="0" lang="en-US" altLang="ko-KR" sz="2000" b="0" i="0" u="none" strike="noStrike" kern="1200" cap="none" spc="-100" normalizeH="0" baseline="0" dirty="0">
+                <a:latin typeface="나눔바른고딕OTF"/>
+                <a:ea typeface="나눔바른고딕OTF"/>
+              </a:rPr>
+              <a:t>[ </a:t>
+            </a:r>
+            <a:r>
+              <a:rPr kumimoji="0" lang="ko-KR" altLang="en-US" sz="2000" b="0" i="0" u="none" strike="noStrike" kern="1200" cap="none" spc="-100" normalizeH="0" baseline="0" dirty="0">
+                <a:latin typeface="나눔바른고딕OTF"/>
+                <a:ea typeface="나눔바른고딕OTF"/>
+              </a:rPr>
+              <a:t>제품 사진 예시 </a:t>
+            </a:r>
+            <a:r>
+              <a:rPr kumimoji="0" lang="en-US" altLang="ko-KR" sz="2000" b="0" i="0" u="none" strike="noStrike" kern="1200" cap="none" spc="-100" normalizeH="0" baseline="0" dirty="0">
                 <a:latin typeface="나눔바른고딕OTF"/>
                 <a:ea typeface="나눔바른고딕OTF"/>
               </a:rPr>
@@ -14340,6 +15423,42 @@
           </a:p>
         </p:txBody>
       </p:sp>
+      <p:pic>
+        <p:nvPicPr>
+          <p:cNvPr id="15" name="그림 14">
+            <a:extLst>
+              <a:ext uri="{FF2B5EF4-FFF2-40B4-BE49-F238E27FC236}">
+                <a16:creationId xmlns:a16="http://schemas.microsoft.com/office/drawing/2014/main" id="{EFDAA72F-F53D-EC9C-D228-5FFB40372D76}"/>
+              </a:ext>
+            </a:extLst>
+          </p:cNvPr>
+          <p:cNvPicPr>
+            <a:picLocks noChangeAspect="1"/>
+          </p:cNvPicPr>
+          <p:nvPr/>
+        </p:nvPicPr>
+        <p:blipFill>
+          <a:blip r:embed="rId11">
+            <a:extLst>
+              <a:ext uri="{28A0092B-C50C-407E-A947-70E740481C1C}">
+                <a14:useLocalDpi xmlns:a14="http://schemas.microsoft.com/office/drawing/2010/main" val="0"/>
+              </a:ext>
+            </a:extLst>
+          </a:blip>
+          <a:stretch>
+            <a:fillRect/>
+          </a:stretch>
+        </p:blipFill>
+        <p:spPr>
+          <a:xfrm>
+            <a:off x="2032627" y="3797679"/>
+            <a:ext cx="6101096" cy="4680000"/>
+          </a:xfrm>
+          <a:prstGeom prst="rect">
+            <a:avLst/>
+          </a:prstGeom>
+        </p:spPr>
+      </p:pic>
     </p:spTree>
   </p:cSld>
   <p:clrMapOvr>
@@ -14349,7 +15468,7 @@
     <mc:Choice Requires="p14">
       <p:transition/>
     </mc:Choice>
-    <mc:Fallback xmlns:dsp="http://schemas.microsoft.com/office/drawing/2008/diagram" xmlns:dgm="http://schemas.openxmlformats.org/drawingml/2006/diagram" xmlns:c="http://schemas.openxmlformats.org/drawingml/2006/chart" xmlns="">
+    <mc:Fallback xmlns="" xmlns:c="http://schemas.openxmlformats.org/drawingml/2006/chart" xmlns:dgm="http://schemas.openxmlformats.org/drawingml/2006/diagram" xmlns:dsp="http://schemas.microsoft.com/office/drawing/2008/diagram">
       <p:transition/>
     </mc:Fallback>
   </mc:AlternateContent>
@@ -14431,7 +15550,7 @@
               <a:defRPr/>
             </a:pPr>
             <a:r>
-              <a:rPr lang="en-US" sz="10000" b="0" i="0" u="none" strike="noStrike">
+              <a:rPr lang="en-US" sz="10000" b="0" i="0" u="none" strike="noStrike" dirty="0">
                 <a:solidFill>
                   <a:srgbClr val="006BB1"/>
                 </a:solidFill>
@@ -14596,7 +15715,7 @@
     <mc:Choice Requires="p14">
       <p:transition/>
     </mc:Choice>
-    <mc:Fallback xmlns:dsp="http://schemas.microsoft.com/office/drawing/2008/diagram" xmlns:dgm="http://schemas.openxmlformats.org/drawingml/2006/diagram" xmlns:c="http://schemas.openxmlformats.org/drawingml/2006/chart" xmlns="">
+    <mc:Fallback xmlns="" xmlns:c="http://schemas.openxmlformats.org/drawingml/2006/chart" xmlns:dgm="http://schemas.openxmlformats.org/drawingml/2006/diagram" xmlns:dsp="http://schemas.microsoft.com/office/drawing/2008/diagram">
       <p:transition/>
     </mc:Fallback>
   </mc:AlternateContent>
@@ -15400,6 +16519,192 @@
           </a:prstGeom>
         </p:spPr>
       </p:pic>
+      <p:sp>
+        <p:nvSpPr>
+          <p:cNvPr id="13" name="TextBox 18">
+            <a:extLst>
+              <a:ext uri="{FF2B5EF4-FFF2-40B4-BE49-F238E27FC236}">
+                <a16:creationId xmlns:a16="http://schemas.microsoft.com/office/drawing/2014/main" id="{6FCCFF0A-9B05-E2B0-67FA-D4F650EF0E97}"/>
+              </a:ext>
+            </a:extLst>
+          </p:cNvPr>
+          <p:cNvSpPr txBox="1"/>
+          <p:nvPr/>
+        </p:nvSpPr>
+        <p:spPr>
+          <a:xfrm>
+            <a:off x="4191000" y="8820000"/>
+            <a:ext cx="1976628" cy="360000"/>
+          </a:xfrm>
+          <a:prstGeom prst="rect">
+            <a:avLst/>
+          </a:prstGeom>
+        </p:spPr>
+        <p:txBody>
+          <a:bodyPr lIns="0" tIns="0" rIns="0" bIns="0" anchor="ctr"/>
+          <a:lstStyle/>
+          <a:p>
+            <a:pPr lvl="0" algn="ctr">
+              <a:lnSpc>
+                <a:spcPct val="149400"/>
+              </a:lnSpc>
+              <a:defRPr/>
+            </a:pPr>
+            <a:r>
+              <a:rPr lang="en-US" altLang="ko-KR" sz="2000" b="0" i="0" u="none" strike="noStrike" spc="-100" dirty="0">
+                <a:latin typeface="나눔바른고딕OTF"/>
+                <a:ea typeface="나눔바른고딕OTF"/>
+              </a:rPr>
+              <a:t>[ </a:t>
+            </a:r>
+            <a:r>
+              <a:rPr lang="ko-KR" altLang="en-US" sz="2000" b="0" i="0" u="none" strike="noStrike" spc="-100" dirty="0">
+                <a:latin typeface="나눔바른고딕OTF"/>
+                <a:ea typeface="나눔바른고딕OTF"/>
+              </a:rPr>
+              <a:t>제품 사진만 검출</a:t>
+            </a:r>
+            <a:r>
+              <a:rPr lang="ko-KR" altLang="en-US" sz="2000" spc="-100" dirty="0">
+                <a:latin typeface="나눔바른고딕OTF"/>
+                <a:ea typeface="나눔바른고딕OTF"/>
+              </a:rPr>
+              <a:t> </a:t>
+            </a:r>
+            <a:r>
+              <a:rPr lang="en-US" altLang="ko-KR" sz="2000" b="0" i="0" u="none" strike="noStrike" spc="-100" dirty="0">
+                <a:latin typeface="나눔바른고딕OTF"/>
+                <a:ea typeface="나눔바른고딕OTF"/>
+              </a:rPr>
+              <a:t>]</a:t>
+            </a:r>
+          </a:p>
+        </p:txBody>
+      </p:sp>
+      <p:sp>
+        <p:nvSpPr>
+          <p:cNvPr id="16" name="TextBox 18">
+            <a:extLst>
+              <a:ext uri="{FF2B5EF4-FFF2-40B4-BE49-F238E27FC236}">
+                <a16:creationId xmlns:a16="http://schemas.microsoft.com/office/drawing/2014/main" id="{5D6EA7A1-2BA3-4B55-2459-ED75C365088F}"/>
+              </a:ext>
+            </a:extLst>
+          </p:cNvPr>
+          <p:cNvSpPr txBox="1"/>
+          <p:nvPr/>
+        </p:nvSpPr>
+        <p:spPr>
+          <a:xfrm>
+            <a:off x="9602849" y="8820000"/>
+            <a:ext cx="1827584" cy="360000"/>
+          </a:xfrm>
+          <a:prstGeom prst="rect">
+            <a:avLst/>
+          </a:prstGeom>
+        </p:spPr>
+        <p:txBody>
+          <a:bodyPr lIns="0" tIns="0" rIns="0" bIns="0" anchor="ctr"/>
+          <a:lstStyle/>
+          <a:p>
+            <a:pPr lvl="0" algn="ctr">
+              <a:lnSpc>
+                <a:spcPct val="149400"/>
+              </a:lnSpc>
+              <a:defRPr/>
+            </a:pPr>
+            <a:r>
+              <a:rPr lang="en-US" altLang="ko-KR" sz="2000" b="0" i="0" u="none" strike="noStrike" spc="-100" dirty="0">
+                <a:latin typeface="나눔바른고딕OTF"/>
+                <a:ea typeface="나눔바른고딕OTF"/>
+              </a:rPr>
+              <a:t>[ contour </a:t>
+            </a:r>
+            <a:r>
+              <a:rPr lang="ko-KR" altLang="en-US" sz="2000" b="0" i="0" u="none" strike="noStrike" spc="-100" dirty="0">
+                <a:latin typeface="나눔바른고딕OTF"/>
+                <a:ea typeface="나눔바른고딕OTF"/>
+              </a:rPr>
+              <a:t>검출</a:t>
+            </a:r>
+            <a:r>
+              <a:rPr lang="ko-KR" altLang="en-US" sz="2000" spc="-100" dirty="0">
+                <a:latin typeface="나눔바른고딕OTF"/>
+                <a:ea typeface="나눔바른고딕OTF"/>
+              </a:rPr>
+              <a:t> </a:t>
+            </a:r>
+            <a:r>
+              <a:rPr lang="en-US" altLang="ko-KR" sz="2000" b="0" i="0" u="none" strike="noStrike" spc="-100" dirty="0">
+                <a:latin typeface="나눔바른고딕OTF"/>
+                <a:ea typeface="나눔바른고딕OTF"/>
+              </a:rPr>
+              <a:t>]</a:t>
+            </a:r>
+          </a:p>
+        </p:txBody>
+      </p:sp>
+      <p:sp>
+        <p:nvSpPr>
+          <p:cNvPr id="17" name="TextBox 18">
+            <a:extLst>
+              <a:ext uri="{FF2B5EF4-FFF2-40B4-BE49-F238E27FC236}">
+                <a16:creationId xmlns:a16="http://schemas.microsoft.com/office/drawing/2014/main" id="{8ED992DB-3502-008A-66A3-739DED2D8CEF}"/>
+              </a:ext>
+            </a:extLst>
+          </p:cNvPr>
+          <p:cNvSpPr txBox="1"/>
+          <p:nvPr/>
+        </p:nvSpPr>
+        <p:spPr>
+          <a:xfrm>
+            <a:off x="13451413" y="8820000"/>
+            <a:ext cx="2005384" cy="360000"/>
+          </a:xfrm>
+          <a:prstGeom prst="rect">
+            <a:avLst/>
+          </a:prstGeom>
+        </p:spPr>
+        <p:txBody>
+          <a:bodyPr lIns="0" tIns="0" rIns="0" bIns="0" anchor="ctr"/>
+          <a:lstStyle/>
+          <a:p>
+            <a:pPr lvl="0" algn="ctr">
+              <a:lnSpc>
+                <a:spcPct val="149400"/>
+              </a:lnSpc>
+              <a:defRPr/>
+            </a:pPr>
+            <a:r>
+              <a:rPr lang="en-US" altLang="ko-KR" sz="2000" b="0" i="0" u="none" strike="noStrike" spc="-100" dirty="0">
+                <a:latin typeface="나눔바른고딕OTF"/>
+                <a:ea typeface="나눔바른고딕OTF"/>
+              </a:rPr>
+              <a:t>[ </a:t>
+            </a:r>
+            <a:r>
+              <a:rPr lang="en-US" altLang="ko-KR" sz="2000" spc="-100" dirty="0">
+                <a:latin typeface="나눔바른고딕OTF"/>
+                <a:ea typeface="나눔바른고딕OTF"/>
+              </a:rPr>
+              <a:t>Bounding Box</a:t>
+            </a:r>
+            <a:r>
+              <a:rPr lang="ko-KR" altLang="en-US" sz="2000" spc="-100" dirty="0">
+                <a:latin typeface="나눔바른고딕OTF"/>
+                <a:ea typeface="나눔바른고딕OTF"/>
+              </a:rPr>
+              <a:t> </a:t>
+            </a:r>
+            <a:r>
+              <a:rPr lang="en-US" altLang="ko-KR" sz="2000" b="0" i="0" u="none" strike="noStrike" spc="-100" dirty="0">
+                <a:latin typeface="나눔바른고딕OTF"/>
+                <a:ea typeface="나눔바른고딕OTF"/>
+              </a:rPr>
+              <a:t>]</a:t>
+            </a:r>
+          </a:p>
+        </p:txBody>
+      </p:sp>
     </p:spTree>
   </p:cSld>
   <p:clrMapOvr>
@@ -15409,7 +16714,7 @@
     <mc:Choice Requires="p14">
       <p:transition/>
     </mc:Choice>
-    <mc:Fallback xmlns:dsp="http://schemas.microsoft.com/office/drawing/2008/diagram" xmlns:dgm="http://schemas.openxmlformats.org/drawingml/2006/diagram" xmlns:c="http://schemas.openxmlformats.org/drawingml/2006/chart" xmlns="">
+    <mc:Fallback xmlns="" xmlns:c="http://schemas.openxmlformats.org/drawingml/2006/chart" xmlns:dgm="http://schemas.openxmlformats.org/drawingml/2006/diagram" xmlns:dsp="http://schemas.microsoft.com/office/drawing/2008/diagram">
       <p:transition/>
     </mc:Fallback>
   </mc:AlternateContent>
@@ -15747,8 +17052,8 @@
         </p:nvSpPr>
         <p:spPr>
           <a:xfrm>
-            <a:off x="2209800" y="1866900"/>
-            <a:ext cx="8102600" cy="495300"/>
+            <a:off x="2209799" y="1866900"/>
+            <a:ext cx="10325095" cy="495300"/>
           </a:xfrm>
           <a:prstGeom prst="rect">
             <a:avLst/>
@@ -15765,7 +17070,7 @@
               <a:defRPr/>
             </a:pPr>
             <a:r>
-              <a:rPr lang="en-US" sz="2800" b="0" i="0" u="none" strike="noStrike" spc="-100">
+              <a:rPr lang="en-US" altLang="ko-KR" sz="2800" b="0" i="0" u="none" strike="noStrike" spc="-100" dirty="0">
                 <a:solidFill>
                   <a:srgbClr val="006BB1"/>
                 </a:solidFill>
@@ -15775,17 +17080,27 @@
               <a:t>Box loss : </a:t>
             </a:r>
             <a:r>
-              <a:rPr lang="ko-KR" sz="2800" b="0" i="0" u="none" strike="noStrike" spc="-100">
-                <a:solidFill>
-                  <a:srgbClr val="006BB1"/>
-                </a:solidFill>
-                <a:latin typeface="나눔바른고딕OTF"/>
-                <a:ea typeface="나눔바른고딕OTF"/>
-              </a:rPr>
-              <a:t>검출된</a:t>
-            </a:r>
-            <a:r>
-              <a:rPr lang="en-US" sz="2800" b="0" i="0" u="none" strike="noStrike" spc="-100">
+              <a:rPr lang="ko-KR" altLang="en-US" sz="2800" spc="-100" dirty="0">
+                <a:solidFill>
+                  <a:srgbClr val="006BB1"/>
+                </a:solidFill>
+                <a:latin typeface="나눔바른고딕OTF"/>
+                <a:ea typeface="나눔바른고딕OTF"/>
+              </a:rPr>
+              <a:t>예측</a:t>
+            </a:r>
+            <a:r>
+              <a:rPr lang="ko-KR" altLang="ko-KR" sz="2800" b="0" i="0" u="none" strike="noStrike" spc="-100" dirty="0">
+                <a:solidFill>
+                  <a:srgbClr val="006BB1"/>
+                </a:solidFill>
+                <a:latin typeface="나눔바른고딕OTF"/>
+                <a:ea typeface="나눔바른고딕OTF"/>
+              </a:rPr>
+              <a:t>된</a:t>
+            </a:r>
+            <a:r>
+              <a:rPr lang="en-US" altLang="ko-KR" sz="2800" b="0" i="0" u="none" strike="noStrike" spc="-100" dirty="0">
                 <a:solidFill>
                   <a:srgbClr val="006BB1"/>
                 </a:solidFill>
@@ -15795,17 +17110,37 @@
               <a:t> Bounding Box</a:t>
             </a:r>
             <a:r>
-              <a:rPr lang="ko-KR" sz="2800" b="0" i="0" u="none" strike="noStrike" spc="-100">
-                <a:solidFill>
-                  <a:srgbClr val="006BB1"/>
-                </a:solidFill>
-                <a:latin typeface="나눔바른고딕OTF"/>
-                <a:ea typeface="나눔바른고딕OTF"/>
-              </a:rPr>
-              <a:t>의</a:t>
-            </a:r>
-            <a:r>
-              <a:rPr lang="en-US" sz="2800" b="0" i="0" u="none" strike="noStrike" spc="-100">
+              <a:rPr lang="ko-KR" altLang="en-US" sz="2800" spc="-100" dirty="0">
+                <a:solidFill>
+                  <a:srgbClr val="006BB1"/>
+                </a:solidFill>
+                <a:latin typeface="나눔바른고딕OTF"/>
+                <a:ea typeface="나눔바른고딕OTF"/>
+              </a:rPr>
+              <a:t>와 </a:t>
+            </a:r>
+            <a:r>
+              <a:rPr lang="en-US" altLang="ko-KR" sz="2800" spc="-100" dirty="0">
+                <a:solidFill>
+                  <a:srgbClr val="006BB1"/>
+                </a:solidFill>
+                <a:latin typeface="나눔바른고딕OTF"/>
+                <a:ea typeface="나눔바른고딕OTF"/>
+              </a:rPr>
+              <a:t>Ground true box</a:t>
+            </a:r>
+            <a:r>
+              <a:rPr lang="ko-KR" altLang="en-US" sz="2800" spc="-100" dirty="0">
+                <a:solidFill>
+                  <a:srgbClr val="006BB1"/>
+                </a:solidFill>
+                <a:latin typeface="나눔바른고딕OTF"/>
+                <a:ea typeface="나눔바른고딕OTF"/>
+              </a:rPr>
+              <a:t>와의</a:t>
+            </a:r>
+            <a:r>
+              <a:rPr lang="en-US" altLang="ko-KR" sz="2800" spc="-100" dirty="0">
                 <a:solidFill>
                   <a:srgbClr val="006BB1"/>
                 </a:solidFill>
@@ -15815,47 +17150,7 @@
               <a:t> </a:t>
             </a:r>
             <a:r>
-              <a:rPr lang="ko-KR" sz="2800" b="0" i="0" u="none" strike="noStrike" spc="-100">
-                <a:solidFill>
-                  <a:srgbClr val="006BB1"/>
-                </a:solidFill>
-                <a:latin typeface="나눔바른고딕OTF"/>
-                <a:ea typeface="나눔바른고딕OTF"/>
-              </a:rPr>
-              <a:t>좌표에</a:t>
-            </a:r>
-            <a:r>
-              <a:rPr lang="en-US" sz="2800" b="0" i="0" u="none" strike="noStrike" spc="-100">
-                <a:solidFill>
-                  <a:srgbClr val="006BB1"/>
-                </a:solidFill>
-                <a:latin typeface="나눔바른고딕OTF"/>
-                <a:ea typeface="나눔바른고딕OTF"/>
-              </a:rPr>
-              <a:t> </a:t>
-            </a:r>
-            <a:r>
-              <a:rPr lang="ko-KR" sz="2800" b="0" i="0" u="none" strike="noStrike" spc="-100">
-                <a:solidFill>
-                  <a:srgbClr val="006BB1"/>
-                </a:solidFill>
-                <a:latin typeface="나눔바른고딕OTF"/>
-                <a:ea typeface="나눔바른고딕OTF"/>
-              </a:rPr>
-              <a:t>대한</a:t>
-            </a:r>
-            <a:r>
-              <a:rPr lang="en-US" sz="2800" b="0" i="0" u="none" strike="noStrike" spc="-100">
-                <a:solidFill>
-                  <a:srgbClr val="006BB1"/>
-                </a:solidFill>
-                <a:latin typeface="나눔바른고딕OTF"/>
-                <a:ea typeface="나눔바른고딕OTF"/>
-              </a:rPr>
-              <a:t> </a:t>
-            </a:r>
-            <a:r>
-              <a:rPr lang="ko-KR" sz="2800" b="0" i="0" u="none" strike="noStrike" spc="-100">
+              <a:rPr lang="ko-KR" altLang="en-US" sz="2800" spc="-100" dirty="0">
                 <a:solidFill>
                   <a:srgbClr val="006BB1"/>
                 </a:solidFill>
@@ -15864,16 +17159,13 @@
               </a:rPr>
               <a:t>오차</a:t>
             </a:r>
-            <a:r>
-              <a:rPr lang="en-US" sz="2800" b="0" i="0" u="none" strike="noStrike" spc="-100">
-                <a:solidFill>
-                  <a:srgbClr val="006BB1"/>
-                </a:solidFill>
-                <a:latin typeface="나눔바른고딕OTF"/>
-                <a:ea typeface="나눔바른고딕OTF"/>
-              </a:rPr>
-              <a:t> </a:t>
-            </a:r>
+            <a:endParaRPr lang="en-US" altLang="ko-KR" sz="2800" b="0" i="0" u="none" strike="noStrike" spc="-100" dirty="0">
+              <a:solidFill>
+                <a:srgbClr val="006BB1"/>
+              </a:solidFill>
+              <a:latin typeface="나눔바른고딕OTF"/>
+              <a:ea typeface="나눔바른고딕OTF"/>
+            </a:endParaRPr>
           </a:p>
         </p:txBody>
       </p:sp>
@@ -16312,7 +17604,7 @@
               <a:defRPr/>
             </a:pPr>
             <a:r>
-              <a:rPr lang="en-US" sz="2800" b="0" i="0" u="none" strike="noStrike" spc="-100">
+              <a:rPr lang="en-US" altLang="ko-KR" sz="2800" b="0" i="0" u="none" strike="noStrike" spc="-100" dirty="0">
                 <a:solidFill>
                   <a:srgbClr val="006BB1"/>
                 </a:solidFill>
@@ -16322,37 +17614,37 @@
               <a:t>Class loss : </a:t>
             </a:r>
             <a:r>
-              <a:rPr lang="ko-KR" sz="2800" b="0" i="0" u="none" strike="noStrike" spc="-100">
-                <a:solidFill>
-                  <a:srgbClr val="006BB1"/>
-                </a:solidFill>
-                <a:latin typeface="나눔바른고딕OTF"/>
-                <a:ea typeface="나눔바른고딕OTF"/>
-              </a:rPr>
-              <a:t>예측한</a:t>
-            </a:r>
-            <a:r>
-              <a:rPr lang="en-US" sz="2800" b="0" i="0" u="none" strike="noStrike" spc="-100">
-                <a:solidFill>
-                  <a:srgbClr val="006BB1"/>
-                </a:solidFill>
-                <a:latin typeface="나눔바른고딕OTF"/>
-                <a:ea typeface="나눔바른고딕OTF"/>
-              </a:rPr>
-              <a:t> Class</a:t>
-            </a:r>
-            <a:r>
-              <a:rPr lang="ko-KR" sz="2800" b="0" i="0" u="none" strike="noStrike" spc="-100">
-                <a:solidFill>
-                  <a:srgbClr val="006BB1"/>
-                </a:solidFill>
-                <a:latin typeface="나눔바른고딕OTF"/>
-                <a:ea typeface="나눔바른고딕OTF"/>
-              </a:rPr>
-              <a:t>에</a:t>
-            </a:r>
-            <a:r>
-              <a:rPr lang="en-US" sz="2800" b="0" i="0" u="none" strike="noStrike" spc="-100">
+              <a:rPr lang="ko-KR" altLang="en-US" sz="2800" b="0" i="0" u="none" strike="noStrike" spc="-100" dirty="0">
+                <a:solidFill>
+                  <a:srgbClr val="006BB1"/>
+                </a:solidFill>
+                <a:latin typeface="나눔바른고딕OTF"/>
+                <a:ea typeface="나눔바른고딕OTF"/>
+              </a:rPr>
+              <a:t>정답 </a:t>
+            </a:r>
+            <a:r>
+              <a:rPr lang="en-US" altLang="ko-KR" sz="2800" spc="-100" dirty="0">
+                <a:solidFill>
+                  <a:srgbClr val="006BB1"/>
+                </a:solidFill>
+                <a:latin typeface="나눔바른고딕OTF"/>
+                <a:ea typeface="나눔바른고딕OTF"/>
+              </a:rPr>
+              <a:t>Class</a:t>
+            </a:r>
+            <a:r>
+              <a:rPr lang="ko-KR" altLang="en-US" sz="2800" spc="-100" dirty="0">
+                <a:solidFill>
+                  <a:srgbClr val="006BB1"/>
+                </a:solidFill>
+                <a:latin typeface="나눔바른고딕OTF"/>
+                <a:ea typeface="나눔바른고딕OTF"/>
+              </a:rPr>
+              <a:t>로 예측한 확률에</a:t>
+            </a:r>
+            <a:r>
+              <a:rPr lang="en-US" altLang="ko-KR" sz="2800" b="0" i="0" u="none" strike="noStrike" spc="-100" dirty="0">
                 <a:solidFill>
                   <a:srgbClr val="006BB1"/>
                 </a:solidFill>
@@ -16362,7 +17654,7 @@
               <a:t> </a:t>
             </a:r>
             <a:r>
-              <a:rPr lang="ko-KR" sz="2800" b="0" i="0" u="none" strike="noStrike" spc="-100">
+              <a:rPr lang="ko-KR" altLang="ko-KR" sz="2800" b="0" i="0" u="none" strike="noStrike" spc="-100" dirty="0">
                 <a:solidFill>
                   <a:srgbClr val="006BB1"/>
                 </a:solidFill>
@@ -16372,7 +17664,7 @@
               <a:t>대한</a:t>
             </a:r>
             <a:r>
-              <a:rPr lang="en-US" sz="2800" b="0" i="0" u="none" strike="noStrike" spc="-100">
+              <a:rPr lang="en-US" altLang="ko-KR" sz="2800" b="0" i="0" u="none" strike="noStrike" spc="-100" dirty="0">
                 <a:solidFill>
                   <a:srgbClr val="006BB1"/>
                 </a:solidFill>
@@ -16382,7 +17674,7 @@
               <a:t> </a:t>
             </a:r>
             <a:r>
-              <a:rPr lang="ko-KR" sz="2800" b="0" i="0" u="none" strike="noStrike" spc="-100">
+              <a:rPr lang="ko-KR" altLang="ko-KR" sz="2800" b="0" i="0" u="none" strike="noStrike" spc="-100" dirty="0">
                 <a:solidFill>
                   <a:srgbClr val="006BB1"/>
                 </a:solidFill>
@@ -16687,6 +17979,16 @@
               <a:defRPr/>
             </a:pPr>
             <a:r>
+              <a:rPr lang="en-US" sz="5000" dirty="0">
+                <a:solidFill>
+                  <a:srgbClr val="006BB1"/>
+                </a:solidFill>
+                <a:latin typeface="나눔바른고딕OTF"/>
+                <a:ea typeface="나눔바른고딕OTF"/>
+              </a:rPr>
+              <a:t>Model4 </a:t>
+            </a:r>
+            <a:r>
               <a:rPr lang="en-US" sz="5000" b="0" i="0" u="none" strike="noStrike" dirty="0">
                 <a:solidFill>
                   <a:srgbClr val="006BB1"/>
@@ -16826,77 +18128,6 @@
           </a:prstGeom>
         </p:spPr>
       </p:pic>
-      <p:sp>
-        <p:nvSpPr>
-          <p:cNvPr id="13" name="TextBox 18">
-            <a:extLst>
-              <a:ext uri="{FF2B5EF4-FFF2-40B4-BE49-F238E27FC236}">
-                <a16:creationId xmlns:a16="http://schemas.microsoft.com/office/drawing/2014/main" id="{C8EBF270-4355-DC8A-C8D1-C673B2D0B3FE}"/>
-              </a:ext>
-            </a:extLst>
-          </p:cNvPr>
-          <p:cNvSpPr txBox="1"/>
-          <p:nvPr/>
-        </p:nvSpPr>
-        <p:spPr>
-          <a:xfrm>
-            <a:off x="1955800" y="1676400"/>
-            <a:ext cx="8102600" cy="495300"/>
-          </a:xfrm>
-          <a:prstGeom prst="rect">
-            <a:avLst/>
-          </a:prstGeom>
-        </p:spPr>
-        <p:txBody>
-          <a:bodyPr lIns="0" tIns="0" rIns="0" bIns="0" anchor="ctr"/>
-          <a:lstStyle/>
-          <a:p>
-            <a:pPr lvl="0" algn="l">
-              <a:lnSpc>
-                <a:spcPct val="149400"/>
-              </a:lnSpc>
-              <a:defRPr/>
-            </a:pPr>
-            <a:r>
-              <a:rPr lang="en-US" altLang="ko-KR" sz="2800" spc="-100" dirty="0">
-                <a:solidFill>
-                  <a:srgbClr val="006BB1"/>
-                </a:solidFill>
-                <a:latin typeface="나눔바른고딕OTF"/>
-                <a:ea typeface="나눔바른고딕OTF"/>
-              </a:rPr>
-              <a:t>Model</a:t>
-            </a:r>
-            <a:r>
-              <a:rPr lang="ko-KR" altLang="en-US" sz="2800" spc="-100" dirty="0">
-                <a:solidFill>
-                  <a:srgbClr val="006BB1"/>
-                </a:solidFill>
-                <a:latin typeface="나눔바른고딕OTF"/>
-                <a:ea typeface="나눔바른고딕OTF"/>
-              </a:rPr>
-              <a:t> </a:t>
-            </a:r>
-            <a:r>
-              <a:rPr lang="en-US" altLang="ko-KR" sz="2800" spc="-100" dirty="0">
-                <a:solidFill>
-                  <a:srgbClr val="006BB1"/>
-                </a:solidFill>
-                <a:latin typeface="나눔바른고딕OTF"/>
-                <a:ea typeface="나눔바른고딕OTF"/>
-              </a:rPr>
-              <a:t>4</a:t>
-            </a:r>
-            <a:endParaRPr lang="ko-KR" sz="2800" b="0" i="0" u="none" strike="noStrike" spc="-100" dirty="0">
-              <a:solidFill>
-                <a:srgbClr val="006BB1"/>
-              </a:solidFill>
-              <a:latin typeface="나눔바른고딕OTF"/>
-              <a:ea typeface="나눔바른고딕OTF"/>
-            </a:endParaRPr>
-          </a:p>
-        </p:txBody>
-      </p:sp>
       <p:sp>
         <p:nvSpPr>
           <p:cNvPr id="14" name="직사각형 13">
@@ -17056,6 +18287,210 @@
           <a:p>
             <a:pPr algn="ctr"/>
             <a:endParaRPr lang="ko-KR" altLang="en-US"/>
+          </a:p>
+        </p:txBody>
+      </p:sp>
+      <p:sp>
+        <p:nvSpPr>
+          <p:cNvPr id="17" name="직사각형 16">
+            <a:extLst>
+              <a:ext uri="{FF2B5EF4-FFF2-40B4-BE49-F238E27FC236}">
+                <a16:creationId xmlns:a16="http://schemas.microsoft.com/office/drawing/2014/main" id="{DD10BC5B-44F0-61C2-01CE-4D6ED92BE2CD}"/>
+              </a:ext>
+            </a:extLst>
+          </p:cNvPr>
+          <p:cNvSpPr/>
+          <p:nvPr/>
+        </p:nvSpPr>
+        <p:spPr>
+          <a:xfrm>
+            <a:off x="5354610" y="2642580"/>
+            <a:ext cx="875260" cy="651280"/>
+          </a:xfrm>
+          <a:prstGeom prst="rect">
+            <a:avLst/>
+          </a:prstGeom>
+          <a:solidFill>
+            <a:srgbClr val="084082"/>
+          </a:solidFill>
+          <a:ln>
+            <a:noFill/>
+          </a:ln>
+        </p:spPr>
+        <p:style>
+          <a:lnRef idx="2">
+            <a:schemeClr val="accent1">
+              <a:shade val="15000"/>
+            </a:schemeClr>
+          </a:lnRef>
+          <a:fillRef idx="1">
+            <a:schemeClr val="accent1"/>
+          </a:fillRef>
+          <a:effectRef idx="0">
+            <a:schemeClr val="accent1"/>
+          </a:effectRef>
+          <a:fontRef idx="minor">
+            <a:schemeClr val="lt1"/>
+          </a:fontRef>
+        </p:style>
+        <p:txBody>
+          <a:bodyPr rtlCol="0" anchor="ctr"/>
+          <a:lstStyle/>
+          <a:p>
+            <a:pPr algn="ctr"/>
+            <a:r>
+              <a:rPr lang="en-US" altLang="ko-KR" sz="2000" dirty="0">
+                <a:solidFill>
+                  <a:schemeClr val="bg1"/>
+                </a:solidFill>
+                <a:latin typeface="나눔바른고딕OTF" panose="02020603020101020101" pitchFamily="18" charset="-127"/>
+                <a:ea typeface="나눔바른고딕OTF" panose="02020603020101020101" pitchFamily="18" charset="-127"/>
+              </a:rPr>
+              <a:t>0.92</a:t>
+            </a:r>
+            <a:endParaRPr lang="ko-KR" altLang="en-US" sz="2000" dirty="0">
+              <a:solidFill>
+                <a:schemeClr val="bg1"/>
+              </a:solidFill>
+              <a:latin typeface="나눔바른고딕OTF" panose="02020603020101020101" pitchFamily="18" charset="-127"/>
+              <a:ea typeface="나눔바른고딕OTF" panose="02020603020101020101" pitchFamily="18" charset="-127"/>
+            </a:endParaRPr>
+          </a:p>
+        </p:txBody>
+      </p:sp>
+      <p:sp>
+        <p:nvSpPr>
+          <p:cNvPr id="19" name="직사각형 18">
+            <a:extLst>
+              <a:ext uri="{FF2B5EF4-FFF2-40B4-BE49-F238E27FC236}">
+                <a16:creationId xmlns:a16="http://schemas.microsoft.com/office/drawing/2014/main" id="{82662322-465C-A844-2491-DA23EE0E9520}"/>
+              </a:ext>
+            </a:extLst>
+          </p:cNvPr>
+          <p:cNvSpPr/>
+          <p:nvPr/>
+        </p:nvSpPr>
+        <p:spPr>
+          <a:xfrm>
+            <a:off x="7262610" y="4589260"/>
+            <a:ext cx="875260" cy="651280"/>
+          </a:xfrm>
+          <a:prstGeom prst="rect">
+            <a:avLst/>
+          </a:prstGeom>
+          <a:solidFill>
+            <a:srgbClr val="08306B"/>
+          </a:solidFill>
+          <a:ln>
+            <a:noFill/>
+          </a:ln>
+        </p:spPr>
+        <p:style>
+          <a:lnRef idx="2">
+            <a:schemeClr val="accent1">
+              <a:shade val="15000"/>
+            </a:schemeClr>
+          </a:lnRef>
+          <a:fillRef idx="1">
+            <a:schemeClr val="accent1"/>
+          </a:fillRef>
+          <a:effectRef idx="0">
+            <a:schemeClr val="accent1"/>
+          </a:effectRef>
+          <a:fontRef idx="minor">
+            <a:schemeClr val="lt1"/>
+          </a:fontRef>
+        </p:style>
+        <p:txBody>
+          <a:bodyPr rtlCol="0" anchor="ctr"/>
+          <a:lstStyle/>
+          <a:p>
+            <a:pPr algn="ctr"/>
+            <a:r>
+              <a:rPr lang="en-US" altLang="ko-KR" sz="2000" dirty="0">
+                <a:solidFill>
+                  <a:schemeClr val="bg1"/>
+                </a:solidFill>
+                <a:latin typeface="나눔바른고딕OTF" panose="02020603020101020101" pitchFamily="18" charset="-127"/>
+                <a:ea typeface="나눔바른고딕OTF" panose="02020603020101020101" pitchFamily="18" charset="-127"/>
+              </a:rPr>
+              <a:t>0.98</a:t>
+            </a:r>
+            <a:endParaRPr lang="ko-KR" altLang="en-US" sz="2000" dirty="0">
+              <a:solidFill>
+                <a:schemeClr val="bg1"/>
+              </a:solidFill>
+              <a:latin typeface="나눔바른고딕OTF" panose="02020603020101020101" pitchFamily="18" charset="-127"/>
+              <a:ea typeface="나눔바른고딕OTF" panose="02020603020101020101" pitchFamily="18" charset="-127"/>
+            </a:endParaRPr>
+          </a:p>
+        </p:txBody>
+      </p:sp>
+      <p:sp>
+        <p:nvSpPr>
+          <p:cNvPr id="20" name="직사각형 19">
+            <a:extLst>
+              <a:ext uri="{FF2B5EF4-FFF2-40B4-BE49-F238E27FC236}">
+                <a16:creationId xmlns:a16="http://schemas.microsoft.com/office/drawing/2014/main" id="{0A1AD5B9-675D-D640-244B-2874F6A02976}"/>
+              </a:ext>
+            </a:extLst>
+          </p:cNvPr>
+          <p:cNvSpPr/>
+          <p:nvPr/>
+        </p:nvSpPr>
+        <p:spPr>
+          <a:xfrm>
+            <a:off x="9170610" y="6497260"/>
+            <a:ext cx="875260" cy="651280"/>
+          </a:xfrm>
+          <a:prstGeom prst="rect">
+            <a:avLst/>
+          </a:prstGeom>
+          <a:solidFill>
+            <a:srgbClr val="084184"/>
+          </a:solidFill>
+          <a:ln>
+            <a:noFill/>
+          </a:ln>
+        </p:spPr>
+        <p:style>
+          <a:lnRef idx="2">
+            <a:schemeClr val="accent1">
+              <a:shade val="15000"/>
+            </a:schemeClr>
+          </a:lnRef>
+          <a:fillRef idx="1">
+            <a:schemeClr val="accent1"/>
+          </a:fillRef>
+          <a:effectRef idx="0">
+            <a:schemeClr val="accent1"/>
+          </a:effectRef>
+          <a:fontRef idx="minor">
+            <a:schemeClr val="lt1"/>
+          </a:fontRef>
+        </p:style>
+        <p:txBody>
+          <a:bodyPr rtlCol="0" anchor="ctr"/>
+          <a:lstStyle/>
+          <a:p>
+            <a:pPr algn="ctr"/>
+            <a:r>
+              <a:rPr lang="en-US" altLang="ko-KR" sz="2000" dirty="0">
+                <a:solidFill>
+                  <a:schemeClr val="bg1"/>
+                </a:solidFill>
+                <a:latin typeface="나눔바른고딕OTF" panose="02020603020101020101" pitchFamily="18" charset="-127"/>
+                <a:ea typeface="나눔바른고딕OTF" panose="02020603020101020101" pitchFamily="18" charset="-127"/>
+              </a:rPr>
+              <a:t>0.92</a:t>
+            </a:r>
+            <a:endParaRPr lang="ko-KR" altLang="en-US" sz="2000" dirty="0">
+              <a:solidFill>
+                <a:schemeClr val="bg1"/>
+              </a:solidFill>
+              <a:latin typeface="나눔바른고딕OTF" panose="02020603020101020101" pitchFamily="18" charset="-127"/>
+              <a:ea typeface="나눔바른고딕OTF" panose="02020603020101020101" pitchFamily="18" charset="-127"/>
+            </a:endParaRPr>
           </a:p>
         </p:txBody>
       </p:sp>
@@ -21179,7 +22614,7 @@
     <mc:Choice Requires="p14">
       <p:transition/>
     </mc:Choice>
-    <mc:Fallback xmlns:dsp="http://schemas.microsoft.com/office/drawing/2008/diagram" xmlns:dgm="http://schemas.openxmlformats.org/drawingml/2006/diagram" xmlns:c="http://schemas.openxmlformats.org/drawingml/2006/chart" xmlns="">
+    <mc:Fallback xmlns="" xmlns:c="http://schemas.openxmlformats.org/drawingml/2006/chart" xmlns:dgm="http://schemas.openxmlformats.org/drawingml/2006/diagram" xmlns:dsp="http://schemas.microsoft.com/office/drawing/2008/diagram">
       <p:transition/>
     </mc:Fallback>
   </mc:AlternateContent>
@@ -21518,7 +22953,7 @@
           </a:prstGeom>
         </p:spPr>
         <p:txBody>
-          <a:bodyPr lIns="0" tIns="0" rIns="0" bIns="0" anchor="ctr"/>
+          <a:bodyPr lIns="0" tIns="0" rIns="0" bIns="0" anchor="t"/>
           <a:lstStyle/>
           <a:p>
             <a:pPr lvl="0" algn="l">
@@ -21528,6 +22963,16 @@
               <a:defRPr/>
             </a:pPr>
             <a:r>
+              <a:rPr lang="en-US" altLang="ko-KR" sz="2800" spc="-100" dirty="0">
+                <a:solidFill>
+                  <a:srgbClr val="006BB1"/>
+                </a:solidFill>
+                <a:latin typeface="나눔바른고딕OTF"/>
+                <a:ea typeface="나눔바른고딕OTF"/>
+              </a:rPr>
+              <a:t>- </a:t>
+            </a:r>
+            <a:r>
               <a:rPr lang="ko-KR" altLang="en-US" sz="2800" spc="-100" dirty="0">
                 <a:solidFill>
                   <a:srgbClr val="006BB1"/>
@@ -21535,9 +22980,9 @@
                 <a:latin typeface="나눔바른고딕OTF"/>
                 <a:ea typeface="나눔바른고딕OTF"/>
               </a:rPr>
-              <a:t>데이터셋 질 개선 </a:t>
-            </a:r>
-            <a:r>
+              <a:t>학습 데이터셋의 개선</a:t>
+            </a:r>
+            <a:br>
               <a:rPr lang="en-US" altLang="ko-KR" sz="2800" spc="-100" dirty="0">
                 <a:solidFill>
                   <a:srgbClr val="006BB1"/>
@@ -21545,25 +22990,46 @@
                 <a:latin typeface="나눔바른고딕OTF"/>
                 <a:ea typeface="나눔바른고딕OTF"/>
               </a:rPr>
-              <a:t>: </a:t>
-            </a:r>
-            <a:r>
-              <a:rPr lang="ko-KR" altLang="en-US" sz="2800" spc="-100">
-                <a:solidFill>
-                  <a:srgbClr val="006BB1"/>
-                </a:solidFill>
-                <a:latin typeface="나눔바른고딕OTF"/>
-                <a:ea typeface="나눔바른고딕OTF"/>
-              </a:rPr>
-              <a:t>데이터 편향</a:t>
-            </a:r>
-            <a:endParaRPr lang="en-US" altLang="ko-KR" sz="2800" spc="-100" dirty="0">
-              <a:solidFill>
-                <a:srgbClr val="006BB1"/>
-              </a:solidFill>
-              <a:latin typeface="나눔바른고딕OTF"/>
-              <a:ea typeface="나눔바른고딕OTF"/>
-            </a:endParaRPr>
+            </a:br>
+            <a:r>
+              <a:rPr lang="en-US" altLang="ko-KR" sz="2800" spc="-100" dirty="0">
+                <a:solidFill>
+                  <a:srgbClr val="006BB1"/>
+                </a:solidFill>
+                <a:latin typeface="나눔바른고딕OTF"/>
+                <a:ea typeface="나눔바른고딕OTF"/>
+              </a:rPr>
+              <a:t> : </a:t>
+            </a:r>
+            <a:r>
+              <a:rPr lang="ko-KR" altLang="en-US" sz="2800" spc="-100" dirty="0">
+                <a:solidFill>
+                  <a:srgbClr val="006BB1"/>
+                </a:solidFill>
+                <a:latin typeface="나눔바른고딕OTF"/>
+                <a:ea typeface="나눔바른고딕OTF"/>
+              </a:rPr>
+              <a:t>학습 데이터를 구성하는 과정에서 데이터의 편향을 제대로 확인하지 못함</a:t>
+            </a:r>
+            <a:br>
+              <a:rPr lang="en-US" altLang="ko-KR" sz="2800" spc="-100" dirty="0">
+                <a:solidFill>
+                  <a:srgbClr val="006BB1"/>
+                </a:solidFill>
+                <a:latin typeface="나눔바른고딕OTF"/>
+                <a:ea typeface="나눔바른고딕OTF"/>
+              </a:rPr>
+            </a:br>
+            <a:r>
+              <a:rPr lang="en-US" altLang="ko-KR" sz="2800" spc="-100" dirty="0">
+                <a:solidFill>
+                  <a:srgbClr val="006BB1"/>
+                </a:solidFill>
+                <a:latin typeface="나눔바른고딕OTF"/>
+                <a:ea typeface="나눔바른고딕OTF"/>
+              </a:rPr>
+              <a:t> </a:t>
+            </a:r>
           </a:p>
           <a:p>
             <a:pPr lvl="0" algn="l">
@@ -21573,6 +23039,16 @@
               <a:defRPr/>
             </a:pPr>
             <a:r>
+              <a:rPr lang="en-US" altLang="ko-KR" sz="2800" b="0" i="0" u="none" strike="noStrike" spc="-100" dirty="0">
+                <a:solidFill>
+                  <a:srgbClr val="006BB1"/>
+                </a:solidFill>
+                <a:latin typeface="나눔바른고딕OTF"/>
+                <a:ea typeface="나눔바른고딕OTF"/>
+              </a:rPr>
+              <a:t>- </a:t>
+            </a:r>
+            <a:r>
               <a:rPr lang="ko-KR" altLang="en-US" sz="2800" b="0" i="0" u="none" strike="noStrike" spc="-100" dirty="0">
                 <a:solidFill>
                   <a:srgbClr val="006BB1"/>
@@ -21580,8 +23056,66 @@
                 <a:latin typeface="나눔바른고딕OTF"/>
                 <a:ea typeface="나눔바른고딕OTF"/>
               </a:rPr>
-              <a:t>다른 알고리즘 활용</a:t>
-            </a:r>
+              <a:t>여러 알고리즘 활용 및 비교</a:t>
+            </a:r>
+            <a:br>
+              <a:rPr lang="en-US" altLang="ko-KR" sz="2800" b="0" i="0" u="none" strike="noStrike" spc="-100" dirty="0">
+                <a:solidFill>
+                  <a:srgbClr val="006BB1"/>
+                </a:solidFill>
+                <a:latin typeface="나눔바른고딕OTF"/>
+                <a:ea typeface="나눔바른고딕OTF"/>
+              </a:rPr>
+            </a:br>
+            <a:r>
+              <a:rPr lang="en-US" altLang="ko-KR" sz="2800" b="0" i="0" u="none" strike="noStrike" spc="-100" dirty="0">
+                <a:solidFill>
+                  <a:srgbClr val="006BB1"/>
+                </a:solidFill>
+                <a:latin typeface="나눔바른고딕OTF"/>
+                <a:ea typeface="나눔바른고딕OTF"/>
+              </a:rPr>
+              <a:t>: </a:t>
+            </a:r>
+            <a:r>
+              <a:rPr lang="ko-KR" altLang="en-US" sz="2800" b="0" i="0" u="none" strike="noStrike" spc="-100" dirty="0">
+                <a:solidFill>
+                  <a:srgbClr val="006BB1"/>
+                </a:solidFill>
+                <a:latin typeface="나눔바른고딕OTF"/>
+                <a:ea typeface="나눔바른고딕OTF"/>
+              </a:rPr>
+              <a:t>다른 알고리즘을 사용하여 모델을 테스트 해보지 않고 </a:t>
+            </a:r>
+            <a:r>
+              <a:rPr lang="en-US" altLang="ko-KR" sz="2800" b="0" i="0" u="none" strike="noStrike" spc="-100" dirty="0">
+                <a:solidFill>
+                  <a:srgbClr val="006BB1"/>
+                </a:solidFill>
+                <a:latin typeface="나눔바른고딕OTF"/>
+                <a:ea typeface="나눔바른고딕OTF"/>
+              </a:rPr>
+              <a:t>yolo</a:t>
+            </a:r>
+            <a:r>
+              <a:rPr lang="ko-KR" altLang="en-US" sz="2800" b="0" i="0" u="none" strike="noStrike" spc="-100" dirty="0">
+                <a:solidFill>
+                  <a:srgbClr val="006BB1"/>
+                </a:solidFill>
+                <a:latin typeface="나눔바른고딕OTF"/>
+                <a:ea typeface="나눔바른고딕OTF"/>
+              </a:rPr>
+              <a:t>로만 실험</a:t>
+            </a:r>
+            <a:br>
+              <a:rPr lang="en-US" altLang="ko-KR" sz="2800" b="0" i="0" u="none" strike="noStrike" spc="-100" dirty="0">
+                <a:solidFill>
+                  <a:srgbClr val="006BB1"/>
+                </a:solidFill>
+                <a:latin typeface="나눔바른고딕OTF"/>
+                <a:ea typeface="나눔바른고딕OTF"/>
+              </a:rPr>
+            </a:br>
             <a:endParaRPr lang="en-US" altLang="ko-KR" sz="2800" b="0" i="0" u="none" strike="noStrike" spc="-100" dirty="0">
               <a:solidFill>
                 <a:srgbClr val="006BB1"/>
@@ -21598,6 +23132,16 @@
               <a:defRPr/>
             </a:pPr>
             <a:r>
+              <a:rPr lang="en-US" altLang="ko-KR" sz="2800" spc="-100" dirty="0">
+                <a:solidFill>
+                  <a:srgbClr val="006BB1"/>
+                </a:solidFill>
+                <a:latin typeface="나눔바른고딕OTF"/>
+                <a:ea typeface="나눔바른고딕OTF"/>
+              </a:rPr>
+              <a:t>- </a:t>
+            </a:r>
+            <a:r>
               <a:rPr lang="ko-KR" altLang="en-US" sz="2800" spc="-100" dirty="0">
                 <a:solidFill>
                   <a:srgbClr val="006BB1"/>
@@ -21605,7 +23149,36 @@
                 <a:latin typeface="나눔바른고딕OTF"/>
                 <a:ea typeface="나눔바른고딕OTF"/>
               </a:rPr>
-              <a:t>실제 데이터와 최대한 유사한 테스트셋을 구성했지만 실제 데이터로는 테스트를 해보지 않은 점</a:t>
+              <a:t>실제 데이터 테스트</a:t>
+            </a:r>
+            <a:br>
+              <a:rPr lang="en-US" altLang="ko-KR" sz="2800" spc="-100" dirty="0">
+                <a:solidFill>
+                  <a:srgbClr val="006BB1"/>
+                </a:solidFill>
+                <a:latin typeface="나눔바른고딕OTF"/>
+                <a:ea typeface="나눔바른고딕OTF"/>
+              </a:rPr>
+            </a:br>
+            <a:r>
+              <a:rPr lang="en-US" altLang="ko-KR" sz="2800" spc="-100" dirty="0">
+                <a:solidFill>
+                  <a:srgbClr val="006BB1"/>
+                </a:solidFill>
+                <a:latin typeface="나눔바른고딕OTF"/>
+                <a:ea typeface="나눔바른고딕OTF"/>
+              </a:rPr>
+              <a:t>: </a:t>
+            </a:r>
+            <a:r>
+              <a:rPr lang="ko-KR" altLang="en-US" sz="2800" spc="-100" dirty="0">
+                <a:solidFill>
+                  <a:srgbClr val="006BB1"/>
+                </a:solidFill>
+                <a:latin typeface="나눔바른고딕OTF"/>
+                <a:ea typeface="나눔바른고딕OTF"/>
+              </a:rPr>
+              <a:t>테스트셋을 실제 환경과 유사하게 구성하려 노력했지만 실제 중고 마켓에 올라와 있는 데이터로는 테스트를 해보지 못함</a:t>
             </a:r>
             <a:endParaRPr lang="en-US" altLang="ko-KR" sz="2800" b="0" i="0" u="none" strike="noStrike" spc="-100" dirty="0">
               <a:solidFill>
@@ -21682,14 +23255,14 @@
               <a:defRPr/>
             </a:pPr>
             <a:r>
-              <a:rPr lang="ko-KR" altLang="en-US" sz="2800" b="0" i="0" u="none" strike="noStrike">
+              <a:rPr lang="ko-KR" altLang="en-US" sz="2800" b="0" i="0" u="none" strike="noStrike" dirty="0">
                 <a:solidFill>
                   <a:srgbClr val="F7F2EB"/>
                 </a:solidFill>
                 <a:latin typeface="나눔바른고딕OTF"/>
                 <a:ea typeface="나눔바른고딕OTF"/>
               </a:rPr>
-              <a:t>조 이름</a:t>
+              <a:t>가성비</a:t>
             </a:r>
           </a:p>
         </p:txBody>
@@ -22056,6 +23629,106 @@
               <a:defRPr/>
             </a:pPr>
             <a:r>
+              <a:rPr lang="ko-KR" altLang="en-US" sz="7200" b="0" i="0" u="none" strike="noStrike" spc="-200" dirty="0">
+                <a:solidFill>
+                  <a:srgbClr val="F7F2EB"/>
+                </a:solidFill>
+                <a:latin typeface="나눔바른고딕OTF"/>
+                <a:ea typeface="나눔바른고딕OTF"/>
+              </a:rPr>
+              <a:t>감</a:t>
+            </a:r>
+            <a:r>
+              <a:rPr lang="en-US" altLang="ko-KR" sz="7200" b="0" i="0" u="none" strike="noStrike" spc="-200" dirty="0">
+                <a:solidFill>
+                  <a:srgbClr val="F7F2EB"/>
+                </a:solidFill>
+                <a:latin typeface="나눔바른고딕OTF"/>
+                <a:ea typeface="나눔바른고딕OTF"/>
+              </a:rPr>
+              <a:t>.</a:t>
+            </a:r>
+            <a:r>
+              <a:rPr lang="ko-KR" altLang="en-US" sz="7200" b="0" i="0" u="none" strike="noStrike" spc="-200" dirty="0">
+                <a:solidFill>
+                  <a:srgbClr val="F7F2EB"/>
+                </a:solidFill>
+                <a:latin typeface="나눔바른고딕OTF"/>
+                <a:ea typeface="나눔바른고딕OTF"/>
+              </a:rPr>
+              <a:t> 사 </a:t>
+            </a:r>
+            <a:r>
+              <a:rPr lang="en-US" altLang="ko-KR" sz="7200" b="0" i="0" u="none" strike="noStrike" spc="-200" dirty="0">
+                <a:solidFill>
+                  <a:srgbClr val="F7F2EB"/>
+                </a:solidFill>
+                <a:latin typeface="나눔바른고딕OTF"/>
+                <a:ea typeface="나눔바른고딕OTF"/>
+              </a:rPr>
+              <a:t>. </a:t>
+            </a:r>
+            <a:r>
+              <a:rPr lang="ko-KR" altLang="en-US" sz="7200" b="0" i="0" u="none" strike="noStrike" spc="-200" dirty="0">
+                <a:solidFill>
+                  <a:srgbClr val="F7F2EB"/>
+                </a:solidFill>
+                <a:latin typeface="나눔바른고딕OTF"/>
+                <a:ea typeface="나눔바른고딕OTF"/>
+              </a:rPr>
+              <a:t>링</a:t>
+            </a:r>
+            <a:r>
+              <a:rPr lang="en-US" altLang="ko-KR" sz="7200" b="0" i="0" u="none" strike="noStrike" spc="-200" dirty="0">
+                <a:solidFill>
+                  <a:srgbClr val="F7F2EB"/>
+                </a:solidFill>
+                <a:latin typeface="나눔바른고딕OTF"/>
+                <a:ea typeface="나눔바른고딕OTF"/>
+              </a:rPr>
+              <a:t>. </a:t>
+            </a:r>
+            <a:r>
+              <a:rPr lang="ko-KR" altLang="en-US" sz="7200" b="0" i="0" u="none" strike="noStrike" spc="-200" dirty="0">
+                <a:solidFill>
+                  <a:srgbClr val="F7F2EB"/>
+                </a:solidFill>
+                <a:latin typeface="나눔바른고딕OTF"/>
+                <a:ea typeface="나눔바른고딕OTF"/>
+              </a:rPr>
+              <a:t>양</a:t>
+            </a:r>
+            <a:r>
+              <a:rPr lang="en-US" altLang="ko-KR" sz="7200" b="0" i="0" u="none" strike="noStrike" spc="-200" dirty="0">
+                <a:solidFill>
+                  <a:srgbClr val="F7F2EB"/>
+                </a:solidFill>
+                <a:latin typeface="나눔바른고딕OTF"/>
+                <a:ea typeface="나눔바른고딕OTF"/>
+              </a:rPr>
+              <a:t>. </a:t>
+            </a:r>
+            <a:r>
+              <a:rPr lang="ko-KR" altLang="en-US" sz="7200" b="0" i="0" u="none" strike="noStrike" spc="-200" dirty="0">
+                <a:solidFill>
+                  <a:srgbClr val="F7F2EB"/>
+                </a:solidFill>
+                <a:latin typeface="나눔바른고딕OTF"/>
+                <a:ea typeface="나눔바른고딕OTF"/>
+              </a:rPr>
+              <a:t>파</a:t>
+            </a:r>
+            <a:r>
+              <a:rPr lang="en-US" altLang="ko-KR" sz="7200" b="0" i="0" u="none" strike="noStrike" spc="-200">
+                <a:solidFill>
+                  <a:srgbClr val="F7F2EB"/>
+                </a:solidFill>
+                <a:latin typeface="나눔바른고딕OTF"/>
+                <a:ea typeface="나눔바른고딕OTF"/>
+              </a:rPr>
+              <a:t>. </a:t>
+            </a:r>
+            <a:r>
               <a:rPr lang="ko-KR" altLang="en-US" sz="7200" b="0" i="0" u="none" strike="noStrike" spc="-200">
                 <a:solidFill>
                   <a:srgbClr val="F7F2EB"/>
@@ -22063,10 +23736,10 @@
                 <a:latin typeface="나눔바른고딕OTF"/>
                 <a:ea typeface="나눔바른고딕OTF"/>
               </a:rPr>
-              <a:t>감</a:t>
-            </a:r>
-            <a:r>
-              <a:rPr lang="en-US" altLang="ko-KR" sz="7200" b="0" i="0" u="none" strike="noStrike" spc="-200">
+              <a:t>링</a:t>
+            </a:r>
+            <a:r>
+              <a:rPr lang="en-US" altLang="ko-KR" sz="7200" b="0" i="0" u="none" strike="noStrike" spc="-200" dirty="0">
                 <a:solidFill>
                   <a:srgbClr val="F7F2EB"/>
                 </a:solidFill>
@@ -22076,27 +23749,7 @@
               <a:t>.</a:t>
             </a:r>
             <a:r>
-              <a:rPr lang="ko-KR" altLang="en-US" sz="7200" b="0" i="0" u="none" strike="noStrike" spc="-200">
-                <a:solidFill>
-                  <a:srgbClr val="F7F2EB"/>
-                </a:solidFill>
-                <a:latin typeface="나눔바른고딕OTF"/>
-                <a:ea typeface="나눔바른고딕OTF"/>
-              </a:rPr>
-              <a:t> 사 </a:t>
-            </a:r>
-            <a:r>
-              <a:rPr lang="en-US" altLang="ko-KR" sz="7200" b="0" i="0" u="none" strike="noStrike" spc="-200">
-                <a:solidFill>
-                  <a:srgbClr val="F7F2EB"/>
-                </a:solidFill>
-                <a:latin typeface="나눔바른고딕OTF"/>
-                <a:ea typeface="나눔바른고딕OTF"/>
-              </a:rPr>
-              <a:t>.</a:t>
-            </a:r>
-            <a:r>
-              <a:rPr lang="ko-KR" altLang="en-US" sz="7200" b="0" i="0" u="none" strike="noStrike" spc="-200">
+              <a:rPr lang="ko-KR" altLang="en-US" sz="7200" b="0" i="0" u="none" strike="noStrike" spc="-200" dirty="0">
                 <a:solidFill>
                   <a:srgbClr val="F7F2EB"/>
                 </a:solidFill>
@@ -22117,7 +23770,7 @@
         <p:spPr>
           <a:xfrm>
             <a:off x="2387600" y="6146800"/>
-            <a:ext cx="9105900" cy="1524000"/>
+            <a:ext cx="9105900" cy="2273300"/>
           </a:xfrm>
           <a:prstGeom prst="rect">
             <a:avLst/>
@@ -22139,15 +23792,112 @@
               <a:defRPr/>
             </a:pPr>
             <a:r>
-              <a:rPr lang="ko-KR" altLang="en-US" sz="2400" b="0" i="0" u="none" strike="noStrike" spc="-100">
+              <a:rPr lang="ko-KR" altLang="en-US" sz="2400" b="0" i="0" u="none" strike="noStrike" spc="-100" dirty="0" err="1">
                 <a:solidFill>
                   <a:srgbClr val="F7F2EB"/>
                 </a:solidFill>
                 <a:latin typeface="Pretendard Medium"/>
                 <a:ea typeface="나눔바른고딕OTF"/>
               </a:rPr>
-              <a:t>ㄴㅇㄹㄴ</a:t>
-            </a:r>
+              <a:t>고서영</a:t>
+            </a:r>
+            <a:endParaRPr lang="en-US" altLang="ko-KR" sz="2400" b="0" i="0" u="none" strike="noStrike" spc="-100" dirty="0">
+              <a:solidFill>
+                <a:srgbClr val="F7F2EB"/>
+              </a:solidFill>
+              <a:latin typeface="Pretendard Medium"/>
+              <a:ea typeface="나눔바른고딕OTF"/>
+            </a:endParaRPr>
+          </a:p>
+          <a:p>
+            <a:pPr marL="342900" lvl="0" indent="-342900" algn="l">
+              <a:lnSpc>
+                <a:spcPct val="149400"/>
+              </a:lnSpc>
+              <a:buClr>
+                <a:srgbClr val="F7F2EB"/>
+              </a:buClr>
+              <a:buFont typeface="Arial"/>
+              <a:buChar char="●"/>
+              <a:defRPr/>
+            </a:pPr>
+            <a:r>
+              <a:rPr lang="ko-KR" altLang="en-US" sz="2400" spc="-100" dirty="0">
+                <a:solidFill>
+                  <a:srgbClr val="F7F2EB"/>
+                </a:solidFill>
+                <a:latin typeface="Pretendard Medium"/>
+                <a:ea typeface="나눔바른고딕OTF"/>
+              </a:rPr>
+              <a:t>김인호</a:t>
+            </a:r>
+            <a:endParaRPr lang="en-US" altLang="ko-KR" sz="2400" spc="-100" dirty="0">
+              <a:solidFill>
+                <a:srgbClr val="F7F2EB"/>
+              </a:solidFill>
+              <a:latin typeface="Pretendard Medium"/>
+              <a:ea typeface="나눔바른고딕OTF"/>
+            </a:endParaRPr>
+          </a:p>
+          <a:p>
+            <a:pPr marL="342900" lvl="0" indent="-342900" algn="l">
+              <a:lnSpc>
+                <a:spcPct val="149400"/>
+              </a:lnSpc>
+              <a:buClr>
+                <a:srgbClr val="F7F2EB"/>
+              </a:buClr>
+              <a:buFont typeface="Arial"/>
+              <a:buChar char="●"/>
+              <a:defRPr/>
+            </a:pPr>
+            <a:r>
+              <a:rPr lang="ko-KR" altLang="en-US" sz="2400" b="0" i="0" u="none" strike="noStrike" spc="-100" dirty="0" err="1">
+                <a:solidFill>
+                  <a:srgbClr val="F7F2EB"/>
+                </a:solidFill>
+                <a:latin typeface="Pretendard Medium"/>
+                <a:ea typeface="나눔바른고딕OTF"/>
+              </a:rPr>
+              <a:t>음정우</a:t>
+            </a:r>
+            <a:endParaRPr lang="en-US" altLang="ko-KR" sz="2400" b="0" i="0" u="none" strike="noStrike" spc="-100" dirty="0">
+              <a:solidFill>
+                <a:srgbClr val="F7F2EB"/>
+              </a:solidFill>
+              <a:latin typeface="Pretendard Medium"/>
+              <a:ea typeface="나눔바른고딕OTF"/>
+            </a:endParaRPr>
+          </a:p>
+          <a:p>
+            <a:pPr marL="342900" lvl="0" indent="-342900" algn="l">
+              <a:lnSpc>
+                <a:spcPct val="149400"/>
+              </a:lnSpc>
+              <a:buClr>
+                <a:srgbClr val="F7F2EB"/>
+              </a:buClr>
+              <a:buFont typeface="Arial"/>
+              <a:buChar char="●"/>
+              <a:defRPr/>
+            </a:pPr>
+            <a:r>
+              <a:rPr lang="ko-KR" altLang="en-US" sz="2400" spc="-100" dirty="0">
+                <a:solidFill>
+                  <a:srgbClr val="F7F2EB"/>
+                </a:solidFill>
+                <a:latin typeface="Pretendard Medium"/>
+                <a:ea typeface="나눔바른고딕OTF"/>
+              </a:rPr>
+              <a:t>이상준</a:t>
+            </a:r>
+            <a:endParaRPr lang="ko-KR" altLang="en-US" sz="2400" b="0" i="0" u="none" strike="noStrike" spc="-100" dirty="0">
+              <a:solidFill>
+                <a:srgbClr val="F7F2EB"/>
+              </a:solidFill>
+              <a:latin typeface="Pretendard Medium"/>
+              <a:ea typeface="나눔바른고딕OTF"/>
+            </a:endParaRPr>
           </a:p>
         </p:txBody>
       </p:sp>
@@ -22198,7 +23948,7 @@
     <mc:Choice Requires="p14">
       <p:transition/>
     </mc:Choice>
-    <mc:Fallback xmlns:dsp="http://schemas.microsoft.com/office/drawing/2008/diagram" xmlns:dgm="http://schemas.openxmlformats.org/drawingml/2006/diagram" xmlns:c="http://schemas.openxmlformats.org/drawingml/2006/chart" xmlns="">
+    <mc:Fallback xmlns="" xmlns:c="http://schemas.openxmlformats.org/drawingml/2006/chart" xmlns:dgm="http://schemas.openxmlformats.org/drawingml/2006/diagram" xmlns:dsp="http://schemas.microsoft.com/office/drawing/2008/diagram">
       <p:transition/>
     </mc:Fallback>
   </mc:AlternateContent>
@@ -22984,7 +24734,7 @@
     <mc:Choice Requires="p14">
       <p:transition/>
     </mc:Choice>
-    <mc:Fallback xmlns:dsp="http://schemas.microsoft.com/office/drawing/2008/diagram" xmlns:dgm="http://schemas.openxmlformats.org/drawingml/2006/diagram" xmlns:c="http://schemas.openxmlformats.org/drawingml/2006/chart" xmlns="">
+    <mc:Fallback xmlns="" xmlns:c="http://schemas.openxmlformats.org/drawingml/2006/chart" xmlns:dgm="http://schemas.openxmlformats.org/drawingml/2006/diagram" xmlns:dsp="http://schemas.microsoft.com/office/drawing/2008/diagram">
       <p:transition/>
     </mc:Fallback>
   </mc:AlternateContent>
@@ -23270,7 +25020,7 @@
               <a:defRPr/>
             </a:pPr>
             <a:r>
-              <a:rPr lang="ko-KR" sz="5000" b="0" i="0" u="none" strike="noStrike">
+              <a:rPr lang="ko-KR" sz="5000" b="0" i="0" u="none" strike="noStrike" dirty="0">
                 <a:solidFill>
                   <a:srgbClr val="006BB1"/>
                 </a:solidFill>
@@ -23280,7 +25030,7 @@
               <a:t>목표</a:t>
             </a:r>
             <a:r>
-              <a:rPr lang="en-US" sz="5000" b="0" i="0" u="none" strike="noStrike">
+              <a:rPr lang="en-US" sz="5000" b="0" i="0" u="none" strike="noStrike" dirty="0">
                 <a:solidFill>
                   <a:srgbClr val="006BB1"/>
                 </a:solidFill>
@@ -23290,7 +25040,7 @@
               <a:t> </a:t>
             </a:r>
             <a:r>
-              <a:rPr lang="ko-KR" sz="5000" b="0" i="0" u="none" strike="noStrike">
+              <a:rPr lang="ko-KR" sz="5000" b="0" i="0" u="none" strike="noStrike" dirty="0">
                 <a:solidFill>
                   <a:srgbClr val="006BB1"/>
                 </a:solidFill>
@@ -23874,7 +25624,7 @@
               <a:defRPr/>
             </a:pPr>
             <a:r>
-              <a:rPr lang="en-US" sz="1100" b="0" i="0" u="none" strike="noStrike">
+              <a:rPr lang="en-US" sz="1100" b="0" i="0" u="none" strike="noStrike" dirty="0">
                 <a:solidFill>
                   <a:srgbClr val="FFFFFF"/>
                 </a:solidFill>
@@ -23884,7 +25634,7 @@
               <a:t>*</a:t>
             </a:r>
             <a:r>
-              <a:rPr lang="ko-KR" sz="1100" b="0" i="0" u="none" strike="noStrike">
+              <a:rPr lang="ko-KR" sz="1100" b="0" i="0" u="none" strike="noStrike" dirty="0">
                 <a:solidFill>
                   <a:srgbClr val="FFFFFF"/>
                 </a:solidFill>
@@ -23894,7 +25644,7 @@
               <a:t>페이지</a:t>
             </a:r>
             <a:r>
-              <a:rPr lang="en-US" sz="1100" b="0" i="0" u="none" strike="noStrike">
+              <a:rPr lang="en-US" sz="1100" b="0" i="0" u="none" strike="noStrike" dirty="0">
                 <a:solidFill>
                   <a:srgbClr val="FFFFFF"/>
                 </a:solidFill>
@@ -23904,7 +25654,7 @@
               <a:t> </a:t>
             </a:r>
             <a:r>
-              <a:rPr lang="ko-KR" sz="1100" b="0" i="0" u="none" strike="noStrike">
+              <a:rPr lang="ko-KR" sz="1100" b="0" i="0" u="none" strike="noStrike" dirty="0">
                 <a:solidFill>
                   <a:srgbClr val="FFFFFF"/>
                 </a:solidFill>
@@ -23914,7 +25664,7 @@
               <a:t>내</a:t>
             </a:r>
             <a:r>
-              <a:rPr lang="en-US" sz="1100" b="0" i="0" u="none" strike="noStrike">
+              <a:rPr lang="en-US" sz="1100" b="0" i="0" u="none" strike="noStrike" dirty="0">
                 <a:solidFill>
                   <a:srgbClr val="FFFFFF"/>
                 </a:solidFill>
@@ -23924,7 +25674,7 @@
               <a:t> </a:t>
             </a:r>
             <a:r>
-              <a:rPr lang="ko-KR" sz="1100" b="0" i="0" u="none" strike="noStrike">
+              <a:rPr lang="ko-KR" sz="1100" b="0" i="0" u="none" strike="noStrike" dirty="0">
                 <a:solidFill>
                   <a:srgbClr val="FFFFFF"/>
                 </a:solidFill>
@@ -23934,7 +25684,7 @@
               <a:t>인물</a:t>
             </a:r>
             <a:r>
-              <a:rPr lang="en-US" sz="1100" b="0" i="0" u="none" strike="noStrike">
+              <a:rPr lang="en-US" sz="1100" b="0" i="0" u="none" strike="noStrike" dirty="0">
                 <a:solidFill>
                   <a:srgbClr val="FFFFFF"/>
                 </a:solidFill>
@@ -23944,7 +25694,7 @@
               <a:t> </a:t>
             </a:r>
             <a:r>
-              <a:rPr lang="ko-KR" sz="1100" b="0" i="0" u="none" strike="noStrike">
+              <a:rPr lang="ko-KR" sz="1100" b="0" i="0" u="none" strike="noStrike" dirty="0">
                 <a:solidFill>
                   <a:srgbClr val="FFFFFF"/>
                 </a:solidFill>
@@ -23954,7 +25704,7 @@
               <a:t>사진은</a:t>
             </a:r>
             <a:r>
-              <a:rPr lang="en-US" sz="1100" b="0" i="0" u="none" strike="noStrike">
+              <a:rPr lang="en-US" sz="1100" b="0" i="0" u="none" strike="noStrike" dirty="0">
                 <a:solidFill>
                   <a:srgbClr val="FFFFFF"/>
                 </a:solidFill>
@@ -23964,7 +25714,7 @@
               <a:t> </a:t>
             </a:r>
             <a:r>
-              <a:rPr lang="ko-KR" sz="1100" b="0" i="0" u="none" strike="noStrike">
+              <a:rPr lang="ko-KR" sz="1100" b="0" i="0" u="none" strike="noStrike" dirty="0" err="1">
                 <a:solidFill>
                   <a:srgbClr val="FFFFFF"/>
                 </a:solidFill>
@@ -23974,7 +25724,7 @@
               <a:t>샘플이미지</a:t>
             </a:r>
             <a:r>
-              <a:rPr lang="en-US" sz="1100" b="0" i="0" u="none" strike="noStrike">
+              <a:rPr lang="en-US" sz="1100" b="0" i="0" u="none" strike="noStrike" dirty="0">
                 <a:solidFill>
                   <a:srgbClr val="FFFFFF"/>
                 </a:solidFill>
@@ -23984,7 +25734,7 @@
               <a:t> </a:t>
             </a:r>
             <a:r>
-              <a:rPr lang="ko-KR" sz="1100" b="0" i="0" u="none" strike="noStrike">
+              <a:rPr lang="ko-KR" sz="1100" b="0" i="0" u="none" strike="noStrike" dirty="0">
                 <a:solidFill>
                   <a:srgbClr val="FFFFFF"/>
                 </a:solidFill>
@@ -23994,7 +25744,7 @@
               <a:t>입니다</a:t>
             </a:r>
             <a:r>
-              <a:rPr lang="en-US" sz="1100" b="0" i="0" u="none" strike="noStrike">
+              <a:rPr lang="en-US" sz="1100" b="0" i="0" u="none" strike="noStrike" dirty="0">
                 <a:solidFill>
                   <a:srgbClr val="FFFFFF"/>
                 </a:solidFill>
@@ -24330,7 +26080,7 @@
     <mc:Choice Requires="p14">
       <p:transition/>
     </mc:Choice>
-    <mc:Fallback xmlns:dsp="http://schemas.microsoft.com/office/drawing/2008/diagram" xmlns:dgm="http://schemas.openxmlformats.org/drawingml/2006/diagram" xmlns:c="http://schemas.openxmlformats.org/drawingml/2006/chart" xmlns="">
+    <mc:Fallback xmlns="" xmlns:c="http://schemas.openxmlformats.org/drawingml/2006/chart" xmlns:dgm="http://schemas.openxmlformats.org/drawingml/2006/diagram" xmlns:dsp="http://schemas.microsoft.com/office/drawing/2008/diagram">
       <p:transition/>
     </mc:Fallback>
   </mc:AlternateContent>
@@ -24577,7 +26327,7 @@
     <mc:Choice Requires="p14">
       <p:transition/>
     </mc:Choice>
-    <mc:Fallback xmlns:dsp="http://schemas.microsoft.com/office/drawing/2008/diagram" xmlns:dgm="http://schemas.openxmlformats.org/drawingml/2006/diagram" xmlns:c="http://schemas.openxmlformats.org/drawingml/2006/chart" xmlns="">
+    <mc:Fallback xmlns="" xmlns:c="http://schemas.openxmlformats.org/drawingml/2006/chart" xmlns:dgm="http://schemas.openxmlformats.org/drawingml/2006/diagram" xmlns:dsp="http://schemas.microsoft.com/office/drawing/2008/diagram">
       <p:transition/>
     </mc:Fallback>
   </mc:AlternateContent>
@@ -25098,7 +26848,7 @@
     <mc:Choice Requires="p14">
       <p:transition/>
     </mc:Choice>
-    <mc:Fallback xmlns:dsp="http://schemas.microsoft.com/office/drawing/2008/diagram" xmlns:dgm="http://schemas.openxmlformats.org/drawingml/2006/diagram" xmlns:c="http://schemas.openxmlformats.org/drawingml/2006/chart" xmlns="">
+    <mc:Fallback xmlns="" xmlns:c="http://schemas.openxmlformats.org/drawingml/2006/chart" xmlns:dgm="http://schemas.openxmlformats.org/drawingml/2006/diagram" xmlns:dsp="http://schemas.microsoft.com/office/drawing/2008/diagram">
       <p:transition/>
     </mc:Fallback>
   </mc:AlternateContent>
@@ -26154,7 +27904,7 @@
               <a:defRPr/>
             </a:pPr>
             <a:r>
-              <a:rPr lang="ko-KR" sz="2200" b="0" i="0" u="none" strike="noStrike" spc="-100">
+              <a:rPr lang="ko-KR" sz="2200" b="0" i="0" u="none" strike="noStrike" spc="-100" dirty="0">
                 <a:solidFill>
                   <a:srgbClr val="006BB1"/>
                 </a:solidFill>
@@ -26172,7 +27922,7 @@
               <a:defRPr/>
             </a:pPr>
             <a:r>
-              <a:rPr lang="en-US" sz="2200" b="0" i="0" u="none" strike="noStrike" spc="-100">
+              <a:rPr lang="en-US" sz="2200" b="0" i="0" u="none" strike="noStrike" spc="-100" dirty="0">
                 <a:solidFill>
                   <a:srgbClr val="006BB1"/>
                 </a:solidFill>
@@ -26182,7 +27932,7 @@
               <a:t>- </a:t>
             </a:r>
             <a:r>
-              <a:rPr lang="ko-KR" sz="2200" b="0" i="0" u="none" strike="noStrike" spc="-100">
+              <a:rPr lang="ko-KR" sz="2200" b="0" i="0" u="none" strike="noStrike" spc="-100" dirty="0">
                 <a:solidFill>
                   <a:srgbClr val="006BB1"/>
                 </a:solidFill>
@@ -26192,7 +27942,7 @@
               <a:t>카테고리</a:t>
             </a:r>
             <a:r>
-              <a:rPr lang="en-US" sz="2200" b="0" i="0" u="none" strike="noStrike" spc="-100">
+              <a:rPr lang="en-US" sz="2200" b="0" i="0" u="none" strike="noStrike" spc="-100" dirty="0">
                 <a:solidFill>
                   <a:srgbClr val="006BB1"/>
                 </a:solidFill>
@@ -26202,7 +27952,7 @@
               <a:t>, </a:t>
             </a:r>
             <a:r>
-              <a:rPr lang="ko-KR" sz="2200" b="0" i="0" u="none" strike="noStrike" spc="-100">
+              <a:rPr lang="ko-KR" sz="2200" b="0" i="0" u="none" strike="noStrike" spc="-100" dirty="0">
                 <a:solidFill>
                   <a:srgbClr val="006BB1"/>
                 </a:solidFill>
@@ -26212,7 +27962,7 @@
               <a:t>컬러</a:t>
             </a:r>
             <a:r>
-              <a:rPr lang="en-US" sz="2200" b="0" i="0" u="none" strike="noStrike" spc="-100">
+              <a:rPr lang="en-US" sz="2200" b="0" i="0" u="none" strike="noStrike" spc="-100" dirty="0">
                 <a:solidFill>
                   <a:srgbClr val="006BB1"/>
                 </a:solidFill>
@@ -26222,7 +27972,7 @@
               <a:t>, </a:t>
             </a:r>
             <a:r>
-              <a:rPr lang="ko-KR" sz="2200" b="0" i="0" u="none" strike="noStrike" spc="-100">
+              <a:rPr lang="ko-KR" sz="2200" b="0" i="0" u="none" strike="noStrike" spc="-100" dirty="0">
                 <a:solidFill>
                   <a:srgbClr val="006BB1"/>
                 </a:solidFill>
@@ -26232,7 +27982,7 @@
               <a:t>프린트</a:t>
             </a:r>
             <a:r>
-              <a:rPr lang="en-US" sz="2200" b="0" i="0" u="none" strike="noStrike" spc="-100">
+              <a:rPr lang="en-US" sz="2200" b="0" i="0" u="none" strike="noStrike" spc="-100" dirty="0">
                 <a:solidFill>
                   <a:srgbClr val="006BB1"/>
                 </a:solidFill>
@@ -26242,7 +27992,7 @@
               <a:t>, </a:t>
             </a:r>
             <a:r>
-              <a:rPr lang="ko-KR" sz="2200" b="0" i="0" u="none" strike="noStrike" spc="-100">
+              <a:rPr lang="ko-KR" sz="2200" b="0" i="0" u="none" strike="noStrike" spc="-100" dirty="0">
                 <a:solidFill>
                   <a:srgbClr val="006BB1"/>
                 </a:solidFill>
@@ -26252,7 +28002,7 @@
               <a:t>소재</a:t>
             </a:r>
             <a:r>
-              <a:rPr lang="en-US" sz="2200" b="0" i="0" u="none" strike="noStrike" spc="-100">
+              <a:rPr lang="en-US" sz="2200" b="0" i="0" u="none" strike="noStrike" spc="-100" dirty="0">
                 <a:solidFill>
                   <a:srgbClr val="006BB1"/>
                 </a:solidFill>
@@ -26262,7 +28012,7 @@
               <a:t>, </a:t>
             </a:r>
             <a:r>
-              <a:rPr lang="ko-KR" sz="2200" b="0" i="0" u="none" strike="noStrike" spc="-100">
+              <a:rPr lang="ko-KR" sz="2200" b="0" i="0" u="none" strike="noStrike" spc="-100" dirty="0">
                 <a:solidFill>
                   <a:srgbClr val="006BB1"/>
                 </a:solidFill>
@@ -26272,7 +28022,7 @@
               <a:t>기장</a:t>
             </a:r>
             <a:r>
-              <a:rPr lang="en-US" sz="2200" b="0" i="0" u="none" strike="noStrike" spc="-100">
+              <a:rPr lang="en-US" sz="2200" b="0" i="0" u="none" strike="noStrike" spc="-100" dirty="0">
                 <a:solidFill>
                   <a:srgbClr val="006BB1"/>
                 </a:solidFill>
@@ -26290,7 +28040,7 @@
               <a:defRPr/>
             </a:pPr>
             <a:r>
-              <a:rPr lang="ko-KR" sz="2200" b="0" i="0" u="none" strike="noStrike" spc="-100">
+              <a:rPr lang="ko-KR" sz="2200" b="0" i="0" u="none" strike="noStrike" spc="-100" dirty="0">
                 <a:solidFill>
                   <a:srgbClr val="006BB1"/>
                 </a:solidFill>
@@ -26300,7 +28050,7 @@
               <a:t>세부</a:t>
             </a:r>
             <a:r>
-              <a:rPr lang="en-US" sz="2200" b="0" i="0" u="none" strike="noStrike" spc="-100">
+              <a:rPr lang="en-US" sz="2200" b="0" i="0" u="none" strike="noStrike" spc="-100" dirty="0">
                 <a:solidFill>
                   <a:srgbClr val="006BB1"/>
                 </a:solidFill>
@@ -26310,7 +28060,7 @@
               <a:t> </a:t>
             </a:r>
             <a:r>
-              <a:rPr lang="ko-KR" sz="2200" b="0" i="0" u="none" strike="noStrike" spc="-100">
+              <a:rPr lang="ko-KR" sz="2200" b="0" i="0" u="none" strike="noStrike" spc="-100" dirty="0">
                 <a:solidFill>
                   <a:srgbClr val="006BB1"/>
                 </a:solidFill>
@@ -26328,7 +28078,7 @@
               <a:defRPr/>
             </a:pPr>
             <a:r>
-              <a:rPr lang="en-US" sz="2200" b="0" i="0" u="none" strike="noStrike" spc="-100">
+              <a:rPr lang="en-US" sz="2200" b="0" i="0" u="none" strike="noStrike" spc="-100" dirty="0">
                 <a:solidFill>
                   <a:srgbClr val="006BB1"/>
                 </a:solidFill>
@@ -26338,7 +28088,7 @@
               <a:t>- </a:t>
             </a:r>
             <a:r>
-              <a:rPr lang="ko-KR" sz="2200" b="0" i="0" u="none" strike="noStrike" spc="-100">
+              <a:rPr lang="ko-KR" sz="2200" b="0" i="0" u="none" strike="noStrike" spc="-100" dirty="0">
                 <a:solidFill>
                   <a:srgbClr val="006BB1"/>
                 </a:solidFill>
@@ -26348,7 +28098,7 @@
               <a:t>대분류에</a:t>
             </a:r>
             <a:r>
-              <a:rPr lang="en-US" sz="2200" b="0" i="0" u="none" strike="noStrike" spc="-100">
+              <a:rPr lang="en-US" sz="2200" b="0" i="0" u="none" strike="noStrike" spc="-100" dirty="0">
                 <a:solidFill>
                   <a:srgbClr val="006BB1"/>
                 </a:solidFill>
@@ -26358,7 +28108,7 @@
               <a:t> </a:t>
             </a:r>
             <a:r>
-              <a:rPr lang="ko-KR" sz="2200" b="0" i="0" u="none" strike="noStrike" spc="-100">
+              <a:rPr lang="ko-KR" sz="2200" b="0" i="0" u="none" strike="noStrike" spc="-100" dirty="0">
                 <a:solidFill>
                   <a:srgbClr val="006BB1"/>
                 </a:solidFill>
@@ -26368,7 +28118,7 @@
               <a:t>대한</a:t>
             </a:r>
             <a:r>
-              <a:rPr lang="en-US" sz="2200" b="0" i="0" u="none" strike="noStrike" spc="-100">
+              <a:rPr lang="en-US" sz="2200" b="0" i="0" u="none" strike="noStrike" spc="-100" dirty="0">
                 <a:solidFill>
                   <a:srgbClr val="006BB1"/>
                 </a:solidFill>
@@ -26378,7 +28128,7 @@
               <a:t> </a:t>
             </a:r>
             <a:r>
-              <a:rPr lang="ko-KR" sz="2200" b="0" i="0" u="none" strike="noStrike" spc="-100">
+              <a:rPr lang="ko-KR" sz="2200" b="0" i="0" u="none" strike="noStrike" spc="-100" dirty="0">
                 <a:solidFill>
                   <a:srgbClr val="006BB1"/>
                 </a:solidFill>
@@ -26388,7 +28138,7 @@
               <a:t>세부</a:t>
             </a:r>
             <a:r>
-              <a:rPr lang="en-US" sz="2200" b="0" i="0" u="none" strike="noStrike" spc="-100">
+              <a:rPr lang="en-US" sz="2200" b="0" i="0" u="none" strike="noStrike" spc="-100" dirty="0">
                 <a:solidFill>
                   <a:srgbClr val="006BB1"/>
                 </a:solidFill>
@@ -26398,7 +28148,7 @@
               <a:t> </a:t>
             </a:r>
             <a:r>
-              <a:rPr lang="ko-KR" sz="2200" b="0" i="0" u="none" strike="noStrike" spc="-100">
+              <a:rPr lang="ko-KR" sz="2200" b="0" i="0" u="none" strike="noStrike" spc="-100" dirty="0">
                 <a:solidFill>
                   <a:srgbClr val="006BB1"/>
                 </a:solidFill>
@@ -26408,7 +28158,7 @@
               <a:t>속성</a:t>
             </a:r>
             <a:r>
-              <a:rPr lang="en-US" sz="2200" b="0" i="0" u="none" strike="noStrike" spc="-100">
+              <a:rPr lang="en-US" sz="2200" b="0" i="0" u="none" strike="noStrike" spc="-100" dirty="0">
                 <a:solidFill>
                   <a:srgbClr val="006BB1"/>
                 </a:solidFill>
@@ -26418,7 +28168,7 @@
               <a:t> ex) </a:t>
             </a:r>
             <a:r>
-              <a:rPr lang="ko-KR" sz="2200" b="0" i="0" u="none" strike="noStrike" spc="-100">
+              <a:rPr lang="ko-KR" sz="2200" b="0" i="0" u="none" strike="noStrike" spc="-100" dirty="0">
                 <a:solidFill>
                   <a:srgbClr val="006BB1"/>
                 </a:solidFill>
@@ -26428,7 +28178,7 @@
               <a:t>컬러</a:t>
             </a:r>
             <a:r>
-              <a:rPr lang="en-US" sz="2200" b="0" i="0" u="none" strike="noStrike" spc="-100">
+              <a:rPr lang="en-US" sz="2200" b="0" i="0" u="none" strike="noStrike" spc="-100" dirty="0">
                 <a:solidFill>
                   <a:srgbClr val="006BB1"/>
                 </a:solidFill>
@@ -26438,7 +28188,7 @@
               <a:t> -&gt; </a:t>
             </a:r>
             <a:r>
-              <a:rPr lang="ko-KR" sz="2200" b="0" i="0" u="none" strike="noStrike" spc="-100">
+              <a:rPr lang="ko-KR" sz="2200" b="0" i="0" u="none" strike="noStrike" spc="-100" dirty="0">
                 <a:solidFill>
                   <a:srgbClr val="006BB1"/>
                 </a:solidFill>
@@ -26448,7 +28198,7 @@
               <a:t>블랙</a:t>
             </a:r>
             <a:r>
-              <a:rPr lang="en-US" sz="2200" b="0" i="0" u="none" strike="noStrike" spc="-100">
+              <a:rPr lang="en-US" sz="2200" b="0" i="0" u="none" strike="noStrike" spc="-100" dirty="0">
                 <a:solidFill>
                   <a:srgbClr val="006BB1"/>
                 </a:solidFill>
@@ -26458,7 +28208,7 @@
               <a:t>, </a:t>
             </a:r>
             <a:r>
-              <a:rPr lang="ko-KR" sz="2200" b="0" i="0" u="none" strike="noStrike" spc="-100">
+              <a:rPr lang="ko-KR" sz="2200" b="0" i="0" u="none" strike="noStrike" spc="-100" dirty="0">
                 <a:solidFill>
                   <a:srgbClr val="006BB1"/>
                 </a:solidFill>
@@ -26468,7 +28218,7 @@
               <a:t>레드</a:t>
             </a:r>
             <a:r>
-              <a:rPr lang="en-US" sz="2200" b="0" i="0" u="none" strike="noStrike" spc="-100">
+              <a:rPr lang="en-US" sz="2200" b="0" i="0" u="none" strike="noStrike" spc="-100" dirty="0">
                 <a:solidFill>
                   <a:srgbClr val="006BB1"/>
                 </a:solidFill>
@@ -26486,7 +28236,7 @@
               <a:defRPr/>
             </a:pPr>
             <a:r>
-              <a:rPr lang="ko-KR" sz="2200" b="0" i="0" u="none" strike="noStrike" spc="-100">
+              <a:rPr lang="ko-KR" sz="2200" b="0" i="0" u="none" strike="noStrike" spc="-100" dirty="0">
                 <a:solidFill>
                   <a:srgbClr val="006BB1"/>
                 </a:solidFill>
@@ -26504,7 +28254,7 @@
               <a:defRPr/>
             </a:pPr>
             <a:r>
-              <a:rPr lang="en-US" sz="2200" b="0" i="0" u="none" strike="noStrike" spc="-100">
+              <a:rPr lang="en-US" sz="2200" b="0" i="0" u="none" strike="noStrike" spc="-100" dirty="0">
                 <a:solidFill>
                   <a:srgbClr val="006BB1"/>
                 </a:solidFill>
@@ -26514,7 +28264,7 @@
               <a:t>- </a:t>
             </a:r>
             <a:r>
-              <a:rPr lang="ko-KR" sz="2200" b="0" i="0" u="none" strike="noStrike" spc="-100">
+              <a:rPr lang="ko-KR" sz="2200" b="0" i="0" u="none" strike="noStrike" spc="-100" dirty="0">
                 <a:solidFill>
                   <a:srgbClr val="006BB1"/>
                 </a:solidFill>
@@ -26524,7 +28274,7 @@
               <a:t>모던</a:t>
             </a:r>
             <a:r>
-              <a:rPr lang="en-US" sz="2200" b="0" i="0" u="none" strike="noStrike" spc="-100">
+              <a:rPr lang="en-US" sz="2200" b="0" i="0" u="none" strike="noStrike" spc="-100" dirty="0">
                 <a:solidFill>
                   <a:srgbClr val="006BB1"/>
                 </a:solidFill>
@@ -26534,7 +28284,7 @@
               <a:t>, </a:t>
             </a:r>
             <a:r>
-              <a:rPr lang="ko-KR" sz="2200" b="0" i="0" u="none" strike="noStrike" spc="-100">
+              <a:rPr lang="ko-KR" sz="2200" b="0" i="0" u="none" strike="noStrike" spc="-100" dirty="0">
                 <a:solidFill>
                   <a:srgbClr val="006BB1"/>
                 </a:solidFill>
@@ -26544,7 +28294,7 @@
               <a:t>컨트리</a:t>
             </a:r>
             <a:r>
-              <a:rPr lang="en-US" sz="2200" b="0" i="0" u="none" strike="noStrike" spc="-100">
+              <a:rPr lang="en-US" sz="2200" b="0" i="0" u="none" strike="noStrike" spc="-100" dirty="0">
                 <a:solidFill>
                   <a:srgbClr val="006BB1"/>
                 </a:solidFill>
@@ -26554,7 +28304,7 @@
               <a:t>, </a:t>
             </a:r>
             <a:r>
-              <a:rPr lang="ko-KR" sz="2200" b="0" i="0" u="none" strike="noStrike" spc="-100">
+              <a:rPr lang="ko-KR" sz="2200" b="0" i="0" u="none" strike="noStrike" spc="-100" dirty="0">
                 <a:solidFill>
                   <a:srgbClr val="006BB1"/>
                 </a:solidFill>
@@ -26564,7 +28314,7 @@
               <a:t>히피</a:t>
             </a:r>
             <a:r>
-              <a:rPr lang="en-US" sz="2200" b="0" i="0" u="none" strike="noStrike" spc="-100">
+              <a:rPr lang="en-US" sz="2200" b="0" i="0" u="none" strike="noStrike" spc="-100" dirty="0">
                 <a:solidFill>
                   <a:srgbClr val="006BB1"/>
                 </a:solidFill>
@@ -26574,7 +28324,7 @@
               <a:t>, </a:t>
             </a:r>
             <a:r>
-              <a:rPr lang="ko-KR" sz="2200" b="0" i="0" u="none" strike="noStrike" spc="-100">
+              <a:rPr lang="ko-KR" sz="2200" b="0" i="0" u="none" strike="noStrike" spc="-100" dirty="0" err="1">
                 <a:solidFill>
                   <a:srgbClr val="006BB1"/>
                 </a:solidFill>
@@ -26584,7 +28334,7 @@
               <a:t>레트로</a:t>
             </a:r>
             <a:r>
-              <a:rPr lang="en-US" sz="2200" b="0" i="0" u="none" strike="noStrike" spc="-100">
+              <a:rPr lang="en-US" sz="2200" b="0" i="0" u="none" strike="noStrike" spc="-100" dirty="0">
                 <a:solidFill>
                   <a:srgbClr val="006BB1"/>
                 </a:solidFill>
@@ -26657,7 +28407,7 @@
     <mc:Choice Requires="p14">
       <p:transition/>
     </mc:Choice>
-    <mc:Fallback xmlns:dsp="http://schemas.microsoft.com/office/drawing/2008/diagram" xmlns:dgm="http://schemas.openxmlformats.org/drawingml/2006/diagram" xmlns:c="http://schemas.openxmlformats.org/drawingml/2006/chart" xmlns="">
+    <mc:Fallback xmlns="" xmlns:c="http://schemas.openxmlformats.org/drawingml/2006/chart" xmlns:dgm="http://schemas.openxmlformats.org/drawingml/2006/diagram" xmlns:dsp="http://schemas.microsoft.com/office/drawing/2008/diagram">
       <p:transition/>
     </mc:Fallback>
   </mc:AlternateContent>
@@ -27006,7 +28756,7 @@
           <p:nvPr>
             <p:extLst>
               <p:ext uri="{D42A27DB-BD31-4B8C-83A1-F6EECF244321}">
-                <p14:modId xmlns:p14="http://schemas.microsoft.com/office/powerpoint/2010/main" val="885123325"/>
+                <p14:modId xmlns:p14="http://schemas.microsoft.com/office/powerpoint/2010/main" val="411367717"/>
               </p:ext>
             </p:extLst>
           </p:nvPr>
@@ -27051,7 +28801,7 @@
                         </a:defRPr>
                       </a:pPr>
                       <a:r>
-                        <a:rPr lang="ko-KR" sz="1700" b="0" i="0" u="none" strike="noStrike">
+                        <a:rPr lang="ko-KR" sz="1700" b="0" i="0" u="none" strike="noStrike" dirty="0">
                           <a:solidFill>
                             <a:srgbClr val="FFFFFF"/>
                           </a:solidFill>
@@ -27060,7 +28810,7 @@
                         </a:rPr>
                         <a:t>품목</a:t>
                       </a:r>
-                      <a:endParaRPr lang="en-US" sz="1100">
+                      <a:endParaRPr lang="en-US" sz="1100" dirty="0">
                         <a:latin typeface="나눔바른고딕OTF"/>
                         <a:ea typeface="나눔바른고딕OTF"/>
                       </a:endParaRPr>
@@ -27129,7 +28879,7 @@
                         </a:defRPr>
                       </a:pPr>
                       <a:r>
-                        <a:rPr lang="ko-KR" sz="1700" b="0" i="0" u="none" strike="noStrike">
+                        <a:rPr lang="ko-KR" sz="1700" b="0" i="0" u="none" strike="noStrike" dirty="0">
                           <a:solidFill>
                             <a:srgbClr val="FFFFFF"/>
                           </a:solidFill>
@@ -27139,7 +28889,7 @@
                         <a:t>데이터</a:t>
                       </a:r>
                       <a:r>
-                        <a:rPr lang="en-US" sz="1700" b="0" i="0" u="none" strike="noStrike">
+                        <a:rPr lang="en-US" sz="1700" b="0" i="0" u="none" strike="noStrike" dirty="0">
                           <a:solidFill>
                             <a:srgbClr val="FFFFFF"/>
                           </a:solidFill>
@@ -27149,7 +28899,7 @@
                         <a:t> </a:t>
                       </a:r>
                       <a:r>
-                        <a:rPr lang="ko-KR" sz="1700" b="0" i="0" u="none" strike="noStrike">
+                        <a:rPr lang="ko-KR" sz="1700" b="0" i="0" u="none" strike="noStrike" dirty="0">
                           <a:solidFill>
                             <a:srgbClr val="FFFFFF"/>
                           </a:solidFill>
@@ -27158,7 +28908,7 @@
                         </a:rPr>
                         <a:t>개수</a:t>
                       </a:r>
-                      <a:endParaRPr lang="en-US" sz="1100">
+                      <a:endParaRPr lang="en-US" sz="1100" dirty="0">
                         <a:latin typeface="나눔바른고딕OTF"/>
                         <a:ea typeface="나눔바른고딕OTF"/>
                       </a:endParaRPr>
@@ -27232,18 +28982,18 @@
                         </a:defRPr>
                       </a:pPr>
                       <a:r>
-                        <a:rPr lang="ko-KR" sz="1600" b="0" i="0" u="none" strike="noStrike">
+                        <a:rPr lang="ko-KR" sz="1600" b="0" i="0" u="none" strike="noStrike" dirty="0" err="1">
                           <a:solidFill>
                             <a:srgbClr val="8896D7"/>
                           </a:solidFill>
-                          <a:latin typeface="나눔바른고딕OTF"/>
-                          <a:ea typeface="나눔바른고딕OTF"/>
+                          <a:latin typeface="나눔바른고딕OTF" panose="02020603020101020101" pitchFamily="18" charset="-127"/>
+                          <a:ea typeface="나눔바른고딕OTF" panose="02020603020101020101" pitchFamily="18" charset="-127"/>
                         </a:rPr>
                         <a:t>긴소매</a:t>
                       </a:r>
-                      <a:endParaRPr lang="en-US" sz="1100">
-                        <a:latin typeface="나눔바른고딕OTF"/>
-                        <a:ea typeface="나눔바른고딕OTF"/>
+                      <a:endParaRPr lang="en-US" sz="1100" b="0" dirty="0">
+                        <a:latin typeface="나눔바른고딕OTF" panose="02020603020101020101" pitchFamily="18" charset="-127"/>
+                        <a:ea typeface="나눔바른고딕OTF" panose="02020603020101020101" pitchFamily="18" charset="-127"/>
                       </a:endParaRPr>
                     </a:p>
                   </a:txBody>
@@ -27308,18 +29058,18 @@
                         </a:defRPr>
                       </a:pPr>
                       <a:r>
-                        <a:rPr lang="en-US" sz="1600" b="0" i="0" u="none" strike="noStrike">
+                        <a:rPr lang="en-US" sz="1600" b="0" i="0" u="none" strike="noStrike" dirty="0">
                           <a:solidFill>
                             <a:srgbClr val="8896D7"/>
                           </a:solidFill>
-                          <a:latin typeface="나눔바른고딕OTF"/>
-                          <a:ea typeface="나눔바른고딕OTF"/>
+                          <a:latin typeface="나눔바른고딕OTF" panose="02020603020101020101" pitchFamily="18" charset="-127"/>
+                          <a:ea typeface="나눔바른고딕OTF" panose="02020603020101020101" pitchFamily="18" charset="-127"/>
                         </a:rPr>
                         <a:t>9000</a:t>
                       </a:r>
-                      <a:endParaRPr lang="en-US" sz="1100">
-                        <a:latin typeface="나눔바른고딕OTF"/>
-                        <a:ea typeface="나눔바른고딕OTF"/>
+                      <a:endParaRPr lang="en-US" sz="1100" b="0" dirty="0">
+                        <a:latin typeface="나눔바른고딕OTF" panose="02020603020101020101" pitchFamily="18" charset="-127"/>
+                        <a:ea typeface="나눔바른고딕OTF" panose="02020603020101020101" pitchFamily="18" charset="-127"/>
                       </a:endParaRPr>
                     </a:p>
                   </a:txBody>
@@ -27393,8 +29143,8 @@
                           <a:solidFill>
                             <a:srgbClr val="8896D7"/>
                           </a:solidFill>
-                          <a:latin typeface="나눔바른고딕OTF"/>
-                          <a:ea typeface="나눔바른고딕OTF"/>
+                          <a:latin typeface="나눔바른고딕OTF" panose="02020603020101020101" pitchFamily="18" charset="-127"/>
+                          <a:ea typeface="나눔바른고딕OTF" panose="02020603020101020101" pitchFamily="18" charset="-127"/>
                         </a:rPr>
                         <a:t>셔츠</a:t>
                       </a:r>
@@ -27403,8 +29153,8 @@
                           <a:solidFill>
                             <a:srgbClr val="8896D7"/>
                           </a:solidFill>
-                          <a:latin typeface="나눔바른고딕OTF"/>
-                          <a:ea typeface="나눔바른고딕OTF"/>
+                          <a:latin typeface="나눔바른고딕OTF" panose="02020603020101020101" pitchFamily="18" charset="-127"/>
+                          <a:ea typeface="나눔바른고딕OTF" panose="02020603020101020101" pitchFamily="18" charset="-127"/>
                         </a:rPr>
                         <a:t>&amp;</a:t>
                       </a:r>
@@ -27413,14 +29163,14 @@
                           <a:solidFill>
                             <a:srgbClr val="8896D7"/>
                           </a:solidFill>
-                          <a:latin typeface="나눔바른고딕OTF"/>
-                          <a:ea typeface="나눔바른고딕OTF"/>
+                          <a:latin typeface="나눔바른고딕OTF" panose="02020603020101020101" pitchFamily="18" charset="-127"/>
+                          <a:ea typeface="나눔바른고딕OTF" panose="02020603020101020101" pitchFamily="18" charset="-127"/>
                         </a:rPr>
                         <a:t>블라우스</a:t>
                       </a:r>
-                      <a:endParaRPr lang="en-US" sz="1100" dirty="0">
-                        <a:latin typeface="나눔바른고딕OTF"/>
-                        <a:ea typeface="나눔바른고딕OTF"/>
+                      <a:endParaRPr lang="en-US" sz="1100" b="0" dirty="0">
+                        <a:latin typeface="나눔바른고딕OTF" panose="02020603020101020101" pitchFamily="18" charset="-127"/>
+                        <a:ea typeface="나눔바른고딕OTF" panose="02020603020101020101" pitchFamily="18" charset="-127"/>
                       </a:endParaRPr>
                     </a:p>
                   </a:txBody>
@@ -27483,18 +29233,18 @@
                         </a:defRPr>
                       </a:pPr>
                       <a:r>
-                        <a:rPr lang="en-US" sz="1600" b="0" i="0" u="none" strike="noStrike">
+                        <a:rPr lang="en-US" sz="1600" b="0" i="0" u="none" strike="noStrike" dirty="0">
                           <a:solidFill>
                             <a:srgbClr val="8896D7"/>
                           </a:solidFill>
-                          <a:latin typeface="나눔바른고딕OTF"/>
-                          <a:ea typeface="나눔바른고딕OTF"/>
+                          <a:latin typeface="나눔바른고딕OTF" panose="02020603020101020101" pitchFamily="18" charset="-127"/>
+                          <a:ea typeface="나눔바른고딕OTF" panose="02020603020101020101" pitchFamily="18" charset="-127"/>
                         </a:rPr>
                         <a:t>4000</a:t>
                       </a:r>
-                      <a:endParaRPr lang="en-US" sz="1100">
-                        <a:latin typeface="나눔바른고딕OTF"/>
-                        <a:ea typeface="나눔바른고딕OTF"/>
+                      <a:endParaRPr lang="en-US" sz="1100" b="0" dirty="0">
+                        <a:latin typeface="나눔바른고딕OTF" panose="02020603020101020101" pitchFamily="18" charset="-127"/>
+                        <a:ea typeface="나눔바른고딕OTF" panose="02020603020101020101" pitchFamily="18" charset="-127"/>
                       </a:endParaRPr>
                     </a:p>
                   </a:txBody>
@@ -27562,18 +29312,18 @@
                         </a:defRPr>
                       </a:pPr>
                       <a:r>
-                        <a:rPr lang="ko-KR" sz="1600" b="0" i="0" u="none" strike="noStrike">
+                        <a:rPr lang="ko-KR" sz="1600" b="0" i="0" u="none" strike="noStrike" dirty="0">
                           <a:solidFill>
                             <a:srgbClr val="8896D7"/>
                           </a:solidFill>
-                          <a:latin typeface="나눔바른고딕OTF"/>
-                          <a:ea typeface="나눔바른고딕OTF"/>
+                          <a:latin typeface="나눔바른고딕OTF" panose="02020603020101020101" pitchFamily="18" charset="-127"/>
+                          <a:ea typeface="나눔바른고딕OTF" panose="02020603020101020101" pitchFamily="18" charset="-127"/>
                         </a:rPr>
                         <a:t>반소매</a:t>
                       </a:r>
-                      <a:endParaRPr lang="en-US" sz="1100">
-                        <a:latin typeface="나눔바른고딕OTF"/>
-                        <a:ea typeface="나눔바른고딕OTF"/>
+                      <a:endParaRPr lang="en-US" sz="1100" b="0" dirty="0">
+                        <a:latin typeface="나눔바른고딕OTF" panose="02020603020101020101" pitchFamily="18" charset="-127"/>
+                        <a:ea typeface="나눔바른고딕OTF" panose="02020603020101020101" pitchFamily="18" charset="-127"/>
                       </a:endParaRPr>
                     </a:p>
                   </a:txBody>
@@ -27636,18 +29386,18 @@
                         </a:defRPr>
                       </a:pPr>
                       <a:r>
-                        <a:rPr lang="en-US" sz="1600" b="0" i="0" u="none" strike="noStrike">
+                        <a:rPr lang="en-US" sz="1600" b="0" i="0" u="none" strike="noStrike" dirty="0">
                           <a:solidFill>
                             <a:srgbClr val="8896D7"/>
                           </a:solidFill>
-                          <a:latin typeface="나눔바른고딕OTF"/>
-                          <a:ea typeface="나눔바른고딕OTF"/>
+                          <a:latin typeface="나눔바른고딕OTF" panose="02020603020101020101" pitchFamily="18" charset="-127"/>
+                          <a:ea typeface="나눔바른고딕OTF" panose="02020603020101020101" pitchFamily="18" charset="-127"/>
                         </a:rPr>
                         <a:t>4000</a:t>
                       </a:r>
-                      <a:endParaRPr lang="en-US" sz="1100">
-                        <a:latin typeface="나눔바른고딕OTF"/>
-                        <a:ea typeface="나눔바른고딕OTF"/>
+                      <a:endParaRPr lang="en-US" sz="1100" b="0" dirty="0">
+                        <a:latin typeface="나눔바른고딕OTF" panose="02020603020101020101" pitchFamily="18" charset="-127"/>
+                        <a:ea typeface="나눔바른고딕OTF" panose="02020603020101020101" pitchFamily="18" charset="-127"/>
                       </a:endParaRPr>
                     </a:p>
                   </a:txBody>
@@ -27719,14 +29469,14 @@
                           <a:solidFill>
                             <a:srgbClr val="8896D7"/>
                           </a:solidFill>
-                          <a:latin typeface="나눔바른고딕OTF"/>
-                          <a:ea typeface="나눔바른고딕OTF"/>
+                          <a:latin typeface="나눔바른고딕OTF" panose="02020603020101020101" pitchFamily="18" charset="-127"/>
+                          <a:ea typeface="나눔바른고딕OTF" panose="02020603020101020101" pitchFamily="18" charset="-127"/>
                         </a:rPr>
                         <a:t>민소매</a:t>
                       </a:r>
-                      <a:endParaRPr lang="en-US" sz="1100">
-                        <a:latin typeface="나눔바른고딕OTF"/>
-                        <a:ea typeface="나눔바른고딕OTF"/>
+                      <a:endParaRPr lang="en-US" sz="1100" b="0">
+                        <a:latin typeface="나눔바른고딕OTF" panose="02020603020101020101" pitchFamily="18" charset="-127"/>
+                        <a:ea typeface="나눔바른고딕OTF" panose="02020603020101020101" pitchFamily="18" charset="-127"/>
                       </a:endParaRPr>
                     </a:p>
                   </a:txBody>
@@ -27789,18 +29539,18 @@
                         </a:defRPr>
                       </a:pPr>
                       <a:r>
-                        <a:rPr lang="en-US" sz="1600" b="0" i="0" u="none" strike="noStrike">
+                        <a:rPr lang="en-US" sz="1600" b="0" i="0" u="none" strike="noStrike" dirty="0">
                           <a:solidFill>
                             <a:srgbClr val="8896D7"/>
                           </a:solidFill>
-                          <a:latin typeface="나눔바른고딕OTF"/>
-                          <a:ea typeface="나눔바른고딕OTF"/>
+                          <a:latin typeface="나눔바른고딕OTF" panose="02020603020101020101" pitchFamily="18" charset="-127"/>
+                          <a:ea typeface="나눔바른고딕OTF" panose="02020603020101020101" pitchFamily="18" charset="-127"/>
                         </a:rPr>
                         <a:t>4000</a:t>
                       </a:r>
-                      <a:endParaRPr lang="en-US" sz="1100">
-                        <a:latin typeface="나눔바른고딕OTF"/>
-                        <a:ea typeface="나눔바른고딕OTF"/>
+                      <a:endParaRPr lang="en-US" sz="1100" b="0" dirty="0">
+                        <a:latin typeface="나눔바른고딕OTF" panose="02020603020101020101" pitchFamily="18" charset="-127"/>
+                        <a:ea typeface="나눔바른고딕OTF" panose="02020603020101020101" pitchFamily="18" charset="-127"/>
                       </a:endParaRPr>
                     </a:p>
                   </a:txBody>
@@ -27872,8 +29622,8 @@
                           <a:solidFill>
                             <a:srgbClr val="8896D7"/>
                           </a:solidFill>
-                          <a:latin typeface="나눔바른고딕OTF"/>
-                          <a:ea typeface="나눔바른고딕OTF"/>
+                          <a:latin typeface="나눔바른고딕OTF" panose="02020603020101020101" pitchFamily="18" charset="-127"/>
+                          <a:ea typeface="나눔바른고딕OTF" panose="02020603020101020101" pitchFamily="18" charset="-127"/>
                         </a:rPr>
                         <a:t>니트</a:t>
                       </a:r>
@@ -27882,8 +29632,8 @@
                           <a:solidFill>
                             <a:srgbClr val="8896D7"/>
                           </a:solidFill>
-                          <a:latin typeface="나눔바른고딕OTF"/>
-                          <a:ea typeface="나눔바른고딕OTF"/>
+                          <a:latin typeface="나눔바른고딕OTF" panose="02020603020101020101" pitchFamily="18" charset="-127"/>
+                          <a:ea typeface="나눔바른고딕OTF" panose="02020603020101020101" pitchFamily="18" charset="-127"/>
                         </a:rPr>
                         <a:t>&amp;</a:t>
                       </a:r>
@@ -27892,14 +29642,14 @@
                           <a:solidFill>
                             <a:srgbClr val="8896D7"/>
                           </a:solidFill>
-                          <a:latin typeface="나눔바른고딕OTF"/>
-                          <a:ea typeface="나눔바른고딕OTF"/>
+                          <a:latin typeface="나눔바른고딕OTF" panose="02020603020101020101" pitchFamily="18" charset="-127"/>
+                          <a:ea typeface="나눔바른고딕OTF" panose="02020603020101020101" pitchFamily="18" charset="-127"/>
                         </a:rPr>
                         <a:t>스웨터</a:t>
                       </a:r>
-                      <a:endParaRPr lang="en-US" sz="1100">
-                        <a:latin typeface="나눔바른고딕OTF"/>
-                        <a:ea typeface="나눔바른고딕OTF"/>
+                      <a:endParaRPr lang="en-US" sz="1100" b="0">
+                        <a:latin typeface="나눔바른고딕OTF" panose="02020603020101020101" pitchFamily="18" charset="-127"/>
+                        <a:ea typeface="나눔바른고딕OTF" panose="02020603020101020101" pitchFamily="18" charset="-127"/>
                       </a:endParaRPr>
                     </a:p>
                   </a:txBody>
@@ -27966,14 +29716,14 @@
                           <a:solidFill>
                             <a:srgbClr val="8896D7"/>
                           </a:solidFill>
-                          <a:latin typeface="나눔바른고딕OTF"/>
-                          <a:ea typeface="나눔바른고딕OTF"/>
+                          <a:latin typeface="나눔바른고딕OTF" panose="02020603020101020101" pitchFamily="18" charset="-127"/>
+                          <a:ea typeface="나눔바른고딕OTF" panose="02020603020101020101" pitchFamily="18" charset="-127"/>
                         </a:rPr>
                         <a:t>4000</a:t>
                       </a:r>
-                      <a:endParaRPr lang="en-US" sz="1100" dirty="0">
-                        <a:latin typeface="나눔바른고딕OTF"/>
-                        <a:ea typeface="나눔바른고딕OTF"/>
+                      <a:endParaRPr lang="en-US" sz="1100" b="0" dirty="0">
+                        <a:latin typeface="나눔바른고딕OTF" panose="02020603020101020101" pitchFamily="18" charset="-127"/>
+                        <a:ea typeface="나눔바른고딕OTF" panose="02020603020101020101" pitchFamily="18" charset="-127"/>
                       </a:endParaRPr>
                     </a:p>
                   </a:txBody>
@@ -28038,7 +29788,7 @@
           <p:nvPr>
             <p:extLst>
               <p:ext uri="{D42A27DB-BD31-4B8C-83A1-F6EECF244321}">
-                <p14:modId xmlns:p14="http://schemas.microsoft.com/office/powerpoint/2010/main" val="1147434135"/>
+                <p14:modId xmlns:p14="http://schemas.microsoft.com/office/powerpoint/2010/main" val="2602698965"/>
               </p:ext>
             </p:extLst>
           </p:nvPr>
@@ -28083,18 +29833,18 @@
                         </a:defRPr>
                       </a:pPr>
                       <a:r>
-                        <a:rPr lang="ko-KR" sz="1700" b="0" i="0" u="none" strike="noStrike">
+                        <a:rPr lang="ko-KR" sz="1700" b="0" i="0" u="none" strike="noStrike" dirty="0">
                           <a:solidFill>
                             <a:srgbClr val="FFFFFF"/>
                           </a:solidFill>
-                          <a:latin typeface="나눔바른고딕OTF"/>
-                          <a:ea typeface="NanumSquare ExtraBold"/>
+                          <a:latin typeface="나눔바른고딕OTF" panose="02020603020101020101" pitchFamily="18" charset="-127"/>
+                          <a:ea typeface="나눔바른고딕OTF" panose="02020603020101020101" pitchFamily="18" charset="-127"/>
                         </a:rPr>
                         <a:t>품목</a:t>
                       </a:r>
-                      <a:endParaRPr lang="en-US" sz="1100">
-                        <a:latin typeface="나눔바른고딕OTF"/>
-                        <a:ea typeface="나눔바른고딕OTF"/>
+                      <a:endParaRPr lang="en-US" sz="1100" dirty="0">
+                        <a:latin typeface="나눔바른고딕OTF" panose="02020603020101020101" pitchFamily="18" charset="-127"/>
+                        <a:ea typeface="나눔바른고딕OTF" panose="02020603020101020101" pitchFamily="18" charset="-127"/>
                       </a:endParaRPr>
                     </a:p>
                   </a:txBody>
@@ -28161,38 +29911,38 @@
                         </a:defRPr>
                       </a:pPr>
                       <a:r>
-                        <a:rPr lang="ko-KR" sz="1700" b="0" i="0" u="none" strike="noStrike">
+                        <a:rPr lang="ko-KR" sz="1700" b="0" i="0" u="none" strike="noStrike" dirty="0">
                           <a:solidFill>
                             <a:srgbClr val="FFFFFF"/>
                           </a:solidFill>
-                          <a:latin typeface="나눔바른고딕OTF"/>
-                          <a:ea typeface="NanumSquare ExtraBold"/>
+                          <a:latin typeface="나눔바른고딕OTF" panose="02020603020101020101" pitchFamily="18" charset="-127"/>
+                          <a:ea typeface="나눔바른고딕OTF" panose="02020603020101020101" pitchFamily="18" charset="-127"/>
                         </a:rPr>
                         <a:t>데이터</a:t>
                       </a:r>
                       <a:r>
-                        <a:rPr lang="en-US" sz="1700" b="0" i="0" u="none" strike="noStrike">
+                        <a:rPr lang="en-US" sz="1700" b="0" i="0" u="none" strike="noStrike" dirty="0">
                           <a:solidFill>
                             <a:srgbClr val="FFFFFF"/>
                           </a:solidFill>
-                          <a:latin typeface="NanumSquare ExtraBold"/>
-                          <a:ea typeface="나눔바른고딕OTF"/>
+                          <a:latin typeface="나눔바른고딕OTF" panose="02020603020101020101" pitchFamily="18" charset="-127"/>
+                          <a:ea typeface="나눔바른고딕OTF" panose="02020603020101020101" pitchFamily="18" charset="-127"/>
                         </a:rPr>
                         <a:t> </a:t>
                       </a:r>
                       <a:r>
-                        <a:rPr lang="ko-KR" sz="1700" b="0" i="0" u="none" strike="noStrike">
+                        <a:rPr lang="ko-KR" sz="1700" b="0" i="0" u="none" strike="noStrike" dirty="0">
                           <a:solidFill>
                             <a:srgbClr val="FFFFFF"/>
                           </a:solidFill>
-                          <a:latin typeface="나눔바른고딕OTF"/>
-                          <a:ea typeface="NanumSquare ExtraBold"/>
+                          <a:latin typeface="나눔바른고딕OTF" panose="02020603020101020101" pitchFamily="18" charset="-127"/>
+                          <a:ea typeface="나눔바른고딕OTF" panose="02020603020101020101" pitchFamily="18" charset="-127"/>
                         </a:rPr>
                         <a:t>개수</a:t>
                       </a:r>
-                      <a:endParaRPr lang="en-US" sz="1100">
-                        <a:latin typeface="나눔바른고딕OTF"/>
-                        <a:ea typeface="나눔바른고딕OTF"/>
+                      <a:endParaRPr lang="en-US" sz="1100" dirty="0">
+                        <a:latin typeface="나눔바른고딕OTF" panose="02020603020101020101" pitchFamily="18" charset="-127"/>
+                        <a:ea typeface="나눔바른고딕OTF" panose="02020603020101020101" pitchFamily="18" charset="-127"/>
                       </a:endParaRPr>
                     </a:p>
                   </a:txBody>
@@ -28264,18 +30014,18 @@
                         </a:defRPr>
                       </a:pPr>
                       <a:r>
-                        <a:rPr lang="ko-KR" sz="1600" b="0" i="0" u="none" strike="noStrike">
+                        <a:rPr lang="ko-KR" sz="1600" b="0" i="0" u="none" strike="noStrike" dirty="0" err="1">
                           <a:solidFill>
                             <a:srgbClr val="8896D7"/>
                           </a:solidFill>
-                          <a:latin typeface="나눔바른고딕OTF"/>
-                          <a:ea typeface="NanumSquare Regular"/>
+                          <a:latin typeface="나눔바른고딕OTF" panose="02020603020101020101" pitchFamily="18" charset="-127"/>
+                          <a:ea typeface="나눔바른고딕OTF" panose="02020603020101020101" pitchFamily="18" charset="-127"/>
                         </a:rPr>
                         <a:t>긴바지</a:t>
                       </a:r>
-                      <a:endParaRPr lang="en-US" sz="1100">
-                        <a:latin typeface="나눔바른고딕OTF"/>
-                        <a:ea typeface="나눔바른고딕OTF"/>
+                      <a:endParaRPr lang="en-US" sz="1100" dirty="0">
+                        <a:latin typeface="나눔바른고딕OTF" panose="02020603020101020101" pitchFamily="18" charset="-127"/>
+                        <a:ea typeface="나눔바른고딕OTF" panose="02020603020101020101" pitchFamily="18" charset="-127"/>
                       </a:endParaRPr>
                     </a:p>
                   </a:txBody>
@@ -28340,18 +30090,18 @@
                         </a:defRPr>
                       </a:pPr>
                       <a:r>
-                        <a:rPr lang="en-US" sz="1600" b="0" i="0" u="none" strike="noStrike">
+                        <a:rPr lang="en-US" sz="1600" b="0" i="0" u="none" strike="noStrike" dirty="0">
                           <a:solidFill>
                             <a:srgbClr val="8896D7"/>
                           </a:solidFill>
-                          <a:latin typeface="NanumSquare Regular"/>
-                          <a:ea typeface="나눔바른고딕OTF"/>
+                          <a:latin typeface="나눔바른고딕OTF" panose="02020603020101020101" pitchFamily="18" charset="-127"/>
+                          <a:ea typeface="나눔바른고딕OTF" panose="02020603020101020101" pitchFamily="18" charset="-127"/>
                         </a:rPr>
                         <a:t>9000</a:t>
                       </a:r>
-                      <a:endParaRPr lang="en-US" sz="1100">
-                        <a:latin typeface="나눔바른고딕OTF"/>
-                        <a:ea typeface="나눔바른고딕OTF"/>
+                      <a:endParaRPr lang="en-US" sz="1100" dirty="0">
+                        <a:latin typeface="나눔바른고딕OTF" panose="02020603020101020101" pitchFamily="18" charset="-127"/>
+                        <a:ea typeface="나눔바른고딕OTF" panose="02020603020101020101" pitchFamily="18" charset="-127"/>
                       </a:endParaRPr>
                     </a:p>
                   </a:txBody>
@@ -28421,18 +30171,18 @@
                         </a:defRPr>
                       </a:pPr>
                       <a:r>
-                        <a:rPr lang="ko-KR" sz="1600" b="0" i="0" u="none" strike="noStrike">
+                        <a:rPr lang="ko-KR" sz="1600" b="0" i="0" u="none" strike="noStrike" dirty="0">
                           <a:solidFill>
                             <a:srgbClr val="8896D7"/>
                           </a:solidFill>
-                          <a:latin typeface="나눔바른고딕OTF"/>
-                          <a:ea typeface="NanumSquare Regular"/>
+                          <a:latin typeface="나눔바른고딕OTF" panose="02020603020101020101" pitchFamily="18" charset="-127"/>
+                          <a:ea typeface="나눔바른고딕OTF" panose="02020603020101020101" pitchFamily="18" charset="-127"/>
                         </a:rPr>
                         <a:t>반바지</a:t>
                       </a:r>
-                      <a:endParaRPr lang="en-US" sz="1100">
-                        <a:latin typeface="나눔바른고딕OTF"/>
-                        <a:ea typeface="나눔바른고딕OTF"/>
+                      <a:endParaRPr lang="en-US" sz="1100" dirty="0">
+                        <a:latin typeface="나눔바른고딕OTF" panose="02020603020101020101" pitchFamily="18" charset="-127"/>
+                        <a:ea typeface="나눔바른고딕OTF" panose="02020603020101020101" pitchFamily="18" charset="-127"/>
                       </a:endParaRPr>
                     </a:p>
                   </a:txBody>
@@ -28495,18 +30245,18 @@
                         </a:defRPr>
                       </a:pPr>
                       <a:r>
-                        <a:rPr lang="en-US" sz="1600" b="0" i="0" u="none" strike="noStrike">
+                        <a:rPr lang="en-US" sz="1600" b="0" i="0" u="none" strike="noStrike" dirty="0">
                           <a:solidFill>
                             <a:srgbClr val="8896D7"/>
                           </a:solidFill>
-                          <a:latin typeface="NanumSquare Regular"/>
-                          <a:ea typeface="나눔바른고딕OTF"/>
+                          <a:latin typeface="나눔바른고딕OTF" panose="02020603020101020101" pitchFamily="18" charset="-127"/>
+                          <a:ea typeface="나눔바른고딕OTF" panose="02020603020101020101" pitchFamily="18" charset="-127"/>
                         </a:rPr>
-                        <a:t>4000</a:t>
+                        <a:t>5000</a:t>
                       </a:r>
-                      <a:endParaRPr lang="en-US" sz="1100">
-                        <a:latin typeface="나눔바른고딕OTF"/>
-                        <a:ea typeface="나눔바른고딕OTF"/>
+                      <a:endParaRPr lang="en-US" sz="1100" dirty="0">
+                        <a:latin typeface="나눔바른고딕OTF" panose="02020603020101020101" pitchFamily="18" charset="-127"/>
+                        <a:ea typeface="나눔바른고딕OTF" panose="02020603020101020101" pitchFamily="18" charset="-127"/>
                       </a:endParaRPr>
                     </a:p>
                   </a:txBody>
@@ -28578,14 +30328,14 @@
                           <a:solidFill>
                             <a:srgbClr val="8896D7"/>
                           </a:solidFill>
-                          <a:latin typeface="나눔바른고딕OTF"/>
-                          <a:ea typeface="NanumSquare Regular"/>
+                          <a:latin typeface="나눔바른고딕OTF" panose="02020603020101020101" pitchFamily="18" charset="-127"/>
+                          <a:ea typeface="나눔바른고딕OTF" panose="02020603020101020101" pitchFamily="18" charset="-127"/>
                         </a:rPr>
                         <a:t>스커트</a:t>
                       </a:r>
                       <a:endParaRPr lang="en-US" sz="1100">
-                        <a:latin typeface="나눔바른고딕OTF"/>
-                        <a:ea typeface="나눔바른고딕OTF"/>
+                        <a:latin typeface="나눔바른고딕OTF" panose="02020603020101020101" pitchFamily="18" charset="-127"/>
+                        <a:ea typeface="나눔바른고딕OTF" panose="02020603020101020101" pitchFamily="18" charset="-127"/>
                       </a:endParaRPr>
                     </a:p>
                   </a:txBody>
@@ -28648,18 +30398,18 @@
                         </a:defRPr>
                       </a:pPr>
                       <a:r>
-                        <a:rPr lang="en-US" sz="1600" b="0" i="0" u="none" strike="noStrike">
+                        <a:rPr lang="en-US" sz="1600" b="0" i="0" u="none" strike="noStrike" dirty="0">
                           <a:solidFill>
                             <a:srgbClr val="8896D7"/>
                           </a:solidFill>
-                          <a:latin typeface="NanumSquare Regular"/>
-                          <a:ea typeface="나눔바른고딕OTF"/>
+                          <a:latin typeface="나눔바른고딕OTF" panose="02020603020101020101" pitchFamily="18" charset="-127"/>
+                          <a:ea typeface="나눔바른고딕OTF" panose="02020603020101020101" pitchFamily="18" charset="-127"/>
                         </a:rPr>
-                        <a:t>4000</a:t>
+                        <a:t>6000</a:t>
                       </a:r>
-                      <a:endParaRPr lang="en-US" sz="1100">
-                        <a:latin typeface="나눔바른고딕OTF"/>
-                        <a:ea typeface="나눔바른고딕OTF"/>
+                      <a:endParaRPr lang="en-US" sz="1100" dirty="0">
+                        <a:latin typeface="나눔바른고딕OTF" panose="02020603020101020101" pitchFamily="18" charset="-127"/>
+                        <a:ea typeface="나눔바른고딕OTF" panose="02020603020101020101" pitchFamily="18" charset="-127"/>
                       </a:endParaRPr>
                     </a:p>
                   </a:txBody>
@@ -28724,7 +30474,7 @@
           <p:nvPr>
             <p:extLst>
               <p:ext uri="{D42A27DB-BD31-4B8C-83A1-F6EECF244321}">
-                <p14:modId xmlns:p14="http://schemas.microsoft.com/office/powerpoint/2010/main" val="1286024091"/>
+                <p14:modId xmlns:p14="http://schemas.microsoft.com/office/powerpoint/2010/main" val="464547064"/>
               </p:ext>
             </p:extLst>
           </p:nvPr>
@@ -28769,18 +30519,18 @@
                         </a:defRPr>
                       </a:pPr>
                       <a:r>
-                        <a:rPr lang="ko-KR" sz="1700" b="0" i="0" u="none" strike="noStrike">
+                        <a:rPr lang="ko-KR" sz="1700" b="0" i="0" u="none" strike="noStrike" dirty="0">
                           <a:solidFill>
                             <a:srgbClr val="FFFFFF"/>
                           </a:solidFill>
-                          <a:latin typeface="나눔바른고딕OTF"/>
-                          <a:ea typeface="NanumSquare ExtraBold"/>
+                          <a:latin typeface="나눔바른고딕OTF" panose="02020603020101020101" pitchFamily="18" charset="-127"/>
+                          <a:ea typeface="나눔바른고딕OTF" panose="02020603020101020101" pitchFamily="18" charset="-127"/>
                         </a:rPr>
                         <a:t>품목</a:t>
                       </a:r>
-                      <a:endParaRPr lang="en-US" sz="1100">
-                        <a:latin typeface="나눔바른고딕OTF"/>
-                        <a:ea typeface="나눔바른고딕OTF"/>
+                      <a:endParaRPr lang="en-US" sz="1100" dirty="0">
+                        <a:latin typeface="나눔바른고딕OTF" panose="02020603020101020101" pitchFamily="18" charset="-127"/>
+                        <a:ea typeface="나눔바른고딕OTF" panose="02020603020101020101" pitchFamily="18" charset="-127"/>
                       </a:endParaRPr>
                     </a:p>
                   </a:txBody>
@@ -28847,38 +30597,38 @@
                         </a:defRPr>
                       </a:pPr>
                       <a:r>
-                        <a:rPr lang="ko-KR" sz="1700" b="0" i="0" u="none" strike="noStrike">
+                        <a:rPr lang="ko-KR" sz="1700" b="0" i="0" u="none" strike="noStrike" dirty="0">
                           <a:solidFill>
                             <a:srgbClr val="FFFFFF"/>
                           </a:solidFill>
-                          <a:latin typeface="나눔바른고딕OTF"/>
-                          <a:ea typeface="NanumSquare ExtraBold"/>
+                          <a:latin typeface="나눔바른고딕OTF" panose="02020603020101020101" pitchFamily="18" charset="-127"/>
+                          <a:ea typeface="나눔바른고딕OTF" panose="02020603020101020101" pitchFamily="18" charset="-127"/>
                         </a:rPr>
                         <a:t>데이터</a:t>
                       </a:r>
                       <a:r>
-                        <a:rPr lang="en-US" sz="1700" b="0" i="0" u="none" strike="noStrike">
+                        <a:rPr lang="en-US" sz="1700" b="0" i="0" u="none" strike="noStrike" dirty="0">
                           <a:solidFill>
                             <a:srgbClr val="FFFFFF"/>
                           </a:solidFill>
-                          <a:latin typeface="NanumSquare ExtraBold"/>
-                          <a:ea typeface="나눔바른고딕OTF"/>
+                          <a:latin typeface="나눔바른고딕OTF" panose="02020603020101020101" pitchFamily="18" charset="-127"/>
+                          <a:ea typeface="나눔바른고딕OTF" panose="02020603020101020101" pitchFamily="18" charset="-127"/>
                         </a:rPr>
                         <a:t> </a:t>
                       </a:r>
                       <a:r>
-                        <a:rPr lang="ko-KR" sz="1700" b="0" i="0" u="none" strike="noStrike">
+                        <a:rPr lang="ko-KR" sz="1700" b="0" i="0" u="none" strike="noStrike" dirty="0">
                           <a:solidFill>
                             <a:srgbClr val="FFFFFF"/>
                           </a:solidFill>
-                          <a:latin typeface="나눔바른고딕OTF"/>
-                          <a:ea typeface="NanumSquare ExtraBold"/>
+                          <a:latin typeface="나눔바른고딕OTF" panose="02020603020101020101" pitchFamily="18" charset="-127"/>
+                          <a:ea typeface="나눔바른고딕OTF" panose="02020603020101020101" pitchFamily="18" charset="-127"/>
                         </a:rPr>
                         <a:t>개수</a:t>
                       </a:r>
-                      <a:endParaRPr lang="en-US" sz="1100">
-                        <a:latin typeface="나눔바른고딕OTF"/>
-                        <a:ea typeface="나눔바른고딕OTF"/>
+                      <a:endParaRPr lang="en-US" sz="1100" dirty="0">
+                        <a:latin typeface="나눔바른고딕OTF" panose="02020603020101020101" pitchFamily="18" charset="-127"/>
+                        <a:ea typeface="나눔바른고딕OTF" panose="02020603020101020101" pitchFamily="18" charset="-127"/>
                       </a:endParaRPr>
                     </a:p>
                   </a:txBody>
@@ -28954,14 +30704,14 @@
                           <a:solidFill>
                             <a:srgbClr val="8896D7"/>
                           </a:solidFill>
-                          <a:latin typeface="나눔바른고딕OTF"/>
-                          <a:ea typeface="NanumSquare Regular"/>
+                          <a:latin typeface="나눔바른고딕OTF" panose="02020603020101020101" pitchFamily="18" charset="-127"/>
+                          <a:ea typeface="나눔바른고딕OTF" panose="02020603020101020101" pitchFamily="18" charset="-127"/>
                         </a:rPr>
                         <a:t>원피스</a:t>
                       </a:r>
                       <a:endParaRPr lang="en-US" sz="1100">
-                        <a:latin typeface="나눔바른고딕OTF"/>
-                        <a:ea typeface="나눔바른고딕OTF"/>
+                        <a:latin typeface="나눔바른고딕OTF" panose="02020603020101020101" pitchFamily="18" charset="-127"/>
+                        <a:ea typeface="나눔바른고딕OTF" panose="02020603020101020101" pitchFamily="18" charset="-127"/>
                       </a:endParaRPr>
                     </a:p>
                   </a:txBody>
@@ -29026,18 +30776,18 @@
                         </a:defRPr>
                       </a:pPr>
                       <a:r>
-                        <a:rPr lang="en-US" sz="1600" b="0" i="0" u="none" strike="noStrike">
+                        <a:rPr lang="en-US" sz="1600" b="0" i="0" u="none" strike="noStrike" dirty="0">
                           <a:solidFill>
                             <a:srgbClr val="8896D7"/>
                           </a:solidFill>
-                          <a:latin typeface="NanumSquare Regular"/>
-                          <a:ea typeface="나눔바른고딕OTF"/>
+                          <a:latin typeface="나눔바른고딕OTF" panose="02020603020101020101" pitchFamily="18" charset="-127"/>
+                          <a:ea typeface="나눔바른고딕OTF" panose="02020603020101020101" pitchFamily="18" charset="-127"/>
                         </a:rPr>
-                        <a:t>9000</a:t>
+                        <a:t>6000</a:t>
                       </a:r>
-                      <a:endParaRPr lang="en-US" sz="1100">
-                        <a:latin typeface="나눔바른고딕OTF"/>
-                        <a:ea typeface="나눔바른고딕OTF"/>
+                      <a:endParaRPr lang="en-US" sz="1100" dirty="0">
+                        <a:latin typeface="나눔바른고딕OTF" panose="02020603020101020101" pitchFamily="18" charset="-127"/>
+                        <a:ea typeface="나눔바른고딕OTF" panose="02020603020101020101" pitchFamily="18" charset="-127"/>
                       </a:endParaRPr>
                     </a:p>
                   </a:txBody>
@@ -29111,14 +30861,14 @@
                           <a:solidFill>
                             <a:srgbClr val="8896D7"/>
                           </a:solidFill>
-                          <a:latin typeface="나눔바른고딕OTF"/>
-                          <a:ea typeface="NanumSquare Regular"/>
+                          <a:latin typeface="나눔바른고딕OTF" panose="02020603020101020101" pitchFamily="18" charset="-127"/>
+                          <a:ea typeface="나눔바른고딕OTF" panose="02020603020101020101" pitchFamily="18" charset="-127"/>
                         </a:rPr>
                         <a:t>점프슈트</a:t>
                       </a:r>
                       <a:endParaRPr lang="en-US" sz="1100">
-                        <a:latin typeface="나눔바른고딕OTF"/>
-                        <a:ea typeface="나눔바른고딕OTF"/>
+                        <a:latin typeface="나눔바른고딕OTF" panose="02020603020101020101" pitchFamily="18" charset="-127"/>
+                        <a:ea typeface="나눔바른고딕OTF" panose="02020603020101020101" pitchFamily="18" charset="-127"/>
                       </a:endParaRPr>
                     </a:p>
                   </a:txBody>
@@ -29181,18 +30931,18 @@
                         </a:defRPr>
                       </a:pPr>
                       <a:r>
-                        <a:rPr lang="en-US" sz="1600" b="0" i="0" u="none" strike="noStrike">
+                        <a:rPr lang="en-US" sz="1600" b="0" i="0" u="none" strike="noStrike" dirty="0">
                           <a:solidFill>
                             <a:srgbClr val="8896D7"/>
                           </a:solidFill>
-                          <a:latin typeface="NanumSquare Regular"/>
-                          <a:ea typeface="나눔바른고딕OTF"/>
+                          <a:latin typeface="나눔바른고딕OTF" panose="02020603020101020101" pitchFamily="18" charset="-127"/>
+                          <a:ea typeface="나눔바른고딕OTF" panose="02020603020101020101" pitchFamily="18" charset="-127"/>
                         </a:rPr>
-                        <a:t>4000</a:t>
+                        <a:t>1000</a:t>
                       </a:r>
-                      <a:endParaRPr lang="en-US" sz="1100">
-                        <a:latin typeface="나눔바른고딕OTF"/>
-                        <a:ea typeface="나눔바른고딕OTF"/>
+                      <a:endParaRPr lang="en-US" sz="1100" dirty="0">
+                        <a:latin typeface="나눔바른고딕OTF" panose="02020603020101020101" pitchFamily="18" charset="-127"/>
+                        <a:ea typeface="나눔바른고딕OTF" panose="02020603020101020101" pitchFamily="18" charset="-127"/>
                       </a:endParaRPr>
                     </a:p>
                   </a:txBody>
@@ -29950,7 +31700,7 @@
     <mc:Choice Requires="p14">
       <p:transition/>
     </mc:Choice>
-    <mc:Fallback xmlns:dsp="http://schemas.microsoft.com/office/drawing/2008/diagram" xmlns:dgm="http://schemas.openxmlformats.org/drawingml/2006/diagram" xmlns:c="http://schemas.openxmlformats.org/drawingml/2006/chart" xmlns="">
+    <mc:Fallback xmlns="" xmlns:c="http://schemas.openxmlformats.org/drawingml/2006/chart" xmlns:dgm="http://schemas.openxmlformats.org/drawingml/2006/diagram" xmlns:dsp="http://schemas.microsoft.com/office/drawing/2008/diagram">
       <p:transition/>
     </mc:Fallback>
   </mc:AlternateContent>
@@ -30032,7 +31782,7 @@
               <a:defRPr/>
             </a:pPr>
             <a:r>
-              <a:rPr lang="ko-KR" sz="10000" b="0" i="0" u="none" strike="noStrike">
+              <a:rPr lang="ko-KR" sz="10000" b="0" i="0" u="none" strike="noStrike" dirty="0">
                 <a:solidFill>
                   <a:srgbClr val="006BB1"/>
                 </a:solidFill>
@@ -30042,7 +31792,7 @@
               <a:t>모델</a:t>
             </a:r>
             <a:r>
-              <a:rPr lang="en-US" sz="10000" b="0" i="0" u="none" strike="noStrike">
+              <a:rPr lang="en-US" sz="10000" b="0" i="0" u="none" strike="noStrike" dirty="0">
                 <a:solidFill>
                   <a:srgbClr val="006BB1"/>
                 </a:solidFill>
@@ -30052,7 +31802,7 @@
               <a:t> </a:t>
             </a:r>
             <a:r>
-              <a:rPr lang="ko-KR" sz="10000" b="0" i="0" u="none" strike="noStrike">
+              <a:rPr lang="ko-KR" sz="10000" b="0" i="0" u="none" strike="noStrike" dirty="0">
                 <a:solidFill>
                   <a:srgbClr val="006BB1"/>
                 </a:solidFill>
@@ -30217,7 +31967,7 @@
     <mc:Choice Requires="p14">
       <p:transition/>
     </mc:Choice>
-    <mc:Fallback xmlns:dsp="http://schemas.microsoft.com/office/drawing/2008/diagram" xmlns:dgm="http://schemas.openxmlformats.org/drawingml/2006/diagram" xmlns:c="http://schemas.openxmlformats.org/drawingml/2006/chart" xmlns="">
+    <mc:Fallback xmlns="" xmlns:c="http://schemas.openxmlformats.org/drawingml/2006/chart" xmlns:dgm="http://schemas.openxmlformats.org/drawingml/2006/diagram" xmlns:dsp="http://schemas.microsoft.com/office/drawing/2008/diagram">
       <p:transition/>
     </mc:Fallback>
   </mc:AlternateContent>
@@ -30505,4 +32255,299 @@
   <a:objectDefaults/>
   <a:extraClrSchemeLst/>
 </a:theme>
+</file>
+
+<file path=ppt/theme/theme2.xml><?xml version="1.0" encoding="utf-8"?>
+<a:theme xmlns:a="http://schemas.openxmlformats.org/drawingml/2006/main" name="Office 테마">
+  <a:themeElements>
+    <a:clrScheme name="Office">
+      <a:dk1>
+        <a:sysClr val="windowText" lastClr="000000"/>
+      </a:dk1>
+      <a:lt1>
+        <a:sysClr val="window" lastClr="FFFFFF"/>
+      </a:lt1>
+      <a:dk2>
+        <a:srgbClr val="44546A"/>
+      </a:dk2>
+      <a:lt2>
+        <a:srgbClr val="E7E6E6"/>
+      </a:lt2>
+      <a:accent1>
+        <a:srgbClr val="4472C4"/>
+      </a:accent1>
+      <a:accent2>
+        <a:srgbClr val="ED7D31"/>
+      </a:accent2>
+      <a:accent3>
+        <a:srgbClr val="A5A5A5"/>
+      </a:accent3>
+      <a:accent4>
+        <a:srgbClr val="FFC000"/>
+      </a:accent4>
+      <a:accent5>
+        <a:srgbClr val="5B9BD5"/>
+      </a:accent5>
+      <a:accent6>
+        <a:srgbClr val="70AD47"/>
+      </a:accent6>
+      <a:hlink>
+        <a:srgbClr val="0563C1"/>
+      </a:hlink>
+      <a:folHlink>
+        <a:srgbClr val="954F72"/>
+      </a:folHlink>
+    </a:clrScheme>
+    <a:fontScheme name="Office">
+      <a:majorFont>
+        <a:latin typeface="맑은 고딕" panose="020F0302020204030204"/>
+        <a:ea typeface=""/>
+        <a:cs typeface=""/>
+        <a:font script="Jpan" typeface="游ゴシック Light"/>
+        <a:font script="Hang" typeface="맑은 고딕"/>
+        <a:font script="Hans" typeface="等线 Light"/>
+        <a:font script="Hant" typeface="新細明體"/>
+        <a:font script="Arab" typeface="Times New Roman"/>
+        <a:font script="Hebr" typeface="Times New Roman"/>
+        <a:font script="Thai" typeface="Angsana New"/>
+        <a:font script="Ethi" typeface="Nyala"/>
+        <a:font script="Beng" typeface="Vrinda"/>
+        <a:font script="Gujr" typeface="Shruti"/>
+        <a:font script="Khmr" typeface="MoolBoran"/>
+        <a:font script="Knda" typeface="Tunga"/>
+        <a:font script="Guru" typeface="Raavi"/>
+        <a:font script="Cans" typeface="Euphemia"/>
+        <a:font script="Cher" typeface="Plantagenet Cherokee"/>
+        <a:font script="Yiii" typeface="Microsoft Yi Baiti"/>
+        <a:font script="Tibt" typeface="Microsoft Himalaya"/>
+        <a:font script="Thaa" typeface="MV Boli"/>
+        <a:font script="Deva" typeface="Mangal"/>
+        <a:font script="Telu" typeface="Gautami"/>
+        <a:font script="Taml" typeface="Latha"/>
+        <a:font script="Syrc" typeface="Estrangelo Edessa"/>
+        <a:font script="Orya" typeface="Kalinga"/>
+        <a:font script="Mlym" typeface="Kartika"/>
+        <a:font script="Laoo" typeface="DokChampa"/>
+        <a:font script="Sinh" typeface="Iskoola Pota"/>
+        <a:font script="Mong" typeface="Mongolian Baiti"/>
+        <a:font script="Viet" typeface="Times New Roman"/>
+        <a:font script="Uigh" typeface="Microsoft Uighur"/>
+        <a:font script="Geor" typeface="Sylfaen"/>
+        <a:font script="Armn" typeface="Arial"/>
+        <a:font script="Bugi" typeface="Leelawadee UI"/>
+        <a:font script="Bopo" typeface="Microsoft JhengHei"/>
+        <a:font script="Java" typeface="Javanese Text"/>
+        <a:font script="Lisu" typeface="Segoe UI"/>
+        <a:font script="Mymr" typeface="Myanmar Text"/>
+        <a:font script="Nkoo" typeface="Ebrima"/>
+        <a:font script="Olck" typeface="Nirmala UI"/>
+        <a:font script="Osma" typeface="Ebrima"/>
+        <a:font script="Phag" typeface="Phagspa"/>
+        <a:font script="Syrn" typeface="Estrangelo Edessa"/>
+        <a:font script="Syrj" typeface="Estrangelo Edessa"/>
+        <a:font script="Syre" typeface="Estrangelo Edessa"/>
+        <a:font script="Sora" typeface="Nirmala UI"/>
+        <a:font script="Tale" typeface="Microsoft Tai Le"/>
+        <a:font script="Talu" typeface="Microsoft New Tai Lue"/>
+        <a:font script="Tfng" typeface="Ebrima"/>
+      </a:majorFont>
+      <a:minorFont>
+        <a:latin typeface="맑은 고딕" panose="020F0502020204030204"/>
+        <a:ea typeface=""/>
+        <a:cs typeface=""/>
+        <a:font script="Jpan" typeface="游ゴシック"/>
+        <a:font script="Hang" typeface="맑은 고딕"/>
+        <a:font script="Hans" typeface="等线"/>
+        <a:font script="Hant" typeface="新細明體"/>
+        <a:font script="Arab" typeface="Arial"/>
+        <a:font script="Hebr" typeface="Arial"/>
+        <a:font script="Thai" typeface="Cordia New"/>
+        <a:font script="Ethi" typeface="Nyala"/>
+        <a:font script="Beng" typeface="Vrinda"/>
+        <a:font script="Gujr" typeface="Shruti"/>
+        <a:font script="Khmr" typeface="DaunPenh"/>
+        <a:font script="Knda" typeface="Tunga"/>
+        <a:font script="Guru" typeface="Raavi"/>
+        <a:font script="Cans" typeface="Euphemia"/>
+        <a:font script="Cher" typeface="Plantagenet Cherokee"/>
+        <a:font script="Yiii" typeface="Microsoft Yi Baiti"/>
+        <a:font script="Tibt" typeface="Microsoft Himalaya"/>
+        <a:font script="Thaa" typeface="MV Boli"/>
+        <a:font script="Deva" typeface="Mangal"/>
+        <a:font script="Telu" typeface="Gautami"/>
+        <a:font script="Taml" typeface="Latha"/>
+        <a:font script="Syrc" typeface="Estrangelo Edessa"/>
+        <a:font script="Orya" typeface="Kalinga"/>
+        <a:font script="Mlym" typeface="Kartika"/>
+        <a:font script="Laoo" typeface="DokChampa"/>
+        <a:font script="Sinh" typeface="Iskoola Pota"/>
+        <a:font script="Mong" typeface="Mongolian Baiti"/>
+        <a:font script="Viet" typeface="Arial"/>
+        <a:font script="Uigh" typeface="Microsoft Uighur"/>
+        <a:font script="Geor" typeface="Sylfaen"/>
+        <a:font script="Armn" typeface="Arial"/>
+        <a:font script="Bugi" typeface="Leelawadee UI"/>
+        <a:font script="Bopo" typeface="Microsoft JhengHei"/>
+        <a:font script="Java" typeface="Javanese Text"/>
+        <a:font script="Lisu" typeface="Segoe UI"/>
+        <a:font script="Mymr" typeface="Myanmar Text"/>
+        <a:font script="Nkoo" typeface="Ebrima"/>
+        <a:font script="Olck" typeface="Nirmala UI"/>
+        <a:font script="Osma" typeface="Ebrima"/>
+        <a:font script="Phag" typeface="Phagspa"/>
+        <a:font script="Syrn" typeface="Estrangelo Edessa"/>
+        <a:font script="Syrj" typeface="Estrangelo Edessa"/>
+        <a:font script="Syre" typeface="Estrangelo Edessa"/>
+        <a:font script="Sora" typeface="Nirmala UI"/>
+        <a:font script="Tale" typeface="Microsoft Tai Le"/>
+        <a:font script="Talu" typeface="Microsoft New Tai Lue"/>
+        <a:font script="Tfng" typeface="Ebrima"/>
+      </a:minorFont>
+    </a:fontScheme>
+    <a:fmtScheme name="Office">
+      <a:fillStyleLst>
+        <a:solidFill>
+          <a:schemeClr val="phClr"/>
+        </a:solidFill>
+        <a:gradFill rotWithShape="1">
+          <a:gsLst>
+            <a:gs pos="0">
+              <a:schemeClr val="phClr">
+                <a:lumMod val="110000"/>
+                <a:satMod val="105000"/>
+                <a:tint val="67000"/>
+              </a:schemeClr>
+            </a:gs>
+            <a:gs pos="50000">
+              <a:schemeClr val="phClr">
+                <a:lumMod val="105000"/>
+                <a:satMod val="103000"/>
+                <a:tint val="73000"/>
+              </a:schemeClr>
+            </a:gs>
+            <a:gs pos="100000">
+              <a:schemeClr val="phClr">
+                <a:lumMod val="105000"/>
+                <a:satMod val="109000"/>
+                <a:tint val="81000"/>
+              </a:schemeClr>
+            </a:gs>
+          </a:gsLst>
+          <a:lin ang="5400000" scaled="0"/>
+        </a:gradFill>
+        <a:gradFill rotWithShape="1">
+          <a:gsLst>
+            <a:gs pos="0">
+              <a:schemeClr val="phClr">
+                <a:satMod val="103000"/>
+                <a:lumMod val="102000"/>
+                <a:tint val="94000"/>
+              </a:schemeClr>
+            </a:gs>
+            <a:gs pos="50000">
+              <a:schemeClr val="phClr">
+                <a:satMod val="110000"/>
+                <a:lumMod val="100000"/>
+                <a:shade val="100000"/>
+              </a:schemeClr>
+            </a:gs>
+            <a:gs pos="100000">
+              <a:schemeClr val="phClr">
+                <a:lumMod val="99000"/>
+                <a:satMod val="120000"/>
+                <a:shade val="78000"/>
+              </a:schemeClr>
+            </a:gs>
+          </a:gsLst>
+          <a:lin ang="5400000" scaled="0"/>
+        </a:gradFill>
+      </a:fillStyleLst>
+      <a:lnStyleLst>
+        <a:ln w="6350" cap="flat" cmpd="sng" algn="ctr">
+          <a:solidFill>
+            <a:schemeClr val="phClr"/>
+          </a:solidFill>
+          <a:prstDash val="solid"/>
+          <a:miter lim="800000"/>
+        </a:ln>
+        <a:ln w="12700" cap="flat" cmpd="sng" algn="ctr">
+          <a:solidFill>
+            <a:schemeClr val="phClr"/>
+          </a:solidFill>
+          <a:prstDash val="solid"/>
+          <a:miter lim="800000"/>
+        </a:ln>
+        <a:ln w="19050" cap="flat" cmpd="sng" algn="ctr">
+          <a:solidFill>
+            <a:schemeClr val="phClr"/>
+          </a:solidFill>
+          <a:prstDash val="solid"/>
+          <a:miter lim="800000"/>
+        </a:ln>
+      </a:lnStyleLst>
+      <a:effectStyleLst>
+        <a:effectStyle>
+          <a:effectLst/>
+        </a:effectStyle>
+        <a:effectStyle>
+          <a:effectLst/>
+        </a:effectStyle>
+        <a:effectStyle>
+          <a:effectLst>
+            <a:outerShdw blurRad="57150" dist="19050" dir="5400000" algn="ctr" rotWithShape="0">
+              <a:srgbClr val="000000">
+                <a:alpha val="63000"/>
+              </a:srgbClr>
+            </a:outerShdw>
+          </a:effectLst>
+        </a:effectStyle>
+      </a:effectStyleLst>
+      <a:bgFillStyleLst>
+        <a:solidFill>
+          <a:schemeClr val="phClr"/>
+        </a:solidFill>
+        <a:solidFill>
+          <a:schemeClr val="phClr">
+            <a:tint val="95000"/>
+            <a:satMod val="170000"/>
+          </a:schemeClr>
+        </a:solidFill>
+        <a:gradFill rotWithShape="1">
+          <a:gsLst>
+            <a:gs pos="0">
+              <a:schemeClr val="phClr">
+                <a:tint val="93000"/>
+                <a:satMod val="150000"/>
+                <a:shade val="98000"/>
+                <a:lumMod val="102000"/>
+              </a:schemeClr>
+            </a:gs>
+            <a:gs pos="50000">
+              <a:schemeClr val="phClr">
+                <a:tint val="98000"/>
+                <a:satMod val="130000"/>
+                <a:shade val="90000"/>
+                <a:lumMod val="103000"/>
+              </a:schemeClr>
+            </a:gs>
+            <a:gs pos="100000">
+              <a:schemeClr val="phClr">
+                <a:shade val="63000"/>
+                <a:satMod val="120000"/>
+              </a:schemeClr>
+            </a:gs>
+          </a:gsLst>
+          <a:lin ang="5400000" scaled="0"/>
+        </a:gradFill>
+      </a:bgFillStyleLst>
+    </a:fmtScheme>
+  </a:themeElements>
+  <a:objectDefaults/>
+  <a:extraClrSchemeLst/>
+  <a:extLst>
+    <a:ext uri="{05A4C25C-085E-4340-85A3-A5531E510DB2}">
+      <thm15:themeFamily xmlns:thm15="http://schemas.microsoft.com/office/thememl/2012/main" name="Office Theme" id="{62F939B6-93AF-4DB8-9C6B-D6C7DFDC589F}" vid="{4A3C46E8-61CC-4603-A589-7422A47A8E4A}"/>
+    </a:ext>
+  </a:extLst>
+</a:theme>
 </file>
--- a/documents/Clothes Detection 모델 결과 보고서.pptx
+++ b/documents/Clothes Detection 모델 결과 보고서.pptx
@@ -5,7 +5,7 @@
     <p:sldMasterId id="2147483732" r:id="rId1"/>
   </p:sldMasterIdLst>
   <p:notesMasterIdLst>
-    <p:notesMasterId r:id="rId28"/>
+    <p:notesMasterId r:id="rId27"/>
   </p:notesMasterIdLst>
   <p:sldIdLst>
     <p:sldId id="256" r:id="rId2"/>
@@ -33,7 +33,6 @@
     <p:sldId id="288" r:id="rId24"/>
     <p:sldId id="275" r:id="rId25"/>
     <p:sldId id="289" r:id="rId26"/>
-    <p:sldId id="276" r:id="rId27"/>
   </p:sldIdLst>
   <p:sldSz cx="18288000" cy="10287000"/>
   <p:notesSz cx="6858000" cy="9144000"/>
@@ -4344,7 +4343,7 @@
     <mc:Choice Requires="p14">
       <p:transition/>
     </mc:Choice>
-    <mc:Fallback xmlns="" xmlns:c="http://schemas.openxmlformats.org/drawingml/2006/chart" xmlns:dgm="http://schemas.openxmlformats.org/drawingml/2006/diagram" xmlns:dsp="http://schemas.microsoft.com/office/drawing/2008/diagram">
+    <mc:Fallback xmlns:dsp="http://schemas.microsoft.com/office/drawing/2008/diagram" xmlns:dgm="http://schemas.openxmlformats.org/drawingml/2006/diagram" xmlns:c="http://schemas.openxmlformats.org/drawingml/2006/chart" xmlns="">
       <p:transition/>
     </mc:Fallback>
   </mc:AlternateContent>
@@ -5208,7 +5207,7 @@
     <mc:Choice Requires="p14">
       <p:transition/>
     </mc:Choice>
-    <mc:Fallback xmlns="" xmlns:c="http://schemas.openxmlformats.org/drawingml/2006/chart" xmlns:dgm="http://schemas.openxmlformats.org/drawingml/2006/diagram" xmlns:dsp="http://schemas.microsoft.com/office/drawing/2008/diagram">
+    <mc:Fallback xmlns:dsp="http://schemas.microsoft.com/office/drawing/2008/diagram" xmlns:dgm="http://schemas.openxmlformats.org/drawingml/2006/diagram" xmlns:c="http://schemas.openxmlformats.org/drawingml/2006/chart" xmlns="">
       <p:transition/>
     </mc:Fallback>
   </mc:AlternateContent>
@@ -6261,7 +6260,7 @@
     <mc:Choice Requires="p14">
       <p:transition/>
     </mc:Choice>
-    <mc:Fallback xmlns="" xmlns:c="http://schemas.openxmlformats.org/drawingml/2006/chart" xmlns:dgm="http://schemas.openxmlformats.org/drawingml/2006/diagram" xmlns:dsp="http://schemas.microsoft.com/office/drawing/2008/diagram">
+    <mc:Fallback xmlns:dsp="http://schemas.microsoft.com/office/drawing/2008/diagram" xmlns:dgm="http://schemas.openxmlformats.org/drawingml/2006/diagram" xmlns:c="http://schemas.openxmlformats.org/drawingml/2006/chart" xmlns="">
       <p:transition/>
     </mc:Fallback>
   </mc:AlternateContent>
@@ -7641,7 +7640,7 @@
     <mc:Choice Requires="p14">
       <p:transition/>
     </mc:Choice>
-    <mc:Fallback xmlns="" xmlns:c="http://schemas.openxmlformats.org/drawingml/2006/chart" xmlns:dgm="http://schemas.openxmlformats.org/drawingml/2006/diagram" xmlns:dsp="http://schemas.microsoft.com/office/drawing/2008/diagram">
+    <mc:Fallback xmlns:dsp="http://schemas.microsoft.com/office/drawing/2008/diagram" xmlns:dgm="http://schemas.openxmlformats.org/drawingml/2006/diagram" xmlns:c="http://schemas.openxmlformats.org/drawingml/2006/chart" xmlns="">
       <p:transition/>
     </mc:Fallback>
   </mc:AlternateContent>
@@ -10562,7 +10561,7 @@
                 <a:latin typeface="나눔바른고딕OTF"/>
                 <a:ea typeface="나눔바른고딕OTF"/>
               </a:rPr>
-              <a:t>1000</a:t>
+              <a:t>1,000</a:t>
             </a:r>
             <a:r>
               <a:rPr lang="ko-KR" altLang="en-US" sz="2800" b="0" i="0" u="none" strike="noStrike" spc="-100" dirty="0">
@@ -10593,7 +10592,7 @@
     <mc:Choice Requires="p14">
       <p:transition/>
     </mc:Choice>
-    <mc:Fallback xmlns="" xmlns:c="http://schemas.openxmlformats.org/drawingml/2006/chart" xmlns:dgm="http://schemas.openxmlformats.org/drawingml/2006/diagram" xmlns:dsp="http://schemas.microsoft.com/office/drawing/2008/diagram">
+    <mc:Fallback xmlns:dsp="http://schemas.microsoft.com/office/drawing/2008/diagram" xmlns:dgm="http://schemas.openxmlformats.org/drawingml/2006/diagram" xmlns:c="http://schemas.openxmlformats.org/drawingml/2006/chart" xmlns="">
       <p:transition/>
     </mc:Fallback>
   </mc:AlternateContent>
@@ -15468,7 +15467,7 @@
     <mc:Choice Requires="p14">
       <p:transition/>
     </mc:Choice>
-    <mc:Fallback xmlns="" xmlns:c="http://schemas.openxmlformats.org/drawingml/2006/chart" xmlns:dgm="http://schemas.openxmlformats.org/drawingml/2006/diagram" xmlns:dsp="http://schemas.microsoft.com/office/drawing/2008/diagram">
+    <mc:Fallback xmlns:dsp="http://schemas.microsoft.com/office/drawing/2008/diagram" xmlns:dgm="http://schemas.openxmlformats.org/drawingml/2006/diagram" xmlns:c="http://schemas.openxmlformats.org/drawingml/2006/chart" xmlns="">
       <p:transition/>
     </mc:Fallback>
   </mc:AlternateContent>
@@ -15715,7 +15714,7 @@
     <mc:Choice Requires="p14">
       <p:transition/>
     </mc:Choice>
-    <mc:Fallback xmlns="" xmlns:c="http://schemas.openxmlformats.org/drawingml/2006/chart" xmlns:dgm="http://schemas.openxmlformats.org/drawingml/2006/diagram" xmlns:dsp="http://schemas.microsoft.com/office/drawing/2008/diagram">
+    <mc:Fallback xmlns:dsp="http://schemas.microsoft.com/office/drawing/2008/diagram" xmlns:dgm="http://schemas.openxmlformats.org/drawingml/2006/diagram" xmlns:c="http://schemas.openxmlformats.org/drawingml/2006/chart" xmlns="">
       <p:transition/>
     </mc:Fallback>
   </mc:AlternateContent>
@@ -16714,7 +16713,7 @@
     <mc:Choice Requires="p14">
       <p:transition/>
     </mc:Choice>
-    <mc:Fallback xmlns="" xmlns:c="http://schemas.openxmlformats.org/drawingml/2006/chart" xmlns:dgm="http://schemas.openxmlformats.org/drawingml/2006/diagram" xmlns:dsp="http://schemas.microsoft.com/office/drawing/2008/diagram">
+    <mc:Fallback xmlns:dsp="http://schemas.microsoft.com/office/drawing/2008/diagram" xmlns:dgm="http://schemas.openxmlformats.org/drawingml/2006/diagram" xmlns:c="http://schemas.openxmlformats.org/drawingml/2006/chart" xmlns="">
       <p:transition/>
     </mc:Fallback>
   </mc:AlternateContent>
@@ -22614,7 +22613,7 @@
     <mc:Choice Requires="p14">
       <p:transition/>
     </mc:Choice>
-    <mc:Fallback xmlns="" xmlns:c="http://schemas.openxmlformats.org/drawingml/2006/chart" xmlns:dgm="http://schemas.openxmlformats.org/drawingml/2006/diagram" xmlns:dsp="http://schemas.microsoft.com/office/drawing/2008/diagram">
+    <mc:Fallback xmlns:dsp="http://schemas.microsoft.com/office/drawing/2008/diagram" xmlns:dgm="http://schemas.openxmlformats.org/drawingml/2006/diagram" xmlns:c="http://schemas.openxmlformats.org/drawingml/2006/chart" xmlns="">
       <p:transition/>
     </mc:Fallback>
   </mc:AlternateContent>
@@ -23204,757 +23203,6 @@
 </p:sld>
 </file>
 
-<file path=ppt/slides/slide26.xml><?xml version="1.0" encoding="utf-8"?>
-<p:sld xmlns:a="http://schemas.openxmlformats.org/drawingml/2006/main" xmlns:r="http://schemas.openxmlformats.org/officeDocument/2006/relationships" xmlns:p="http://schemas.openxmlformats.org/presentationml/2006/main">
-  <p:cSld>
-    <p:bg>
-      <p:bgPr>
-        <a:solidFill>
-          <a:srgbClr val="006BB1"/>
-        </a:solidFill>
-        <a:effectLst/>
-      </p:bgPr>
-    </p:bg>
-    <p:spTree>
-      <p:nvGrpSpPr>
-        <p:cNvPr id="1" name=""/>
-        <p:cNvGrpSpPr/>
-        <p:nvPr/>
-      </p:nvGrpSpPr>
-      <p:grpSpPr>
-        <a:xfrm>
-          <a:off x="0" y="0"/>
-          <a:ext cx="0" cy="0"/>
-          <a:chOff x="0" y="0"/>
-          <a:chExt cx="0" cy="0"/>
-        </a:xfrm>
-      </p:grpSpPr>
-      <p:sp>
-        <p:nvSpPr>
-          <p:cNvPr id="2" name="TextBox 2"/>
-          <p:cNvSpPr txBox="1"/>
-          <p:nvPr/>
-        </p:nvSpPr>
-        <p:spPr>
-          <a:xfrm>
-            <a:off x="2336800" y="1270000"/>
-            <a:ext cx="3581400" cy="508000"/>
-          </a:xfrm>
-          <a:prstGeom prst="rect">
-            <a:avLst/>
-          </a:prstGeom>
-        </p:spPr>
-        <p:txBody>
-          <a:bodyPr lIns="0" tIns="0" rIns="0" bIns="0" anchor="ctr"/>
-          <a:lstStyle/>
-          <a:p>
-            <a:pPr lvl="0" algn="l">
-              <a:lnSpc>
-                <a:spcPct val="99600"/>
-              </a:lnSpc>
-              <a:defRPr/>
-            </a:pPr>
-            <a:r>
-              <a:rPr lang="ko-KR" altLang="en-US" sz="2800" b="0" i="0" u="none" strike="noStrike" dirty="0">
-                <a:solidFill>
-                  <a:srgbClr val="F7F2EB"/>
-                </a:solidFill>
-                <a:latin typeface="나눔바른고딕OTF"/>
-                <a:ea typeface="나눔바른고딕OTF"/>
-              </a:rPr>
-              <a:t>가성비</a:t>
-            </a:r>
-          </a:p>
-        </p:txBody>
-      </p:sp>
-      <p:pic>
-        <p:nvPicPr>
-          <p:cNvPr id="3" name="Picture 3"/>
-          <p:cNvPicPr>
-            <a:picLocks noChangeAspect="1"/>
-          </p:cNvPicPr>
-          <p:nvPr/>
-        </p:nvPicPr>
-        <p:blipFill rotWithShape="1">
-          <a:blip r:embed="rId2"/>
-          <a:stretch>
-            <a:fillRect/>
-          </a:stretch>
-        </p:blipFill>
-        <p:spPr>
-          <a:xfrm>
-            <a:off x="9144000" y="1524000"/>
-            <a:ext cx="9144000" cy="25400"/>
-          </a:xfrm>
-          <a:prstGeom prst="rect">
-            <a:avLst/>
-          </a:prstGeom>
-        </p:spPr>
-      </p:pic>
-      <p:pic>
-        <p:nvPicPr>
-          <p:cNvPr id="4" name="Picture 4"/>
-          <p:cNvPicPr>
-            <a:picLocks noChangeAspect="1"/>
-          </p:cNvPicPr>
-          <p:nvPr/>
-        </p:nvPicPr>
-        <p:blipFill rotWithShape="1">
-          <a:blip r:embed="rId3"/>
-          <a:stretch>
-            <a:fillRect/>
-          </a:stretch>
-        </p:blipFill>
-        <p:spPr>
-          <a:xfrm>
-            <a:off x="16179800" y="952500"/>
-            <a:ext cx="1143000" cy="1143000"/>
-          </a:xfrm>
-          <a:prstGeom prst="rect">
-            <a:avLst/>
-          </a:prstGeom>
-        </p:spPr>
-      </p:pic>
-      <p:pic>
-        <p:nvPicPr>
-          <p:cNvPr id="5" name="Picture 5"/>
-          <p:cNvPicPr>
-            <a:picLocks noChangeAspect="1"/>
-          </p:cNvPicPr>
-          <p:nvPr/>
-        </p:nvPicPr>
-        <p:blipFill rotWithShape="1">
-          <a:blip r:embed="rId4"/>
-          <a:stretch>
-            <a:fillRect/>
-          </a:stretch>
-        </p:blipFill>
-        <p:spPr>
-          <a:xfrm rot="5400000">
-            <a:off x="14173200" y="2552700"/>
-            <a:ext cx="5143500" cy="25400"/>
-          </a:xfrm>
-          <a:prstGeom prst="rect">
-            <a:avLst/>
-          </a:prstGeom>
-        </p:spPr>
-      </p:pic>
-      <p:pic>
-        <p:nvPicPr>
-          <p:cNvPr id="6" name="Picture 6"/>
-          <p:cNvPicPr>
-            <a:picLocks noChangeAspect="1"/>
-          </p:cNvPicPr>
-          <p:nvPr/>
-        </p:nvPicPr>
-        <p:blipFill rotWithShape="1">
-          <a:blip r:embed="rId5"/>
-          <a:stretch>
-            <a:fillRect/>
-          </a:stretch>
-        </p:blipFill>
-        <p:spPr>
-          <a:xfrm>
-            <a:off x="16446500" y="8483600"/>
-            <a:ext cx="571500" cy="571500"/>
-          </a:xfrm>
-          <a:prstGeom prst="rect">
-            <a:avLst/>
-          </a:prstGeom>
-        </p:spPr>
-      </p:pic>
-      <p:pic>
-        <p:nvPicPr>
-          <p:cNvPr id="7" name="Picture 7"/>
-          <p:cNvPicPr>
-            <a:picLocks noChangeAspect="1"/>
-          </p:cNvPicPr>
-          <p:nvPr/>
-        </p:nvPicPr>
-        <p:blipFill rotWithShape="1">
-          <a:blip r:embed="rId6"/>
-          <a:stretch>
-            <a:fillRect/>
-          </a:stretch>
-        </p:blipFill>
-        <p:spPr>
-          <a:xfrm>
-            <a:off x="16167100" y="8750300"/>
-            <a:ext cx="1143000" cy="25400"/>
-          </a:xfrm>
-          <a:prstGeom prst="rect">
-            <a:avLst/>
-          </a:prstGeom>
-        </p:spPr>
-      </p:pic>
-      <p:pic>
-        <p:nvPicPr>
-          <p:cNvPr id="8" name="Picture 8"/>
-          <p:cNvPicPr>
-            <a:picLocks noChangeAspect="1"/>
-          </p:cNvPicPr>
-          <p:nvPr/>
-        </p:nvPicPr>
-        <p:blipFill rotWithShape="1">
-          <a:blip r:embed="rId6"/>
-          <a:stretch>
-            <a:fillRect/>
-          </a:stretch>
-        </p:blipFill>
-        <p:spPr>
-          <a:xfrm rot="16200000">
-            <a:off x="16167100" y="8750300"/>
-            <a:ext cx="1143000" cy="25400"/>
-          </a:xfrm>
-          <a:prstGeom prst="rect">
-            <a:avLst/>
-          </a:prstGeom>
-        </p:spPr>
-      </p:pic>
-      <p:pic>
-        <p:nvPicPr>
-          <p:cNvPr id="9" name="Picture 9"/>
-          <p:cNvPicPr>
-            <a:picLocks noChangeAspect="1"/>
-          </p:cNvPicPr>
-          <p:nvPr/>
-        </p:nvPicPr>
-        <p:blipFill rotWithShape="1">
-          <a:blip r:embed="rId7"/>
-          <a:stretch>
-            <a:fillRect/>
-          </a:stretch>
-        </p:blipFill>
-        <p:spPr>
-          <a:xfrm>
-            <a:off x="1384300" y="1384300"/>
-            <a:ext cx="292100" cy="292100"/>
-          </a:xfrm>
-          <a:prstGeom prst="rect">
-            <a:avLst/>
-          </a:prstGeom>
-        </p:spPr>
-      </p:pic>
-      <p:pic>
-        <p:nvPicPr>
-          <p:cNvPr id="10" name="Picture 10"/>
-          <p:cNvPicPr>
-            <a:picLocks noChangeAspect="1"/>
-          </p:cNvPicPr>
-          <p:nvPr/>
-        </p:nvPicPr>
-        <p:blipFill rotWithShape="1">
-          <a:blip r:embed="rId8"/>
-          <a:stretch>
-            <a:fillRect/>
-          </a:stretch>
-        </p:blipFill>
-        <p:spPr>
-          <a:xfrm>
-            <a:off x="1092200" y="1511300"/>
-            <a:ext cx="863600" cy="25400"/>
-          </a:xfrm>
-          <a:prstGeom prst="rect">
-            <a:avLst/>
-          </a:prstGeom>
-        </p:spPr>
-      </p:pic>
-      <p:pic>
-        <p:nvPicPr>
-          <p:cNvPr id="11" name="Picture 11"/>
-          <p:cNvPicPr>
-            <a:picLocks noChangeAspect="1"/>
-          </p:cNvPicPr>
-          <p:nvPr/>
-        </p:nvPicPr>
-        <p:blipFill rotWithShape="1">
-          <a:blip r:embed="rId8"/>
-          <a:stretch>
-            <a:fillRect/>
-          </a:stretch>
-        </p:blipFill>
-        <p:spPr>
-          <a:xfrm rot="16200000">
-            <a:off x="1092200" y="1511300"/>
-            <a:ext cx="863600" cy="25400"/>
-          </a:xfrm>
-          <a:prstGeom prst="rect">
-            <a:avLst/>
-          </a:prstGeom>
-        </p:spPr>
-      </p:pic>
-      <p:pic>
-        <p:nvPicPr>
-          <p:cNvPr id="12" name="Picture 12"/>
-          <p:cNvPicPr>
-            <a:picLocks noChangeAspect="1"/>
-          </p:cNvPicPr>
-          <p:nvPr/>
-        </p:nvPicPr>
-        <p:blipFill rotWithShape="1">
-          <a:blip r:embed="rId7"/>
-          <a:stretch>
-            <a:fillRect/>
-          </a:stretch>
-        </p:blipFill>
-        <p:spPr>
-          <a:xfrm>
-            <a:off x="16598900" y="1384300"/>
-            <a:ext cx="292100" cy="292100"/>
-          </a:xfrm>
-          <a:prstGeom prst="rect">
-            <a:avLst/>
-          </a:prstGeom>
-        </p:spPr>
-      </p:pic>
-      <p:pic>
-        <p:nvPicPr>
-          <p:cNvPr id="13" name="Picture 13"/>
-          <p:cNvPicPr>
-            <a:picLocks noChangeAspect="1"/>
-          </p:cNvPicPr>
-          <p:nvPr/>
-        </p:nvPicPr>
-        <p:blipFill rotWithShape="1">
-          <a:blip r:embed="rId9"/>
-          <a:stretch>
-            <a:fillRect/>
-          </a:stretch>
-        </p:blipFill>
-        <p:spPr>
-          <a:xfrm rot="10800000">
-            <a:off x="-114300" y="8763000"/>
-            <a:ext cx="10604500" cy="25400"/>
-          </a:xfrm>
-          <a:prstGeom prst="rect">
-            <a:avLst/>
-          </a:prstGeom>
-        </p:spPr>
-      </p:pic>
-      <p:pic>
-        <p:nvPicPr>
-          <p:cNvPr id="14" name="Picture 14"/>
-          <p:cNvPicPr>
-            <a:picLocks noChangeAspect="1"/>
-          </p:cNvPicPr>
-          <p:nvPr/>
-        </p:nvPicPr>
-        <p:blipFill rotWithShape="1">
-          <a:blip r:embed="rId10"/>
-          <a:stretch>
-            <a:fillRect/>
-          </a:stretch>
-        </p:blipFill>
-        <p:spPr>
-          <a:xfrm rot="10800000">
-            <a:off x="1181100" y="8420100"/>
-            <a:ext cx="723900" cy="723900"/>
-          </a:xfrm>
-          <a:prstGeom prst="rect">
-            <a:avLst/>
-          </a:prstGeom>
-        </p:spPr>
-      </p:pic>
-      <p:pic>
-        <p:nvPicPr>
-          <p:cNvPr id="15" name="Picture 15"/>
-          <p:cNvPicPr>
-            <a:picLocks noChangeAspect="1"/>
-          </p:cNvPicPr>
-          <p:nvPr/>
-        </p:nvPicPr>
-        <p:blipFill rotWithShape="1">
-          <a:blip r:embed="rId11"/>
-          <a:stretch>
-            <a:fillRect/>
-          </a:stretch>
-        </p:blipFill>
-        <p:spPr>
-          <a:xfrm rot="16200000">
-            <a:off x="-685800" y="8496300"/>
-            <a:ext cx="4445000" cy="25400"/>
-          </a:xfrm>
-          <a:prstGeom prst="rect">
-            <a:avLst/>
-          </a:prstGeom>
-        </p:spPr>
-      </p:pic>
-      <p:pic>
-        <p:nvPicPr>
-          <p:cNvPr id="16" name="Picture 16"/>
-          <p:cNvPicPr>
-            <a:picLocks noChangeAspect="1"/>
-          </p:cNvPicPr>
-          <p:nvPr/>
-        </p:nvPicPr>
-        <p:blipFill rotWithShape="1">
-          <a:blip r:embed="rId12"/>
-          <a:stretch>
-            <a:fillRect/>
-          </a:stretch>
-        </p:blipFill>
-        <p:spPr>
-          <a:xfrm rot="10800000">
-            <a:off x="1435100" y="8674100"/>
-            <a:ext cx="203200" cy="203200"/>
-          </a:xfrm>
-          <a:prstGeom prst="rect">
-            <a:avLst/>
-          </a:prstGeom>
-        </p:spPr>
-      </p:pic>
-      <p:sp>
-        <p:nvSpPr>
-          <p:cNvPr id="17" name="TextBox 17"/>
-          <p:cNvSpPr txBox="1"/>
-          <p:nvPr/>
-        </p:nvSpPr>
-        <p:spPr>
-          <a:xfrm>
-            <a:off x="2387600" y="2781300"/>
-            <a:ext cx="9271000" cy="2476500"/>
-          </a:xfrm>
-          <a:prstGeom prst="rect">
-            <a:avLst/>
-          </a:prstGeom>
-        </p:spPr>
-        <p:txBody>
-          <a:bodyPr lIns="0" tIns="0" rIns="0" bIns="0" anchor="ctr"/>
-          <a:lstStyle/>
-          <a:p>
-            <a:pPr lvl="0" algn="l">
-              <a:lnSpc>
-                <a:spcPct val="107899"/>
-              </a:lnSpc>
-              <a:defRPr/>
-            </a:pPr>
-            <a:r>
-              <a:rPr lang="ko-KR" altLang="en-US" sz="7200" b="0" i="0" u="none" strike="noStrike" spc="-200" dirty="0">
-                <a:solidFill>
-                  <a:srgbClr val="F7F2EB"/>
-                </a:solidFill>
-                <a:latin typeface="나눔바른고딕OTF"/>
-                <a:ea typeface="나눔바른고딕OTF"/>
-              </a:rPr>
-              <a:t>감</a:t>
-            </a:r>
-            <a:r>
-              <a:rPr lang="en-US" altLang="ko-KR" sz="7200" b="0" i="0" u="none" strike="noStrike" spc="-200" dirty="0">
-                <a:solidFill>
-                  <a:srgbClr val="F7F2EB"/>
-                </a:solidFill>
-                <a:latin typeface="나눔바른고딕OTF"/>
-                <a:ea typeface="나눔바른고딕OTF"/>
-              </a:rPr>
-              <a:t>.</a:t>
-            </a:r>
-            <a:r>
-              <a:rPr lang="ko-KR" altLang="en-US" sz="7200" b="0" i="0" u="none" strike="noStrike" spc="-200" dirty="0">
-                <a:solidFill>
-                  <a:srgbClr val="F7F2EB"/>
-                </a:solidFill>
-                <a:latin typeface="나눔바른고딕OTF"/>
-                <a:ea typeface="나눔바른고딕OTF"/>
-              </a:rPr>
-              <a:t> 사 </a:t>
-            </a:r>
-            <a:r>
-              <a:rPr lang="en-US" altLang="ko-KR" sz="7200" b="0" i="0" u="none" strike="noStrike" spc="-200" dirty="0">
-                <a:solidFill>
-                  <a:srgbClr val="F7F2EB"/>
-                </a:solidFill>
-                <a:latin typeface="나눔바른고딕OTF"/>
-                <a:ea typeface="나눔바른고딕OTF"/>
-              </a:rPr>
-              <a:t>. </a:t>
-            </a:r>
-            <a:r>
-              <a:rPr lang="ko-KR" altLang="en-US" sz="7200" b="0" i="0" u="none" strike="noStrike" spc="-200" dirty="0">
-                <a:solidFill>
-                  <a:srgbClr val="F7F2EB"/>
-                </a:solidFill>
-                <a:latin typeface="나눔바른고딕OTF"/>
-                <a:ea typeface="나눔바른고딕OTF"/>
-              </a:rPr>
-              <a:t>링</a:t>
-            </a:r>
-            <a:r>
-              <a:rPr lang="en-US" altLang="ko-KR" sz="7200" b="0" i="0" u="none" strike="noStrike" spc="-200" dirty="0">
-                <a:solidFill>
-                  <a:srgbClr val="F7F2EB"/>
-                </a:solidFill>
-                <a:latin typeface="나눔바른고딕OTF"/>
-                <a:ea typeface="나눔바른고딕OTF"/>
-              </a:rPr>
-              <a:t>. </a:t>
-            </a:r>
-            <a:r>
-              <a:rPr lang="ko-KR" altLang="en-US" sz="7200" b="0" i="0" u="none" strike="noStrike" spc="-200" dirty="0">
-                <a:solidFill>
-                  <a:srgbClr val="F7F2EB"/>
-                </a:solidFill>
-                <a:latin typeface="나눔바른고딕OTF"/>
-                <a:ea typeface="나눔바른고딕OTF"/>
-              </a:rPr>
-              <a:t>양</a:t>
-            </a:r>
-            <a:r>
-              <a:rPr lang="en-US" altLang="ko-KR" sz="7200" b="0" i="0" u="none" strike="noStrike" spc="-200" dirty="0">
-                <a:solidFill>
-                  <a:srgbClr val="F7F2EB"/>
-                </a:solidFill>
-                <a:latin typeface="나눔바른고딕OTF"/>
-                <a:ea typeface="나눔바른고딕OTF"/>
-              </a:rPr>
-              <a:t>. </a:t>
-            </a:r>
-            <a:r>
-              <a:rPr lang="ko-KR" altLang="en-US" sz="7200" b="0" i="0" u="none" strike="noStrike" spc="-200" dirty="0">
-                <a:solidFill>
-                  <a:srgbClr val="F7F2EB"/>
-                </a:solidFill>
-                <a:latin typeface="나눔바른고딕OTF"/>
-                <a:ea typeface="나눔바른고딕OTF"/>
-              </a:rPr>
-              <a:t>파</a:t>
-            </a:r>
-            <a:r>
-              <a:rPr lang="en-US" altLang="ko-KR" sz="7200" b="0" i="0" u="none" strike="noStrike" spc="-200">
-                <a:solidFill>
-                  <a:srgbClr val="F7F2EB"/>
-                </a:solidFill>
-                <a:latin typeface="나눔바른고딕OTF"/>
-                <a:ea typeface="나눔바른고딕OTF"/>
-              </a:rPr>
-              <a:t>. </a:t>
-            </a:r>
-            <a:r>
-              <a:rPr lang="ko-KR" altLang="en-US" sz="7200" b="0" i="0" u="none" strike="noStrike" spc="-200">
-                <a:solidFill>
-                  <a:srgbClr val="F7F2EB"/>
-                </a:solidFill>
-                <a:latin typeface="나눔바른고딕OTF"/>
-                <a:ea typeface="나눔바른고딕OTF"/>
-              </a:rPr>
-              <a:t>링</a:t>
-            </a:r>
-            <a:r>
-              <a:rPr lang="en-US" altLang="ko-KR" sz="7200" b="0" i="0" u="none" strike="noStrike" spc="-200" dirty="0">
-                <a:solidFill>
-                  <a:srgbClr val="F7F2EB"/>
-                </a:solidFill>
-                <a:latin typeface="나눔바른고딕OTF"/>
-                <a:ea typeface="나눔바른고딕OTF"/>
-              </a:rPr>
-              <a:t>.</a:t>
-            </a:r>
-            <a:r>
-              <a:rPr lang="ko-KR" altLang="en-US" sz="7200" b="0" i="0" u="none" strike="noStrike" spc="-200" dirty="0">
-                <a:solidFill>
-                  <a:srgbClr val="F7F2EB"/>
-                </a:solidFill>
-                <a:latin typeface="나눔바른고딕OTF"/>
-                <a:ea typeface="나눔바른고딕OTF"/>
-              </a:rPr>
-              <a:t> </a:t>
-            </a:r>
-          </a:p>
-        </p:txBody>
-      </p:sp>
-      <p:sp>
-        <p:nvSpPr>
-          <p:cNvPr id="18" name="TextBox 18"/>
-          <p:cNvSpPr txBox="1"/>
-          <p:nvPr/>
-        </p:nvSpPr>
-        <p:spPr>
-          <a:xfrm>
-            <a:off x="2387600" y="6146800"/>
-            <a:ext cx="9105900" cy="2273300"/>
-          </a:xfrm>
-          <a:prstGeom prst="rect">
-            <a:avLst/>
-          </a:prstGeom>
-        </p:spPr>
-        <p:txBody>
-          <a:bodyPr lIns="0" tIns="0" rIns="0" bIns="0" anchor="ctr"/>
-          <a:lstStyle/>
-          <a:p>
-            <a:pPr marL="342900" lvl="0" indent="-342900" algn="l">
-              <a:lnSpc>
-                <a:spcPct val="149400"/>
-              </a:lnSpc>
-              <a:buClr>
-                <a:srgbClr val="F7F2EB"/>
-              </a:buClr>
-              <a:buFont typeface="Arial"/>
-              <a:buChar char="●"/>
-              <a:defRPr/>
-            </a:pPr>
-            <a:r>
-              <a:rPr lang="ko-KR" altLang="en-US" sz="2400" b="0" i="0" u="none" strike="noStrike" spc="-100" dirty="0" err="1">
-                <a:solidFill>
-                  <a:srgbClr val="F7F2EB"/>
-                </a:solidFill>
-                <a:latin typeface="Pretendard Medium"/>
-                <a:ea typeface="나눔바른고딕OTF"/>
-              </a:rPr>
-              <a:t>고서영</a:t>
-            </a:r>
-            <a:endParaRPr lang="en-US" altLang="ko-KR" sz="2400" b="0" i="0" u="none" strike="noStrike" spc="-100" dirty="0">
-              <a:solidFill>
-                <a:srgbClr val="F7F2EB"/>
-              </a:solidFill>
-              <a:latin typeface="Pretendard Medium"/>
-              <a:ea typeface="나눔바른고딕OTF"/>
-            </a:endParaRPr>
-          </a:p>
-          <a:p>
-            <a:pPr marL="342900" lvl="0" indent="-342900" algn="l">
-              <a:lnSpc>
-                <a:spcPct val="149400"/>
-              </a:lnSpc>
-              <a:buClr>
-                <a:srgbClr val="F7F2EB"/>
-              </a:buClr>
-              <a:buFont typeface="Arial"/>
-              <a:buChar char="●"/>
-              <a:defRPr/>
-            </a:pPr>
-            <a:r>
-              <a:rPr lang="ko-KR" altLang="en-US" sz="2400" spc="-100" dirty="0">
-                <a:solidFill>
-                  <a:srgbClr val="F7F2EB"/>
-                </a:solidFill>
-                <a:latin typeface="Pretendard Medium"/>
-                <a:ea typeface="나눔바른고딕OTF"/>
-              </a:rPr>
-              <a:t>김인호</a:t>
-            </a:r>
-            <a:endParaRPr lang="en-US" altLang="ko-KR" sz="2400" spc="-100" dirty="0">
-              <a:solidFill>
-                <a:srgbClr val="F7F2EB"/>
-              </a:solidFill>
-              <a:latin typeface="Pretendard Medium"/>
-              <a:ea typeface="나눔바른고딕OTF"/>
-            </a:endParaRPr>
-          </a:p>
-          <a:p>
-            <a:pPr marL="342900" lvl="0" indent="-342900" algn="l">
-              <a:lnSpc>
-                <a:spcPct val="149400"/>
-              </a:lnSpc>
-              <a:buClr>
-                <a:srgbClr val="F7F2EB"/>
-              </a:buClr>
-              <a:buFont typeface="Arial"/>
-              <a:buChar char="●"/>
-              <a:defRPr/>
-            </a:pPr>
-            <a:r>
-              <a:rPr lang="ko-KR" altLang="en-US" sz="2400" b="0" i="0" u="none" strike="noStrike" spc="-100" dirty="0" err="1">
-                <a:solidFill>
-                  <a:srgbClr val="F7F2EB"/>
-                </a:solidFill>
-                <a:latin typeface="Pretendard Medium"/>
-                <a:ea typeface="나눔바른고딕OTF"/>
-              </a:rPr>
-              <a:t>음정우</a:t>
-            </a:r>
-            <a:endParaRPr lang="en-US" altLang="ko-KR" sz="2400" b="0" i="0" u="none" strike="noStrike" spc="-100" dirty="0">
-              <a:solidFill>
-                <a:srgbClr val="F7F2EB"/>
-              </a:solidFill>
-              <a:latin typeface="Pretendard Medium"/>
-              <a:ea typeface="나눔바른고딕OTF"/>
-            </a:endParaRPr>
-          </a:p>
-          <a:p>
-            <a:pPr marL="342900" lvl="0" indent="-342900" algn="l">
-              <a:lnSpc>
-                <a:spcPct val="149400"/>
-              </a:lnSpc>
-              <a:buClr>
-                <a:srgbClr val="F7F2EB"/>
-              </a:buClr>
-              <a:buFont typeface="Arial"/>
-              <a:buChar char="●"/>
-              <a:defRPr/>
-            </a:pPr>
-            <a:r>
-              <a:rPr lang="ko-KR" altLang="en-US" sz="2400" spc="-100" dirty="0">
-                <a:solidFill>
-                  <a:srgbClr val="F7F2EB"/>
-                </a:solidFill>
-                <a:latin typeface="Pretendard Medium"/>
-                <a:ea typeface="나눔바른고딕OTF"/>
-              </a:rPr>
-              <a:t>이상준</a:t>
-            </a:r>
-            <a:endParaRPr lang="ko-KR" altLang="en-US" sz="2400" b="0" i="0" u="none" strike="noStrike" spc="-100" dirty="0">
-              <a:solidFill>
-                <a:srgbClr val="F7F2EB"/>
-              </a:solidFill>
-              <a:latin typeface="Pretendard Medium"/>
-              <a:ea typeface="나눔바른고딕OTF"/>
-            </a:endParaRPr>
-          </a:p>
-        </p:txBody>
-      </p:sp>
-      <p:sp>
-        <p:nvSpPr>
-          <p:cNvPr id="19" name="TextBox 19"/>
-          <p:cNvSpPr txBox="1"/>
-          <p:nvPr/>
-        </p:nvSpPr>
-        <p:spPr>
-          <a:xfrm>
-            <a:off x="10972800" y="8597900"/>
-            <a:ext cx="4711700" cy="368300"/>
-          </a:xfrm>
-          <a:prstGeom prst="rect">
-            <a:avLst/>
-          </a:prstGeom>
-        </p:spPr>
-        <p:txBody>
-          <a:bodyPr lIns="0" tIns="0" rIns="0" bIns="0" anchor="ctr"/>
-          <a:lstStyle/>
-          <a:p>
-            <a:pPr lvl="0" algn="ctr">
-              <a:lnSpc>
-                <a:spcPct val="99600"/>
-              </a:lnSpc>
-              <a:defRPr/>
-            </a:pPr>
-            <a:r>
-              <a:rPr lang="ko-KR" altLang="en-US" sz="2100" b="0" i="0" u="none" strike="noStrike">
-                <a:solidFill>
-                  <a:srgbClr val="F7F2EB"/>
-                </a:solidFill>
-                <a:latin typeface="나눔바른고딕OTF"/>
-                <a:ea typeface="나눔바른고딕OTF"/>
-              </a:rPr>
-              <a:t>플레이데이터 평생교육원</a:t>
-            </a:r>
-          </a:p>
-        </p:txBody>
-      </p:sp>
-    </p:spTree>
-  </p:cSld>
-  <p:clrMapOvr>
-    <a:masterClrMapping/>
-  </p:clrMapOvr>
-  <mc:AlternateContent xmlns:mc="http://schemas.openxmlformats.org/markup-compatibility/2006" xmlns:p14="http://schemas.microsoft.com/office/powerpoint/2010/main">
-    <mc:Choice Requires="p14">
-      <p:transition/>
-    </mc:Choice>
-    <mc:Fallback xmlns="" xmlns:c="http://schemas.openxmlformats.org/drawingml/2006/chart" xmlns:dgm="http://schemas.openxmlformats.org/drawingml/2006/diagram" xmlns:dsp="http://schemas.microsoft.com/office/drawing/2008/diagram">
-      <p:transition/>
-    </mc:Fallback>
-  </mc:AlternateContent>
-</p:sld>
-</file>
-
 <file path=ppt/slides/slide3.xml><?xml version="1.0" encoding="utf-8"?>
 <p:sld xmlns:a="http://schemas.openxmlformats.org/drawingml/2006/main" xmlns:r="http://schemas.openxmlformats.org/officeDocument/2006/relationships" xmlns:p="http://schemas.openxmlformats.org/presentationml/2006/main">
   <p:cSld>
@@ -24734,7 +23982,7 @@
     <mc:Choice Requires="p14">
       <p:transition/>
     </mc:Choice>
-    <mc:Fallback xmlns="" xmlns:c="http://schemas.openxmlformats.org/drawingml/2006/chart" xmlns:dgm="http://schemas.openxmlformats.org/drawingml/2006/diagram" xmlns:dsp="http://schemas.microsoft.com/office/drawing/2008/diagram">
+    <mc:Fallback xmlns:dsp="http://schemas.microsoft.com/office/drawing/2008/diagram" xmlns:dgm="http://schemas.openxmlformats.org/drawingml/2006/diagram" xmlns:c="http://schemas.openxmlformats.org/drawingml/2006/chart" xmlns="">
       <p:transition/>
     </mc:Fallback>
   </mc:AlternateContent>
@@ -26080,7 +25328,7 @@
     <mc:Choice Requires="p14">
       <p:transition/>
     </mc:Choice>
-    <mc:Fallback xmlns="" xmlns:c="http://schemas.openxmlformats.org/drawingml/2006/chart" xmlns:dgm="http://schemas.openxmlformats.org/drawingml/2006/diagram" xmlns:dsp="http://schemas.microsoft.com/office/drawing/2008/diagram">
+    <mc:Fallback xmlns:dsp="http://schemas.microsoft.com/office/drawing/2008/diagram" xmlns:dgm="http://schemas.openxmlformats.org/drawingml/2006/diagram" xmlns:c="http://schemas.openxmlformats.org/drawingml/2006/chart" xmlns="">
       <p:transition/>
     </mc:Fallback>
   </mc:AlternateContent>
@@ -26327,7 +25575,7 @@
     <mc:Choice Requires="p14">
       <p:transition/>
     </mc:Choice>
-    <mc:Fallback xmlns="" xmlns:c="http://schemas.openxmlformats.org/drawingml/2006/chart" xmlns:dgm="http://schemas.openxmlformats.org/drawingml/2006/diagram" xmlns:dsp="http://schemas.microsoft.com/office/drawing/2008/diagram">
+    <mc:Fallback xmlns:dsp="http://schemas.microsoft.com/office/drawing/2008/diagram" xmlns:dgm="http://schemas.openxmlformats.org/drawingml/2006/diagram" xmlns:c="http://schemas.openxmlformats.org/drawingml/2006/chart" xmlns="">
       <p:transition/>
     </mc:Fallback>
   </mc:AlternateContent>
@@ -26804,7 +26052,7 @@
                 <a:latin typeface="나눔바른고딕OTF"/>
                 <a:ea typeface="나눔바른고딕OTF"/>
               </a:rPr>
-              <a:t> Dataset : 5000</a:t>
+              <a:t> Dataset : 5,000</a:t>
             </a:r>
             <a:r>
               <a:rPr lang="ko-KR" sz="4000" b="0" i="0" u="none" strike="noStrike" spc="-200" dirty="0">
@@ -26848,7 +26096,7 @@
     <mc:Choice Requires="p14">
       <p:transition/>
     </mc:Choice>
-    <mc:Fallback xmlns="" xmlns:c="http://schemas.openxmlformats.org/drawingml/2006/chart" xmlns:dgm="http://schemas.openxmlformats.org/drawingml/2006/diagram" xmlns:dsp="http://schemas.microsoft.com/office/drawing/2008/diagram">
+    <mc:Fallback xmlns:dsp="http://schemas.microsoft.com/office/drawing/2008/diagram" xmlns:dgm="http://schemas.openxmlformats.org/drawingml/2006/diagram" xmlns:c="http://schemas.openxmlformats.org/drawingml/2006/chart" xmlns="">
       <p:transition/>
     </mc:Fallback>
   </mc:AlternateContent>
@@ -28407,7 +27655,7 @@
     <mc:Choice Requires="p14">
       <p:transition/>
     </mc:Choice>
-    <mc:Fallback xmlns="" xmlns:c="http://schemas.openxmlformats.org/drawingml/2006/chart" xmlns:dgm="http://schemas.openxmlformats.org/drawingml/2006/diagram" xmlns:dsp="http://schemas.microsoft.com/office/drawing/2008/diagram">
+    <mc:Fallback xmlns:dsp="http://schemas.microsoft.com/office/drawing/2008/diagram" xmlns:dgm="http://schemas.openxmlformats.org/drawingml/2006/diagram" xmlns:c="http://schemas.openxmlformats.org/drawingml/2006/chart" xmlns="">
       <p:transition/>
     </mc:Fallback>
   </mc:AlternateContent>
@@ -31326,7 +30574,7 @@
                 <a:latin typeface="나눔바른고딕OTF"/>
                 <a:ea typeface="나눔바른고딕OTF"/>
               </a:rPr>
-              <a:t>52000</a:t>
+              <a:t>52,000</a:t>
             </a:r>
             <a:r>
               <a:rPr lang="ko-KR" altLang="en-US" sz="2800" b="0" i="0" u="none" strike="noStrike" spc="-100" dirty="0">
@@ -31391,7 +30639,7 @@
                 <a:latin typeface="나눔바른고딕OTF"/>
                 <a:ea typeface="나눔바른고딕OTF"/>
               </a:rPr>
-              <a:t>5000</a:t>
+              <a:t>5,000</a:t>
             </a:r>
             <a:r>
               <a:rPr lang="ko-KR" altLang="en-US" sz="2800" spc="-100" dirty="0">
@@ -31700,7 +30948,7 @@
     <mc:Choice Requires="p14">
       <p:transition/>
     </mc:Choice>
-    <mc:Fallback xmlns="" xmlns:c="http://schemas.openxmlformats.org/drawingml/2006/chart" xmlns:dgm="http://schemas.openxmlformats.org/drawingml/2006/diagram" xmlns:dsp="http://schemas.microsoft.com/office/drawing/2008/diagram">
+    <mc:Fallback xmlns:dsp="http://schemas.microsoft.com/office/drawing/2008/diagram" xmlns:dgm="http://schemas.openxmlformats.org/drawingml/2006/diagram" xmlns:c="http://schemas.openxmlformats.org/drawingml/2006/chart" xmlns="">
       <p:transition/>
     </mc:Fallback>
   </mc:AlternateContent>
@@ -31967,7 +31215,7 @@
     <mc:Choice Requires="p14">
       <p:transition/>
     </mc:Choice>
-    <mc:Fallback xmlns="" xmlns:c="http://schemas.openxmlformats.org/drawingml/2006/chart" xmlns:dgm="http://schemas.openxmlformats.org/drawingml/2006/diagram" xmlns:dsp="http://schemas.microsoft.com/office/drawing/2008/diagram">
+    <mc:Fallback xmlns:dsp="http://schemas.microsoft.com/office/drawing/2008/diagram" xmlns:dgm="http://schemas.openxmlformats.org/drawingml/2006/diagram" xmlns:c="http://schemas.openxmlformats.org/drawingml/2006/chart" xmlns="">
       <p:transition/>
     </mc:Fallback>
   </mc:AlternateContent>

--- a/documents/Clothes Detection 모델 결과 보고서.pptx
+++ b/documents/Clothes Detection 모델 결과 보고서.pptx
@@ -8127,14 +8127,14 @@
         <p:spPr>
           <a:xfrm>
             <a:off x="2209799" y="1866900"/>
-            <a:ext cx="13360397" cy="495300"/>
+            <a:ext cx="14097000" cy="1066800"/>
           </a:xfrm>
           <a:prstGeom prst="rect">
             <a:avLst/>
           </a:prstGeom>
         </p:spPr>
         <p:txBody>
-          <a:bodyPr lIns="0" tIns="0" rIns="0" bIns="0" anchor="ctr"/>
+          <a:bodyPr lIns="0" tIns="0" rIns="0" bIns="0" anchor="t"/>
           <a:lstStyle/>
           <a:p>
             <a:pPr lvl="0" algn="l">
@@ -8861,21 +8861,21 @@
               <a:defRPr/>
             </a:pPr>
             <a:r>
-              <a:rPr lang="en-US" altLang="ko-KR" sz="2000" b="0" i="0" u="none" strike="noStrike" spc="-100" dirty="0">
+              <a:rPr lang="en-US" altLang="ko-KR" sz="2000" b="1" i="0" u="none" strike="noStrike" spc="-100" dirty="0">
                 <a:latin typeface="나눔바른고딕OTF"/>
                 <a:ea typeface="나눔바른고딕OTF"/>
               </a:rPr>
               <a:t>[ </a:t>
             </a:r>
             <a:r>
-              <a:rPr lang="ko-KR" altLang="en-US" sz="2000" spc="-100" dirty="0">
+              <a:rPr lang="ko-KR" altLang="en-US" sz="2000" b="1" spc="-100" dirty="0">
                 <a:latin typeface="나눔바른고딕OTF"/>
                 <a:ea typeface="나눔바른고딕OTF"/>
               </a:rPr>
               <a:t>입력 이미지 </a:t>
             </a:r>
             <a:r>
-              <a:rPr lang="en-US" altLang="ko-KR" sz="2000" b="0" i="0" u="none" strike="noStrike" spc="-100" dirty="0">
+              <a:rPr lang="en-US" altLang="ko-KR" sz="2000" b="1" i="0" u="none" strike="noStrike" spc="-100" dirty="0">
                 <a:latin typeface="나눔바른고딕OTF"/>
                 <a:ea typeface="나눔바른고딕OTF"/>
               </a:rPr>
@@ -8898,8 +8898,8 @@
         </p:nvSpPr>
         <p:spPr>
           <a:xfrm>
-            <a:off x="10268649" y="8892391"/>
-            <a:ext cx="3060234" cy="355600"/>
+            <a:off x="9998890" y="8710191"/>
+            <a:ext cx="3599751" cy="719999"/>
           </a:xfrm>
           <a:prstGeom prst="rect">
             <a:avLst/>
@@ -8916,21 +8916,21 @@
               <a:defRPr/>
             </a:pPr>
             <a:r>
-              <a:rPr lang="en-US" altLang="ko-KR" sz="2000" b="0" i="0" u="none" strike="noStrike" spc="-100" dirty="0">
+              <a:rPr lang="en-US" altLang="ko-KR" sz="2000" b="1" i="0" u="none" strike="noStrike" spc="-100" dirty="0">
                 <a:latin typeface="나눔바른고딕OTF"/>
                 <a:ea typeface="나눔바른고딕OTF"/>
               </a:rPr>
               <a:t>[ </a:t>
             </a:r>
             <a:r>
-              <a:rPr lang="ko-KR" altLang="en-US" sz="2000" b="0" i="0" u="none" strike="noStrike" spc="-100" dirty="0">
+              <a:rPr lang="ko-KR" altLang="en-US" sz="2000" b="1" i="0" u="none" strike="noStrike" spc="-100" dirty="0">
                 <a:latin typeface="나눔바른고딕OTF"/>
                 <a:ea typeface="나눔바른고딕OTF"/>
               </a:rPr>
               <a:t>사용자에게 제시되는 이미지 </a:t>
             </a:r>
             <a:r>
-              <a:rPr lang="en-US" altLang="ko-KR" sz="2000" b="0" i="0" u="none" strike="noStrike" spc="-100" dirty="0">
+              <a:rPr lang="en-US" altLang="ko-KR" sz="2000" b="1" i="0" u="none" strike="noStrike" spc="-100" dirty="0">
                 <a:latin typeface="나눔바른고딕OTF"/>
                 <a:ea typeface="나눔바른고딕OTF"/>
               </a:rPr>
@@ -9298,14 +9298,14 @@
           <p:nvPr>
             <p:extLst>
               <p:ext uri="{D42A27DB-BD31-4B8C-83A1-F6EECF244321}">
-                <p14:modId xmlns:p14="http://schemas.microsoft.com/office/powerpoint/2010/main" val="110028858"/>
+                <p14:modId xmlns:p14="http://schemas.microsoft.com/office/powerpoint/2010/main" val="3431746541"/>
               </p:ext>
             </p:extLst>
           </p:nvPr>
         </p:nvGraphicFramePr>
         <p:xfrm>
           <a:off x="8549698" y="1495256"/>
-          <a:ext cx="6912000" cy="7267744"/>
+          <a:ext cx="7092000" cy="7267744"/>
         </p:xfrm>
         <a:graphic>
           <a:graphicData uri="http://schemas.openxmlformats.org/drawingml/2006/table">
@@ -9321,21 +9321,21 @@
                     </a:ext>
                   </a:extLst>
                 </a:gridCol>
-                <a:gridCol w="2088000">
+                <a:gridCol w="2196000">
                   <a:extLst>
                     <a:ext uri="{9D8B030D-6E8A-4147-A177-3AD203B41FA5}">
                       <a16:colId xmlns:a16="http://schemas.microsoft.com/office/drawing/2014/main" val="3677000428"/>
                     </a:ext>
                   </a:extLst>
                 </a:gridCol>
-                <a:gridCol w="1584000">
+                <a:gridCol w="1620000">
                   <a:extLst>
                     <a:ext uri="{9D8B030D-6E8A-4147-A177-3AD203B41FA5}">
                       <a16:colId xmlns:a16="http://schemas.microsoft.com/office/drawing/2014/main" val="1163060166"/>
                     </a:ext>
                   </a:extLst>
                 </a:gridCol>
-                <a:gridCol w="1584000">
+                <a:gridCol w="1620000">
                   <a:extLst>
                     <a:ext uri="{9D8B030D-6E8A-4147-A177-3AD203B41FA5}">
                       <a16:colId xmlns:a16="http://schemas.microsoft.com/office/drawing/2014/main" val="3464062391"/>
@@ -9438,7 +9438,7 @@
                     <a:p>
                       <a:pPr algn="ctr" latinLnBrk="1"/>
                       <a:r>
-                        <a:rPr lang="ko-KR" altLang="en-US" dirty="0">
+                        <a:rPr lang="ko-KR" altLang="en-US" sz="2400" dirty="0">
                           <a:latin typeface="나눔바른고딕OTF" panose="02020603020101020101" pitchFamily="18" charset="-127"/>
                           <a:ea typeface="나눔바른고딕OTF" panose="02020603020101020101" pitchFamily="18" charset="-127"/>
                         </a:rPr>
@@ -9455,7 +9455,7 @@
                     <a:p>
                       <a:pPr algn="l" latinLnBrk="1"/>
                       <a:r>
-                        <a:rPr lang="ko-KR" altLang="en-US" sz="2100" dirty="0" err="1">
+                        <a:rPr lang="ko-KR" altLang="en-US" sz="2200" dirty="0" err="1">
                           <a:solidFill>
                             <a:schemeClr val="tx1"/>
                           </a:solidFill>
@@ -9464,7 +9464,7 @@
                         </a:rPr>
                         <a:t>긴소매</a:t>
                       </a:r>
-                      <a:endParaRPr lang="ko-KR" altLang="en-US" sz="2100" dirty="0">
+                      <a:endParaRPr lang="ko-KR" altLang="en-US" sz="2200" dirty="0">
                         <a:solidFill>
                           <a:schemeClr val="tx1"/>
                         </a:solidFill>
@@ -9482,7 +9482,7 @@
                     <a:p>
                       <a:pPr algn="ctr" latinLnBrk="1"/>
                       <a:r>
-                        <a:rPr lang="en-US" altLang="ko-KR" sz="2100" dirty="0">
+                        <a:rPr lang="en-US" altLang="ko-KR" sz="2200" dirty="0">
                           <a:solidFill>
                             <a:schemeClr val="tx1"/>
                           </a:solidFill>
@@ -9491,7 +9491,7 @@
                         </a:rPr>
                         <a:t>90</a:t>
                       </a:r>
-                      <a:endParaRPr lang="ko-KR" altLang="en-US" sz="2100" dirty="0">
+                      <a:endParaRPr lang="ko-KR" altLang="en-US" sz="2200" dirty="0">
                         <a:solidFill>
                           <a:schemeClr val="tx1"/>
                         </a:solidFill>
@@ -9509,7 +9509,7 @@
                     <a:p>
                       <a:pPr algn="ctr" latinLnBrk="1"/>
                       <a:r>
-                        <a:rPr lang="en-US" altLang="ko-KR" sz="2100" dirty="0">
+                        <a:rPr lang="en-US" altLang="ko-KR" sz="2200" dirty="0">
                           <a:solidFill>
                             <a:schemeClr val="tx1"/>
                           </a:solidFill>
@@ -9518,7 +9518,7 @@
                         </a:rPr>
                         <a:t>90</a:t>
                       </a:r>
-                      <a:endParaRPr lang="ko-KR" altLang="en-US" sz="2100" dirty="0">
+                      <a:endParaRPr lang="ko-KR" altLang="en-US" sz="2200" dirty="0">
                         <a:solidFill>
                           <a:schemeClr val="tx1"/>
                         </a:solidFill>
@@ -9554,7 +9554,7 @@
                     <a:p>
                       <a:pPr algn="l" latinLnBrk="1"/>
                       <a:r>
-                        <a:rPr lang="ko-KR" altLang="en-US" sz="2100" dirty="0">
+                        <a:rPr lang="ko-KR" altLang="en-US" sz="2200" dirty="0">
                           <a:solidFill>
                             <a:schemeClr val="tx1"/>
                           </a:solidFill>
@@ -9564,7 +9564,7 @@
                         <a:t>셔츠</a:t>
                       </a:r>
                       <a:r>
-                        <a:rPr lang="en-US" altLang="ko-KR" sz="2100" dirty="0">
+                        <a:rPr lang="en-US" altLang="ko-KR" sz="2200" dirty="0">
                           <a:solidFill>
                             <a:schemeClr val="tx1"/>
                           </a:solidFill>
@@ -9574,7 +9574,7 @@
                         <a:t>&amp;</a:t>
                       </a:r>
                       <a:r>
-                        <a:rPr lang="ko-KR" altLang="en-US" sz="2100" dirty="0">
+                        <a:rPr lang="ko-KR" altLang="en-US" sz="2200" dirty="0">
                           <a:solidFill>
                             <a:schemeClr val="tx1"/>
                           </a:solidFill>
@@ -9594,7 +9594,7 @@
                     <a:p>
                       <a:pPr algn="ctr" latinLnBrk="1"/>
                       <a:r>
-                        <a:rPr lang="en-US" altLang="ko-KR" sz="2100" dirty="0">
+                        <a:rPr lang="en-US" altLang="ko-KR" sz="2200" dirty="0">
                           <a:solidFill>
                             <a:schemeClr val="tx1"/>
                           </a:solidFill>
@@ -9603,7 +9603,7 @@
                         </a:rPr>
                         <a:t>30</a:t>
                       </a:r>
-                      <a:endParaRPr lang="ko-KR" altLang="en-US" sz="2100" dirty="0">
+                      <a:endParaRPr lang="ko-KR" altLang="en-US" sz="2200" dirty="0">
                         <a:solidFill>
                           <a:schemeClr val="tx1"/>
                         </a:solidFill>
@@ -9621,7 +9621,7 @@
                     <a:p>
                       <a:pPr algn="ctr" latinLnBrk="1"/>
                       <a:r>
-                        <a:rPr lang="en-US" altLang="ko-KR" sz="2100" dirty="0">
+                        <a:rPr lang="en-US" altLang="ko-KR" sz="2200" dirty="0">
                           <a:solidFill>
                             <a:schemeClr val="tx1"/>
                           </a:solidFill>
@@ -9630,7 +9630,7 @@
                         </a:rPr>
                         <a:t>30</a:t>
                       </a:r>
-                      <a:endParaRPr lang="ko-KR" altLang="en-US" sz="2100" dirty="0">
+                      <a:endParaRPr lang="ko-KR" altLang="en-US" sz="2200" dirty="0">
                         <a:solidFill>
                           <a:schemeClr val="tx1"/>
                         </a:solidFill>
@@ -9666,7 +9666,7 @@
                     <a:p>
                       <a:pPr algn="l" latinLnBrk="1"/>
                       <a:r>
-                        <a:rPr lang="ko-KR" altLang="en-US" sz="2100" dirty="0">
+                        <a:rPr lang="ko-KR" altLang="en-US" sz="2200" dirty="0">
                           <a:solidFill>
                             <a:schemeClr val="tx1"/>
                           </a:solidFill>
@@ -9686,7 +9686,7 @@
                     <a:p>
                       <a:pPr algn="ctr" latinLnBrk="1"/>
                       <a:r>
-                        <a:rPr lang="en-US" altLang="ko-KR" sz="2100" dirty="0">
+                        <a:rPr lang="en-US" altLang="ko-KR" sz="2200" dirty="0">
                           <a:solidFill>
                             <a:schemeClr val="tx1"/>
                           </a:solidFill>
@@ -9695,7 +9695,7 @@
                         </a:rPr>
                         <a:t>30</a:t>
                       </a:r>
-                      <a:endParaRPr lang="ko-KR" altLang="en-US" sz="2100" dirty="0">
+                      <a:endParaRPr lang="ko-KR" altLang="en-US" sz="2200" dirty="0">
                         <a:solidFill>
                           <a:schemeClr val="tx1"/>
                         </a:solidFill>
@@ -9713,7 +9713,7 @@
                     <a:p>
                       <a:pPr algn="ctr" latinLnBrk="1"/>
                       <a:r>
-                        <a:rPr lang="en-US" altLang="ko-KR" sz="2100" dirty="0">
+                        <a:rPr lang="en-US" altLang="ko-KR" sz="2200" dirty="0">
                           <a:solidFill>
                             <a:schemeClr val="tx1"/>
                           </a:solidFill>
@@ -9722,7 +9722,7 @@
                         </a:rPr>
                         <a:t>30</a:t>
                       </a:r>
-                      <a:endParaRPr lang="ko-KR" altLang="en-US" sz="2100" dirty="0">
+                      <a:endParaRPr lang="ko-KR" altLang="en-US" sz="2200" dirty="0">
                         <a:solidFill>
                           <a:schemeClr val="tx1"/>
                         </a:solidFill>
@@ -9758,7 +9758,7 @@
                     <a:p>
                       <a:pPr algn="l" latinLnBrk="1"/>
                       <a:r>
-                        <a:rPr lang="ko-KR" altLang="en-US" sz="2100" dirty="0">
+                        <a:rPr lang="ko-KR" altLang="en-US" sz="2200" dirty="0">
                           <a:solidFill>
                             <a:schemeClr val="tx1"/>
                           </a:solidFill>
@@ -9778,7 +9778,7 @@
                     <a:p>
                       <a:pPr algn="ctr" latinLnBrk="1"/>
                       <a:r>
-                        <a:rPr lang="en-US" altLang="ko-KR" sz="2100" dirty="0">
+                        <a:rPr lang="en-US" altLang="ko-KR" sz="2200" dirty="0">
                           <a:solidFill>
                             <a:schemeClr val="tx1"/>
                           </a:solidFill>
@@ -9787,7 +9787,7 @@
                         </a:rPr>
                         <a:t>30</a:t>
                       </a:r>
-                      <a:endParaRPr lang="ko-KR" altLang="en-US" sz="2100" dirty="0">
+                      <a:endParaRPr lang="ko-KR" altLang="en-US" sz="2200" dirty="0">
                         <a:solidFill>
                           <a:schemeClr val="tx1"/>
                         </a:solidFill>
@@ -9805,7 +9805,7 @@
                     <a:p>
                       <a:pPr algn="ctr" latinLnBrk="1"/>
                       <a:r>
-                        <a:rPr lang="en-US" altLang="ko-KR" sz="2100" dirty="0">
+                        <a:rPr lang="en-US" altLang="ko-KR" sz="2200" dirty="0">
                           <a:solidFill>
                             <a:schemeClr val="tx1"/>
                           </a:solidFill>
@@ -9814,7 +9814,7 @@
                         </a:rPr>
                         <a:t>30</a:t>
                       </a:r>
-                      <a:endParaRPr lang="ko-KR" altLang="en-US" sz="2100" dirty="0">
+                      <a:endParaRPr lang="ko-KR" altLang="en-US" sz="2200" dirty="0">
                         <a:solidFill>
                           <a:schemeClr val="tx1"/>
                         </a:solidFill>
@@ -9850,7 +9850,7 @@
                     <a:p>
                       <a:pPr algn="l" latinLnBrk="1"/>
                       <a:r>
-                        <a:rPr lang="ko-KR" altLang="en-US" sz="2100" dirty="0">
+                        <a:rPr lang="ko-KR" altLang="en-US" sz="2200" dirty="0">
                           <a:solidFill>
                             <a:schemeClr val="tx1"/>
                           </a:solidFill>
@@ -9860,7 +9860,7 @@
                         <a:t>니트</a:t>
                       </a:r>
                       <a:r>
-                        <a:rPr lang="en-US" altLang="ko-KR" sz="2100" dirty="0">
+                        <a:rPr lang="en-US" altLang="ko-KR" sz="2200" dirty="0">
                           <a:solidFill>
                             <a:schemeClr val="tx1"/>
                           </a:solidFill>
@@ -9870,7 +9870,7 @@
                         <a:t>&amp;</a:t>
                       </a:r>
                       <a:r>
-                        <a:rPr lang="ko-KR" altLang="en-US" sz="2100" dirty="0">
+                        <a:rPr lang="ko-KR" altLang="en-US" sz="2200" dirty="0">
                           <a:solidFill>
                             <a:schemeClr val="tx1"/>
                           </a:solidFill>
@@ -9890,7 +9890,7 @@
                     <a:p>
                       <a:pPr algn="ctr" latinLnBrk="1"/>
                       <a:r>
-                        <a:rPr lang="en-US" altLang="ko-KR" sz="2100" dirty="0">
+                        <a:rPr lang="en-US" altLang="ko-KR" sz="2200" dirty="0">
                           <a:solidFill>
                             <a:schemeClr val="tx1"/>
                           </a:solidFill>
@@ -9899,7 +9899,7 @@
                         </a:rPr>
                         <a:t>30</a:t>
                       </a:r>
-                      <a:endParaRPr lang="ko-KR" altLang="en-US" sz="2100" dirty="0">
+                      <a:endParaRPr lang="ko-KR" altLang="en-US" sz="2200" dirty="0">
                         <a:solidFill>
                           <a:schemeClr val="tx1"/>
                         </a:solidFill>
@@ -9917,7 +9917,7 @@
                     <a:p>
                       <a:pPr algn="ctr" latinLnBrk="1"/>
                       <a:r>
-                        <a:rPr lang="en-US" altLang="ko-KR" sz="2100" dirty="0">
+                        <a:rPr lang="en-US" altLang="ko-KR" sz="2200" dirty="0">
                           <a:solidFill>
                             <a:schemeClr val="tx1"/>
                           </a:solidFill>
@@ -9926,7 +9926,7 @@
                         </a:rPr>
                         <a:t>30</a:t>
                       </a:r>
-                      <a:endParaRPr lang="ko-KR" altLang="en-US" sz="2100" dirty="0">
+                      <a:endParaRPr lang="ko-KR" altLang="en-US" sz="2200" dirty="0">
                         <a:solidFill>
                           <a:schemeClr val="tx1"/>
                         </a:solidFill>
@@ -9951,7 +9951,7 @@
                     <a:p>
                       <a:pPr algn="ctr" latinLnBrk="1"/>
                       <a:r>
-                        <a:rPr lang="ko-KR" altLang="en-US" dirty="0">
+                        <a:rPr lang="ko-KR" altLang="en-US" sz="2400" dirty="0">
                           <a:latin typeface="나눔바른고딕OTF" panose="02020603020101020101" pitchFamily="18" charset="-127"/>
                           <a:ea typeface="나눔바른고딕OTF" panose="02020603020101020101" pitchFamily="18" charset="-127"/>
                         </a:rPr>
@@ -9968,7 +9968,7 @@
                     <a:p>
                       <a:pPr algn="l" latinLnBrk="1"/>
                       <a:r>
-                        <a:rPr lang="ko-KR" altLang="en-US" sz="2100" dirty="0" err="1">
+                        <a:rPr lang="ko-KR" altLang="en-US" sz="2200" dirty="0" err="1">
                           <a:solidFill>
                             <a:schemeClr val="tx1"/>
                           </a:solidFill>
@@ -9977,7 +9977,7 @@
                         </a:rPr>
                         <a:t>긴바지</a:t>
                       </a:r>
-                      <a:endParaRPr lang="ko-KR" altLang="en-US" sz="2100" dirty="0">
+                      <a:endParaRPr lang="ko-KR" altLang="en-US" sz="2200" dirty="0">
                         <a:solidFill>
                           <a:schemeClr val="tx1"/>
                         </a:solidFill>
@@ -9995,7 +9995,7 @@
                     <a:p>
                       <a:pPr algn="ctr" latinLnBrk="1"/>
                       <a:r>
-                        <a:rPr lang="en-US" altLang="ko-KR" sz="2100" dirty="0">
+                        <a:rPr lang="en-US" altLang="ko-KR" sz="2200" dirty="0">
                           <a:solidFill>
                             <a:schemeClr val="tx1"/>
                           </a:solidFill>
@@ -10004,7 +10004,7 @@
                         </a:rPr>
                         <a:t>90</a:t>
                       </a:r>
-                      <a:endParaRPr lang="ko-KR" altLang="en-US" sz="2100" dirty="0">
+                      <a:endParaRPr lang="ko-KR" altLang="en-US" sz="2200" dirty="0">
                         <a:solidFill>
                           <a:schemeClr val="tx1"/>
                         </a:solidFill>
@@ -10022,7 +10022,7 @@
                     <a:p>
                       <a:pPr algn="ctr" latinLnBrk="1"/>
                       <a:r>
-                        <a:rPr lang="en-US" altLang="ko-KR" sz="2100" dirty="0">
+                        <a:rPr lang="en-US" altLang="ko-KR" sz="2200" dirty="0">
                           <a:solidFill>
                             <a:schemeClr val="tx1"/>
                           </a:solidFill>
@@ -10031,7 +10031,7 @@
                         </a:rPr>
                         <a:t>90</a:t>
                       </a:r>
-                      <a:endParaRPr lang="ko-KR" altLang="en-US" sz="2100" dirty="0">
+                      <a:endParaRPr lang="ko-KR" altLang="en-US" sz="2200" dirty="0">
                         <a:solidFill>
                           <a:schemeClr val="tx1"/>
                         </a:solidFill>
@@ -10067,7 +10067,7 @@
                     <a:p>
                       <a:pPr algn="l" latinLnBrk="1"/>
                       <a:r>
-                        <a:rPr lang="ko-KR" altLang="en-US" sz="2100" dirty="0">
+                        <a:rPr lang="ko-KR" altLang="en-US" sz="2200" dirty="0">
                           <a:solidFill>
                             <a:schemeClr val="tx1"/>
                           </a:solidFill>
@@ -10087,7 +10087,7 @@
                     <a:p>
                       <a:pPr algn="ctr" latinLnBrk="1"/>
                       <a:r>
-                        <a:rPr lang="en-US" altLang="ko-KR" sz="2100" dirty="0">
+                        <a:rPr lang="en-US" altLang="ko-KR" sz="2200" dirty="0">
                           <a:solidFill>
                             <a:schemeClr val="tx1"/>
                           </a:solidFill>
@@ -10096,7 +10096,7 @@
                         </a:rPr>
                         <a:t>30</a:t>
                       </a:r>
-                      <a:endParaRPr lang="ko-KR" altLang="en-US" sz="2100" dirty="0">
+                      <a:endParaRPr lang="ko-KR" altLang="en-US" sz="2200" dirty="0">
                         <a:solidFill>
                           <a:schemeClr val="tx1"/>
                         </a:solidFill>
@@ -10114,7 +10114,7 @@
                     <a:p>
                       <a:pPr algn="ctr" latinLnBrk="1"/>
                       <a:r>
-                        <a:rPr lang="en-US" altLang="ko-KR" sz="2100" dirty="0">
+                        <a:rPr lang="en-US" altLang="ko-KR" sz="2200" dirty="0">
                           <a:solidFill>
                             <a:schemeClr val="tx1"/>
                           </a:solidFill>
@@ -10123,7 +10123,7 @@
                         </a:rPr>
                         <a:t>30</a:t>
                       </a:r>
-                      <a:endParaRPr lang="ko-KR" altLang="en-US" sz="2100" dirty="0">
+                      <a:endParaRPr lang="ko-KR" altLang="en-US" sz="2200" dirty="0">
                         <a:solidFill>
                           <a:schemeClr val="tx1"/>
                         </a:solidFill>
@@ -10159,7 +10159,7 @@
                     <a:p>
                       <a:pPr algn="l" latinLnBrk="1"/>
                       <a:r>
-                        <a:rPr lang="ko-KR" altLang="en-US" sz="2100" dirty="0">
+                        <a:rPr lang="ko-KR" altLang="en-US" sz="2200" dirty="0">
                           <a:solidFill>
                             <a:schemeClr val="tx1"/>
                           </a:solidFill>
@@ -10179,7 +10179,7 @@
                     <a:p>
                       <a:pPr algn="ctr" latinLnBrk="1"/>
                       <a:r>
-                        <a:rPr lang="en-US" altLang="ko-KR" sz="2100" dirty="0">
+                        <a:rPr lang="en-US" altLang="ko-KR" sz="2200" dirty="0">
                           <a:solidFill>
                             <a:schemeClr val="tx1"/>
                           </a:solidFill>
@@ -10188,7 +10188,7 @@
                         </a:rPr>
                         <a:t>90</a:t>
                       </a:r>
-                      <a:endParaRPr lang="ko-KR" altLang="en-US" sz="2100" dirty="0">
+                      <a:endParaRPr lang="ko-KR" altLang="en-US" sz="2200" dirty="0">
                         <a:solidFill>
                           <a:schemeClr val="tx1"/>
                         </a:solidFill>
@@ -10206,7 +10206,7 @@
                     <a:p>
                       <a:pPr algn="ctr" latinLnBrk="1"/>
                       <a:r>
-                        <a:rPr lang="en-US" altLang="ko-KR" sz="2100" dirty="0">
+                        <a:rPr lang="en-US" altLang="ko-KR" sz="2200" dirty="0">
                           <a:solidFill>
                             <a:schemeClr val="tx1"/>
                           </a:solidFill>
@@ -10215,7 +10215,7 @@
                         </a:rPr>
                         <a:t>90</a:t>
                       </a:r>
-                      <a:endParaRPr lang="ko-KR" altLang="en-US" sz="2100" dirty="0">
+                      <a:endParaRPr lang="ko-KR" altLang="en-US" sz="2200" dirty="0">
                         <a:solidFill>
                           <a:schemeClr val="tx1"/>
                         </a:solidFill>
@@ -10240,7 +10240,7 @@
                     <a:p>
                       <a:pPr algn="ctr" latinLnBrk="1"/>
                       <a:r>
-                        <a:rPr lang="ko-KR" altLang="en-US" dirty="0">
+                        <a:rPr lang="ko-KR" altLang="en-US" sz="2400" dirty="0">
                           <a:latin typeface="나눔바른고딕OTF" panose="02020603020101020101" pitchFamily="18" charset="-127"/>
                           <a:ea typeface="나눔바른고딕OTF" panose="02020603020101020101" pitchFamily="18" charset="-127"/>
                         </a:rPr>
@@ -10257,7 +10257,7 @@
                     <a:p>
                       <a:pPr algn="l" latinLnBrk="1"/>
                       <a:r>
-                        <a:rPr lang="ko-KR" altLang="en-US" sz="2100" dirty="0">
+                        <a:rPr lang="ko-KR" altLang="en-US" sz="2200" dirty="0">
                           <a:solidFill>
                             <a:schemeClr val="tx1"/>
                           </a:solidFill>
@@ -10277,7 +10277,7 @@
                     <a:p>
                       <a:pPr algn="ctr" latinLnBrk="1"/>
                       <a:r>
-                        <a:rPr lang="en-US" altLang="ko-KR" sz="2100" dirty="0">
+                        <a:rPr lang="en-US" altLang="ko-KR" sz="2200" dirty="0">
                           <a:solidFill>
                             <a:schemeClr val="tx1"/>
                           </a:solidFill>
@@ -10286,7 +10286,7 @@
                         </a:rPr>
                         <a:t>60</a:t>
                       </a:r>
-                      <a:endParaRPr lang="ko-KR" altLang="en-US" sz="2100" dirty="0">
+                      <a:endParaRPr lang="ko-KR" altLang="en-US" sz="2200" dirty="0">
                         <a:solidFill>
                           <a:schemeClr val="tx1"/>
                         </a:solidFill>
@@ -10304,7 +10304,7 @@
                     <a:p>
                       <a:pPr algn="ctr" latinLnBrk="1"/>
                       <a:r>
-                        <a:rPr lang="en-US" altLang="ko-KR" sz="2100" dirty="0">
+                        <a:rPr lang="en-US" altLang="ko-KR" sz="2200" dirty="0">
                           <a:solidFill>
                             <a:schemeClr val="tx1"/>
                           </a:solidFill>
@@ -10313,7 +10313,7 @@
                         </a:rPr>
                         <a:t>60</a:t>
                       </a:r>
-                      <a:endParaRPr lang="ko-KR" altLang="en-US" sz="2100" dirty="0">
+                      <a:endParaRPr lang="ko-KR" altLang="en-US" sz="2200" dirty="0">
                         <a:solidFill>
                           <a:schemeClr val="tx1"/>
                         </a:solidFill>
@@ -10349,7 +10349,7 @@
                     <a:p>
                       <a:pPr algn="l" latinLnBrk="1"/>
                       <a:r>
-                        <a:rPr lang="ko-KR" altLang="en-US" sz="2100" dirty="0" err="1">
+                        <a:rPr lang="ko-KR" altLang="en-US" sz="2200" dirty="0" err="1">
                           <a:solidFill>
                             <a:schemeClr val="tx1"/>
                           </a:solidFill>
@@ -10358,7 +10358,7 @@
                         </a:rPr>
                         <a:t>점프슈트</a:t>
                       </a:r>
-                      <a:endParaRPr lang="ko-KR" altLang="en-US" sz="2100" dirty="0">
+                      <a:endParaRPr lang="ko-KR" altLang="en-US" sz="2200" dirty="0">
                         <a:solidFill>
                           <a:schemeClr val="tx1"/>
                         </a:solidFill>
@@ -10376,7 +10376,7 @@
                     <a:p>
                       <a:pPr algn="ctr" latinLnBrk="1"/>
                       <a:r>
-                        <a:rPr lang="en-US" altLang="ko-KR" sz="2100" dirty="0">
+                        <a:rPr lang="en-US" altLang="ko-KR" sz="2200" dirty="0">
                           <a:solidFill>
                             <a:schemeClr val="tx1"/>
                           </a:solidFill>
@@ -10385,7 +10385,7 @@
                         </a:rPr>
                         <a:t>20</a:t>
                       </a:r>
-                      <a:endParaRPr lang="ko-KR" altLang="en-US" sz="2100" dirty="0">
+                      <a:endParaRPr lang="ko-KR" altLang="en-US" sz="2200" dirty="0">
                         <a:solidFill>
                           <a:schemeClr val="tx1"/>
                         </a:solidFill>
@@ -10403,7 +10403,7 @@
                     <a:p>
                       <a:pPr algn="ctr" latinLnBrk="1"/>
                       <a:r>
-                        <a:rPr lang="en-US" altLang="ko-KR" sz="2100" dirty="0">
+                        <a:rPr lang="en-US" altLang="ko-KR" sz="2200" dirty="0">
                           <a:solidFill>
                             <a:schemeClr val="tx1"/>
                           </a:solidFill>
@@ -10412,7 +10412,7 @@
                         </a:rPr>
                         <a:t>20</a:t>
                       </a:r>
-                      <a:endParaRPr lang="ko-KR" altLang="en-US" sz="2100" dirty="0">
+                      <a:endParaRPr lang="ko-KR" altLang="en-US" sz="2200" dirty="0">
                         <a:solidFill>
                           <a:schemeClr val="tx1"/>
                         </a:solidFill>
@@ -15229,35 +15229,35 @@
               <a:defRPr/>
             </a:pPr>
             <a:r>
-              <a:rPr lang="en-US" altLang="ko-KR" sz="2000" b="0" i="0" u="none" strike="noStrike" spc="-100" dirty="0">
+              <a:rPr lang="en-US" altLang="ko-KR" sz="2000" b="1" i="0" u="none" strike="noStrike" spc="-100" dirty="0">
                 <a:latin typeface="나눔바른고딕OTF"/>
                 <a:ea typeface="나눔바른고딕OTF"/>
               </a:rPr>
               <a:t>[</a:t>
             </a:r>
             <a:r>
-              <a:rPr lang="en-US" altLang="ko-KR" sz="2000" spc="-100" dirty="0">
+              <a:rPr lang="en-US" altLang="ko-KR" sz="2000" b="1" spc="-100" dirty="0">
                 <a:latin typeface="나눔바른고딕OTF"/>
                 <a:ea typeface="나눔바른고딕OTF"/>
               </a:rPr>
               <a:t> </a:t>
             </a:r>
             <a:r>
-              <a:rPr lang="ko-KR" altLang="en-US" sz="2000" spc="-100" dirty="0">
+              <a:rPr lang="ko-KR" altLang="en-US" sz="2000" b="1" spc="-100" dirty="0">
                 <a:latin typeface="나눔바른고딕OTF"/>
                 <a:ea typeface="나눔바른고딕OTF"/>
               </a:rPr>
               <a:t>정확도 취약부분 그래프</a:t>
             </a:r>
             <a:r>
-              <a:rPr lang="ko-KR" altLang="en-US" sz="2000" b="0" i="0" u="none" strike="noStrike" spc="-100" dirty="0">
+              <a:rPr lang="ko-KR" altLang="en-US" sz="2000" b="1" i="0" u="none" strike="noStrike" spc="-100" dirty="0">
                 <a:latin typeface="나눔바른고딕OTF"/>
                 <a:ea typeface="나눔바른고딕OTF"/>
               </a:rPr>
               <a:t> </a:t>
             </a:r>
             <a:r>
-              <a:rPr lang="en-US" sz="2000" b="0" i="0" u="none" strike="noStrike" spc="-100" dirty="0">
+              <a:rPr lang="en-US" sz="2000" b="1" i="0" u="none" strike="noStrike" spc="-100" dirty="0">
                 <a:latin typeface="나눔바른고딕OTF"/>
                 <a:ea typeface="나눔바른고딕OTF"/>
               </a:rPr>
@@ -15292,21 +15292,21 @@
               <a:defRPr/>
             </a:pPr>
             <a:r>
-              <a:rPr lang="en-US" altLang="ko-KR" sz="2000" b="0" i="0" u="none" strike="noStrike" spc="-100" dirty="0">
+              <a:rPr lang="en-US" altLang="ko-KR" sz="2000" b="1" i="0" u="none" strike="noStrike" spc="-100" dirty="0">
                 <a:latin typeface="나눔바른고딕OTF"/>
                 <a:ea typeface="나눔바른고딕OTF"/>
               </a:rPr>
               <a:t>[ </a:t>
             </a:r>
             <a:r>
-              <a:rPr lang="ko-KR" altLang="en-US" sz="2000" b="0" i="0" u="none" strike="noStrike" spc="-100" dirty="0">
+              <a:rPr lang="ko-KR" altLang="en-US" sz="2000" b="1" i="0" u="none" strike="noStrike" spc="-100" dirty="0">
                 <a:latin typeface="나눔바른고딕OTF"/>
                 <a:ea typeface="나눔바른고딕OTF"/>
               </a:rPr>
               <a:t>착용 사진 예시 </a:t>
             </a:r>
             <a:r>
-              <a:rPr lang="en-US" altLang="ko-KR" sz="2000" b="0" i="0" u="none" strike="noStrike" spc="-100" dirty="0">
+              <a:rPr lang="en-US" altLang="ko-KR" sz="2000" b="1" i="0" u="none" strike="noStrike" spc="-100" dirty="0">
                 <a:latin typeface="나눔바른고딕OTF"/>
                 <a:ea typeface="나눔바른고딕OTF"/>
               </a:rPr>
@@ -15399,21 +15399,21 @@
               </a:defRPr>
             </a:pPr>
             <a:r>
-              <a:rPr kumimoji="0" lang="en-US" altLang="ko-KR" sz="2000" b="0" i="0" u="none" strike="noStrike" kern="1200" cap="none" spc="-100" normalizeH="0" baseline="0" dirty="0">
+              <a:rPr kumimoji="0" lang="en-US" altLang="ko-KR" sz="2000" b="1" i="0" u="none" strike="noStrike" kern="1200" cap="none" spc="-100" normalizeH="0" baseline="0" dirty="0">
                 <a:latin typeface="나눔바른고딕OTF"/>
                 <a:ea typeface="나눔바른고딕OTF"/>
               </a:rPr>
               <a:t>[ </a:t>
             </a:r>
             <a:r>
-              <a:rPr kumimoji="0" lang="ko-KR" altLang="en-US" sz="2000" b="0" i="0" u="none" strike="noStrike" kern="1200" cap="none" spc="-100" normalizeH="0" baseline="0" dirty="0">
+              <a:rPr kumimoji="0" lang="ko-KR" altLang="en-US" sz="2000" b="1" i="0" u="none" strike="noStrike" kern="1200" cap="none" spc="-100" normalizeH="0" baseline="0" dirty="0">
                 <a:latin typeface="나눔바른고딕OTF"/>
                 <a:ea typeface="나눔바른고딕OTF"/>
               </a:rPr>
               <a:t>제품 사진 예시 </a:t>
             </a:r>
             <a:r>
-              <a:rPr kumimoji="0" lang="en-US" altLang="ko-KR" sz="2000" b="0" i="0" u="none" strike="noStrike" kern="1200" cap="none" spc="-100" normalizeH="0" baseline="0" dirty="0">
+              <a:rPr kumimoji="0" lang="en-US" altLang="ko-KR" sz="2000" b="1" i="0" u="none" strike="noStrike" kern="1200" cap="none" spc="-100" normalizeH="0" baseline="0" dirty="0">
                 <a:latin typeface="나눔바른고딕OTF"/>
                 <a:ea typeface="나눔바른고딕OTF"/>
               </a:rPr>
@@ -16532,8 +16532,8 @@
         </p:nvSpPr>
         <p:spPr>
           <a:xfrm>
-            <a:off x="4191000" y="8820000"/>
-            <a:ext cx="1976628" cy="360000"/>
+            <a:off x="3630045" y="8729996"/>
+            <a:ext cx="2933267" cy="571500"/>
           </a:xfrm>
           <a:prstGeom prst="rect">
             <a:avLst/>
@@ -16550,28 +16550,28 @@
               <a:defRPr/>
             </a:pPr>
             <a:r>
-              <a:rPr lang="en-US" altLang="ko-KR" sz="2000" b="0" i="0" u="none" strike="noStrike" spc="-100" dirty="0">
+              <a:rPr lang="en-US" altLang="ko-KR" sz="2000" b="1" i="0" u="none" strike="noStrike" spc="-100" dirty="0">
                 <a:latin typeface="나눔바른고딕OTF"/>
                 <a:ea typeface="나눔바른고딕OTF"/>
               </a:rPr>
               <a:t>[ </a:t>
             </a:r>
             <a:r>
-              <a:rPr lang="ko-KR" altLang="en-US" sz="2000" b="0" i="0" u="none" strike="noStrike" spc="-100" dirty="0">
+              <a:rPr lang="ko-KR" altLang="en-US" sz="2000" b="1" i="0" u="none" strike="noStrike" spc="-100" dirty="0">
                 <a:latin typeface="나눔바른고딕OTF"/>
                 <a:ea typeface="나눔바른고딕OTF"/>
               </a:rPr>
               <a:t>제품 사진만 검출</a:t>
             </a:r>
             <a:r>
-              <a:rPr lang="ko-KR" altLang="en-US" sz="2000" spc="-100" dirty="0">
+              <a:rPr lang="ko-KR" altLang="en-US" sz="2000" b="1" spc="-100" dirty="0">
                 <a:latin typeface="나눔바른고딕OTF"/>
                 <a:ea typeface="나눔바른고딕OTF"/>
               </a:rPr>
               <a:t> </a:t>
             </a:r>
             <a:r>
-              <a:rPr lang="en-US" altLang="ko-KR" sz="2000" b="0" i="0" u="none" strike="noStrike" spc="-100" dirty="0">
+              <a:rPr lang="en-US" altLang="ko-KR" sz="2000" b="1" i="0" u="none" strike="noStrike" spc="-100" dirty="0">
                 <a:latin typeface="나눔바른고딕OTF"/>
                 <a:ea typeface="나눔바른고딕OTF"/>
               </a:rPr>
@@ -16612,28 +16612,28 @@
               <a:defRPr/>
             </a:pPr>
             <a:r>
-              <a:rPr lang="en-US" altLang="ko-KR" sz="2000" b="0" i="0" u="none" strike="noStrike" spc="-100" dirty="0">
+              <a:rPr lang="en-US" altLang="ko-KR" sz="2000" b="1" i="0" u="none" strike="noStrike" spc="-100" dirty="0">
                 <a:latin typeface="나눔바른고딕OTF"/>
                 <a:ea typeface="나눔바른고딕OTF"/>
               </a:rPr>
               <a:t>[ contour </a:t>
             </a:r>
             <a:r>
-              <a:rPr lang="ko-KR" altLang="en-US" sz="2000" b="0" i="0" u="none" strike="noStrike" spc="-100" dirty="0">
+              <a:rPr lang="ko-KR" altLang="en-US" sz="2000" b="1" i="0" u="none" strike="noStrike" spc="-100" dirty="0">
                 <a:latin typeface="나눔바른고딕OTF"/>
                 <a:ea typeface="나눔바른고딕OTF"/>
               </a:rPr>
               <a:t>검출</a:t>
             </a:r>
             <a:r>
-              <a:rPr lang="ko-KR" altLang="en-US" sz="2000" spc="-100" dirty="0">
+              <a:rPr lang="ko-KR" altLang="en-US" sz="2000" b="1" spc="-100" dirty="0">
                 <a:latin typeface="나눔바른고딕OTF"/>
                 <a:ea typeface="나눔바른고딕OTF"/>
               </a:rPr>
               <a:t> </a:t>
             </a:r>
             <a:r>
-              <a:rPr lang="en-US" altLang="ko-KR" sz="2000" b="0" i="0" u="none" strike="noStrike" spc="-100" dirty="0">
+              <a:rPr lang="en-US" altLang="ko-KR" sz="2000" b="1" i="0" u="none" strike="noStrike" spc="-100" dirty="0">
                 <a:latin typeface="나눔바른고딕OTF"/>
                 <a:ea typeface="나눔바른고딕OTF"/>
               </a:rPr>
@@ -16674,28 +16674,28 @@
               <a:defRPr/>
             </a:pPr>
             <a:r>
-              <a:rPr lang="en-US" altLang="ko-KR" sz="2000" b="0" i="0" u="none" strike="noStrike" spc="-100" dirty="0">
+              <a:rPr lang="en-US" altLang="ko-KR" sz="2000" b="1" i="0" u="none" strike="noStrike" spc="-100" dirty="0">
                 <a:latin typeface="나눔바른고딕OTF"/>
                 <a:ea typeface="나눔바른고딕OTF"/>
               </a:rPr>
               <a:t>[ </a:t>
             </a:r>
             <a:r>
-              <a:rPr lang="en-US" altLang="ko-KR" sz="2000" spc="-100" dirty="0">
+              <a:rPr lang="en-US" altLang="ko-KR" sz="2000" b="1" spc="-100" dirty="0">
                 <a:latin typeface="나눔바른고딕OTF"/>
                 <a:ea typeface="나눔바른고딕OTF"/>
               </a:rPr>
               <a:t>Bounding Box</a:t>
             </a:r>
             <a:r>
-              <a:rPr lang="ko-KR" altLang="en-US" sz="2000" spc="-100" dirty="0">
+              <a:rPr lang="ko-KR" altLang="en-US" sz="2000" b="1" spc="-100" dirty="0">
                 <a:latin typeface="나눔바른고딕OTF"/>
                 <a:ea typeface="나눔바른고딕OTF"/>
               </a:rPr>
               <a:t> </a:t>
             </a:r>
             <a:r>
-              <a:rPr lang="en-US" altLang="ko-KR" sz="2000" b="0" i="0" u="none" strike="noStrike" spc="-100" dirty="0">
+              <a:rPr lang="en-US" altLang="ko-KR" sz="2000" b="1" i="0" u="none" strike="noStrike" spc="-100" dirty="0">
                 <a:latin typeface="나눔바른고딕OTF"/>
                 <a:ea typeface="나눔바른고딕OTF"/>
               </a:rPr>
@@ -26932,50 +26932,35 @@
               <a:defRPr/>
             </a:pPr>
             <a:r>
-              <a:rPr lang="en-US" sz="2000" b="0" i="0" u="none" strike="noStrike" spc="-100" dirty="0">
-                <a:solidFill>
-                  <a:srgbClr val="006BB1"/>
-                </a:solidFill>
+              <a:rPr lang="en-US" sz="2000" b="1" i="0" u="none" strike="noStrike" spc="-100" dirty="0">
                 <a:latin typeface="나눔바른고딕OTF"/>
                 <a:ea typeface="나눔바른고딕OTF"/>
               </a:rPr>
               <a:t>[</a:t>
             </a:r>
             <a:r>
-              <a:rPr lang="ko-KR" sz="2000" b="0" i="0" u="none" strike="noStrike" spc="-100" dirty="0">
-                <a:solidFill>
-                  <a:srgbClr val="006BB1"/>
-                </a:solidFill>
+              <a:rPr lang="ko-KR" sz="2000" b="1" i="0" u="none" strike="noStrike" spc="-100" dirty="0">
                 <a:latin typeface="나눔바른고딕OTF"/>
                 <a:ea typeface="나눔바른고딕OTF"/>
               </a:rPr>
               <a:t>예시</a:t>
             </a:r>
             <a:r>
-              <a:rPr lang="en-US" sz="2000" b="0" i="0" u="none" strike="noStrike" spc="-100" dirty="0">
-                <a:solidFill>
-                  <a:srgbClr val="006BB1"/>
-                </a:solidFill>
+              <a:rPr lang="en-US" sz="2000" b="1" i="0" u="none" strike="noStrike" spc="-100" dirty="0">
                 <a:latin typeface="나눔바른고딕OTF"/>
                 <a:ea typeface="나눔바른고딕OTF"/>
               </a:rPr>
               <a:t> </a:t>
             </a:r>
             <a:r>
-              <a:rPr lang="ko-KR" sz="2000" b="0" i="0" u="none" strike="noStrike" spc="-100" dirty="0">
-                <a:solidFill>
-                  <a:srgbClr val="006BB1"/>
-                </a:solidFill>
+              <a:rPr lang="ko-KR" sz="2000" b="1" i="0" u="none" strike="noStrike" spc="-100" dirty="0">
                 <a:latin typeface="나눔바른고딕OTF"/>
                 <a:ea typeface="나눔바른고딕OTF"/>
               </a:rPr>
               <a:t>이미지</a:t>
             </a:r>
             <a:r>
-              <a:rPr lang="en-US" sz="2000" b="0" i="0" u="none" strike="noStrike" spc="-100" dirty="0">
-                <a:solidFill>
-                  <a:srgbClr val="006BB1"/>
-                </a:solidFill>
+              <a:rPr lang="en-US" sz="2000" b="1" i="0" u="none" strike="noStrike" spc="-100" dirty="0">
                 <a:latin typeface="나눔바른고딕OTF"/>
                 <a:ea typeface="나눔바른고딕OTF"/>
               </a:rPr>
@@ -27034,90 +27019,63 @@
               <a:defRPr/>
             </a:pPr>
             <a:r>
-              <a:rPr lang="en-US" sz="2000" b="0" i="0" u="none" strike="noStrike" spc="-100" dirty="0">
-                <a:solidFill>
-                  <a:srgbClr val="006BB1"/>
-                </a:solidFill>
+              <a:rPr lang="en-US" sz="2000" b="1" i="0" u="none" strike="noStrike" spc="-100" dirty="0">
                 <a:latin typeface="나눔바른고딕OTF"/>
                 <a:ea typeface="나눔바른고딕OTF"/>
               </a:rPr>
               <a:t>[</a:t>
             </a:r>
             <a:r>
-              <a:rPr lang="ko-KR" sz="2000" b="0" i="0" u="none" strike="noStrike" spc="-100" dirty="0">
-                <a:solidFill>
-                  <a:srgbClr val="006BB1"/>
-                </a:solidFill>
+              <a:rPr lang="ko-KR" sz="2000" b="1" i="0" u="none" strike="noStrike" spc="-100" dirty="0">
                 <a:latin typeface="나눔바른고딕OTF"/>
                 <a:ea typeface="나눔바른고딕OTF"/>
               </a:rPr>
               <a:t>의류</a:t>
             </a:r>
             <a:r>
-              <a:rPr lang="en-US" sz="2000" b="0" i="0" u="none" strike="noStrike" spc="-100" dirty="0">
-                <a:solidFill>
-                  <a:srgbClr val="006BB1"/>
-                </a:solidFill>
+              <a:rPr lang="en-US" sz="2000" b="1" i="0" u="none" strike="noStrike" spc="-100" dirty="0">
                 <a:latin typeface="나눔바른고딕OTF"/>
                 <a:ea typeface="나눔바른고딕OTF"/>
               </a:rPr>
               <a:t> </a:t>
             </a:r>
             <a:r>
-              <a:rPr lang="ko-KR" sz="2000" b="0" i="0" u="none" strike="noStrike" spc="-100" dirty="0">
-                <a:solidFill>
-                  <a:srgbClr val="006BB1"/>
-                </a:solidFill>
+              <a:rPr lang="ko-KR" sz="2000" b="1" i="0" u="none" strike="noStrike" spc="-100" dirty="0">
                 <a:latin typeface="나눔바른고딕OTF"/>
                 <a:ea typeface="나눔바른고딕OTF"/>
               </a:rPr>
               <a:t>영역</a:t>
             </a:r>
             <a:r>
-              <a:rPr lang="en-US" sz="2000" b="0" i="0" u="none" strike="noStrike" spc="-100" dirty="0">
-                <a:solidFill>
-                  <a:srgbClr val="006BB1"/>
-                </a:solidFill>
+              <a:rPr lang="en-US" sz="2000" b="1" i="0" u="none" strike="noStrike" spc="-100" dirty="0">
                 <a:latin typeface="나눔바른고딕OTF"/>
                 <a:ea typeface="나눔바른고딕OTF"/>
               </a:rPr>
               <a:t> </a:t>
             </a:r>
             <a:r>
-              <a:rPr lang="ko-KR" sz="2000" b="0" i="0" u="none" strike="noStrike" spc="-100" dirty="0">
-                <a:solidFill>
-                  <a:srgbClr val="006BB1"/>
-                </a:solidFill>
+              <a:rPr lang="ko-KR" sz="2000" b="1" i="0" u="none" strike="noStrike" spc="-100" dirty="0">
                 <a:latin typeface="나눔바른고딕OTF"/>
                 <a:ea typeface="나눔바른고딕OTF"/>
               </a:rPr>
               <a:t>좌표</a:t>
             </a:r>
             <a:r>
-              <a:rPr lang="en-US" sz="2000" b="0" i="0" u="none" strike="noStrike" spc="-100" dirty="0">
-                <a:solidFill>
-                  <a:srgbClr val="006BB1"/>
-                </a:solidFill>
+              <a:rPr lang="en-US" sz="2000" b="1" i="0" u="none" strike="noStrike" spc="-100" dirty="0">
                 <a:latin typeface="나눔바른고딕OTF"/>
                 <a:ea typeface="나눔바른고딕OTF"/>
               </a:rPr>
               <a:t> </a:t>
             </a:r>
             <a:r>
-              <a:rPr lang="ko-KR" sz="2000" b="0" i="0" u="none" strike="noStrike" spc="-100" dirty="0">
-                <a:solidFill>
-                  <a:srgbClr val="006BB1"/>
-                </a:solidFill>
+              <a:rPr lang="ko-KR" sz="2000" b="1" i="0" u="none" strike="noStrike" spc="-100" dirty="0">
                 <a:latin typeface="나눔바른고딕OTF"/>
                 <a:ea typeface="나눔바른고딕OTF"/>
               </a:rPr>
               <a:t>이미지</a:t>
             </a:r>
             <a:r>
-              <a:rPr lang="en-US" sz="2000" b="0" i="0" u="none" strike="noStrike" spc="-100" dirty="0">
-                <a:solidFill>
-                  <a:srgbClr val="006BB1"/>
-                </a:solidFill>
+              <a:rPr lang="en-US" sz="2000" b="1" i="0" u="none" strike="noStrike" spc="-100" dirty="0">
                 <a:latin typeface="나눔바른고딕OTF"/>
                 <a:ea typeface="나눔바른고딕OTF"/>
               </a:rPr>

--- a/documents/Clothes Detection 모델 결과 보고서.pptx
+++ b/documents/Clothes Detection 모델 결과 보고서.pptx
@@ -4,6 +4,9 @@
   <p:sldMasterIdLst>
     <p:sldMasterId id="2147483732" r:id="rId1"/>
   </p:sldMasterIdLst>
+  <p:notesMasterIdLst>
+    <p:notesMasterId r:id="rId27"/>
+  </p:notesMasterIdLst>
   <p:sldIdLst>
     <p:sldId id="256" r:id="rId2"/>
     <p:sldId id="258" r:id="rId3"/>
@@ -15,7 +18,7 @@
     <p:sldId id="264" r:id="rId9"/>
     <p:sldId id="265" r:id="rId10"/>
     <p:sldId id="266" r:id="rId11"/>
-    <p:sldId id="267" r:id="rId12"/>
+    <p:sldId id="291" r:id="rId12"/>
     <p:sldId id="268" r:id="rId13"/>
     <p:sldId id="281" r:id="rId14"/>
     <p:sldId id="270" r:id="rId15"/>
@@ -30,7 +33,6 @@
     <p:sldId id="288" r:id="rId24"/>
     <p:sldId id="275" r:id="rId25"/>
     <p:sldId id="289" r:id="rId26"/>
-    <p:sldId id="276" r:id="rId27"/>
   </p:sldIdLst>
   <p:sldSz cx="18288000" cy="10287000"/>
   <p:notesSz cx="6858000" cy="9144000"/>
@@ -148,6 +150,439 @@
 </p:presentation>
 </file>
 
+<file path=ppt/notesMasters/notesMaster1.xml><?xml version="1.0" encoding="utf-8"?>
+<p:notesMaster xmlns:a="http://schemas.openxmlformats.org/drawingml/2006/main" xmlns:r="http://schemas.openxmlformats.org/officeDocument/2006/relationships" xmlns:p="http://schemas.openxmlformats.org/presentationml/2006/main">
+  <p:cSld>
+    <p:bg>
+      <p:bgRef idx="1001">
+        <a:schemeClr val="bg1"/>
+      </p:bgRef>
+    </p:bg>
+    <p:spTree>
+      <p:nvGrpSpPr>
+        <p:cNvPr id="1" name=""/>
+        <p:cNvGrpSpPr/>
+        <p:nvPr/>
+      </p:nvGrpSpPr>
+      <p:grpSpPr>
+        <a:xfrm>
+          <a:off x="0" y="0"/>
+          <a:ext cx="0" cy="0"/>
+          <a:chOff x="0" y="0"/>
+          <a:chExt cx="0" cy="0"/>
+        </a:xfrm>
+      </p:grpSpPr>
+      <p:sp>
+        <p:nvSpPr>
+          <p:cNvPr id="2" name="머리글 개체 틀 1"/>
+          <p:cNvSpPr>
+            <a:spLocks noGrp="1"/>
+          </p:cNvSpPr>
+          <p:nvPr>
+            <p:ph type="hdr" sz="quarter"/>
+          </p:nvPr>
+        </p:nvSpPr>
+        <p:spPr>
+          <a:xfrm>
+            <a:off x="0" y="0"/>
+            <a:ext cx="2971800" cy="458788"/>
+          </a:xfrm>
+          <a:prstGeom prst="rect">
+            <a:avLst/>
+          </a:prstGeom>
+        </p:spPr>
+        <p:txBody>
+          <a:bodyPr vert="horz" lIns="91440" tIns="45720" rIns="91440" bIns="45720" rtlCol="0"/>
+          <a:lstStyle>
+            <a:lvl1pPr algn="l">
+              <a:defRPr sz="1200"/>
+            </a:lvl1pPr>
+          </a:lstStyle>
+          <a:p>
+            <a:endParaRPr lang="ko-KR" altLang="en-US"/>
+          </a:p>
+        </p:txBody>
+      </p:sp>
+      <p:sp>
+        <p:nvSpPr>
+          <p:cNvPr id="3" name="날짜 개체 틀 2"/>
+          <p:cNvSpPr>
+            <a:spLocks noGrp="1"/>
+          </p:cNvSpPr>
+          <p:nvPr>
+            <p:ph type="dt" idx="1"/>
+          </p:nvPr>
+        </p:nvSpPr>
+        <p:spPr>
+          <a:xfrm>
+            <a:off x="3884613" y="0"/>
+            <a:ext cx="2971800" cy="458788"/>
+          </a:xfrm>
+          <a:prstGeom prst="rect">
+            <a:avLst/>
+          </a:prstGeom>
+        </p:spPr>
+        <p:txBody>
+          <a:bodyPr vert="horz" lIns="91440" tIns="45720" rIns="91440" bIns="45720" rtlCol="0"/>
+          <a:lstStyle>
+            <a:lvl1pPr algn="r">
+              <a:defRPr sz="1200"/>
+            </a:lvl1pPr>
+          </a:lstStyle>
+          <a:p>
+            <a:fld id="{3580F5B5-DA07-4F32-9C5D-8F7586CA722F}" type="datetimeFigureOut">
+              <a:rPr lang="ko-KR" altLang="en-US" smtClean="0"/>
+              <a:t>2024-08-28</a:t>
+            </a:fld>
+            <a:endParaRPr lang="ko-KR" altLang="en-US"/>
+          </a:p>
+        </p:txBody>
+      </p:sp>
+      <p:sp>
+        <p:nvSpPr>
+          <p:cNvPr id="4" name="슬라이드 이미지 개체 틀 3"/>
+          <p:cNvSpPr>
+            <a:spLocks noGrp="1" noRot="1" noChangeAspect="1"/>
+          </p:cNvSpPr>
+          <p:nvPr>
+            <p:ph type="sldImg" idx="2"/>
+          </p:nvPr>
+        </p:nvSpPr>
+        <p:spPr>
+          <a:xfrm>
+            <a:off x="685800" y="1143000"/>
+            <a:ext cx="5486400" cy="3086100"/>
+          </a:xfrm>
+          <a:prstGeom prst="rect">
+            <a:avLst/>
+          </a:prstGeom>
+          <a:noFill/>
+          <a:ln w="12700">
+            <a:solidFill>
+              <a:prstClr val="black"/>
+            </a:solidFill>
+          </a:ln>
+        </p:spPr>
+        <p:txBody>
+          <a:bodyPr vert="horz" lIns="91440" tIns="45720" rIns="91440" bIns="45720" rtlCol="0" anchor="ctr"/>
+          <a:lstStyle/>
+          <a:p>
+            <a:endParaRPr lang="ko-KR" altLang="en-US"/>
+          </a:p>
+        </p:txBody>
+      </p:sp>
+      <p:sp>
+        <p:nvSpPr>
+          <p:cNvPr id="5" name="슬라이드 노트 개체 틀 4"/>
+          <p:cNvSpPr>
+            <a:spLocks noGrp="1"/>
+          </p:cNvSpPr>
+          <p:nvPr>
+            <p:ph type="body" sz="quarter" idx="3"/>
+          </p:nvPr>
+        </p:nvSpPr>
+        <p:spPr>
+          <a:xfrm>
+            <a:off x="685800" y="4400550"/>
+            <a:ext cx="5486400" cy="3600450"/>
+          </a:xfrm>
+          <a:prstGeom prst="rect">
+            <a:avLst/>
+          </a:prstGeom>
+        </p:spPr>
+        <p:txBody>
+          <a:bodyPr vert="horz" lIns="91440" tIns="45720" rIns="91440" bIns="45720" rtlCol="0"/>
+          <a:lstStyle/>
+          <a:p>
+            <a:pPr lvl="0"/>
+            <a:r>
+              <a:rPr lang="ko-KR" altLang="en-US"/>
+              <a:t>마스터 텍스트 스타일을 편집하려면 클릭</a:t>
+            </a:r>
+          </a:p>
+          <a:p>
+            <a:pPr lvl="1"/>
+            <a:r>
+              <a:rPr lang="ko-KR" altLang="en-US"/>
+              <a:t>두 번째 수준</a:t>
+            </a:r>
+          </a:p>
+          <a:p>
+            <a:pPr lvl="2"/>
+            <a:r>
+              <a:rPr lang="ko-KR" altLang="en-US"/>
+              <a:t>세 번째 수준</a:t>
+            </a:r>
+          </a:p>
+          <a:p>
+            <a:pPr lvl="3"/>
+            <a:r>
+              <a:rPr lang="ko-KR" altLang="en-US"/>
+              <a:t>네 번째 수준</a:t>
+            </a:r>
+          </a:p>
+          <a:p>
+            <a:pPr lvl="4"/>
+            <a:r>
+              <a:rPr lang="ko-KR" altLang="en-US"/>
+              <a:t>다섯 번째 수준</a:t>
+            </a:r>
+          </a:p>
+        </p:txBody>
+      </p:sp>
+      <p:sp>
+        <p:nvSpPr>
+          <p:cNvPr id="6" name="바닥글 개체 틀 5"/>
+          <p:cNvSpPr>
+            <a:spLocks noGrp="1"/>
+          </p:cNvSpPr>
+          <p:nvPr>
+            <p:ph type="ftr" sz="quarter" idx="4"/>
+          </p:nvPr>
+        </p:nvSpPr>
+        <p:spPr>
+          <a:xfrm>
+            <a:off x="0" y="8685213"/>
+            <a:ext cx="2971800" cy="458787"/>
+          </a:xfrm>
+          <a:prstGeom prst="rect">
+            <a:avLst/>
+          </a:prstGeom>
+        </p:spPr>
+        <p:txBody>
+          <a:bodyPr vert="horz" lIns="91440" tIns="45720" rIns="91440" bIns="45720" rtlCol="0" anchor="b"/>
+          <a:lstStyle>
+            <a:lvl1pPr algn="l">
+              <a:defRPr sz="1200"/>
+            </a:lvl1pPr>
+          </a:lstStyle>
+          <a:p>
+            <a:endParaRPr lang="ko-KR" altLang="en-US"/>
+          </a:p>
+        </p:txBody>
+      </p:sp>
+      <p:sp>
+        <p:nvSpPr>
+          <p:cNvPr id="7" name="슬라이드 번호 개체 틀 6"/>
+          <p:cNvSpPr>
+            <a:spLocks noGrp="1"/>
+          </p:cNvSpPr>
+          <p:nvPr>
+            <p:ph type="sldNum" sz="quarter" idx="5"/>
+          </p:nvPr>
+        </p:nvSpPr>
+        <p:spPr>
+          <a:xfrm>
+            <a:off x="3884613" y="8685213"/>
+            <a:ext cx="2971800" cy="458787"/>
+          </a:xfrm>
+          <a:prstGeom prst="rect">
+            <a:avLst/>
+          </a:prstGeom>
+        </p:spPr>
+        <p:txBody>
+          <a:bodyPr vert="horz" lIns="91440" tIns="45720" rIns="91440" bIns="45720" rtlCol="0" anchor="b"/>
+          <a:lstStyle>
+            <a:lvl1pPr algn="r">
+              <a:defRPr sz="1200"/>
+            </a:lvl1pPr>
+          </a:lstStyle>
+          <a:p>
+            <a:fld id="{99F602B7-2836-4C6C-92F2-1290531DB370}" type="slidenum">
+              <a:rPr lang="ko-KR" altLang="en-US" smtClean="0"/>
+              <a:t>‹#›</a:t>
+            </a:fld>
+            <a:endParaRPr lang="ko-KR" altLang="en-US"/>
+          </a:p>
+        </p:txBody>
+      </p:sp>
+    </p:spTree>
+    <p:extLst>
+      <p:ext uri="{BB962C8B-B14F-4D97-AF65-F5344CB8AC3E}">
+        <p14:creationId xmlns:p14="http://schemas.microsoft.com/office/powerpoint/2010/main" val="993006588"/>
+      </p:ext>
+    </p:extLst>
+  </p:cSld>
+  <p:clrMap bg1="lt1" tx1="dk1" bg2="lt2" tx2="dk2" accent1="accent1" accent2="accent2" accent3="accent3" accent4="accent4" accent5="accent5" accent6="accent6" hlink="hlink" folHlink="folHlink"/>
+  <p:notesStyle>
+    <a:lvl1pPr marL="0" algn="l" defTabSz="914400" rtl="0" eaLnBrk="1" latinLnBrk="1" hangingPunct="1">
+      <a:defRPr sz="1200" kern="1200">
+        <a:solidFill>
+          <a:schemeClr val="tx1"/>
+        </a:solidFill>
+        <a:latin typeface="+mn-lt"/>
+        <a:ea typeface="+mn-ea"/>
+        <a:cs typeface="+mn-cs"/>
+      </a:defRPr>
+    </a:lvl1pPr>
+    <a:lvl2pPr marL="457200" algn="l" defTabSz="914400" rtl="0" eaLnBrk="1" latinLnBrk="1" hangingPunct="1">
+      <a:defRPr sz="1200" kern="1200">
+        <a:solidFill>
+          <a:schemeClr val="tx1"/>
+        </a:solidFill>
+        <a:latin typeface="+mn-lt"/>
+        <a:ea typeface="+mn-ea"/>
+        <a:cs typeface="+mn-cs"/>
+      </a:defRPr>
+    </a:lvl2pPr>
+    <a:lvl3pPr marL="914400" algn="l" defTabSz="914400" rtl="0" eaLnBrk="1" latinLnBrk="1" hangingPunct="1">
+      <a:defRPr sz="1200" kern="1200">
+        <a:solidFill>
+          <a:schemeClr val="tx1"/>
+        </a:solidFill>
+        <a:latin typeface="+mn-lt"/>
+        <a:ea typeface="+mn-ea"/>
+        <a:cs typeface="+mn-cs"/>
+      </a:defRPr>
+    </a:lvl3pPr>
+    <a:lvl4pPr marL="1371600" algn="l" defTabSz="914400" rtl="0" eaLnBrk="1" latinLnBrk="1" hangingPunct="1">
+      <a:defRPr sz="1200" kern="1200">
+        <a:solidFill>
+          <a:schemeClr val="tx1"/>
+        </a:solidFill>
+        <a:latin typeface="+mn-lt"/>
+        <a:ea typeface="+mn-ea"/>
+        <a:cs typeface="+mn-cs"/>
+      </a:defRPr>
+    </a:lvl4pPr>
+    <a:lvl5pPr marL="1828800" algn="l" defTabSz="914400" rtl="0" eaLnBrk="1" latinLnBrk="1" hangingPunct="1">
+      <a:defRPr sz="1200" kern="1200">
+        <a:solidFill>
+          <a:schemeClr val="tx1"/>
+        </a:solidFill>
+        <a:latin typeface="+mn-lt"/>
+        <a:ea typeface="+mn-ea"/>
+        <a:cs typeface="+mn-cs"/>
+      </a:defRPr>
+    </a:lvl5pPr>
+    <a:lvl6pPr marL="2286000" algn="l" defTabSz="914400" rtl="0" eaLnBrk="1" latinLnBrk="1" hangingPunct="1">
+      <a:defRPr sz="1200" kern="1200">
+        <a:solidFill>
+          <a:schemeClr val="tx1"/>
+        </a:solidFill>
+        <a:latin typeface="+mn-lt"/>
+        <a:ea typeface="+mn-ea"/>
+        <a:cs typeface="+mn-cs"/>
+      </a:defRPr>
+    </a:lvl6pPr>
+    <a:lvl7pPr marL="2743200" algn="l" defTabSz="914400" rtl="0" eaLnBrk="1" latinLnBrk="1" hangingPunct="1">
+      <a:defRPr sz="1200" kern="1200">
+        <a:solidFill>
+          <a:schemeClr val="tx1"/>
+        </a:solidFill>
+        <a:latin typeface="+mn-lt"/>
+        <a:ea typeface="+mn-ea"/>
+        <a:cs typeface="+mn-cs"/>
+      </a:defRPr>
+    </a:lvl7pPr>
+    <a:lvl8pPr marL="3200400" algn="l" defTabSz="914400" rtl="0" eaLnBrk="1" latinLnBrk="1" hangingPunct="1">
+      <a:defRPr sz="1200" kern="1200">
+        <a:solidFill>
+          <a:schemeClr val="tx1"/>
+        </a:solidFill>
+        <a:latin typeface="+mn-lt"/>
+        <a:ea typeface="+mn-ea"/>
+        <a:cs typeface="+mn-cs"/>
+      </a:defRPr>
+    </a:lvl8pPr>
+    <a:lvl9pPr marL="3657600" algn="l" defTabSz="914400" rtl="0" eaLnBrk="1" latinLnBrk="1" hangingPunct="1">
+      <a:defRPr sz="1200" kern="1200">
+        <a:solidFill>
+          <a:schemeClr val="tx1"/>
+        </a:solidFill>
+        <a:latin typeface="+mn-lt"/>
+        <a:ea typeface="+mn-ea"/>
+        <a:cs typeface="+mn-cs"/>
+      </a:defRPr>
+    </a:lvl9pPr>
+  </p:notesStyle>
+</p:notesMaster>
+</file>
+
+<file path=ppt/notesSlides/notesSlide1.xml><?xml version="1.0" encoding="utf-8"?>
+<p:notes xmlns:a="http://schemas.openxmlformats.org/drawingml/2006/main" xmlns:r="http://schemas.openxmlformats.org/officeDocument/2006/relationships" xmlns:p="http://schemas.openxmlformats.org/presentationml/2006/main">
+  <p:cSld>
+    <p:spTree>
+      <p:nvGrpSpPr>
+        <p:cNvPr id="1" name=""/>
+        <p:cNvGrpSpPr/>
+        <p:nvPr/>
+      </p:nvGrpSpPr>
+      <p:grpSpPr>
+        <a:xfrm>
+          <a:off x="0" y="0"/>
+          <a:ext cx="0" cy="0"/>
+          <a:chOff x="0" y="0"/>
+          <a:chExt cx="0" cy="0"/>
+        </a:xfrm>
+      </p:grpSpPr>
+      <p:sp>
+        <p:nvSpPr>
+          <p:cNvPr id="2" name="슬라이드 이미지 개체 틀 1"/>
+          <p:cNvSpPr>
+            <a:spLocks noGrp="1" noRot="1" noChangeAspect="1"/>
+          </p:cNvSpPr>
+          <p:nvPr>
+            <p:ph type="sldImg"/>
+          </p:nvPr>
+        </p:nvSpPr>
+        <p:spPr/>
+      </p:sp>
+      <p:sp>
+        <p:nvSpPr>
+          <p:cNvPr id="3" name="슬라이드 노트 개체 틀 2"/>
+          <p:cNvSpPr>
+            <a:spLocks noGrp="1"/>
+          </p:cNvSpPr>
+          <p:nvPr>
+            <p:ph type="body" idx="1"/>
+          </p:nvPr>
+        </p:nvSpPr>
+        <p:spPr/>
+        <p:txBody>
+          <a:bodyPr/>
+          <a:lstStyle/>
+          <a:p>
+            <a:endParaRPr lang="ko-KR" altLang="en-US"/>
+          </a:p>
+        </p:txBody>
+      </p:sp>
+      <p:sp>
+        <p:nvSpPr>
+          <p:cNvPr id="4" name="슬라이드 번호 개체 틀 3"/>
+          <p:cNvSpPr>
+            <a:spLocks noGrp="1"/>
+          </p:cNvSpPr>
+          <p:nvPr>
+            <p:ph type="sldNum" sz="quarter" idx="5"/>
+          </p:nvPr>
+        </p:nvSpPr>
+        <p:spPr/>
+        <p:txBody>
+          <a:bodyPr/>
+          <a:lstStyle/>
+          <a:p>
+            <a:fld id="{99F602B7-2836-4C6C-92F2-1290531DB370}" type="slidenum">
+              <a:rPr lang="ko-KR" altLang="en-US" smtClean="0"/>
+              <a:t>1</a:t>
+            </a:fld>
+            <a:endParaRPr lang="ko-KR" altLang="en-US"/>
+          </a:p>
+        </p:txBody>
+      </p:sp>
+    </p:spTree>
+    <p:extLst>
+      <p:ext uri="{BB962C8B-B14F-4D97-AF65-F5344CB8AC3E}">
+        <p14:creationId xmlns:p14="http://schemas.microsoft.com/office/powerpoint/2010/main" val="2507777157"/>
+      </p:ext>
+    </p:extLst>
+  </p:cSld>
+  <p:clrMapOvr>
+    <a:masterClrMapping/>
+  </p:clrMapOvr>
+</p:notes>
+</file>
+
 <file path=ppt/slideLayouts/slideLayout1.xml><?xml version="1.0" encoding="utf-8"?>
 <p:sldLayout xmlns:a="http://schemas.openxmlformats.org/drawingml/2006/main" xmlns:r="http://schemas.openxmlformats.org/officeDocument/2006/relationships" xmlns:p="http://schemas.openxmlformats.org/presentationml/2006/main" matchingName="Title Slide" type="title" preserve="1">
   <p:cSld name="Title Slide">
@@ -339,7 +774,7 @@
               <a:pPr lvl="0">
                 <a:defRPr/>
               </a:pPr>
-              <a:t>8/27/2024</a:t>
+              <a:t>8/28/2024</a:t>
             </a:fld>
             <a:endParaRPr lang="en-US"/>
           </a:p>
@@ -531,7 +966,7 @@
               <a:pPr lvl="0">
                 <a:defRPr/>
               </a:pPr>
-              <a:t>8/27/2024</a:t>
+              <a:t>8/28/2024</a:t>
             </a:fld>
             <a:endParaRPr lang="en-US"/>
           </a:p>
@@ -733,7 +1168,7 @@
               <a:pPr lvl="0">
                 <a:defRPr/>
               </a:pPr>
-              <a:t>8/27/2024</a:t>
+              <a:t>8/28/2024</a:t>
             </a:fld>
             <a:endParaRPr lang="en-US"/>
           </a:p>
@@ -925,7 +1360,7 @@
               <a:pPr lvl="0">
                 <a:defRPr/>
               </a:pPr>
-              <a:t>8/27/2024</a:t>
+              <a:t>8/28/2024</a:t>
             </a:fld>
             <a:endParaRPr lang="en-US"/>
           </a:p>
@@ -1186,7 +1621,7 @@
               <a:pPr lvl="0">
                 <a:defRPr/>
               </a:pPr>
-              <a:t>8/27/2024</a:t>
+              <a:t>8/28/2024</a:t>
             </a:fld>
             <a:endParaRPr lang="en-US"/>
           </a:p>
@@ -1505,7 +1940,7 @@
               <a:pPr lvl="0">
                 <a:defRPr/>
               </a:pPr>
-              <a:t>8/27/2024</a:t>
+              <a:t>8/28/2024</a:t>
             </a:fld>
             <a:endParaRPr lang="en-US"/>
           </a:p>
@@ -1962,7 +2397,7 @@
               <a:pPr lvl="0">
                 <a:defRPr/>
               </a:pPr>
-              <a:t>8/27/2024</a:t>
+              <a:t>8/28/2024</a:t>
             </a:fld>
             <a:endParaRPr lang="en-US"/>
           </a:p>
@@ -2093,7 +2528,7 @@
               <a:pPr lvl="0">
                 <a:defRPr/>
               </a:pPr>
-              <a:t>8/27/2024</a:t>
+              <a:t>8/28/2024</a:t>
             </a:fld>
             <a:endParaRPr lang="en-US"/>
           </a:p>
@@ -2194,7 +2629,7 @@
             <a:fld id="{1D8BD707-D9CF-40AE-B4C6-C98DA3205C09}" type="datetimeFigureOut">
               <a:rPr lang="en-US" smtClean="0"/>
               <a:pPr/>
-              <a:t>8/27/2024</a:t>
+              <a:t>8/28/2024</a:t>
             </a:fld>
             <a:endParaRPr lang="en-US"/>
           </a:p>
@@ -2486,7 +2921,7 @@
               <a:pPr lvl="0">
                 <a:defRPr/>
               </a:pPr>
-              <a:t>8/27/2024</a:t>
+              <a:t>8/28/2024</a:t>
             </a:fld>
             <a:endParaRPr lang="en-US"/>
           </a:p>
@@ -2757,7 +3192,7 @@
               <a:pPr lvl="0">
                 <a:defRPr/>
               </a:pPr>
-              <a:t>8/27/2024</a:t>
+              <a:t>8/28/2024</a:t>
             </a:fld>
             <a:endParaRPr lang="en-US"/>
           </a:p>
@@ -2994,7 +3429,7 @@
               <a:pPr lvl="0">
                 <a:defRPr/>
               </a:pPr>
-              <a:t>8/27/2024</a:t>
+              <a:t>8/28/2024</a:t>
             </a:fld>
             <a:endParaRPr lang="en-US"/>
           </a:p>
@@ -3412,35 +3847,22 @@
               <a:defRPr/>
             </a:pPr>
             <a:r>
-              <a:rPr lang="ko-KR" sz="2800" b="0" i="0" u="none" strike="noStrike">
-                <a:solidFill>
-                  <a:srgbClr val="006BB1"/>
-                </a:solidFill>
-                <a:latin typeface="나눔바른고딕OTF"/>
-                <a:ea typeface="나눔바른고딕OTF"/>
-              </a:rPr>
-              <a:t>조</a:t>
-            </a:r>
-            <a:r>
-              <a:rPr lang="en-US" sz="2800" b="0" i="0" u="none" strike="noStrike">
-                <a:solidFill>
-                  <a:srgbClr val="006BB1"/>
-                </a:solidFill>
-                <a:latin typeface="나눔바른고딕OTF"/>
-                <a:ea typeface="나눔바른고딕OTF"/>
-              </a:rPr>
-              <a:t> </a:t>
-            </a:r>
-            <a:r>
-              <a:rPr lang="ko-KR" sz="2800" b="0" i="0" u="none" strike="noStrike">
-                <a:solidFill>
-                  <a:srgbClr val="006BB1"/>
-                </a:solidFill>
-                <a:latin typeface="나눔바른고딕OTF"/>
-                <a:ea typeface="나눔바른고딕OTF"/>
-              </a:rPr>
-              <a:t>이름</a:t>
-            </a:r>
+              <a:rPr lang="ko-KR" altLang="en-US" sz="2800" dirty="0">
+                <a:solidFill>
+                  <a:srgbClr val="006BB1"/>
+                </a:solidFill>
+                <a:latin typeface="나눔바른고딕OTF"/>
+                <a:ea typeface="나눔바른고딕OTF"/>
+              </a:rPr>
+              <a:t>가성비</a:t>
+            </a:r>
+            <a:endParaRPr lang="ko-KR" sz="2800" b="0" i="0" u="none" strike="noStrike" dirty="0">
+              <a:solidFill>
+                <a:srgbClr val="006BB1"/>
+              </a:solidFill>
+              <a:latin typeface="나눔바른고딕OTF"/>
+              <a:ea typeface="나눔바른고딕OTF"/>
+            </a:endParaRPr>
           </a:p>
         </p:txBody>
       </p:sp>
@@ -3453,7 +3875,7 @@
           <p:nvPr/>
         </p:nvPicPr>
         <p:blipFill rotWithShape="1">
-          <a:blip r:embed="rId2"/>
+          <a:blip r:embed="rId3"/>
           <a:stretch>
             <a:fillRect/>
           </a:stretch>
@@ -3551,7 +3973,7 @@
           <p:nvPr/>
         </p:nvPicPr>
         <p:blipFill rotWithShape="1">
-          <a:blip r:embed="rId3"/>
+          <a:blip r:embed="rId4"/>
           <a:stretch>
             <a:fillRect/>
           </a:stretch>
@@ -3575,7 +3997,7 @@
           <p:nvPr/>
         </p:nvPicPr>
         <p:blipFill rotWithShape="1">
-          <a:blip r:embed="rId4"/>
+          <a:blip r:embed="rId5"/>
           <a:stretch>
             <a:fillRect/>
           </a:stretch>
@@ -3599,7 +4021,7 @@
           <p:nvPr/>
         </p:nvPicPr>
         <p:blipFill rotWithShape="1">
-          <a:blip r:embed="rId5"/>
+          <a:blip r:embed="rId6"/>
           <a:stretch>
             <a:fillRect/>
           </a:stretch>
@@ -3623,7 +4045,7 @@
           <p:nvPr/>
         </p:nvPicPr>
         <p:blipFill rotWithShape="1">
-          <a:blip r:embed="rId6"/>
+          <a:blip r:embed="rId7"/>
           <a:stretch>
             <a:fillRect/>
           </a:stretch>
@@ -3647,7 +4069,7 @@
           <p:nvPr/>
         </p:nvPicPr>
         <p:blipFill rotWithShape="1">
-          <a:blip r:embed="rId6"/>
+          <a:blip r:embed="rId7"/>
           <a:stretch>
             <a:fillRect/>
           </a:stretch>
@@ -3671,7 +4093,7 @@
           <p:nvPr/>
         </p:nvPicPr>
         <p:blipFill rotWithShape="1">
-          <a:blip r:embed="rId7"/>
+          <a:blip r:embed="rId8"/>
           <a:stretch>
             <a:fillRect/>
           </a:stretch>
@@ -3695,7 +4117,7 @@
           <p:nvPr/>
         </p:nvPicPr>
         <p:blipFill rotWithShape="1">
-          <a:blip r:embed="rId8"/>
+          <a:blip r:embed="rId9"/>
           <a:stretch>
             <a:fillRect/>
           </a:stretch>
@@ -3719,7 +4141,7 @@
           <p:nvPr/>
         </p:nvPicPr>
         <p:blipFill rotWithShape="1">
-          <a:blip r:embed="rId8"/>
+          <a:blip r:embed="rId9"/>
           <a:stretch>
             <a:fillRect/>
           </a:stretch>
@@ -3743,7 +4165,7 @@
           <p:nvPr/>
         </p:nvPicPr>
         <p:blipFill rotWithShape="1">
-          <a:blip r:embed="rId7"/>
+          <a:blip r:embed="rId8"/>
           <a:stretch>
             <a:fillRect/>
           </a:stretch>
@@ -3767,7 +4189,7 @@
           <p:nvPr/>
         </p:nvPicPr>
         <p:blipFill rotWithShape="1">
-          <a:blip r:embed="rId9"/>
+          <a:blip r:embed="rId10"/>
           <a:stretch>
             <a:fillRect/>
           </a:stretch>
@@ -3791,7 +4213,7 @@
           <p:nvPr/>
         </p:nvPicPr>
         <p:blipFill rotWithShape="1">
-          <a:blip r:embed="rId10"/>
+          <a:blip r:embed="rId11"/>
           <a:stretch>
             <a:fillRect/>
           </a:stretch>
@@ -3815,7 +4237,7 @@
           <p:nvPr/>
         </p:nvPicPr>
         <p:blipFill rotWithShape="1">
-          <a:blip r:embed="rId11"/>
+          <a:blip r:embed="rId12"/>
           <a:stretch>
             <a:fillRect/>
           </a:stretch>
@@ -3839,7 +4261,7 @@
           <p:nvPr/>
         </p:nvPicPr>
         <p:blipFill rotWithShape="1">
-          <a:blip r:embed="rId12"/>
+          <a:blip r:embed="rId13"/>
           <a:stretch>
             <a:fillRect/>
           </a:stretch>
@@ -3880,7 +4302,7 @@
               <a:defRPr/>
             </a:pPr>
             <a:r>
-              <a:rPr lang="ko-KR" sz="2100" b="0" i="0" u="none" strike="noStrike">
+              <a:rPr lang="ko-KR" sz="2100" b="0" i="0" u="none" strike="noStrike" dirty="0">
                 <a:solidFill>
                   <a:srgbClr val="006BB1"/>
                 </a:solidFill>
@@ -3890,7 +4312,7 @@
               <a:t>플레이데이터</a:t>
             </a:r>
             <a:r>
-              <a:rPr lang="en-US" sz="2100" b="0" i="0" u="none" strike="noStrike">
+              <a:rPr lang="en-US" sz="2100" b="0" i="0" u="none" strike="noStrike" dirty="0">
                 <a:solidFill>
                   <a:srgbClr val="006BB1"/>
                 </a:solidFill>
@@ -3900,7 +4322,7 @@
               <a:t> </a:t>
             </a:r>
             <a:r>
-              <a:rPr lang="ko-KR" sz="2100" b="0" i="0" u="none" strike="noStrike">
+              <a:rPr lang="ko-KR" sz="2100" b="0" i="0" u="none" strike="noStrike" dirty="0">
                 <a:solidFill>
                   <a:srgbClr val="006BB1"/>
                 </a:solidFill>
@@ -5123,8 +5545,8 @@
         </p:nvSpPr>
         <p:spPr>
           <a:xfrm>
-            <a:off x="2209800" y="1866900"/>
-            <a:ext cx="8102600" cy="495300"/>
+            <a:off x="2209799" y="1866900"/>
+            <a:ext cx="9880599" cy="495300"/>
           </a:xfrm>
           <a:prstGeom prst="rect">
             <a:avLst/>
@@ -5151,6 +5573,16 @@
               <a:t>Box loss : </a:t>
             </a:r>
             <a:r>
+              <a:rPr lang="ko-KR" altLang="en-US" sz="2800" spc="-100" dirty="0">
+                <a:solidFill>
+                  <a:srgbClr val="006BB1"/>
+                </a:solidFill>
+                <a:latin typeface="나눔바른고딕OTF"/>
+                <a:ea typeface="나눔바른고딕OTF"/>
+              </a:rPr>
+              <a:t>예측</a:t>
+            </a:r>
+            <a:r>
               <a:rPr lang="ko-KR" sz="2800" b="0" i="0" u="none" strike="noStrike" spc="-100" dirty="0">
                 <a:solidFill>
                   <a:srgbClr val="006BB1"/>
@@ -5158,7 +5590,7 @@
                 <a:latin typeface="나눔바른고딕OTF"/>
                 <a:ea typeface="나눔바른고딕OTF"/>
               </a:rPr>
-              <a:t>검출된</a:t>
+              <a:t>된</a:t>
             </a:r>
             <a:r>
               <a:rPr lang="en-US" sz="2800" b="0" i="0" u="none" strike="noStrike" spc="-100" dirty="0">
@@ -5171,17 +5603,37 @@
               <a:t> Bounding Box</a:t>
             </a:r>
             <a:r>
-              <a:rPr lang="ko-KR" sz="2800" b="0" i="0" u="none" strike="noStrike" spc="-100" dirty="0">
-                <a:solidFill>
-                  <a:srgbClr val="006BB1"/>
-                </a:solidFill>
-                <a:latin typeface="나눔바른고딕OTF"/>
-                <a:ea typeface="나눔바른고딕OTF"/>
-              </a:rPr>
-              <a:t>의</a:t>
-            </a:r>
-            <a:r>
-              <a:rPr lang="en-US" sz="2800" b="0" i="0" u="none" strike="noStrike" spc="-100" dirty="0">
+              <a:rPr lang="ko-KR" altLang="en-US" sz="2800" spc="-100" dirty="0">
+                <a:solidFill>
+                  <a:srgbClr val="006BB1"/>
+                </a:solidFill>
+                <a:latin typeface="나눔바른고딕OTF"/>
+                <a:ea typeface="나눔바른고딕OTF"/>
+              </a:rPr>
+              <a:t>와 </a:t>
+            </a:r>
+            <a:r>
+              <a:rPr lang="en-US" altLang="ko-KR" sz="2800" spc="-100" dirty="0">
+                <a:solidFill>
+                  <a:srgbClr val="006BB1"/>
+                </a:solidFill>
+                <a:latin typeface="나눔바른고딕OTF"/>
+                <a:ea typeface="나눔바른고딕OTF"/>
+              </a:rPr>
+              <a:t>Ground true box</a:t>
+            </a:r>
+            <a:r>
+              <a:rPr lang="ko-KR" altLang="en-US" sz="2800" spc="-100" dirty="0">
+                <a:solidFill>
+                  <a:srgbClr val="006BB1"/>
+                </a:solidFill>
+                <a:latin typeface="나눔바른고딕OTF"/>
+                <a:ea typeface="나눔바른고딕OTF"/>
+              </a:rPr>
+              <a:t>와의</a:t>
+            </a:r>
+            <a:r>
+              <a:rPr lang="en-US" altLang="ko-KR" sz="2800" spc="-100" dirty="0">
                 <a:solidFill>
                   <a:srgbClr val="006BB1"/>
                 </a:solidFill>
@@ -5191,47 +5643,7 @@
               <a:t> </a:t>
             </a:r>
             <a:r>
-              <a:rPr lang="ko-KR" sz="2800" b="0" i="0" u="none" strike="noStrike" spc="-100" dirty="0">
-                <a:solidFill>
-                  <a:srgbClr val="006BB1"/>
-                </a:solidFill>
-                <a:latin typeface="나눔바른고딕OTF"/>
-                <a:ea typeface="나눔바른고딕OTF"/>
-              </a:rPr>
-              <a:t>좌표에</a:t>
-            </a:r>
-            <a:r>
-              <a:rPr lang="en-US" sz="2800" b="0" i="0" u="none" strike="noStrike" spc="-100" dirty="0">
-                <a:solidFill>
-                  <a:srgbClr val="006BB1"/>
-                </a:solidFill>
-                <a:latin typeface="나눔바른고딕OTF"/>
-                <a:ea typeface="나눔바른고딕OTF"/>
-              </a:rPr>
-              <a:t> </a:t>
-            </a:r>
-            <a:r>
-              <a:rPr lang="ko-KR" sz="2800" b="0" i="0" u="none" strike="noStrike" spc="-100" dirty="0">
-                <a:solidFill>
-                  <a:srgbClr val="006BB1"/>
-                </a:solidFill>
-                <a:latin typeface="나눔바른고딕OTF"/>
-                <a:ea typeface="나눔바른고딕OTF"/>
-              </a:rPr>
-              <a:t>대한</a:t>
-            </a:r>
-            <a:r>
-              <a:rPr lang="en-US" sz="2800" b="0" i="0" u="none" strike="noStrike" spc="-100" dirty="0">
-                <a:solidFill>
-                  <a:srgbClr val="006BB1"/>
-                </a:solidFill>
-                <a:latin typeface="나눔바른고딕OTF"/>
-                <a:ea typeface="나눔바른고딕OTF"/>
-              </a:rPr>
-              <a:t> </a:t>
-            </a:r>
-            <a:r>
-              <a:rPr lang="ko-KR" sz="2800" b="0" i="0" u="none" strike="noStrike" spc="-100" dirty="0">
+              <a:rPr lang="ko-KR" altLang="en-US" sz="2800" spc="-100" dirty="0">
                 <a:solidFill>
                   <a:srgbClr val="006BB1"/>
                 </a:solidFill>
@@ -5240,16 +5652,13 @@
               </a:rPr>
               <a:t>오차</a:t>
             </a:r>
-            <a:r>
-              <a:rPr lang="en-US" sz="2800" b="0" i="0" u="none" strike="noStrike" spc="-100" dirty="0">
-                <a:solidFill>
-                  <a:srgbClr val="006BB1"/>
-                </a:solidFill>
-                <a:latin typeface="나눔바른고딕OTF"/>
-                <a:ea typeface="나눔바른고딕OTF"/>
-              </a:rPr>
-              <a:t> </a:t>
-            </a:r>
+            <a:endParaRPr lang="en-US" sz="2800" b="0" i="0" u="none" strike="noStrike" spc="-100" dirty="0">
+              <a:solidFill>
+                <a:srgbClr val="006BB1"/>
+              </a:solidFill>
+              <a:latin typeface="나눔바른고딕OTF"/>
+              <a:ea typeface="나눔바른고딕OTF"/>
+            </a:endParaRPr>
           </a:p>
         </p:txBody>
       </p:sp>
@@ -5326,18 +5735,16 @@
         </p:spPr>
       </p:pic>
     </p:spTree>
+    <p:extLst>
+      <p:ext uri="{BB962C8B-B14F-4D97-AF65-F5344CB8AC3E}">
+        <p14:creationId xmlns:p14="http://schemas.microsoft.com/office/powerpoint/2010/main" val="178919271"/>
+      </p:ext>
+    </p:extLst>
   </p:cSld>
   <p:clrMapOvr>
     <a:masterClrMapping/>
   </p:clrMapOvr>
-  <mc:AlternateContent xmlns:mc="http://schemas.openxmlformats.org/markup-compatibility/2006" xmlns:p14="http://schemas.microsoft.com/office/powerpoint/2010/main">
-    <mc:Choice Requires="p14">
-      <p:transition/>
-    </mc:Choice>
-    <mc:Fallback xmlns:dsp="http://schemas.microsoft.com/office/drawing/2008/diagram" xmlns:dgm="http://schemas.openxmlformats.org/drawingml/2006/diagram" xmlns:c="http://schemas.openxmlformats.org/drawingml/2006/chart" xmlns="">
-      <p:transition/>
-    </mc:Fallback>
-  </mc:AlternateContent>
+  <p:transition/>
 </p:sld>
 </file>
 
@@ -5700,34 +6107,34 @@
               <a:t>Class loss : </a:t>
             </a:r>
             <a:r>
-              <a:rPr lang="ko-KR" sz="2800" b="0" i="0" u="none" strike="noStrike" spc="-100" dirty="0">
-                <a:solidFill>
-                  <a:srgbClr val="006BB1"/>
-                </a:solidFill>
-                <a:latin typeface="나눔바른고딕OTF"/>
-                <a:ea typeface="나눔바른고딕OTF"/>
-              </a:rPr>
-              <a:t>예측한</a:t>
-            </a:r>
-            <a:r>
-              <a:rPr lang="en-US" sz="2800" b="0" i="0" u="none" strike="noStrike" spc="-100" dirty="0">
-                <a:solidFill>
-                  <a:srgbClr val="006BB1"/>
-                </a:solidFill>
-                <a:latin typeface="나눔바른고딕OTF"/>
-                <a:ea typeface="나눔바른고딕OTF"/>
-              </a:rPr>
-              <a:t> Class</a:t>
-            </a:r>
-            <a:r>
-              <a:rPr lang="ko-KR" sz="2800" b="0" i="0" u="none" strike="noStrike" spc="-100" dirty="0">
-                <a:solidFill>
-                  <a:srgbClr val="006BB1"/>
-                </a:solidFill>
-                <a:latin typeface="나눔바른고딕OTF"/>
-                <a:ea typeface="나눔바른고딕OTF"/>
-              </a:rPr>
-              <a:t>에</a:t>
+              <a:rPr lang="ko-KR" altLang="en-US" sz="2800" b="0" i="0" u="none" strike="noStrike" spc="-100" dirty="0">
+                <a:solidFill>
+                  <a:srgbClr val="006BB1"/>
+                </a:solidFill>
+                <a:latin typeface="나눔바른고딕OTF"/>
+                <a:ea typeface="나눔바른고딕OTF"/>
+              </a:rPr>
+              <a:t>정답 </a:t>
+            </a:r>
+            <a:r>
+              <a:rPr lang="en-US" altLang="ko-KR" sz="2800" spc="-100" dirty="0">
+                <a:solidFill>
+                  <a:srgbClr val="006BB1"/>
+                </a:solidFill>
+                <a:latin typeface="나눔바른고딕OTF"/>
+                <a:ea typeface="나눔바른고딕OTF"/>
+              </a:rPr>
+              <a:t>Class</a:t>
+            </a:r>
+            <a:r>
+              <a:rPr lang="ko-KR" altLang="en-US" sz="2800" spc="-100" dirty="0">
+                <a:solidFill>
+                  <a:srgbClr val="006BB1"/>
+                </a:solidFill>
+                <a:latin typeface="나눔바른고딕OTF"/>
+                <a:ea typeface="나눔바른고딕OTF"/>
+              </a:rPr>
+              <a:t>로 예측한 확률에</a:t>
             </a:r>
             <a:r>
               <a:rPr lang="en-US" sz="2800" b="0" i="0" u="none" strike="noStrike" spc="-100" dirty="0">
@@ -6031,6 +6438,26 @@
               <a:defRPr/>
             </a:pPr>
             <a:r>
+              <a:rPr lang="en-US" sz="5000" dirty="0">
+                <a:solidFill>
+                  <a:srgbClr val="006BB1"/>
+                </a:solidFill>
+                <a:latin typeface="나눔바른고딕OTF"/>
+                <a:ea typeface="나눔바른고딕OTF"/>
+              </a:rPr>
+              <a:t>Model3</a:t>
+            </a:r>
+            <a:r>
+              <a:rPr lang="ko-KR" altLang="en-US" sz="5000" dirty="0">
+                <a:solidFill>
+                  <a:srgbClr val="006BB1"/>
+                </a:solidFill>
+                <a:latin typeface="나눔바른고딕OTF"/>
+                <a:ea typeface="나눔바른고딕OTF"/>
+              </a:rPr>
+              <a:t> </a:t>
+            </a:r>
+            <a:r>
               <a:rPr lang="en-US" sz="5000" b="0" i="0" u="none" strike="noStrike" dirty="0">
                 <a:solidFill>
                   <a:srgbClr val="006BB1"/>
@@ -6206,77 +6633,6 @@
           </a:prstGeom>
         </p:spPr>
       </p:pic>
-      <p:sp>
-        <p:nvSpPr>
-          <p:cNvPr id="13" name="TextBox 18">
-            <a:extLst>
-              <a:ext uri="{FF2B5EF4-FFF2-40B4-BE49-F238E27FC236}">
-                <a16:creationId xmlns:a16="http://schemas.microsoft.com/office/drawing/2014/main" id="{C8EBF270-4355-DC8A-C8D1-C673B2D0B3FE}"/>
-              </a:ext>
-            </a:extLst>
-          </p:cNvPr>
-          <p:cNvSpPr txBox="1"/>
-          <p:nvPr/>
-        </p:nvSpPr>
-        <p:spPr>
-          <a:xfrm>
-            <a:off x="1955800" y="1676400"/>
-            <a:ext cx="8102600" cy="495300"/>
-          </a:xfrm>
-          <a:prstGeom prst="rect">
-            <a:avLst/>
-          </a:prstGeom>
-        </p:spPr>
-        <p:txBody>
-          <a:bodyPr lIns="0" tIns="0" rIns="0" bIns="0" anchor="ctr"/>
-          <a:lstStyle/>
-          <a:p>
-            <a:pPr lvl="0" algn="l">
-              <a:lnSpc>
-                <a:spcPct val="149400"/>
-              </a:lnSpc>
-              <a:defRPr/>
-            </a:pPr>
-            <a:r>
-              <a:rPr lang="en-US" altLang="ko-KR" sz="2800" spc="-100" dirty="0">
-                <a:solidFill>
-                  <a:srgbClr val="006BB1"/>
-                </a:solidFill>
-                <a:latin typeface="나눔바른고딕OTF"/>
-                <a:ea typeface="나눔바른고딕OTF"/>
-              </a:rPr>
-              <a:t>Model</a:t>
-            </a:r>
-            <a:r>
-              <a:rPr lang="ko-KR" altLang="en-US" sz="2800" spc="-100" dirty="0">
-                <a:solidFill>
-                  <a:srgbClr val="006BB1"/>
-                </a:solidFill>
-                <a:latin typeface="나눔바른고딕OTF"/>
-                <a:ea typeface="나눔바른고딕OTF"/>
-              </a:rPr>
-              <a:t> </a:t>
-            </a:r>
-            <a:r>
-              <a:rPr lang="en-US" altLang="ko-KR" sz="2800" spc="-100" dirty="0">
-                <a:solidFill>
-                  <a:srgbClr val="006BB1"/>
-                </a:solidFill>
-                <a:latin typeface="나눔바른고딕OTF"/>
-                <a:ea typeface="나눔바른고딕OTF"/>
-              </a:rPr>
-              <a:t>3</a:t>
-            </a:r>
-            <a:endParaRPr lang="ko-KR" sz="2800" b="0" i="0" u="none" strike="noStrike" spc="-100" dirty="0">
-              <a:solidFill>
-                <a:srgbClr val="006BB1"/>
-              </a:solidFill>
-              <a:latin typeface="나눔바른고딕OTF"/>
-              <a:ea typeface="나눔바른고딕OTF"/>
-            </a:endParaRPr>
-          </a:p>
-        </p:txBody>
-      </p:sp>
       <p:sp>
         <p:nvSpPr>
           <p:cNvPr id="14" name="직사각형 13">
@@ -6436,6 +6792,210 @@
           <a:p>
             <a:pPr algn="ctr"/>
             <a:endParaRPr lang="ko-KR" altLang="en-US"/>
+          </a:p>
+        </p:txBody>
+      </p:sp>
+      <p:sp>
+        <p:nvSpPr>
+          <p:cNvPr id="17" name="직사각형 16">
+            <a:extLst>
+              <a:ext uri="{FF2B5EF4-FFF2-40B4-BE49-F238E27FC236}">
+                <a16:creationId xmlns:a16="http://schemas.microsoft.com/office/drawing/2014/main" id="{4CD73876-8350-0E13-94F4-A73AD33FEFA4}"/>
+              </a:ext>
+            </a:extLst>
+          </p:cNvPr>
+          <p:cNvSpPr/>
+          <p:nvPr/>
+        </p:nvSpPr>
+        <p:spPr>
+          <a:xfrm>
+            <a:off x="5354610" y="2642580"/>
+            <a:ext cx="875260" cy="651280"/>
+          </a:xfrm>
+          <a:prstGeom prst="rect">
+            <a:avLst/>
+          </a:prstGeom>
+          <a:solidFill>
+            <a:srgbClr val="08306B"/>
+          </a:solidFill>
+          <a:ln>
+            <a:noFill/>
+          </a:ln>
+        </p:spPr>
+        <p:style>
+          <a:lnRef idx="2">
+            <a:schemeClr val="accent1">
+              <a:shade val="15000"/>
+            </a:schemeClr>
+          </a:lnRef>
+          <a:fillRef idx="1">
+            <a:schemeClr val="accent1"/>
+          </a:fillRef>
+          <a:effectRef idx="0">
+            <a:schemeClr val="accent1"/>
+          </a:effectRef>
+          <a:fontRef idx="minor">
+            <a:schemeClr val="lt1"/>
+          </a:fontRef>
+        </p:style>
+        <p:txBody>
+          <a:bodyPr rtlCol="0" anchor="ctr"/>
+          <a:lstStyle/>
+          <a:p>
+            <a:pPr algn="ctr"/>
+            <a:r>
+              <a:rPr lang="en-US" altLang="ko-KR" sz="2000" dirty="0">
+                <a:solidFill>
+                  <a:schemeClr val="bg1"/>
+                </a:solidFill>
+                <a:latin typeface="나눔바른고딕OTF" panose="02020603020101020101" pitchFamily="18" charset="-127"/>
+                <a:ea typeface="나눔바른고딕OTF" panose="02020603020101020101" pitchFamily="18" charset="-127"/>
+              </a:rPr>
+              <a:t>0.94</a:t>
+            </a:r>
+            <a:endParaRPr lang="ko-KR" altLang="en-US" sz="2000" dirty="0">
+              <a:solidFill>
+                <a:schemeClr val="bg1"/>
+              </a:solidFill>
+              <a:latin typeface="나눔바른고딕OTF" panose="02020603020101020101" pitchFamily="18" charset="-127"/>
+              <a:ea typeface="나눔바른고딕OTF" panose="02020603020101020101" pitchFamily="18" charset="-127"/>
+            </a:endParaRPr>
+          </a:p>
+        </p:txBody>
+      </p:sp>
+      <p:sp>
+        <p:nvSpPr>
+          <p:cNvPr id="18" name="직사각형 17">
+            <a:extLst>
+              <a:ext uri="{FF2B5EF4-FFF2-40B4-BE49-F238E27FC236}">
+                <a16:creationId xmlns:a16="http://schemas.microsoft.com/office/drawing/2014/main" id="{37067490-53F3-D466-73AC-C6D09D1B16C1}"/>
+              </a:ext>
+            </a:extLst>
+          </p:cNvPr>
+          <p:cNvSpPr/>
+          <p:nvPr/>
+        </p:nvSpPr>
+        <p:spPr>
+          <a:xfrm>
+            <a:off x="7262610" y="4589260"/>
+            <a:ext cx="875260" cy="651280"/>
+          </a:xfrm>
+          <a:prstGeom prst="rect">
+            <a:avLst/>
+          </a:prstGeom>
+          <a:solidFill>
+            <a:srgbClr val="08306B"/>
+          </a:solidFill>
+          <a:ln>
+            <a:noFill/>
+          </a:ln>
+        </p:spPr>
+        <p:style>
+          <a:lnRef idx="2">
+            <a:schemeClr val="accent1">
+              <a:shade val="15000"/>
+            </a:schemeClr>
+          </a:lnRef>
+          <a:fillRef idx="1">
+            <a:schemeClr val="accent1"/>
+          </a:fillRef>
+          <a:effectRef idx="0">
+            <a:schemeClr val="accent1"/>
+          </a:effectRef>
+          <a:fontRef idx="minor">
+            <a:schemeClr val="lt1"/>
+          </a:fontRef>
+        </p:style>
+        <p:txBody>
+          <a:bodyPr rtlCol="0" anchor="ctr"/>
+          <a:lstStyle/>
+          <a:p>
+            <a:pPr algn="ctr"/>
+            <a:r>
+              <a:rPr lang="en-US" altLang="ko-KR" sz="2000" dirty="0">
+                <a:solidFill>
+                  <a:schemeClr val="bg1"/>
+                </a:solidFill>
+                <a:latin typeface="나눔바른고딕OTF" panose="02020603020101020101" pitchFamily="18" charset="-127"/>
+                <a:ea typeface="나눔바른고딕OTF" panose="02020603020101020101" pitchFamily="18" charset="-127"/>
+              </a:rPr>
+              <a:t>0.94</a:t>
+            </a:r>
+            <a:endParaRPr lang="ko-KR" altLang="en-US" sz="2000" dirty="0">
+              <a:solidFill>
+                <a:schemeClr val="bg1"/>
+              </a:solidFill>
+              <a:latin typeface="나눔바른고딕OTF" panose="02020603020101020101" pitchFamily="18" charset="-127"/>
+              <a:ea typeface="나눔바른고딕OTF" panose="02020603020101020101" pitchFamily="18" charset="-127"/>
+            </a:endParaRPr>
+          </a:p>
+        </p:txBody>
+      </p:sp>
+      <p:sp>
+        <p:nvSpPr>
+          <p:cNvPr id="19" name="직사각형 18">
+            <a:extLst>
+              <a:ext uri="{FF2B5EF4-FFF2-40B4-BE49-F238E27FC236}">
+                <a16:creationId xmlns:a16="http://schemas.microsoft.com/office/drawing/2014/main" id="{2EBB95FC-33B5-390E-80CA-C465081ADF1D}"/>
+              </a:ext>
+            </a:extLst>
+          </p:cNvPr>
+          <p:cNvSpPr/>
+          <p:nvPr/>
+        </p:nvSpPr>
+        <p:spPr>
+          <a:xfrm>
+            <a:off x="9170610" y="6497260"/>
+            <a:ext cx="875260" cy="651280"/>
+          </a:xfrm>
+          <a:prstGeom prst="rect">
+            <a:avLst/>
+          </a:prstGeom>
+          <a:solidFill>
+            <a:srgbClr val="083370"/>
+          </a:solidFill>
+          <a:ln>
+            <a:noFill/>
+          </a:ln>
+        </p:spPr>
+        <p:style>
+          <a:lnRef idx="2">
+            <a:schemeClr val="accent1">
+              <a:shade val="15000"/>
+            </a:schemeClr>
+          </a:lnRef>
+          <a:fillRef idx="1">
+            <a:schemeClr val="accent1"/>
+          </a:fillRef>
+          <a:effectRef idx="0">
+            <a:schemeClr val="accent1"/>
+          </a:effectRef>
+          <a:fontRef idx="minor">
+            <a:schemeClr val="lt1"/>
+          </a:fontRef>
+        </p:style>
+        <p:txBody>
+          <a:bodyPr rtlCol="0" anchor="ctr"/>
+          <a:lstStyle/>
+          <a:p>
+            <a:pPr algn="ctr"/>
+            <a:r>
+              <a:rPr lang="en-US" altLang="ko-KR" sz="2000" dirty="0">
+                <a:solidFill>
+                  <a:schemeClr val="bg1"/>
+                </a:solidFill>
+                <a:latin typeface="나눔바른고딕OTF" panose="02020603020101020101" pitchFamily="18" charset="-127"/>
+                <a:ea typeface="나눔바른고딕OTF" panose="02020603020101020101" pitchFamily="18" charset="-127"/>
+              </a:rPr>
+              <a:t>0.93</a:t>
+            </a:r>
+            <a:endParaRPr lang="ko-KR" altLang="en-US" sz="2000" dirty="0">
+              <a:solidFill>
+                <a:schemeClr val="bg1"/>
+              </a:solidFill>
+              <a:latin typeface="나눔바른고딕OTF" panose="02020603020101020101" pitchFamily="18" charset="-127"/>
+              <a:ea typeface="나눔바른고딕OTF" panose="02020603020101020101" pitchFamily="18" charset="-127"/>
+            </a:endParaRPr>
           </a:p>
         </p:txBody>
       </p:sp>
@@ -6772,7 +7332,7 @@
         </p:nvGrpSpPr>
         <p:grpSpPr>
           <a:xfrm>
-            <a:off x="504000" y="2552700"/>
+            <a:off x="504000" y="3345900"/>
             <a:ext cx="17280000" cy="5760000"/>
             <a:chOff x="712004" y="2718068"/>
             <a:chExt cx="16458396" cy="5486132"/>
@@ -6851,6 +7411,226 @@
           </p:spPr>
         </p:pic>
       </p:grpSp>
+      <p:sp>
+        <p:nvSpPr>
+          <p:cNvPr id="13" name="TextBox 16">
+            <a:extLst>
+              <a:ext uri="{FF2B5EF4-FFF2-40B4-BE49-F238E27FC236}">
+                <a16:creationId xmlns:a16="http://schemas.microsoft.com/office/drawing/2014/main" id="{74BADADD-84DD-E600-0E6C-A306EDA81F7E}"/>
+              </a:ext>
+            </a:extLst>
+          </p:cNvPr>
+          <p:cNvSpPr txBox="1"/>
+          <p:nvPr/>
+        </p:nvSpPr>
+        <p:spPr>
+          <a:xfrm>
+            <a:off x="2209799" y="1866900"/>
+            <a:ext cx="10515601" cy="1549400"/>
+          </a:xfrm>
+          <a:prstGeom prst="rect">
+            <a:avLst/>
+          </a:prstGeom>
+        </p:spPr>
+        <p:txBody>
+          <a:bodyPr lIns="0" tIns="0" rIns="0" bIns="0" anchor="t"/>
+          <a:lstStyle/>
+          <a:p>
+            <a:pPr lvl="0" algn="l">
+              <a:lnSpc>
+                <a:spcPct val="149400"/>
+              </a:lnSpc>
+              <a:defRPr/>
+            </a:pPr>
+            <a:r>
+              <a:rPr lang="en-US" sz="2800" b="0" i="0" u="none" strike="noStrike" spc="-100" dirty="0">
+                <a:solidFill>
+                  <a:srgbClr val="006BB1"/>
+                </a:solidFill>
+                <a:latin typeface="나눔바른고딕OTF"/>
+                <a:ea typeface="나눔바른고딕OTF"/>
+              </a:rPr>
+              <a:t>Precision(</a:t>
+            </a:r>
+            <a:r>
+              <a:rPr lang="ko-KR" altLang="en-US" sz="2800" b="0" i="0" u="none" strike="noStrike" spc="-100" dirty="0">
+                <a:solidFill>
+                  <a:srgbClr val="006BB1"/>
+                </a:solidFill>
+                <a:latin typeface="나눔바른고딕OTF"/>
+                <a:ea typeface="나눔바른고딕OTF"/>
+              </a:rPr>
+              <a:t>정밀도</a:t>
+            </a:r>
+            <a:r>
+              <a:rPr lang="en-US" altLang="ko-KR" sz="2800" b="0" i="0" u="none" strike="noStrike" spc="-100" dirty="0">
+                <a:solidFill>
+                  <a:srgbClr val="006BB1"/>
+                </a:solidFill>
+                <a:latin typeface="나눔바른고딕OTF"/>
+                <a:ea typeface="나눔바른고딕OTF"/>
+              </a:rPr>
+              <a:t>)</a:t>
+            </a:r>
+            <a:r>
+              <a:rPr lang="en-US" sz="2800" b="0" i="0" u="none" strike="noStrike" spc="-100" dirty="0">
+                <a:solidFill>
+                  <a:srgbClr val="006BB1"/>
+                </a:solidFill>
+                <a:latin typeface="나눔바른고딕OTF"/>
+                <a:ea typeface="나눔바른고딕OTF"/>
+              </a:rPr>
+              <a:t> : </a:t>
+            </a:r>
+            <a:r>
+              <a:rPr lang="ko-KR" altLang="en-US" sz="2800" b="0" i="0" u="none" strike="noStrike" spc="-100" dirty="0">
+                <a:solidFill>
+                  <a:srgbClr val="006BB1"/>
+                </a:solidFill>
+                <a:latin typeface="나눔바른고딕OTF"/>
+                <a:ea typeface="나눔바른고딕OTF"/>
+              </a:rPr>
+              <a:t>모델이 </a:t>
+            </a:r>
+            <a:r>
+              <a:rPr lang="en-US" altLang="ko-KR" sz="2800" b="0" i="0" u="none" strike="noStrike" spc="-100" dirty="0">
+                <a:solidFill>
+                  <a:srgbClr val="006BB1"/>
+                </a:solidFill>
+                <a:latin typeface="나눔바른고딕OTF"/>
+                <a:ea typeface="나눔바른고딕OTF"/>
+              </a:rPr>
+              <a:t>True</a:t>
+            </a:r>
+            <a:r>
+              <a:rPr lang="ko-KR" altLang="en-US" sz="2800" b="0" i="0" u="none" strike="noStrike" spc="-100" dirty="0">
+                <a:solidFill>
+                  <a:srgbClr val="006BB1"/>
+                </a:solidFill>
+                <a:latin typeface="나눔바른고딕OTF"/>
+                <a:ea typeface="나눔바른고딕OTF"/>
+              </a:rPr>
+              <a:t>라고 예측한 것 중 실제 </a:t>
+            </a:r>
+            <a:r>
+              <a:rPr lang="en-US" altLang="ko-KR" sz="2800" b="0" i="0" u="none" strike="noStrike" spc="-100" dirty="0">
+                <a:solidFill>
+                  <a:srgbClr val="006BB1"/>
+                </a:solidFill>
+                <a:latin typeface="나눔바른고딕OTF"/>
+                <a:ea typeface="나눔바른고딕OTF"/>
+              </a:rPr>
+              <a:t>True</a:t>
+            </a:r>
+            <a:r>
+              <a:rPr lang="ko-KR" altLang="en-US" sz="2800" b="0" i="0" u="none" strike="noStrike" spc="-100" dirty="0">
+                <a:solidFill>
+                  <a:srgbClr val="006BB1"/>
+                </a:solidFill>
+                <a:latin typeface="나눔바른고딕OTF"/>
+                <a:ea typeface="나눔바른고딕OTF"/>
+              </a:rPr>
+              <a:t>인 비율</a:t>
+            </a:r>
+            <a:br>
+              <a:rPr lang="en-US" altLang="ko-KR" sz="2800" spc="-100" dirty="0">
+                <a:solidFill>
+                  <a:srgbClr val="006BB1"/>
+                </a:solidFill>
+                <a:latin typeface="나눔바른고딕OTF"/>
+                <a:ea typeface="나눔바른고딕OTF"/>
+              </a:rPr>
+            </a:br>
+            <a:r>
+              <a:rPr lang="en-US" altLang="ko-KR" sz="2800" spc="-100" dirty="0">
+                <a:solidFill>
+                  <a:srgbClr val="006BB1"/>
+                </a:solidFill>
+                <a:latin typeface="나눔바른고딕OTF"/>
+                <a:ea typeface="나눔바른고딕OTF"/>
+              </a:rPr>
+              <a:t>Recall(</a:t>
+            </a:r>
+            <a:r>
+              <a:rPr lang="ko-KR" altLang="en-US" sz="2800" spc="-100" dirty="0" err="1">
+                <a:solidFill>
+                  <a:srgbClr val="006BB1"/>
+                </a:solidFill>
+                <a:latin typeface="나눔바른고딕OTF"/>
+                <a:ea typeface="나눔바른고딕OTF"/>
+              </a:rPr>
+              <a:t>재현율</a:t>
+            </a:r>
+            <a:r>
+              <a:rPr lang="en-US" altLang="ko-KR" sz="2800" spc="-100" dirty="0">
+                <a:solidFill>
+                  <a:srgbClr val="006BB1"/>
+                </a:solidFill>
+                <a:latin typeface="나눔바른고딕OTF"/>
+                <a:ea typeface="나눔바른고딕OTF"/>
+              </a:rPr>
+              <a:t>) : </a:t>
+            </a:r>
+            <a:r>
+              <a:rPr lang="ko-KR" altLang="en-US" sz="2800" spc="-100" dirty="0">
+                <a:solidFill>
+                  <a:srgbClr val="006BB1"/>
+                </a:solidFill>
+                <a:latin typeface="나눔바른고딕OTF"/>
+                <a:ea typeface="나눔바른고딕OTF"/>
+              </a:rPr>
+              <a:t>실제 </a:t>
+            </a:r>
+            <a:r>
+              <a:rPr lang="en-US" altLang="ko-KR" sz="2800" spc="-100" dirty="0">
+                <a:solidFill>
+                  <a:srgbClr val="006BB1"/>
+                </a:solidFill>
+                <a:latin typeface="나눔바른고딕OTF"/>
+                <a:ea typeface="나눔바른고딕OTF"/>
+              </a:rPr>
+              <a:t>True</a:t>
+            </a:r>
+            <a:r>
+              <a:rPr lang="ko-KR" altLang="en-US" sz="2800" spc="-100" dirty="0">
+                <a:solidFill>
+                  <a:srgbClr val="006BB1"/>
+                </a:solidFill>
+                <a:latin typeface="나눔바른고딕OTF"/>
+                <a:ea typeface="나눔바른고딕OTF"/>
+              </a:rPr>
+              <a:t>값 중 모델이 </a:t>
+            </a:r>
+            <a:r>
+              <a:rPr lang="en-US" altLang="ko-KR" sz="2800" spc="-100" dirty="0">
+                <a:solidFill>
+                  <a:srgbClr val="006BB1"/>
+                </a:solidFill>
+                <a:latin typeface="나눔바른고딕OTF"/>
+                <a:ea typeface="나눔바른고딕OTF"/>
+              </a:rPr>
+              <a:t>True</a:t>
+            </a:r>
+            <a:r>
+              <a:rPr lang="ko-KR" altLang="en-US" sz="2800" spc="-100" dirty="0">
+                <a:solidFill>
+                  <a:srgbClr val="006BB1"/>
+                </a:solidFill>
+                <a:latin typeface="나눔바른고딕OTF"/>
+                <a:ea typeface="나눔바른고딕OTF"/>
+              </a:rPr>
+              <a:t>로 예측한 비율</a:t>
+            </a:r>
+            <a:endParaRPr lang="en-US" sz="2800" b="0" i="0" u="none" strike="noStrike" spc="-100" dirty="0">
+              <a:solidFill>
+                <a:srgbClr val="006BB1"/>
+              </a:solidFill>
+              <a:latin typeface="나눔바른고딕OTF"/>
+              <a:ea typeface="나눔바른고딕OTF"/>
+            </a:endParaRPr>
+          </a:p>
+        </p:txBody>
+      </p:sp>
     </p:spTree>
   </p:cSld>
   <p:clrMapOvr>
@@ -7346,15 +8126,15 @@
         </p:nvSpPr>
         <p:spPr>
           <a:xfrm>
-            <a:off x="2209800" y="1866900"/>
-            <a:ext cx="10668000" cy="495300"/>
+            <a:off x="2209799" y="1866900"/>
+            <a:ext cx="14097000" cy="1066800"/>
           </a:xfrm>
           <a:prstGeom prst="rect">
             <a:avLst/>
           </a:prstGeom>
         </p:spPr>
         <p:txBody>
-          <a:bodyPr lIns="0" tIns="0" rIns="0" bIns="0" anchor="ctr"/>
+          <a:bodyPr lIns="0" tIns="0" rIns="0" bIns="0" anchor="t"/>
           <a:lstStyle/>
           <a:p>
             <a:pPr lvl="0" algn="l">
@@ -7364,17 +8144,57 @@
               <a:defRPr/>
             </a:pPr>
             <a:r>
-              <a:rPr lang="ko-KR" altLang="en-US" sz="2800" b="0" i="0" u="none" strike="noStrike" spc="-100" dirty="0">
-                <a:solidFill>
-                  <a:srgbClr val="006BB1"/>
-                </a:solidFill>
-                <a:latin typeface="나눔바른고딕OTF"/>
-                <a:ea typeface="나눔바른고딕OTF"/>
-              </a:rPr>
-              <a:t>실 사용에서는 </a:t>
-            </a:r>
-            <a:r>
-              <a:rPr lang="en-US" altLang="ko-KR" sz="2800" b="0" i="0" u="none" strike="noStrike" spc="-100" dirty="0">
+              <a:rPr lang="en-US" altLang="ko-KR" sz="2800" spc="-100" dirty="0">
+                <a:solidFill>
+                  <a:srgbClr val="006BB1"/>
+                </a:solidFill>
+                <a:latin typeface="나눔바른고딕OTF"/>
+                <a:ea typeface="나눔바른고딕OTF"/>
+              </a:rPr>
+              <a:t>0.4</a:t>
+            </a:r>
+            <a:r>
+              <a:rPr lang="ko-KR" altLang="en-US" sz="2800" spc="-100" dirty="0">
+                <a:solidFill>
+                  <a:srgbClr val="006BB1"/>
+                </a:solidFill>
+                <a:latin typeface="나눔바른고딕OTF"/>
+                <a:ea typeface="나눔바른고딕OTF"/>
+              </a:rPr>
+              <a:t>가 </a:t>
+            </a:r>
+            <a:r>
+              <a:rPr lang="ko-KR" altLang="en-US" sz="2800" spc="-100" dirty="0" err="1">
+                <a:solidFill>
+                  <a:srgbClr val="006BB1"/>
+                </a:solidFill>
+                <a:latin typeface="나눔바른고딕OTF"/>
+                <a:ea typeface="나눔바른고딕OTF"/>
+              </a:rPr>
+              <a:t>최적값</a:t>
+            </a:r>
+            <a:r>
+              <a:rPr lang="en-US" altLang="ko-KR" sz="2800" spc="-100" dirty="0">
+                <a:solidFill>
+                  <a:srgbClr val="006BB1"/>
+                </a:solidFill>
+                <a:latin typeface="나눔바른고딕OTF"/>
+                <a:ea typeface="나눔바른고딕OTF"/>
+              </a:rPr>
+              <a:t>, </a:t>
+            </a:r>
+            <a:r>
+              <a:rPr lang="ko-KR" altLang="en-US" sz="2800" spc="-100" dirty="0">
+                <a:solidFill>
+                  <a:srgbClr val="006BB1"/>
+                </a:solidFill>
+                <a:latin typeface="나눔바른고딕OTF"/>
+                <a:ea typeface="나눔바른고딕OTF"/>
+              </a:rPr>
+              <a:t>하지만 실사용에서는 </a:t>
+            </a:r>
+            <a:r>
+              <a:rPr lang="en-US" altLang="ko-KR" sz="2800" spc="-100" dirty="0">
                 <a:solidFill>
                   <a:srgbClr val="006BB1"/>
                 </a:solidFill>
@@ -7384,7 +8204,7 @@
               <a:t>recall</a:t>
             </a:r>
             <a:r>
-              <a:rPr lang="ko-KR" altLang="en-US" sz="2800" b="0" i="0" u="none" strike="noStrike" spc="-100" dirty="0">
+              <a:rPr lang="ko-KR" altLang="en-US" sz="2800" spc="-100" dirty="0">
                 <a:solidFill>
                   <a:srgbClr val="006BB1"/>
                 </a:solidFill>
@@ -7394,7 +8214,7 @@
               <a:t>이 높은 것이 유리하다고 판단하여 </a:t>
             </a:r>
             <a:r>
-              <a:rPr lang="en-US" altLang="ko-KR" sz="2800" b="0" i="0" u="none" strike="noStrike" spc="-100" dirty="0">
+              <a:rPr lang="en-US" altLang="ko-KR" sz="2800" spc="-100" dirty="0">
                 <a:solidFill>
                   <a:srgbClr val="006BB1"/>
                 </a:solidFill>
@@ -7404,14 +8224,14 @@
               <a:t>0.3</a:t>
             </a:r>
             <a:r>
-              <a:rPr lang="ko-KR" altLang="en-US" sz="2800" b="0" i="0" u="none" strike="noStrike" spc="-100" dirty="0">
-                <a:solidFill>
-                  <a:srgbClr val="006BB1"/>
-                </a:solidFill>
-                <a:latin typeface="나눔바른고딕OTF"/>
-                <a:ea typeface="나눔바른고딕OTF"/>
-              </a:rPr>
-              <a:t>을 선택</a:t>
+              <a:rPr lang="ko-KR" altLang="en-US" sz="2800" spc="-100" dirty="0">
+                <a:solidFill>
+                  <a:srgbClr val="006BB1"/>
+                </a:solidFill>
+                <a:latin typeface="나눔바른고딕OTF"/>
+                <a:ea typeface="나눔바른고딕OTF"/>
+              </a:rPr>
+              <a:t>으로 선택</a:t>
             </a:r>
             <a:endParaRPr lang="ko-KR" sz="2800" b="0" i="0" u="none" strike="noStrike" spc="-100" dirty="0">
               <a:solidFill>
@@ -7740,168 +8560,6 @@
           </a:prstGeom>
         </p:spPr>
       </p:pic>
-      <p:grpSp>
-        <p:nvGrpSpPr>
-          <p:cNvPr id="14" name="그룹 13">
-            <a:extLst>
-              <a:ext uri="{FF2B5EF4-FFF2-40B4-BE49-F238E27FC236}">
-                <a16:creationId xmlns:a16="http://schemas.microsoft.com/office/drawing/2014/main" id="{CCF25219-1DD7-7B6C-1A39-FEFF33C72362}"/>
-              </a:ext>
-            </a:extLst>
-          </p:cNvPr>
-          <p:cNvGrpSpPr>
-            <a:grpSpLocks noChangeAspect="1"/>
-          </p:cNvGrpSpPr>
-          <p:nvPr/>
-        </p:nvGrpSpPr>
-        <p:grpSpPr>
-          <a:xfrm>
-            <a:off x="3744000" y="2571200"/>
-            <a:ext cx="10800000" cy="7200000"/>
-            <a:chOff x="5105400" y="2571200"/>
-            <a:chExt cx="8640000" cy="5760000"/>
-          </a:xfrm>
-        </p:grpSpPr>
-        <p:pic>
-          <p:nvPicPr>
-            <p:cNvPr id="18" name="그림 17">
-              <a:extLst>
-                <a:ext uri="{FF2B5EF4-FFF2-40B4-BE49-F238E27FC236}">
-                  <a16:creationId xmlns:a16="http://schemas.microsoft.com/office/drawing/2014/main" id="{276F965D-3849-EF81-0EB0-7A35FD097648}"/>
-                </a:ext>
-              </a:extLst>
-            </p:cNvPr>
-            <p:cNvPicPr>
-              <a:picLocks noChangeAspect="1"/>
-            </p:cNvPicPr>
-            <p:nvPr/>
-          </p:nvPicPr>
-          <p:blipFill>
-            <a:blip r:embed="rId9">
-              <a:extLst>
-                <a:ext uri="{28A0092B-C50C-407E-A947-70E740481C1C}">
-                  <a14:useLocalDpi xmlns:a14="http://schemas.microsoft.com/office/drawing/2010/main" val="0"/>
-                </a:ext>
-              </a:extLst>
-            </a:blip>
-            <a:stretch>
-              <a:fillRect/>
-            </a:stretch>
-          </p:blipFill>
-          <p:spPr>
-            <a:xfrm>
-              <a:off x="5105400" y="2571200"/>
-              <a:ext cx="8640000" cy="5760000"/>
-            </a:xfrm>
-            <a:prstGeom prst="rect">
-              <a:avLst/>
-            </a:prstGeom>
-            <a:noFill/>
-          </p:spPr>
-        </p:pic>
-        <p:sp>
-          <p:nvSpPr>
-            <p:cNvPr id="13" name="직사각형 12">
-              <a:extLst>
-                <a:ext uri="{FF2B5EF4-FFF2-40B4-BE49-F238E27FC236}">
-                  <a16:creationId xmlns:a16="http://schemas.microsoft.com/office/drawing/2014/main" id="{67C7A976-CFFA-B9B2-EC6E-0EA0B521E7C5}"/>
-                </a:ext>
-              </a:extLst>
-            </p:cNvPr>
-            <p:cNvSpPr/>
-            <p:nvPr/>
-          </p:nvSpPr>
-          <p:spPr>
-            <a:xfrm>
-              <a:off x="5105400" y="2571200"/>
-              <a:ext cx="8640000" cy="5760000"/>
-            </a:xfrm>
-            <a:prstGeom prst="rect">
-              <a:avLst/>
-            </a:prstGeom>
-            <a:blipFill dpi="0" rotWithShape="1">
-              <a:blip r:embed="rId10">
-                <a:alphaModFix amt="50000"/>
-              </a:blip>
-              <a:srcRect/>
-              <a:stretch>
-                <a:fillRect/>
-              </a:stretch>
-            </a:blipFill>
-            <a:ln>
-              <a:noFill/>
-            </a:ln>
-          </p:spPr>
-          <p:style>
-            <a:lnRef idx="2">
-              <a:schemeClr val="accent1">
-                <a:shade val="15000"/>
-              </a:schemeClr>
-            </a:lnRef>
-            <a:fillRef idx="1">
-              <a:schemeClr val="accent1"/>
-            </a:fillRef>
-            <a:effectRef idx="0">
-              <a:schemeClr val="accent1"/>
-            </a:effectRef>
-            <a:fontRef idx="minor">
-              <a:schemeClr val="lt1"/>
-            </a:fontRef>
-          </p:style>
-          <p:txBody>
-            <a:bodyPr rtlCol="0" anchor="ctr"/>
-            <a:lstStyle/>
-            <a:p>
-              <a:pPr algn="ctr"/>
-              <a:endParaRPr lang="ko-KR" altLang="en-US" dirty="0"/>
-            </a:p>
-          </p:txBody>
-        </p:sp>
-      </p:grpSp>
-      <p:cxnSp>
-        <p:nvCxnSpPr>
-          <p:cNvPr id="15" name="직선 연결선 14">
-            <a:extLst>
-              <a:ext uri="{FF2B5EF4-FFF2-40B4-BE49-F238E27FC236}">
-                <a16:creationId xmlns:a16="http://schemas.microsoft.com/office/drawing/2014/main" id="{D751D96E-7AC4-1166-DD81-F002B43B6E2F}"/>
-              </a:ext>
-            </a:extLst>
-          </p:cNvPr>
-          <p:cNvCxnSpPr>
-            <a:cxnSpLocks/>
-          </p:cNvCxnSpPr>
-          <p:nvPr/>
-        </p:nvCxnSpPr>
-        <p:spPr>
-          <a:xfrm flipV="1">
-            <a:off x="7162800" y="3543300"/>
-            <a:ext cx="0" cy="5511800"/>
-          </a:xfrm>
-          <a:prstGeom prst="line">
-            <a:avLst/>
-          </a:prstGeom>
-          <a:ln w="63500">
-            <a:solidFill>
-              <a:srgbClr val="FF0000"/>
-            </a:solidFill>
-            <a:prstDash val="sysDash"/>
-          </a:ln>
-        </p:spPr>
-        <p:style>
-          <a:lnRef idx="1">
-            <a:schemeClr val="accent2"/>
-          </a:lnRef>
-          <a:fillRef idx="0">
-            <a:schemeClr val="accent2"/>
-          </a:fillRef>
-          <a:effectRef idx="0">
-            <a:schemeClr val="accent2"/>
-          </a:effectRef>
-          <a:fontRef idx="minor">
-            <a:schemeClr val="tx1"/>
-          </a:fontRef>
-        </p:style>
-      </p:cxnSp>
       <p:sp>
         <p:nvSpPr>
           <p:cNvPr id="16" name="TextBox 18">
@@ -7934,54 +8592,34 @@
               <a:defRPr/>
             </a:pPr>
             <a:r>
-              <a:rPr lang="ko-KR" altLang="en-US" sz="2800" b="0" i="0" u="none" strike="noStrike" spc="-100" dirty="0">
-                <a:solidFill>
-                  <a:srgbClr val="006BB1"/>
-                </a:solidFill>
-                <a:latin typeface="나눔바른고딕OTF"/>
-                <a:ea typeface="나눔바른고딕OTF"/>
-              </a:rPr>
-              <a:t>실 사용에서는 </a:t>
-            </a:r>
-            <a:r>
-              <a:rPr lang="en-US" altLang="ko-KR" sz="2800" b="0" i="0" u="none" strike="noStrike" spc="-100" dirty="0">
-                <a:solidFill>
-                  <a:srgbClr val="006BB1"/>
-                </a:solidFill>
-                <a:latin typeface="나눔바른고딕OTF"/>
-                <a:ea typeface="나눔바른고딕OTF"/>
-              </a:rPr>
-              <a:t>recall</a:t>
-            </a:r>
-            <a:r>
-              <a:rPr lang="ko-KR" altLang="en-US" sz="2800" b="0" i="0" u="none" strike="noStrike" spc="-100" dirty="0">
-                <a:solidFill>
-                  <a:srgbClr val="006BB1"/>
-                </a:solidFill>
-                <a:latin typeface="나눔바른고딕OTF"/>
-                <a:ea typeface="나눔바른고딕OTF"/>
-              </a:rPr>
-              <a:t>이 높은 것이 유리하다고 판단하여 </a:t>
-            </a:r>
-            <a:r>
-              <a:rPr lang="en-US" altLang="ko-KR" sz="2800" b="0" i="0" u="none" strike="noStrike" spc="-100" dirty="0">
-                <a:solidFill>
-                  <a:srgbClr val="006BB1"/>
-                </a:solidFill>
-                <a:latin typeface="나눔바른고딕OTF"/>
-                <a:ea typeface="나눔바른고딕OTF"/>
-              </a:rPr>
-              <a:t>0.3</a:t>
-            </a:r>
-            <a:r>
-              <a:rPr lang="ko-KR" altLang="en-US" sz="2800" b="0" i="0" u="none" strike="noStrike" spc="-100" dirty="0">
-                <a:solidFill>
-                  <a:srgbClr val="006BB1"/>
-                </a:solidFill>
-                <a:latin typeface="나눔바른고딕OTF"/>
-                <a:ea typeface="나눔바른고딕OTF"/>
-              </a:rPr>
-              <a:t>을 선택</a:t>
+              <a:rPr lang="ko-KR" altLang="en-US" sz="2800" spc="-100" dirty="0">
+                <a:solidFill>
+                  <a:srgbClr val="006BB1"/>
+                </a:solidFill>
+                <a:latin typeface="나눔바른고딕OTF"/>
+                <a:ea typeface="나눔바른고딕OTF"/>
+              </a:rPr>
+              <a:t>선택된 영역은 사용자에게 제시되고</a:t>
+            </a:r>
+            <a:r>
+              <a:rPr lang="en-US" altLang="ko-KR" sz="2800" spc="-100" dirty="0">
+                <a:solidFill>
+                  <a:srgbClr val="006BB1"/>
+                </a:solidFill>
+                <a:latin typeface="나눔바른고딕OTF"/>
+                <a:ea typeface="나눔바른고딕OTF"/>
+              </a:rPr>
+              <a:t>, </a:t>
+            </a:r>
+            <a:r>
+              <a:rPr lang="ko-KR" altLang="en-US" sz="2800" spc="-100" dirty="0">
+                <a:solidFill>
+                  <a:srgbClr val="006BB1"/>
+                </a:solidFill>
+                <a:latin typeface="나눔바른고딕OTF"/>
+                <a:ea typeface="나눔바른고딕OTF"/>
+              </a:rPr>
+              <a:t>사용자가 선택할 수 있기 때문</a:t>
             </a:r>
             <a:endParaRPr lang="ko-KR" sz="2800" b="0" i="0" u="none" strike="noStrike" spc="-100" dirty="0">
               <a:solidFill>
@@ -7990,6 +8628,314 @@
               <a:latin typeface="나눔바른고딕OTF"/>
               <a:ea typeface="나눔바른고딕OTF"/>
             </a:endParaRPr>
+          </a:p>
+        </p:txBody>
+      </p:sp>
+      <p:pic>
+        <p:nvPicPr>
+          <p:cNvPr id="19" name="그림 18">
+            <a:extLst>
+              <a:ext uri="{FF2B5EF4-FFF2-40B4-BE49-F238E27FC236}">
+                <a16:creationId xmlns:a16="http://schemas.microsoft.com/office/drawing/2014/main" id="{150D1192-1948-6DB9-90E5-C2CE1FDF88D2}"/>
+              </a:ext>
+            </a:extLst>
+          </p:cNvPr>
+          <p:cNvPicPr>
+            <a:picLocks noChangeAspect="1"/>
+          </p:cNvPicPr>
+          <p:nvPr/>
+        </p:nvPicPr>
+        <p:blipFill>
+          <a:blip r:embed="rId9">
+            <a:extLst>
+              <a:ext uri="{28A0092B-C50C-407E-A947-70E740481C1C}">
+                <a14:useLocalDpi xmlns:a14="http://schemas.microsoft.com/office/drawing/2010/main" val="0"/>
+              </a:ext>
+            </a:extLst>
+          </a:blip>
+          <a:stretch>
+            <a:fillRect/>
+          </a:stretch>
+        </p:blipFill>
+        <p:spPr>
+          <a:xfrm>
+            <a:off x="3750001" y="3086100"/>
+            <a:ext cx="4799999" cy="5760000"/>
+          </a:xfrm>
+          <a:prstGeom prst="rect">
+            <a:avLst/>
+          </a:prstGeom>
+        </p:spPr>
+      </p:pic>
+      <p:pic>
+        <p:nvPicPr>
+          <p:cNvPr id="21" name="그림 20">
+            <a:extLst>
+              <a:ext uri="{FF2B5EF4-FFF2-40B4-BE49-F238E27FC236}">
+                <a16:creationId xmlns:a16="http://schemas.microsoft.com/office/drawing/2014/main" id="{780A0731-BAFE-0484-B15B-E947AC08FD07}"/>
+              </a:ext>
+            </a:extLst>
+          </p:cNvPr>
+          <p:cNvPicPr>
+            <a:picLocks noChangeAspect="1"/>
+          </p:cNvPicPr>
+          <p:nvPr/>
+        </p:nvPicPr>
+        <p:blipFill>
+          <a:blip r:embed="rId10">
+            <a:extLst>
+              <a:ext uri="{28A0092B-C50C-407E-A947-70E740481C1C}">
+                <a14:useLocalDpi xmlns:a14="http://schemas.microsoft.com/office/drawing/2010/main" val="0"/>
+              </a:ext>
+            </a:extLst>
+          </a:blip>
+          <a:stretch>
+            <a:fillRect/>
+          </a:stretch>
+        </p:blipFill>
+        <p:spPr>
+          <a:xfrm>
+            <a:off x="10358766" y="8123600"/>
+            <a:ext cx="2880000" cy="720000"/>
+          </a:xfrm>
+          <a:prstGeom prst="rect">
+            <a:avLst/>
+          </a:prstGeom>
+        </p:spPr>
+      </p:pic>
+      <p:pic>
+        <p:nvPicPr>
+          <p:cNvPr id="23" name="그림 22">
+            <a:extLst>
+              <a:ext uri="{FF2B5EF4-FFF2-40B4-BE49-F238E27FC236}">
+                <a16:creationId xmlns:a16="http://schemas.microsoft.com/office/drawing/2014/main" id="{EEB28858-F43F-5934-C6D4-169CA1D812C7}"/>
+              </a:ext>
+            </a:extLst>
+          </p:cNvPr>
+          <p:cNvPicPr>
+            <a:picLocks noChangeAspect="1"/>
+          </p:cNvPicPr>
+          <p:nvPr/>
+        </p:nvPicPr>
+        <p:blipFill>
+          <a:blip r:embed="rId11">
+            <a:extLst>
+              <a:ext uri="{28A0092B-C50C-407E-A947-70E740481C1C}">
+                <a14:useLocalDpi xmlns:a14="http://schemas.microsoft.com/office/drawing/2010/main" val="0"/>
+              </a:ext>
+            </a:extLst>
+          </a:blip>
+          <a:stretch>
+            <a:fillRect/>
+          </a:stretch>
+        </p:blipFill>
+        <p:spPr>
+          <a:xfrm>
+            <a:off x="10358766" y="3086100"/>
+            <a:ext cx="2880000" cy="4450909"/>
+          </a:xfrm>
+          <a:prstGeom prst="rect">
+            <a:avLst/>
+          </a:prstGeom>
+        </p:spPr>
+      </p:pic>
+      <p:cxnSp>
+        <p:nvCxnSpPr>
+          <p:cNvPr id="27" name="직선 화살표 연결선 26">
+            <a:extLst>
+              <a:ext uri="{FF2B5EF4-FFF2-40B4-BE49-F238E27FC236}">
+                <a16:creationId xmlns:a16="http://schemas.microsoft.com/office/drawing/2014/main" id="{A11B2FA0-F426-5F66-4B97-A3D8A33A6F16}"/>
+              </a:ext>
+            </a:extLst>
+          </p:cNvPr>
+          <p:cNvCxnSpPr>
+            <a:cxnSpLocks/>
+            <a:endCxn id="23" idx="1"/>
+          </p:cNvCxnSpPr>
+          <p:nvPr/>
+        </p:nvCxnSpPr>
+        <p:spPr>
+          <a:xfrm>
+            <a:off x="6084925" y="4583222"/>
+            <a:ext cx="4273841" cy="728333"/>
+          </a:xfrm>
+          <a:prstGeom prst="straightConnector1">
+            <a:avLst/>
+          </a:prstGeom>
+          <a:ln w="50800">
+            <a:solidFill>
+              <a:srgbClr val="FF0000"/>
+            </a:solidFill>
+            <a:tailEnd type="triangle"/>
+          </a:ln>
+        </p:spPr>
+        <p:style>
+          <a:lnRef idx="1">
+            <a:schemeClr val="accent1"/>
+          </a:lnRef>
+          <a:fillRef idx="0">
+            <a:schemeClr val="accent1"/>
+          </a:fillRef>
+          <a:effectRef idx="0">
+            <a:schemeClr val="accent1"/>
+          </a:effectRef>
+          <a:fontRef idx="minor">
+            <a:schemeClr val="tx1"/>
+          </a:fontRef>
+        </p:style>
+      </p:cxnSp>
+      <p:cxnSp>
+        <p:nvCxnSpPr>
+          <p:cNvPr id="28" name="직선 화살표 연결선 27">
+            <a:extLst>
+              <a:ext uri="{FF2B5EF4-FFF2-40B4-BE49-F238E27FC236}">
+                <a16:creationId xmlns:a16="http://schemas.microsoft.com/office/drawing/2014/main" id="{BDE19BE8-D62B-8F64-17A1-55FFD8E9A851}"/>
+              </a:ext>
+            </a:extLst>
+          </p:cNvPr>
+          <p:cNvCxnSpPr>
+            <a:cxnSpLocks/>
+            <a:endCxn id="21" idx="1"/>
+          </p:cNvCxnSpPr>
+          <p:nvPr/>
+        </p:nvCxnSpPr>
+        <p:spPr>
+          <a:xfrm>
+            <a:off x="6172200" y="6035455"/>
+            <a:ext cx="4186566" cy="2448145"/>
+          </a:xfrm>
+          <a:prstGeom prst="straightConnector1">
+            <a:avLst/>
+          </a:prstGeom>
+          <a:ln w="50800">
+            <a:solidFill>
+              <a:srgbClr val="00B050"/>
+            </a:solidFill>
+            <a:tailEnd type="triangle"/>
+          </a:ln>
+        </p:spPr>
+        <p:style>
+          <a:lnRef idx="1">
+            <a:schemeClr val="accent1"/>
+          </a:lnRef>
+          <a:fillRef idx="0">
+            <a:schemeClr val="accent1"/>
+          </a:fillRef>
+          <a:effectRef idx="0">
+            <a:schemeClr val="accent1"/>
+          </a:effectRef>
+          <a:fontRef idx="minor">
+            <a:schemeClr val="tx1"/>
+          </a:fontRef>
+        </p:style>
+      </p:cxnSp>
+      <p:sp>
+        <p:nvSpPr>
+          <p:cNvPr id="32" name="TextBox 18">
+            <a:extLst>
+              <a:ext uri="{FF2B5EF4-FFF2-40B4-BE49-F238E27FC236}">
+                <a16:creationId xmlns:a16="http://schemas.microsoft.com/office/drawing/2014/main" id="{A3BFEC4F-F106-85E3-5F8F-24929EB1EF1D}"/>
+              </a:ext>
+            </a:extLst>
+          </p:cNvPr>
+          <p:cNvSpPr txBox="1"/>
+          <p:nvPr/>
+        </p:nvSpPr>
+        <p:spPr>
+          <a:xfrm>
+            <a:off x="4930800" y="8892391"/>
+            <a:ext cx="2438400" cy="355600"/>
+          </a:xfrm>
+          <a:prstGeom prst="rect">
+            <a:avLst/>
+          </a:prstGeom>
+        </p:spPr>
+        <p:txBody>
+          <a:bodyPr lIns="0" tIns="0" rIns="0" bIns="0" anchor="ctr"/>
+          <a:lstStyle/>
+          <a:p>
+            <a:pPr lvl="0" algn="ctr">
+              <a:lnSpc>
+                <a:spcPct val="149400"/>
+              </a:lnSpc>
+              <a:defRPr/>
+            </a:pPr>
+            <a:r>
+              <a:rPr lang="en-US" altLang="ko-KR" sz="2000" b="1" i="0" u="none" strike="noStrike" spc="-100" dirty="0">
+                <a:latin typeface="나눔바른고딕OTF"/>
+                <a:ea typeface="나눔바른고딕OTF"/>
+              </a:rPr>
+              <a:t>[ </a:t>
+            </a:r>
+            <a:r>
+              <a:rPr lang="ko-KR" altLang="en-US" sz="2000" b="1" spc="-100" dirty="0">
+                <a:latin typeface="나눔바른고딕OTF"/>
+                <a:ea typeface="나눔바른고딕OTF"/>
+              </a:rPr>
+              <a:t>입력 이미지 </a:t>
+            </a:r>
+            <a:r>
+              <a:rPr lang="en-US" altLang="ko-KR" sz="2000" b="1" i="0" u="none" strike="noStrike" spc="-100" dirty="0">
+                <a:latin typeface="나눔바른고딕OTF"/>
+                <a:ea typeface="나눔바른고딕OTF"/>
+              </a:rPr>
+              <a:t>]</a:t>
+            </a:r>
+          </a:p>
+        </p:txBody>
+      </p:sp>
+      <p:sp>
+        <p:nvSpPr>
+          <p:cNvPr id="33" name="TextBox 18">
+            <a:extLst>
+              <a:ext uri="{FF2B5EF4-FFF2-40B4-BE49-F238E27FC236}">
+                <a16:creationId xmlns:a16="http://schemas.microsoft.com/office/drawing/2014/main" id="{98430DFA-51A6-A2C4-D535-CE0C90E1B65C}"/>
+              </a:ext>
+            </a:extLst>
+          </p:cNvPr>
+          <p:cNvSpPr txBox="1"/>
+          <p:nvPr/>
+        </p:nvSpPr>
+        <p:spPr>
+          <a:xfrm>
+            <a:off x="9998890" y="8710191"/>
+            <a:ext cx="3599751" cy="719999"/>
+          </a:xfrm>
+          <a:prstGeom prst="rect">
+            <a:avLst/>
+          </a:prstGeom>
+        </p:spPr>
+        <p:txBody>
+          <a:bodyPr lIns="0" tIns="0" rIns="0" bIns="0" anchor="ctr"/>
+          <a:lstStyle/>
+          <a:p>
+            <a:pPr lvl="0" algn="ctr">
+              <a:lnSpc>
+                <a:spcPct val="149400"/>
+              </a:lnSpc>
+              <a:defRPr/>
+            </a:pPr>
+            <a:r>
+              <a:rPr lang="en-US" altLang="ko-KR" sz="2000" b="1" i="0" u="none" strike="noStrike" spc="-100" dirty="0">
+                <a:latin typeface="나눔바른고딕OTF"/>
+                <a:ea typeface="나눔바른고딕OTF"/>
+              </a:rPr>
+              <a:t>[ </a:t>
+            </a:r>
+            <a:r>
+              <a:rPr lang="ko-KR" altLang="en-US" sz="2000" b="1" i="0" u="none" strike="noStrike" spc="-100" dirty="0">
+                <a:latin typeface="나눔바른고딕OTF"/>
+                <a:ea typeface="나눔바른고딕OTF"/>
+              </a:rPr>
+              <a:t>사용자에게 제시되는 이미지 </a:t>
+            </a:r>
+            <a:r>
+              <a:rPr lang="en-US" altLang="ko-KR" sz="2000" b="1" i="0" u="none" strike="noStrike" spc="-100" dirty="0">
+                <a:latin typeface="나눔바른고딕OTF"/>
+                <a:ea typeface="나눔바른고딕OTF"/>
+              </a:rPr>
+              <a:t>]</a:t>
+            </a:r>
           </a:p>
         </p:txBody>
       </p:sp>
@@ -8352,14 +9298,14 @@
           <p:nvPr>
             <p:extLst>
               <p:ext uri="{D42A27DB-BD31-4B8C-83A1-F6EECF244321}">
-                <p14:modId xmlns:p14="http://schemas.microsoft.com/office/powerpoint/2010/main" val="4066679695"/>
+                <p14:modId xmlns:p14="http://schemas.microsoft.com/office/powerpoint/2010/main" val="3431746541"/>
               </p:ext>
             </p:extLst>
           </p:nvPr>
         </p:nvGraphicFramePr>
         <p:xfrm>
           <a:off x="8549698" y="1495256"/>
-          <a:ext cx="6912000" cy="7267744"/>
+          <a:ext cx="7092000" cy="7267744"/>
         </p:xfrm>
         <a:graphic>
           <a:graphicData uri="http://schemas.openxmlformats.org/drawingml/2006/table">
@@ -8375,21 +9321,21 @@
                     </a:ext>
                   </a:extLst>
                 </a:gridCol>
-                <a:gridCol w="2088000">
+                <a:gridCol w="2196000">
                   <a:extLst>
                     <a:ext uri="{9D8B030D-6E8A-4147-A177-3AD203B41FA5}">
                       <a16:colId xmlns:a16="http://schemas.microsoft.com/office/drawing/2014/main" val="3677000428"/>
                     </a:ext>
                   </a:extLst>
                 </a:gridCol>
-                <a:gridCol w="1584000">
+                <a:gridCol w="1620000">
                   <a:extLst>
                     <a:ext uri="{9D8B030D-6E8A-4147-A177-3AD203B41FA5}">
                       <a16:colId xmlns:a16="http://schemas.microsoft.com/office/drawing/2014/main" val="1163060166"/>
                     </a:ext>
                   </a:extLst>
                 </a:gridCol>
-                <a:gridCol w="1584000">
+                <a:gridCol w="1620000">
                   <a:extLst>
                     <a:ext uri="{9D8B030D-6E8A-4147-A177-3AD203B41FA5}">
                       <a16:colId xmlns:a16="http://schemas.microsoft.com/office/drawing/2014/main" val="3464062391"/>
@@ -8409,6 +9355,8 @@
                           <a:solidFill>
                             <a:schemeClr val="tx1"/>
                           </a:solidFill>
+                          <a:latin typeface="나눔바른고딕OTF" panose="02020603020101020101" pitchFamily="18" charset="-127"/>
+                          <a:ea typeface="나눔바른고딕OTF" panose="02020603020101020101" pitchFamily="18" charset="-127"/>
                         </a:rPr>
                         <a:t>카테고리</a:t>
                       </a:r>
@@ -8427,6 +9375,8 @@
                           <a:solidFill>
                             <a:schemeClr val="tx1"/>
                           </a:solidFill>
+                          <a:latin typeface="나눔바른고딕OTF" panose="02020603020101020101" pitchFamily="18" charset="-127"/>
+                          <a:ea typeface="나눔바른고딕OTF" panose="02020603020101020101" pitchFamily="18" charset="-127"/>
                         </a:rPr>
                         <a:t>품목</a:t>
                       </a:r>
@@ -8445,6 +9395,8 @@
                           <a:solidFill>
                             <a:schemeClr val="tx1"/>
                           </a:solidFill>
+                          <a:latin typeface="나눔바른고딕OTF" panose="02020603020101020101" pitchFamily="18" charset="-127"/>
+                          <a:ea typeface="나눔바른고딕OTF" panose="02020603020101020101" pitchFamily="18" charset="-127"/>
                         </a:rPr>
                         <a:t>착용 사진</a:t>
                       </a:r>
@@ -8463,6 +9415,8 @@
                           <a:solidFill>
                             <a:schemeClr val="tx1"/>
                           </a:solidFill>
+                          <a:latin typeface="나눔바른고딕OTF" panose="02020603020101020101" pitchFamily="18" charset="-127"/>
+                          <a:ea typeface="나눔바른고딕OTF" panose="02020603020101020101" pitchFamily="18" charset="-127"/>
                         </a:rPr>
                         <a:t>제품 사진</a:t>
                       </a:r>
@@ -8484,7 +9438,10 @@
                     <a:p>
                       <a:pPr algn="ctr" latinLnBrk="1"/>
                       <a:r>
-                        <a:rPr lang="ko-KR" altLang="en-US" dirty="0"/>
+                        <a:rPr lang="ko-KR" altLang="en-US" sz="2400" dirty="0">
+                          <a:latin typeface="나눔바른고딕OTF" panose="02020603020101020101" pitchFamily="18" charset="-127"/>
+                          <a:ea typeface="나눔바른고딕OTF" panose="02020603020101020101" pitchFamily="18" charset="-127"/>
+                        </a:rPr>
                         <a:t>상의</a:t>
                       </a:r>
                     </a:p>
@@ -8498,17 +9455,21 @@
                     <a:p>
                       <a:pPr algn="l" latinLnBrk="1"/>
                       <a:r>
-                        <a:rPr lang="ko-KR" altLang="en-US" sz="2100" dirty="0" err="1">
+                        <a:rPr lang="ko-KR" altLang="en-US" sz="2200" dirty="0" err="1">
                           <a:solidFill>
                             <a:schemeClr val="tx1"/>
                           </a:solidFill>
+                          <a:latin typeface="나눔바른고딕OTF" panose="02020603020101020101" pitchFamily="18" charset="-127"/>
+                          <a:ea typeface="나눔바른고딕OTF" panose="02020603020101020101" pitchFamily="18" charset="-127"/>
                         </a:rPr>
                         <a:t>긴소매</a:t>
                       </a:r>
-                      <a:endParaRPr lang="ko-KR" altLang="en-US" sz="2100" dirty="0">
+                      <a:endParaRPr lang="ko-KR" altLang="en-US" sz="2200" dirty="0">
                         <a:solidFill>
                           <a:schemeClr val="tx1"/>
                         </a:solidFill>
+                        <a:latin typeface="나눔바른고딕OTF" panose="02020603020101020101" pitchFamily="18" charset="-127"/>
+                        <a:ea typeface="나눔바른고딕OTF" panose="02020603020101020101" pitchFamily="18" charset="-127"/>
                       </a:endParaRPr>
                     </a:p>
                   </a:txBody>
@@ -8521,17 +9482,21 @@
                     <a:p>
                       <a:pPr algn="ctr" latinLnBrk="1"/>
                       <a:r>
-                        <a:rPr lang="en-US" altLang="ko-KR" sz="2100" dirty="0">
+                        <a:rPr lang="en-US" altLang="ko-KR" sz="2200" dirty="0">
                           <a:solidFill>
                             <a:schemeClr val="tx1"/>
                           </a:solidFill>
+                          <a:latin typeface="나눔바른고딕OTF" panose="02020603020101020101" pitchFamily="18" charset="-127"/>
+                          <a:ea typeface="나눔바른고딕OTF" panose="02020603020101020101" pitchFamily="18" charset="-127"/>
                         </a:rPr>
                         <a:t>90</a:t>
                       </a:r>
-                      <a:endParaRPr lang="ko-KR" altLang="en-US" sz="2100" dirty="0">
+                      <a:endParaRPr lang="ko-KR" altLang="en-US" sz="2200" dirty="0">
                         <a:solidFill>
                           <a:schemeClr val="tx1"/>
                         </a:solidFill>
+                        <a:latin typeface="나눔바른고딕OTF" panose="02020603020101020101" pitchFamily="18" charset="-127"/>
+                        <a:ea typeface="나눔바른고딕OTF" panose="02020603020101020101" pitchFamily="18" charset="-127"/>
                       </a:endParaRPr>
                     </a:p>
                   </a:txBody>
@@ -8544,17 +9509,21 @@
                     <a:p>
                       <a:pPr algn="ctr" latinLnBrk="1"/>
                       <a:r>
-                        <a:rPr lang="en-US" altLang="ko-KR" sz="2100" dirty="0">
+                        <a:rPr lang="en-US" altLang="ko-KR" sz="2200" dirty="0">
                           <a:solidFill>
                             <a:schemeClr val="tx1"/>
                           </a:solidFill>
+                          <a:latin typeface="나눔바른고딕OTF" panose="02020603020101020101" pitchFamily="18" charset="-127"/>
+                          <a:ea typeface="나눔바른고딕OTF" panose="02020603020101020101" pitchFamily="18" charset="-127"/>
                         </a:rPr>
                         <a:t>90</a:t>
                       </a:r>
-                      <a:endParaRPr lang="ko-KR" altLang="en-US" sz="2100" dirty="0">
+                      <a:endParaRPr lang="ko-KR" altLang="en-US" sz="2200" dirty="0">
                         <a:solidFill>
                           <a:schemeClr val="tx1"/>
                         </a:solidFill>
+                        <a:latin typeface="나눔바른고딕OTF" panose="02020603020101020101" pitchFamily="18" charset="-127"/>
+                        <a:ea typeface="나눔바른고딕OTF" panose="02020603020101020101" pitchFamily="18" charset="-127"/>
                       </a:endParaRPr>
                     </a:p>
                   </a:txBody>
@@ -8585,26 +9554,32 @@
                     <a:p>
                       <a:pPr algn="l" latinLnBrk="1"/>
                       <a:r>
-                        <a:rPr lang="ko-KR" altLang="en-US" sz="2100" dirty="0">
+                        <a:rPr lang="ko-KR" altLang="en-US" sz="2200" dirty="0">
                           <a:solidFill>
                             <a:schemeClr val="tx1"/>
                           </a:solidFill>
+                          <a:latin typeface="나눔바른고딕OTF" panose="02020603020101020101" pitchFamily="18" charset="-127"/>
+                          <a:ea typeface="나눔바른고딕OTF" panose="02020603020101020101" pitchFamily="18" charset="-127"/>
                         </a:rPr>
                         <a:t>셔츠</a:t>
                       </a:r>
                       <a:r>
-                        <a:rPr lang="en-US" altLang="ko-KR" sz="2100" dirty="0">
+                        <a:rPr lang="en-US" altLang="ko-KR" sz="2200" dirty="0">
                           <a:solidFill>
                             <a:schemeClr val="tx1"/>
                           </a:solidFill>
+                          <a:latin typeface="나눔바른고딕OTF" panose="02020603020101020101" pitchFamily="18" charset="-127"/>
+                          <a:ea typeface="나눔바른고딕OTF" panose="02020603020101020101" pitchFamily="18" charset="-127"/>
                         </a:rPr>
                         <a:t>&amp;</a:t>
                       </a:r>
                       <a:r>
-                        <a:rPr lang="ko-KR" altLang="en-US" sz="2100" dirty="0">
+                        <a:rPr lang="ko-KR" altLang="en-US" sz="2200" dirty="0">
                           <a:solidFill>
                             <a:schemeClr val="tx1"/>
                           </a:solidFill>
+                          <a:latin typeface="나눔바른고딕OTF" panose="02020603020101020101" pitchFamily="18" charset="-127"/>
+                          <a:ea typeface="나눔바른고딕OTF" panose="02020603020101020101" pitchFamily="18" charset="-127"/>
                         </a:rPr>
                         <a:t>블라우스</a:t>
                       </a:r>
@@ -8619,17 +9594,21 @@
                     <a:p>
                       <a:pPr algn="ctr" latinLnBrk="1"/>
                       <a:r>
-                        <a:rPr lang="en-US" altLang="ko-KR" sz="2100" dirty="0">
+                        <a:rPr lang="en-US" altLang="ko-KR" sz="2200" dirty="0">
                           <a:solidFill>
                             <a:schemeClr val="tx1"/>
                           </a:solidFill>
+                          <a:latin typeface="나눔바른고딕OTF" panose="02020603020101020101" pitchFamily="18" charset="-127"/>
+                          <a:ea typeface="나눔바른고딕OTF" panose="02020603020101020101" pitchFamily="18" charset="-127"/>
                         </a:rPr>
                         <a:t>30</a:t>
                       </a:r>
-                      <a:endParaRPr lang="ko-KR" altLang="en-US" sz="2100" dirty="0">
+                      <a:endParaRPr lang="ko-KR" altLang="en-US" sz="2200" dirty="0">
                         <a:solidFill>
                           <a:schemeClr val="tx1"/>
                         </a:solidFill>
+                        <a:latin typeface="나눔바른고딕OTF" panose="02020603020101020101" pitchFamily="18" charset="-127"/>
+                        <a:ea typeface="나눔바른고딕OTF" panose="02020603020101020101" pitchFamily="18" charset="-127"/>
                       </a:endParaRPr>
                     </a:p>
                   </a:txBody>
@@ -8642,17 +9621,21 @@
                     <a:p>
                       <a:pPr algn="ctr" latinLnBrk="1"/>
                       <a:r>
-                        <a:rPr lang="en-US" altLang="ko-KR" sz="2100" dirty="0">
+                        <a:rPr lang="en-US" altLang="ko-KR" sz="2200" dirty="0">
                           <a:solidFill>
                             <a:schemeClr val="tx1"/>
                           </a:solidFill>
+                          <a:latin typeface="나눔바른고딕OTF" panose="02020603020101020101" pitchFamily="18" charset="-127"/>
+                          <a:ea typeface="나눔바른고딕OTF" panose="02020603020101020101" pitchFamily="18" charset="-127"/>
                         </a:rPr>
                         <a:t>30</a:t>
                       </a:r>
-                      <a:endParaRPr lang="ko-KR" altLang="en-US" sz="2100" dirty="0">
+                      <a:endParaRPr lang="ko-KR" altLang="en-US" sz="2200" dirty="0">
                         <a:solidFill>
                           <a:schemeClr val="tx1"/>
                         </a:solidFill>
+                        <a:latin typeface="나눔바른고딕OTF" panose="02020603020101020101" pitchFamily="18" charset="-127"/>
+                        <a:ea typeface="나눔바른고딕OTF" panose="02020603020101020101" pitchFamily="18" charset="-127"/>
                       </a:endParaRPr>
                     </a:p>
                   </a:txBody>
@@ -8683,10 +9666,12 @@
                     <a:p>
                       <a:pPr algn="l" latinLnBrk="1"/>
                       <a:r>
-                        <a:rPr lang="ko-KR" altLang="en-US" sz="2100" dirty="0">
+                        <a:rPr lang="ko-KR" altLang="en-US" sz="2200" dirty="0">
                           <a:solidFill>
                             <a:schemeClr val="tx1"/>
                           </a:solidFill>
+                          <a:latin typeface="나눔바른고딕OTF" panose="02020603020101020101" pitchFamily="18" charset="-127"/>
+                          <a:ea typeface="나눔바른고딕OTF" panose="02020603020101020101" pitchFamily="18" charset="-127"/>
                         </a:rPr>
                         <a:t>반소매</a:t>
                       </a:r>
@@ -8701,17 +9686,21 @@
                     <a:p>
                       <a:pPr algn="ctr" latinLnBrk="1"/>
                       <a:r>
-                        <a:rPr lang="en-US" altLang="ko-KR" sz="2100" dirty="0">
+                        <a:rPr lang="en-US" altLang="ko-KR" sz="2200" dirty="0">
                           <a:solidFill>
                             <a:schemeClr val="tx1"/>
                           </a:solidFill>
+                          <a:latin typeface="나눔바른고딕OTF" panose="02020603020101020101" pitchFamily="18" charset="-127"/>
+                          <a:ea typeface="나눔바른고딕OTF" panose="02020603020101020101" pitchFamily="18" charset="-127"/>
                         </a:rPr>
                         <a:t>30</a:t>
                       </a:r>
-                      <a:endParaRPr lang="ko-KR" altLang="en-US" sz="2100" dirty="0">
+                      <a:endParaRPr lang="ko-KR" altLang="en-US" sz="2200" dirty="0">
                         <a:solidFill>
                           <a:schemeClr val="tx1"/>
                         </a:solidFill>
+                        <a:latin typeface="나눔바른고딕OTF" panose="02020603020101020101" pitchFamily="18" charset="-127"/>
+                        <a:ea typeface="나눔바른고딕OTF" panose="02020603020101020101" pitchFamily="18" charset="-127"/>
                       </a:endParaRPr>
                     </a:p>
                   </a:txBody>
@@ -8724,17 +9713,21 @@
                     <a:p>
                       <a:pPr algn="ctr" latinLnBrk="1"/>
                       <a:r>
-                        <a:rPr lang="en-US" altLang="ko-KR" sz="2100" dirty="0">
+                        <a:rPr lang="en-US" altLang="ko-KR" sz="2200" dirty="0">
                           <a:solidFill>
                             <a:schemeClr val="tx1"/>
                           </a:solidFill>
+                          <a:latin typeface="나눔바른고딕OTF" panose="02020603020101020101" pitchFamily="18" charset="-127"/>
+                          <a:ea typeface="나눔바른고딕OTF" panose="02020603020101020101" pitchFamily="18" charset="-127"/>
                         </a:rPr>
                         <a:t>30</a:t>
                       </a:r>
-                      <a:endParaRPr lang="ko-KR" altLang="en-US" sz="2100" dirty="0">
+                      <a:endParaRPr lang="ko-KR" altLang="en-US" sz="2200" dirty="0">
                         <a:solidFill>
                           <a:schemeClr val="tx1"/>
                         </a:solidFill>
+                        <a:latin typeface="나눔바른고딕OTF" panose="02020603020101020101" pitchFamily="18" charset="-127"/>
+                        <a:ea typeface="나눔바른고딕OTF" panose="02020603020101020101" pitchFamily="18" charset="-127"/>
                       </a:endParaRPr>
                     </a:p>
                   </a:txBody>
@@ -8765,10 +9758,12 @@
                     <a:p>
                       <a:pPr algn="l" latinLnBrk="1"/>
                       <a:r>
-                        <a:rPr lang="ko-KR" altLang="en-US" sz="2100" dirty="0">
+                        <a:rPr lang="ko-KR" altLang="en-US" sz="2200" dirty="0">
                           <a:solidFill>
                             <a:schemeClr val="tx1"/>
                           </a:solidFill>
+                          <a:latin typeface="나눔바른고딕OTF" panose="02020603020101020101" pitchFamily="18" charset="-127"/>
+                          <a:ea typeface="나눔바른고딕OTF" panose="02020603020101020101" pitchFamily="18" charset="-127"/>
                         </a:rPr>
                         <a:t>민소매</a:t>
                       </a:r>
@@ -8783,17 +9778,21 @@
                     <a:p>
                       <a:pPr algn="ctr" latinLnBrk="1"/>
                       <a:r>
-                        <a:rPr lang="en-US" altLang="ko-KR" sz="2100" dirty="0">
+                        <a:rPr lang="en-US" altLang="ko-KR" sz="2200" dirty="0">
                           <a:solidFill>
                             <a:schemeClr val="tx1"/>
                           </a:solidFill>
+                          <a:latin typeface="나눔바른고딕OTF" panose="02020603020101020101" pitchFamily="18" charset="-127"/>
+                          <a:ea typeface="나눔바른고딕OTF" panose="02020603020101020101" pitchFamily="18" charset="-127"/>
                         </a:rPr>
                         <a:t>30</a:t>
                       </a:r>
-                      <a:endParaRPr lang="ko-KR" altLang="en-US" sz="2100" dirty="0">
+                      <a:endParaRPr lang="ko-KR" altLang="en-US" sz="2200" dirty="0">
                         <a:solidFill>
                           <a:schemeClr val="tx1"/>
                         </a:solidFill>
+                        <a:latin typeface="나눔바른고딕OTF" panose="02020603020101020101" pitchFamily="18" charset="-127"/>
+                        <a:ea typeface="나눔바른고딕OTF" panose="02020603020101020101" pitchFamily="18" charset="-127"/>
                       </a:endParaRPr>
                     </a:p>
                   </a:txBody>
@@ -8806,17 +9805,21 @@
                     <a:p>
                       <a:pPr algn="ctr" latinLnBrk="1"/>
                       <a:r>
-                        <a:rPr lang="en-US" altLang="ko-KR" sz="2100" dirty="0">
+                        <a:rPr lang="en-US" altLang="ko-KR" sz="2200" dirty="0">
                           <a:solidFill>
                             <a:schemeClr val="tx1"/>
                           </a:solidFill>
+                          <a:latin typeface="나눔바른고딕OTF" panose="02020603020101020101" pitchFamily="18" charset="-127"/>
+                          <a:ea typeface="나눔바른고딕OTF" panose="02020603020101020101" pitchFamily="18" charset="-127"/>
                         </a:rPr>
                         <a:t>30</a:t>
                       </a:r>
-                      <a:endParaRPr lang="ko-KR" altLang="en-US" sz="2100" dirty="0">
+                      <a:endParaRPr lang="ko-KR" altLang="en-US" sz="2200" dirty="0">
                         <a:solidFill>
                           <a:schemeClr val="tx1"/>
                         </a:solidFill>
+                        <a:latin typeface="나눔바른고딕OTF" panose="02020603020101020101" pitchFamily="18" charset="-127"/>
+                        <a:ea typeface="나눔바른고딕OTF" panose="02020603020101020101" pitchFamily="18" charset="-127"/>
                       </a:endParaRPr>
                     </a:p>
                   </a:txBody>
@@ -8847,26 +9850,32 @@
                     <a:p>
                       <a:pPr algn="l" latinLnBrk="1"/>
                       <a:r>
-                        <a:rPr lang="ko-KR" altLang="en-US" sz="2100" dirty="0">
+                        <a:rPr lang="ko-KR" altLang="en-US" sz="2200" dirty="0">
                           <a:solidFill>
                             <a:schemeClr val="tx1"/>
                           </a:solidFill>
+                          <a:latin typeface="나눔바른고딕OTF" panose="02020603020101020101" pitchFamily="18" charset="-127"/>
+                          <a:ea typeface="나눔바른고딕OTF" panose="02020603020101020101" pitchFamily="18" charset="-127"/>
                         </a:rPr>
                         <a:t>니트</a:t>
                       </a:r>
                       <a:r>
-                        <a:rPr lang="en-US" altLang="ko-KR" sz="2100" dirty="0">
+                        <a:rPr lang="en-US" altLang="ko-KR" sz="2200" dirty="0">
                           <a:solidFill>
                             <a:schemeClr val="tx1"/>
                           </a:solidFill>
+                          <a:latin typeface="나눔바른고딕OTF" panose="02020603020101020101" pitchFamily="18" charset="-127"/>
+                          <a:ea typeface="나눔바른고딕OTF" panose="02020603020101020101" pitchFamily="18" charset="-127"/>
                         </a:rPr>
                         <a:t>&amp;</a:t>
                       </a:r>
                       <a:r>
-                        <a:rPr lang="ko-KR" altLang="en-US" sz="2100" dirty="0">
+                        <a:rPr lang="ko-KR" altLang="en-US" sz="2200" dirty="0">
                           <a:solidFill>
                             <a:schemeClr val="tx1"/>
                           </a:solidFill>
+                          <a:latin typeface="나눔바른고딕OTF" panose="02020603020101020101" pitchFamily="18" charset="-127"/>
+                          <a:ea typeface="나눔바른고딕OTF" panose="02020603020101020101" pitchFamily="18" charset="-127"/>
                         </a:rPr>
                         <a:t>스웨터</a:t>
                       </a:r>
@@ -8881,17 +9890,21 @@
                     <a:p>
                       <a:pPr algn="ctr" latinLnBrk="1"/>
                       <a:r>
-                        <a:rPr lang="en-US" altLang="ko-KR" sz="2100" dirty="0">
+                        <a:rPr lang="en-US" altLang="ko-KR" sz="2200" dirty="0">
                           <a:solidFill>
                             <a:schemeClr val="tx1"/>
                           </a:solidFill>
+                          <a:latin typeface="나눔바른고딕OTF" panose="02020603020101020101" pitchFamily="18" charset="-127"/>
+                          <a:ea typeface="나눔바른고딕OTF" panose="02020603020101020101" pitchFamily="18" charset="-127"/>
                         </a:rPr>
                         <a:t>30</a:t>
                       </a:r>
-                      <a:endParaRPr lang="ko-KR" altLang="en-US" sz="2100" dirty="0">
+                      <a:endParaRPr lang="ko-KR" altLang="en-US" sz="2200" dirty="0">
                         <a:solidFill>
                           <a:schemeClr val="tx1"/>
                         </a:solidFill>
+                        <a:latin typeface="나눔바른고딕OTF" panose="02020603020101020101" pitchFamily="18" charset="-127"/>
+                        <a:ea typeface="나눔바른고딕OTF" panose="02020603020101020101" pitchFamily="18" charset="-127"/>
                       </a:endParaRPr>
                     </a:p>
                   </a:txBody>
@@ -8904,17 +9917,21 @@
                     <a:p>
                       <a:pPr algn="ctr" latinLnBrk="1"/>
                       <a:r>
-                        <a:rPr lang="en-US" altLang="ko-KR" sz="2100" dirty="0">
+                        <a:rPr lang="en-US" altLang="ko-KR" sz="2200" dirty="0">
                           <a:solidFill>
                             <a:schemeClr val="tx1"/>
                           </a:solidFill>
+                          <a:latin typeface="나눔바른고딕OTF" panose="02020603020101020101" pitchFamily="18" charset="-127"/>
+                          <a:ea typeface="나눔바른고딕OTF" panose="02020603020101020101" pitchFamily="18" charset="-127"/>
                         </a:rPr>
                         <a:t>30</a:t>
                       </a:r>
-                      <a:endParaRPr lang="ko-KR" altLang="en-US" sz="2100" dirty="0">
+                      <a:endParaRPr lang="ko-KR" altLang="en-US" sz="2200" dirty="0">
                         <a:solidFill>
                           <a:schemeClr val="tx1"/>
                         </a:solidFill>
+                        <a:latin typeface="나눔바른고딕OTF" panose="02020603020101020101" pitchFamily="18" charset="-127"/>
+                        <a:ea typeface="나눔바른고딕OTF" panose="02020603020101020101" pitchFamily="18" charset="-127"/>
                       </a:endParaRPr>
                     </a:p>
                   </a:txBody>
@@ -8934,7 +9951,10 @@
                     <a:p>
                       <a:pPr algn="ctr" latinLnBrk="1"/>
                       <a:r>
-                        <a:rPr lang="ko-KR" altLang="en-US" dirty="0"/>
+                        <a:rPr lang="ko-KR" altLang="en-US" sz="2400" dirty="0">
+                          <a:latin typeface="나눔바른고딕OTF" panose="02020603020101020101" pitchFamily="18" charset="-127"/>
+                          <a:ea typeface="나눔바른고딕OTF" panose="02020603020101020101" pitchFamily="18" charset="-127"/>
+                        </a:rPr>
                         <a:t>하의</a:t>
                       </a:r>
                     </a:p>
@@ -8948,17 +9968,21 @@
                     <a:p>
                       <a:pPr algn="l" latinLnBrk="1"/>
                       <a:r>
-                        <a:rPr lang="ko-KR" altLang="en-US" sz="2100" dirty="0" err="1">
+                        <a:rPr lang="ko-KR" altLang="en-US" sz="2200" dirty="0" err="1">
                           <a:solidFill>
                             <a:schemeClr val="tx1"/>
                           </a:solidFill>
+                          <a:latin typeface="나눔바른고딕OTF" panose="02020603020101020101" pitchFamily="18" charset="-127"/>
+                          <a:ea typeface="나눔바른고딕OTF" panose="02020603020101020101" pitchFamily="18" charset="-127"/>
                         </a:rPr>
                         <a:t>긴바지</a:t>
                       </a:r>
-                      <a:endParaRPr lang="ko-KR" altLang="en-US" sz="2100" dirty="0">
+                      <a:endParaRPr lang="ko-KR" altLang="en-US" sz="2200" dirty="0">
                         <a:solidFill>
                           <a:schemeClr val="tx1"/>
                         </a:solidFill>
+                        <a:latin typeface="나눔바른고딕OTF" panose="02020603020101020101" pitchFamily="18" charset="-127"/>
+                        <a:ea typeface="나눔바른고딕OTF" panose="02020603020101020101" pitchFamily="18" charset="-127"/>
                       </a:endParaRPr>
                     </a:p>
                   </a:txBody>
@@ -8971,17 +9995,21 @@
                     <a:p>
                       <a:pPr algn="ctr" latinLnBrk="1"/>
                       <a:r>
-                        <a:rPr lang="en-US" altLang="ko-KR" sz="2100" dirty="0">
+                        <a:rPr lang="en-US" altLang="ko-KR" sz="2200" dirty="0">
                           <a:solidFill>
                             <a:schemeClr val="tx1"/>
                           </a:solidFill>
+                          <a:latin typeface="나눔바른고딕OTF" panose="02020603020101020101" pitchFamily="18" charset="-127"/>
+                          <a:ea typeface="나눔바른고딕OTF" panose="02020603020101020101" pitchFamily="18" charset="-127"/>
                         </a:rPr>
                         <a:t>90</a:t>
                       </a:r>
-                      <a:endParaRPr lang="ko-KR" altLang="en-US" sz="2100" dirty="0">
+                      <a:endParaRPr lang="ko-KR" altLang="en-US" sz="2200" dirty="0">
                         <a:solidFill>
                           <a:schemeClr val="tx1"/>
                         </a:solidFill>
+                        <a:latin typeface="나눔바른고딕OTF" panose="02020603020101020101" pitchFamily="18" charset="-127"/>
+                        <a:ea typeface="나눔바른고딕OTF" panose="02020603020101020101" pitchFamily="18" charset="-127"/>
                       </a:endParaRPr>
                     </a:p>
                   </a:txBody>
@@ -8994,17 +10022,21 @@
                     <a:p>
                       <a:pPr algn="ctr" latinLnBrk="1"/>
                       <a:r>
-                        <a:rPr lang="en-US" altLang="ko-KR" sz="2100" dirty="0">
+                        <a:rPr lang="en-US" altLang="ko-KR" sz="2200" dirty="0">
                           <a:solidFill>
                             <a:schemeClr val="tx1"/>
                           </a:solidFill>
+                          <a:latin typeface="나눔바른고딕OTF" panose="02020603020101020101" pitchFamily="18" charset="-127"/>
+                          <a:ea typeface="나눔바른고딕OTF" panose="02020603020101020101" pitchFamily="18" charset="-127"/>
                         </a:rPr>
                         <a:t>90</a:t>
                       </a:r>
-                      <a:endParaRPr lang="ko-KR" altLang="en-US" sz="2100" dirty="0">
+                      <a:endParaRPr lang="ko-KR" altLang="en-US" sz="2200" dirty="0">
                         <a:solidFill>
                           <a:schemeClr val="tx1"/>
                         </a:solidFill>
+                        <a:latin typeface="나눔바른고딕OTF" panose="02020603020101020101" pitchFamily="18" charset="-127"/>
+                        <a:ea typeface="나눔바른고딕OTF" panose="02020603020101020101" pitchFamily="18" charset="-127"/>
                       </a:endParaRPr>
                     </a:p>
                   </a:txBody>
@@ -9035,10 +10067,12 @@
                     <a:p>
                       <a:pPr algn="l" latinLnBrk="1"/>
                       <a:r>
-                        <a:rPr lang="ko-KR" altLang="en-US" sz="2100" dirty="0">
+                        <a:rPr lang="ko-KR" altLang="en-US" sz="2200" dirty="0">
                           <a:solidFill>
                             <a:schemeClr val="tx1"/>
                           </a:solidFill>
+                          <a:latin typeface="나눔바른고딕OTF" panose="02020603020101020101" pitchFamily="18" charset="-127"/>
+                          <a:ea typeface="나눔바른고딕OTF" panose="02020603020101020101" pitchFamily="18" charset="-127"/>
                         </a:rPr>
                         <a:t>반바지</a:t>
                       </a:r>
@@ -9053,17 +10087,21 @@
                     <a:p>
                       <a:pPr algn="ctr" latinLnBrk="1"/>
                       <a:r>
-                        <a:rPr lang="en-US" altLang="ko-KR" sz="2100" dirty="0">
+                        <a:rPr lang="en-US" altLang="ko-KR" sz="2200" dirty="0">
                           <a:solidFill>
                             <a:schemeClr val="tx1"/>
                           </a:solidFill>
+                          <a:latin typeface="나눔바른고딕OTF" panose="02020603020101020101" pitchFamily="18" charset="-127"/>
+                          <a:ea typeface="나눔바른고딕OTF" panose="02020603020101020101" pitchFamily="18" charset="-127"/>
                         </a:rPr>
                         <a:t>30</a:t>
                       </a:r>
-                      <a:endParaRPr lang="ko-KR" altLang="en-US" sz="2100" dirty="0">
+                      <a:endParaRPr lang="ko-KR" altLang="en-US" sz="2200" dirty="0">
                         <a:solidFill>
                           <a:schemeClr val="tx1"/>
                         </a:solidFill>
+                        <a:latin typeface="나눔바른고딕OTF" panose="02020603020101020101" pitchFamily="18" charset="-127"/>
+                        <a:ea typeface="나눔바른고딕OTF" panose="02020603020101020101" pitchFamily="18" charset="-127"/>
                       </a:endParaRPr>
                     </a:p>
                   </a:txBody>
@@ -9076,17 +10114,21 @@
                     <a:p>
                       <a:pPr algn="ctr" latinLnBrk="1"/>
                       <a:r>
-                        <a:rPr lang="en-US" altLang="ko-KR" sz="2100" dirty="0">
+                        <a:rPr lang="en-US" altLang="ko-KR" sz="2200" dirty="0">
                           <a:solidFill>
                             <a:schemeClr val="tx1"/>
                           </a:solidFill>
+                          <a:latin typeface="나눔바른고딕OTF" panose="02020603020101020101" pitchFamily="18" charset="-127"/>
+                          <a:ea typeface="나눔바른고딕OTF" panose="02020603020101020101" pitchFamily="18" charset="-127"/>
                         </a:rPr>
                         <a:t>30</a:t>
                       </a:r>
-                      <a:endParaRPr lang="ko-KR" altLang="en-US" sz="2100" dirty="0">
+                      <a:endParaRPr lang="ko-KR" altLang="en-US" sz="2200" dirty="0">
                         <a:solidFill>
                           <a:schemeClr val="tx1"/>
                         </a:solidFill>
+                        <a:latin typeface="나눔바른고딕OTF" panose="02020603020101020101" pitchFamily="18" charset="-127"/>
+                        <a:ea typeface="나눔바른고딕OTF" panose="02020603020101020101" pitchFamily="18" charset="-127"/>
                       </a:endParaRPr>
                     </a:p>
                   </a:txBody>
@@ -9117,10 +10159,12 @@
                     <a:p>
                       <a:pPr algn="l" latinLnBrk="1"/>
                       <a:r>
-                        <a:rPr lang="ko-KR" altLang="en-US" sz="2100" dirty="0">
+                        <a:rPr lang="ko-KR" altLang="en-US" sz="2200" dirty="0">
                           <a:solidFill>
                             <a:schemeClr val="tx1"/>
                           </a:solidFill>
+                          <a:latin typeface="나눔바른고딕OTF" panose="02020603020101020101" pitchFamily="18" charset="-127"/>
+                          <a:ea typeface="나눔바른고딕OTF" panose="02020603020101020101" pitchFamily="18" charset="-127"/>
                         </a:rPr>
                         <a:t>스커트</a:t>
                       </a:r>
@@ -9135,17 +10179,21 @@
                     <a:p>
                       <a:pPr algn="ctr" latinLnBrk="1"/>
                       <a:r>
-                        <a:rPr lang="en-US" altLang="ko-KR" sz="2100" dirty="0">
+                        <a:rPr lang="en-US" altLang="ko-KR" sz="2200" dirty="0">
                           <a:solidFill>
                             <a:schemeClr val="tx1"/>
                           </a:solidFill>
+                          <a:latin typeface="나눔바른고딕OTF" panose="02020603020101020101" pitchFamily="18" charset="-127"/>
+                          <a:ea typeface="나눔바른고딕OTF" panose="02020603020101020101" pitchFamily="18" charset="-127"/>
                         </a:rPr>
                         <a:t>90</a:t>
                       </a:r>
-                      <a:endParaRPr lang="ko-KR" altLang="en-US" sz="2100" dirty="0">
+                      <a:endParaRPr lang="ko-KR" altLang="en-US" sz="2200" dirty="0">
                         <a:solidFill>
                           <a:schemeClr val="tx1"/>
                         </a:solidFill>
+                        <a:latin typeface="나눔바른고딕OTF" panose="02020603020101020101" pitchFamily="18" charset="-127"/>
+                        <a:ea typeface="나눔바른고딕OTF" panose="02020603020101020101" pitchFamily="18" charset="-127"/>
                       </a:endParaRPr>
                     </a:p>
                   </a:txBody>
@@ -9158,17 +10206,21 @@
                     <a:p>
                       <a:pPr algn="ctr" latinLnBrk="1"/>
                       <a:r>
-                        <a:rPr lang="en-US" altLang="ko-KR" sz="2100" dirty="0">
+                        <a:rPr lang="en-US" altLang="ko-KR" sz="2200" dirty="0">
                           <a:solidFill>
                             <a:schemeClr val="tx1"/>
                           </a:solidFill>
+                          <a:latin typeface="나눔바른고딕OTF" panose="02020603020101020101" pitchFamily="18" charset="-127"/>
+                          <a:ea typeface="나눔바른고딕OTF" panose="02020603020101020101" pitchFamily="18" charset="-127"/>
                         </a:rPr>
                         <a:t>90</a:t>
                       </a:r>
-                      <a:endParaRPr lang="ko-KR" altLang="en-US" sz="2100" dirty="0">
+                      <a:endParaRPr lang="ko-KR" altLang="en-US" sz="2200" dirty="0">
                         <a:solidFill>
                           <a:schemeClr val="tx1"/>
                         </a:solidFill>
+                        <a:latin typeface="나눔바른고딕OTF" panose="02020603020101020101" pitchFamily="18" charset="-127"/>
+                        <a:ea typeface="나눔바른고딕OTF" panose="02020603020101020101" pitchFamily="18" charset="-127"/>
                       </a:endParaRPr>
                     </a:p>
                   </a:txBody>
@@ -9188,7 +10240,10 @@
                     <a:p>
                       <a:pPr algn="ctr" latinLnBrk="1"/>
                       <a:r>
-                        <a:rPr lang="ko-KR" altLang="en-US" dirty="0"/>
+                        <a:rPr lang="ko-KR" altLang="en-US" sz="2400" dirty="0">
+                          <a:latin typeface="나눔바른고딕OTF" panose="02020603020101020101" pitchFamily="18" charset="-127"/>
+                          <a:ea typeface="나눔바른고딕OTF" panose="02020603020101020101" pitchFamily="18" charset="-127"/>
+                        </a:rPr>
                         <a:t>기타</a:t>
                       </a:r>
                     </a:p>
@@ -9202,10 +10257,12 @@
                     <a:p>
                       <a:pPr algn="l" latinLnBrk="1"/>
                       <a:r>
-                        <a:rPr lang="ko-KR" altLang="en-US" sz="2100" dirty="0">
+                        <a:rPr lang="ko-KR" altLang="en-US" sz="2200" dirty="0">
                           <a:solidFill>
                             <a:schemeClr val="tx1"/>
                           </a:solidFill>
+                          <a:latin typeface="나눔바른고딕OTF" panose="02020603020101020101" pitchFamily="18" charset="-127"/>
+                          <a:ea typeface="나눔바른고딕OTF" panose="02020603020101020101" pitchFamily="18" charset="-127"/>
                         </a:rPr>
                         <a:t>원피스</a:t>
                       </a:r>
@@ -9220,17 +10277,21 @@
                     <a:p>
                       <a:pPr algn="ctr" latinLnBrk="1"/>
                       <a:r>
-                        <a:rPr lang="en-US" altLang="ko-KR" sz="2100" dirty="0">
+                        <a:rPr lang="en-US" altLang="ko-KR" sz="2200" dirty="0">
                           <a:solidFill>
                             <a:schemeClr val="tx1"/>
                           </a:solidFill>
+                          <a:latin typeface="나눔바른고딕OTF" panose="02020603020101020101" pitchFamily="18" charset="-127"/>
+                          <a:ea typeface="나눔바른고딕OTF" panose="02020603020101020101" pitchFamily="18" charset="-127"/>
                         </a:rPr>
                         <a:t>60</a:t>
                       </a:r>
-                      <a:endParaRPr lang="ko-KR" altLang="en-US" sz="2100" dirty="0">
+                      <a:endParaRPr lang="ko-KR" altLang="en-US" sz="2200" dirty="0">
                         <a:solidFill>
                           <a:schemeClr val="tx1"/>
                         </a:solidFill>
+                        <a:latin typeface="나눔바른고딕OTF" panose="02020603020101020101" pitchFamily="18" charset="-127"/>
+                        <a:ea typeface="나눔바른고딕OTF" panose="02020603020101020101" pitchFamily="18" charset="-127"/>
                       </a:endParaRPr>
                     </a:p>
                   </a:txBody>
@@ -9243,17 +10304,21 @@
                     <a:p>
                       <a:pPr algn="ctr" latinLnBrk="1"/>
                       <a:r>
-                        <a:rPr lang="en-US" altLang="ko-KR" sz="2100" dirty="0">
+                        <a:rPr lang="en-US" altLang="ko-KR" sz="2200" dirty="0">
                           <a:solidFill>
                             <a:schemeClr val="tx1"/>
                           </a:solidFill>
+                          <a:latin typeface="나눔바른고딕OTF" panose="02020603020101020101" pitchFamily="18" charset="-127"/>
+                          <a:ea typeface="나눔바른고딕OTF" panose="02020603020101020101" pitchFamily="18" charset="-127"/>
                         </a:rPr>
                         <a:t>60</a:t>
                       </a:r>
-                      <a:endParaRPr lang="ko-KR" altLang="en-US" sz="2100" dirty="0">
+                      <a:endParaRPr lang="ko-KR" altLang="en-US" sz="2200" dirty="0">
                         <a:solidFill>
                           <a:schemeClr val="tx1"/>
                         </a:solidFill>
+                        <a:latin typeface="나눔바른고딕OTF" panose="02020603020101020101" pitchFamily="18" charset="-127"/>
+                        <a:ea typeface="나눔바른고딕OTF" panose="02020603020101020101" pitchFamily="18" charset="-127"/>
                       </a:endParaRPr>
                     </a:p>
                   </a:txBody>
@@ -9284,17 +10349,21 @@
                     <a:p>
                       <a:pPr algn="l" latinLnBrk="1"/>
                       <a:r>
-                        <a:rPr lang="ko-KR" altLang="en-US" sz="2100" dirty="0" err="1">
+                        <a:rPr lang="ko-KR" altLang="en-US" sz="2200" dirty="0" err="1">
                           <a:solidFill>
                             <a:schemeClr val="tx1"/>
                           </a:solidFill>
+                          <a:latin typeface="나눔바른고딕OTF" panose="02020603020101020101" pitchFamily="18" charset="-127"/>
+                          <a:ea typeface="나눔바른고딕OTF" panose="02020603020101020101" pitchFamily="18" charset="-127"/>
                         </a:rPr>
                         <a:t>점프슈트</a:t>
                       </a:r>
-                      <a:endParaRPr lang="ko-KR" altLang="en-US" sz="2100" dirty="0">
+                      <a:endParaRPr lang="ko-KR" altLang="en-US" sz="2200" dirty="0">
                         <a:solidFill>
                           <a:schemeClr val="tx1"/>
                         </a:solidFill>
+                        <a:latin typeface="나눔바른고딕OTF" panose="02020603020101020101" pitchFamily="18" charset="-127"/>
+                        <a:ea typeface="나눔바른고딕OTF" panose="02020603020101020101" pitchFamily="18" charset="-127"/>
                       </a:endParaRPr>
                     </a:p>
                   </a:txBody>
@@ -9307,17 +10376,21 @@
                     <a:p>
                       <a:pPr algn="ctr" latinLnBrk="1"/>
                       <a:r>
-                        <a:rPr lang="en-US" altLang="ko-KR" sz="2100" dirty="0">
+                        <a:rPr lang="en-US" altLang="ko-KR" sz="2200" dirty="0">
                           <a:solidFill>
                             <a:schemeClr val="tx1"/>
                           </a:solidFill>
+                          <a:latin typeface="나눔바른고딕OTF" panose="02020603020101020101" pitchFamily="18" charset="-127"/>
+                          <a:ea typeface="나눔바른고딕OTF" panose="02020603020101020101" pitchFamily="18" charset="-127"/>
                         </a:rPr>
                         <a:t>20</a:t>
                       </a:r>
-                      <a:endParaRPr lang="ko-KR" altLang="en-US" sz="2100" dirty="0">
+                      <a:endParaRPr lang="ko-KR" altLang="en-US" sz="2200" dirty="0">
                         <a:solidFill>
                           <a:schemeClr val="tx1"/>
                         </a:solidFill>
+                        <a:latin typeface="나눔바른고딕OTF" panose="02020603020101020101" pitchFamily="18" charset="-127"/>
+                        <a:ea typeface="나눔바른고딕OTF" panose="02020603020101020101" pitchFamily="18" charset="-127"/>
                       </a:endParaRPr>
                     </a:p>
                   </a:txBody>
@@ -9330,17 +10403,21 @@
                     <a:p>
                       <a:pPr algn="ctr" latinLnBrk="1"/>
                       <a:r>
-                        <a:rPr lang="en-US" altLang="ko-KR" sz="2100" dirty="0">
+                        <a:rPr lang="en-US" altLang="ko-KR" sz="2200" dirty="0">
                           <a:solidFill>
                             <a:schemeClr val="tx1"/>
                           </a:solidFill>
+                          <a:latin typeface="나눔바른고딕OTF" panose="02020603020101020101" pitchFamily="18" charset="-127"/>
+                          <a:ea typeface="나눔바른고딕OTF" panose="02020603020101020101" pitchFamily="18" charset="-127"/>
                         </a:rPr>
                         <a:t>20</a:t>
                       </a:r>
-                      <a:endParaRPr lang="ko-KR" altLang="en-US" sz="2100" dirty="0">
+                      <a:endParaRPr lang="ko-KR" altLang="en-US" sz="2200" dirty="0">
                         <a:solidFill>
                           <a:schemeClr val="tx1"/>
                         </a:solidFill>
+                        <a:latin typeface="나눔바른고딕OTF" panose="02020603020101020101" pitchFamily="18" charset="-127"/>
+                        <a:ea typeface="나눔바른고딕OTF" panose="02020603020101020101" pitchFamily="18" charset="-127"/>
                       </a:endParaRPr>
                     </a:p>
                   </a:txBody>
@@ -9371,7 +10448,7 @@
         <p:spPr>
           <a:xfrm>
             <a:off x="2209800" y="1866900"/>
-            <a:ext cx="6066849" cy="3276600"/>
+            <a:ext cx="6066849" cy="2387600"/>
           </a:xfrm>
           <a:prstGeom prst="rect">
             <a:avLst/>
@@ -9425,17 +10502,17 @@
                 <a:latin typeface="나눔바른고딕OTF"/>
                 <a:ea typeface="나눔바른고딕OTF"/>
               </a:rPr>
-              <a:t> 데이터 중에서 착용 사진과 제품 사진을 카테고리 별로 </a:t>
-            </a:r>
-            <a:r>
-              <a:rPr lang="ko-KR" altLang="en-US" sz="2800" spc="-100" dirty="0" err="1">
-                <a:solidFill>
-                  <a:srgbClr val="006BB1"/>
-                </a:solidFill>
-                <a:latin typeface="나눔바른고딕OTF"/>
-                <a:ea typeface="나눔바른고딕OTF"/>
-              </a:rPr>
-              <a:t>샘플링하여</a:t>
+              <a:t> 데이터</a:t>
+            </a:r>
+            <a:r>
+              <a:rPr lang="ko-KR" altLang="en-US" sz="2800" spc="-100" dirty="0">
+                <a:solidFill>
+                  <a:srgbClr val="006BB1"/>
+                </a:solidFill>
+                <a:latin typeface="나눔바른고딕OTF"/>
+                <a:ea typeface="나눔바른고딕OTF"/>
+              </a:rPr>
+              <a:t>에서</a:t>
             </a:r>
             <a:r>
               <a:rPr lang="ko-KR" altLang="en-US" sz="2800" b="0" i="0" u="none" strike="noStrike" spc="-100" dirty="0">
@@ -9445,7 +10522,36 @@
                 <a:latin typeface="나눔바른고딕OTF"/>
                 <a:ea typeface="나눔바른고딕OTF"/>
               </a:rPr>
-              <a:t> 총 </a:t>
+              <a:t> 착용 사진과 제품 사진을 카테고리 별로 </a:t>
+            </a:r>
+            <a:r>
+              <a:rPr lang="ko-KR" altLang="en-US" sz="2800" spc="-100" dirty="0">
+                <a:solidFill>
+                  <a:srgbClr val="006BB1"/>
+                </a:solidFill>
+                <a:latin typeface="나눔바른고딕OTF"/>
+                <a:ea typeface="나눔바른고딕OTF"/>
+              </a:rPr>
+              <a:t>샘플링</a:t>
+            </a:r>
+            <a:br>
+              <a:rPr lang="en-US" altLang="ko-KR" sz="2800" spc="-100" dirty="0">
+                <a:solidFill>
+                  <a:srgbClr val="006BB1"/>
+                </a:solidFill>
+                <a:latin typeface="나눔바른고딕OTF"/>
+                <a:ea typeface="나눔바른고딕OTF"/>
+              </a:rPr>
+            </a:br>
+            <a:r>
+              <a:rPr lang="ko-KR" altLang="en-US" sz="2800" b="0" i="0" u="none" strike="noStrike" spc="-100" dirty="0">
+                <a:solidFill>
+                  <a:srgbClr val="006BB1"/>
+                </a:solidFill>
+                <a:latin typeface="나눔바른고딕OTF"/>
+                <a:ea typeface="나눔바른고딕OTF"/>
+              </a:rPr>
+              <a:t>총 </a:t>
             </a:r>
             <a:r>
               <a:rPr lang="en-US" altLang="ko-KR" sz="2800" b="0" i="0" u="none" strike="noStrike" spc="-100" dirty="0">
@@ -9455,7 +10561,7 @@
                 <a:latin typeface="나눔바른고딕OTF"/>
                 <a:ea typeface="나눔바른고딕OTF"/>
               </a:rPr>
-              <a:t>1000</a:t>
+              <a:t>1,000</a:t>
             </a:r>
             <a:r>
               <a:rPr lang="ko-KR" altLang="en-US" sz="2800" b="0" i="0" u="none" strike="noStrike" spc="-100" dirty="0">
@@ -9465,7 +10571,7 @@
                 <a:latin typeface="나눔바른고딕OTF"/>
                 <a:ea typeface="나눔바른고딕OTF"/>
               </a:rPr>
-              <a:t>장 으로 구성</a:t>
+              <a:t>장으로 구성</a:t>
             </a:r>
             <a:endParaRPr lang="en-US" sz="2800" b="0" i="0" u="none" strike="noStrike" spc="-100" dirty="0">
               <a:solidFill>
@@ -10216,7 +11322,6 @@
                     <a:bodyPr/>
                     <a:lstStyle/>
                     <a:p>
-                      <a:pPr/>
                       <a:endParaRPr dirty="0"/>
                     </a:p>
                   </a:txBody>
@@ -11373,7 +12478,7 @@
                     <a:p>
                       <a:pPr algn="ctr" fontAlgn="ctr"/>
                       <a:r>
-                        <a:rPr lang="en-US" altLang="ko-KR" sz="2000" b="0" i="0" u="none" strike="noStrike">
+                        <a:rPr lang="en-US" altLang="ko-KR" sz="2000" b="0" i="0" u="none" strike="noStrike" dirty="0">
                           <a:solidFill>
                             <a:srgbClr val="000000"/>
                           </a:solidFill>
@@ -13682,16 +14787,6 @@
               <a:defRPr/>
             </a:pPr>
             <a:r>
-              <a:rPr lang="ko-KR" altLang="en-US" sz="2800" b="0" i="0" u="none" strike="noStrike" spc="-100" dirty="0" err="1">
-                <a:solidFill>
-                  <a:srgbClr val="006BB1"/>
-                </a:solidFill>
-                <a:latin typeface="나눔바른고딕OTF"/>
-                <a:ea typeface="나눔바른고딕OTF"/>
-              </a:rPr>
-              <a:t>모델별</a:t>
-            </a:r>
-            <a:r>
               <a:rPr lang="ko-KR" altLang="en-US" sz="2800" b="0" i="0" u="none" strike="noStrike" spc="-100" dirty="0">
                 <a:solidFill>
                   <a:srgbClr val="006BB1"/>
@@ -13699,7 +14794,7 @@
                 <a:latin typeface="나눔바른고딕OTF"/>
                 <a:ea typeface="나눔바른고딕OTF"/>
               </a:rPr>
-              <a:t> 정확도 비교</a:t>
+              <a:t>모델 별 정확도 비교</a:t>
             </a:r>
             <a:endParaRPr lang="ko-KR" sz="2800" b="0" i="0" u="none" strike="noStrike" spc="-100" dirty="0">
               <a:solidFill>
@@ -14056,7 +15151,7 @@
               <a:defRPr/>
             </a:pPr>
             <a:r>
-              <a:rPr lang="ko-KR" altLang="en-US" sz="2800">
+              <a:rPr lang="ko-KR" altLang="en-US" sz="2800" dirty="0">
                 <a:solidFill>
                   <a:srgbClr val="006BB1"/>
                 </a:solidFill>
@@ -14066,7 +15161,7 @@
               <a:t>기존에 사용한 데이터셋에 착용 사진만 있으며</a:t>
             </a:r>
             <a:r>
-              <a:rPr lang="en-US" altLang="ko-KR" sz="2800">
+              <a:rPr lang="en-US" altLang="ko-KR" sz="2800" dirty="0">
                 <a:solidFill>
                   <a:srgbClr val="006BB1"/>
                 </a:solidFill>
@@ -14076,7 +15171,7 @@
               <a:t>, </a:t>
             </a:r>
             <a:r>
-              <a:rPr lang="ko-KR" altLang="en-US" sz="2800">
+              <a:rPr lang="ko-KR" altLang="en-US" sz="2800" dirty="0">
                 <a:solidFill>
                   <a:srgbClr val="006BB1"/>
                 </a:solidFill>
@@ -14096,7 +15191,7 @@
               <a:defRPr/>
             </a:pPr>
             <a:r>
-              <a:rPr lang="ko-KR" altLang="en-US" sz="2800">
+              <a:rPr lang="ko-KR" altLang="en-US" sz="2800" dirty="0">
                 <a:solidFill>
                   <a:srgbClr val="006BB1"/>
                 </a:solidFill>
@@ -14116,8 +15211,8 @@
         </p:nvSpPr>
         <p:spPr>
           <a:xfrm>
-            <a:off x="4318000" y="8293099"/>
-            <a:ext cx="1701800" cy="1117600"/>
+            <a:off x="3523662" y="8496300"/>
+            <a:ext cx="3119026" cy="533399"/>
           </a:xfrm>
           <a:prstGeom prst="rect">
             <a:avLst/>
@@ -14134,30 +15229,35 @@
               <a:defRPr/>
             </a:pPr>
             <a:r>
-              <a:rPr lang="en-US" altLang="ko-KR" sz="2000" b="0" i="0" u="none" strike="noStrike" spc="-100">
-                <a:solidFill>
-                  <a:srgbClr val="006BB1"/>
-                </a:solidFill>
+              <a:rPr lang="en-US" altLang="ko-KR" sz="2000" b="1" i="0" u="none" strike="noStrike" spc="-100" dirty="0">
                 <a:latin typeface="나눔바른고딕OTF"/>
                 <a:ea typeface="나눔바른고딕OTF"/>
               </a:rPr>
               <a:t>[</a:t>
             </a:r>
             <a:r>
-              <a:rPr lang="ko-KR" altLang="en-US" sz="2000" b="0" i="0" u="none" strike="noStrike" spc="-100">
-                <a:solidFill>
-                  <a:srgbClr val="006BB1"/>
-                </a:solidFill>
-                <a:latin typeface="나눔바른고딕OTF"/>
-                <a:ea typeface="나눔바른고딕OTF"/>
-              </a:rPr>
-              <a:t>대충 특정 부분 성능 안 좋은 그래프</a:t>
-            </a:r>
-            <a:r>
-              <a:rPr lang="en-US" sz="2000" b="0" i="0" u="none" strike="noStrike" spc="-100">
-                <a:solidFill>
-                  <a:srgbClr val="006BB1"/>
-                </a:solidFill>
+              <a:rPr lang="en-US" altLang="ko-KR" sz="2000" b="1" spc="-100" dirty="0">
+                <a:latin typeface="나눔바른고딕OTF"/>
+                <a:ea typeface="나눔바른고딕OTF"/>
+              </a:rPr>
+              <a:t> </a:t>
+            </a:r>
+            <a:r>
+              <a:rPr lang="ko-KR" altLang="en-US" sz="2000" b="1" spc="-100" dirty="0">
+                <a:latin typeface="나눔바른고딕OTF"/>
+                <a:ea typeface="나눔바른고딕OTF"/>
+              </a:rPr>
+              <a:t>정확도 취약부분 그래프</a:t>
+            </a:r>
+            <a:r>
+              <a:rPr lang="ko-KR" altLang="en-US" sz="2000" b="1" i="0" u="none" strike="noStrike" spc="-100" dirty="0">
+                <a:latin typeface="나눔바른고딕OTF"/>
+                <a:ea typeface="나눔바른고딕OTF"/>
+              </a:rPr>
+              <a:t> </a:t>
+            </a:r>
+            <a:r>
+              <a:rPr lang="en-US" sz="2000" b="1" i="0" u="none" strike="noStrike" spc="-100" dirty="0">
                 <a:latin typeface="나눔바른고딕OTF"/>
                 <a:ea typeface="나눔바른고딕OTF"/>
               </a:rPr>
@@ -14174,7 +15274,7 @@
         </p:nvSpPr>
         <p:spPr>
           <a:xfrm>
-            <a:off x="9372600" y="8521700"/>
+            <a:off x="9230717" y="8572500"/>
             <a:ext cx="2438400" cy="355600"/>
           </a:xfrm>
           <a:prstGeom prst="rect">
@@ -14192,30 +15292,21 @@
               <a:defRPr/>
             </a:pPr>
             <a:r>
-              <a:rPr lang="en-US" altLang="ko-KR" sz="2000" b="0" i="0" u="none" strike="noStrike" spc="-100">
-                <a:solidFill>
-                  <a:srgbClr val="006BB1"/>
-                </a:solidFill>
-                <a:latin typeface="나눔바른고딕OTF"/>
-                <a:ea typeface="나눔바른고딕OTF"/>
-              </a:rPr>
-              <a:t>[</a:t>
-            </a:r>
-            <a:r>
-              <a:rPr lang="ko-KR" altLang="en-US" sz="2000" b="0" i="0" u="none" strike="noStrike" spc="-100">
-                <a:solidFill>
-                  <a:srgbClr val="006BB1"/>
-                </a:solidFill>
-                <a:latin typeface="나눔바른고딕OTF"/>
-                <a:ea typeface="나눔바른고딕OTF"/>
-              </a:rPr>
-              <a:t>착용 사진 예시</a:t>
-            </a:r>
-            <a:r>
-              <a:rPr lang="en-US" altLang="ko-KR" sz="2000" b="0" i="0" u="none" strike="noStrike" spc="-100">
-                <a:solidFill>
-                  <a:srgbClr val="006BB1"/>
-                </a:solidFill>
+              <a:rPr lang="en-US" altLang="ko-KR" sz="2000" b="1" i="0" u="none" strike="noStrike" spc="-100" dirty="0">
+                <a:latin typeface="나눔바른고딕OTF"/>
+                <a:ea typeface="나눔바른고딕OTF"/>
+              </a:rPr>
+              <a:t>[ </a:t>
+            </a:r>
+            <a:r>
+              <a:rPr lang="ko-KR" altLang="en-US" sz="2000" b="1" i="0" u="none" strike="noStrike" spc="-100" dirty="0">
+                <a:latin typeface="나눔바른고딕OTF"/>
+                <a:ea typeface="나눔바른고딕OTF"/>
+              </a:rPr>
+              <a:t>착용 사진 예시 </a:t>
+            </a:r>
+            <a:r>
+              <a:rPr lang="en-US" altLang="ko-KR" sz="2000" b="1" i="0" u="none" strike="noStrike" spc="-100" dirty="0">
                 <a:latin typeface="나눔바른고딕OTF"/>
                 <a:ea typeface="나눔바른고딕OTF"/>
               </a:rPr>
@@ -14240,8 +15331,8 @@
         </p:blipFill>
         <p:spPr>
           <a:xfrm>
-            <a:off x="8610600" y="3771900"/>
-            <a:ext cx="3873499" cy="4648200"/>
+            <a:off x="8499918" y="3806800"/>
+            <a:ext cx="3899999" cy="4680000"/>
           </a:xfrm>
           <a:prstGeom prst="rect">
             <a:avLst/>
@@ -14264,8 +15355,8 @@
         </p:blipFill>
         <p:spPr>
           <a:xfrm>
-            <a:off x="12661900" y="3771900"/>
-            <a:ext cx="3873499" cy="4648200"/>
+            <a:off x="12678591" y="3806553"/>
+            <a:ext cx="3899999" cy="4680000"/>
           </a:xfrm>
           <a:prstGeom prst="rect">
             <a:avLst/>
@@ -14280,7 +15371,7 @@
         </p:nvSpPr>
         <p:spPr>
           <a:xfrm>
-            <a:off x="13335000" y="8521700"/>
+            <a:off x="13414201" y="8572006"/>
             <a:ext cx="2438400" cy="355600"/>
           </a:xfrm>
           <a:prstGeom prst="rect">
@@ -14308,30 +15399,21 @@
               </a:defRPr>
             </a:pPr>
             <a:r>
-              <a:rPr kumimoji="0" lang="en-US" altLang="ko-KR" sz="2000" b="0" i="0" u="none" strike="noStrike" kern="1200" cap="none" spc="-100" normalizeH="0" baseline="0">
-                <a:solidFill>
-                  <a:srgbClr val="006BB1"/>
-                </a:solidFill>
-                <a:latin typeface="나눔바른고딕OTF"/>
-                <a:ea typeface="나눔바른고딕OTF"/>
-              </a:rPr>
-              <a:t>[</a:t>
-            </a:r>
-            <a:r>
-              <a:rPr kumimoji="0" lang="ko-KR" altLang="en-US" sz="2000" b="0" i="0" u="none" strike="noStrike" kern="1200" cap="none" spc="-100" normalizeH="0" baseline="0">
-                <a:solidFill>
-                  <a:srgbClr val="006BB1"/>
-                </a:solidFill>
-                <a:latin typeface="나눔바른고딕OTF"/>
-                <a:ea typeface="나눔바른고딕OTF"/>
-              </a:rPr>
-              <a:t>제품 사진 예시</a:t>
-            </a:r>
-            <a:r>
-              <a:rPr kumimoji="0" lang="en-US" altLang="ko-KR" sz="2000" b="0" i="0" u="none" strike="noStrike" kern="1200" cap="none" spc="-100" normalizeH="0" baseline="0">
-                <a:solidFill>
-                  <a:srgbClr val="006BB1"/>
-                </a:solidFill>
+              <a:rPr kumimoji="0" lang="en-US" altLang="ko-KR" sz="2000" b="1" i="0" u="none" strike="noStrike" kern="1200" cap="none" spc="-100" normalizeH="0" baseline="0" dirty="0">
+                <a:latin typeface="나눔바른고딕OTF"/>
+                <a:ea typeface="나눔바른고딕OTF"/>
+              </a:rPr>
+              <a:t>[ </a:t>
+            </a:r>
+            <a:r>
+              <a:rPr kumimoji="0" lang="ko-KR" altLang="en-US" sz="2000" b="1" i="0" u="none" strike="noStrike" kern="1200" cap="none" spc="-100" normalizeH="0" baseline="0" dirty="0">
+                <a:latin typeface="나눔바른고딕OTF"/>
+                <a:ea typeface="나눔바른고딕OTF"/>
+              </a:rPr>
+              <a:t>제품 사진 예시 </a:t>
+            </a:r>
+            <a:r>
+              <a:rPr kumimoji="0" lang="en-US" altLang="ko-KR" sz="2000" b="1" i="0" u="none" strike="noStrike" kern="1200" cap="none" spc="-100" normalizeH="0" baseline="0" dirty="0">
                 <a:latin typeface="나눔바른고딕OTF"/>
                 <a:ea typeface="나눔바른고딕OTF"/>
               </a:rPr>
@@ -14340,6 +15422,42 @@
           </a:p>
         </p:txBody>
       </p:sp>
+      <p:pic>
+        <p:nvPicPr>
+          <p:cNvPr id="15" name="그림 14">
+            <a:extLst>
+              <a:ext uri="{FF2B5EF4-FFF2-40B4-BE49-F238E27FC236}">
+                <a16:creationId xmlns:a16="http://schemas.microsoft.com/office/drawing/2014/main" id="{EFDAA72F-F53D-EC9C-D228-5FFB40372D76}"/>
+              </a:ext>
+            </a:extLst>
+          </p:cNvPr>
+          <p:cNvPicPr>
+            <a:picLocks noChangeAspect="1"/>
+          </p:cNvPicPr>
+          <p:nvPr/>
+        </p:nvPicPr>
+        <p:blipFill>
+          <a:blip r:embed="rId11">
+            <a:extLst>
+              <a:ext uri="{28A0092B-C50C-407E-A947-70E740481C1C}">
+                <a14:useLocalDpi xmlns:a14="http://schemas.microsoft.com/office/drawing/2010/main" val="0"/>
+              </a:ext>
+            </a:extLst>
+          </a:blip>
+          <a:stretch>
+            <a:fillRect/>
+          </a:stretch>
+        </p:blipFill>
+        <p:spPr>
+          <a:xfrm>
+            <a:off x="2032627" y="3797679"/>
+            <a:ext cx="6101096" cy="4680000"/>
+          </a:xfrm>
+          <a:prstGeom prst="rect">
+            <a:avLst/>
+          </a:prstGeom>
+        </p:spPr>
+      </p:pic>
     </p:spTree>
   </p:cSld>
   <p:clrMapOvr>
@@ -14431,7 +15549,7 @@
               <a:defRPr/>
             </a:pPr>
             <a:r>
-              <a:rPr lang="en-US" sz="10000" b="0" i="0" u="none" strike="noStrike">
+              <a:rPr lang="en-US" sz="10000" b="0" i="0" u="none" strike="noStrike" dirty="0">
                 <a:solidFill>
                   <a:srgbClr val="006BB1"/>
                 </a:solidFill>
@@ -15400,6 +16518,192 @@
           </a:prstGeom>
         </p:spPr>
       </p:pic>
+      <p:sp>
+        <p:nvSpPr>
+          <p:cNvPr id="13" name="TextBox 18">
+            <a:extLst>
+              <a:ext uri="{FF2B5EF4-FFF2-40B4-BE49-F238E27FC236}">
+                <a16:creationId xmlns:a16="http://schemas.microsoft.com/office/drawing/2014/main" id="{6FCCFF0A-9B05-E2B0-67FA-D4F650EF0E97}"/>
+              </a:ext>
+            </a:extLst>
+          </p:cNvPr>
+          <p:cNvSpPr txBox="1"/>
+          <p:nvPr/>
+        </p:nvSpPr>
+        <p:spPr>
+          <a:xfrm>
+            <a:off x="3630045" y="8729996"/>
+            <a:ext cx="2933267" cy="571500"/>
+          </a:xfrm>
+          <a:prstGeom prst="rect">
+            <a:avLst/>
+          </a:prstGeom>
+        </p:spPr>
+        <p:txBody>
+          <a:bodyPr lIns="0" tIns="0" rIns="0" bIns="0" anchor="ctr"/>
+          <a:lstStyle/>
+          <a:p>
+            <a:pPr lvl="0" algn="ctr">
+              <a:lnSpc>
+                <a:spcPct val="149400"/>
+              </a:lnSpc>
+              <a:defRPr/>
+            </a:pPr>
+            <a:r>
+              <a:rPr lang="en-US" altLang="ko-KR" sz="2000" b="1" i="0" u="none" strike="noStrike" spc="-100" dirty="0">
+                <a:latin typeface="나눔바른고딕OTF"/>
+                <a:ea typeface="나눔바른고딕OTF"/>
+              </a:rPr>
+              <a:t>[ </a:t>
+            </a:r>
+            <a:r>
+              <a:rPr lang="ko-KR" altLang="en-US" sz="2000" b="1" i="0" u="none" strike="noStrike" spc="-100" dirty="0">
+                <a:latin typeface="나눔바른고딕OTF"/>
+                <a:ea typeface="나눔바른고딕OTF"/>
+              </a:rPr>
+              <a:t>제품 사진만 검출</a:t>
+            </a:r>
+            <a:r>
+              <a:rPr lang="ko-KR" altLang="en-US" sz="2000" b="1" spc="-100" dirty="0">
+                <a:latin typeface="나눔바른고딕OTF"/>
+                <a:ea typeface="나눔바른고딕OTF"/>
+              </a:rPr>
+              <a:t> </a:t>
+            </a:r>
+            <a:r>
+              <a:rPr lang="en-US" altLang="ko-KR" sz="2000" b="1" i="0" u="none" strike="noStrike" spc="-100" dirty="0">
+                <a:latin typeface="나눔바른고딕OTF"/>
+                <a:ea typeface="나눔바른고딕OTF"/>
+              </a:rPr>
+              <a:t>]</a:t>
+            </a:r>
+          </a:p>
+        </p:txBody>
+      </p:sp>
+      <p:sp>
+        <p:nvSpPr>
+          <p:cNvPr id="16" name="TextBox 18">
+            <a:extLst>
+              <a:ext uri="{FF2B5EF4-FFF2-40B4-BE49-F238E27FC236}">
+                <a16:creationId xmlns:a16="http://schemas.microsoft.com/office/drawing/2014/main" id="{5D6EA7A1-2BA3-4B55-2459-ED75C365088F}"/>
+              </a:ext>
+            </a:extLst>
+          </p:cNvPr>
+          <p:cNvSpPr txBox="1"/>
+          <p:nvPr/>
+        </p:nvSpPr>
+        <p:spPr>
+          <a:xfrm>
+            <a:off x="9602849" y="8820000"/>
+            <a:ext cx="1827584" cy="360000"/>
+          </a:xfrm>
+          <a:prstGeom prst="rect">
+            <a:avLst/>
+          </a:prstGeom>
+        </p:spPr>
+        <p:txBody>
+          <a:bodyPr lIns="0" tIns="0" rIns="0" bIns="0" anchor="ctr"/>
+          <a:lstStyle/>
+          <a:p>
+            <a:pPr lvl="0" algn="ctr">
+              <a:lnSpc>
+                <a:spcPct val="149400"/>
+              </a:lnSpc>
+              <a:defRPr/>
+            </a:pPr>
+            <a:r>
+              <a:rPr lang="en-US" altLang="ko-KR" sz="2000" b="1" i="0" u="none" strike="noStrike" spc="-100" dirty="0">
+                <a:latin typeface="나눔바른고딕OTF"/>
+                <a:ea typeface="나눔바른고딕OTF"/>
+              </a:rPr>
+              <a:t>[ contour </a:t>
+            </a:r>
+            <a:r>
+              <a:rPr lang="ko-KR" altLang="en-US" sz="2000" b="1" i="0" u="none" strike="noStrike" spc="-100" dirty="0">
+                <a:latin typeface="나눔바른고딕OTF"/>
+                <a:ea typeface="나눔바른고딕OTF"/>
+              </a:rPr>
+              <a:t>검출</a:t>
+            </a:r>
+            <a:r>
+              <a:rPr lang="ko-KR" altLang="en-US" sz="2000" b="1" spc="-100" dirty="0">
+                <a:latin typeface="나눔바른고딕OTF"/>
+                <a:ea typeface="나눔바른고딕OTF"/>
+              </a:rPr>
+              <a:t> </a:t>
+            </a:r>
+            <a:r>
+              <a:rPr lang="en-US" altLang="ko-KR" sz="2000" b="1" i="0" u="none" strike="noStrike" spc="-100" dirty="0">
+                <a:latin typeface="나눔바른고딕OTF"/>
+                <a:ea typeface="나눔바른고딕OTF"/>
+              </a:rPr>
+              <a:t>]</a:t>
+            </a:r>
+          </a:p>
+        </p:txBody>
+      </p:sp>
+      <p:sp>
+        <p:nvSpPr>
+          <p:cNvPr id="17" name="TextBox 18">
+            <a:extLst>
+              <a:ext uri="{FF2B5EF4-FFF2-40B4-BE49-F238E27FC236}">
+                <a16:creationId xmlns:a16="http://schemas.microsoft.com/office/drawing/2014/main" id="{8ED992DB-3502-008A-66A3-739DED2D8CEF}"/>
+              </a:ext>
+            </a:extLst>
+          </p:cNvPr>
+          <p:cNvSpPr txBox="1"/>
+          <p:nvPr/>
+        </p:nvSpPr>
+        <p:spPr>
+          <a:xfrm>
+            <a:off x="13451413" y="8820000"/>
+            <a:ext cx="2005384" cy="360000"/>
+          </a:xfrm>
+          <a:prstGeom prst="rect">
+            <a:avLst/>
+          </a:prstGeom>
+        </p:spPr>
+        <p:txBody>
+          <a:bodyPr lIns="0" tIns="0" rIns="0" bIns="0" anchor="ctr"/>
+          <a:lstStyle/>
+          <a:p>
+            <a:pPr lvl="0" algn="ctr">
+              <a:lnSpc>
+                <a:spcPct val="149400"/>
+              </a:lnSpc>
+              <a:defRPr/>
+            </a:pPr>
+            <a:r>
+              <a:rPr lang="en-US" altLang="ko-KR" sz="2000" b="1" i="0" u="none" strike="noStrike" spc="-100" dirty="0">
+                <a:latin typeface="나눔바른고딕OTF"/>
+                <a:ea typeface="나눔바른고딕OTF"/>
+              </a:rPr>
+              <a:t>[ </a:t>
+            </a:r>
+            <a:r>
+              <a:rPr lang="en-US" altLang="ko-KR" sz="2000" b="1" spc="-100" dirty="0">
+                <a:latin typeface="나눔바른고딕OTF"/>
+                <a:ea typeface="나눔바른고딕OTF"/>
+              </a:rPr>
+              <a:t>Bounding Box</a:t>
+            </a:r>
+            <a:r>
+              <a:rPr lang="ko-KR" altLang="en-US" sz="2000" b="1" spc="-100" dirty="0">
+                <a:latin typeface="나눔바른고딕OTF"/>
+                <a:ea typeface="나눔바른고딕OTF"/>
+              </a:rPr>
+              <a:t> </a:t>
+            </a:r>
+            <a:r>
+              <a:rPr lang="en-US" altLang="ko-KR" sz="2000" b="1" i="0" u="none" strike="noStrike" spc="-100" dirty="0">
+                <a:latin typeface="나눔바른고딕OTF"/>
+                <a:ea typeface="나눔바른고딕OTF"/>
+              </a:rPr>
+              <a:t>]</a:t>
+            </a:r>
+          </a:p>
+        </p:txBody>
+      </p:sp>
     </p:spTree>
   </p:cSld>
   <p:clrMapOvr>
@@ -15747,8 +17051,8 @@
         </p:nvSpPr>
         <p:spPr>
           <a:xfrm>
-            <a:off x="2209800" y="1866900"/>
-            <a:ext cx="8102600" cy="495300"/>
+            <a:off x="2209799" y="1866900"/>
+            <a:ext cx="10325095" cy="495300"/>
           </a:xfrm>
           <a:prstGeom prst="rect">
             <a:avLst/>
@@ -15765,7 +17069,7 @@
               <a:defRPr/>
             </a:pPr>
             <a:r>
-              <a:rPr lang="en-US" sz="2800" b="0" i="0" u="none" strike="noStrike" spc="-100">
+              <a:rPr lang="en-US" altLang="ko-KR" sz="2800" b="0" i="0" u="none" strike="noStrike" spc="-100" dirty="0">
                 <a:solidFill>
                   <a:srgbClr val="006BB1"/>
                 </a:solidFill>
@@ -15775,17 +17079,27 @@
               <a:t>Box loss : </a:t>
             </a:r>
             <a:r>
-              <a:rPr lang="ko-KR" sz="2800" b="0" i="0" u="none" strike="noStrike" spc="-100">
-                <a:solidFill>
-                  <a:srgbClr val="006BB1"/>
-                </a:solidFill>
-                <a:latin typeface="나눔바른고딕OTF"/>
-                <a:ea typeface="나눔바른고딕OTF"/>
-              </a:rPr>
-              <a:t>검출된</a:t>
-            </a:r>
-            <a:r>
-              <a:rPr lang="en-US" sz="2800" b="0" i="0" u="none" strike="noStrike" spc="-100">
+              <a:rPr lang="ko-KR" altLang="en-US" sz="2800" spc="-100" dirty="0">
+                <a:solidFill>
+                  <a:srgbClr val="006BB1"/>
+                </a:solidFill>
+                <a:latin typeface="나눔바른고딕OTF"/>
+                <a:ea typeface="나눔바른고딕OTF"/>
+              </a:rPr>
+              <a:t>예측</a:t>
+            </a:r>
+            <a:r>
+              <a:rPr lang="ko-KR" altLang="ko-KR" sz="2800" b="0" i="0" u="none" strike="noStrike" spc="-100" dirty="0">
+                <a:solidFill>
+                  <a:srgbClr val="006BB1"/>
+                </a:solidFill>
+                <a:latin typeface="나눔바른고딕OTF"/>
+                <a:ea typeface="나눔바른고딕OTF"/>
+              </a:rPr>
+              <a:t>된</a:t>
+            </a:r>
+            <a:r>
+              <a:rPr lang="en-US" altLang="ko-KR" sz="2800" b="0" i="0" u="none" strike="noStrike" spc="-100" dirty="0">
                 <a:solidFill>
                   <a:srgbClr val="006BB1"/>
                 </a:solidFill>
@@ -15795,17 +17109,37 @@
               <a:t> Bounding Box</a:t>
             </a:r>
             <a:r>
-              <a:rPr lang="ko-KR" sz="2800" b="0" i="0" u="none" strike="noStrike" spc="-100">
-                <a:solidFill>
-                  <a:srgbClr val="006BB1"/>
-                </a:solidFill>
-                <a:latin typeface="나눔바른고딕OTF"/>
-                <a:ea typeface="나눔바른고딕OTF"/>
-              </a:rPr>
-              <a:t>의</a:t>
-            </a:r>
-            <a:r>
-              <a:rPr lang="en-US" sz="2800" b="0" i="0" u="none" strike="noStrike" spc="-100">
+              <a:rPr lang="ko-KR" altLang="en-US" sz="2800" spc="-100" dirty="0">
+                <a:solidFill>
+                  <a:srgbClr val="006BB1"/>
+                </a:solidFill>
+                <a:latin typeface="나눔바른고딕OTF"/>
+                <a:ea typeface="나눔바른고딕OTF"/>
+              </a:rPr>
+              <a:t>와 </a:t>
+            </a:r>
+            <a:r>
+              <a:rPr lang="en-US" altLang="ko-KR" sz="2800" spc="-100" dirty="0">
+                <a:solidFill>
+                  <a:srgbClr val="006BB1"/>
+                </a:solidFill>
+                <a:latin typeface="나눔바른고딕OTF"/>
+                <a:ea typeface="나눔바른고딕OTF"/>
+              </a:rPr>
+              <a:t>Ground true box</a:t>
+            </a:r>
+            <a:r>
+              <a:rPr lang="ko-KR" altLang="en-US" sz="2800" spc="-100" dirty="0">
+                <a:solidFill>
+                  <a:srgbClr val="006BB1"/>
+                </a:solidFill>
+                <a:latin typeface="나눔바른고딕OTF"/>
+                <a:ea typeface="나눔바른고딕OTF"/>
+              </a:rPr>
+              <a:t>와의</a:t>
+            </a:r>
+            <a:r>
+              <a:rPr lang="en-US" altLang="ko-KR" sz="2800" spc="-100" dirty="0">
                 <a:solidFill>
                   <a:srgbClr val="006BB1"/>
                 </a:solidFill>
@@ -15815,47 +17149,7 @@
               <a:t> </a:t>
             </a:r>
             <a:r>
-              <a:rPr lang="ko-KR" sz="2800" b="0" i="0" u="none" strike="noStrike" spc="-100">
-                <a:solidFill>
-                  <a:srgbClr val="006BB1"/>
-                </a:solidFill>
-                <a:latin typeface="나눔바른고딕OTF"/>
-                <a:ea typeface="나눔바른고딕OTF"/>
-              </a:rPr>
-              <a:t>좌표에</a:t>
-            </a:r>
-            <a:r>
-              <a:rPr lang="en-US" sz="2800" b="0" i="0" u="none" strike="noStrike" spc="-100">
-                <a:solidFill>
-                  <a:srgbClr val="006BB1"/>
-                </a:solidFill>
-                <a:latin typeface="나눔바른고딕OTF"/>
-                <a:ea typeface="나눔바른고딕OTF"/>
-              </a:rPr>
-              <a:t> </a:t>
-            </a:r>
-            <a:r>
-              <a:rPr lang="ko-KR" sz="2800" b="0" i="0" u="none" strike="noStrike" spc="-100">
-                <a:solidFill>
-                  <a:srgbClr val="006BB1"/>
-                </a:solidFill>
-                <a:latin typeface="나눔바른고딕OTF"/>
-                <a:ea typeface="나눔바른고딕OTF"/>
-              </a:rPr>
-              <a:t>대한</a:t>
-            </a:r>
-            <a:r>
-              <a:rPr lang="en-US" sz="2800" b="0" i="0" u="none" strike="noStrike" spc="-100">
-                <a:solidFill>
-                  <a:srgbClr val="006BB1"/>
-                </a:solidFill>
-                <a:latin typeface="나눔바른고딕OTF"/>
-                <a:ea typeface="나눔바른고딕OTF"/>
-              </a:rPr>
-              <a:t> </a:t>
-            </a:r>
-            <a:r>
-              <a:rPr lang="ko-KR" sz="2800" b="0" i="0" u="none" strike="noStrike" spc="-100">
+              <a:rPr lang="ko-KR" altLang="en-US" sz="2800" spc="-100" dirty="0">
                 <a:solidFill>
                   <a:srgbClr val="006BB1"/>
                 </a:solidFill>
@@ -15864,16 +17158,13 @@
               </a:rPr>
               <a:t>오차</a:t>
             </a:r>
-            <a:r>
-              <a:rPr lang="en-US" sz="2800" b="0" i="0" u="none" strike="noStrike" spc="-100">
-                <a:solidFill>
-                  <a:srgbClr val="006BB1"/>
-                </a:solidFill>
-                <a:latin typeface="나눔바른고딕OTF"/>
-                <a:ea typeface="나눔바른고딕OTF"/>
-              </a:rPr>
-              <a:t> </a:t>
-            </a:r>
+            <a:endParaRPr lang="en-US" altLang="ko-KR" sz="2800" b="0" i="0" u="none" strike="noStrike" spc="-100" dirty="0">
+              <a:solidFill>
+                <a:srgbClr val="006BB1"/>
+              </a:solidFill>
+              <a:latin typeface="나눔바른고딕OTF"/>
+              <a:ea typeface="나눔바른고딕OTF"/>
+            </a:endParaRPr>
           </a:p>
         </p:txBody>
       </p:sp>
@@ -16312,7 +17603,7 @@
               <a:defRPr/>
             </a:pPr>
             <a:r>
-              <a:rPr lang="en-US" sz="2800" b="0" i="0" u="none" strike="noStrike" spc="-100">
+              <a:rPr lang="en-US" altLang="ko-KR" sz="2800" b="0" i="0" u="none" strike="noStrike" spc="-100" dirty="0">
                 <a:solidFill>
                   <a:srgbClr val="006BB1"/>
                 </a:solidFill>
@@ -16322,37 +17613,37 @@
               <a:t>Class loss : </a:t>
             </a:r>
             <a:r>
-              <a:rPr lang="ko-KR" sz="2800" b="0" i="0" u="none" strike="noStrike" spc="-100">
-                <a:solidFill>
-                  <a:srgbClr val="006BB1"/>
-                </a:solidFill>
-                <a:latin typeface="나눔바른고딕OTF"/>
-                <a:ea typeface="나눔바른고딕OTF"/>
-              </a:rPr>
-              <a:t>예측한</a:t>
-            </a:r>
-            <a:r>
-              <a:rPr lang="en-US" sz="2800" b="0" i="0" u="none" strike="noStrike" spc="-100">
-                <a:solidFill>
-                  <a:srgbClr val="006BB1"/>
-                </a:solidFill>
-                <a:latin typeface="나눔바른고딕OTF"/>
-                <a:ea typeface="나눔바른고딕OTF"/>
-              </a:rPr>
-              <a:t> Class</a:t>
-            </a:r>
-            <a:r>
-              <a:rPr lang="ko-KR" sz="2800" b="0" i="0" u="none" strike="noStrike" spc="-100">
-                <a:solidFill>
-                  <a:srgbClr val="006BB1"/>
-                </a:solidFill>
-                <a:latin typeface="나눔바른고딕OTF"/>
-                <a:ea typeface="나눔바른고딕OTF"/>
-              </a:rPr>
-              <a:t>에</a:t>
-            </a:r>
-            <a:r>
-              <a:rPr lang="en-US" sz="2800" b="0" i="0" u="none" strike="noStrike" spc="-100">
+              <a:rPr lang="ko-KR" altLang="en-US" sz="2800" b="0" i="0" u="none" strike="noStrike" spc="-100" dirty="0">
+                <a:solidFill>
+                  <a:srgbClr val="006BB1"/>
+                </a:solidFill>
+                <a:latin typeface="나눔바른고딕OTF"/>
+                <a:ea typeface="나눔바른고딕OTF"/>
+              </a:rPr>
+              <a:t>정답 </a:t>
+            </a:r>
+            <a:r>
+              <a:rPr lang="en-US" altLang="ko-KR" sz="2800" spc="-100" dirty="0">
+                <a:solidFill>
+                  <a:srgbClr val="006BB1"/>
+                </a:solidFill>
+                <a:latin typeface="나눔바른고딕OTF"/>
+                <a:ea typeface="나눔바른고딕OTF"/>
+              </a:rPr>
+              <a:t>Class</a:t>
+            </a:r>
+            <a:r>
+              <a:rPr lang="ko-KR" altLang="en-US" sz="2800" spc="-100" dirty="0">
+                <a:solidFill>
+                  <a:srgbClr val="006BB1"/>
+                </a:solidFill>
+                <a:latin typeface="나눔바른고딕OTF"/>
+                <a:ea typeface="나눔바른고딕OTF"/>
+              </a:rPr>
+              <a:t>로 예측한 확률에</a:t>
+            </a:r>
+            <a:r>
+              <a:rPr lang="en-US" altLang="ko-KR" sz="2800" b="0" i="0" u="none" strike="noStrike" spc="-100" dirty="0">
                 <a:solidFill>
                   <a:srgbClr val="006BB1"/>
                 </a:solidFill>
@@ -16362,7 +17653,7 @@
               <a:t> </a:t>
             </a:r>
             <a:r>
-              <a:rPr lang="ko-KR" sz="2800" b="0" i="0" u="none" strike="noStrike" spc="-100">
+              <a:rPr lang="ko-KR" altLang="ko-KR" sz="2800" b="0" i="0" u="none" strike="noStrike" spc="-100" dirty="0">
                 <a:solidFill>
                   <a:srgbClr val="006BB1"/>
                 </a:solidFill>
@@ -16372,7 +17663,7 @@
               <a:t>대한</a:t>
             </a:r>
             <a:r>
-              <a:rPr lang="en-US" sz="2800" b="0" i="0" u="none" strike="noStrike" spc="-100">
+              <a:rPr lang="en-US" altLang="ko-KR" sz="2800" b="0" i="0" u="none" strike="noStrike" spc="-100" dirty="0">
                 <a:solidFill>
                   <a:srgbClr val="006BB1"/>
                 </a:solidFill>
@@ -16382,7 +17673,7 @@
               <a:t> </a:t>
             </a:r>
             <a:r>
-              <a:rPr lang="ko-KR" sz="2800" b="0" i="0" u="none" strike="noStrike" spc="-100">
+              <a:rPr lang="ko-KR" altLang="ko-KR" sz="2800" b="0" i="0" u="none" strike="noStrike" spc="-100" dirty="0">
                 <a:solidFill>
                   <a:srgbClr val="006BB1"/>
                 </a:solidFill>
@@ -16687,6 +17978,16 @@
               <a:defRPr/>
             </a:pPr>
             <a:r>
+              <a:rPr lang="en-US" sz="5000" dirty="0">
+                <a:solidFill>
+                  <a:srgbClr val="006BB1"/>
+                </a:solidFill>
+                <a:latin typeface="나눔바른고딕OTF"/>
+                <a:ea typeface="나눔바른고딕OTF"/>
+              </a:rPr>
+              <a:t>Model4 </a:t>
+            </a:r>
+            <a:r>
               <a:rPr lang="en-US" sz="5000" b="0" i="0" u="none" strike="noStrike" dirty="0">
                 <a:solidFill>
                   <a:srgbClr val="006BB1"/>
@@ -16826,77 +18127,6 @@
           </a:prstGeom>
         </p:spPr>
       </p:pic>
-      <p:sp>
-        <p:nvSpPr>
-          <p:cNvPr id="13" name="TextBox 18">
-            <a:extLst>
-              <a:ext uri="{FF2B5EF4-FFF2-40B4-BE49-F238E27FC236}">
-                <a16:creationId xmlns:a16="http://schemas.microsoft.com/office/drawing/2014/main" id="{C8EBF270-4355-DC8A-C8D1-C673B2D0B3FE}"/>
-              </a:ext>
-            </a:extLst>
-          </p:cNvPr>
-          <p:cNvSpPr txBox="1"/>
-          <p:nvPr/>
-        </p:nvSpPr>
-        <p:spPr>
-          <a:xfrm>
-            <a:off x="1955800" y="1676400"/>
-            <a:ext cx="8102600" cy="495300"/>
-          </a:xfrm>
-          <a:prstGeom prst="rect">
-            <a:avLst/>
-          </a:prstGeom>
-        </p:spPr>
-        <p:txBody>
-          <a:bodyPr lIns="0" tIns="0" rIns="0" bIns="0" anchor="ctr"/>
-          <a:lstStyle/>
-          <a:p>
-            <a:pPr lvl="0" algn="l">
-              <a:lnSpc>
-                <a:spcPct val="149400"/>
-              </a:lnSpc>
-              <a:defRPr/>
-            </a:pPr>
-            <a:r>
-              <a:rPr lang="en-US" altLang="ko-KR" sz="2800" spc="-100" dirty="0">
-                <a:solidFill>
-                  <a:srgbClr val="006BB1"/>
-                </a:solidFill>
-                <a:latin typeface="나눔바른고딕OTF"/>
-                <a:ea typeface="나눔바른고딕OTF"/>
-              </a:rPr>
-              <a:t>Model</a:t>
-            </a:r>
-            <a:r>
-              <a:rPr lang="ko-KR" altLang="en-US" sz="2800" spc="-100" dirty="0">
-                <a:solidFill>
-                  <a:srgbClr val="006BB1"/>
-                </a:solidFill>
-                <a:latin typeface="나눔바른고딕OTF"/>
-                <a:ea typeface="나눔바른고딕OTF"/>
-              </a:rPr>
-              <a:t> </a:t>
-            </a:r>
-            <a:r>
-              <a:rPr lang="en-US" altLang="ko-KR" sz="2800" spc="-100" dirty="0">
-                <a:solidFill>
-                  <a:srgbClr val="006BB1"/>
-                </a:solidFill>
-                <a:latin typeface="나눔바른고딕OTF"/>
-                <a:ea typeface="나눔바른고딕OTF"/>
-              </a:rPr>
-              <a:t>4</a:t>
-            </a:r>
-            <a:endParaRPr lang="ko-KR" sz="2800" b="0" i="0" u="none" strike="noStrike" spc="-100" dirty="0">
-              <a:solidFill>
-                <a:srgbClr val="006BB1"/>
-              </a:solidFill>
-              <a:latin typeface="나눔바른고딕OTF"/>
-              <a:ea typeface="나눔바른고딕OTF"/>
-            </a:endParaRPr>
-          </a:p>
-        </p:txBody>
-      </p:sp>
       <p:sp>
         <p:nvSpPr>
           <p:cNvPr id="14" name="직사각형 13">
@@ -17056,6 +18286,210 @@
           <a:p>
             <a:pPr algn="ctr"/>
             <a:endParaRPr lang="ko-KR" altLang="en-US"/>
+          </a:p>
+        </p:txBody>
+      </p:sp>
+      <p:sp>
+        <p:nvSpPr>
+          <p:cNvPr id="17" name="직사각형 16">
+            <a:extLst>
+              <a:ext uri="{FF2B5EF4-FFF2-40B4-BE49-F238E27FC236}">
+                <a16:creationId xmlns:a16="http://schemas.microsoft.com/office/drawing/2014/main" id="{DD10BC5B-44F0-61C2-01CE-4D6ED92BE2CD}"/>
+              </a:ext>
+            </a:extLst>
+          </p:cNvPr>
+          <p:cNvSpPr/>
+          <p:nvPr/>
+        </p:nvSpPr>
+        <p:spPr>
+          <a:xfrm>
+            <a:off x="5354610" y="2642580"/>
+            <a:ext cx="875260" cy="651280"/>
+          </a:xfrm>
+          <a:prstGeom prst="rect">
+            <a:avLst/>
+          </a:prstGeom>
+          <a:solidFill>
+            <a:srgbClr val="084082"/>
+          </a:solidFill>
+          <a:ln>
+            <a:noFill/>
+          </a:ln>
+        </p:spPr>
+        <p:style>
+          <a:lnRef idx="2">
+            <a:schemeClr val="accent1">
+              <a:shade val="15000"/>
+            </a:schemeClr>
+          </a:lnRef>
+          <a:fillRef idx="1">
+            <a:schemeClr val="accent1"/>
+          </a:fillRef>
+          <a:effectRef idx="0">
+            <a:schemeClr val="accent1"/>
+          </a:effectRef>
+          <a:fontRef idx="minor">
+            <a:schemeClr val="lt1"/>
+          </a:fontRef>
+        </p:style>
+        <p:txBody>
+          <a:bodyPr rtlCol="0" anchor="ctr"/>
+          <a:lstStyle/>
+          <a:p>
+            <a:pPr algn="ctr"/>
+            <a:r>
+              <a:rPr lang="en-US" altLang="ko-KR" sz="2000" dirty="0">
+                <a:solidFill>
+                  <a:schemeClr val="bg1"/>
+                </a:solidFill>
+                <a:latin typeface="나눔바른고딕OTF" panose="02020603020101020101" pitchFamily="18" charset="-127"/>
+                <a:ea typeface="나눔바른고딕OTF" panose="02020603020101020101" pitchFamily="18" charset="-127"/>
+              </a:rPr>
+              <a:t>0.92</a:t>
+            </a:r>
+            <a:endParaRPr lang="ko-KR" altLang="en-US" sz="2000" dirty="0">
+              <a:solidFill>
+                <a:schemeClr val="bg1"/>
+              </a:solidFill>
+              <a:latin typeface="나눔바른고딕OTF" panose="02020603020101020101" pitchFamily="18" charset="-127"/>
+              <a:ea typeface="나눔바른고딕OTF" panose="02020603020101020101" pitchFamily="18" charset="-127"/>
+            </a:endParaRPr>
+          </a:p>
+        </p:txBody>
+      </p:sp>
+      <p:sp>
+        <p:nvSpPr>
+          <p:cNvPr id="19" name="직사각형 18">
+            <a:extLst>
+              <a:ext uri="{FF2B5EF4-FFF2-40B4-BE49-F238E27FC236}">
+                <a16:creationId xmlns:a16="http://schemas.microsoft.com/office/drawing/2014/main" id="{82662322-465C-A844-2491-DA23EE0E9520}"/>
+              </a:ext>
+            </a:extLst>
+          </p:cNvPr>
+          <p:cNvSpPr/>
+          <p:nvPr/>
+        </p:nvSpPr>
+        <p:spPr>
+          <a:xfrm>
+            <a:off x="7262610" y="4589260"/>
+            <a:ext cx="875260" cy="651280"/>
+          </a:xfrm>
+          <a:prstGeom prst="rect">
+            <a:avLst/>
+          </a:prstGeom>
+          <a:solidFill>
+            <a:srgbClr val="08306B"/>
+          </a:solidFill>
+          <a:ln>
+            <a:noFill/>
+          </a:ln>
+        </p:spPr>
+        <p:style>
+          <a:lnRef idx="2">
+            <a:schemeClr val="accent1">
+              <a:shade val="15000"/>
+            </a:schemeClr>
+          </a:lnRef>
+          <a:fillRef idx="1">
+            <a:schemeClr val="accent1"/>
+          </a:fillRef>
+          <a:effectRef idx="0">
+            <a:schemeClr val="accent1"/>
+          </a:effectRef>
+          <a:fontRef idx="minor">
+            <a:schemeClr val="lt1"/>
+          </a:fontRef>
+        </p:style>
+        <p:txBody>
+          <a:bodyPr rtlCol="0" anchor="ctr"/>
+          <a:lstStyle/>
+          <a:p>
+            <a:pPr algn="ctr"/>
+            <a:r>
+              <a:rPr lang="en-US" altLang="ko-KR" sz="2000" dirty="0">
+                <a:solidFill>
+                  <a:schemeClr val="bg1"/>
+                </a:solidFill>
+                <a:latin typeface="나눔바른고딕OTF" panose="02020603020101020101" pitchFamily="18" charset="-127"/>
+                <a:ea typeface="나눔바른고딕OTF" panose="02020603020101020101" pitchFamily="18" charset="-127"/>
+              </a:rPr>
+              <a:t>0.98</a:t>
+            </a:r>
+            <a:endParaRPr lang="ko-KR" altLang="en-US" sz="2000" dirty="0">
+              <a:solidFill>
+                <a:schemeClr val="bg1"/>
+              </a:solidFill>
+              <a:latin typeface="나눔바른고딕OTF" panose="02020603020101020101" pitchFamily="18" charset="-127"/>
+              <a:ea typeface="나눔바른고딕OTF" panose="02020603020101020101" pitchFamily="18" charset="-127"/>
+            </a:endParaRPr>
+          </a:p>
+        </p:txBody>
+      </p:sp>
+      <p:sp>
+        <p:nvSpPr>
+          <p:cNvPr id="20" name="직사각형 19">
+            <a:extLst>
+              <a:ext uri="{FF2B5EF4-FFF2-40B4-BE49-F238E27FC236}">
+                <a16:creationId xmlns:a16="http://schemas.microsoft.com/office/drawing/2014/main" id="{0A1AD5B9-675D-D640-244B-2874F6A02976}"/>
+              </a:ext>
+            </a:extLst>
+          </p:cNvPr>
+          <p:cNvSpPr/>
+          <p:nvPr/>
+        </p:nvSpPr>
+        <p:spPr>
+          <a:xfrm>
+            <a:off x="9170610" y="6497260"/>
+            <a:ext cx="875260" cy="651280"/>
+          </a:xfrm>
+          <a:prstGeom prst="rect">
+            <a:avLst/>
+          </a:prstGeom>
+          <a:solidFill>
+            <a:srgbClr val="084184"/>
+          </a:solidFill>
+          <a:ln>
+            <a:noFill/>
+          </a:ln>
+        </p:spPr>
+        <p:style>
+          <a:lnRef idx="2">
+            <a:schemeClr val="accent1">
+              <a:shade val="15000"/>
+            </a:schemeClr>
+          </a:lnRef>
+          <a:fillRef idx="1">
+            <a:schemeClr val="accent1"/>
+          </a:fillRef>
+          <a:effectRef idx="0">
+            <a:schemeClr val="accent1"/>
+          </a:effectRef>
+          <a:fontRef idx="minor">
+            <a:schemeClr val="lt1"/>
+          </a:fontRef>
+        </p:style>
+        <p:txBody>
+          <a:bodyPr rtlCol="0" anchor="ctr"/>
+          <a:lstStyle/>
+          <a:p>
+            <a:pPr algn="ctr"/>
+            <a:r>
+              <a:rPr lang="en-US" altLang="ko-KR" sz="2000" dirty="0">
+                <a:solidFill>
+                  <a:schemeClr val="bg1"/>
+                </a:solidFill>
+                <a:latin typeface="나눔바른고딕OTF" panose="02020603020101020101" pitchFamily="18" charset="-127"/>
+                <a:ea typeface="나눔바른고딕OTF" panose="02020603020101020101" pitchFamily="18" charset="-127"/>
+              </a:rPr>
+              <a:t>0.92</a:t>
+            </a:r>
+            <a:endParaRPr lang="ko-KR" altLang="en-US" sz="2000" dirty="0">
+              <a:solidFill>
+                <a:schemeClr val="bg1"/>
+              </a:solidFill>
+              <a:latin typeface="나눔바른고딕OTF" panose="02020603020101020101" pitchFamily="18" charset="-127"/>
+              <a:ea typeface="나눔바른고딕OTF" panose="02020603020101020101" pitchFamily="18" charset="-127"/>
+            </a:endParaRPr>
           </a:p>
         </p:txBody>
       </p:sp>
@@ -21518,7 +22952,7 @@
           </a:prstGeom>
         </p:spPr>
         <p:txBody>
-          <a:bodyPr lIns="0" tIns="0" rIns="0" bIns="0" anchor="ctr"/>
+          <a:bodyPr lIns="0" tIns="0" rIns="0" bIns="0" anchor="t"/>
           <a:lstStyle/>
           <a:p>
             <a:pPr lvl="0" algn="l">
@@ -21528,6 +22962,16 @@
               <a:defRPr/>
             </a:pPr>
             <a:r>
+              <a:rPr lang="en-US" altLang="ko-KR" sz="2800" spc="-100" dirty="0">
+                <a:solidFill>
+                  <a:srgbClr val="006BB1"/>
+                </a:solidFill>
+                <a:latin typeface="나눔바른고딕OTF"/>
+                <a:ea typeface="나눔바른고딕OTF"/>
+              </a:rPr>
+              <a:t>- </a:t>
+            </a:r>
+            <a:r>
               <a:rPr lang="ko-KR" altLang="en-US" sz="2800" spc="-100" dirty="0">
                 <a:solidFill>
                   <a:srgbClr val="006BB1"/>
@@ -21535,9 +22979,9 @@
                 <a:latin typeface="나눔바른고딕OTF"/>
                 <a:ea typeface="나눔바른고딕OTF"/>
               </a:rPr>
-              <a:t>데이터셋 질 개선 </a:t>
-            </a:r>
-            <a:r>
+              <a:t>학습 데이터셋의 개선</a:t>
+            </a:r>
+            <a:br>
               <a:rPr lang="en-US" altLang="ko-KR" sz="2800" spc="-100" dirty="0">
                 <a:solidFill>
                   <a:srgbClr val="006BB1"/>
@@ -21545,25 +22989,46 @@
                 <a:latin typeface="나눔바른고딕OTF"/>
                 <a:ea typeface="나눔바른고딕OTF"/>
               </a:rPr>
-              <a:t>: </a:t>
-            </a:r>
-            <a:r>
-              <a:rPr lang="ko-KR" altLang="en-US" sz="2800" spc="-100">
-                <a:solidFill>
-                  <a:srgbClr val="006BB1"/>
-                </a:solidFill>
-                <a:latin typeface="나눔바른고딕OTF"/>
-                <a:ea typeface="나눔바른고딕OTF"/>
-              </a:rPr>
-              <a:t>데이터 편향</a:t>
-            </a:r>
-            <a:endParaRPr lang="en-US" altLang="ko-KR" sz="2800" spc="-100" dirty="0">
-              <a:solidFill>
-                <a:srgbClr val="006BB1"/>
-              </a:solidFill>
-              <a:latin typeface="나눔바른고딕OTF"/>
-              <a:ea typeface="나눔바른고딕OTF"/>
-            </a:endParaRPr>
+            </a:br>
+            <a:r>
+              <a:rPr lang="en-US" altLang="ko-KR" sz="2800" spc="-100" dirty="0">
+                <a:solidFill>
+                  <a:srgbClr val="006BB1"/>
+                </a:solidFill>
+                <a:latin typeface="나눔바른고딕OTF"/>
+                <a:ea typeface="나눔바른고딕OTF"/>
+              </a:rPr>
+              <a:t> : </a:t>
+            </a:r>
+            <a:r>
+              <a:rPr lang="ko-KR" altLang="en-US" sz="2800" spc="-100" dirty="0">
+                <a:solidFill>
+                  <a:srgbClr val="006BB1"/>
+                </a:solidFill>
+                <a:latin typeface="나눔바른고딕OTF"/>
+                <a:ea typeface="나눔바른고딕OTF"/>
+              </a:rPr>
+              <a:t>학습 데이터를 구성하는 과정에서 데이터의 편향을 제대로 확인하지 못함</a:t>
+            </a:r>
+            <a:br>
+              <a:rPr lang="en-US" altLang="ko-KR" sz="2800" spc="-100" dirty="0">
+                <a:solidFill>
+                  <a:srgbClr val="006BB1"/>
+                </a:solidFill>
+                <a:latin typeface="나눔바른고딕OTF"/>
+                <a:ea typeface="나눔바른고딕OTF"/>
+              </a:rPr>
+            </a:br>
+            <a:r>
+              <a:rPr lang="en-US" altLang="ko-KR" sz="2800" spc="-100" dirty="0">
+                <a:solidFill>
+                  <a:srgbClr val="006BB1"/>
+                </a:solidFill>
+                <a:latin typeface="나눔바른고딕OTF"/>
+                <a:ea typeface="나눔바른고딕OTF"/>
+              </a:rPr>
+              <a:t> </a:t>
+            </a:r>
           </a:p>
           <a:p>
             <a:pPr lvl="0" algn="l">
@@ -21573,6 +23038,16 @@
               <a:defRPr/>
             </a:pPr>
             <a:r>
+              <a:rPr lang="en-US" altLang="ko-KR" sz="2800" b="0" i="0" u="none" strike="noStrike" spc="-100" dirty="0">
+                <a:solidFill>
+                  <a:srgbClr val="006BB1"/>
+                </a:solidFill>
+                <a:latin typeface="나눔바른고딕OTF"/>
+                <a:ea typeface="나눔바른고딕OTF"/>
+              </a:rPr>
+              <a:t>- </a:t>
+            </a:r>
+            <a:r>
               <a:rPr lang="ko-KR" altLang="en-US" sz="2800" b="0" i="0" u="none" strike="noStrike" spc="-100" dirty="0">
                 <a:solidFill>
                   <a:srgbClr val="006BB1"/>
@@ -21580,8 +23055,66 @@
                 <a:latin typeface="나눔바른고딕OTF"/>
                 <a:ea typeface="나눔바른고딕OTF"/>
               </a:rPr>
-              <a:t>다른 알고리즘 활용</a:t>
-            </a:r>
+              <a:t>여러 알고리즘 활용 및 비교</a:t>
+            </a:r>
+            <a:br>
+              <a:rPr lang="en-US" altLang="ko-KR" sz="2800" b="0" i="0" u="none" strike="noStrike" spc="-100" dirty="0">
+                <a:solidFill>
+                  <a:srgbClr val="006BB1"/>
+                </a:solidFill>
+                <a:latin typeface="나눔바른고딕OTF"/>
+                <a:ea typeface="나눔바른고딕OTF"/>
+              </a:rPr>
+            </a:br>
+            <a:r>
+              <a:rPr lang="en-US" altLang="ko-KR" sz="2800" b="0" i="0" u="none" strike="noStrike" spc="-100" dirty="0">
+                <a:solidFill>
+                  <a:srgbClr val="006BB1"/>
+                </a:solidFill>
+                <a:latin typeface="나눔바른고딕OTF"/>
+                <a:ea typeface="나눔바른고딕OTF"/>
+              </a:rPr>
+              <a:t>: </a:t>
+            </a:r>
+            <a:r>
+              <a:rPr lang="ko-KR" altLang="en-US" sz="2800" b="0" i="0" u="none" strike="noStrike" spc="-100" dirty="0">
+                <a:solidFill>
+                  <a:srgbClr val="006BB1"/>
+                </a:solidFill>
+                <a:latin typeface="나눔바른고딕OTF"/>
+                <a:ea typeface="나눔바른고딕OTF"/>
+              </a:rPr>
+              <a:t>다른 알고리즘을 사용하여 모델을 테스트 해보지 않고 </a:t>
+            </a:r>
+            <a:r>
+              <a:rPr lang="en-US" altLang="ko-KR" sz="2800" b="0" i="0" u="none" strike="noStrike" spc="-100" dirty="0">
+                <a:solidFill>
+                  <a:srgbClr val="006BB1"/>
+                </a:solidFill>
+                <a:latin typeface="나눔바른고딕OTF"/>
+                <a:ea typeface="나눔바른고딕OTF"/>
+              </a:rPr>
+              <a:t>yolo</a:t>
+            </a:r>
+            <a:r>
+              <a:rPr lang="ko-KR" altLang="en-US" sz="2800" b="0" i="0" u="none" strike="noStrike" spc="-100" dirty="0">
+                <a:solidFill>
+                  <a:srgbClr val="006BB1"/>
+                </a:solidFill>
+                <a:latin typeface="나눔바른고딕OTF"/>
+                <a:ea typeface="나눔바른고딕OTF"/>
+              </a:rPr>
+              <a:t>로만 실험</a:t>
+            </a:r>
+            <a:br>
+              <a:rPr lang="en-US" altLang="ko-KR" sz="2800" b="0" i="0" u="none" strike="noStrike" spc="-100" dirty="0">
+                <a:solidFill>
+                  <a:srgbClr val="006BB1"/>
+                </a:solidFill>
+                <a:latin typeface="나눔바른고딕OTF"/>
+                <a:ea typeface="나눔바른고딕OTF"/>
+              </a:rPr>
+            </a:br>
             <a:endParaRPr lang="en-US" altLang="ko-KR" sz="2800" b="0" i="0" u="none" strike="noStrike" spc="-100" dirty="0">
               <a:solidFill>
                 <a:srgbClr val="006BB1"/>
@@ -21598,6 +23131,16 @@
               <a:defRPr/>
             </a:pPr>
             <a:r>
+              <a:rPr lang="en-US" altLang="ko-KR" sz="2800" spc="-100" dirty="0">
+                <a:solidFill>
+                  <a:srgbClr val="006BB1"/>
+                </a:solidFill>
+                <a:latin typeface="나눔바른고딕OTF"/>
+                <a:ea typeface="나눔바른고딕OTF"/>
+              </a:rPr>
+              <a:t>- </a:t>
+            </a:r>
+            <a:r>
               <a:rPr lang="ko-KR" altLang="en-US" sz="2800" spc="-100" dirty="0">
                 <a:solidFill>
                   <a:srgbClr val="006BB1"/>
@@ -21605,7 +23148,36 @@
                 <a:latin typeface="나눔바른고딕OTF"/>
                 <a:ea typeface="나눔바른고딕OTF"/>
               </a:rPr>
-              <a:t>실제 데이터와 최대한 유사한 테스트셋을 구성했지만 실제 데이터로는 테스트를 해보지 않은 점</a:t>
+              <a:t>실제 데이터 테스트</a:t>
+            </a:r>
+            <a:br>
+              <a:rPr lang="en-US" altLang="ko-KR" sz="2800" spc="-100" dirty="0">
+                <a:solidFill>
+                  <a:srgbClr val="006BB1"/>
+                </a:solidFill>
+                <a:latin typeface="나눔바른고딕OTF"/>
+                <a:ea typeface="나눔바른고딕OTF"/>
+              </a:rPr>
+            </a:br>
+            <a:r>
+              <a:rPr lang="en-US" altLang="ko-KR" sz="2800" spc="-100" dirty="0">
+                <a:solidFill>
+                  <a:srgbClr val="006BB1"/>
+                </a:solidFill>
+                <a:latin typeface="나눔바른고딕OTF"/>
+                <a:ea typeface="나눔바른고딕OTF"/>
+              </a:rPr>
+              <a:t>: </a:t>
+            </a:r>
+            <a:r>
+              <a:rPr lang="ko-KR" altLang="en-US" sz="2800" spc="-100" dirty="0">
+                <a:solidFill>
+                  <a:srgbClr val="006BB1"/>
+                </a:solidFill>
+                <a:latin typeface="나눔바른고딕OTF"/>
+                <a:ea typeface="나눔바른고딕OTF"/>
+              </a:rPr>
+              <a:t>테스트셋을 실제 환경과 유사하게 구성하려 노력했지만 실제 중고 마켓에 올라와 있는 데이터로는 테스트를 해보지 못함</a:t>
             </a:r>
             <a:endParaRPr lang="en-US" altLang="ko-KR" sz="2800" b="0" i="0" u="none" strike="noStrike" spc="-100" dirty="0">
               <a:solidFill>
@@ -21628,580 +23200,6 @@
     <a:masterClrMapping/>
   </p:clrMapOvr>
   <p:transition/>
-</p:sld>
-</file>
-
-<file path=ppt/slides/slide26.xml><?xml version="1.0" encoding="utf-8"?>
-<p:sld xmlns:a="http://schemas.openxmlformats.org/drawingml/2006/main" xmlns:r="http://schemas.openxmlformats.org/officeDocument/2006/relationships" xmlns:p="http://schemas.openxmlformats.org/presentationml/2006/main">
-  <p:cSld>
-    <p:bg>
-      <p:bgPr>
-        <a:solidFill>
-          <a:srgbClr val="006BB1"/>
-        </a:solidFill>
-        <a:effectLst/>
-      </p:bgPr>
-    </p:bg>
-    <p:spTree>
-      <p:nvGrpSpPr>
-        <p:cNvPr id="1" name=""/>
-        <p:cNvGrpSpPr/>
-        <p:nvPr/>
-      </p:nvGrpSpPr>
-      <p:grpSpPr>
-        <a:xfrm>
-          <a:off x="0" y="0"/>
-          <a:ext cx="0" cy="0"/>
-          <a:chOff x="0" y="0"/>
-          <a:chExt cx="0" cy="0"/>
-        </a:xfrm>
-      </p:grpSpPr>
-      <p:sp>
-        <p:nvSpPr>
-          <p:cNvPr id="2" name="TextBox 2"/>
-          <p:cNvSpPr txBox="1"/>
-          <p:nvPr/>
-        </p:nvSpPr>
-        <p:spPr>
-          <a:xfrm>
-            <a:off x="2336800" y="1270000"/>
-            <a:ext cx="3581400" cy="508000"/>
-          </a:xfrm>
-          <a:prstGeom prst="rect">
-            <a:avLst/>
-          </a:prstGeom>
-        </p:spPr>
-        <p:txBody>
-          <a:bodyPr lIns="0" tIns="0" rIns="0" bIns="0" anchor="ctr"/>
-          <a:lstStyle/>
-          <a:p>
-            <a:pPr lvl="0" algn="l">
-              <a:lnSpc>
-                <a:spcPct val="99600"/>
-              </a:lnSpc>
-              <a:defRPr/>
-            </a:pPr>
-            <a:r>
-              <a:rPr lang="ko-KR" altLang="en-US" sz="2800" b="0" i="0" u="none" strike="noStrike">
-                <a:solidFill>
-                  <a:srgbClr val="F7F2EB"/>
-                </a:solidFill>
-                <a:latin typeface="나눔바른고딕OTF"/>
-                <a:ea typeface="나눔바른고딕OTF"/>
-              </a:rPr>
-              <a:t>조 이름</a:t>
-            </a:r>
-          </a:p>
-        </p:txBody>
-      </p:sp>
-      <p:pic>
-        <p:nvPicPr>
-          <p:cNvPr id="3" name="Picture 3"/>
-          <p:cNvPicPr>
-            <a:picLocks noChangeAspect="1"/>
-          </p:cNvPicPr>
-          <p:nvPr/>
-        </p:nvPicPr>
-        <p:blipFill rotWithShape="1">
-          <a:blip r:embed="rId2"/>
-          <a:stretch>
-            <a:fillRect/>
-          </a:stretch>
-        </p:blipFill>
-        <p:spPr>
-          <a:xfrm>
-            <a:off x="9144000" y="1524000"/>
-            <a:ext cx="9144000" cy="25400"/>
-          </a:xfrm>
-          <a:prstGeom prst="rect">
-            <a:avLst/>
-          </a:prstGeom>
-        </p:spPr>
-      </p:pic>
-      <p:pic>
-        <p:nvPicPr>
-          <p:cNvPr id="4" name="Picture 4"/>
-          <p:cNvPicPr>
-            <a:picLocks noChangeAspect="1"/>
-          </p:cNvPicPr>
-          <p:nvPr/>
-        </p:nvPicPr>
-        <p:blipFill rotWithShape="1">
-          <a:blip r:embed="rId3"/>
-          <a:stretch>
-            <a:fillRect/>
-          </a:stretch>
-        </p:blipFill>
-        <p:spPr>
-          <a:xfrm>
-            <a:off x="16179800" y="952500"/>
-            <a:ext cx="1143000" cy="1143000"/>
-          </a:xfrm>
-          <a:prstGeom prst="rect">
-            <a:avLst/>
-          </a:prstGeom>
-        </p:spPr>
-      </p:pic>
-      <p:pic>
-        <p:nvPicPr>
-          <p:cNvPr id="5" name="Picture 5"/>
-          <p:cNvPicPr>
-            <a:picLocks noChangeAspect="1"/>
-          </p:cNvPicPr>
-          <p:nvPr/>
-        </p:nvPicPr>
-        <p:blipFill rotWithShape="1">
-          <a:blip r:embed="rId4"/>
-          <a:stretch>
-            <a:fillRect/>
-          </a:stretch>
-        </p:blipFill>
-        <p:spPr>
-          <a:xfrm rot="5400000">
-            <a:off x="14173200" y="2552700"/>
-            <a:ext cx="5143500" cy="25400"/>
-          </a:xfrm>
-          <a:prstGeom prst="rect">
-            <a:avLst/>
-          </a:prstGeom>
-        </p:spPr>
-      </p:pic>
-      <p:pic>
-        <p:nvPicPr>
-          <p:cNvPr id="6" name="Picture 6"/>
-          <p:cNvPicPr>
-            <a:picLocks noChangeAspect="1"/>
-          </p:cNvPicPr>
-          <p:nvPr/>
-        </p:nvPicPr>
-        <p:blipFill rotWithShape="1">
-          <a:blip r:embed="rId5"/>
-          <a:stretch>
-            <a:fillRect/>
-          </a:stretch>
-        </p:blipFill>
-        <p:spPr>
-          <a:xfrm>
-            <a:off x="16446500" y="8483600"/>
-            <a:ext cx="571500" cy="571500"/>
-          </a:xfrm>
-          <a:prstGeom prst="rect">
-            <a:avLst/>
-          </a:prstGeom>
-        </p:spPr>
-      </p:pic>
-      <p:pic>
-        <p:nvPicPr>
-          <p:cNvPr id="7" name="Picture 7"/>
-          <p:cNvPicPr>
-            <a:picLocks noChangeAspect="1"/>
-          </p:cNvPicPr>
-          <p:nvPr/>
-        </p:nvPicPr>
-        <p:blipFill rotWithShape="1">
-          <a:blip r:embed="rId6"/>
-          <a:stretch>
-            <a:fillRect/>
-          </a:stretch>
-        </p:blipFill>
-        <p:spPr>
-          <a:xfrm>
-            <a:off x="16167100" y="8750300"/>
-            <a:ext cx="1143000" cy="25400"/>
-          </a:xfrm>
-          <a:prstGeom prst="rect">
-            <a:avLst/>
-          </a:prstGeom>
-        </p:spPr>
-      </p:pic>
-      <p:pic>
-        <p:nvPicPr>
-          <p:cNvPr id="8" name="Picture 8"/>
-          <p:cNvPicPr>
-            <a:picLocks noChangeAspect="1"/>
-          </p:cNvPicPr>
-          <p:nvPr/>
-        </p:nvPicPr>
-        <p:blipFill rotWithShape="1">
-          <a:blip r:embed="rId6"/>
-          <a:stretch>
-            <a:fillRect/>
-          </a:stretch>
-        </p:blipFill>
-        <p:spPr>
-          <a:xfrm rot="16200000">
-            <a:off x="16167100" y="8750300"/>
-            <a:ext cx="1143000" cy="25400"/>
-          </a:xfrm>
-          <a:prstGeom prst="rect">
-            <a:avLst/>
-          </a:prstGeom>
-        </p:spPr>
-      </p:pic>
-      <p:pic>
-        <p:nvPicPr>
-          <p:cNvPr id="9" name="Picture 9"/>
-          <p:cNvPicPr>
-            <a:picLocks noChangeAspect="1"/>
-          </p:cNvPicPr>
-          <p:nvPr/>
-        </p:nvPicPr>
-        <p:blipFill rotWithShape="1">
-          <a:blip r:embed="rId7"/>
-          <a:stretch>
-            <a:fillRect/>
-          </a:stretch>
-        </p:blipFill>
-        <p:spPr>
-          <a:xfrm>
-            <a:off x="1384300" y="1384300"/>
-            <a:ext cx="292100" cy="292100"/>
-          </a:xfrm>
-          <a:prstGeom prst="rect">
-            <a:avLst/>
-          </a:prstGeom>
-        </p:spPr>
-      </p:pic>
-      <p:pic>
-        <p:nvPicPr>
-          <p:cNvPr id="10" name="Picture 10"/>
-          <p:cNvPicPr>
-            <a:picLocks noChangeAspect="1"/>
-          </p:cNvPicPr>
-          <p:nvPr/>
-        </p:nvPicPr>
-        <p:blipFill rotWithShape="1">
-          <a:blip r:embed="rId8"/>
-          <a:stretch>
-            <a:fillRect/>
-          </a:stretch>
-        </p:blipFill>
-        <p:spPr>
-          <a:xfrm>
-            <a:off x="1092200" y="1511300"/>
-            <a:ext cx="863600" cy="25400"/>
-          </a:xfrm>
-          <a:prstGeom prst="rect">
-            <a:avLst/>
-          </a:prstGeom>
-        </p:spPr>
-      </p:pic>
-      <p:pic>
-        <p:nvPicPr>
-          <p:cNvPr id="11" name="Picture 11"/>
-          <p:cNvPicPr>
-            <a:picLocks noChangeAspect="1"/>
-          </p:cNvPicPr>
-          <p:nvPr/>
-        </p:nvPicPr>
-        <p:blipFill rotWithShape="1">
-          <a:blip r:embed="rId8"/>
-          <a:stretch>
-            <a:fillRect/>
-          </a:stretch>
-        </p:blipFill>
-        <p:spPr>
-          <a:xfrm rot="16200000">
-            <a:off x="1092200" y="1511300"/>
-            <a:ext cx="863600" cy="25400"/>
-          </a:xfrm>
-          <a:prstGeom prst="rect">
-            <a:avLst/>
-          </a:prstGeom>
-        </p:spPr>
-      </p:pic>
-      <p:pic>
-        <p:nvPicPr>
-          <p:cNvPr id="12" name="Picture 12"/>
-          <p:cNvPicPr>
-            <a:picLocks noChangeAspect="1"/>
-          </p:cNvPicPr>
-          <p:nvPr/>
-        </p:nvPicPr>
-        <p:blipFill rotWithShape="1">
-          <a:blip r:embed="rId7"/>
-          <a:stretch>
-            <a:fillRect/>
-          </a:stretch>
-        </p:blipFill>
-        <p:spPr>
-          <a:xfrm>
-            <a:off x="16598900" y="1384300"/>
-            <a:ext cx="292100" cy="292100"/>
-          </a:xfrm>
-          <a:prstGeom prst="rect">
-            <a:avLst/>
-          </a:prstGeom>
-        </p:spPr>
-      </p:pic>
-      <p:pic>
-        <p:nvPicPr>
-          <p:cNvPr id="13" name="Picture 13"/>
-          <p:cNvPicPr>
-            <a:picLocks noChangeAspect="1"/>
-          </p:cNvPicPr>
-          <p:nvPr/>
-        </p:nvPicPr>
-        <p:blipFill rotWithShape="1">
-          <a:blip r:embed="rId9"/>
-          <a:stretch>
-            <a:fillRect/>
-          </a:stretch>
-        </p:blipFill>
-        <p:spPr>
-          <a:xfrm rot="10800000">
-            <a:off x="-114300" y="8763000"/>
-            <a:ext cx="10604500" cy="25400"/>
-          </a:xfrm>
-          <a:prstGeom prst="rect">
-            <a:avLst/>
-          </a:prstGeom>
-        </p:spPr>
-      </p:pic>
-      <p:pic>
-        <p:nvPicPr>
-          <p:cNvPr id="14" name="Picture 14"/>
-          <p:cNvPicPr>
-            <a:picLocks noChangeAspect="1"/>
-          </p:cNvPicPr>
-          <p:nvPr/>
-        </p:nvPicPr>
-        <p:blipFill rotWithShape="1">
-          <a:blip r:embed="rId10"/>
-          <a:stretch>
-            <a:fillRect/>
-          </a:stretch>
-        </p:blipFill>
-        <p:spPr>
-          <a:xfrm rot="10800000">
-            <a:off x="1181100" y="8420100"/>
-            <a:ext cx="723900" cy="723900"/>
-          </a:xfrm>
-          <a:prstGeom prst="rect">
-            <a:avLst/>
-          </a:prstGeom>
-        </p:spPr>
-      </p:pic>
-      <p:pic>
-        <p:nvPicPr>
-          <p:cNvPr id="15" name="Picture 15"/>
-          <p:cNvPicPr>
-            <a:picLocks noChangeAspect="1"/>
-          </p:cNvPicPr>
-          <p:nvPr/>
-        </p:nvPicPr>
-        <p:blipFill rotWithShape="1">
-          <a:blip r:embed="rId11"/>
-          <a:stretch>
-            <a:fillRect/>
-          </a:stretch>
-        </p:blipFill>
-        <p:spPr>
-          <a:xfrm rot="16200000">
-            <a:off x="-685800" y="8496300"/>
-            <a:ext cx="4445000" cy="25400"/>
-          </a:xfrm>
-          <a:prstGeom prst="rect">
-            <a:avLst/>
-          </a:prstGeom>
-        </p:spPr>
-      </p:pic>
-      <p:pic>
-        <p:nvPicPr>
-          <p:cNvPr id="16" name="Picture 16"/>
-          <p:cNvPicPr>
-            <a:picLocks noChangeAspect="1"/>
-          </p:cNvPicPr>
-          <p:nvPr/>
-        </p:nvPicPr>
-        <p:blipFill rotWithShape="1">
-          <a:blip r:embed="rId12"/>
-          <a:stretch>
-            <a:fillRect/>
-          </a:stretch>
-        </p:blipFill>
-        <p:spPr>
-          <a:xfrm rot="10800000">
-            <a:off x="1435100" y="8674100"/>
-            <a:ext cx="203200" cy="203200"/>
-          </a:xfrm>
-          <a:prstGeom prst="rect">
-            <a:avLst/>
-          </a:prstGeom>
-        </p:spPr>
-      </p:pic>
-      <p:sp>
-        <p:nvSpPr>
-          <p:cNvPr id="17" name="TextBox 17"/>
-          <p:cNvSpPr txBox="1"/>
-          <p:nvPr/>
-        </p:nvSpPr>
-        <p:spPr>
-          <a:xfrm>
-            <a:off x="2387600" y="2781300"/>
-            <a:ext cx="9271000" cy="2476500"/>
-          </a:xfrm>
-          <a:prstGeom prst="rect">
-            <a:avLst/>
-          </a:prstGeom>
-        </p:spPr>
-        <p:txBody>
-          <a:bodyPr lIns="0" tIns="0" rIns="0" bIns="0" anchor="ctr"/>
-          <a:lstStyle/>
-          <a:p>
-            <a:pPr lvl="0" algn="l">
-              <a:lnSpc>
-                <a:spcPct val="107899"/>
-              </a:lnSpc>
-              <a:defRPr/>
-            </a:pPr>
-            <a:r>
-              <a:rPr lang="ko-KR" altLang="en-US" sz="7200" b="0" i="0" u="none" strike="noStrike" spc="-200">
-                <a:solidFill>
-                  <a:srgbClr val="F7F2EB"/>
-                </a:solidFill>
-                <a:latin typeface="나눔바른고딕OTF"/>
-                <a:ea typeface="나눔바른고딕OTF"/>
-              </a:rPr>
-              <a:t>감</a:t>
-            </a:r>
-            <a:r>
-              <a:rPr lang="en-US" altLang="ko-KR" sz="7200" b="0" i="0" u="none" strike="noStrike" spc="-200">
-                <a:solidFill>
-                  <a:srgbClr val="F7F2EB"/>
-                </a:solidFill>
-                <a:latin typeface="나눔바른고딕OTF"/>
-                <a:ea typeface="나눔바른고딕OTF"/>
-              </a:rPr>
-              <a:t>.</a:t>
-            </a:r>
-            <a:r>
-              <a:rPr lang="ko-KR" altLang="en-US" sz="7200" b="0" i="0" u="none" strike="noStrike" spc="-200">
-                <a:solidFill>
-                  <a:srgbClr val="F7F2EB"/>
-                </a:solidFill>
-                <a:latin typeface="나눔바른고딕OTF"/>
-                <a:ea typeface="나눔바른고딕OTF"/>
-              </a:rPr>
-              <a:t> 사 </a:t>
-            </a:r>
-            <a:r>
-              <a:rPr lang="en-US" altLang="ko-KR" sz="7200" b="0" i="0" u="none" strike="noStrike" spc="-200">
-                <a:solidFill>
-                  <a:srgbClr val="F7F2EB"/>
-                </a:solidFill>
-                <a:latin typeface="나눔바른고딕OTF"/>
-                <a:ea typeface="나눔바른고딕OTF"/>
-              </a:rPr>
-              <a:t>.</a:t>
-            </a:r>
-            <a:r>
-              <a:rPr lang="ko-KR" altLang="en-US" sz="7200" b="0" i="0" u="none" strike="noStrike" spc="-200">
-                <a:solidFill>
-                  <a:srgbClr val="F7F2EB"/>
-                </a:solidFill>
-                <a:latin typeface="나눔바른고딕OTF"/>
-                <a:ea typeface="나눔바른고딕OTF"/>
-              </a:rPr>
-              <a:t> </a:t>
-            </a:r>
-          </a:p>
-        </p:txBody>
-      </p:sp>
-      <p:sp>
-        <p:nvSpPr>
-          <p:cNvPr id="18" name="TextBox 18"/>
-          <p:cNvSpPr txBox="1"/>
-          <p:nvPr/>
-        </p:nvSpPr>
-        <p:spPr>
-          <a:xfrm>
-            <a:off x="2387600" y="6146800"/>
-            <a:ext cx="9105900" cy="1524000"/>
-          </a:xfrm>
-          <a:prstGeom prst="rect">
-            <a:avLst/>
-          </a:prstGeom>
-        </p:spPr>
-        <p:txBody>
-          <a:bodyPr lIns="0" tIns="0" rIns="0" bIns="0" anchor="ctr"/>
-          <a:lstStyle/>
-          <a:p>
-            <a:pPr marL="342900" lvl="0" indent="-342900" algn="l">
-              <a:lnSpc>
-                <a:spcPct val="149400"/>
-              </a:lnSpc>
-              <a:buClr>
-                <a:srgbClr val="F7F2EB"/>
-              </a:buClr>
-              <a:buFont typeface="Arial"/>
-              <a:buChar char="●"/>
-              <a:defRPr/>
-            </a:pPr>
-            <a:r>
-              <a:rPr lang="ko-KR" altLang="en-US" sz="2400" b="0" i="0" u="none" strike="noStrike" spc="-100">
-                <a:solidFill>
-                  <a:srgbClr val="F7F2EB"/>
-                </a:solidFill>
-                <a:latin typeface="Pretendard Medium"/>
-                <a:ea typeface="나눔바른고딕OTF"/>
-              </a:rPr>
-              <a:t>ㄴㅇㄹㄴ</a:t>
-            </a:r>
-          </a:p>
-        </p:txBody>
-      </p:sp>
-      <p:sp>
-        <p:nvSpPr>
-          <p:cNvPr id="19" name="TextBox 19"/>
-          <p:cNvSpPr txBox="1"/>
-          <p:nvPr/>
-        </p:nvSpPr>
-        <p:spPr>
-          <a:xfrm>
-            <a:off x="10972800" y="8597900"/>
-            <a:ext cx="4711700" cy="368300"/>
-          </a:xfrm>
-          <a:prstGeom prst="rect">
-            <a:avLst/>
-          </a:prstGeom>
-        </p:spPr>
-        <p:txBody>
-          <a:bodyPr lIns="0" tIns="0" rIns="0" bIns="0" anchor="ctr"/>
-          <a:lstStyle/>
-          <a:p>
-            <a:pPr lvl="0" algn="ctr">
-              <a:lnSpc>
-                <a:spcPct val="99600"/>
-              </a:lnSpc>
-              <a:defRPr/>
-            </a:pPr>
-            <a:r>
-              <a:rPr lang="ko-KR" altLang="en-US" sz="2100" b="0" i="0" u="none" strike="noStrike">
-                <a:solidFill>
-                  <a:srgbClr val="F7F2EB"/>
-                </a:solidFill>
-                <a:latin typeface="나눔바른고딕OTF"/>
-                <a:ea typeface="나눔바른고딕OTF"/>
-              </a:rPr>
-              <a:t>플레이데이터 평생교육원</a:t>
-            </a:r>
-          </a:p>
-        </p:txBody>
-      </p:sp>
-    </p:spTree>
-  </p:cSld>
-  <p:clrMapOvr>
-    <a:masterClrMapping/>
-  </p:clrMapOvr>
-  <mc:AlternateContent xmlns:mc="http://schemas.openxmlformats.org/markup-compatibility/2006" xmlns:p14="http://schemas.microsoft.com/office/powerpoint/2010/main">
-    <mc:Choice Requires="p14">
-      <p:transition/>
-    </mc:Choice>
-    <mc:Fallback xmlns:dsp="http://schemas.microsoft.com/office/drawing/2008/diagram" xmlns:dgm="http://schemas.openxmlformats.org/drawingml/2006/diagram" xmlns:c="http://schemas.openxmlformats.org/drawingml/2006/chart" xmlns="">
-      <p:transition/>
-    </mc:Fallback>
-  </mc:AlternateContent>
 </p:sld>
 </file>
 
@@ -23270,7 +24268,7 @@
               <a:defRPr/>
             </a:pPr>
             <a:r>
-              <a:rPr lang="ko-KR" sz="5000" b="0" i="0" u="none" strike="noStrike">
+              <a:rPr lang="ko-KR" sz="5000" b="0" i="0" u="none" strike="noStrike" dirty="0">
                 <a:solidFill>
                   <a:srgbClr val="006BB1"/>
                 </a:solidFill>
@@ -23280,7 +24278,7 @@
               <a:t>목표</a:t>
             </a:r>
             <a:r>
-              <a:rPr lang="en-US" sz="5000" b="0" i="0" u="none" strike="noStrike">
+              <a:rPr lang="en-US" sz="5000" b="0" i="0" u="none" strike="noStrike" dirty="0">
                 <a:solidFill>
                   <a:srgbClr val="006BB1"/>
                 </a:solidFill>
@@ -23290,7 +24288,7 @@
               <a:t> </a:t>
             </a:r>
             <a:r>
-              <a:rPr lang="ko-KR" sz="5000" b="0" i="0" u="none" strike="noStrike">
+              <a:rPr lang="ko-KR" sz="5000" b="0" i="0" u="none" strike="noStrike" dirty="0">
                 <a:solidFill>
                   <a:srgbClr val="006BB1"/>
                 </a:solidFill>
@@ -23874,7 +24872,7 @@
               <a:defRPr/>
             </a:pPr>
             <a:r>
-              <a:rPr lang="en-US" sz="1100" b="0" i="0" u="none" strike="noStrike">
+              <a:rPr lang="en-US" sz="1100" b="0" i="0" u="none" strike="noStrike" dirty="0">
                 <a:solidFill>
                   <a:srgbClr val="FFFFFF"/>
                 </a:solidFill>
@@ -23884,7 +24882,7 @@
               <a:t>*</a:t>
             </a:r>
             <a:r>
-              <a:rPr lang="ko-KR" sz="1100" b="0" i="0" u="none" strike="noStrike">
+              <a:rPr lang="ko-KR" sz="1100" b="0" i="0" u="none" strike="noStrike" dirty="0">
                 <a:solidFill>
                   <a:srgbClr val="FFFFFF"/>
                 </a:solidFill>
@@ -23894,7 +24892,7 @@
               <a:t>페이지</a:t>
             </a:r>
             <a:r>
-              <a:rPr lang="en-US" sz="1100" b="0" i="0" u="none" strike="noStrike">
+              <a:rPr lang="en-US" sz="1100" b="0" i="0" u="none" strike="noStrike" dirty="0">
                 <a:solidFill>
                   <a:srgbClr val="FFFFFF"/>
                 </a:solidFill>
@@ -23904,7 +24902,7 @@
               <a:t> </a:t>
             </a:r>
             <a:r>
-              <a:rPr lang="ko-KR" sz="1100" b="0" i="0" u="none" strike="noStrike">
+              <a:rPr lang="ko-KR" sz="1100" b="0" i="0" u="none" strike="noStrike" dirty="0">
                 <a:solidFill>
                   <a:srgbClr val="FFFFFF"/>
                 </a:solidFill>
@@ -23914,7 +24912,7 @@
               <a:t>내</a:t>
             </a:r>
             <a:r>
-              <a:rPr lang="en-US" sz="1100" b="0" i="0" u="none" strike="noStrike">
+              <a:rPr lang="en-US" sz="1100" b="0" i="0" u="none" strike="noStrike" dirty="0">
                 <a:solidFill>
                   <a:srgbClr val="FFFFFF"/>
                 </a:solidFill>
@@ -23924,7 +24922,7 @@
               <a:t> </a:t>
             </a:r>
             <a:r>
-              <a:rPr lang="ko-KR" sz="1100" b="0" i="0" u="none" strike="noStrike">
+              <a:rPr lang="ko-KR" sz="1100" b="0" i="0" u="none" strike="noStrike" dirty="0">
                 <a:solidFill>
                   <a:srgbClr val="FFFFFF"/>
                 </a:solidFill>
@@ -23934,7 +24932,7 @@
               <a:t>인물</a:t>
             </a:r>
             <a:r>
-              <a:rPr lang="en-US" sz="1100" b="0" i="0" u="none" strike="noStrike">
+              <a:rPr lang="en-US" sz="1100" b="0" i="0" u="none" strike="noStrike" dirty="0">
                 <a:solidFill>
                   <a:srgbClr val="FFFFFF"/>
                 </a:solidFill>
@@ -23944,7 +24942,7 @@
               <a:t> </a:t>
             </a:r>
             <a:r>
-              <a:rPr lang="ko-KR" sz="1100" b="0" i="0" u="none" strike="noStrike">
+              <a:rPr lang="ko-KR" sz="1100" b="0" i="0" u="none" strike="noStrike" dirty="0">
                 <a:solidFill>
                   <a:srgbClr val="FFFFFF"/>
                 </a:solidFill>
@@ -23954,7 +24952,7 @@
               <a:t>사진은</a:t>
             </a:r>
             <a:r>
-              <a:rPr lang="en-US" sz="1100" b="0" i="0" u="none" strike="noStrike">
+              <a:rPr lang="en-US" sz="1100" b="0" i="0" u="none" strike="noStrike" dirty="0">
                 <a:solidFill>
                   <a:srgbClr val="FFFFFF"/>
                 </a:solidFill>
@@ -23964,7 +24962,7 @@
               <a:t> </a:t>
             </a:r>
             <a:r>
-              <a:rPr lang="ko-KR" sz="1100" b="0" i="0" u="none" strike="noStrike">
+              <a:rPr lang="ko-KR" sz="1100" b="0" i="0" u="none" strike="noStrike" dirty="0" err="1">
                 <a:solidFill>
                   <a:srgbClr val="FFFFFF"/>
                 </a:solidFill>
@@ -23974,7 +24972,7 @@
               <a:t>샘플이미지</a:t>
             </a:r>
             <a:r>
-              <a:rPr lang="en-US" sz="1100" b="0" i="0" u="none" strike="noStrike">
+              <a:rPr lang="en-US" sz="1100" b="0" i="0" u="none" strike="noStrike" dirty="0">
                 <a:solidFill>
                   <a:srgbClr val="FFFFFF"/>
                 </a:solidFill>
@@ -23984,7 +24982,7 @@
               <a:t> </a:t>
             </a:r>
             <a:r>
-              <a:rPr lang="ko-KR" sz="1100" b="0" i="0" u="none" strike="noStrike">
+              <a:rPr lang="ko-KR" sz="1100" b="0" i="0" u="none" strike="noStrike" dirty="0">
                 <a:solidFill>
                   <a:srgbClr val="FFFFFF"/>
                 </a:solidFill>
@@ -23994,7 +24992,7 @@
               <a:t>입니다</a:t>
             </a:r>
             <a:r>
-              <a:rPr lang="en-US" sz="1100" b="0" i="0" u="none" strike="noStrike">
+              <a:rPr lang="en-US" sz="1100" b="0" i="0" u="none" strike="noStrike" dirty="0">
                 <a:solidFill>
                   <a:srgbClr val="FFFFFF"/>
                 </a:solidFill>
@@ -25054,7 +26052,7 @@
                 <a:latin typeface="나눔바른고딕OTF"/>
                 <a:ea typeface="나눔바른고딕OTF"/>
               </a:rPr>
-              <a:t> Dataset : 5000</a:t>
+              <a:t> Dataset : 5,000</a:t>
             </a:r>
             <a:r>
               <a:rPr lang="ko-KR" sz="4000" b="0" i="0" u="none" strike="noStrike" spc="-200" dirty="0">
@@ -25934,50 +26932,35 @@
               <a:defRPr/>
             </a:pPr>
             <a:r>
-              <a:rPr lang="en-US" sz="2000" b="0" i="0" u="none" strike="noStrike" spc="-100" dirty="0">
-                <a:solidFill>
-                  <a:srgbClr val="006BB1"/>
-                </a:solidFill>
+              <a:rPr lang="en-US" sz="2000" b="1" i="0" u="none" strike="noStrike" spc="-100" dirty="0">
                 <a:latin typeface="나눔바른고딕OTF"/>
                 <a:ea typeface="나눔바른고딕OTF"/>
               </a:rPr>
               <a:t>[</a:t>
             </a:r>
             <a:r>
-              <a:rPr lang="ko-KR" sz="2000" b="0" i="0" u="none" strike="noStrike" spc="-100" dirty="0">
-                <a:solidFill>
-                  <a:srgbClr val="006BB1"/>
-                </a:solidFill>
+              <a:rPr lang="ko-KR" sz="2000" b="1" i="0" u="none" strike="noStrike" spc="-100" dirty="0">
                 <a:latin typeface="나눔바른고딕OTF"/>
                 <a:ea typeface="나눔바른고딕OTF"/>
               </a:rPr>
               <a:t>예시</a:t>
             </a:r>
             <a:r>
-              <a:rPr lang="en-US" sz="2000" b="0" i="0" u="none" strike="noStrike" spc="-100" dirty="0">
-                <a:solidFill>
-                  <a:srgbClr val="006BB1"/>
-                </a:solidFill>
+              <a:rPr lang="en-US" sz="2000" b="1" i="0" u="none" strike="noStrike" spc="-100" dirty="0">
                 <a:latin typeface="나눔바른고딕OTF"/>
                 <a:ea typeface="나눔바른고딕OTF"/>
               </a:rPr>
               <a:t> </a:t>
             </a:r>
             <a:r>
-              <a:rPr lang="ko-KR" sz="2000" b="0" i="0" u="none" strike="noStrike" spc="-100" dirty="0">
-                <a:solidFill>
-                  <a:srgbClr val="006BB1"/>
-                </a:solidFill>
+              <a:rPr lang="ko-KR" sz="2000" b="1" i="0" u="none" strike="noStrike" spc="-100" dirty="0">
                 <a:latin typeface="나눔바른고딕OTF"/>
                 <a:ea typeface="나눔바른고딕OTF"/>
               </a:rPr>
               <a:t>이미지</a:t>
             </a:r>
             <a:r>
-              <a:rPr lang="en-US" sz="2000" b="0" i="0" u="none" strike="noStrike" spc="-100" dirty="0">
-                <a:solidFill>
-                  <a:srgbClr val="006BB1"/>
-                </a:solidFill>
+              <a:rPr lang="en-US" sz="2000" b="1" i="0" u="none" strike="noStrike" spc="-100" dirty="0">
                 <a:latin typeface="나눔바른고딕OTF"/>
                 <a:ea typeface="나눔바른고딕OTF"/>
               </a:rPr>
@@ -26036,90 +27019,63 @@
               <a:defRPr/>
             </a:pPr>
             <a:r>
-              <a:rPr lang="en-US" sz="2000" b="0" i="0" u="none" strike="noStrike" spc="-100" dirty="0">
-                <a:solidFill>
-                  <a:srgbClr val="006BB1"/>
-                </a:solidFill>
+              <a:rPr lang="en-US" sz="2000" b="1" i="0" u="none" strike="noStrike" spc="-100" dirty="0">
                 <a:latin typeface="나눔바른고딕OTF"/>
                 <a:ea typeface="나눔바른고딕OTF"/>
               </a:rPr>
               <a:t>[</a:t>
             </a:r>
             <a:r>
-              <a:rPr lang="ko-KR" sz="2000" b="0" i="0" u="none" strike="noStrike" spc="-100" dirty="0">
-                <a:solidFill>
-                  <a:srgbClr val="006BB1"/>
-                </a:solidFill>
+              <a:rPr lang="ko-KR" sz="2000" b="1" i="0" u="none" strike="noStrike" spc="-100" dirty="0">
                 <a:latin typeface="나눔바른고딕OTF"/>
                 <a:ea typeface="나눔바른고딕OTF"/>
               </a:rPr>
               <a:t>의류</a:t>
             </a:r>
             <a:r>
-              <a:rPr lang="en-US" sz="2000" b="0" i="0" u="none" strike="noStrike" spc="-100" dirty="0">
-                <a:solidFill>
-                  <a:srgbClr val="006BB1"/>
-                </a:solidFill>
+              <a:rPr lang="en-US" sz="2000" b="1" i="0" u="none" strike="noStrike" spc="-100" dirty="0">
                 <a:latin typeface="나눔바른고딕OTF"/>
                 <a:ea typeface="나눔바른고딕OTF"/>
               </a:rPr>
               <a:t> </a:t>
             </a:r>
             <a:r>
-              <a:rPr lang="ko-KR" sz="2000" b="0" i="0" u="none" strike="noStrike" spc="-100" dirty="0">
-                <a:solidFill>
-                  <a:srgbClr val="006BB1"/>
-                </a:solidFill>
+              <a:rPr lang="ko-KR" sz="2000" b="1" i="0" u="none" strike="noStrike" spc="-100" dirty="0">
                 <a:latin typeface="나눔바른고딕OTF"/>
                 <a:ea typeface="나눔바른고딕OTF"/>
               </a:rPr>
               <a:t>영역</a:t>
             </a:r>
             <a:r>
-              <a:rPr lang="en-US" sz="2000" b="0" i="0" u="none" strike="noStrike" spc="-100" dirty="0">
-                <a:solidFill>
-                  <a:srgbClr val="006BB1"/>
-                </a:solidFill>
+              <a:rPr lang="en-US" sz="2000" b="1" i="0" u="none" strike="noStrike" spc="-100" dirty="0">
                 <a:latin typeface="나눔바른고딕OTF"/>
                 <a:ea typeface="나눔바른고딕OTF"/>
               </a:rPr>
               <a:t> </a:t>
             </a:r>
             <a:r>
-              <a:rPr lang="ko-KR" sz="2000" b="0" i="0" u="none" strike="noStrike" spc="-100" dirty="0">
-                <a:solidFill>
-                  <a:srgbClr val="006BB1"/>
-                </a:solidFill>
+              <a:rPr lang="ko-KR" sz="2000" b="1" i="0" u="none" strike="noStrike" spc="-100" dirty="0">
                 <a:latin typeface="나눔바른고딕OTF"/>
                 <a:ea typeface="나눔바른고딕OTF"/>
               </a:rPr>
               <a:t>좌표</a:t>
             </a:r>
             <a:r>
-              <a:rPr lang="en-US" sz="2000" b="0" i="0" u="none" strike="noStrike" spc="-100" dirty="0">
-                <a:solidFill>
-                  <a:srgbClr val="006BB1"/>
-                </a:solidFill>
+              <a:rPr lang="en-US" sz="2000" b="1" i="0" u="none" strike="noStrike" spc="-100" dirty="0">
                 <a:latin typeface="나눔바른고딕OTF"/>
                 <a:ea typeface="나눔바른고딕OTF"/>
               </a:rPr>
               <a:t> </a:t>
             </a:r>
             <a:r>
-              <a:rPr lang="ko-KR" sz="2000" b="0" i="0" u="none" strike="noStrike" spc="-100" dirty="0">
-                <a:solidFill>
-                  <a:srgbClr val="006BB1"/>
-                </a:solidFill>
+              <a:rPr lang="ko-KR" sz="2000" b="1" i="0" u="none" strike="noStrike" spc="-100" dirty="0">
                 <a:latin typeface="나눔바른고딕OTF"/>
                 <a:ea typeface="나눔바른고딕OTF"/>
               </a:rPr>
               <a:t>이미지</a:t>
             </a:r>
             <a:r>
-              <a:rPr lang="en-US" sz="2000" b="0" i="0" u="none" strike="noStrike" spc="-100" dirty="0">
-                <a:solidFill>
-                  <a:srgbClr val="006BB1"/>
-                </a:solidFill>
+              <a:rPr lang="en-US" sz="2000" b="1" i="0" u="none" strike="noStrike" spc="-100" dirty="0">
                 <a:latin typeface="나눔바른고딕OTF"/>
                 <a:ea typeface="나눔바른고딕OTF"/>
               </a:rPr>
@@ -26154,7 +27110,7 @@
               <a:defRPr/>
             </a:pPr>
             <a:r>
-              <a:rPr lang="ko-KR" sz="2200" b="0" i="0" u="none" strike="noStrike" spc="-100">
+              <a:rPr lang="ko-KR" sz="2200" b="0" i="0" u="none" strike="noStrike" spc="-100" dirty="0">
                 <a:solidFill>
                   <a:srgbClr val="006BB1"/>
                 </a:solidFill>
@@ -26172,7 +27128,7 @@
               <a:defRPr/>
             </a:pPr>
             <a:r>
-              <a:rPr lang="en-US" sz="2200" b="0" i="0" u="none" strike="noStrike" spc="-100">
+              <a:rPr lang="en-US" sz="2200" b="0" i="0" u="none" strike="noStrike" spc="-100" dirty="0">
                 <a:solidFill>
                   <a:srgbClr val="006BB1"/>
                 </a:solidFill>
@@ -26182,7 +27138,7 @@
               <a:t>- </a:t>
             </a:r>
             <a:r>
-              <a:rPr lang="ko-KR" sz="2200" b="0" i="0" u="none" strike="noStrike" spc="-100">
+              <a:rPr lang="ko-KR" sz="2200" b="0" i="0" u="none" strike="noStrike" spc="-100" dirty="0">
                 <a:solidFill>
                   <a:srgbClr val="006BB1"/>
                 </a:solidFill>
@@ -26192,7 +27148,7 @@
               <a:t>카테고리</a:t>
             </a:r>
             <a:r>
-              <a:rPr lang="en-US" sz="2200" b="0" i="0" u="none" strike="noStrike" spc="-100">
+              <a:rPr lang="en-US" sz="2200" b="0" i="0" u="none" strike="noStrike" spc="-100" dirty="0">
                 <a:solidFill>
                   <a:srgbClr val="006BB1"/>
                 </a:solidFill>
@@ -26202,7 +27158,7 @@
               <a:t>, </a:t>
             </a:r>
             <a:r>
-              <a:rPr lang="ko-KR" sz="2200" b="0" i="0" u="none" strike="noStrike" spc="-100">
+              <a:rPr lang="ko-KR" sz="2200" b="0" i="0" u="none" strike="noStrike" spc="-100" dirty="0">
                 <a:solidFill>
                   <a:srgbClr val="006BB1"/>
                 </a:solidFill>
@@ -26212,7 +27168,7 @@
               <a:t>컬러</a:t>
             </a:r>
             <a:r>
-              <a:rPr lang="en-US" sz="2200" b="0" i="0" u="none" strike="noStrike" spc="-100">
+              <a:rPr lang="en-US" sz="2200" b="0" i="0" u="none" strike="noStrike" spc="-100" dirty="0">
                 <a:solidFill>
                   <a:srgbClr val="006BB1"/>
                 </a:solidFill>
@@ -26222,7 +27178,7 @@
               <a:t>, </a:t>
             </a:r>
             <a:r>
-              <a:rPr lang="ko-KR" sz="2200" b="0" i="0" u="none" strike="noStrike" spc="-100">
+              <a:rPr lang="ko-KR" sz="2200" b="0" i="0" u="none" strike="noStrike" spc="-100" dirty="0">
                 <a:solidFill>
                   <a:srgbClr val="006BB1"/>
                 </a:solidFill>
@@ -26232,7 +27188,7 @@
               <a:t>프린트</a:t>
             </a:r>
             <a:r>
-              <a:rPr lang="en-US" sz="2200" b="0" i="0" u="none" strike="noStrike" spc="-100">
+              <a:rPr lang="en-US" sz="2200" b="0" i="0" u="none" strike="noStrike" spc="-100" dirty="0">
                 <a:solidFill>
                   <a:srgbClr val="006BB1"/>
                 </a:solidFill>
@@ -26242,7 +27198,7 @@
               <a:t>, </a:t>
             </a:r>
             <a:r>
-              <a:rPr lang="ko-KR" sz="2200" b="0" i="0" u="none" strike="noStrike" spc="-100">
+              <a:rPr lang="ko-KR" sz="2200" b="0" i="0" u="none" strike="noStrike" spc="-100" dirty="0">
                 <a:solidFill>
                   <a:srgbClr val="006BB1"/>
                 </a:solidFill>
@@ -26252,7 +27208,7 @@
               <a:t>소재</a:t>
             </a:r>
             <a:r>
-              <a:rPr lang="en-US" sz="2200" b="0" i="0" u="none" strike="noStrike" spc="-100">
+              <a:rPr lang="en-US" sz="2200" b="0" i="0" u="none" strike="noStrike" spc="-100" dirty="0">
                 <a:solidFill>
                   <a:srgbClr val="006BB1"/>
                 </a:solidFill>
@@ -26262,7 +27218,7 @@
               <a:t>, </a:t>
             </a:r>
             <a:r>
-              <a:rPr lang="ko-KR" sz="2200" b="0" i="0" u="none" strike="noStrike" spc="-100">
+              <a:rPr lang="ko-KR" sz="2200" b="0" i="0" u="none" strike="noStrike" spc="-100" dirty="0">
                 <a:solidFill>
                   <a:srgbClr val="006BB1"/>
                 </a:solidFill>
@@ -26272,7 +27228,7 @@
               <a:t>기장</a:t>
             </a:r>
             <a:r>
-              <a:rPr lang="en-US" sz="2200" b="0" i="0" u="none" strike="noStrike" spc="-100">
+              <a:rPr lang="en-US" sz="2200" b="0" i="0" u="none" strike="noStrike" spc="-100" dirty="0">
                 <a:solidFill>
                   <a:srgbClr val="006BB1"/>
                 </a:solidFill>
@@ -26290,7 +27246,7 @@
               <a:defRPr/>
             </a:pPr>
             <a:r>
-              <a:rPr lang="ko-KR" sz="2200" b="0" i="0" u="none" strike="noStrike" spc="-100">
+              <a:rPr lang="ko-KR" sz="2200" b="0" i="0" u="none" strike="noStrike" spc="-100" dirty="0">
                 <a:solidFill>
                   <a:srgbClr val="006BB1"/>
                 </a:solidFill>
@@ -26300,7 +27256,7 @@
               <a:t>세부</a:t>
             </a:r>
             <a:r>
-              <a:rPr lang="en-US" sz="2200" b="0" i="0" u="none" strike="noStrike" spc="-100">
+              <a:rPr lang="en-US" sz="2200" b="0" i="0" u="none" strike="noStrike" spc="-100" dirty="0">
                 <a:solidFill>
                   <a:srgbClr val="006BB1"/>
                 </a:solidFill>
@@ -26310,7 +27266,7 @@
               <a:t> </a:t>
             </a:r>
             <a:r>
-              <a:rPr lang="ko-KR" sz="2200" b="0" i="0" u="none" strike="noStrike" spc="-100">
+              <a:rPr lang="ko-KR" sz="2200" b="0" i="0" u="none" strike="noStrike" spc="-100" dirty="0">
                 <a:solidFill>
                   <a:srgbClr val="006BB1"/>
                 </a:solidFill>
@@ -26328,7 +27284,7 @@
               <a:defRPr/>
             </a:pPr>
             <a:r>
-              <a:rPr lang="en-US" sz="2200" b="0" i="0" u="none" strike="noStrike" spc="-100">
+              <a:rPr lang="en-US" sz="2200" b="0" i="0" u="none" strike="noStrike" spc="-100" dirty="0">
                 <a:solidFill>
                   <a:srgbClr val="006BB1"/>
                 </a:solidFill>
@@ -26338,7 +27294,7 @@
               <a:t>- </a:t>
             </a:r>
             <a:r>
-              <a:rPr lang="ko-KR" sz="2200" b="0" i="0" u="none" strike="noStrike" spc="-100">
+              <a:rPr lang="ko-KR" sz="2200" b="0" i="0" u="none" strike="noStrike" spc="-100" dirty="0">
                 <a:solidFill>
                   <a:srgbClr val="006BB1"/>
                 </a:solidFill>
@@ -26348,7 +27304,7 @@
               <a:t>대분류에</a:t>
             </a:r>
             <a:r>
-              <a:rPr lang="en-US" sz="2200" b="0" i="0" u="none" strike="noStrike" spc="-100">
+              <a:rPr lang="en-US" sz="2200" b="0" i="0" u="none" strike="noStrike" spc="-100" dirty="0">
                 <a:solidFill>
                   <a:srgbClr val="006BB1"/>
                 </a:solidFill>
@@ -26358,7 +27314,7 @@
               <a:t> </a:t>
             </a:r>
             <a:r>
-              <a:rPr lang="ko-KR" sz="2200" b="0" i="0" u="none" strike="noStrike" spc="-100">
+              <a:rPr lang="ko-KR" sz="2200" b="0" i="0" u="none" strike="noStrike" spc="-100" dirty="0">
                 <a:solidFill>
                   <a:srgbClr val="006BB1"/>
                 </a:solidFill>
@@ -26368,7 +27324,7 @@
               <a:t>대한</a:t>
             </a:r>
             <a:r>
-              <a:rPr lang="en-US" sz="2200" b="0" i="0" u="none" strike="noStrike" spc="-100">
+              <a:rPr lang="en-US" sz="2200" b="0" i="0" u="none" strike="noStrike" spc="-100" dirty="0">
                 <a:solidFill>
                   <a:srgbClr val="006BB1"/>
                 </a:solidFill>
@@ -26378,7 +27334,7 @@
               <a:t> </a:t>
             </a:r>
             <a:r>
-              <a:rPr lang="ko-KR" sz="2200" b="0" i="0" u="none" strike="noStrike" spc="-100">
+              <a:rPr lang="ko-KR" sz="2200" b="0" i="0" u="none" strike="noStrike" spc="-100" dirty="0">
                 <a:solidFill>
                   <a:srgbClr val="006BB1"/>
                 </a:solidFill>
@@ -26388,7 +27344,7 @@
               <a:t>세부</a:t>
             </a:r>
             <a:r>
-              <a:rPr lang="en-US" sz="2200" b="0" i="0" u="none" strike="noStrike" spc="-100">
+              <a:rPr lang="en-US" sz="2200" b="0" i="0" u="none" strike="noStrike" spc="-100" dirty="0">
                 <a:solidFill>
                   <a:srgbClr val="006BB1"/>
                 </a:solidFill>
@@ -26398,7 +27354,7 @@
               <a:t> </a:t>
             </a:r>
             <a:r>
-              <a:rPr lang="ko-KR" sz="2200" b="0" i="0" u="none" strike="noStrike" spc="-100">
+              <a:rPr lang="ko-KR" sz="2200" b="0" i="0" u="none" strike="noStrike" spc="-100" dirty="0">
                 <a:solidFill>
                   <a:srgbClr val="006BB1"/>
                 </a:solidFill>
@@ -26408,7 +27364,7 @@
               <a:t>속성</a:t>
             </a:r>
             <a:r>
-              <a:rPr lang="en-US" sz="2200" b="0" i="0" u="none" strike="noStrike" spc="-100">
+              <a:rPr lang="en-US" sz="2200" b="0" i="0" u="none" strike="noStrike" spc="-100" dirty="0">
                 <a:solidFill>
                   <a:srgbClr val="006BB1"/>
                 </a:solidFill>
@@ -26418,7 +27374,7 @@
               <a:t> ex) </a:t>
             </a:r>
             <a:r>
-              <a:rPr lang="ko-KR" sz="2200" b="0" i="0" u="none" strike="noStrike" spc="-100">
+              <a:rPr lang="ko-KR" sz="2200" b="0" i="0" u="none" strike="noStrike" spc="-100" dirty="0">
                 <a:solidFill>
                   <a:srgbClr val="006BB1"/>
                 </a:solidFill>
@@ -26428,7 +27384,7 @@
               <a:t>컬러</a:t>
             </a:r>
             <a:r>
-              <a:rPr lang="en-US" sz="2200" b="0" i="0" u="none" strike="noStrike" spc="-100">
+              <a:rPr lang="en-US" sz="2200" b="0" i="0" u="none" strike="noStrike" spc="-100" dirty="0">
                 <a:solidFill>
                   <a:srgbClr val="006BB1"/>
                 </a:solidFill>
@@ -26438,7 +27394,7 @@
               <a:t> -&gt; </a:t>
             </a:r>
             <a:r>
-              <a:rPr lang="ko-KR" sz="2200" b="0" i="0" u="none" strike="noStrike" spc="-100">
+              <a:rPr lang="ko-KR" sz="2200" b="0" i="0" u="none" strike="noStrike" spc="-100" dirty="0">
                 <a:solidFill>
                   <a:srgbClr val="006BB1"/>
                 </a:solidFill>
@@ -26448,7 +27404,7 @@
               <a:t>블랙</a:t>
             </a:r>
             <a:r>
-              <a:rPr lang="en-US" sz="2200" b="0" i="0" u="none" strike="noStrike" spc="-100">
+              <a:rPr lang="en-US" sz="2200" b="0" i="0" u="none" strike="noStrike" spc="-100" dirty="0">
                 <a:solidFill>
                   <a:srgbClr val="006BB1"/>
                 </a:solidFill>
@@ -26458,7 +27414,7 @@
               <a:t>, </a:t>
             </a:r>
             <a:r>
-              <a:rPr lang="ko-KR" sz="2200" b="0" i="0" u="none" strike="noStrike" spc="-100">
+              <a:rPr lang="ko-KR" sz="2200" b="0" i="0" u="none" strike="noStrike" spc="-100" dirty="0">
                 <a:solidFill>
                   <a:srgbClr val="006BB1"/>
                 </a:solidFill>
@@ -26468,7 +27424,7 @@
               <a:t>레드</a:t>
             </a:r>
             <a:r>
-              <a:rPr lang="en-US" sz="2200" b="0" i="0" u="none" strike="noStrike" spc="-100">
+              <a:rPr lang="en-US" sz="2200" b="0" i="0" u="none" strike="noStrike" spc="-100" dirty="0">
                 <a:solidFill>
                   <a:srgbClr val="006BB1"/>
                 </a:solidFill>
@@ -26486,7 +27442,7 @@
               <a:defRPr/>
             </a:pPr>
             <a:r>
-              <a:rPr lang="ko-KR" sz="2200" b="0" i="0" u="none" strike="noStrike" spc="-100">
+              <a:rPr lang="ko-KR" sz="2200" b="0" i="0" u="none" strike="noStrike" spc="-100" dirty="0">
                 <a:solidFill>
                   <a:srgbClr val="006BB1"/>
                 </a:solidFill>
@@ -26504,7 +27460,7 @@
               <a:defRPr/>
             </a:pPr>
             <a:r>
-              <a:rPr lang="en-US" sz="2200" b="0" i="0" u="none" strike="noStrike" spc="-100">
+              <a:rPr lang="en-US" sz="2200" b="0" i="0" u="none" strike="noStrike" spc="-100" dirty="0">
                 <a:solidFill>
                   <a:srgbClr val="006BB1"/>
                 </a:solidFill>
@@ -26514,7 +27470,7 @@
               <a:t>- </a:t>
             </a:r>
             <a:r>
-              <a:rPr lang="ko-KR" sz="2200" b="0" i="0" u="none" strike="noStrike" spc="-100">
+              <a:rPr lang="ko-KR" sz="2200" b="0" i="0" u="none" strike="noStrike" spc="-100" dirty="0">
                 <a:solidFill>
                   <a:srgbClr val="006BB1"/>
                 </a:solidFill>
@@ -26524,7 +27480,7 @@
               <a:t>모던</a:t>
             </a:r>
             <a:r>
-              <a:rPr lang="en-US" sz="2200" b="0" i="0" u="none" strike="noStrike" spc="-100">
+              <a:rPr lang="en-US" sz="2200" b="0" i="0" u="none" strike="noStrike" spc="-100" dirty="0">
                 <a:solidFill>
                   <a:srgbClr val="006BB1"/>
                 </a:solidFill>
@@ -26534,7 +27490,7 @@
               <a:t>, </a:t>
             </a:r>
             <a:r>
-              <a:rPr lang="ko-KR" sz="2200" b="0" i="0" u="none" strike="noStrike" spc="-100">
+              <a:rPr lang="ko-KR" sz="2200" b="0" i="0" u="none" strike="noStrike" spc="-100" dirty="0">
                 <a:solidFill>
                   <a:srgbClr val="006BB1"/>
                 </a:solidFill>
@@ -26544,7 +27500,7 @@
               <a:t>컨트리</a:t>
             </a:r>
             <a:r>
-              <a:rPr lang="en-US" sz="2200" b="0" i="0" u="none" strike="noStrike" spc="-100">
+              <a:rPr lang="en-US" sz="2200" b="0" i="0" u="none" strike="noStrike" spc="-100" dirty="0">
                 <a:solidFill>
                   <a:srgbClr val="006BB1"/>
                 </a:solidFill>
@@ -26554,7 +27510,7 @@
               <a:t>, </a:t>
             </a:r>
             <a:r>
-              <a:rPr lang="ko-KR" sz="2200" b="0" i="0" u="none" strike="noStrike" spc="-100">
+              <a:rPr lang="ko-KR" sz="2200" b="0" i="0" u="none" strike="noStrike" spc="-100" dirty="0">
                 <a:solidFill>
                   <a:srgbClr val="006BB1"/>
                 </a:solidFill>
@@ -26564,7 +27520,7 @@
               <a:t>히피</a:t>
             </a:r>
             <a:r>
-              <a:rPr lang="en-US" sz="2200" b="0" i="0" u="none" strike="noStrike" spc="-100">
+              <a:rPr lang="en-US" sz="2200" b="0" i="0" u="none" strike="noStrike" spc="-100" dirty="0">
                 <a:solidFill>
                   <a:srgbClr val="006BB1"/>
                 </a:solidFill>
@@ -26574,7 +27530,7 @@
               <a:t>, </a:t>
             </a:r>
             <a:r>
-              <a:rPr lang="ko-KR" sz="2200" b="0" i="0" u="none" strike="noStrike" spc="-100">
+              <a:rPr lang="ko-KR" sz="2200" b="0" i="0" u="none" strike="noStrike" spc="-100" dirty="0" err="1">
                 <a:solidFill>
                   <a:srgbClr val="006BB1"/>
                 </a:solidFill>
@@ -26584,7 +27540,7 @@
               <a:t>레트로</a:t>
             </a:r>
             <a:r>
-              <a:rPr lang="en-US" sz="2200" b="0" i="0" u="none" strike="noStrike" spc="-100">
+              <a:rPr lang="en-US" sz="2200" b="0" i="0" u="none" strike="noStrike" spc="-100" dirty="0">
                 <a:solidFill>
                   <a:srgbClr val="006BB1"/>
                 </a:solidFill>
@@ -27006,7 +27962,7 @@
           <p:nvPr>
             <p:extLst>
               <p:ext uri="{D42A27DB-BD31-4B8C-83A1-F6EECF244321}">
-                <p14:modId xmlns:p14="http://schemas.microsoft.com/office/powerpoint/2010/main" val="885123325"/>
+                <p14:modId xmlns:p14="http://schemas.microsoft.com/office/powerpoint/2010/main" val="411367717"/>
               </p:ext>
             </p:extLst>
           </p:nvPr>
@@ -27051,7 +28007,7 @@
                         </a:defRPr>
                       </a:pPr>
                       <a:r>
-                        <a:rPr lang="ko-KR" sz="1700" b="0" i="0" u="none" strike="noStrike">
+                        <a:rPr lang="ko-KR" sz="1700" b="0" i="0" u="none" strike="noStrike" dirty="0">
                           <a:solidFill>
                             <a:srgbClr val="FFFFFF"/>
                           </a:solidFill>
@@ -27060,7 +28016,7 @@
                         </a:rPr>
                         <a:t>품목</a:t>
                       </a:r>
-                      <a:endParaRPr lang="en-US" sz="1100">
+                      <a:endParaRPr lang="en-US" sz="1100" dirty="0">
                         <a:latin typeface="나눔바른고딕OTF"/>
                         <a:ea typeface="나눔바른고딕OTF"/>
                       </a:endParaRPr>
@@ -27129,7 +28085,7 @@
                         </a:defRPr>
                       </a:pPr>
                       <a:r>
-                        <a:rPr lang="ko-KR" sz="1700" b="0" i="0" u="none" strike="noStrike">
+                        <a:rPr lang="ko-KR" sz="1700" b="0" i="0" u="none" strike="noStrike" dirty="0">
                           <a:solidFill>
                             <a:srgbClr val="FFFFFF"/>
                           </a:solidFill>
@@ -27139,7 +28095,7 @@
                         <a:t>데이터</a:t>
                       </a:r>
                       <a:r>
-                        <a:rPr lang="en-US" sz="1700" b="0" i="0" u="none" strike="noStrike">
+                        <a:rPr lang="en-US" sz="1700" b="0" i="0" u="none" strike="noStrike" dirty="0">
                           <a:solidFill>
                             <a:srgbClr val="FFFFFF"/>
                           </a:solidFill>
@@ -27149,7 +28105,7 @@
                         <a:t> </a:t>
                       </a:r>
                       <a:r>
-                        <a:rPr lang="ko-KR" sz="1700" b="0" i="0" u="none" strike="noStrike">
+                        <a:rPr lang="ko-KR" sz="1700" b="0" i="0" u="none" strike="noStrike" dirty="0">
                           <a:solidFill>
                             <a:srgbClr val="FFFFFF"/>
                           </a:solidFill>
@@ -27158,7 +28114,7 @@
                         </a:rPr>
                         <a:t>개수</a:t>
                       </a:r>
-                      <a:endParaRPr lang="en-US" sz="1100">
+                      <a:endParaRPr lang="en-US" sz="1100" dirty="0">
                         <a:latin typeface="나눔바른고딕OTF"/>
                         <a:ea typeface="나눔바른고딕OTF"/>
                       </a:endParaRPr>
@@ -27232,18 +28188,18 @@
                         </a:defRPr>
                       </a:pPr>
                       <a:r>
-                        <a:rPr lang="ko-KR" sz="1600" b="0" i="0" u="none" strike="noStrike">
+                        <a:rPr lang="ko-KR" sz="1600" b="0" i="0" u="none" strike="noStrike" dirty="0" err="1">
                           <a:solidFill>
                             <a:srgbClr val="8896D7"/>
                           </a:solidFill>
-                          <a:latin typeface="나눔바른고딕OTF"/>
-                          <a:ea typeface="나눔바른고딕OTF"/>
+                          <a:latin typeface="나눔바른고딕OTF" panose="02020603020101020101" pitchFamily="18" charset="-127"/>
+                          <a:ea typeface="나눔바른고딕OTF" panose="02020603020101020101" pitchFamily="18" charset="-127"/>
                         </a:rPr>
                         <a:t>긴소매</a:t>
                       </a:r>
-                      <a:endParaRPr lang="en-US" sz="1100">
-                        <a:latin typeface="나눔바른고딕OTF"/>
-                        <a:ea typeface="나눔바른고딕OTF"/>
+                      <a:endParaRPr lang="en-US" sz="1100" b="0" dirty="0">
+                        <a:latin typeface="나눔바른고딕OTF" panose="02020603020101020101" pitchFamily="18" charset="-127"/>
+                        <a:ea typeface="나눔바른고딕OTF" panose="02020603020101020101" pitchFamily="18" charset="-127"/>
                       </a:endParaRPr>
                     </a:p>
                   </a:txBody>
@@ -27308,18 +28264,18 @@
                         </a:defRPr>
                       </a:pPr>
                       <a:r>
-                        <a:rPr lang="en-US" sz="1600" b="0" i="0" u="none" strike="noStrike">
+                        <a:rPr lang="en-US" sz="1600" b="0" i="0" u="none" strike="noStrike" dirty="0">
                           <a:solidFill>
                             <a:srgbClr val="8896D7"/>
                           </a:solidFill>
-                          <a:latin typeface="나눔바른고딕OTF"/>
-                          <a:ea typeface="나눔바른고딕OTF"/>
+                          <a:latin typeface="나눔바른고딕OTF" panose="02020603020101020101" pitchFamily="18" charset="-127"/>
+                          <a:ea typeface="나눔바른고딕OTF" panose="02020603020101020101" pitchFamily="18" charset="-127"/>
                         </a:rPr>
                         <a:t>9000</a:t>
                       </a:r>
-                      <a:endParaRPr lang="en-US" sz="1100">
-                        <a:latin typeface="나눔바른고딕OTF"/>
-                        <a:ea typeface="나눔바른고딕OTF"/>
+                      <a:endParaRPr lang="en-US" sz="1100" b="0" dirty="0">
+                        <a:latin typeface="나눔바른고딕OTF" panose="02020603020101020101" pitchFamily="18" charset="-127"/>
+                        <a:ea typeface="나눔바른고딕OTF" panose="02020603020101020101" pitchFamily="18" charset="-127"/>
                       </a:endParaRPr>
                     </a:p>
                   </a:txBody>
@@ -27393,8 +28349,8 @@
                           <a:solidFill>
                             <a:srgbClr val="8896D7"/>
                           </a:solidFill>
-                          <a:latin typeface="나눔바른고딕OTF"/>
-                          <a:ea typeface="나눔바른고딕OTF"/>
+                          <a:latin typeface="나눔바른고딕OTF" panose="02020603020101020101" pitchFamily="18" charset="-127"/>
+                          <a:ea typeface="나눔바른고딕OTF" panose="02020603020101020101" pitchFamily="18" charset="-127"/>
                         </a:rPr>
                         <a:t>셔츠</a:t>
                       </a:r>
@@ -27403,8 +28359,8 @@
                           <a:solidFill>
                             <a:srgbClr val="8896D7"/>
                           </a:solidFill>
-                          <a:latin typeface="나눔바른고딕OTF"/>
-                          <a:ea typeface="나눔바른고딕OTF"/>
+                          <a:latin typeface="나눔바른고딕OTF" panose="02020603020101020101" pitchFamily="18" charset="-127"/>
+                          <a:ea typeface="나눔바른고딕OTF" panose="02020603020101020101" pitchFamily="18" charset="-127"/>
                         </a:rPr>
                         <a:t>&amp;</a:t>
                       </a:r>
@@ -27413,14 +28369,14 @@
                           <a:solidFill>
                             <a:srgbClr val="8896D7"/>
                           </a:solidFill>
-                          <a:latin typeface="나눔바른고딕OTF"/>
-                          <a:ea typeface="나눔바른고딕OTF"/>
+                          <a:latin typeface="나눔바른고딕OTF" panose="02020603020101020101" pitchFamily="18" charset="-127"/>
+                          <a:ea typeface="나눔바른고딕OTF" panose="02020603020101020101" pitchFamily="18" charset="-127"/>
                         </a:rPr>
                         <a:t>블라우스</a:t>
                       </a:r>
-                      <a:endParaRPr lang="en-US" sz="1100" dirty="0">
-                        <a:latin typeface="나눔바른고딕OTF"/>
-                        <a:ea typeface="나눔바른고딕OTF"/>
+                      <a:endParaRPr lang="en-US" sz="1100" b="0" dirty="0">
+                        <a:latin typeface="나눔바른고딕OTF" panose="02020603020101020101" pitchFamily="18" charset="-127"/>
+                        <a:ea typeface="나눔바른고딕OTF" panose="02020603020101020101" pitchFamily="18" charset="-127"/>
                       </a:endParaRPr>
                     </a:p>
                   </a:txBody>
@@ -27483,18 +28439,18 @@
                         </a:defRPr>
                       </a:pPr>
                       <a:r>
-                        <a:rPr lang="en-US" sz="1600" b="0" i="0" u="none" strike="noStrike">
+                        <a:rPr lang="en-US" sz="1600" b="0" i="0" u="none" strike="noStrike" dirty="0">
                           <a:solidFill>
                             <a:srgbClr val="8896D7"/>
                           </a:solidFill>
-                          <a:latin typeface="나눔바른고딕OTF"/>
-                          <a:ea typeface="나눔바른고딕OTF"/>
+                          <a:latin typeface="나눔바른고딕OTF" panose="02020603020101020101" pitchFamily="18" charset="-127"/>
+                          <a:ea typeface="나눔바른고딕OTF" panose="02020603020101020101" pitchFamily="18" charset="-127"/>
                         </a:rPr>
                         <a:t>4000</a:t>
                       </a:r>
-                      <a:endParaRPr lang="en-US" sz="1100">
-                        <a:latin typeface="나눔바른고딕OTF"/>
-                        <a:ea typeface="나눔바른고딕OTF"/>
+                      <a:endParaRPr lang="en-US" sz="1100" b="0" dirty="0">
+                        <a:latin typeface="나눔바른고딕OTF" panose="02020603020101020101" pitchFamily="18" charset="-127"/>
+                        <a:ea typeface="나눔바른고딕OTF" panose="02020603020101020101" pitchFamily="18" charset="-127"/>
                       </a:endParaRPr>
                     </a:p>
                   </a:txBody>
@@ -27562,18 +28518,18 @@
                         </a:defRPr>
                       </a:pPr>
                       <a:r>
-                        <a:rPr lang="ko-KR" sz="1600" b="0" i="0" u="none" strike="noStrike">
+                        <a:rPr lang="ko-KR" sz="1600" b="0" i="0" u="none" strike="noStrike" dirty="0">
                           <a:solidFill>
                             <a:srgbClr val="8896D7"/>
                           </a:solidFill>
-                          <a:latin typeface="나눔바른고딕OTF"/>
-                          <a:ea typeface="나눔바른고딕OTF"/>
+                          <a:latin typeface="나눔바른고딕OTF" panose="02020603020101020101" pitchFamily="18" charset="-127"/>
+                          <a:ea typeface="나눔바른고딕OTF" panose="02020603020101020101" pitchFamily="18" charset="-127"/>
                         </a:rPr>
                         <a:t>반소매</a:t>
                       </a:r>
-                      <a:endParaRPr lang="en-US" sz="1100">
-                        <a:latin typeface="나눔바른고딕OTF"/>
-                        <a:ea typeface="나눔바른고딕OTF"/>
+                      <a:endParaRPr lang="en-US" sz="1100" b="0" dirty="0">
+                        <a:latin typeface="나눔바른고딕OTF" panose="02020603020101020101" pitchFamily="18" charset="-127"/>
+                        <a:ea typeface="나눔바른고딕OTF" panose="02020603020101020101" pitchFamily="18" charset="-127"/>
                       </a:endParaRPr>
                     </a:p>
                   </a:txBody>
@@ -27636,18 +28592,18 @@
                         </a:defRPr>
                       </a:pPr>
                       <a:r>
-                        <a:rPr lang="en-US" sz="1600" b="0" i="0" u="none" strike="noStrike">
+                        <a:rPr lang="en-US" sz="1600" b="0" i="0" u="none" strike="noStrike" dirty="0">
                           <a:solidFill>
                             <a:srgbClr val="8896D7"/>
                           </a:solidFill>
-                          <a:latin typeface="나눔바른고딕OTF"/>
-                          <a:ea typeface="나눔바른고딕OTF"/>
+                          <a:latin typeface="나눔바른고딕OTF" panose="02020603020101020101" pitchFamily="18" charset="-127"/>
+                          <a:ea typeface="나눔바른고딕OTF" panose="02020603020101020101" pitchFamily="18" charset="-127"/>
                         </a:rPr>
                         <a:t>4000</a:t>
                       </a:r>
-                      <a:endParaRPr lang="en-US" sz="1100">
-                        <a:latin typeface="나눔바른고딕OTF"/>
-                        <a:ea typeface="나눔바른고딕OTF"/>
+                      <a:endParaRPr lang="en-US" sz="1100" b="0" dirty="0">
+                        <a:latin typeface="나눔바른고딕OTF" panose="02020603020101020101" pitchFamily="18" charset="-127"/>
+                        <a:ea typeface="나눔바른고딕OTF" panose="02020603020101020101" pitchFamily="18" charset="-127"/>
                       </a:endParaRPr>
                     </a:p>
                   </a:txBody>
@@ -27719,14 +28675,14 @@
                           <a:solidFill>
                             <a:srgbClr val="8896D7"/>
                           </a:solidFill>
-                          <a:latin typeface="나눔바른고딕OTF"/>
-                          <a:ea typeface="나눔바른고딕OTF"/>
+                          <a:latin typeface="나눔바른고딕OTF" panose="02020603020101020101" pitchFamily="18" charset="-127"/>
+                          <a:ea typeface="나눔바른고딕OTF" panose="02020603020101020101" pitchFamily="18" charset="-127"/>
                         </a:rPr>
                         <a:t>민소매</a:t>
                       </a:r>
-                      <a:endParaRPr lang="en-US" sz="1100">
-                        <a:latin typeface="나눔바른고딕OTF"/>
-                        <a:ea typeface="나눔바른고딕OTF"/>
+                      <a:endParaRPr lang="en-US" sz="1100" b="0">
+                        <a:latin typeface="나눔바른고딕OTF" panose="02020603020101020101" pitchFamily="18" charset="-127"/>
+                        <a:ea typeface="나눔바른고딕OTF" panose="02020603020101020101" pitchFamily="18" charset="-127"/>
                       </a:endParaRPr>
                     </a:p>
                   </a:txBody>
@@ -27789,18 +28745,18 @@
                         </a:defRPr>
                       </a:pPr>
                       <a:r>
-                        <a:rPr lang="en-US" sz="1600" b="0" i="0" u="none" strike="noStrike">
+                        <a:rPr lang="en-US" sz="1600" b="0" i="0" u="none" strike="noStrike" dirty="0">
                           <a:solidFill>
                             <a:srgbClr val="8896D7"/>
                           </a:solidFill>
-                          <a:latin typeface="나눔바른고딕OTF"/>
-                          <a:ea typeface="나눔바른고딕OTF"/>
+                          <a:latin typeface="나눔바른고딕OTF" panose="02020603020101020101" pitchFamily="18" charset="-127"/>
+                          <a:ea typeface="나눔바른고딕OTF" panose="02020603020101020101" pitchFamily="18" charset="-127"/>
                         </a:rPr>
                         <a:t>4000</a:t>
                       </a:r>
-                      <a:endParaRPr lang="en-US" sz="1100">
-                        <a:latin typeface="나눔바른고딕OTF"/>
-                        <a:ea typeface="나눔바른고딕OTF"/>
+                      <a:endParaRPr lang="en-US" sz="1100" b="0" dirty="0">
+                        <a:latin typeface="나눔바른고딕OTF" panose="02020603020101020101" pitchFamily="18" charset="-127"/>
+                        <a:ea typeface="나눔바른고딕OTF" panose="02020603020101020101" pitchFamily="18" charset="-127"/>
                       </a:endParaRPr>
                     </a:p>
                   </a:txBody>
@@ -27872,8 +28828,8 @@
                           <a:solidFill>
                             <a:srgbClr val="8896D7"/>
                           </a:solidFill>
-                          <a:latin typeface="나눔바른고딕OTF"/>
-                          <a:ea typeface="나눔바른고딕OTF"/>
+                          <a:latin typeface="나눔바른고딕OTF" panose="02020603020101020101" pitchFamily="18" charset="-127"/>
+                          <a:ea typeface="나눔바른고딕OTF" panose="02020603020101020101" pitchFamily="18" charset="-127"/>
                         </a:rPr>
                         <a:t>니트</a:t>
                       </a:r>
@@ -27882,8 +28838,8 @@
                           <a:solidFill>
                             <a:srgbClr val="8896D7"/>
                           </a:solidFill>
-                          <a:latin typeface="나눔바른고딕OTF"/>
-                          <a:ea typeface="나눔바른고딕OTF"/>
+                          <a:latin typeface="나눔바른고딕OTF" panose="02020603020101020101" pitchFamily="18" charset="-127"/>
+                          <a:ea typeface="나눔바른고딕OTF" panose="02020603020101020101" pitchFamily="18" charset="-127"/>
                         </a:rPr>
                         <a:t>&amp;</a:t>
                       </a:r>
@@ -27892,14 +28848,14 @@
                           <a:solidFill>
                             <a:srgbClr val="8896D7"/>
                           </a:solidFill>
-                          <a:latin typeface="나눔바른고딕OTF"/>
-                          <a:ea typeface="나눔바른고딕OTF"/>
+                          <a:latin typeface="나눔바른고딕OTF" panose="02020603020101020101" pitchFamily="18" charset="-127"/>
+                          <a:ea typeface="나눔바른고딕OTF" panose="02020603020101020101" pitchFamily="18" charset="-127"/>
                         </a:rPr>
                         <a:t>스웨터</a:t>
                       </a:r>
-                      <a:endParaRPr lang="en-US" sz="1100">
-                        <a:latin typeface="나눔바른고딕OTF"/>
-                        <a:ea typeface="나눔바른고딕OTF"/>
+                      <a:endParaRPr lang="en-US" sz="1100" b="0">
+                        <a:latin typeface="나눔바른고딕OTF" panose="02020603020101020101" pitchFamily="18" charset="-127"/>
+                        <a:ea typeface="나눔바른고딕OTF" panose="02020603020101020101" pitchFamily="18" charset="-127"/>
                       </a:endParaRPr>
                     </a:p>
                   </a:txBody>
@@ -27966,14 +28922,14 @@
                           <a:solidFill>
                             <a:srgbClr val="8896D7"/>
                           </a:solidFill>
-                          <a:latin typeface="나눔바른고딕OTF"/>
-                          <a:ea typeface="나눔바른고딕OTF"/>
+                          <a:latin typeface="나눔바른고딕OTF" panose="02020603020101020101" pitchFamily="18" charset="-127"/>
+                          <a:ea typeface="나눔바른고딕OTF" panose="02020603020101020101" pitchFamily="18" charset="-127"/>
                         </a:rPr>
                         <a:t>4000</a:t>
                       </a:r>
-                      <a:endParaRPr lang="en-US" sz="1100" dirty="0">
-                        <a:latin typeface="나눔바른고딕OTF"/>
-                        <a:ea typeface="나눔바른고딕OTF"/>
+                      <a:endParaRPr lang="en-US" sz="1100" b="0" dirty="0">
+                        <a:latin typeface="나눔바른고딕OTF" panose="02020603020101020101" pitchFamily="18" charset="-127"/>
+                        <a:ea typeface="나눔바른고딕OTF" panose="02020603020101020101" pitchFamily="18" charset="-127"/>
                       </a:endParaRPr>
                     </a:p>
                   </a:txBody>
@@ -28038,7 +28994,7 @@
           <p:nvPr>
             <p:extLst>
               <p:ext uri="{D42A27DB-BD31-4B8C-83A1-F6EECF244321}">
-                <p14:modId xmlns:p14="http://schemas.microsoft.com/office/powerpoint/2010/main" val="1147434135"/>
+                <p14:modId xmlns:p14="http://schemas.microsoft.com/office/powerpoint/2010/main" val="2602698965"/>
               </p:ext>
             </p:extLst>
           </p:nvPr>
@@ -28083,18 +29039,18 @@
                         </a:defRPr>
                       </a:pPr>
                       <a:r>
-                        <a:rPr lang="ko-KR" sz="1700" b="0" i="0" u="none" strike="noStrike">
+                        <a:rPr lang="ko-KR" sz="1700" b="0" i="0" u="none" strike="noStrike" dirty="0">
                           <a:solidFill>
                             <a:srgbClr val="FFFFFF"/>
                           </a:solidFill>
-                          <a:latin typeface="나눔바른고딕OTF"/>
-                          <a:ea typeface="NanumSquare ExtraBold"/>
+                          <a:latin typeface="나눔바른고딕OTF" panose="02020603020101020101" pitchFamily="18" charset="-127"/>
+                          <a:ea typeface="나눔바른고딕OTF" panose="02020603020101020101" pitchFamily="18" charset="-127"/>
                         </a:rPr>
                         <a:t>품목</a:t>
                       </a:r>
-                      <a:endParaRPr lang="en-US" sz="1100">
-                        <a:latin typeface="나눔바른고딕OTF"/>
-                        <a:ea typeface="나눔바른고딕OTF"/>
+                      <a:endParaRPr lang="en-US" sz="1100" dirty="0">
+                        <a:latin typeface="나눔바른고딕OTF" panose="02020603020101020101" pitchFamily="18" charset="-127"/>
+                        <a:ea typeface="나눔바른고딕OTF" panose="02020603020101020101" pitchFamily="18" charset="-127"/>
                       </a:endParaRPr>
                     </a:p>
                   </a:txBody>
@@ -28161,38 +29117,38 @@
                         </a:defRPr>
                       </a:pPr>
                       <a:r>
-                        <a:rPr lang="ko-KR" sz="1700" b="0" i="0" u="none" strike="noStrike">
+                        <a:rPr lang="ko-KR" sz="1700" b="0" i="0" u="none" strike="noStrike" dirty="0">
                           <a:solidFill>
                             <a:srgbClr val="FFFFFF"/>
                           </a:solidFill>
-                          <a:latin typeface="나눔바른고딕OTF"/>
-                          <a:ea typeface="NanumSquare ExtraBold"/>
+                          <a:latin typeface="나눔바른고딕OTF" panose="02020603020101020101" pitchFamily="18" charset="-127"/>
+                          <a:ea typeface="나눔바른고딕OTF" panose="02020603020101020101" pitchFamily="18" charset="-127"/>
                         </a:rPr>
                         <a:t>데이터</a:t>
                       </a:r>
                       <a:r>
-                        <a:rPr lang="en-US" sz="1700" b="0" i="0" u="none" strike="noStrike">
+                        <a:rPr lang="en-US" sz="1700" b="0" i="0" u="none" strike="noStrike" dirty="0">
                           <a:solidFill>
                             <a:srgbClr val="FFFFFF"/>
                           </a:solidFill>
-                          <a:latin typeface="NanumSquare ExtraBold"/>
-                          <a:ea typeface="나눔바른고딕OTF"/>
+                          <a:latin typeface="나눔바른고딕OTF" panose="02020603020101020101" pitchFamily="18" charset="-127"/>
+                          <a:ea typeface="나눔바른고딕OTF" panose="02020603020101020101" pitchFamily="18" charset="-127"/>
                         </a:rPr>
                         <a:t> </a:t>
                       </a:r>
                       <a:r>
-                        <a:rPr lang="ko-KR" sz="1700" b="0" i="0" u="none" strike="noStrike">
+                        <a:rPr lang="ko-KR" sz="1700" b="0" i="0" u="none" strike="noStrike" dirty="0">
                           <a:solidFill>
                             <a:srgbClr val="FFFFFF"/>
                           </a:solidFill>
-                          <a:latin typeface="나눔바른고딕OTF"/>
-                          <a:ea typeface="NanumSquare ExtraBold"/>
+                          <a:latin typeface="나눔바른고딕OTF" panose="02020603020101020101" pitchFamily="18" charset="-127"/>
+                          <a:ea typeface="나눔바른고딕OTF" panose="02020603020101020101" pitchFamily="18" charset="-127"/>
                         </a:rPr>
                         <a:t>개수</a:t>
                       </a:r>
-                      <a:endParaRPr lang="en-US" sz="1100">
-                        <a:latin typeface="나눔바른고딕OTF"/>
-                        <a:ea typeface="나눔바른고딕OTF"/>
+                      <a:endParaRPr lang="en-US" sz="1100" dirty="0">
+                        <a:latin typeface="나눔바른고딕OTF" panose="02020603020101020101" pitchFamily="18" charset="-127"/>
+                        <a:ea typeface="나눔바른고딕OTF" panose="02020603020101020101" pitchFamily="18" charset="-127"/>
                       </a:endParaRPr>
                     </a:p>
                   </a:txBody>
@@ -28264,18 +29220,18 @@
                         </a:defRPr>
                       </a:pPr>
                       <a:r>
-                        <a:rPr lang="ko-KR" sz="1600" b="0" i="0" u="none" strike="noStrike">
+                        <a:rPr lang="ko-KR" sz="1600" b="0" i="0" u="none" strike="noStrike" dirty="0" err="1">
                           <a:solidFill>
                             <a:srgbClr val="8896D7"/>
                           </a:solidFill>
-                          <a:latin typeface="나눔바른고딕OTF"/>
-                          <a:ea typeface="NanumSquare Regular"/>
+                          <a:latin typeface="나눔바른고딕OTF" panose="02020603020101020101" pitchFamily="18" charset="-127"/>
+                          <a:ea typeface="나눔바른고딕OTF" panose="02020603020101020101" pitchFamily="18" charset="-127"/>
                         </a:rPr>
                         <a:t>긴바지</a:t>
                       </a:r>
-                      <a:endParaRPr lang="en-US" sz="1100">
-                        <a:latin typeface="나눔바른고딕OTF"/>
-                        <a:ea typeface="나눔바른고딕OTF"/>
+                      <a:endParaRPr lang="en-US" sz="1100" dirty="0">
+                        <a:latin typeface="나눔바른고딕OTF" panose="02020603020101020101" pitchFamily="18" charset="-127"/>
+                        <a:ea typeface="나눔바른고딕OTF" panose="02020603020101020101" pitchFamily="18" charset="-127"/>
                       </a:endParaRPr>
                     </a:p>
                   </a:txBody>
@@ -28340,18 +29296,18 @@
                         </a:defRPr>
                       </a:pPr>
                       <a:r>
-                        <a:rPr lang="en-US" sz="1600" b="0" i="0" u="none" strike="noStrike">
+                        <a:rPr lang="en-US" sz="1600" b="0" i="0" u="none" strike="noStrike" dirty="0">
                           <a:solidFill>
                             <a:srgbClr val="8896D7"/>
                           </a:solidFill>
-                          <a:latin typeface="NanumSquare Regular"/>
-                          <a:ea typeface="나눔바른고딕OTF"/>
+                          <a:latin typeface="나눔바른고딕OTF" panose="02020603020101020101" pitchFamily="18" charset="-127"/>
+                          <a:ea typeface="나눔바른고딕OTF" panose="02020603020101020101" pitchFamily="18" charset="-127"/>
                         </a:rPr>
                         <a:t>9000</a:t>
                       </a:r>
-                      <a:endParaRPr lang="en-US" sz="1100">
-                        <a:latin typeface="나눔바른고딕OTF"/>
-                        <a:ea typeface="나눔바른고딕OTF"/>
+                      <a:endParaRPr lang="en-US" sz="1100" dirty="0">
+                        <a:latin typeface="나눔바른고딕OTF" panose="02020603020101020101" pitchFamily="18" charset="-127"/>
+                        <a:ea typeface="나눔바른고딕OTF" panose="02020603020101020101" pitchFamily="18" charset="-127"/>
                       </a:endParaRPr>
                     </a:p>
                   </a:txBody>
@@ -28421,18 +29377,18 @@
                         </a:defRPr>
                       </a:pPr>
                       <a:r>
-                        <a:rPr lang="ko-KR" sz="1600" b="0" i="0" u="none" strike="noStrike">
+                        <a:rPr lang="ko-KR" sz="1600" b="0" i="0" u="none" strike="noStrike" dirty="0">
                           <a:solidFill>
                             <a:srgbClr val="8896D7"/>
                           </a:solidFill>
-                          <a:latin typeface="나눔바른고딕OTF"/>
-                          <a:ea typeface="NanumSquare Regular"/>
+                          <a:latin typeface="나눔바른고딕OTF" panose="02020603020101020101" pitchFamily="18" charset="-127"/>
+                          <a:ea typeface="나눔바른고딕OTF" panose="02020603020101020101" pitchFamily="18" charset="-127"/>
                         </a:rPr>
                         <a:t>반바지</a:t>
                       </a:r>
-                      <a:endParaRPr lang="en-US" sz="1100">
-                        <a:latin typeface="나눔바른고딕OTF"/>
-                        <a:ea typeface="나눔바른고딕OTF"/>
+                      <a:endParaRPr lang="en-US" sz="1100" dirty="0">
+                        <a:latin typeface="나눔바른고딕OTF" panose="02020603020101020101" pitchFamily="18" charset="-127"/>
+                        <a:ea typeface="나눔바른고딕OTF" panose="02020603020101020101" pitchFamily="18" charset="-127"/>
                       </a:endParaRPr>
                     </a:p>
                   </a:txBody>
@@ -28495,18 +29451,18 @@
                         </a:defRPr>
                       </a:pPr>
                       <a:r>
-                        <a:rPr lang="en-US" sz="1600" b="0" i="0" u="none" strike="noStrike">
+                        <a:rPr lang="en-US" sz="1600" b="0" i="0" u="none" strike="noStrike" dirty="0">
                           <a:solidFill>
                             <a:srgbClr val="8896D7"/>
                           </a:solidFill>
-                          <a:latin typeface="NanumSquare Regular"/>
-                          <a:ea typeface="나눔바른고딕OTF"/>
+                          <a:latin typeface="나눔바른고딕OTF" panose="02020603020101020101" pitchFamily="18" charset="-127"/>
+                          <a:ea typeface="나눔바른고딕OTF" panose="02020603020101020101" pitchFamily="18" charset="-127"/>
                         </a:rPr>
-                        <a:t>4000</a:t>
+                        <a:t>5000</a:t>
                       </a:r>
-                      <a:endParaRPr lang="en-US" sz="1100">
-                        <a:latin typeface="나눔바른고딕OTF"/>
-                        <a:ea typeface="나눔바른고딕OTF"/>
+                      <a:endParaRPr lang="en-US" sz="1100" dirty="0">
+                        <a:latin typeface="나눔바른고딕OTF" panose="02020603020101020101" pitchFamily="18" charset="-127"/>
+                        <a:ea typeface="나눔바른고딕OTF" panose="02020603020101020101" pitchFamily="18" charset="-127"/>
                       </a:endParaRPr>
                     </a:p>
                   </a:txBody>
@@ -28578,14 +29534,14 @@
                           <a:solidFill>
                             <a:srgbClr val="8896D7"/>
                           </a:solidFill>
-                          <a:latin typeface="나눔바른고딕OTF"/>
-                          <a:ea typeface="NanumSquare Regular"/>
+                          <a:latin typeface="나눔바른고딕OTF" panose="02020603020101020101" pitchFamily="18" charset="-127"/>
+                          <a:ea typeface="나눔바른고딕OTF" panose="02020603020101020101" pitchFamily="18" charset="-127"/>
                         </a:rPr>
                         <a:t>스커트</a:t>
                       </a:r>
                       <a:endParaRPr lang="en-US" sz="1100">
-                        <a:latin typeface="나눔바른고딕OTF"/>
-                        <a:ea typeface="나눔바른고딕OTF"/>
+                        <a:latin typeface="나눔바른고딕OTF" panose="02020603020101020101" pitchFamily="18" charset="-127"/>
+                        <a:ea typeface="나눔바른고딕OTF" panose="02020603020101020101" pitchFamily="18" charset="-127"/>
                       </a:endParaRPr>
                     </a:p>
                   </a:txBody>
@@ -28648,18 +29604,18 @@
                         </a:defRPr>
                       </a:pPr>
                       <a:r>
-                        <a:rPr lang="en-US" sz="1600" b="0" i="0" u="none" strike="noStrike">
+                        <a:rPr lang="en-US" sz="1600" b="0" i="0" u="none" strike="noStrike" dirty="0">
                           <a:solidFill>
                             <a:srgbClr val="8896D7"/>
                           </a:solidFill>
-                          <a:latin typeface="NanumSquare Regular"/>
-                          <a:ea typeface="나눔바른고딕OTF"/>
+                          <a:latin typeface="나눔바른고딕OTF" panose="02020603020101020101" pitchFamily="18" charset="-127"/>
+                          <a:ea typeface="나눔바른고딕OTF" panose="02020603020101020101" pitchFamily="18" charset="-127"/>
                         </a:rPr>
-                        <a:t>4000</a:t>
+                        <a:t>6000</a:t>
                       </a:r>
-                      <a:endParaRPr lang="en-US" sz="1100">
-                        <a:latin typeface="나눔바른고딕OTF"/>
-                        <a:ea typeface="나눔바른고딕OTF"/>
+                      <a:endParaRPr lang="en-US" sz="1100" dirty="0">
+                        <a:latin typeface="나눔바른고딕OTF" panose="02020603020101020101" pitchFamily="18" charset="-127"/>
+                        <a:ea typeface="나눔바른고딕OTF" panose="02020603020101020101" pitchFamily="18" charset="-127"/>
                       </a:endParaRPr>
                     </a:p>
                   </a:txBody>
@@ -28724,7 +29680,7 @@
           <p:nvPr>
             <p:extLst>
               <p:ext uri="{D42A27DB-BD31-4B8C-83A1-F6EECF244321}">
-                <p14:modId xmlns:p14="http://schemas.microsoft.com/office/powerpoint/2010/main" val="1286024091"/>
+                <p14:modId xmlns:p14="http://schemas.microsoft.com/office/powerpoint/2010/main" val="464547064"/>
               </p:ext>
             </p:extLst>
           </p:nvPr>
@@ -28769,18 +29725,18 @@
                         </a:defRPr>
                       </a:pPr>
                       <a:r>
-                        <a:rPr lang="ko-KR" sz="1700" b="0" i="0" u="none" strike="noStrike">
+                        <a:rPr lang="ko-KR" sz="1700" b="0" i="0" u="none" strike="noStrike" dirty="0">
                           <a:solidFill>
                             <a:srgbClr val="FFFFFF"/>
                           </a:solidFill>
-                          <a:latin typeface="나눔바른고딕OTF"/>
-                          <a:ea typeface="NanumSquare ExtraBold"/>
+                          <a:latin typeface="나눔바른고딕OTF" panose="02020603020101020101" pitchFamily="18" charset="-127"/>
+                          <a:ea typeface="나눔바른고딕OTF" panose="02020603020101020101" pitchFamily="18" charset="-127"/>
                         </a:rPr>
                         <a:t>품목</a:t>
                       </a:r>
-                      <a:endParaRPr lang="en-US" sz="1100">
-                        <a:latin typeface="나눔바른고딕OTF"/>
-                        <a:ea typeface="나눔바른고딕OTF"/>
+                      <a:endParaRPr lang="en-US" sz="1100" dirty="0">
+                        <a:latin typeface="나눔바른고딕OTF" panose="02020603020101020101" pitchFamily="18" charset="-127"/>
+                        <a:ea typeface="나눔바른고딕OTF" panose="02020603020101020101" pitchFamily="18" charset="-127"/>
                       </a:endParaRPr>
                     </a:p>
                   </a:txBody>
@@ -28847,38 +29803,38 @@
                         </a:defRPr>
                       </a:pPr>
                       <a:r>
-                        <a:rPr lang="ko-KR" sz="1700" b="0" i="0" u="none" strike="noStrike">
+                        <a:rPr lang="ko-KR" sz="1700" b="0" i="0" u="none" strike="noStrike" dirty="0">
                           <a:solidFill>
                             <a:srgbClr val="FFFFFF"/>
                           </a:solidFill>
-                          <a:latin typeface="나눔바른고딕OTF"/>
-                          <a:ea typeface="NanumSquare ExtraBold"/>
+                          <a:latin typeface="나눔바른고딕OTF" panose="02020603020101020101" pitchFamily="18" charset="-127"/>
+                          <a:ea typeface="나눔바른고딕OTF" panose="02020603020101020101" pitchFamily="18" charset="-127"/>
                         </a:rPr>
                         <a:t>데이터</a:t>
                       </a:r>
                       <a:r>
-                        <a:rPr lang="en-US" sz="1700" b="0" i="0" u="none" strike="noStrike">
+                        <a:rPr lang="en-US" sz="1700" b="0" i="0" u="none" strike="noStrike" dirty="0">
                           <a:solidFill>
                             <a:srgbClr val="FFFFFF"/>
                           </a:solidFill>
-                          <a:latin typeface="NanumSquare ExtraBold"/>
-                          <a:ea typeface="나눔바른고딕OTF"/>
+                          <a:latin typeface="나눔바른고딕OTF" panose="02020603020101020101" pitchFamily="18" charset="-127"/>
+                          <a:ea typeface="나눔바른고딕OTF" panose="02020603020101020101" pitchFamily="18" charset="-127"/>
                         </a:rPr>
                         <a:t> </a:t>
                       </a:r>
                       <a:r>
-                        <a:rPr lang="ko-KR" sz="1700" b="0" i="0" u="none" strike="noStrike">
+                        <a:rPr lang="ko-KR" sz="1700" b="0" i="0" u="none" strike="noStrike" dirty="0">
                           <a:solidFill>
                             <a:srgbClr val="FFFFFF"/>
                           </a:solidFill>
-                          <a:latin typeface="나눔바른고딕OTF"/>
-                          <a:ea typeface="NanumSquare ExtraBold"/>
+                          <a:latin typeface="나눔바른고딕OTF" panose="02020603020101020101" pitchFamily="18" charset="-127"/>
+                          <a:ea typeface="나눔바른고딕OTF" panose="02020603020101020101" pitchFamily="18" charset="-127"/>
                         </a:rPr>
                         <a:t>개수</a:t>
                       </a:r>
-                      <a:endParaRPr lang="en-US" sz="1100">
-                        <a:latin typeface="나눔바른고딕OTF"/>
-                        <a:ea typeface="나눔바른고딕OTF"/>
+                      <a:endParaRPr lang="en-US" sz="1100" dirty="0">
+                        <a:latin typeface="나눔바른고딕OTF" panose="02020603020101020101" pitchFamily="18" charset="-127"/>
+                        <a:ea typeface="나눔바른고딕OTF" panose="02020603020101020101" pitchFamily="18" charset="-127"/>
                       </a:endParaRPr>
                     </a:p>
                   </a:txBody>
@@ -28954,14 +29910,14 @@
                           <a:solidFill>
                             <a:srgbClr val="8896D7"/>
                           </a:solidFill>
-                          <a:latin typeface="나눔바른고딕OTF"/>
-                          <a:ea typeface="NanumSquare Regular"/>
+                          <a:latin typeface="나눔바른고딕OTF" panose="02020603020101020101" pitchFamily="18" charset="-127"/>
+                          <a:ea typeface="나눔바른고딕OTF" panose="02020603020101020101" pitchFamily="18" charset="-127"/>
                         </a:rPr>
                         <a:t>원피스</a:t>
                       </a:r>
                       <a:endParaRPr lang="en-US" sz="1100">
-                        <a:latin typeface="나눔바른고딕OTF"/>
-                        <a:ea typeface="나눔바른고딕OTF"/>
+                        <a:latin typeface="나눔바른고딕OTF" panose="02020603020101020101" pitchFamily="18" charset="-127"/>
+                        <a:ea typeface="나눔바른고딕OTF" panose="02020603020101020101" pitchFamily="18" charset="-127"/>
                       </a:endParaRPr>
                     </a:p>
                   </a:txBody>
@@ -29026,18 +29982,18 @@
                         </a:defRPr>
                       </a:pPr>
                       <a:r>
-                        <a:rPr lang="en-US" sz="1600" b="0" i="0" u="none" strike="noStrike">
+                        <a:rPr lang="en-US" sz="1600" b="0" i="0" u="none" strike="noStrike" dirty="0">
                           <a:solidFill>
                             <a:srgbClr val="8896D7"/>
                           </a:solidFill>
-                          <a:latin typeface="NanumSquare Regular"/>
-                          <a:ea typeface="나눔바른고딕OTF"/>
+                          <a:latin typeface="나눔바른고딕OTF" panose="02020603020101020101" pitchFamily="18" charset="-127"/>
+                          <a:ea typeface="나눔바른고딕OTF" panose="02020603020101020101" pitchFamily="18" charset="-127"/>
                         </a:rPr>
-                        <a:t>9000</a:t>
+                        <a:t>6000</a:t>
                       </a:r>
-                      <a:endParaRPr lang="en-US" sz="1100">
-                        <a:latin typeface="나눔바른고딕OTF"/>
-                        <a:ea typeface="나눔바른고딕OTF"/>
+                      <a:endParaRPr lang="en-US" sz="1100" dirty="0">
+                        <a:latin typeface="나눔바른고딕OTF" panose="02020603020101020101" pitchFamily="18" charset="-127"/>
+                        <a:ea typeface="나눔바른고딕OTF" panose="02020603020101020101" pitchFamily="18" charset="-127"/>
                       </a:endParaRPr>
                     </a:p>
                   </a:txBody>
@@ -29111,14 +30067,14 @@
                           <a:solidFill>
                             <a:srgbClr val="8896D7"/>
                           </a:solidFill>
-                          <a:latin typeface="나눔바른고딕OTF"/>
-                          <a:ea typeface="NanumSquare Regular"/>
+                          <a:latin typeface="나눔바른고딕OTF" panose="02020603020101020101" pitchFamily="18" charset="-127"/>
+                          <a:ea typeface="나눔바른고딕OTF" panose="02020603020101020101" pitchFamily="18" charset="-127"/>
                         </a:rPr>
                         <a:t>점프슈트</a:t>
                       </a:r>
                       <a:endParaRPr lang="en-US" sz="1100">
-                        <a:latin typeface="나눔바른고딕OTF"/>
-                        <a:ea typeface="나눔바른고딕OTF"/>
+                        <a:latin typeface="나눔바른고딕OTF" panose="02020603020101020101" pitchFamily="18" charset="-127"/>
+                        <a:ea typeface="나눔바른고딕OTF" panose="02020603020101020101" pitchFamily="18" charset="-127"/>
                       </a:endParaRPr>
                     </a:p>
                   </a:txBody>
@@ -29181,18 +30137,18 @@
                         </a:defRPr>
                       </a:pPr>
                       <a:r>
-                        <a:rPr lang="en-US" sz="1600" b="0" i="0" u="none" strike="noStrike">
+                        <a:rPr lang="en-US" sz="1600" b="0" i="0" u="none" strike="noStrike" dirty="0">
                           <a:solidFill>
                             <a:srgbClr val="8896D7"/>
                           </a:solidFill>
-                          <a:latin typeface="NanumSquare Regular"/>
-                          <a:ea typeface="나눔바른고딕OTF"/>
+                          <a:latin typeface="나눔바른고딕OTF" panose="02020603020101020101" pitchFamily="18" charset="-127"/>
+                          <a:ea typeface="나눔바른고딕OTF" panose="02020603020101020101" pitchFamily="18" charset="-127"/>
                         </a:rPr>
-                        <a:t>4000</a:t>
+                        <a:t>1000</a:t>
                       </a:r>
-                      <a:endParaRPr lang="en-US" sz="1100">
-                        <a:latin typeface="나눔바른고딕OTF"/>
-                        <a:ea typeface="나눔바른고딕OTF"/>
+                      <a:endParaRPr lang="en-US" sz="1100" dirty="0">
+                        <a:latin typeface="나눔바른고딕OTF" panose="02020603020101020101" pitchFamily="18" charset="-127"/>
+                        <a:ea typeface="나눔바른고딕OTF" panose="02020603020101020101" pitchFamily="18" charset="-127"/>
                       </a:endParaRPr>
                     </a:p>
                   </a:txBody>
@@ -29576,7 +30532,7 @@
                 <a:latin typeface="나눔바른고딕OTF"/>
                 <a:ea typeface="나눔바른고딕OTF"/>
               </a:rPr>
-              <a:t>52000</a:t>
+              <a:t>52,000</a:t>
             </a:r>
             <a:r>
               <a:rPr lang="ko-KR" altLang="en-US" sz="2800" b="0" i="0" u="none" strike="noStrike" spc="-100" dirty="0">
@@ -29641,7 +30597,7 @@
                 <a:latin typeface="나눔바른고딕OTF"/>
                 <a:ea typeface="나눔바른고딕OTF"/>
               </a:rPr>
-              <a:t>5000</a:t>
+              <a:t>5,000</a:t>
             </a:r>
             <a:r>
               <a:rPr lang="ko-KR" altLang="en-US" sz="2800" spc="-100" dirty="0">
@@ -30032,7 +30988,7 @@
               <a:defRPr/>
             </a:pPr>
             <a:r>
-              <a:rPr lang="ko-KR" sz="10000" b="0" i="0" u="none" strike="noStrike">
+              <a:rPr lang="ko-KR" sz="10000" b="0" i="0" u="none" strike="noStrike" dirty="0">
                 <a:solidFill>
                   <a:srgbClr val="006BB1"/>
                 </a:solidFill>
@@ -30042,7 +30998,7 @@
               <a:t>모델</a:t>
             </a:r>
             <a:r>
-              <a:rPr lang="en-US" sz="10000" b="0" i="0" u="none" strike="noStrike">
+              <a:rPr lang="en-US" sz="10000" b="0" i="0" u="none" strike="noStrike" dirty="0">
                 <a:solidFill>
                   <a:srgbClr val="006BB1"/>
                 </a:solidFill>
@@ -30052,7 +31008,7 @@
               <a:t> </a:t>
             </a:r>
             <a:r>
-              <a:rPr lang="ko-KR" sz="10000" b="0" i="0" u="none" strike="noStrike">
+              <a:rPr lang="ko-KR" sz="10000" b="0" i="0" u="none" strike="noStrike" dirty="0">
                 <a:solidFill>
                   <a:srgbClr val="006BB1"/>
                 </a:solidFill>
@@ -30505,4 +31461,299 @@
   <a:objectDefaults/>
   <a:extraClrSchemeLst/>
 </a:theme>
+</file>
+
+<file path=ppt/theme/theme2.xml><?xml version="1.0" encoding="utf-8"?>
+<a:theme xmlns:a="http://schemas.openxmlformats.org/drawingml/2006/main" name="Office 테마">
+  <a:themeElements>
+    <a:clrScheme name="Office">
+      <a:dk1>
+        <a:sysClr val="windowText" lastClr="000000"/>
+      </a:dk1>
+      <a:lt1>
+        <a:sysClr val="window" lastClr="FFFFFF"/>
+      </a:lt1>
+      <a:dk2>
+        <a:srgbClr val="44546A"/>
+      </a:dk2>
+      <a:lt2>
+        <a:srgbClr val="E7E6E6"/>
+      </a:lt2>
+      <a:accent1>
+        <a:srgbClr val="4472C4"/>
+      </a:accent1>
+      <a:accent2>
+        <a:srgbClr val="ED7D31"/>
+      </a:accent2>
+      <a:accent3>
+        <a:srgbClr val="A5A5A5"/>
+      </a:accent3>
+      <a:accent4>
+        <a:srgbClr val="FFC000"/>
+      </a:accent4>
+      <a:accent5>
+        <a:srgbClr val="5B9BD5"/>
+      </a:accent5>
+      <a:accent6>
+        <a:srgbClr val="70AD47"/>
+      </a:accent6>
+      <a:hlink>
+        <a:srgbClr val="0563C1"/>
+      </a:hlink>
+      <a:folHlink>
+        <a:srgbClr val="954F72"/>
+      </a:folHlink>
+    </a:clrScheme>
+    <a:fontScheme name="Office">
+      <a:majorFont>
+        <a:latin typeface="맑은 고딕" panose="020F0302020204030204"/>
+        <a:ea typeface=""/>
+        <a:cs typeface=""/>
+        <a:font script="Jpan" typeface="游ゴシック Light"/>
+        <a:font script="Hang" typeface="맑은 고딕"/>
+        <a:font script="Hans" typeface="等线 Light"/>
+        <a:font script="Hant" typeface="新細明體"/>
+        <a:font script="Arab" typeface="Times New Roman"/>
+        <a:font script="Hebr" typeface="Times New Roman"/>
+        <a:font script="Thai" typeface="Angsana New"/>
+        <a:font script="Ethi" typeface="Nyala"/>
+        <a:font script="Beng" typeface="Vrinda"/>
+        <a:font script="Gujr" typeface="Shruti"/>
+        <a:font script="Khmr" typeface="MoolBoran"/>
+        <a:font script="Knda" typeface="Tunga"/>
+        <a:font script="Guru" typeface="Raavi"/>
+        <a:font script="Cans" typeface="Euphemia"/>
+        <a:font script="Cher" typeface="Plantagenet Cherokee"/>
+        <a:font script="Yiii" typeface="Microsoft Yi Baiti"/>
+        <a:font script="Tibt" typeface="Microsoft Himalaya"/>
+        <a:font script="Thaa" typeface="MV Boli"/>
+        <a:font script="Deva" typeface="Mangal"/>
+        <a:font script="Telu" typeface="Gautami"/>
+        <a:font script="Taml" typeface="Latha"/>
+        <a:font script="Syrc" typeface="Estrangelo Edessa"/>
+        <a:font script="Orya" typeface="Kalinga"/>
+        <a:font script="Mlym" typeface="Kartika"/>
+        <a:font script="Laoo" typeface="DokChampa"/>
+        <a:font script="Sinh" typeface="Iskoola Pota"/>
+        <a:font script="Mong" typeface="Mongolian Baiti"/>
+        <a:font script="Viet" typeface="Times New Roman"/>
+        <a:font script="Uigh" typeface="Microsoft Uighur"/>
+        <a:font script="Geor" typeface="Sylfaen"/>
+        <a:font script="Armn" typeface="Arial"/>
+        <a:font script="Bugi" typeface="Leelawadee UI"/>
+        <a:font script="Bopo" typeface="Microsoft JhengHei"/>
+        <a:font script="Java" typeface="Javanese Text"/>
+        <a:font script="Lisu" typeface="Segoe UI"/>
+        <a:font script="Mymr" typeface="Myanmar Text"/>
+        <a:font script="Nkoo" typeface="Ebrima"/>
+        <a:font script="Olck" typeface="Nirmala UI"/>
+        <a:font script="Osma" typeface="Ebrima"/>
+        <a:font script="Phag" typeface="Phagspa"/>
+        <a:font script="Syrn" typeface="Estrangelo Edessa"/>
+        <a:font script="Syrj" typeface="Estrangelo Edessa"/>
+        <a:font script="Syre" typeface="Estrangelo Edessa"/>
+        <a:font script="Sora" typeface="Nirmala UI"/>
+        <a:font script="Tale" typeface="Microsoft Tai Le"/>
+        <a:font script="Talu" typeface="Microsoft New Tai Lue"/>
+        <a:font script="Tfng" typeface="Ebrima"/>
+      </a:majorFont>
+      <a:minorFont>
+        <a:latin typeface="맑은 고딕" panose="020F0502020204030204"/>
+        <a:ea typeface=""/>
+        <a:cs typeface=""/>
+        <a:font script="Jpan" typeface="游ゴシック"/>
+        <a:font script="Hang" typeface="맑은 고딕"/>
+        <a:font script="Hans" typeface="等线"/>
+        <a:font script="Hant" typeface="新細明體"/>
+        <a:font script="Arab" typeface="Arial"/>
+        <a:font script="Hebr" typeface="Arial"/>
+        <a:font script="Thai" typeface="Cordia New"/>
+        <a:font script="Ethi" typeface="Nyala"/>
+        <a:font script="Beng" typeface="Vrinda"/>
+        <a:font script="Gujr" typeface="Shruti"/>
+        <a:font script="Khmr" typeface="DaunPenh"/>
+        <a:font script="Knda" typeface="Tunga"/>
+        <a:font script="Guru" typeface="Raavi"/>
+        <a:font script="Cans" typeface="Euphemia"/>
+        <a:font script="Cher" typeface="Plantagenet Cherokee"/>
+        <a:font script="Yiii" typeface="Microsoft Yi Baiti"/>
+        <a:font script="Tibt" typeface="Microsoft Himalaya"/>
+        <a:font script="Thaa" typeface="MV Boli"/>
+        <a:font script="Deva" typeface="Mangal"/>
+        <a:font script="Telu" typeface="Gautami"/>
+        <a:font script="Taml" typeface="Latha"/>
+        <a:font script="Syrc" typeface="Estrangelo Edessa"/>
+        <a:font script="Orya" typeface="Kalinga"/>
+        <a:font script="Mlym" typeface="Kartika"/>
+        <a:font script="Laoo" typeface="DokChampa"/>
+        <a:font script="Sinh" typeface="Iskoola Pota"/>
+        <a:font script="Mong" typeface="Mongolian Baiti"/>
+        <a:font script="Viet" typeface="Arial"/>
+        <a:font script="Uigh" typeface="Microsoft Uighur"/>
+        <a:font script="Geor" typeface="Sylfaen"/>
+        <a:font script="Armn" typeface="Arial"/>
+        <a:font script="Bugi" typeface="Leelawadee UI"/>
+        <a:font script="Bopo" typeface="Microsoft JhengHei"/>
+        <a:font script="Java" typeface="Javanese Text"/>
+        <a:font script="Lisu" typeface="Segoe UI"/>
+        <a:font script="Mymr" typeface="Myanmar Text"/>
+        <a:font script="Nkoo" typeface="Ebrima"/>
+        <a:font script="Olck" typeface="Nirmala UI"/>
+        <a:font script="Osma" typeface="Ebrima"/>
+        <a:font script="Phag" typeface="Phagspa"/>
+        <a:font script="Syrn" typeface="Estrangelo Edessa"/>
+        <a:font script="Syrj" typeface="Estrangelo Edessa"/>
+        <a:font script="Syre" typeface="Estrangelo Edessa"/>
+        <a:font script="Sora" typeface="Nirmala UI"/>
+        <a:font script="Tale" typeface="Microsoft Tai Le"/>
+        <a:font script="Talu" typeface="Microsoft New Tai Lue"/>
+        <a:font script="Tfng" typeface="Ebrima"/>
+      </a:minorFont>
+    </a:fontScheme>
+    <a:fmtScheme name="Office">
+      <a:fillStyleLst>
+        <a:solidFill>
+          <a:schemeClr val="phClr"/>
+        </a:solidFill>
+        <a:gradFill rotWithShape="1">
+          <a:gsLst>
+            <a:gs pos="0">
+              <a:schemeClr val="phClr">
+                <a:lumMod val="110000"/>
+                <a:satMod val="105000"/>
+                <a:tint val="67000"/>
+              </a:schemeClr>
+            </a:gs>
+            <a:gs pos="50000">
+              <a:schemeClr val="phClr">
+                <a:lumMod val="105000"/>
+                <a:satMod val="103000"/>
+                <a:tint val="73000"/>
+              </a:schemeClr>
+            </a:gs>
+            <a:gs pos="100000">
+              <a:schemeClr val="phClr">
+                <a:lumMod val="105000"/>
+                <a:satMod val="109000"/>
+                <a:tint val="81000"/>
+              </a:schemeClr>
+            </a:gs>
+          </a:gsLst>
+          <a:lin ang="5400000" scaled="0"/>
+        </a:gradFill>
+        <a:gradFill rotWithShape="1">
+          <a:gsLst>
+            <a:gs pos="0">
+              <a:schemeClr val="phClr">
+                <a:satMod val="103000"/>
+                <a:lumMod val="102000"/>
+                <a:tint val="94000"/>
+              </a:schemeClr>
+            </a:gs>
+            <a:gs pos="50000">
+              <a:schemeClr val="phClr">
+                <a:satMod val="110000"/>
+                <a:lumMod val="100000"/>
+                <a:shade val="100000"/>
+              </a:schemeClr>
+            </a:gs>
+            <a:gs pos="100000">
+              <a:schemeClr val="phClr">
+                <a:lumMod val="99000"/>
+                <a:satMod val="120000"/>
+                <a:shade val="78000"/>
+              </a:schemeClr>
+            </a:gs>
+          </a:gsLst>
+          <a:lin ang="5400000" scaled="0"/>
+        </a:gradFill>
+      </a:fillStyleLst>
+      <a:lnStyleLst>
+        <a:ln w="6350" cap="flat" cmpd="sng" algn="ctr">
+          <a:solidFill>
+            <a:schemeClr val="phClr"/>
+          </a:solidFill>
+          <a:prstDash val="solid"/>
+          <a:miter lim="800000"/>
+        </a:ln>
+        <a:ln w="12700" cap="flat" cmpd="sng" algn="ctr">
+          <a:solidFill>
+            <a:schemeClr val="phClr"/>
+          </a:solidFill>
+          <a:prstDash val="solid"/>
+          <a:miter lim="800000"/>
+        </a:ln>
+        <a:ln w="19050" cap="flat" cmpd="sng" algn="ctr">
+          <a:solidFill>
+            <a:schemeClr val="phClr"/>
+          </a:solidFill>
+          <a:prstDash val="solid"/>
+          <a:miter lim="800000"/>
+        </a:ln>
+      </a:lnStyleLst>
+      <a:effectStyleLst>
+        <a:effectStyle>
+          <a:effectLst/>
+        </a:effectStyle>
+        <a:effectStyle>
+          <a:effectLst/>
+        </a:effectStyle>
+        <a:effectStyle>
+          <a:effectLst>
+            <a:outerShdw blurRad="57150" dist="19050" dir="5400000" algn="ctr" rotWithShape="0">
+              <a:srgbClr val="000000">
+                <a:alpha val="63000"/>
+              </a:srgbClr>
+            </a:outerShdw>
+          </a:effectLst>
+        </a:effectStyle>
+      </a:effectStyleLst>
+      <a:bgFillStyleLst>
+        <a:solidFill>
+          <a:schemeClr val="phClr"/>
+        </a:solidFill>
+        <a:solidFill>
+          <a:schemeClr val="phClr">
+            <a:tint val="95000"/>
+            <a:satMod val="170000"/>
+          </a:schemeClr>
+        </a:solidFill>
+        <a:gradFill rotWithShape="1">
+          <a:gsLst>
+            <a:gs pos="0">
+              <a:schemeClr val="phClr">
+                <a:tint val="93000"/>
+                <a:satMod val="150000"/>
+                <a:shade val="98000"/>
+                <a:lumMod val="102000"/>
+              </a:schemeClr>
+            </a:gs>
+            <a:gs pos="50000">
+              <a:schemeClr val="phClr">
+                <a:tint val="98000"/>
+                <a:satMod val="130000"/>
+                <a:shade val="90000"/>
+                <a:lumMod val="103000"/>
+              </a:schemeClr>
+            </a:gs>
+            <a:gs pos="100000">
+              <a:schemeClr val="phClr">
+                <a:shade val="63000"/>
+                <a:satMod val="120000"/>
+              </a:schemeClr>
+            </a:gs>
+          </a:gsLst>
+          <a:lin ang="5400000" scaled="0"/>
+        </a:gradFill>
+      </a:bgFillStyleLst>
+    </a:fmtScheme>
+  </a:themeElements>
+  <a:objectDefaults/>
+  <a:extraClrSchemeLst/>
+  <a:extLst>
+    <a:ext uri="{05A4C25C-085E-4340-85A3-A5531E510DB2}">
+      <thm15:themeFamily xmlns:thm15="http://schemas.microsoft.com/office/thememl/2012/main" name="Office Theme" id="{62F939B6-93AF-4DB8-9C6B-D6C7DFDC589F}" vid="{4A3C46E8-61CC-4603-A589-7422A47A8E4A}"/>
+    </a:ext>
+  </a:extLst>
+</a:theme>
 </file>